--- a/research/loren/busy_bee_ideas.pptx
+++ b/research/loren/busy_bee_ideas.pptx
@@ -5,7 +5,7 @@
     <p:sldMasterId id="2147483648" r:id="rId1"/>
   </p:sldMasterIdLst>
   <p:notesMasterIdLst>
-    <p:notesMasterId r:id="rId40"/>
+    <p:notesMasterId r:id="rId43"/>
   </p:notesMasterIdLst>
   <p:sldIdLst>
     <p:sldId id="256" r:id="rId2"/>
@@ -38,14 +38,17 @@
     <p:sldId id="320" r:id="rId29"/>
     <p:sldId id="321" r:id="rId30"/>
     <p:sldId id="322" r:id="rId31"/>
-    <p:sldId id="323" r:id="rId32"/>
-    <p:sldId id="270" r:id="rId33"/>
-    <p:sldId id="271" r:id="rId34"/>
-    <p:sldId id="273" r:id="rId35"/>
-    <p:sldId id="275" r:id="rId36"/>
-    <p:sldId id="276" r:id="rId37"/>
-    <p:sldId id="274" r:id="rId38"/>
-    <p:sldId id="277" r:id="rId39"/>
+    <p:sldId id="325" r:id="rId32"/>
+    <p:sldId id="324" r:id="rId33"/>
+    <p:sldId id="326" r:id="rId34"/>
+    <p:sldId id="327" r:id="rId35"/>
+    <p:sldId id="270" r:id="rId36"/>
+    <p:sldId id="271" r:id="rId37"/>
+    <p:sldId id="273" r:id="rId38"/>
+    <p:sldId id="275" r:id="rId39"/>
+    <p:sldId id="276" r:id="rId40"/>
+    <p:sldId id="274" r:id="rId41"/>
+    <p:sldId id="277" r:id="rId42"/>
   </p:sldIdLst>
   <p:sldSz cx="12192000" cy="6858000"/>
   <p:notesSz cx="6858000" cy="9144000"/>
@@ -234,7 +237,7 @@
           <a:p>
             <a:fld id="{076AB3D5-AD05-5F40-BE2C-8C0372DC20CC}" type="datetimeFigureOut">
               <a:rPr lang="en-US" smtClean="0"/>
-              <a:t>8/25/23</a:t>
+              <a:t>8/31/23</a:t>
             </a:fld>
             <a:endParaRPr lang="en-US"/>
           </a:p>
@@ -735,7 +738,7 @@
           <a:p>
             <a:fld id="{B1DC179A-E86A-EF48-8C3E-7AEB49C8E1A9}" type="datetimeFigureOut">
               <a:rPr lang="en-US" smtClean="0"/>
-              <a:t>8/25/23</a:t>
+              <a:t>8/31/23</a:t>
             </a:fld>
             <a:endParaRPr lang="en-US"/>
           </a:p>
@@ -933,7 +936,7 @@
           <a:p>
             <a:fld id="{B1DC179A-E86A-EF48-8C3E-7AEB49C8E1A9}" type="datetimeFigureOut">
               <a:rPr lang="en-US" smtClean="0"/>
-              <a:t>8/25/23</a:t>
+              <a:t>8/31/23</a:t>
             </a:fld>
             <a:endParaRPr lang="en-US"/>
           </a:p>
@@ -1141,7 +1144,7 @@
           <a:p>
             <a:fld id="{B1DC179A-E86A-EF48-8C3E-7AEB49C8E1A9}" type="datetimeFigureOut">
               <a:rPr lang="en-US" smtClean="0"/>
-              <a:t>8/25/23</a:t>
+              <a:t>8/31/23</a:t>
             </a:fld>
             <a:endParaRPr lang="en-US"/>
           </a:p>
@@ -1339,7 +1342,7 @@
           <a:p>
             <a:fld id="{B1DC179A-E86A-EF48-8C3E-7AEB49C8E1A9}" type="datetimeFigureOut">
               <a:rPr lang="en-US" smtClean="0"/>
-              <a:t>8/25/23</a:t>
+              <a:t>8/31/23</a:t>
             </a:fld>
             <a:endParaRPr lang="en-US"/>
           </a:p>
@@ -1614,7 +1617,7 @@
           <a:p>
             <a:fld id="{B1DC179A-E86A-EF48-8C3E-7AEB49C8E1A9}" type="datetimeFigureOut">
               <a:rPr lang="en-US" smtClean="0"/>
-              <a:t>8/25/23</a:t>
+              <a:t>8/31/23</a:t>
             </a:fld>
             <a:endParaRPr lang="en-US"/>
           </a:p>
@@ -1879,7 +1882,7 @@
           <a:p>
             <a:fld id="{B1DC179A-E86A-EF48-8C3E-7AEB49C8E1A9}" type="datetimeFigureOut">
               <a:rPr lang="en-US" smtClean="0"/>
-              <a:t>8/25/23</a:t>
+              <a:t>8/31/23</a:t>
             </a:fld>
             <a:endParaRPr lang="en-US"/>
           </a:p>
@@ -2291,7 +2294,7 @@
           <a:p>
             <a:fld id="{B1DC179A-E86A-EF48-8C3E-7AEB49C8E1A9}" type="datetimeFigureOut">
               <a:rPr lang="en-US" smtClean="0"/>
-              <a:t>8/25/23</a:t>
+              <a:t>8/31/23</a:t>
             </a:fld>
             <a:endParaRPr lang="en-US"/>
           </a:p>
@@ -2432,7 +2435,7 @@
           <a:p>
             <a:fld id="{B1DC179A-E86A-EF48-8C3E-7AEB49C8E1A9}" type="datetimeFigureOut">
               <a:rPr lang="en-US" smtClean="0"/>
-              <a:t>8/25/23</a:t>
+              <a:t>8/31/23</a:t>
             </a:fld>
             <a:endParaRPr lang="en-US"/>
           </a:p>
@@ -2545,7 +2548,7 @@
           <a:p>
             <a:fld id="{B1DC179A-E86A-EF48-8C3E-7AEB49C8E1A9}" type="datetimeFigureOut">
               <a:rPr lang="en-US" smtClean="0"/>
-              <a:t>8/25/23</a:t>
+              <a:t>8/31/23</a:t>
             </a:fld>
             <a:endParaRPr lang="en-US"/>
           </a:p>
@@ -2856,7 +2859,7 @@
           <a:p>
             <a:fld id="{B1DC179A-E86A-EF48-8C3E-7AEB49C8E1A9}" type="datetimeFigureOut">
               <a:rPr lang="en-US" smtClean="0"/>
-              <a:t>8/25/23</a:t>
+              <a:t>8/31/23</a:t>
             </a:fld>
             <a:endParaRPr lang="en-US"/>
           </a:p>
@@ -3144,7 +3147,7 @@
           <a:p>
             <a:fld id="{B1DC179A-E86A-EF48-8C3E-7AEB49C8E1A9}" type="datetimeFigureOut">
               <a:rPr lang="en-US" smtClean="0"/>
-              <a:t>8/25/23</a:t>
+              <a:t>8/31/23</a:t>
             </a:fld>
             <a:endParaRPr lang="en-US"/>
           </a:p>
@@ -3385,7 +3388,7 @@
           <a:p>
             <a:fld id="{B1DC179A-E86A-EF48-8C3E-7AEB49C8E1A9}" type="datetimeFigureOut">
               <a:rPr lang="en-US" smtClean="0"/>
-              <a:t>8/25/23</a:t>
+              <a:t>8/31/23</a:t>
             </a:fld>
             <a:endParaRPr lang="en-US"/>
           </a:p>
@@ -6085,8 +6088,8 @@
           </a:p>
         </p:txBody>
       </p:sp>
-      <mc:AlternateContent xmlns:mc="http://schemas.openxmlformats.org/markup-compatibility/2006">
-        <mc:Choice xmlns:a14="http://schemas.microsoft.com/office/drawing/2010/main" Requires="a14">
+      <mc:AlternateContent xmlns:mc="http://schemas.openxmlformats.org/markup-compatibility/2006" xmlns:a14="http://schemas.microsoft.com/office/drawing/2010/main">
+        <mc:Choice Requires="a14">
           <p:sp>
             <p:nvSpPr>
               <p:cNvPr id="3" name="Content Placeholder 2">
@@ -6348,7 +6351,7 @@
             </p:txBody>
           </p:sp>
         </mc:Choice>
-        <mc:Fallback>
+        <mc:Fallback xmlns="">
           <p:sp>
             <p:nvSpPr>
               <p:cNvPr id="3" name="Content Placeholder 2">
@@ -6446,8 +6449,8 @@
           </a:p>
         </p:txBody>
       </p:sp>
-      <mc:AlternateContent xmlns:mc="http://schemas.openxmlformats.org/markup-compatibility/2006">
-        <mc:Choice xmlns:a14="http://schemas.microsoft.com/office/drawing/2010/main" Requires="a14">
+      <mc:AlternateContent xmlns:mc="http://schemas.openxmlformats.org/markup-compatibility/2006" xmlns:a14="http://schemas.microsoft.com/office/drawing/2010/main">
+        <mc:Choice Requires="a14">
           <p:sp>
             <p:nvSpPr>
               <p:cNvPr id="3" name="Content Placeholder 2">
@@ -6943,7 +6946,7 @@
             </p:txBody>
           </p:sp>
         </mc:Choice>
-        <mc:Fallback>
+        <mc:Fallback xmlns="">
           <p:sp>
             <p:nvSpPr>
               <p:cNvPr id="3" name="Content Placeholder 2">
@@ -7041,8 +7044,8 @@
           </a:p>
         </p:txBody>
       </p:sp>
-      <mc:AlternateContent xmlns:mc="http://schemas.openxmlformats.org/markup-compatibility/2006">
-        <mc:Choice xmlns:a14="http://schemas.microsoft.com/office/drawing/2010/main" Requires="a14">
+      <mc:AlternateContent xmlns:mc="http://schemas.openxmlformats.org/markup-compatibility/2006" xmlns:a14="http://schemas.microsoft.com/office/drawing/2010/main">
+        <mc:Choice Requires="a14">
           <p:sp>
             <p:nvSpPr>
               <p:cNvPr id="3" name="Content Placeholder 2">
@@ -7942,7 +7945,7 @@
             </p:txBody>
           </p:sp>
         </mc:Choice>
-        <mc:Fallback>
+        <mc:Fallback xmlns="">
           <p:sp>
             <p:nvSpPr>
               <p:cNvPr id="3" name="Content Placeholder 2">
@@ -8040,8 +8043,8 @@
           </a:p>
         </p:txBody>
       </p:sp>
-      <mc:AlternateContent xmlns:mc="http://schemas.openxmlformats.org/markup-compatibility/2006">
-        <mc:Choice xmlns:a14="http://schemas.microsoft.com/office/drawing/2010/main" Requires="a14">
+      <mc:AlternateContent xmlns:mc="http://schemas.openxmlformats.org/markup-compatibility/2006" xmlns:a14="http://schemas.microsoft.com/office/drawing/2010/main">
+        <mc:Choice Requires="a14">
           <p:sp>
             <p:nvSpPr>
               <p:cNvPr id="3" name="Content Placeholder 2">
@@ -9017,7 +9020,7 @@
             </p:txBody>
           </p:sp>
         </mc:Choice>
-        <mc:Fallback>
+        <mc:Fallback xmlns="">
           <p:sp>
             <p:nvSpPr>
               <p:cNvPr id="3" name="Content Placeholder 2">
@@ -9115,8 +9118,8 @@
           </a:p>
         </p:txBody>
       </p:sp>
-      <mc:AlternateContent xmlns:mc="http://schemas.openxmlformats.org/markup-compatibility/2006">
-        <mc:Choice xmlns:a14="http://schemas.microsoft.com/office/drawing/2010/main" Requires="a14">
+      <mc:AlternateContent xmlns:mc="http://schemas.openxmlformats.org/markup-compatibility/2006" xmlns:a14="http://schemas.microsoft.com/office/drawing/2010/main">
+        <mc:Choice Requires="a14">
           <p:sp>
             <p:nvSpPr>
               <p:cNvPr id="3" name="Content Placeholder 2">
@@ -9175,7 +9178,7 @@
             </p:txBody>
           </p:sp>
         </mc:Choice>
-        <mc:Fallback>
+        <mc:Fallback xmlns="">
           <p:sp>
             <p:nvSpPr>
               <p:cNvPr id="3" name="Content Placeholder 2">
@@ -9438,8 +9441,8 @@
           </a:p>
         </p:txBody>
       </p:sp>
-      <mc:AlternateContent xmlns:mc="http://schemas.openxmlformats.org/markup-compatibility/2006">
-        <mc:Choice xmlns:a14="http://schemas.microsoft.com/office/drawing/2010/main" Requires="a14">
+      <mc:AlternateContent xmlns:mc="http://schemas.openxmlformats.org/markup-compatibility/2006" xmlns:a14="http://schemas.microsoft.com/office/drawing/2010/main">
+        <mc:Choice Requires="a14">
           <p:sp>
             <p:nvSpPr>
               <p:cNvPr id="3" name="Content Placeholder 2">
@@ -9504,7 +9507,7 @@
             </p:txBody>
           </p:sp>
         </mc:Choice>
-        <mc:Fallback>
+        <mc:Fallback xmlns="">
           <p:sp>
             <p:nvSpPr>
               <p:cNvPr id="3" name="Content Placeholder 2">
@@ -9602,8 +9605,8 @@
           </a:p>
         </p:txBody>
       </p:sp>
-      <mc:AlternateContent xmlns:mc="http://schemas.openxmlformats.org/markup-compatibility/2006">
-        <mc:Choice xmlns:a14="http://schemas.microsoft.com/office/drawing/2010/main" Requires="a14">
+      <mc:AlternateContent xmlns:mc="http://schemas.openxmlformats.org/markup-compatibility/2006" xmlns:a14="http://schemas.microsoft.com/office/drawing/2010/main">
+        <mc:Choice Requires="a14">
           <p:sp>
             <p:nvSpPr>
               <p:cNvPr id="3" name="Content Placeholder 2">
@@ -9674,7 +9677,7 @@
             </p:txBody>
           </p:sp>
         </mc:Choice>
-        <mc:Fallback>
+        <mc:Fallback xmlns="">
           <p:sp>
             <p:nvSpPr>
               <p:cNvPr id="3" name="Content Placeholder 2">
@@ -9744,8 +9747,8 @@
           <a:chExt cx="0" cy="0"/>
         </a:xfrm>
       </p:grpSpPr>
-      <mc:AlternateContent xmlns:mc="http://schemas.openxmlformats.org/markup-compatibility/2006">
-        <mc:Choice xmlns:a14="http://schemas.microsoft.com/office/drawing/2010/main" Requires="a14">
+      <mc:AlternateContent xmlns:mc="http://schemas.openxmlformats.org/markup-compatibility/2006" xmlns:a14="http://schemas.microsoft.com/office/drawing/2010/main">
+        <mc:Choice Requires="a14">
           <p:sp>
             <p:nvSpPr>
               <p:cNvPr id="2" name="Title 1">
@@ -9809,7 +9812,7 @@
             </p:txBody>
           </p:sp>
         </mc:Choice>
-        <mc:Fallback>
+        <mc:Fallback xmlns="">
           <p:sp>
             <p:nvSpPr>
               <p:cNvPr id="2" name="Title 1">
@@ -9849,8 +9852,8 @@
           </p:sp>
         </mc:Fallback>
       </mc:AlternateContent>
-      <mc:AlternateContent xmlns:mc="http://schemas.openxmlformats.org/markup-compatibility/2006">
-        <mc:Choice xmlns:a14="http://schemas.microsoft.com/office/drawing/2010/main" Requires="a14">
+      <mc:AlternateContent xmlns:mc="http://schemas.openxmlformats.org/markup-compatibility/2006" xmlns:a14="http://schemas.microsoft.com/office/drawing/2010/main">
+        <mc:Choice Requires="a14">
           <p:sp>
             <p:nvSpPr>
               <p:cNvPr id="3" name="Content Placeholder 2">
@@ -10101,7 +10104,7 @@
             </p:txBody>
           </p:sp>
         </mc:Choice>
-        <mc:Fallback>
+        <mc:Fallback xmlns="">
           <p:sp>
             <p:nvSpPr>
               <p:cNvPr id="3" name="Content Placeholder 2">
@@ -10171,8 +10174,8 @@
           <a:chExt cx="0" cy="0"/>
         </a:xfrm>
       </p:grpSpPr>
-      <mc:AlternateContent xmlns:mc="http://schemas.openxmlformats.org/markup-compatibility/2006">
-        <mc:Choice xmlns:a14="http://schemas.microsoft.com/office/drawing/2010/main" Requires="a14">
+      <mc:AlternateContent xmlns:mc="http://schemas.openxmlformats.org/markup-compatibility/2006" xmlns:a14="http://schemas.microsoft.com/office/drawing/2010/main">
+        <mc:Choice Requires="a14">
           <p:sp>
             <p:nvSpPr>
               <p:cNvPr id="2" name="Title 1">
@@ -10236,7 +10239,7 @@
             </p:txBody>
           </p:sp>
         </mc:Choice>
-        <mc:Fallback>
+        <mc:Fallback xmlns="">
           <p:sp>
             <p:nvSpPr>
               <p:cNvPr id="2" name="Title 1">
@@ -10276,8 +10279,8 @@
           </p:sp>
         </mc:Fallback>
       </mc:AlternateContent>
-      <mc:AlternateContent xmlns:mc="http://schemas.openxmlformats.org/markup-compatibility/2006">
-        <mc:Choice xmlns:a14="http://schemas.microsoft.com/office/drawing/2010/main" Requires="a14">
+      <mc:AlternateContent xmlns:mc="http://schemas.openxmlformats.org/markup-compatibility/2006" xmlns:a14="http://schemas.microsoft.com/office/drawing/2010/main">
+        <mc:Choice Requires="a14">
           <p:sp>
             <p:nvSpPr>
               <p:cNvPr id="3" name="Content Placeholder 2">
@@ -10528,7 +10531,7 @@
             </p:txBody>
           </p:sp>
         </mc:Choice>
-        <mc:Fallback>
+        <mc:Fallback xmlns="">
           <p:sp>
             <p:nvSpPr>
               <p:cNvPr id="3" name="Content Placeholder 2">
@@ -10677,8 +10680,8 @@
           <a:chExt cx="0" cy="0"/>
         </a:xfrm>
       </p:grpSpPr>
-      <mc:AlternateContent xmlns:mc="http://schemas.openxmlformats.org/markup-compatibility/2006">
-        <mc:Choice xmlns:a14="http://schemas.microsoft.com/office/drawing/2010/main" Requires="a14">
+      <mc:AlternateContent xmlns:mc="http://schemas.openxmlformats.org/markup-compatibility/2006" xmlns:a14="http://schemas.microsoft.com/office/drawing/2010/main">
+        <mc:Choice Requires="a14">
           <p:sp>
             <p:nvSpPr>
               <p:cNvPr id="2" name="Title 1">
@@ -10742,7 +10745,7 @@
             </p:txBody>
           </p:sp>
         </mc:Choice>
-        <mc:Fallback>
+        <mc:Fallback xmlns="">
           <p:sp>
             <p:nvSpPr>
               <p:cNvPr id="2" name="Title 1">
@@ -10782,8 +10785,8 @@
           </p:sp>
         </mc:Fallback>
       </mc:AlternateContent>
-      <mc:AlternateContent xmlns:mc="http://schemas.openxmlformats.org/markup-compatibility/2006">
-        <mc:Choice xmlns:a14="http://schemas.microsoft.com/office/drawing/2010/main" Requires="a14">
+      <mc:AlternateContent xmlns:mc="http://schemas.openxmlformats.org/markup-compatibility/2006" xmlns:a14="http://schemas.microsoft.com/office/drawing/2010/main">
+        <mc:Choice Requires="a14">
           <p:sp>
             <p:nvSpPr>
               <p:cNvPr id="3" name="Content Placeholder 2">
@@ -11154,7 +11157,7 @@
             </p:txBody>
           </p:sp>
         </mc:Choice>
-        <mc:Fallback>
+        <mc:Fallback xmlns="">
           <p:sp>
             <p:nvSpPr>
               <p:cNvPr id="3" name="Content Placeholder 2">
@@ -11303,8 +11306,8 @@
           <a:chExt cx="0" cy="0"/>
         </a:xfrm>
       </p:grpSpPr>
-      <mc:AlternateContent xmlns:mc="http://schemas.openxmlformats.org/markup-compatibility/2006">
-        <mc:Choice xmlns:a14="http://schemas.microsoft.com/office/drawing/2010/main" Requires="a14">
+      <mc:AlternateContent xmlns:mc="http://schemas.openxmlformats.org/markup-compatibility/2006" xmlns:a14="http://schemas.microsoft.com/office/drawing/2010/main">
+        <mc:Choice Requires="a14">
           <p:sp>
             <p:nvSpPr>
               <p:cNvPr id="2" name="Title 1">
@@ -11368,7 +11371,7 @@
             </p:txBody>
           </p:sp>
         </mc:Choice>
-        <mc:Fallback>
+        <mc:Fallback xmlns="">
           <p:sp>
             <p:nvSpPr>
               <p:cNvPr id="2" name="Title 1">
@@ -11408,8 +11411,8 @@
           </p:sp>
         </mc:Fallback>
       </mc:AlternateContent>
-      <mc:AlternateContent xmlns:mc="http://schemas.openxmlformats.org/markup-compatibility/2006">
-        <mc:Choice xmlns:a14="http://schemas.microsoft.com/office/drawing/2010/main" Requires="a14">
+      <mc:AlternateContent xmlns:mc="http://schemas.openxmlformats.org/markup-compatibility/2006" xmlns:a14="http://schemas.microsoft.com/office/drawing/2010/main">
+        <mc:Choice Requires="a14">
           <p:sp>
             <p:nvSpPr>
               <p:cNvPr id="3" name="Content Placeholder 2">
@@ -11819,7 +11822,7 @@
             </p:txBody>
           </p:sp>
         </mc:Choice>
-        <mc:Fallback>
+        <mc:Fallback xmlns="">
           <p:sp>
             <p:nvSpPr>
               <p:cNvPr id="3" name="Content Placeholder 2">
@@ -11968,8 +11971,8 @@
           <a:chExt cx="0" cy="0"/>
         </a:xfrm>
       </p:grpSpPr>
-      <mc:AlternateContent xmlns:mc="http://schemas.openxmlformats.org/markup-compatibility/2006">
-        <mc:Choice xmlns:a14="http://schemas.microsoft.com/office/drawing/2010/main" Requires="a14">
+      <mc:AlternateContent xmlns:mc="http://schemas.openxmlformats.org/markup-compatibility/2006" xmlns:a14="http://schemas.microsoft.com/office/drawing/2010/main">
+        <mc:Choice Requires="a14">
           <p:sp>
             <p:nvSpPr>
               <p:cNvPr id="2" name="Title 1">
@@ -12033,7 +12036,7 @@
             </p:txBody>
           </p:sp>
         </mc:Choice>
-        <mc:Fallback>
+        <mc:Fallback xmlns="">
           <p:sp>
             <p:nvSpPr>
               <p:cNvPr id="2" name="Title 1">
@@ -12073,8 +12076,8 @@
           </p:sp>
         </mc:Fallback>
       </mc:AlternateContent>
-      <mc:AlternateContent xmlns:mc="http://schemas.openxmlformats.org/markup-compatibility/2006">
-        <mc:Choice xmlns:a14="http://schemas.microsoft.com/office/drawing/2010/main" Requires="a14">
+      <mc:AlternateContent xmlns:mc="http://schemas.openxmlformats.org/markup-compatibility/2006" xmlns:a14="http://schemas.microsoft.com/office/drawing/2010/main">
+        <mc:Choice Requires="a14">
           <p:sp>
             <p:nvSpPr>
               <p:cNvPr id="3" name="Content Placeholder 2">
@@ -12495,7 +12498,7 @@
             </p:txBody>
           </p:sp>
         </mc:Choice>
-        <mc:Fallback>
+        <mc:Fallback xmlns="">
           <p:sp>
             <p:nvSpPr>
               <p:cNvPr id="3" name="Content Placeholder 2">
@@ -12672,8 +12675,8 @@
           </a:p>
         </p:txBody>
       </p:sp>
-      <mc:AlternateContent xmlns:mc="http://schemas.openxmlformats.org/markup-compatibility/2006">
-        <mc:Choice xmlns:a14="http://schemas.microsoft.com/office/drawing/2010/main" Requires="a14">
+      <mc:AlternateContent xmlns:mc="http://schemas.openxmlformats.org/markup-compatibility/2006" xmlns:a14="http://schemas.microsoft.com/office/drawing/2010/main">
+        <mc:Choice Requires="a14">
           <p:sp>
             <p:nvSpPr>
               <p:cNvPr id="3" name="Content Placeholder 2">
@@ -12881,7 +12884,7 @@
             </p:txBody>
           </p:sp>
         </mc:Choice>
-        <mc:Fallback>
+        <mc:Fallback xmlns="">
           <p:sp>
             <p:nvSpPr>
               <p:cNvPr id="3" name="Content Placeholder 2">
@@ -12979,8 +12982,8 @@
           </a:p>
         </p:txBody>
       </p:sp>
-      <mc:AlternateContent xmlns:mc="http://schemas.openxmlformats.org/markup-compatibility/2006">
-        <mc:Choice xmlns:a14="http://schemas.microsoft.com/office/drawing/2010/main" Requires="a14">
+      <mc:AlternateContent xmlns:mc="http://schemas.openxmlformats.org/markup-compatibility/2006" xmlns:a14="http://schemas.microsoft.com/office/drawing/2010/main">
+        <mc:Choice Requires="a14">
           <p:sp>
             <p:nvSpPr>
               <p:cNvPr id="3" name="Content Placeholder 2">
@@ -13188,7 +13191,7 @@
             </p:txBody>
           </p:sp>
         </mc:Choice>
-        <mc:Fallback>
+        <mc:Fallback xmlns="">
           <p:sp>
             <p:nvSpPr>
               <p:cNvPr id="3" name="Content Placeholder 2">
@@ -13228,8 +13231,8 @@
           </p:sp>
         </mc:Fallback>
       </mc:AlternateContent>
-      <mc:AlternateContent xmlns:mc="http://schemas.openxmlformats.org/markup-compatibility/2006">
-        <mc:Choice xmlns:a14="http://schemas.microsoft.com/office/drawing/2010/main" Requires="a14">
+      <mc:AlternateContent xmlns:mc="http://schemas.openxmlformats.org/markup-compatibility/2006" xmlns:a14="http://schemas.microsoft.com/office/drawing/2010/main">
+        <mc:Choice Requires="a14">
           <p:sp>
             <p:nvSpPr>
               <p:cNvPr id="5" name="TextBox 4">
@@ -13295,7 +13298,7 @@
             </p:txBody>
           </p:sp>
         </mc:Choice>
-        <mc:Fallback>
+        <mc:Fallback xmlns="">
           <p:sp>
             <p:nvSpPr>
               <p:cNvPr id="5" name="TextBox 4">
@@ -13442,8 +13445,8 @@
           </a:p>
         </p:txBody>
       </p:sp>
-      <mc:AlternateContent xmlns:mc="http://schemas.openxmlformats.org/markup-compatibility/2006">
-        <mc:Choice xmlns:a14="http://schemas.microsoft.com/office/drawing/2010/main" Requires="a14">
+      <mc:AlternateContent xmlns:mc="http://schemas.openxmlformats.org/markup-compatibility/2006" xmlns:a14="http://schemas.microsoft.com/office/drawing/2010/main">
+        <mc:Choice Requires="a14">
           <p:sp>
             <p:nvSpPr>
               <p:cNvPr id="3" name="Content Placeholder 2">
@@ -13846,7 +13849,7 @@
             </p:txBody>
           </p:sp>
         </mc:Choice>
-        <mc:Fallback>
+        <mc:Fallback xmlns="">
           <p:sp>
             <p:nvSpPr>
               <p:cNvPr id="3" name="Content Placeholder 2">
@@ -13886,8 +13889,8 @@
           </p:sp>
         </mc:Fallback>
       </mc:AlternateContent>
-      <mc:AlternateContent xmlns:mc="http://schemas.openxmlformats.org/markup-compatibility/2006">
-        <mc:Choice xmlns:a14="http://schemas.microsoft.com/office/drawing/2010/main" Requires="a14">
+      <mc:AlternateContent xmlns:mc="http://schemas.openxmlformats.org/markup-compatibility/2006" xmlns:a14="http://schemas.microsoft.com/office/drawing/2010/main">
+        <mc:Choice Requires="a14">
           <p:sp>
             <p:nvSpPr>
               <p:cNvPr id="5" name="TextBox 4">
@@ -13953,7 +13956,7 @@
             </p:txBody>
           </p:sp>
         </mc:Choice>
-        <mc:Fallback>
+        <mc:Fallback xmlns="">
           <p:sp>
             <p:nvSpPr>
               <p:cNvPr id="5" name="TextBox 4">
@@ -15372,8 +15375,8 @@
           </a:p>
         </p:txBody>
       </p:sp>
-      <mc:AlternateContent xmlns:mc="http://schemas.openxmlformats.org/markup-compatibility/2006">
-        <mc:Choice xmlns:a14="http://schemas.microsoft.com/office/drawing/2010/main" Requires="a14">
+      <mc:AlternateContent xmlns:mc="http://schemas.openxmlformats.org/markup-compatibility/2006" xmlns:a14="http://schemas.microsoft.com/office/drawing/2010/main">
+        <mc:Choice Requires="a14">
           <p:sp>
             <p:nvSpPr>
               <p:cNvPr id="3" name="Content Placeholder 2">
@@ -15776,7 +15779,7 @@
             </p:txBody>
           </p:sp>
         </mc:Choice>
-        <mc:Fallback>
+        <mc:Fallback xmlns="">
           <p:sp>
             <p:nvSpPr>
               <p:cNvPr id="3" name="Content Placeholder 2">
@@ -15816,8 +15819,8 @@
           </p:sp>
         </mc:Fallback>
       </mc:AlternateContent>
-      <mc:AlternateContent xmlns:mc="http://schemas.openxmlformats.org/markup-compatibility/2006">
-        <mc:Choice xmlns:a14="http://schemas.microsoft.com/office/drawing/2010/main" Requires="a14">
+      <mc:AlternateContent xmlns:mc="http://schemas.openxmlformats.org/markup-compatibility/2006" xmlns:a14="http://schemas.microsoft.com/office/drawing/2010/main">
+        <mc:Choice Requires="a14">
           <p:sp>
             <p:nvSpPr>
               <p:cNvPr id="5" name="TextBox 4">
@@ -15883,7 +15886,7 @@
             </p:txBody>
           </p:sp>
         </mc:Choice>
-        <mc:Fallback>
+        <mc:Fallback xmlns="">
           <p:sp>
             <p:nvSpPr>
               <p:cNvPr id="5" name="TextBox 4">
@@ -16084,7 +16087,7 @@
           <p:cNvPr id="2" name="Title 1">
             <a:extLst>
               <a:ext uri="{FF2B5EF4-FFF2-40B4-BE49-F238E27FC236}">
-                <a16:creationId xmlns:a16="http://schemas.microsoft.com/office/drawing/2014/main" id="{B5A301E6-2E72-2B9D-BE99-B6AE34B79E31}"/>
+                <a16:creationId xmlns:a16="http://schemas.microsoft.com/office/drawing/2014/main" id="{F7D69508-37E9-EF46-1FBF-95D2E097CC4F}"/>
               </a:ext>
             </a:extLst>
           </p:cNvPr>
@@ -16102,7 +16105,7 @@
           <a:p>
             <a:r>
               <a:rPr lang="en-US" dirty="0"/>
-              <a:t>TODO: Finding a prior</a:t>
+              <a:t>Generating agent observations</a:t>
             </a:r>
           </a:p>
         </p:txBody>
@@ -16114,7 +16117,7 @@
               <p:cNvPr id="3" name="Content Placeholder 2">
                 <a:extLst>
                   <a:ext uri="{FF2B5EF4-FFF2-40B4-BE49-F238E27FC236}">
-                    <a16:creationId xmlns:a16="http://schemas.microsoft.com/office/drawing/2014/main" id="{28B9DB33-1458-D5A7-97AA-2C068C20C778}"/>
+                    <a16:creationId xmlns:a16="http://schemas.microsoft.com/office/drawing/2014/main" id="{85DD7AF5-E708-4E91-F988-46A56EDF4B4F}"/>
                   </a:ext>
                 </a:extLst>
               </p:cNvPr>
@@ -16130,9 +16133,3684 @@
               <a:bodyPr/>
               <a:lstStyle/>
               <a:p>
-                <a:pPr marL="0" indent="0">
-                  <a:buNone/>
-                </a:pPr>
+                <a:r>
+                  <a:rPr lang="en-US" dirty="0"/>
+                  <a:t>Recall that </a:t>
+                </a:r>
+                <a14:m>
+                  <m:oMath xmlns:m="http://schemas.openxmlformats.org/officeDocument/2006/math">
+                    <m:sSub>
+                      <m:sSubPr>
+                        <m:ctrlPr>
+                          <a:rPr lang="en-US" i="1" smtClean="0">
+                            <a:latin typeface="Cambria Math" panose="02040503050406030204" pitchFamily="18" charset="0"/>
+                          </a:rPr>
+                        </m:ctrlPr>
+                      </m:sSubPr>
+                      <m:e>
+                        <m:r>
+                          <a:rPr lang="en-US" i="1" smtClean="0">
+                            <a:latin typeface="Cambria Math" panose="02040503050406030204" pitchFamily="18" charset="0"/>
+                            <a:ea typeface="Cambria Math" panose="02040503050406030204" pitchFamily="18" charset="0"/>
+                          </a:rPr>
+                          <m:t>𝜖</m:t>
+                        </m:r>
+                      </m:e>
+                      <m:sub>
+                        <m:r>
+                          <a:rPr lang="en-US" b="0" i="1" smtClean="0">
+                            <a:latin typeface="Cambria Math" panose="02040503050406030204" pitchFamily="18" charset="0"/>
+                          </a:rPr>
+                          <m:t>𝑎𝑔𝑒𝑛𝑡</m:t>
+                        </m:r>
+                      </m:sub>
+                    </m:sSub>
+                  </m:oMath>
+                </a14:m>
+                <a:r>
+                  <a:rPr lang="en-US" dirty="0"/>
+                  <a:t> represents the human’s belief about the agent’s playing preferences, which controls how they generate trajectories (this is despite how the agent truly functions).</a:t>
+                </a:r>
+              </a:p>
+              <a:p>
+                <a:r>
+                  <a:rPr lang="en-US" dirty="0"/>
+                  <a:t>As the human realizes there might be more than one agent, their beliefs will actually contain a set of </a:t>
+                </a:r>
+                <a14:m>
+                  <m:oMath xmlns:m="http://schemas.openxmlformats.org/officeDocument/2006/math">
+                    <m:sSub>
+                      <m:sSubPr>
+                        <m:ctrlPr>
+                          <a:rPr lang="en-US" i="1" smtClean="0">
+                            <a:latin typeface="Cambria Math" panose="02040503050406030204" pitchFamily="18" charset="0"/>
+                          </a:rPr>
+                        </m:ctrlPr>
+                      </m:sSubPr>
+                      <m:e>
+                        <m:r>
+                          <a:rPr lang="en-US" i="1" smtClean="0">
+                            <a:latin typeface="Cambria Math" panose="02040503050406030204" pitchFamily="18" charset="0"/>
+                            <a:ea typeface="Cambria Math" panose="02040503050406030204" pitchFamily="18" charset="0"/>
+                          </a:rPr>
+                          <m:t>𝜖</m:t>
+                        </m:r>
+                      </m:e>
+                      <m:sub>
+                        <m:r>
+                          <a:rPr lang="en-US" b="0" i="1" smtClean="0">
+                            <a:latin typeface="Cambria Math" panose="02040503050406030204" pitchFamily="18" charset="0"/>
+                          </a:rPr>
+                          <m:t>𝑎𝑔𝑒𝑛𝑡</m:t>
+                        </m:r>
+                      </m:sub>
+                    </m:sSub>
+                  </m:oMath>
+                </a14:m>
+                <a:r>
+                  <a:rPr lang="en-US" dirty="0"/>
+                  <a:t> parameters, one for each agent they believe exists.   </a:t>
+                </a:r>
+              </a:p>
+              <a:p>
+                <a:r>
+                  <a:rPr lang="en-US" dirty="0"/>
+                  <a:t>Thus, we can use a modified Lognormal* mixture model to represent how the human is inferring these </a:t>
+                </a:r>
+                <a14:m>
+                  <m:oMath xmlns:m="http://schemas.openxmlformats.org/officeDocument/2006/math">
+                    <m:sSub>
+                      <m:sSubPr>
+                        <m:ctrlPr>
+                          <a:rPr lang="en-US" i="1" smtClean="0">
+                            <a:latin typeface="Cambria Math" panose="02040503050406030204" pitchFamily="18" charset="0"/>
+                          </a:rPr>
+                        </m:ctrlPr>
+                      </m:sSubPr>
+                      <m:e>
+                        <m:r>
+                          <a:rPr lang="en-US" i="1" smtClean="0">
+                            <a:latin typeface="Cambria Math" panose="02040503050406030204" pitchFamily="18" charset="0"/>
+                            <a:ea typeface="Cambria Math" panose="02040503050406030204" pitchFamily="18" charset="0"/>
+                          </a:rPr>
+                          <m:t>𝜖</m:t>
+                        </m:r>
+                      </m:e>
+                      <m:sub>
+                        <m:r>
+                          <a:rPr lang="en-US" b="0" i="1" smtClean="0">
+                            <a:latin typeface="Cambria Math" panose="02040503050406030204" pitchFamily="18" charset="0"/>
+                          </a:rPr>
+                          <m:t>𝑎𝑔𝑒𝑛𝑡</m:t>
+                        </m:r>
+                      </m:sub>
+                    </m:sSub>
+                  </m:oMath>
+                </a14:m>
+                <a:r>
+                  <a:rPr lang="en-US" dirty="0"/>
+                  <a:t> parameters. </a:t>
+                </a:r>
+              </a:p>
+            </p:txBody>
+          </p:sp>
+        </mc:Choice>
+        <mc:Fallback>
+          <p:sp>
+            <p:nvSpPr>
+              <p:cNvPr id="3" name="Content Placeholder 2">
+                <a:extLst>
+                  <a:ext uri="{FF2B5EF4-FFF2-40B4-BE49-F238E27FC236}">
+                    <a16:creationId xmlns:a16="http://schemas.microsoft.com/office/drawing/2014/main" id="{85DD7AF5-E708-4E91-F988-46A56EDF4B4F}"/>
+                  </a:ext>
+                </a:extLst>
+              </p:cNvPr>
+              <p:cNvSpPr>
+                <a:spLocks noGrp="1" noRot="1" noChangeAspect="1" noMove="1" noResize="1" noEditPoints="1" noAdjustHandles="1" noChangeArrowheads="1" noChangeShapeType="1" noTextEdit="1"/>
+              </p:cNvSpPr>
+              <p:nvPr>
+                <p:ph idx="1"/>
+              </p:nvPr>
+            </p:nvSpPr>
+            <p:spPr>
+              <a:blipFill>
+                <a:blip r:embed="rId2"/>
+                <a:stretch>
+                  <a:fillRect l="-1086" t="-2035" r="-362"/>
+                </a:stretch>
+              </a:blipFill>
+            </p:spPr>
+            <p:txBody>
+              <a:bodyPr/>
+              <a:lstStyle/>
+              <a:p>
+                <a:r>
+                  <a:rPr lang="en-US">
+                    <a:noFill/>
+                  </a:rPr>
+                  <a:t> </a:t>
+                </a:r>
+              </a:p>
+            </p:txBody>
+          </p:sp>
+        </mc:Fallback>
+      </mc:AlternateContent>
+      <p:sp>
+        <p:nvSpPr>
+          <p:cNvPr id="4" name="TextBox 3">
+            <a:extLst>
+              <a:ext uri="{FF2B5EF4-FFF2-40B4-BE49-F238E27FC236}">
+                <a16:creationId xmlns:a16="http://schemas.microsoft.com/office/drawing/2014/main" id="{DCAE75E2-4908-6FA1-ED8A-B9B9A5FF1F3C}"/>
+              </a:ext>
+            </a:extLst>
+          </p:cNvPr>
+          <p:cNvSpPr txBox="1"/>
+          <p:nvPr/>
+        </p:nvSpPr>
+        <p:spPr>
+          <a:xfrm>
+            <a:off x="1785257" y="5436960"/>
+            <a:ext cx="7500258" cy="646331"/>
+          </a:xfrm>
+          <a:prstGeom prst="rect">
+            <a:avLst/>
+          </a:prstGeom>
+          <a:noFill/>
+        </p:spPr>
+        <p:txBody>
+          <a:bodyPr wrap="square" rtlCol="0">
+            <a:spAutoFit/>
+          </a:bodyPr>
+          <a:lstStyle/>
+          <a:p>
+            <a:r>
+              <a:rPr lang="en-US" dirty="0"/>
+              <a:t>*The Lognormal distribution has a support of (0,INF) and has the same conjugate priors as a normal distribution. </a:t>
+            </a:r>
+          </a:p>
+        </p:txBody>
+      </p:sp>
+    </p:spTree>
+    <p:extLst>
+      <p:ext uri="{BB962C8B-B14F-4D97-AF65-F5344CB8AC3E}">
+        <p14:creationId xmlns:p14="http://schemas.microsoft.com/office/powerpoint/2010/main" val="800445192"/>
+      </p:ext>
+    </p:extLst>
+  </p:cSld>
+  <p:clrMapOvr>
+    <a:masterClrMapping/>
+  </p:clrMapOvr>
+</p:sld>
+</file>
+
+<file path=ppt/slides/slide32.xml><?xml version="1.0" encoding="utf-8"?>
+<p:sld xmlns:a="http://schemas.openxmlformats.org/drawingml/2006/main" xmlns:r="http://schemas.openxmlformats.org/officeDocument/2006/relationships" xmlns:p="http://schemas.openxmlformats.org/presentationml/2006/main">
+  <p:cSld>
+    <p:spTree>
+      <p:nvGrpSpPr>
+        <p:cNvPr id="1" name=""/>
+        <p:cNvGrpSpPr/>
+        <p:nvPr/>
+      </p:nvGrpSpPr>
+      <p:grpSpPr>
+        <a:xfrm>
+          <a:off x="0" y="0"/>
+          <a:ext cx="0" cy="0"/>
+          <a:chOff x="0" y="0"/>
+          <a:chExt cx="0" cy="0"/>
+        </a:xfrm>
+      </p:grpSpPr>
+      <p:grpSp>
+        <p:nvGrpSpPr>
+          <p:cNvPr id="24" name="Group 23">
+            <a:extLst>
+              <a:ext uri="{FF2B5EF4-FFF2-40B4-BE49-F238E27FC236}">
+                <a16:creationId xmlns:a16="http://schemas.microsoft.com/office/drawing/2014/main" id="{807881FE-87B8-1551-976D-BC07DAC22C52}"/>
+              </a:ext>
+            </a:extLst>
+          </p:cNvPr>
+          <p:cNvGrpSpPr/>
+          <p:nvPr/>
+        </p:nvGrpSpPr>
+        <p:grpSpPr>
+          <a:xfrm>
+            <a:off x="5623790" y="132219"/>
+            <a:ext cx="6527800" cy="6471781"/>
+            <a:chOff x="5231904" y="132219"/>
+            <a:chExt cx="6527800" cy="6471781"/>
+          </a:xfrm>
+        </p:grpSpPr>
+        <p:pic>
+          <p:nvPicPr>
+            <p:cNvPr id="5" name="Picture 4" descr="A diagram of a network&#10;&#10;Description automatically generated">
+              <a:extLst>
+                <a:ext uri="{FF2B5EF4-FFF2-40B4-BE49-F238E27FC236}">
+                  <a16:creationId xmlns:a16="http://schemas.microsoft.com/office/drawing/2014/main" id="{EEBCFC4C-DC66-2AB7-F489-BA8511CF1E59}"/>
+                </a:ext>
+              </a:extLst>
+            </p:cNvPr>
+            <p:cNvPicPr>
+              <a:picLocks noChangeAspect="1"/>
+            </p:cNvPicPr>
+            <p:nvPr/>
+          </p:nvPicPr>
+          <p:blipFill>
+            <a:blip r:embed="rId2"/>
+            <a:stretch>
+              <a:fillRect/>
+            </a:stretch>
+          </p:blipFill>
+          <p:spPr>
+            <a:xfrm>
+              <a:off x="5231904" y="254000"/>
+              <a:ext cx="6527800" cy="6350000"/>
+            </a:xfrm>
+            <a:prstGeom prst="rect">
+              <a:avLst/>
+            </a:prstGeom>
+          </p:spPr>
+        </p:pic>
+        <mc:AlternateContent xmlns:mc="http://schemas.openxmlformats.org/markup-compatibility/2006">
+          <mc:Choice xmlns:a14="http://schemas.microsoft.com/office/drawing/2010/main" Requires="a14">
+            <p:sp>
+              <p:nvSpPr>
+                <p:cNvPr id="6" name="TextBox 5">
+                  <a:extLst>
+                    <a:ext uri="{FF2B5EF4-FFF2-40B4-BE49-F238E27FC236}">
+                      <a16:creationId xmlns:a16="http://schemas.microsoft.com/office/drawing/2014/main" id="{BE26BD12-60F6-ACA1-BCEF-278806A0F26A}"/>
+                    </a:ext>
+                  </a:extLst>
+                </p:cNvPr>
+                <p:cNvSpPr txBox="1"/>
+                <p:nvPr/>
+              </p:nvSpPr>
+              <p:spPr>
+                <a:xfrm>
+                  <a:off x="7324448" y="132219"/>
+                  <a:ext cx="630750" cy="523220"/>
+                </a:xfrm>
+                <a:prstGeom prst="rect">
+                  <a:avLst/>
+                </a:prstGeom>
+                <a:noFill/>
+              </p:spPr>
+              <p:txBody>
+                <a:bodyPr wrap="none" rtlCol="0">
+                  <a:spAutoFit/>
+                </a:bodyPr>
+                <a:lstStyle/>
+                <a:p>
+                  <a14:m>
+                    <m:oMathPara xmlns:m="http://schemas.openxmlformats.org/officeDocument/2006/math">
+                      <m:oMathParaPr>
+                        <m:jc m:val="centerGroup"/>
+                      </m:oMathParaPr>
+                      <m:oMath xmlns:m="http://schemas.openxmlformats.org/officeDocument/2006/math">
+                        <m:sSub>
+                          <m:sSubPr>
+                            <m:ctrlPr>
+                              <a:rPr lang="en-US" sz="2800" i="1">
+                                <a:latin typeface="Cambria Math" panose="02040503050406030204" pitchFamily="18" charset="0"/>
+                              </a:rPr>
+                            </m:ctrlPr>
+                          </m:sSubPr>
+                          <m:e>
+                            <m:r>
+                              <a:rPr lang="en-US" sz="2800" i="1">
+                                <a:latin typeface="Cambria Math" panose="02040503050406030204" pitchFamily="18" charset="0"/>
+                                <a:ea typeface="Cambria Math" panose="02040503050406030204" pitchFamily="18" charset="0"/>
+                              </a:rPr>
+                              <m:t>𝜇</m:t>
+                            </m:r>
+                          </m:e>
+                          <m:sub>
+                            <m:r>
+                              <a:rPr lang="en-US" sz="2800" i="1">
+                                <a:latin typeface="Cambria Math" panose="02040503050406030204" pitchFamily="18" charset="0"/>
+                              </a:rPr>
+                              <m:t>0</m:t>
+                            </m:r>
+                          </m:sub>
+                        </m:sSub>
+                      </m:oMath>
+                    </m:oMathPara>
+                  </a14:m>
+                  <a:endParaRPr lang="en-US" sz="2800" dirty="0"/>
+                </a:p>
+              </p:txBody>
+            </p:sp>
+          </mc:Choice>
+          <mc:Fallback>
+            <p:sp>
+              <p:nvSpPr>
+                <p:cNvPr id="6" name="TextBox 5">
+                  <a:extLst>
+                    <a:ext uri="{FF2B5EF4-FFF2-40B4-BE49-F238E27FC236}">
+                      <a16:creationId xmlns:a16="http://schemas.microsoft.com/office/drawing/2014/main" id="{BE26BD12-60F6-ACA1-BCEF-278806A0F26A}"/>
+                    </a:ext>
+                  </a:extLst>
+                </p:cNvPr>
+                <p:cNvSpPr txBox="1">
+                  <a:spLocks noRot="1" noChangeAspect="1" noMove="1" noResize="1" noEditPoints="1" noAdjustHandles="1" noChangeArrowheads="1" noChangeShapeType="1" noTextEdit="1"/>
+                </p:cNvSpPr>
+                <p:nvPr/>
+              </p:nvSpPr>
+              <p:spPr>
+                <a:xfrm>
+                  <a:off x="7324448" y="132219"/>
+                  <a:ext cx="630750" cy="523220"/>
+                </a:xfrm>
+                <a:prstGeom prst="rect">
+                  <a:avLst/>
+                </a:prstGeom>
+                <a:blipFill>
+                  <a:blip r:embed="rId3"/>
+                  <a:stretch>
+                    <a:fillRect b="-7143"/>
+                  </a:stretch>
+                </a:blipFill>
+              </p:spPr>
+              <p:txBody>
+                <a:bodyPr/>
+                <a:lstStyle/>
+                <a:p>
+                  <a:r>
+                    <a:rPr lang="en-US">
+                      <a:noFill/>
+                    </a:rPr>
+                    <a:t> </a:t>
+                  </a:r>
+                </a:p>
+              </p:txBody>
+            </p:sp>
+          </mc:Fallback>
+        </mc:AlternateContent>
+        <mc:AlternateContent xmlns:mc="http://schemas.openxmlformats.org/markup-compatibility/2006">
+          <mc:Choice xmlns:a14="http://schemas.microsoft.com/office/drawing/2010/main" Requires="a14">
+            <p:sp>
+              <p:nvSpPr>
+                <p:cNvPr id="9" name="TextBox 8">
+                  <a:extLst>
+                    <a:ext uri="{FF2B5EF4-FFF2-40B4-BE49-F238E27FC236}">
+                      <a16:creationId xmlns:a16="http://schemas.microsoft.com/office/drawing/2014/main" id="{9E19A5CC-6842-AB4C-B986-42992C9A6754}"/>
+                    </a:ext>
+                  </a:extLst>
+                </p:cNvPr>
+                <p:cNvSpPr txBox="1"/>
+                <p:nvPr/>
+              </p:nvSpPr>
+              <p:spPr>
+                <a:xfrm>
+                  <a:off x="8495804" y="254000"/>
+                  <a:ext cx="273858" cy="430887"/>
+                </a:xfrm>
+                <a:prstGeom prst="rect">
+                  <a:avLst/>
+                </a:prstGeom>
+                <a:noFill/>
+              </p:spPr>
+              <p:txBody>
+                <a:bodyPr wrap="none" lIns="0" tIns="0" rIns="0" bIns="0" rtlCol="0">
+                  <a:spAutoFit/>
+                </a:bodyPr>
+                <a:lstStyle/>
+                <a:p>
+                  <a14:m>
+                    <m:oMathPara xmlns:m="http://schemas.openxmlformats.org/officeDocument/2006/math">
+                      <m:oMathParaPr>
+                        <m:jc m:val="centerGroup"/>
+                      </m:oMathParaPr>
+                      <m:oMath xmlns:m="http://schemas.openxmlformats.org/officeDocument/2006/math">
+                        <m:r>
+                          <a:rPr lang="en-US" sz="2800" i="1" smtClean="0">
+                            <a:latin typeface="Cambria Math" panose="02040503050406030204" pitchFamily="18" charset="0"/>
+                            <a:ea typeface="Cambria Math" panose="02040503050406030204" pitchFamily="18" charset="0"/>
+                          </a:rPr>
+                          <m:t>𝜆</m:t>
+                        </m:r>
+                      </m:oMath>
+                    </m:oMathPara>
+                  </a14:m>
+                  <a:endParaRPr lang="en-US" sz="2800" dirty="0"/>
+                </a:p>
+              </p:txBody>
+            </p:sp>
+          </mc:Choice>
+          <mc:Fallback>
+            <p:sp>
+              <p:nvSpPr>
+                <p:cNvPr id="9" name="TextBox 8">
+                  <a:extLst>
+                    <a:ext uri="{FF2B5EF4-FFF2-40B4-BE49-F238E27FC236}">
+                      <a16:creationId xmlns:a16="http://schemas.microsoft.com/office/drawing/2014/main" id="{9E19A5CC-6842-AB4C-B986-42992C9A6754}"/>
+                    </a:ext>
+                  </a:extLst>
+                </p:cNvPr>
+                <p:cNvSpPr txBox="1">
+                  <a:spLocks noRot="1" noChangeAspect="1" noMove="1" noResize="1" noEditPoints="1" noAdjustHandles="1" noChangeArrowheads="1" noChangeShapeType="1" noTextEdit="1"/>
+                </p:cNvSpPr>
+                <p:nvPr/>
+              </p:nvSpPr>
+              <p:spPr>
+                <a:xfrm>
+                  <a:off x="8495804" y="254000"/>
+                  <a:ext cx="273858" cy="430887"/>
+                </a:xfrm>
+                <a:prstGeom prst="rect">
+                  <a:avLst/>
+                </a:prstGeom>
+                <a:blipFill>
+                  <a:blip r:embed="rId4"/>
+                  <a:stretch>
+                    <a:fillRect l="-30435" r="-26087" b="-8824"/>
+                  </a:stretch>
+                </a:blipFill>
+              </p:spPr>
+              <p:txBody>
+                <a:bodyPr/>
+                <a:lstStyle/>
+                <a:p>
+                  <a:r>
+                    <a:rPr lang="en-US">
+                      <a:noFill/>
+                    </a:rPr>
+                    <a:t> </a:t>
+                  </a:r>
+                </a:p>
+              </p:txBody>
+            </p:sp>
+          </mc:Fallback>
+        </mc:AlternateContent>
+        <mc:AlternateContent xmlns:mc="http://schemas.openxmlformats.org/markup-compatibility/2006">
+          <mc:Choice xmlns:a14="http://schemas.microsoft.com/office/drawing/2010/main" Requires="a14">
+            <p:sp>
+              <p:nvSpPr>
+                <p:cNvPr id="10" name="TextBox 9">
+                  <a:extLst>
+                    <a:ext uri="{FF2B5EF4-FFF2-40B4-BE49-F238E27FC236}">
+                      <a16:creationId xmlns:a16="http://schemas.microsoft.com/office/drawing/2014/main" id="{F8FDDD62-0EE6-8C54-A984-B7319ACEFA96}"/>
+                    </a:ext>
+                  </a:extLst>
+                </p:cNvPr>
+                <p:cNvSpPr txBox="1"/>
+                <p:nvPr/>
+              </p:nvSpPr>
+              <p:spPr>
+                <a:xfrm>
+                  <a:off x="9444933" y="224552"/>
+                  <a:ext cx="275012" cy="430887"/>
+                </a:xfrm>
+                <a:prstGeom prst="rect">
+                  <a:avLst/>
+                </a:prstGeom>
+                <a:noFill/>
+              </p:spPr>
+              <p:txBody>
+                <a:bodyPr wrap="none" lIns="0" tIns="0" rIns="0" bIns="0" rtlCol="0">
+                  <a:spAutoFit/>
+                </a:bodyPr>
+                <a:lstStyle/>
+                <a:p>
+                  <a14:m>
+                    <m:oMathPara xmlns:m="http://schemas.openxmlformats.org/officeDocument/2006/math">
+                      <m:oMathParaPr>
+                        <m:jc m:val="centerGroup"/>
+                      </m:oMathParaPr>
+                      <m:oMath xmlns:m="http://schemas.openxmlformats.org/officeDocument/2006/math">
+                        <m:r>
+                          <a:rPr lang="en-US" sz="2800" i="1" smtClean="0">
+                            <a:latin typeface="Cambria Math" panose="02040503050406030204" pitchFamily="18" charset="0"/>
+                            <a:ea typeface="Cambria Math" panose="02040503050406030204" pitchFamily="18" charset="0"/>
+                          </a:rPr>
+                          <m:t>𝜈</m:t>
+                        </m:r>
+                      </m:oMath>
+                    </m:oMathPara>
+                  </a14:m>
+                  <a:endParaRPr lang="en-US" sz="2800" dirty="0"/>
+                </a:p>
+              </p:txBody>
+            </p:sp>
+          </mc:Choice>
+          <mc:Fallback>
+            <p:sp>
+              <p:nvSpPr>
+                <p:cNvPr id="10" name="TextBox 9">
+                  <a:extLst>
+                    <a:ext uri="{FF2B5EF4-FFF2-40B4-BE49-F238E27FC236}">
+                      <a16:creationId xmlns:a16="http://schemas.microsoft.com/office/drawing/2014/main" id="{F8FDDD62-0EE6-8C54-A984-B7319ACEFA96}"/>
+                    </a:ext>
+                  </a:extLst>
+                </p:cNvPr>
+                <p:cNvSpPr txBox="1">
+                  <a:spLocks noRot="1" noChangeAspect="1" noMove="1" noResize="1" noEditPoints="1" noAdjustHandles="1" noChangeArrowheads="1" noChangeShapeType="1" noTextEdit="1"/>
+                </p:cNvSpPr>
+                <p:nvPr/>
+              </p:nvSpPr>
+              <p:spPr>
+                <a:xfrm>
+                  <a:off x="9444933" y="224552"/>
+                  <a:ext cx="275012" cy="430887"/>
+                </a:xfrm>
+                <a:prstGeom prst="rect">
+                  <a:avLst/>
+                </a:prstGeom>
+                <a:blipFill>
+                  <a:blip r:embed="rId5"/>
+                  <a:stretch>
+                    <a:fillRect l="-17391" r="-8696"/>
+                  </a:stretch>
+                </a:blipFill>
+              </p:spPr>
+              <p:txBody>
+                <a:bodyPr/>
+                <a:lstStyle/>
+                <a:p>
+                  <a:r>
+                    <a:rPr lang="en-US">
+                      <a:noFill/>
+                    </a:rPr>
+                    <a:t> </a:t>
+                  </a:r>
+                </a:p>
+              </p:txBody>
+            </p:sp>
+          </mc:Fallback>
+        </mc:AlternateContent>
+        <mc:AlternateContent xmlns:mc="http://schemas.openxmlformats.org/markup-compatibility/2006">
+          <mc:Choice xmlns:a14="http://schemas.microsoft.com/office/drawing/2010/main" Requires="a14">
+            <p:sp>
+              <p:nvSpPr>
+                <p:cNvPr id="11" name="TextBox 10">
+                  <a:extLst>
+                    <a:ext uri="{FF2B5EF4-FFF2-40B4-BE49-F238E27FC236}">
+                      <a16:creationId xmlns:a16="http://schemas.microsoft.com/office/drawing/2014/main" id="{F8DFE926-E902-36BA-ECE2-EC857FA00488}"/>
+                    </a:ext>
+                  </a:extLst>
+                </p:cNvPr>
+                <p:cNvSpPr txBox="1"/>
+                <p:nvPr/>
+              </p:nvSpPr>
+              <p:spPr>
+                <a:xfrm>
+                  <a:off x="10407521" y="174153"/>
+                  <a:ext cx="664606" cy="531684"/>
+                </a:xfrm>
+                <a:prstGeom prst="rect">
+                  <a:avLst/>
+                </a:prstGeom>
+                <a:noFill/>
+              </p:spPr>
+              <p:txBody>
+                <a:bodyPr wrap="none" rtlCol="0">
+                  <a:spAutoFit/>
+                </a:bodyPr>
+                <a:lstStyle/>
+                <a:p>
+                  <a14:m>
+                    <m:oMathPara xmlns:m="http://schemas.openxmlformats.org/officeDocument/2006/math">
+                      <m:oMathParaPr>
+                        <m:jc m:val="centerGroup"/>
+                      </m:oMathParaPr>
+                      <m:oMath xmlns:m="http://schemas.openxmlformats.org/officeDocument/2006/math">
+                        <m:sSubSup>
+                          <m:sSubSupPr>
+                            <m:ctrlPr>
+                              <a:rPr lang="en-US" sz="2800" i="1" smtClean="0">
+                                <a:latin typeface="Cambria Math" panose="02040503050406030204" pitchFamily="18" charset="0"/>
+                              </a:rPr>
+                            </m:ctrlPr>
+                          </m:sSubSupPr>
+                          <m:e>
+                            <m:r>
+                              <a:rPr lang="en-US" sz="2800" i="1" smtClean="0">
+                                <a:latin typeface="Cambria Math" panose="02040503050406030204" pitchFamily="18" charset="0"/>
+                                <a:ea typeface="Cambria Math" panose="02040503050406030204" pitchFamily="18" charset="0"/>
+                              </a:rPr>
+                              <m:t>𝜎</m:t>
+                            </m:r>
+                          </m:e>
+                          <m:sub>
+                            <m:r>
+                              <a:rPr lang="en-US" sz="2800" b="0" i="1" smtClean="0">
+                                <a:latin typeface="Cambria Math" panose="02040503050406030204" pitchFamily="18" charset="0"/>
+                              </a:rPr>
+                              <m:t>0</m:t>
+                            </m:r>
+                          </m:sub>
+                          <m:sup>
+                            <m:r>
+                              <a:rPr lang="en-US" sz="2800" b="0" i="1" smtClean="0">
+                                <a:latin typeface="Cambria Math" panose="02040503050406030204" pitchFamily="18" charset="0"/>
+                              </a:rPr>
+                              <m:t>2</m:t>
+                            </m:r>
+                          </m:sup>
+                        </m:sSubSup>
+                      </m:oMath>
+                    </m:oMathPara>
+                  </a14:m>
+                  <a:endParaRPr lang="en-US" sz="2800" dirty="0"/>
+                </a:p>
+              </p:txBody>
+            </p:sp>
+          </mc:Choice>
+          <mc:Fallback>
+            <p:sp>
+              <p:nvSpPr>
+                <p:cNvPr id="11" name="TextBox 10">
+                  <a:extLst>
+                    <a:ext uri="{FF2B5EF4-FFF2-40B4-BE49-F238E27FC236}">
+                      <a16:creationId xmlns:a16="http://schemas.microsoft.com/office/drawing/2014/main" id="{F8DFE926-E902-36BA-ECE2-EC857FA00488}"/>
+                    </a:ext>
+                  </a:extLst>
+                </p:cNvPr>
+                <p:cNvSpPr txBox="1">
+                  <a:spLocks noRot="1" noChangeAspect="1" noMove="1" noResize="1" noEditPoints="1" noAdjustHandles="1" noChangeArrowheads="1" noChangeShapeType="1" noTextEdit="1"/>
+                </p:cNvSpPr>
+                <p:nvPr/>
+              </p:nvSpPr>
+              <p:spPr>
+                <a:xfrm>
+                  <a:off x="10407521" y="174153"/>
+                  <a:ext cx="664606" cy="531684"/>
+                </a:xfrm>
+                <a:prstGeom prst="rect">
+                  <a:avLst/>
+                </a:prstGeom>
+                <a:blipFill>
+                  <a:blip r:embed="rId6"/>
+                  <a:stretch>
+                    <a:fillRect b="-4651"/>
+                  </a:stretch>
+                </a:blipFill>
+              </p:spPr>
+              <p:txBody>
+                <a:bodyPr/>
+                <a:lstStyle/>
+                <a:p>
+                  <a:r>
+                    <a:rPr lang="en-US">
+                      <a:noFill/>
+                    </a:rPr>
+                    <a:t> </a:t>
+                  </a:r>
+                </a:p>
+              </p:txBody>
+            </p:sp>
+          </mc:Fallback>
+        </mc:AlternateContent>
+        <mc:AlternateContent xmlns:mc="http://schemas.openxmlformats.org/markup-compatibility/2006">
+          <mc:Choice xmlns:a14="http://schemas.microsoft.com/office/drawing/2010/main" Requires="a14">
+            <p:sp>
+              <p:nvSpPr>
+                <p:cNvPr id="12" name="TextBox 11">
+                  <a:extLst>
+                    <a:ext uri="{FF2B5EF4-FFF2-40B4-BE49-F238E27FC236}">
+                      <a16:creationId xmlns:a16="http://schemas.microsoft.com/office/drawing/2014/main" id="{8B628696-CE80-9A43-2973-F608C6E28EA1}"/>
+                    </a:ext>
+                  </a:extLst>
+                </p:cNvPr>
+                <p:cNvSpPr txBox="1"/>
+                <p:nvPr/>
+              </p:nvSpPr>
+              <p:spPr>
+                <a:xfrm>
+                  <a:off x="7850948" y="2263876"/>
+                  <a:ext cx="644856" cy="523220"/>
+                </a:xfrm>
+                <a:prstGeom prst="rect">
+                  <a:avLst/>
+                </a:prstGeom>
+                <a:noFill/>
+              </p:spPr>
+              <p:txBody>
+                <a:bodyPr wrap="none" rtlCol="0">
+                  <a:spAutoFit/>
+                </a:bodyPr>
+                <a:lstStyle/>
+                <a:p>
+                  <a14:m>
+                    <m:oMathPara xmlns:m="http://schemas.openxmlformats.org/officeDocument/2006/math">
+                      <m:oMathParaPr>
+                        <m:jc m:val="centerGroup"/>
+                      </m:oMathParaPr>
+                      <m:oMath xmlns:m="http://schemas.openxmlformats.org/officeDocument/2006/math">
+                        <m:sSub>
+                          <m:sSubPr>
+                            <m:ctrlPr>
+                              <a:rPr lang="en-US" sz="2800" i="1" smtClean="0">
+                                <a:latin typeface="Cambria Math" panose="02040503050406030204" pitchFamily="18" charset="0"/>
+                              </a:rPr>
+                            </m:ctrlPr>
+                          </m:sSubPr>
+                          <m:e>
+                            <m:r>
+                              <a:rPr lang="en-US" sz="2800" i="1">
+                                <a:latin typeface="Cambria Math" panose="02040503050406030204" pitchFamily="18" charset="0"/>
+                                <a:ea typeface="Cambria Math" panose="02040503050406030204" pitchFamily="18" charset="0"/>
+                              </a:rPr>
+                              <m:t>𝜇</m:t>
+                            </m:r>
+                          </m:e>
+                          <m:sub>
+                            <m:r>
+                              <a:rPr lang="en-US" sz="2800" b="0" i="1" smtClean="0">
+                                <a:latin typeface="Cambria Math" panose="02040503050406030204" pitchFamily="18" charset="0"/>
+                                <a:ea typeface="Cambria Math" panose="02040503050406030204" pitchFamily="18" charset="0"/>
+                              </a:rPr>
+                              <m:t>𝑘</m:t>
+                            </m:r>
+                          </m:sub>
+                        </m:sSub>
+                      </m:oMath>
+                    </m:oMathPara>
+                  </a14:m>
+                  <a:endParaRPr lang="en-US" sz="2800" dirty="0"/>
+                </a:p>
+              </p:txBody>
+            </p:sp>
+          </mc:Choice>
+          <mc:Fallback>
+            <p:sp>
+              <p:nvSpPr>
+                <p:cNvPr id="12" name="TextBox 11">
+                  <a:extLst>
+                    <a:ext uri="{FF2B5EF4-FFF2-40B4-BE49-F238E27FC236}">
+                      <a16:creationId xmlns:a16="http://schemas.microsoft.com/office/drawing/2014/main" id="{8B628696-CE80-9A43-2973-F608C6E28EA1}"/>
+                    </a:ext>
+                  </a:extLst>
+                </p:cNvPr>
+                <p:cNvSpPr txBox="1">
+                  <a:spLocks noRot="1" noChangeAspect="1" noMove="1" noResize="1" noEditPoints="1" noAdjustHandles="1" noChangeArrowheads="1" noChangeShapeType="1" noTextEdit="1"/>
+                </p:cNvSpPr>
+                <p:nvPr/>
+              </p:nvSpPr>
+              <p:spPr>
+                <a:xfrm>
+                  <a:off x="7850948" y="2263876"/>
+                  <a:ext cx="644856" cy="523220"/>
+                </a:xfrm>
+                <a:prstGeom prst="rect">
+                  <a:avLst/>
+                </a:prstGeom>
+                <a:blipFill>
+                  <a:blip r:embed="rId7"/>
+                  <a:stretch>
+                    <a:fillRect b="-7143"/>
+                  </a:stretch>
+                </a:blipFill>
+              </p:spPr>
+              <p:txBody>
+                <a:bodyPr/>
+                <a:lstStyle/>
+                <a:p>
+                  <a:r>
+                    <a:rPr lang="en-US">
+                      <a:noFill/>
+                    </a:rPr>
+                    <a:t> </a:t>
+                  </a:r>
+                </a:p>
+              </p:txBody>
+            </p:sp>
+          </mc:Fallback>
+        </mc:AlternateContent>
+        <mc:AlternateContent xmlns:mc="http://schemas.openxmlformats.org/markup-compatibility/2006">
+          <mc:Choice xmlns:a14="http://schemas.microsoft.com/office/drawing/2010/main" Requires="a14">
+            <p:sp>
+              <p:nvSpPr>
+                <p:cNvPr id="13" name="TextBox 12">
+                  <a:extLst>
+                    <a:ext uri="{FF2B5EF4-FFF2-40B4-BE49-F238E27FC236}">
+                      <a16:creationId xmlns:a16="http://schemas.microsoft.com/office/drawing/2014/main" id="{26F9F48C-E595-3040-9256-002420F2FDD6}"/>
+                    </a:ext>
+                  </a:extLst>
+                </p:cNvPr>
+                <p:cNvSpPr txBox="1"/>
+                <p:nvPr/>
+              </p:nvSpPr>
+              <p:spPr>
+                <a:xfrm>
+                  <a:off x="9250136" y="2263876"/>
+                  <a:ext cx="664606" cy="540276"/>
+                </a:xfrm>
+                <a:prstGeom prst="rect">
+                  <a:avLst/>
+                </a:prstGeom>
+                <a:noFill/>
+              </p:spPr>
+              <p:txBody>
+                <a:bodyPr wrap="none" rtlCol="0">
+                  <a:spAutoFit/>
+                </a:bodyPr>
+                <a:lstStyle/>
+                <a:p>
+                  <a14:m>
+                    <m:oMathPara xmlns:m="http://schemas.openxmlformats.org/officeDocument/2006/math">
+                      <m:oMathParaPr>
+                        <m:jc m:val="centerGroup"/>
+                      </m:oMathParaPr>
+                      <m:oMath xmlns:m="http://schemas.openxmlformats.org/officeDocument/2006/math">
+                        <m:sSubSup>
+                          <m:sSubSupPr>
+                            <m:ctrlPr>
+                              <a:rPr lang="en-US" sz="2800" i="1" smtClean="0">
+                                <a:latin typeface="Cambria Math" panose="02040503050406030204" pitchFamily="18" charset="0"/>
+                              </a:rPr>
+                            </m:ctrlPr>
+                          </m:sSubSupPr>
+                          <m:e>
+                            <m:r>
+                              <a:rPr lang="en-US" sz="2800" i="1" smtClean="0">
+                                <a:latin typeface="Cambria Math" panose="02040503050406030204" pitchFamily="18" charset="0"/>
+                                <a:ea typeface="Cambria Math" panose="02040503050406030204" pitchFamily="18" charset="0"/>
+                              </a:rPr>
+                              <m:t>𝜎</m:t>
+                            </m:r>
+                          </m:e>
+                          <m:sub>
+                            <m:r>
+                              <a:rPr lang="en-US" sz="2800" b="0" i="1" smtClean="0">
+                                <a:latin typeface="Cambria Math" panose="02040503050406030204" pitchFamily="18" charset="0"/>
+                              </a:rPr>
+                              <m:t>𝑘</m:t>
+                            </m:r>
+                          </m:sub>
+                          <m:sup>
+                            <m:r>
+                              <a:rPr lang="en-US" sz="2800" b="0" i="1" smtClean="0">
+                                <a:latin typeface="Cambria Math" panose="02040503050406030204" pitchFamily="18" charset="0"/>
+                              </a:rPr>
+                              <m:t>2</m:t>
+                            </m:r>
+                          </m:sup>
+                        </m:sSubSup>
+                      </m:oMath>
+                    </m:oMathPara>
+                  </a14:m>
+                  <a:endParaRPr lang="en-US" sz="2800" dirty="0"/>
+                </a:p>
+              </p:txBody>
+            </p:sp>
+          </mc:Choice>
+          <mc:Fallback>
+            <p:sp>
+              <p:nvSpPr>
+                <p:cNvPr id="13" name="TextBox 12">
+                  <a:extLst>
+                    <a:ext uri="{FF2B5EF4-FFF2-40B4-BE49-F238E27FC236}">
+                      <a16:creationId xmlns:a16="http://schemas.microsoft.com/office/drawing/2014/main" id="{26F9F48C-E595-3040-9256-002420F2FDD6}"/>
+                    </a:ext>
+                  </a:extLst>
+                </p:cNvPr>
+                <p:cNvSpPr txBox="1">
+                  <a:spLocks noRot="1" noChangeAspect="1" noMove="1" noResize="1" noEditPoints="1" noAdjustHandles="1" noChangeArrowheads="1" noChangeShapeType="1" noTextEdit="1"/>
+                </p:cNvSpPr>
+                <p:nvPr/>
+              </p:nvSpPr>
+              <p:spPr>
+                <a:xfrm>
+                  <a:off x="9250136" y="2263876"/>
+                  <a:ext cx="664606" cy="540276"/>
+                </a:xfrm>
+                <a:prstGeom prst="rect">
+                  <a:avLst/>
+                </a:prstGeom>
+                <a:blipFill>
+                  <a:blip r:embed="rId8"/>
+                  <a:stretch>
+                    <a:fillRect b="-9302"/>
+                  </a:stretch>
+                </a:blipFill>
+              </p:spPr>
+              <p:txBody>
+                <a:bodyPr/>
+                <a:lstStyle/>
+                <a:p>
+                  <a:r>
+                    <a:rPr lang="en-US">
+                      <a:noFill/>
+                    </a:rPr>
+                    <a:t> </a:t>
+                  </a:r>
+                </a:p>
+              </p:txBody>
+            </p:sp>
+          </mc:Fallback>
+        </mc:AlternateContent>
+        <mc:AlternateContent xmlns:mc="http://schemas.openxmlformats.org/markup-compatibility/2006">
+          <mc:Choice xmlns:a14="http://schemas.microsoft.com/office/drawing/2010/main" Requires="a14">
+            <p:sp>
+              <p:nvSpPr>
+                <p:cNvPr id="14" name="TextBox 13">
+                  <a:extLst>
+                    <a:ext uri="{FF2B5EF4-FFF2-40B4-BE49-F238E27FC236}">
+                      <a16:creationId xmlns:a16="http://schemas.microsoft.com/office/drawing/2014/main" id="{9CD07FA5-3402-1136-C4DF-6E7593DC38C4}"/>
+                    </a:ext>
+                  </a:extLst>
+                </p:cNvPr>
+                <p:cNvSpPr txBox="1"/>
+                <p:nvPr/>
+              </p:nvSpPr>
+              <p:spPr>
+                <a:xfrm>
+                  <a:off x="10141686" y="2379609"/>
+                  <a:ext cx="527388" cy="523220"/>
+                </a:xfrm>
+                <a:prstGeom prst="rect">
+                  <a:avLst/>
+                </a:prstGeom>
+                <a:noFill/>
+              </p:spPr>
+              <p:txBody>
+                <a:bodyPr wrap="none" rtlCol="0">
+                  <a:spAutoFit/>
+                </a:bodyPr>
+                <a:lstStyle/>
+                <a:p>
+                  <a14:m>
+                    <m:oMathPara xmlns:m="http://schemas.openxmlformats.org/officeDocument/2006/math">
+                      <m:oMathParaPr>
+                        <m:jc m:val="centerGroup"/>
+                      </m:oMathParaPr>
+                      <m:oMath xmlns:m="http://schemas.openxmlformats.org/officeDocument/2006/math">
+                        <m:r>
+                          <a:rPr lang="en-US" sz="2800" b="0" i="1" smtClean="0">
+                            <a:latin typeface="Cambria Math" panose="02040503050406030204" pitchFamily="18" charset="0"/>
+                          </a:rPr>
+                          <m:t>𝐾</m:t>
+                        </m:r>
+                      </m:oMath>
+                    </m:oMathPara>
+                  </a14:m>
+                  <a:endParaRPr lang="en-US" sz="2800" dirty="0"/>
+                </a:p>
+              </p:txBody>
+            </p:sp>
+          </mc:Choice>
+          <mc:Fallback>
+            <p:sp>
+              <p:nvSpPr>
+                <p:cNvPr id="14" name="TextBox 13">
+                  <a:extLst>
+                    <a:ext uri="{FF2B5EF4-FFF2-40B4-BE49-F238E27FC236}">
+                      <a16:creationId xmlns:a16="http://schemas.microsoft.com/office/drawing/2014/main" id="{9CD07FA5-3402-1136-C4DF-6E7593DC38C4}"/>
+                    </a:ext>
+                  </a:extLst>
+                </p:cNvPr>
+                <p:cNvSpPr txBox="1">
+                  <a:spLocks noRot="1" noChangeAspect="1" noMove="1" noResize="1" noEditPoints="1" noAdjustHandles="1" noChangeArrowheads="1" noChangeShapeType="1" noTextEdit="1"/>
+                </p:cNvSpPr>
+                <p:nvPr/>
+              </p:nvSpPr>
+              <p:spPr>
+                <a:xfrm>
+                  <a:off x="10141686" y="2379609"/>
+                  <a:ext cx="527388" cy="523220"/>
+                </a:xfrm>
+                <a:prstGeom prst="rect">
+                  <a:avLst/>
+                </a:prstGeom>
+                <a:blipFill>
+                  <a:blip r:embed="rId9"/>
+                  <a:stretch>
+                    <a:fillRect/>
+                  </a:stretch>
+                </a:blipFill>
+              </p:spPr>
+              <p:txBody>
+                <a:bodyPr/>
+                <a:lstStyle/>
+                <a:p>
+                  <a:r>
+                    <a:rPr lang="en-US">
+                      <a:noFill/>
+                    </a:rPr>
+                    <a:t> </a:t>
+                  </a:r>
+                </a:p>
+              </p:txBody>
+            </p:sp>
+          </mc:Fallback>
+        </mc:AlternateContent>
+        <mc:AlternateContent xmlns:mc="http://schemas.openxmlformats.org/markup-compatibility/2006">
+          <mc:Choice xmlns:a14="http://schemas.microsoft.com/office/drawing/2010/main" Requires="a14">
+            <p:sp>
+              <p:nvSpPr>
+                <p:cNvPr id="16" name="TextBox 15">
+                  <a:extLst>
+                    <a:ext uri="{FF2B5EF4-FFF2-40B4-BE49-F238E27FC236}">
+                      <a16:creationId xmlns:a16="http://schemas.microsoft.com/office/drawing/2014/main" id="{E5622196-17CF-7DDA-52D5-0D5C15062AA6}"/>
+                    </a:ext>
+                  </a:extLst>
+                </p:cNvPr>
+                <p:cNvSpPr txBox="1"/>
+                <p:nvPr/>
+              </p:nvSpPr>
+              <p:spPr>
+                <a:xfrm>
+                  <a:off x="10191532" y="4053381"/>
+                  <a:ext cx="548292" cy="523220"/>
+                </a:xfrm>
+                <a:prstGeom prst="rect">
+                  <a:avLst/>
+                </a:prstGeom>
+                <a:noFill/>
+              </p:spPr>
+              <p:txBody>
+                <a:bodyPr wrap="none" rtlCol="0">
+                  <a:spAutoFit/>
+                </a:bodyPr>
+                <a:lstStyle/>
+                <a:p>
+                  <a14:m>
+                    <m:oMathPara xmlns:m="http://schemas.openxmlformats.org/officeDocument/2006/math">
+                      <m:oMathParaPr>
+                        <m:jc m:val="centerGroup"/>
+                      </m:oMathParaPr>
+                      <m:oMath xmlns:m="http://schemas.openxmlformats.org/officeDocument/2006/math">
+                        <m:sSub>
+                          <m:sSubPr>
+                            <m:ctrlPr>
+                              <a:rPr lang="en-US" sz="2800" i="1" smtClean="0">
+                                <a:latin typeface="Cambria Math" panose="02040503050406030204" pitchFamily="18" charset="0"/>
+                              </a:rPr>
+                            </m:ctrlPr>
+                          </m:sSubPr>
+                          <m:e>
+                            <m:r>
+                              <a:rPr lang="en-US" sz="2800" i="1" smtClean="0">
+                                <a:latin typeface="Cambria Math" panose="02040503050406030204" pitchFamily="18" charset="0"/>
+                                <a:ea typeface="Cambria Math" panose="02040503050406030204" pitchFamily="18" charset="0"/>
+                              </a:rPr>
+                              <m:t>𝜖</m:t>
+                            </m:r>
+                          </m:e>
+                          <m:sub>
+                            <m:r>
+                              <a:rPr lang="en-US" sz="2800" b="0" i="1" smtClean="0">
+                                <a:latin typeface="Cambria Math" panose="02040503050406030204" pitchFamily="18" charset="0"/>
+                              </a:rPr>
+                              <m:t>𝑖</m:t>
+                            </m:r>
+                          </m:sub>
+                        </m:sSub>
+                      </m:oMath>
+                    </m:oMathPara>
+                  </a14:m>
+                  <a:endParaRPr lang="en-US" sz="2800" dirty="0"/>
+                </a:p>
+              </p:txBody>
+            </p:sp>
+          </mc:Choice>
+          <mc:Fallback>
+            <p:sp>
+              <p:nvSpPr>
+                <p:cNvPr id="16" name="TextBox 15">
+                  <a:extLst>
+                    <a:ext uri="{FF2B5EF4-FFF2-40B4-BE49-F238E27FC236}">
+                      <a16:creationId xmlns:a16="http://schemas.microsoft.com/office/drawing/2014/main" id="{E5622196-17CF-7DDA-52D5-0D5C15062AA6}"/>
+                    </a:ext>
+                  </a:extLst>
+                </p:cNvPr>
+                <p:cNvSpPr txBox="1">
+                  <a:spLocks noRot="1" noChangeAspect="1" noMove="1" noResize="1" noEditPoints="1" noAdjustHandles="1" noChangeArrowheads="1" noChangeShapeType="1" noTextEdit="1"/>
+                </p:cNvSpPr>
+                <p:nvPr/>
+              </p:nvSpPr>
+              <p:spPr>
+                <a:xfrm>
+                  <a:off x="10191532" y="4053381"/>
+                  <a:ext cx="548292" cy="523220"/>
+                </a:xfrm>
+                <a:prstGeom prst="rect">
+                  <a:avLst/>
+                </a:prstGeom>
+                <a:blipFill>
+                  <a:blip r:embed="rId10"/>
+                  <a:stretch>
+                    <a:fillRect b="-2381"/>
+                  </a:stretch>
+                </a:blipFill>
+              </p:spPr>
+              <p:txBody>
+                <a:bodyPr/>
+                <a:lstStyle/>
+                <a:p>
+                  <a:r>
+                    <a:rPr lang="en-US">
+                      <a:noFill/>
+                    </a:rPr>
+                    <a:t> </a:t>
+                  </a:r>
+                </a:p>
+              </p:txBody>
+            </p:sp>
+          </mc:Fallback>
+        </mc:AlternateContent>
+        <mc:AlternateContent xmlns:mc="http://schemas.openxmlformats.org/markup-compatibility/2006">
+          <mc:Choice xmlns:a14="http://schemas.microsoft.com/office/drawing/2010/main" Requires="a14">
+            <p:sp>
+              <p:nvSpPr>
+                <p:cNvPr id="17" name="TextBox 16">
+                  <a:extLst>
+                    <a:ext uri="{FF2B5EF4-FFF2-40B4-BE49-F238E27FC236}">
+                      <a16:creationId xmlns:a16="http://schemas.microsoft.com/office/drawing/2014/main" id="{D501EB03-119B-07B4-599C-0B8537699E55}"/>
+                    </a:ext>
+                  </a:extLst>
+                </p:cNvPr>
+                <p:cNvSpPr txBox="1"/>
+                <p:nvPr/>
+              </p:nvSpPr>
+              <p:spPr>
+                <a:xfrm>
+                  <a:off x="8769662" y="4053381"/>
+                  <a:ext cx="545919" cy="523220"/>
+                </a:xfrm>
+                <a:prstGeom prst="rect">
+                  <a:avLst/>
+                </a:prstGeom>
+                <a:noFill/>
+              </p:spPr>
+              <p:txBody>
+                <a:bodyPr wrap="none" rtlCol="0">
+                  <a:spAutoFit/>
+                </a:bodyPr>
+                <a:lstStyle/>
+                <a:p>
+                  <a14:m>
+                    <m:oMathPara xmlns:m="http://schemas.openxmlformats.org/officeDocument/2006/math">
+                      <m:oMathParaPr>
+                        <m:jc m:val="centerGroup"/>
+                      </m:oMathParaPr>
+                      <m:oMath xmlns:m="http://schemas.openxmlformats.org/officeDocument/2006/math">
+                        <m:sSub>
+                          <m:sSubPr>
+                            <m:ctrlPr>
+                              <a:rPr lang="en-US" sz="2800" i="1" smtClean="0">
+                                <a:latin typeface="Cambria Math" panose="02040503050406030204" pitchFamily="18" charset="0"/>
+                              </a:rPr>
+                            </m:ctrlPr>
+                          </m:sSubPr>
+                          <m:e>
+                            <m:r>
+                              <a:rPr lang="en-US" sz="2800" b="0" i="1" smtClean="0">
+                                <a:latin typeface="Cambria Math" panose="02040503050406030204" pitchFamily="18" charset="0"/>
+                              </a:rPr>
+                              <m:t>𝑧</m:t>
+                            </m:r>
+                          </m:e>
+                          <m:sub>
+                            <m:r>
+                              <a:rPr lang="en-US" sz="2800" b="0" i="1" smtClean="0">
+                                <a:latin typeface="Cambria Math" panose="02040503050406030204" pitchFamily="18" charset="0"/>
+                              </a:rPr>
+                              <m:t>𝑖</m:t>
+                            </m:r>
+                          </m:sub>
+                        </m:sSub>
+                      </m:oMath>
+                    </m:oMathPara>
+                  </a14:m>
+                  <a:endParaRPr lang="en-US" sz="2800" dirty="0"/>
+                </a:p>
+              </p:txBody>
+            </p:sp>
+          </mc:Choice>
+          <mc:Fallback>
+            <p:sp>
+              <p:nvSpPr>
+                <p:cNvPr id="17" name="TextBox 16">
+                  <a:extLst>
+                    <a:ext uri="{FF2B5EF4-FFF2-40B4-BE49-F238E27FC236}">
+                      <a16:creationId xmlns:a16="http://schemas.microsoft.com/office/drawing/2014/main" id="{D501EB03-119B-07B4-599C-0B8537699E55}"/>
+                    </a:ext>
+                  </a:extLst>
+                </p:cNvPr>
+                <p:cNvSpPr txBox="1">
+                  <a:spLocks noRot="1" noChangeAspect="1" noMove="1" noResize="1" noEditPoints="1" noAdjustHandles="1" noChangeArrowheads="1" noChangeShapeType="1" noTextEdit="1"/>
+                </p:cNvSpPr>
+                <p:nvPr/>
+              </p:nvSpPr>
+              <p:spPr>
+                <a:xfrm>
+                  <a:off x="8769662" y="4053381"/>
+                  <a:ext cx="545919" cy="523220"/>
+                </a:xfrm>
+                <a:prstGeom prst="rect">
+                  <a:avLst/>
+                </a:prstGeom>
+                <a:blipFill>
+                  <a:blip r:embed="rId11"/>
+                  <a:stretch>
+                    <a:fillRect b="-2381"/>
+                  </a:stretch>
+                </a:blipFill>
+              </p:spPr>
+              <p:txBody>
+                <a:bodyPr/>
+                <a:lstStyle/>
+                <a:p>
+                  <a:r>
+                    <a:rPr lang="en-US">
+                      <a:noFill/>
+                    </a:rPr>
+                    <a:t> </a:t>
+                  </a:r>
+                </a:p>
+              </p:txBody>
+            </p:sp>
+          </mc:Fallback>
+        </mc:AlternateContent>
+        <mc:AlternateContent xmlns:mc="http://schemas.openxmlformats.org/markup-compatibility/2006">
+          <mc:Choice xmlns:a14="http://schemas.microsoft.com/office/drawing/2010/main" Requires="a14">
+            <p:sp>
+              <p:nvSpPr>
+                <p:cNvPr id="18" name="TextBox 17">
+                  <a:extLst>
+                    <a:ext uri="{FF2B5EF4-FFF2-40B4-BE49-F238E27FC236}">
+                      <a16:creationId xmlns:a16="http://schemas.microsoft.com/office/drawing/2014/main" id="{61493890-1324-9580-A78C-208A06A7A3E9}"/>
+                    </a:ext>
+                  </a:extLst>
+                </p:cNvPr>
+                <p:cNvSpPr txBox="1"/>
+                <p:nvPr/>
+              </p:nvSpPr>
+              <p:spPr>
+                <a:xfrm>
+                  <a:off x="10929257" y="5947495"/>
+                  <a:ext cx="508216" cy="523220"/>
+                </a:xfrm>
+                <a:prstGeom prst="rect">
+                  <a:avLst/>
+                </a:prstGeom>
+                <a:noFill/>
+              </p:spPr>
+              <p:txBody>
+                <a:bodyPr wrap="none" rtlCol="0">
+                  <a:spAutoFit/>
+                </a:bodyPr>
+                <a:lstStyle/>
+                <a:p>
+                  <a14:m>
+                    <m:oMathPara xmlns:m="http://schemas.openxmlformats.org/officeDocument/2006/math">
+                      <m:oMathParaPr>
+                        <m:jc m:val="centerGroup"/>
+                      </m:oMathParaPr>
+                      <m:oMath xmlns:m="http://schemas.openxmlformats.org/officeDocument/2006/math">
+                        <m:r>
+                          <a:rPr lang="en-US" sz="2800" b="0" i="1" smtClean="0">
+                            <a:latin typeface="Cambria Math" panose="02040503050406030204" pitchFamily="18" charset="0"/>
+                          </a:rPr>
+                          <m:t>𝐺</m:t>
+                        </m:r>
+                      </m:oMath>
+                    </m:oMathPara>
+                  </a14:m>
+                  <a:endParaRPr lang="en-US" sz="2800" dirty="0"/>
+                </a:p>
+              </p:txBody>
+            </p:sp>
+          </mc:Choice>
+          <mc:Fallback>
+            <p:sp>
+              <p:nvSpPr>
+                <p:cNvPr id="18" name="TextBox 17">
+                  <a:extLst>
+                    <a:ext uri="{FF2B5EF4-FFF2-40B4-BE49-F238E27FC236}">
+                      <a16:creationId xmlns:a16="http://schemas.microsoft.com/office/drawing/2014/main" id="{61493890-1324-9580-A78C-208A06A7A3E9}"/>
+                    </a:ext>
+                  </a:extLst>
+                </p:cNvPr>
+                <p:cNvSpPr txBox="1">
+                  <a:spLocks noRot="1" noChangeAspect="1" noMove="1" noResize="1" noEditPoints="1" noAdjustHandles="1" noChangeArrowheads="1" noChangeShapeType="1" noTextEdit="1"/>
+                </p:cNvSpPr>
+                <p:nvPr/>
+              </p:nvSpPr>
+              <p:spPr>
+                <a:xfrm>
+                  <a:off x="10929257" y="5947495"/>
+                  <a:ext cx="508216" cy="523220"/>
+                </a:xfrm>
+                <a:prstGeom prst="rect">
+                  <a:avLst/>
+                </a:prstGeom>
+                <a:blipFill>
+                  <a:blip r:embed="rId12"/>
+                  <a:stretch>
+                    <a:fillRect/>
+                  </a:stretch>
+                </a:blipFill>
+              </p:spPr>
+              <p:txBody>
+                <a:bodyPr/>
+                <a:lstStyle/>
+                <a:p>
+                  <a:r>
+                    <a:rPr lang="en-US">
+                      <a:noFill/>
+                    </a:rPr>
+                    <a:t> </a:t>
+                  </a:r>
+                </a:p>
+              </p:txBody>
+            </p:sp>
+          </mc:Fallback>
+        </mc:AlternateContent>
+        <mc:AlternateContent xmlns:mc="http://schemas.openxmlformats.org/markup-compatibility/2006">
+          <mc:Choice xmlns:a14="http://schemas.microsoft.com/office/drawing/2010/main" Requires="a14">
+            <p:sp>
+              <p:nvSpPr>
+                <p:cNvPr id="19" name="TextBox 18">
+                  <a:extLst>
+                    <a:ext uri="{FF2B5EF4-FFF2-40B4-BE49-F238E27FC236}">
+                      <a16:creationId xmlns:a16="http://schemas.microsoft.com/office/drawing/2014/main" id="{0D3DBC1C-FB71-2868-B1F5-75F0745F3824}"/>
+                    </a:ext>
+                  </a:extLst>
+                </p:cNvPr>
+                <p:cNvSpPr txBox="1"/>
+                <p:nvPr/>
+              </p:nvSpPr>
+              <p:spPr>
+                <a:xfrm>
+                  <a:off x="9444933" y="5651195"/>
+                  <a:ext cx="731290" cy="557910"/>
+                </a:xfrm>
+                <a:prstGeom prst="rect">
+                  <a:avLst/>
+                </a:prstGeom>
+                <a:noFill/>
+              </p:spPr>
+              <p:txBody>
+                <a:bodyPr wrap="none" rtlCol="0">
+                  <a:spAutoFit/>
+                </a:bodyPr>
+                <a:lstStyle/>
+                <a:p>
+                  <a14:m>
+                    <m:oMathPara xmlns:m="http://schemas.openxmlformats.org/officeDocument/2006/math">
+                      <m:oMathParaPr>
+                        <m:jc m:val="centerGroup"/>
+                      </m:oMathParaPr>
+                      <m:oMath xmlns:m="http://schemas.openxmlformats.org/officeDocument/2006/math">
+                        <m:sSub>
+                          <m:sSubPr>
+                            <m:ctrlPr>
+                              <a:rPr lang="en-US" sz="2800" i="1" smtClean="0">
+                                <a:latin typeface="Cambria Math" panose="02040503050406030204" pitchFamily="18" charset="0"/>
+                              </a:rPr>
+                            </m:ctrlPr>
+                          </m:sSubPr>
+                          <m:e>
+                            <m:r>
+                              <a:rPr lang="en-US" sz="2800" b="0" i="1" smtClean="0">
+                                <a:latin typeface="Cambria Math" panose="02040503050406030204" pitchFamily="18" charset="0"/>
+                              </a:rPr>
+                              <m:t>𝑂</m:t>
+                            </m:r>
+                          </m:e>
+                          <m:sub>
+                            <m:r>
+                              <a:rPr lang="en-US" sz="2800" b="0" i="1" smtClean="0">
+                                <a:latin typeface="Cambria Math" panose="02040503050406030204" pitchFamily="18" charset="0"/>
+                              </a:rPr>
+                              <m:t>𝑖𝑗</m:t>
+                            </m:r>
+                          </m:sub>
+                        </m:sSub>
+                      </m:oMath>
+                    </m:oMathPara>
+                  </a14:m>
+                  <a:endParaRPr lang="en-US" sz="2800" dirty="0"/>
+                </a:p>
+              </p:txBody>
+            </p:sp>
+          </mc:Choice>
+          <mc:Fallback>
+            <p:sp>
+              <p:nvSpPr>
+                <p:cNvPr id="19" name="TextBox 18">
+                  <a:extLst>
+                    <a:ext uri="{FF2B5EF4-FFF2-40B4-BE49-F238E27FC236}">
+                      <a16:creationId xmlns:a16="http://schemas.microsoft.com/office/drawing/2014/main" id="{0D3DBC1C-FB71-2868-B1F5-75F0745F3824}"/>
+                    </a:ext>
+                  </a:extLst>
+                </p:cNvPr>
+                <p:cNvSpPr txBox="1">
+                  <a:spLocks noRot="1" noChangeAspect="1" noMove="1" noResize="1" noEditPoints="1" noAdjustHandles="1" noChangeArrowheads="1" noChangeShapeType="1" noTextEdit="1"/>
+                </p:cNvSpPr>
+                <p:nvPr/>
+              </p:nvSpPr>
+              <p:spPr>
+                <a:xfrm>
+                  <a:off x="9444933" y="5651195"/>
+                  <a:ext cx="731290" cy="557910"/>
+                </a:xfrm>
+                <a:prstGeom prst="rect">
+                  <a:avLst/>
+                </a:prstGeom>
+                <a:blipFill>
+                  <a:blip r:embed="rId13"/>
+                  <a:stretch>
+                    <a:fillRect b="-10870"/>
+                  </a:stretch>
+                </a:blipFill>
+              </p:spPr>
+              <p:txBody>
+                <a:bodyPr/>
+                <a:lstStyle/>
+                <a:p>
+                  <a:r>
+                    <a:rPr lang="en-US">
+                      <a:noFill/>
+                    </a:rPr>
+                    <a:t> </a:t>
+                  </a:r>
+                </a:p>
+              </p:txBody>
+            </p:sp>
+          </mc:Fallback>
+        </mc:AlternateContent>
+        <mc:AlternateContent xmlns:mc="http://schemas.openxmlformats.org/markup-compatibility/2006">
+          <mc:Choice xmlns:a14="http://schemas.microsoft.com/office/drawing/2010/main" Requires="a14">
+            <p:sp>
+              <p:nvSpPr>
+                <p:cNvPr id="20" name="TextBox 19">
+                  <a:extLst>
+                    <a:ext uri="{FF2B5EF4-FFF2-40B4-BE49-F238E27FC236}">
+                      <a16:creationId xmlns:a16="http://schemas.microsoft.com/office/drawing/2014/main" id="{40A796E2-AFFF-F781-AC94-C11F429F3440}"/>
+                    </a:ext>
+                  </a:extLst>
+                </p:cNvPr>
+                <p:cNvSpPr txBox="1"/>
+                <p:nvPr/>
+              </p:nvSpPr>
+              <p:spPr>
+                <a:xfrm>
+                  <a:off x="10299698" y="5727153"/>
+                  <a:ext cx="614655" cy="523220"/>
+                </a:xfrm>
+                <a:prstGeom prst="rect">
+                  <a:avLst/>
+                </a:prstGeom>
+                <a:noFill/>
+              </p:spPr>
+              <p:txBody>
+                <a:bodyPr wrap="none" rtlCol="0">
+                  <a:spAutoFit/>
+                </a:bodyPr>
+                <a:lstStyle/>
+                <a:p>
+                  <a14:m>
+                    <m:oMathPara xmlns:m="http://schemas.openxmlformats.org/officeDocument/2006/math">
+                      <m:oMathParaPr>
+                        <m:jc m:val="centerGroup"/>
+                      </m:oMathParaPr>
+                      <m:oMath xmlns:m="http://schemas.openxmlformats.org/officeDocument/2006/math">
+                        <m:sSub>
+                          <m:sSubPr>
+                            <m:ctrlPr>
+                              <a:rPr lang="en-US" sz="2800" i="1" smtClean="0">
+                                <a:latin typeface="Cambria Math" panose="02040503050406030204" pitchFamily="18" charset="0"/>
+                              </a:rPr>
+                            </m:ctrlPr>
+                          </m:sSubPr>
+                          <m:e>
+                            <m:r>
+                              <a:rPr lang="en-US" sz="2800" b="0" i="1" smtClean="0">
+                                <a:latin typeface="Cambria Math" panose="02040503050406030204" pitchFamily="18" charset="0"/>
+                              </a:rPr>
+                              <m:t>𝑁</m:t>
+                            </m:r>
+                          </m:e>
+                          <m:sub>
+                            <m:r>
+                              <a:rPr lang="en-US" sz="2800" b="0" i="1" smtClean="0">
+                                <a:latin typeface="Cambria Math" panose="02040503050406030204" pitchFamily="18" charset="0"/>
+                              </a:rPr>
+                              <m:t>𝑖</m:t>
+                            </m:r>
+                          </m:sub>
+                        </m:sSub>
+                      </m:oMath>
+                    </m:oMathPara>
+                  </a14:m>
+                  <a:endParaRPr lang="en-US" sz="2800" dirty="0"/>
+                </a:p>
+              </p:txBody>
+            </p:sp>
+          </mc:Choice>
+          <mc:Fallback>
+            <p:sp>
+              <p:nvSpPr>
+                <p:cNvPr id="20" name="TextBox 19">
+                  <a:extLst>
+                    <a:ext uri="{FF2B5EF4-FFF2-40B4-BE49-F238E27FC236}">
+                      <a16:creationId xmlns:a16="http://schemas.microsoft.com/office/drawing/2014/main" id="{40A796E2-AFFF-F781-AC94-C11F429F3440}"/>
+                    </a:ext>
+                  </a:extLst>
+                </p:cNvPr>
+                <p:cNvSpPr txBox="1">
+                  <a:spLocks noRot="1" noChangeAspect="1" noMove="1" noResize="1" noEditPoints="1" noAdjustHandles="1" noChangeArrowheads="1" noChangeShapeType="1" noTextEdit="1"/>
+                </p:cNvSpPr>
+                <p:nvPr/>
+              </p:nvSpPr>
+              <p:spPr>
+                <a:xfrm>
+                  <a:off x="10299698" y="5727153"/>
+                  <a:ext cx="614655" cy="523220"/>
+                </a:xfrm>
+                <a:prstGeom prst="rect">
+                  <a:avLst/>
+                </a:prstGeom>
+                <a:blipFill>
+                  <a:blip r:embed="rId14"/>
+                  <a:stretch>
+                    <a:fillRect b="-2326"/>
+                  </a:stretch>
+                </a:blipFill>
+              </p:spPr>
+              <p:txBody>
+                <a:bodyPr/>
+                <a:lstStyle/>
+                <a:p>
+                  <a:r>
+                    <a:rPr lang="en-US">
+                      <a:noFill/>
+                    </a:rPr>
+                    <a:t> </a:t>
+                  </a:r>
+                </a:p>
+              </p:txBody>
+            </p:sp>
+          </mc:Fallback>
+        </mc:AlternateContent>
+        <mc:AlternateContent xmlns:mc="http://schemas.openxmlformats.org/markup-compatibility/2006">
+          <mc:Choice xmlns:a14="http://schemas.microsoft.com/office/drawing/2010/main" Requires="a14">
+            <p:sp>
+              <p:nvSpPr>
+                <p:cNvPr id="21" name="TextBox 20">
+                  <a:extLst>
+                    <a:ext uri="{FF2B5EF4-FFF2-40B4-BE49-F238E27FC236}">
+                      <a16:creationId xmlns:a16="http://schemas.microsoft.com/office/drawing/2014/main" id="{67D705D7-1C79-0A00-C406-C63AA1213AD1}"/>
+                    </a:ext>
+                  </a:extLst>
+                </p:cNvPr>
+                <p:cNvSpPr txBox="1"/>
+                <p:nvPr/>
+              </p:nvSpPr>
+              <p:spPr>
+                <a:xfrm>
+                  <a:off x="7064761" y="4152666"/>
+                  <a:ext cx="519373" cy="523220"/>
+                </a:xfrm>
+                <a:prstGeom prst="rect">
+                  <a:avLst/>
+                </a:prstGeom>
+                <a:noFill/>
+              </p:spPr>
+              <p:txBody>
+                <a:bodyPr wrap="none" rtlCol="0">
+                  <a:spAutoFit/>
+                </a:bodyPr>
+                <a:lstStyle/>
+                <a:p>
+                  <a14:m>
+                    <m:oMathPara xmlns:m="http://schemas.openxmlformats.org/officeDocument/2006/math">
+                      <m:oMathParaPr>
+                        <m:jc m:val="centerGroup"/>
+                      </m:oMathParaPr>
+                      <m:oMath xmlns:m="http://schemas.openxmlformats.org/officeDocument/2006/math">
+                        <m:r>
+                          <a:rPr lang="en-US" sz="2800" i="1" smtClean="0">
+                            <a:latin typeface="Cambria Math" panose="02040503050406030204" pitchFamily="18" charset="0"/>
+                            <a:ea typeface="Cambria Math" panose="02040503050406030204" pitchFamily="18" charset="0"/>
+                          </a:rPr>
+                          <m:t>𝜙</m:t>
+                        </m:r>
+                      </m:oMath>
+                    </m:oMathPara>
+                  </a14:m>
+                  <a:endParaRPr lang="en-US" sz="2800" dirty="0"/>
+                </a:p>
+              </p:txBody>
+            </p:sp>
+          </mc:Choice>
+          <mc:Fallback>
+            <p:sp>
+              <p:nvSpPr>
+                <p:cNvPr id="21" name="TextBox 20">
+                  <a:extLst>
+                    <a:ext uri="{FF2B5EF4-FFF2-40B4-BE49-F238E27FC236}">
+                      <a16:creationId xmlns:a16="http://schemas.microsoft.com/office/drawing/2014/main" id="{67D705D7-1C79-0A00-C406-C63AA1213AD1}"/>
+                    </a:ext>
+                  </a:extLst>
+                </p:cNvPr>
+                <p:cNvSpPr txBox="1">
+                  <a:spLocks noRot="1" noChangeAspect="1" noMove="1" noResize="1" noEditPoints="1" noAdjustHandles="1" noChangeArrowheads="1" noChangeShapeType="1" noTextEdit="1"/>
+                </p:cNvSpPr>
+                <p:nvPr/>
+              </p:nvSpPr>
+              <p:spPr>
+                <a:xfrm>
+                  <a:off x="7064761" y="4152666"/>
+                  <a:ext cx="519373" cy="523220"/>
+                </a:xfrm>
+                <a:prstGeom prst="rect">
+                  <a:avLst/>
+                </a:prstGeom>
+                <a:blipFill>
+                  <a:blip r:embed="rId15"/>
+                  <a:stretch>
+                    <a:fillRect l="-4878" r="-4878" b="-16279"/>
+                  </a:stretch>
+                </a:blipFill>
+              </p:spPr>
+              <p:txBody>
+                <a:bodyPr/>
+                <a:lstStyle/>
+                <a:p>
+                  <a:r>
+                    <a:rPr lang="en-US">
+                      <a:noFill/>
+                    </a:rPr>
+                    <a:t> </a:t>
+                  </a:r>
+                </a:p>
+              </p:txBody>
+            </p:sp>
+          </mc:Fallback>
+        </mc:AlternateContent>
+        <mc:AlternateContent xmlns:mc="http://schemas.openxmlformats.org/markup-compatibility/2006">
+          <mc:Choice xmlns:a14="http://schemas.microsoft.com/office/drawing/2010/main" Requires="a14">
+            <p:sp>
+              <p:nvSpPr>
+                <p:cNvPr id="22" name="TextBox 21">
+                  <a:extLst>
+                    <a:ext uri="{FF2B5EF4-FFF2-40B4-BE49-F238E27FC236}">
+                      <a16:creationId xmlns:a16="http://schemas.microsoft.com/office/drawing/2014/main" id="{B7B3615A-4BA9-71CE-08F1-3265B75E6CCB}"/>
+                    </a:ext>
+                  </a:extLst>
+                </p:cNvPr>
+                <p:cNvSpPr txBox="1"/>
+                <p:nvPr/>
+              </p:nvSpPr>
+              <p:spPr>
+                <a:xfrm>
+                  <a:off x="5634970" y="3530161"/>
+                  <a:ext cx="495328" cy="523220"/>
+                </a:xfrm>
+                <a:prstGeom prst="rect">
+                  <a:avLst/>
+                </a:prstGeom>
+                <a:noFill/>
+              </p:spPr>
+              <p:txBody>
+                <a:bodyPr wrap="none" rtlCol="0">
+                  <a:spAutoFit/>
+                </a:bodyPr>
+                <a:lstStyle/>
+                <a:p>
+                  <a14:m>
+                    <m:oMathPara xmlns:m="http://schemas.openxmlformats.org/officeDocument/2006/math">
+                      <m:oMathParaPr>
+                        <m:jc m:val="centerGroup"/>
+                      </m:oMathParaPr>
+                      <m:oMath xmlns:m="http://schemas.openxmlformats.org/officeDocument/2006/math">
+                        <m:r>
+                          <a:rPr lang="en-US" sz="2800" i="1" smtClean="0">
+                            <a:latin typeface="Cambria Math" panose="02040503050406030204" pitchFamily="18" charset="0"/>
+                            <a:ea typeface="Cambria Math" panose="02040503050406030204" pitchFamily="18" charset="0"/>
+                          </a:rPr>
+                          <m:t>𝛽</m:t>
+                        </m:r>
+                      </m:oMath>
+                    </m:oMathPara>
+                  </a14:m>
+                  <a:endParaRPr lang="en-US" sz="2800" dirty="0"/>
+                </a:p>
+              </p:txBody>
+            </p:sp>
+          </mc:Choice>
+          <mc:Fallback>
+            <p:sp>
+              <p:nvSpPr>
+                <p:cNvPr id="22" name="TextBox 21">
+                  <a:extLst>
+                    <a:ext uri="{FF2B5EF4-FFF2-40B4-BE49-F238E27FC236}">
+                      <a16:creationId xmlns:a16="http://schemas.microsoft.com/office/drawing/2014/main" id="{B7B3615A-4BA9-71CE-08F1-3265B75E6CCB}"/>
+                    </a:ext>
+                  </a:extLst>
+                </p:cNvPr>
+                <p:cNvSpPr txBox="1">
+                  <a:spLocks noRot="1" noChangeAspect="1" noMove="1" noResize="1" noEditPoints="1" noAdjustHandles="1" noChangeArrowheads="1" noChangeShapeType="1" noTextEdit="1"/>
+                </p:cNvSpPr>
+                <p:nvPr/>
+              </p:nvSpPr>
+              <p:spPr>
+                <a:xfrm>
+                  <a:off x="5634970" y="3530161"/>
+                  <a:ext cx="495328" cy="523220"/>
+                </a:xfrm>
+                <a:prstGeom prst="rect">
+                  <a:avLst/>
+                </a:prstGeom>
+                <a:blipFill>
+                  <a:blip r:embed="rId16"/>
+                  <a:stretch>
+                    <a:fillRect l="-7500" r="-5000" b="-16279"/>
+                  </a:stretch>
+                </a:blipFill>
+              </p:spPr>
+              <p:txBody>
+                <a:bodyPr/>
+                <a:lstStyle/>
+                <a:p>
+                  <a:r>
+                    <a:rPr lang="en-US">
+                      <a:noFill/>
+                    </a:rPr>
+                    <a:t> </a:t>
+                  </a:r>
+                </a:p>
+              </p:txBody>
+            </p:sp>
+          </mc:Fallback>
+        </mc:AlternateContent>
+      </p:grpSp>
+      <mc:AlternateContent xmlns:mc="http://schemas.openxmlformats.org/markup-compatibility/2006">
+        <mc:Choice xmlns:a14="http://schemas.microsoft.com/office/drawing/2010/main" Requires="a14">
+          <p:sp>
+            <p:nvSpPr>
+              <p:cNvPr id="23" name="TextBox 22">
+                <a:extLst>
+                  <a:ext uri="{FF2B5EF4-FFF2-40B4-BE49-F238E27FC236}">
+                    <a16:creationId xmlns:a16="http://schemas.microsoft.com/office/drawing/2014/main" id="{F999F758-8132-80DE-7D5B-9F8677FE8A5E}"/>
+                  </a:ext>
+                </a:extLst>
+              </p:cNvPr>
+              <p:cNvSpPr txBox="1"/>
+              <p:nvPr/>
+            </p:nvSpPr>
+            <p:spPr>
+              <a:xfrm>
+                <a:off x="170604" y="1147435"/>
+                <a:ext cx="5688160" cy="5768695"/>
+              </a:xfrm>
+              <a:prstGeom prst="rect">
+                <a:avLst/>
+              </a:prstGeom>
+              <a:noFill/>
+            </p:spPr>
+            <p:txBody>
+              <a:bodyPr wrap="none" rtlCol="0">
+                <a:spAutoFit/>
+              </a:bodyPr>
+              <a:lstStyle/>
+              <a:p>
+                <a14:m>
+                  <m:oMath xmlns:m="http://schemas.openxmlformats.org/officeDocument/2006/math">
+                    <m:r>
+                      <a:rPr lang="en-US" b="0" i="1" smtClean="0">
+                        <a:latin typeface="Cambria Math" panose="02040503050406030204" pitchFamily="18" charset="0"/>
+                      </a:rPr>
+                      <m:t>𝐾</m:t>
+                    </m:r>
+                    <m:r>
+                      <a:rPr lang="en-US" b="0" i="1" smtClean="0">
+                        <a:latin typeface="Cambria Math" panose="02040503050406030204" pitchFamily="18" charset="0"/>
+                      </a:rPr>
+                      <m:t>=</m:t>
+                    </m:r>
+                  </m:oMath>
+                </a14:m>
+                <a:r>
+                  <a:rPr lang="en-US" dirty="0"/>
+                  <a:t> number of agents</a:t>
+                </a:r>
+              </a:p>
+              <a:p>
+                <a14:m>
+                  <m:oMath xmlns:m="http://schemas.openxmlformats.org/officeDocument/2006/math">
+                    <m:r>
+                      <a:rPr lang="en-US" b="0" i="1" smtClean="0">
+                        <a:latin typeface="Cambria Math" panose="02040503050406030204" pitchFamily="18" charset="0"/>
+                      </a:rPr>
+                      <m:t>𝐺</m:t>
+                    </m:r>
+                    <m:r>
+                      <a:rPr lang="en-US" b="0" i="1" smtClean="0">
+                        <a:latin typeface="Cambria Math" panose="02040503050406030204" pitchFamily="18" charset="0"/>
+                      </a:rPr>
+                      <m:t>=</m:t>
+                    </m:r>
+                  </m:oMath>
+                </a14:m>
+                <a:r>
+                  <a:rPr lang="en-US" dirty="0"/>
+                  <a:t> number of games (human has played so far)</a:t>
+                </a:r>
+              </a:p>
+              <a:p>
+                <a14:m>
+                  <m:oMath xmlns:m="http://schemas.openxmlformats.org/officeDocument/2006/math">
+                    <m:sSub>
+                      <m:sSubPr>
+                        <m:ctrlPr>
+                          <a:rPr lang="en-US" i="1" smtClean="0">
+                            <a:latin typeface="Cambria Math" panose="02040503050406030204" pitchFamily="18" charset="0"/>
+                          </a:rPr>
+                        </m:ctrlPr>
+                      </m:sSubPr>
+                      <m:e>
+                        <m:r>
+                          <a:rPr lang="en-US" b="0" i="1" smtClean="0">
+                            <a:latin typeface="Cambria Math" panose="02040503050406030204" pitchFamily="18" charset="0"/>
+                          </a:rPr>
+                          <m:t>𝑁</m:t>
+                        </m:r>
+                      </m:e>
+                      <m:sub>
+                        <m:r>
+                          <a:rPr lang="en-US" b="0" i="1" smtClean="0">
+                            <a:latin typeface="Cambria Math" panose="02040503050406030204" pitchFamily="18" charset="0"/>
+                          </a:rPr>
+                          <m:t>𝑖</m:t>
+                        </m:r>
+                        <m:r>
+                          <a:rPr lang="en-US" b="0" i="1" smtClean="0">
+                            <a:latin typeface="Cambria Math" panose="02040503050406030204" pitchFamily="18" charset="0"/>
+                          </a:rPr>
+                          <m:t>=1…</m:t>
+                        </m:r>
+                        <m:r>
+                          <a:rPr lang="en-US" b="0" i="1" smtClean="0">
+                            <a:latin typeface="Cambria Math" panose="02040503050406030204" pitchFamily="18" charset="0"/>
+                          </a:rPr>
+                          <m:t>𝐺</m:t>
+                        </m:r>
+                      </m:sub>
+                    </m:sSub>
+                    <m:r>
+                      <a:rPr lang="en-US" b="0" i="1" smtClean="0">
+                        <a:latin typeface="Cambria Math" panose="02040503050406030204" pitchFamily="18" charset="0"/>
+                      </a:rPr>
+                      <m:t>=</m:t>
+                    </m:r>
+                  </m:oMath>
+                </a14:m>
+                <a:r>
+                  <a:rPr lang="en-US" dirty="0"/>
+                  <a:t> number of observations per game</a:t>
+                </a:r>
+              </a:p>
+              <a:p>
+                <a14:m>
+                  <m:oMath xmlns:m="http://schemas.openxmlformats.org/officeDocument/2006/math">
+                    <m:sSub>
+                      <m:sSubPr>
+                        <m:ctrlPr>
+                          <a:rPr lang="en-US" i="1" smtClean="0">
+                            <a:latin typeface="Cambria Math" panose="02040503050406030204" pitchFamily="18" charset="0"/>
+                          </a:rPr>
+                        </m:ctrlPr>
+                      </m:sSubPr>
+                      <m:e>
+                        <m:r>
+                          <a:rPr lang="en-US" i="1" smtClean="0">
+                            <a:latin typeface="Cambria Math" panose="02040503050406030204" pitchFamily="18" charset="0"/>
+                            <a:ea typeface="Cambria Math" panose="02040503050406030204" pitchFamily="18" charset="0"/>
+                          </a:rPr>
+                          <m:t>𝜃</m:t>
+                        </m:r>
+                      </m:e>
+                      <m:sub>
+                        <m:r>
+                          <a:rPr lang="en-US" b="0" i="1" smtClean="0">
+                            <a:latin typeface="Cambria Math" panose="02040503050406030204" pitchFamily="18" charset="0"/>
+                          </a:rPr>
+                          <m:t>𝑘</m:t>
+                        </m:r>
+                        <m:r>
+                          <a:rPr lang="en-US" b="0" i="1" smtClean="0">
+                            <a:latin typeface="Cambria Math" panose="02040503050406030204" pitchFamily="18" charset="0"/>
+                          </a:rPr>
+                          <m:t>=1…</m:t>
+                        </m:r>
+                        <m:r>
+                          <a:rPr lang="en-US" b="0" i="1" smtClean="0">
+                            <a:latin typeface="Cambria Math" panose="02040503050406030204" pitchFamily="18" charset="0"/>
+                          </a:rPr>
+                          <m:t>𝐾</m:t>
+                        </m:r>
+                      </m:sub>
+                    </m:sSub>
+                    <m:r>
+                      <a:rPr lang="en-US" b="0" i="1" smtClean="0">
+                        <a:latin typeface="Cambria Math" panose="02040503050406030204" pitchFamily="18" charset="0"/>
+                      </a:rPr>
+                      <m:t>={</m:t>
+                    </m:r>
+                    <m:sSub>
+                      <m:sSubPr>
+                        <m:ctrlPr>
+                          <a:rPr lang="en-US" b="0" i="1" smtClean="0">
+                            <a:latin typeface="Cambria Math" panose="02040503050406030204" pitchFamily="18" charset="0"/>
+                          </a:rPr>
+                        </m:ctrlPr>
+                      </m:sSubPr>
+                      <m:e>
+                        <m:r>
+                          <a:rPr lang="en-US" b="0" i="1" smtClean="0">
+                            <a:latin typeface="Cambria Math" panose="02040503050406030204" pitchFamily="18" charset="0"/>
+                            <a:ea typeface="Cambria Math" panose="02040503050406030204" pitchFamily="18" charset="0"/>
+                          </a:rPr>
+                          <m:t>𝜇</m:t>
+                        </m:r>
+                      </m:e>
+                      <m:sub>
+                        <m:r>
+                          <a:rPr lang="en-US" b="0" i="1" smtClean="0">
+                            <a:latin typeface="Cambria Math" panose="02040503050406030204" pitchFamily="18" charset="0"/>
+                          </a:rPr>
+                          <m:t>𝑘</m:t>
+                        </m:r>
+                        <m:r>
+                          <a:rPr lang="en-US" b="0" i="1" smtClean="0">
+                            <a:latin typeface="Cambria Math" panose="02040503050406030204" pitchFamily="18" charset="0"/>
+                          </a:rPr>
+                          <m:t>=1…</m:t>
+                        </m:r>
+                        <m:r>
+                          <a:rPr lang="en-US" b="0" i="1" smtClean="0">
+                            <a:latin typeface="Cambria Math" panose="02040503050406030204" pitchFamily="18" charset="0"/>
+                          </a:rPr>
+                          <m:t>𝐾</m:t>
+                        </m:r>
+                      </m:sub>
+                    </m:sSub>
+                    <m:r>
+                      <a:rPr lang="en-US" b="0" i="1" smtClean="0">
+                        <a:latin typeface="Cambria Math" panose="02040503050406030204" pitchFamily="18" charset="0"/>
+                      </a:rPr>
+                      <m:t>,</m:t>
+                    </m:r>
+                    <m:sSubSup>
+                      <m:sSubSupPr>
+                        <m:ctrlPr>
+                          <a:rPr lang="en-US" b="0" i="1" smtClean="0">
+                            <a:latin typeface="Cambria Math" panose="02040503050406030204" pitchFamily="18" charset="0"/>
+                          </a:rPr>
+                        </m:ctrlPr>
+                      </m:sSubSupPr>
+                      <m:e>
+                        <m:r>
+                          <a:rPr lang="en-US" b="0" i="1" smtClean="0">
+                            <a:latin typeface="Cambria Math" panose="02040503050406030204" pitchFamily="18" charset="0"/>
+                            <a:ea typeface="Cambria Math" panose="02040503050406030204" pitchFamily="18" charset="0"/>
+                          </a:rPr>
+                          <m:t>𝜎</m:t>
+                        </m:r>
+                      </m:e>
+                      <m:sub>
+                        <m:r>
+                          <a:rPr lang="en-US" b="0" i="1" smtClean="0">
+                            <a:latin typeface="Cambria Math" panose="02040503050406030204" pitchFamily="18" charset="0"/>
+                          </a:rPr>
+                          <m:t>𝑘</m:t>
+                        </m:r>
+                        <m:r>
+                          <a:rPr lang="en-US" b="0" i="1" smtClean="0">
+                            <a:latin typeface="Cambria Math" panose="02040503050406030204" pitchFamily="18" charset="0"/>
+                          </a:rPr>
+                          <m:t>=1…</m:t>
+                        </m:r>
+                        <m:r>
+                          <a:rPr lang="en-US" b="0" i="1" smtClean="0">
+                            <a:latin typeface="Cambria Math" panose="02040503050406030204" pitchFamily="18" charset="0"/>
+                          </a:rPr>
+                          <m:t>𝐾</m:t>
+                        </m:r>
+                      </m:sub>
+                      <m:sup>
+                        <m:r>
+                          <a:rPr lang="en-US" b="0" i="1" smtClean="0">
+                            <a:latin typeface="Cambria Math" panose="02040503050406030204" pitchFamily="18" charset="0"/>
+                          </a:rPr>
+                          <m:t>2</m:t>
+                        </m:r>
+                      </m:sup>
+                    </m:sSubSup>
+                    <m:r>
+                      <a:rPr lang="en-US" b="0" i="1" smtClean="0">
+                        <a:latin typeface="Cambria Math" panose="02040503050406030204" pitchFamily="18" charset="0"/>
+                      </a:rPr>
+                      <m:t>}</m:t>
+                    </m:r>
+                  </m:oMath>
+                </a14:m>
+                <a:r>
+                  <a:rPr lang="en-US" dirty="0"/>
+                  <a:t> </a:t>
+                </a:r>
+              </a:p>
+              <a:p>
+                <a14:m>
+                  <m:oMath xmlns:m="http://schemas.openxmlformats.org/officeDocument/2006/math">
+                    <m:sSub>
+                      <m:sSubPr>
+                        <m:ctrlPr>
+                          <a:rPr lang="en-US" i="1" smtClean="0">
+                            <a:latin typeface="Cambria Math" panose="02040503050406030204" pitchFamily="18" charset="0"/>
+                          </a:rPr>
+                        </m:ctrlPr>
+                      </m:sSubPr>
+                      <m:e>
+                        <m:r>
+                          <a:rPr lang="en-US" i="1" smtClean="0">
+                            <a:latin typeface="Cambria Math" panose="02040503050406030204" pitchFamily="18" charset="0"/>
+                            <a:ea typeface="Cambria Math" panose="02040503050406030204" pitchFamily="18" charset="0"/>
+                          </a:rPr>
+                          <m:t>𝜇</m:t>
+                        </m:r>
+                      </m:e>
+                      <m:sub>
+                        <m:r>
+                          <a:rPr lang="en-US" b="0" i="1" smtClean="0">
+                            <a:latin typeface="Cambria Math" panose="02040503050406030204" pitchFamily="18" charset="0"/>
+                          </a:rPr>
+                          <m:t>𝑘</m:t>
+                        </m:r>
+                        <m:r>
+                          <a:rPr lang="en-US" b="0" i="1" smtClean="0">
+                            <a:latin typeface="Cambria Math" panose="02040503050406030204" pitchFamily="18" charset="0"/>
+                          </a:rPr>
+                          <m:t>=1…</m:t>
+                        </m:r>
+                        <m:r>
+                          <a:rPr lang="en-US" b="0" i="1" smtClean="0">
+                            <a:latin typeface="Cambria Math" panose="02040503050406030204" pitchFamily="18" charset="0"/>
+                          </a:rPr>
+                          <m:t>𝐾</m:t>
+                        </m:r>
+                      </m:sub>
+                    </m:sSub>
+                    <m:r>
+                      <a:rPr lang="en-US" b="0" i="1" smtClean="0">
+                        <a:latin typeface="Cambria Math" panose="02040503050406030204" pitchFamily="18" charset="0"/>
+                      </a:rPr>
+                      <m:t>=</m:t>
+                    </m:r>
+                  </m:oMath>
+                </a14:m>
+                <a:r>
+                  <a:rPr lang="en-US" dirty="0"/>
+                  <a:t> mean* of agent </a:t>
+                </a:r>
+                <a14:m>
+                  <m:oMath xmlns:m="http://schemas.openxmlformats.org/officeDocument/2006/math">
+                    <m:r>
+                      <a:rPr lang="en-US" b="0" i="1" smtClean="0">
+                        <a:latin typeface="Cambria Math" panose="02040503050406030204" pitchFamily="18" charset="0"/>
+                      </a:rPr>
+                      <m:t>𝑘</m:t>
+                    </m:r>
+                  </m:oMath>
+                </a14:m>
+                <a:endParaRPr lang="en-US" dirty="0"/>
+              </a:p>
+              <a:p>
+                <a14:m>
+                  <m:oMath xmlns:m="http://schemas.openxmlformats.org/officeDocument/2006/math">
+                    <m:sSubSup>
+                      <m:sSubSupPr>
+                        <m:ctrlPr>
+                          <a:rPr lang="en-US" i="1" smtClean="0">
+                            <a:latin typeface="Cambria Math" panose="02040503050406030204" pitchFamily="18" charset="0"/>
+                          </a:rPr>
+                        </m:ctrlPr>
+                      </m:sSubSupPr>
+                      <m:e>
+                        <m:r>
+                          <a:rPr lang="en-US" i="1" smtClean="0">
+                            <a:latin typeface="Cambria Math" panose="02040503050406030204" pitchFamily="18" charset="0"/>
+                            <a:ea typeface="Cambria Math" panose="02040503050406030204" pitchFamily="18" charset="0"/>
+                          </a:rPr>
+                          <m:t>𝜎</m:t>
+                        </m:r>
+                      </m:e>
+                      <m:sub>
+                        <m:r>
+                          <a:rPr lang="en-US" b="0" i="1" smtClean="0">
+                            <a:latin typeface="Cambria Math" panose="02040503050406030204" pitchFamily="18" charset="0"/>
+                          </a:rPr>
+                          <m:t>𝑘</m:t>
+                        </m:r>
+                        <m:r>
+                          <a:rPr lang="en-US" b="0" i="1" smtClean="0">
+                            <a:latin typeface="Cambria Math" panose="02040503050406030204" pitchFamily="18" charset="0"/>
+                          </a:rPr>
+                          <m:t>=1…</m:t>
+                        </m:r>
+                        <m:r>
+                          <a:rPr lang="en-US" b="0" i="1" smtClean="0">
+                            <a:latin typeface="Cambria Math" panose="02040503050406030204" pitchFamily="18" charset="0"/>
+                          </a:rPr>
+                          <m:t>𝐾</m:t>
+                        </m:r>
+                      </m:sub>
+                      <m:sup>
+                        <m:r>
+                          <a:rPr lang="en-US" b="0" i="1" smtClean="0">
+                            <a:latin typeface="Cambria Math" panose="02040503050406030204" pitchFamily="18" charset="0"/>
+                          </a:rPr>
+                          <m:t>2</m:t>
+                        </m:r>
+                      </m:sup>
+                    </m:sSubSup>
+                    <m:r>
+                      <a:rPr lang="en-US" b="0" i="1" smtClean="0">
+                        <a:latin typeface="Cambria Math" panose="02040503050406030204" pitchFamily="18" charset="0"/>
+                      </a:rPr>
+                      <m:t>=</m:t>
+                    </m:r>
+                  </m:oMath>
+                </a14:m>
+                <a:r>
+                  <a:rPr lang="en-US" dirty="0"/>
+                  <a:t> variance* of agent </a:t>
+                </a:r>
+                <a14:m>
+                  <m:oMath xmlns:m="http://schemas.openxmlformats.org/officeDocument/2006/math">
+                    <m:r>
+                      <a:rPr lang="en-US" b="0" i="1" smtClean="0">
+                        <a:latin typeface="Cambria Math" panose="02040503050406030204" pitchFamily="18" charset="0"/>
+                      </a:rPr>
+                      <m:t>𝑘</m:t>
+                    </m:r>
+                  </m:oMath>
+                </a14:m>
+                <a:endParaRPr lang="en-US" dirty="0"/>
+              </a:p>
+              <a:p>
+                <a14:m>
+                  <m:oMath xmlns:m="http://schemas.openxmlformats.org/officeDocument/2006/math">
+                    <m:sSub>
+                      <m:sSubPr>
+                        <m:ctrlPr>
+                          <a:rPr lang="en-US" i="1" smtClean="0">
+                            <a:latin typeface="Cambria Math" panose="02040503050406030204" pitchFamily="18" charset="0"/>
+                          </a:rPr>
+                        </m:ctrlPr>
+                      </m:sSubPr>
+                      <m:e>
+                        <m:r>
+                          <a:rPr lang="en-US" i="1" smtClean="0">
+                            <a:latin typeface="Cambria Math" panose="02040503050406030204" pitchFamily="18" charset="0"/>
+                            <a:ea typeface="Cambria Math" panose="02040503050406030204" pitchFamily="18" charset="0"/>
+                          </a:rPr>
+                          <m:t>𝜇</m:t>
+                        </m:r>
+                      </m:e>
+                      <m:sub>
+                        <m:r>
+                          <a:rPr lang="en-US" b="0" i="1" smtClean="0">
+                            <a:latin typeface="Cambria Math" panose="02040503050406030204" pitchFamily="18" charset="0"/>
+                          </a:rPr>
+                          <m:t>0</m:t>
+                        </m:r>
+                      </m:sub>
+                    </m:sSub>
+                    <m:r>
+                      <a:rPr lang="en-US" b="0" i="1" smtClean="0">
+                        <a:latin typeface="Cambria Math" panose="02040503050406030204" pitchFamily="18" charset="0"/>
+                      </a:rPr>
+                      <m:t>,</m:t>
+                    </m:r>
+                    <m:r>
+                      <a:rPr lang="en-US" b="0" i="1" smtClean="0">
+                        <a:latin typeface="Cambria Math" panose="02040503050406030204" pitchFamily="18" charset="0"/>
+                        <a:ea typeface="Cambria Math" panose="02040503050406030204" pitchFamily="18" charset="0"/>
+                      </a:rPr>
+                      <m:t>𝜆</m:t>
+                    </m:r>
+                    <m:r>
+                      <a:rPr lang="en-US" b="0" i="1" smtClean="0">
+                        <a:latin typeface="Cambria Math" panose="02040503050406030204" pitchFamily="18" charset="0"/>
+                        <a:ea typeface="Cambria Math" panose="02040503050406030204" pitchFamily="18" charset="0"/>
+                      </a:rPr>
+                      <m:t>,</m:t>
+                    </m:r>
+                    <m:r>
+                      <a:rPr lang="en-US" b="0" i="1" smtClean="0">
+                        <a:latin typeface="Cambria Math" panose="02040503050406030204" pitchFamily="18" charset="0"/>
+                        <a:ea typeface="Cambria Math" panose="02040503050406030204" pitchFamily="18" charset="0"/>
+                      </a:rPr>
+                      <m:t>𝜈</m:t>
+                    </m:r>
+                    <m:r>
+                      <a:rPr lang="en-US" b="0" i="1" smtClean="0">
+                        <a:latin typeface="Cambria Math" panose="02040503050406030204" pitchFamily="18" charset="0"/>
+                        <a:ea typeface="Cambria Math" panose="02040503050406030204" pitchFamily="18" charset="0"/>
+                      </a:rPr>
+                      <m:t>,</m:t>
+                    </m:r>
+                    <m:sSubSup>
+                      <m:sSubSupPr>
+                        <m:ctrlPr>
+                          <a:rPr lang="en-US" b="0" i="1" smtClean="0">
+                            <a:latin typeface="Cambria Math" panose="02040503050406030204" pitchFamily="18" charset="0"/>
+                            <a:ea typeface="Cambria Math" panose="02040503050406030204" pitchFamily="18" charset="0"/>
+                          </a:rPr>
+                        </m:ctrlPr>
+                      </m:sSubSupPr>
+                      <m:e>
+                        <m:r>
+                          <a:rPr lang="en-US" b="0" i="1" smtClean="0">
+                            <a:latin typeface="Cambria Math" panose="02040503050406030204" pitchFamily="18" charset="0"/>
+                            <a:ea typeface="Cambria Math" panose="02040503050406030204" pitchFamily="18" charset="0"/>
+                          </a:rPr>
+                          <m:t>𝜎</m:t>
+                        </m:r>
+                      </m:e>
+                      <m:sub>
+                        <m:r>
+                          <a:rPr lang="en-US" b="0" i="1" smtClean="0">
+                            <a:latin typeface="Cambria Math" panose="02040503050406030204" pitchFamily="18" charset="0"/>
+                            <a:ea typeface="Cambria Math" panose="02040503050406030204" pitchFamily="18" charset="0"/>
+                          </a:rPr>
+                          <m:t>0</m:t>
+                        </m:r>
+                      </m:sub>
+                      <m:sup>
+                        <m:r>
+                          <a:rPr lang="en-US" b="0" i="1" smtClean="0">
+                            <a:latin typeface="Cambria Math" panose="02040503050406030204" pitchFamily="18" charset="0"/>
+                            <a:ea typeface="Cambria Math" panose="02040503050406030204" pitchFamily="18" charset="0"/>
+                          </a:rPr>
+                          <m:t>2</m:t>
+                        </m:r>
+                      </m:sup>
+                    </m:sSubSup>
+                    <m:r>
+                      <a:rPr lang="en-US" b="0" i="1" smtClean="0">
+                        <a:latin typeface="Cambria Math" panose="02040503050406030204" pitchFamily="18" charset="0"/>
+                        <a:ea typeface="Cambria Math" panose="02040503050406030204" pitchFamily="18" charset="0"/>
+                      </a:rPr>
+                      <m:t>=</m:t>
+                    </m:r>
+                  </m:oMath>
+                </a14:m>
+                <a:r>
+                  <a:rPr lang="en-US" dirty="0"/>
+                  <a:t> shared hyperparameters between agents</a:t>
+                </a:r>
+              </a:p>
+              <a:p>
+                <a14:m>
+                  <m:oMath xmlns:m="http://schemas.openxmlformats.org/officeDocument/2006/math">
+                    <m:r>
+                      <a:rPr lang="en-US" b="1" i="1" smtClean="0">
+                        <a:latin typeface="Cambria Math" panose="02040503050406030204" pitchFamily="18" charset="0"/>
+                        <a:ea typeface="Cambria Math" panose="02040503050406030204" pitchFamily="18" charset="0"/>
+                      </a:rPr>
+                      <m:t>𝝓</m:t>
+                    </m:r>
+                    <m:r>
+                      <a:rPr lang="en-US" b="1" i="1" smtClean="0">
+                        <a:latin typeface="Cambria Math" panose="02040503050406030204" pitchFamily="18" charset="0"/>
+                        <a:ea typeface="Cambria Math" panose="02040503050406030204" pitchFamily="18" charset="0"/>
+                      </a:rPr>
+                      <m:t>={</m:t>
+                    </m:r>
+                    <m:sSub>
+                      <m:sSubPr>
+                        <m:ctrlPr>
+                          <a:rPr lang="en-US" b="1" i="1" smtClean="0">
+                            <a:latin typeface="Cambria Math" panose="02040503050406030204" pitchFamily="18" charset="0"/>
+                            <a:ea typeface="Cambria Math" panose="02040503050406030204" pitchFamily="18" charset="0"/>
+                          </a:rPr>
+                        </m:ctrlPr>
+                      </m:sSubPr>
+                      <m:e>
+                        <m:r>
+                          <a:rPr lang="en-US" i="1" smtClean="0">
+                            <a:latin typeface="Cambria Math" panose="02040503050406030204" pitchFamily="18" charset="0"/>
+                            <a:ea typeface="Cambria Math" panose="02040503050406030204" pitchFamily="18" charset="0"/>
+                          </a:rPr>
+                          <m:t>𝜙</m:t>
+                        </m:r>
+                      </m:e>
+                      <m:sub>
+                        <m:r>
+                          <a:rPr lang="en-US" b="0" i="1" smtClean="0">
+                            <a:latin typeface="Cambria Math" panose="02040503050406030204" pitchFamily="18" charset="0"/>
+                            <a:ea typeface="Cambria Math" panose="02040503050406030204" pitchFamily="18" charset="0"/>
+                          </a:rPr>
+                          <m:t>𝑘</m:t>
+                        </m:r>
+                        <m:r>
+                          <a:rPr lang="en-US" b="0" i="1" smtClean="0">
+                            <a:latin typeface="Cambria Math" panose="02040503050406030204" pitchFamily="18" charset="0"/>
+                            <a:ea typeface="Cambria Math" panose="02040503050406030204" pitchFamily="18" charset="0"/>
+                          </a:rPr>
+                          <m:t>=1…</m:t>
+                        </m:r>
+                        <m:r>
+                          <a:rPr lang="en-US" b="0" i="1" smtClean="0">
+                            <a:latin typeface="Cambria Math" panose="02040503050406030204" pitchFamily="18" charset="0"/>
+                            <a:ea typeface="Cambria Math" panose="02040503050406030204" pitchFamily="18" charset="0"/>
+                          </a:rPr>
+                          <m:t>𝐾</m:t>
+                        </m:r>
+                      </m:sub>
+                    </m:sSub>
+                    <m:r>
+                      <a:rPr lang="en-US" b="1" i="1" smtClean="0">
+                        <a:latin typeface="Cambria Math" panose="02040503050406030204" pitchFamily="18" charset="0"/>
+                        <a:ea typeface="Cambria Math" panose="02040503050406030204" pitchFamily="18" charset="0"/>
+                      </a:rPr>
+                      <m:t>}</m:t>
+                    </m:r>
+                  </m:oMath>
+                </a14:m>
+                <a:r>
+                  <a:rPr lang="en-US" b="1" dirty="0"/>
+                  <a:t> </a:t>
+                </a:r>
+              </a:p>
+              <a:p>
+                <a14:m>
+                  <m:oMath xmlns:m="http://schemas.openxmlformats.org/officeDocument/2006/math">
+                    <m:sSub>
+                      <m:sSubPr>
+                        <m:ctrlPr>
+                          <a:rPr lang="en-US" b="1" i="1" smtClean="0">
+                            <a:latin typeface="Cambria Math" panose="02040503050406030204" pitchFamily="18" charset="0"/>
+                            <a:ea typeface="Cambria Math" panose="02040503050406030204" pitchFamily="18" charset="0"/>
+                          </a:rPr>
+                        </m:ctrlPr>
+                      </m:sSubPr>
+                      <m:e>
+                        <m:r>
+                          <a:rPr lang="en-US" i="1" smtClean="0">
+                            <a:latin typeface="Cambria Math" panose="02040503050406030204" pitchFamily="18" charset="0"/>
+                            <a:ea typeface="Cambria Math" panose="02040503050406030204" pitchFamily="18" charset="0"/>
+                          </a:rPr>
+                          <m:t>𝜙</m:t>
+                        </m:r>
+                      </m:e>
+                      <m:sub>
+                        <m:r>
+                          <a:rPr lang="en-US" b="0" i="1" smtClean="0">
+                            <a:latin typeface="Cambria Math" panose="02040503050406030204" pitchFamily="18" charset="0"/>
+                            <a:ea typeface="Cambria Math" panose="02040503050406030204" pitchFamily="18" charset="0"/>
+                          </a:rPr>
+                          <m:t>𝑘</m:t>
+                        </m:r>
+                        <m:r>
+                          <a:rPr lang="en-US" b="0" i="1" smtClean="0">
+                            <a:latin typeface="Cambria Math" panose="02040503050406030204" pitchFamily="18" charset="0"/>
+                            <a:ea typeface="Cambria Math" panose="02040503050406030204" pitchFamily="18" charset="0"/>
+                          </a:rPr>
+                          <m:t>=1…</m:t>
+                        </m:r>
+                        <m:r>
+                          <a:rPr lang="en-US" b="0" i="1" smtClean="0">
+                            <a:latin typeface="Cambria Math" panose="02040503050406030204" pitchFamily="18" charset="0"/>
+                            <a:ea typeface="Cambria Math" panose="02040503050406030204" pitchFamily="18" charset="0"/>
+                          </a:rPr>
+                          <m:t>𝐾</m:t>
+                        </m:r>
+                      </m:sub>
+                    </m:sSub>
+                    <m:r>
+                      <a:rPr lang="en-US" b="1" i="1" smtClean="0">
+                        <a:latin typeface="Cambria Math" panose="02040503050406030204" pitchFamily="18" charset="0"/>
+                        <a:ea typeface="Cambria Math" panose="02040503050406030204" pitchFamily="18" charset="0"/>
+                      </a:rPr>
+                      <m:t>=</m:t>
+                    </m:r>
+                  </m:oMath>
+                </a14:m>
+                <a:r>
+                  <a:rPr lang="en-US" b="1" dirty="0"/>
+                  <a:t> </a:t>
+                </a:r>
+                <a:r>
+                  <a:rPr lang="en-US" dirty="0"/>
+                  <a:t>prior probability of agent </a:t>
+                </a:r>
+                <a14:m>
+                  <m:oMath xmlns:m="http://schemas.openxmlformats.org/officeDocument/2006/math">
+                    <m:r>
+                      <a:rPr lang="en-US" b="0" i="1" smtClean="0">
+                        <a:latin typeface="Cambria Math" panose="02040503050406030204" pitchFamily="18" charset="0"/>
+                      </a:rPr>
+                      <m:t>𝑘</m:t>
+                    </m:r>
+                  </m:oMath>
+                </a14:m>
+                <a:endParaRPr lang="en-US" dirty="0"/>
+              </a:p>
+              <a:p>
+                <a14:m>
+                  <m:oMath xmlns:m="http://schemas.openxmlformats.org/officeDocument/2006/math">
+                    <m:r>
+                      <a:rPr lang="en-US" i="1" smtClean="0">
+                        <a:latin typeface="Cambria Math" panose="02040503050406030204" pitchFamily="18" charset="0"/>
+                        <a:ea typeface="Cambria Math" panose="02040503050406030204" pitchFamily="18" charset="0"/>
+                      </a:rPr>
+                      <m:t>𝛽</m:t>
+                    </m:r>
+                    <m:r>
+                      <a:rPr lang="en-US" b="0" i="1" smtClean="0">
+                        <a:latin typeface="Cambria Math" panose="02040503050406030204" pitchFamily="18" charset="0"/>
+                        <a:ea typeface="Cambria Math" panose="02040503050406030204" pitchFamily="18" charset="0"/>
+                      </a:rPr>
+                      <m:t>=</m:t>
+                    </m:r>
+                  </m:oMath>
+                </a14:m>
+                <a:r>
+                  <a:rPr lang="en-US" dirty="0"/>
+                  <a:t> hyperparameter(s) for agent probabilities</a:t>
+                </a:r>
+              </a:p>
+              <a:p>
+                <a14:m>
+                  <m:oMath xmlns:m="http://schemas.openxmlformats.org/officeDocument/2006/math">
+                    <m:sSub>
+                      <m:sSubPr>
+                        <m:ctrlPr>
+                          <a:rPr lang="en-US" i="1" smtClean="0">
+                            <a:latin typeface="Cambria Math" panose="02040503050406030204" pitchFamily="18" charset="0"/>
+                          </a:rPr>
+                        </m:ctrlPr>
+                      </m:sSubPr>
+                      <m:e>
+                        <m:r>
+                          <a:rPr lang="en-US" b="0" i="1" smtClean="0">
+                            <a:latin typeface="Cambria Math" panose="02040503050406030204" pitchFamily="18" charset="0"/>
+                          </a:rPr>
+                          <m:t>𝑧</m:t>
+                        </m:r>
+                      </m:e>
+                      <m:sub>
+                        <m:r>
+                          <a:rPr lang="en-US" b="0" i="1" smtClean="0">
+                            <a:latin typeface="Cambria Math" panose="02040503050406030204" pitchFamily="18" charset="0"/>
+                          </a:rPr>
+                          <m:t>𝑖</m:t>
+                        </m:r>
+                        <m:r>
+                          <a:rPr lang="en-US" b="0" i="1" smtClean="0">
+                            <a:latin typeface="Cambria Math" panose="02040503050406030204" pitchFamily="18" charset="0"/>
+                          </a:rPr>
+                          <m:t>=1…</m:t>
+                        </m:r>
+                        <m:r>
+                          <a:rPr lang="en-US" b="0" i="1" smtClean="0">
+                            <a:latin typeface="Cambria Math" panose="02040503050406030204" pitchFamily="18" charset="0"/>
+                          </a:rPr>
+                          <m:t>𝐺</m:t>
+                        </m:r>
+                      </m:sub>
+                    </m:sSub>
+                    <m:r>
+                      <a:rPr lang="en-US" b="0" i="1" smtClean="0">
+                        <a:latin typeface="Cambria Math" panose="02040503050406030204" pitchFamily="18" charset="0"/>
+                      </a:rPr>
+                      <m:t>=</m:t>
+                    </m:r>
+                  </m:oMath>
+                </a14:m>
+                <a:r>
+                  <a:rPr lang="en-US" dirty="0"/>
+                  <a:t> agent of </a:t>
+                </a:r>
+                <a14:m>
+                  <m:oMath xmlns:m="http://schemas.openxmlformats.org/officeDocument/2006/math">
+                    <m:sSub>
+                      <m:sSubPr>
+                        <m:ctrlPr>
+                          <a:rPr lang="en-US" i="1" smtClean="0">
+                            <a:latin typeface="Cambria Math" panose="02040503050406030204" pitchFamily="18" charset="0"/>
+                          </a:rPr>
+                        </m:ctrlPr>
+                      </m:sSubPr>
+                      <m:e>
+                        <m:r>
+                          <a:rPr lang="en-US" i="1" smtClean="0">
+                            <a:latin typeface="Cambria Math" panose="02040503050406030204" pitchFamily="18" charset="0"/>
+                            <a:ea typeface="Cambria Math" panose="02040503050406030204" pitchFamily="18" charset="0"/>
+                          </a:rPr>
+                          <m:t>𝜖</m:t>
+                        </m:r>
+                      </m:e>
+                      <m:sub>
+                        <m:r>
+                          <a:rPr lang="en-US" b="0" i="1" smtClean="0">
+                            <a:latin typeface="Cambria Math" panose="02040503050406030204" pitchFamily="18" charset="0"/>
+                          </a:rPr>
+                          <m:t>𝑖</m:t>
+                        </m:r>
+                      </m:sub>
+                    </m:sSub>
+                  </m:oMath>
+                </a14:m>
+                <a:endParaRPr lang="en-US" dirty="0"/>
+              </a:p>
+              <a:p>
+                <a14:m>
+                  <m:oMath xmlns:m="http://schemas.openxmlformats.org/officeDocument/2006/math">
+                    <m:sSub>
+                      <m:sSubPr>
+                        <m:ctrlPr>
+                          <a:rPr lang="en-US" i="1" smtClean="0">
+                            <a:latin typeface="Cambria Math" panose="02040503050406030204" pitchFamily="18" charset="0"/>
+                          </a:rPr>
+                        </m:ctrlPr>
+                      </m:sSubPr>
+                      <m:e>
+                        <m:r>
+                          <a:rPr lang="en-US" i="1" smtClean="0">
+                            <a:latin typeface="Cambria Math" panose="02040503050406030204" pitchFamily="18" charset="0"/>
+                            <a:ea typeface="Cambria Math" panose="02040503050406030204" pitchFamily="18" charset="0"/>
+                          </a:rPr>
+                          <m:t>𝜖</m:t>
+                        </m:r>
+                      </m:e>
+                      <m:sub>
+                        <m:r>
+                          <a:rPr lang="en-US" b="0" i="1" smtClean="0">
+                            <a:latin typeface="Cambria Math" panose="02040503050406030204" pitchFamily="18" charset="0"/>
+                          </a:rPr>
+                          <m:t>𝑖</m:t>
+                        </m:r>
+                        <m:r>
+                          <a:rPr lang="en-US" b="0" i="1" smtClean="0">
+                            <a:latin typeface="Cambria Math" panose="02040503050406030204" pitchFamily="18" charset="0"/>
+                          </a:rPr>
+                          <m:t>=1…</m:t>
+                        </m:r>
+                        <m:r>
+                          <a:rPr lang="en-US" b="0" i="1" smtClean="0">
+                            <a:latin typeface="Cambria Math" panose="02040503050406030204" pitchFamily="18" charset="0"/>
+                          </a:rPr>
+                          <m:t>𝐺</m:t>
+                        </m:r>
+                      </m:sub>
+                    </m:sSub>
+                    <m:r>
+                      <a:rPr lang="en-US" b="0" i="1" smtClean="0">
+                        <a:latin typeface="Cambria Math" panose="02040503050406030204" pitchFamily="18" charset="0"/>
+                      </a:rPr>
+                      <m:t>=</m:t>
+                    </m:r>
+                  </m:oMath>
+                </a14:m>
+                <a:r>
+                  <a:rPr lang="en-US" dirty="0"/>
+                  <a:t> agent’s preference parameter of game </a:t>
+                </a:r>
+                <a14:m>
+                  <m:oMath xmlns:m="http://schemas.openxmlformats.org/officeDocument/2006/math">
+                    <m:r>
+                      <a:rPr lang="en-US" b="0" i="1" smtClean="0">
+                        <a:latin typeface="Cambria Math" panose="02040503050406030204" pitchFamily="18" charset="0"/>
+                      </a:rPr>
+                      <m:t>𝑖</m:t>
+                    </m:r>
+                  </m:oMath>
+                </a14:m>
+                <a:endParaRPr lang="en-US" dirty="0"/>
+              </a:p>
+              <a:p>
+                <a14:m>
+                  <m:oMath xmlns:m="http://schemas.openxmlformats.org/officeDocument/2006/math">
+                    <m:sSub>
+                      <m:sSubPr>
+                        <m:ctrlPr>
+                          <a:rPr lang="en-US" i="1" smtClean="0">
+                            <a:latin typeface="Cambria Math" panose="02040503050406030204" pitchFamily="18" charset="0"/>
+                          </a:rPr>
+                        </m:ctrlPr>
+                      </m:sSubPr>
+                      <m:e>
+                        <m:r>
+                          <a:rPr lang="en-US" b="0" i="1" smtClean="0">
+                            <a:latin typeface="Cambria Math" panose="02040503050406030204" pitchFamily="18" charset="0"/>
+                          </a:rPr>
+                          <m:t>𝑂</m:t>
+                        </m:r>
+                      </m:e>
+                      <m:sub>
+                        <m:r>
+                          <a:rPr lang="en-US" b="0" i="1" smtClean="0">
+                            <a:latin typeface="Cambria Math" panose="02040503050406030204" pitchFamily="18" charset="0"/>
+                          </a:rPr>
+                          <m:t>𝑖</m:t>
+                        </m:r>
+                        <m:r>
+                          <a:rPr lang="en-US" b="0" i="1" smtClean="0">
+                            <a:latin typeface="Cambria Math" panose="02040503050406030204" pitchFamily="18" charset="0"/>
+                          </a:rPr>
+                          <m:t>=1…</m:t>
+                        </m:r>
+                        <m:r>
+                          <a:rPr lang="en-US" b="0" i="1" smtClean="0">
+                            <a:latin typeface="Cambria Math" panose="02040503050406030204" pitchFamily="18" charset="0"/>
+                          </a:rPr>
+                          <m:t>𝐺</m:t>
+                        </m:r>
+                        <m:r>
+                          <a:rPr lang="en-US" b="0" i="1" smtClean="0">
+                            <a:latin typeface="Cambria Math" panose="02040503050406030204" pitchFamily="18" charset="0"/>
+                          </a:rPr>
+                          <m:t>,</m:t>
+                        </m:r>
+                        <m:r>
+                          <a:rPr lang="en-US" b="0" i="1" smtClean="0">
+                            <a:latin typeface="Cambria Math" panose="02040503050406030204" pitchFamily="18" charset="0"/>
+                          </a:rPr>
+                          <m:t>𝑗</m:t>
+                        </m:r>
+                        <m:r>
+                          <a:rPr lang="en-US" b="0" i="1" smtClean="0">
+                            <a:latin typeface="Cambria Math" panose="02040503050406030204" pitchFamily="18" charset="0"/>
+                          </a:rPr>
+                          <m:t>=1…</m:t>
+                        </m:r>
+                        <m:sSub>
+                          <m:sSubPr>
+                            <m:ctrlPr>
+                              <a:rPr lang="en-US" b="0" i="1" smtClean="0">
+                                <a:latin typeface="Cambria Math" panose="02040503050406030204" pitchFamily="18" charset="0"/>
+                              </a:rPr>
+                            </m:ctrlPr>
+                          </m:sSubPr>
+                          <m:e>
+                            <m:r>
+                              <a:rPr lang="en-US" b="0" i="1" smtClean="0">
+                                <a:latin typeface="Cambria Math" panose="02040503050406030204" pitchFamily="18" charset="0"/>
+                              </a:rPr>
+                              <m:t>𝑁</m:t>
+                            </m:r>
+                          </m:e>
+                          <m:sub>
+                            <m:r>
+                              <a:rPr lang="en-US" b="0" i="1" smtClean="0">
+                                <a:latin typeface="Cambria Math" panose="02040503050406030204" pitchFamily="18" charset="0"/>
+                              </a:rPr>
+                              <m:t>𝑖</m:t>
+                            </m:r>
+                          </m:sub>
+                        </m:sSub>
+                      </m:sub>
+                    </m:sSub>
+                    <m:r>
+                      <a:rPr lang="en-US" b="0" i="1" smtClean="0">
+                        <a:latin typeface="Cambria Math" panose="02040503050406030204" pitchFamily="18" charset="0"/>
+                      </a:rPr>
+                      <m:t>=</m:t>
+                    </m:r>
+                  </m:oMath>
+                </a14:m>
+                <a:r>
+                  <a:rPr lang="en-US" dirty="0"/>
+                  <a:t> observation </a:t>
+                </a:r>
+                <a14:m>
+                  <m:oMath xmlns:m="http://schemas.openxmlformats.org/officeDocument/2006/math">
+                    <m:r>
+                      <a:rPr lang="en-US" b="0" i="1" smtClean="0">
+                        <a:latin typeface="Cambria Math" panose="02040503050406030204" pitchFamily="18" charset="0"/>
+                      </a:rPr>
+                      <m:t>𝑗</m:t>
+                    </m:r>
+                  </m:oMath>
+                </a14:m>
+                <a:r>
+                  <a:rPr lang="en-US" dirty="0"/>
+                  <a:t> of game </a:t>
+                </a:r>
+                <a14:m>
+                  <m:oMath xmlns:m="http://schemas.openxmlformats.org/officeDocument/2006/math">
+                    <m:r>
+                      <a:rPr lang="en-US" b="0" i="1" smtClean="0">
+                        <a:latin typeface="Cambria Math" panose="02040503050406030204" pitchFamily="18" charset="0"/>
+                      </a:rPr>
+                      <m:t>𝑖</m:t>
+                    </m:r>
+                  </m:oMath>
+                </a14:m>
+                <a:endParaRPr lang="en-US" dirty="0"/>
+              </a:p>
+              <a:p>
+                <a14:m>
+                  <m:oMath xmlns:m="http://schemas.openxmlformats.org/officeDocument/2006/math">
+                    <m:sSub>
+                      <m:sSubPr>
+                        <m:ctrlPr>
+                          <a:rPr lang="en-US" i="1" smtClean="0">
+                            <a:latin typeface="Cambria Math" panose="02040503050406030204" pitchFamily="18" charset="0"/>
+                          </a:rPr>
+                        </m:ctrlPr>
+                      </m:sSubPr>
+                      <m:e>
+                        <m:r>
+                          <a:rPr lang="en-US" i="1" smtClean="0">
+                            <a:latin typeface="Cambria Math" panose="02040503050406030204" pitchFamily="18" charset="0"/>
+                            <a:ea typeface="Cambria Math" panose="02040503050406030204" pitchFamily="18" charset="0"/>
+                          </a:rPr>
+                          <m:t>𝜇</m:t>
+                        </m:r>
+                      </m:e>
+                      <m:sub>
+                        <m:r>
+                          <a:rPr lang="en-US" b="0" i="1" smtClean="0">
+                            <a:latin typeface="Cambria Math" panose="02040503050406030204" pitchFamily="18" charset="0"/>
+                          </a:rPr>
+                          <m:t>𝑘</m:t>
+                        </m:r>
+                        <m:r>
+                          <a:rPr lang="en-US" b="0" i="1" smtClean="0">
+                            <a:latin typeface="Cambria Math" panose="02040503050406030204" pitchFamily="18" charset="0"/>
+                          </a:rPr>
+                          <m:t>=1…</m:t>
+                        </m:r>
+                        <m:r>
+                          <a:rPr lang="en-US" b="0" i="1" smtClean="0">
+                            <a:latin typeface="Cambria Math" panose="02040503050406030204" pitchFamily="18" charset="0"/>
+                          </a:rPr>
+                          <m:t>𝐾</m:t>
+                        </m:r>
+                      </m:sub>
+                    </m:sSub>
+                    <m:r>
+                      <a:rPr lang="en-US" b="0" i="1" smtClean="0">
+                        <a:latin typeface="Cambria Math" panose="02040503050406030204" pitchFamily="18" charset="0"/>
+                        <a:ea typeface="Cambria Math" panose="02040503050406030204" pitchFamily="18" charset="0"/>
+                      </a:rPr>
+                      <m:t>∼</m:t>
+                    </m:r>
+                    <m:r>
+                      <a:rPr lang="en-US" b="0" i="1" smtClean="0">
+                        <a:latin typeface="Cambria Math" panose="02040503050406030204" pitchFamily="18" charset="0"/>
+                        <a:ea typeface="Cambria Math" panose="02040503050406030204" pitchFamily="18" charset="0"/>
+                      </a:rPr>
+                      <m:t>𝑁</m:t>
+                    </m:r>
+                    <m:r>
+                      <a:rPr lang="en-US" b="0" i="1" smtClean="0">
+                        <a:latin typeface="Cambria Math" panose="02040503050406030204" pitchFamily="18" charset="0"/>
+                        <a:ea typeface="Cambria Math" panose="02040503050406030204" pitchFamily="18" charset="0"/>
+                      </a:rPr>
+                      <m:t>(</m:t>
+                    </m:r>
+                    <m:sSub>
+                      <m:sSubPr>
+                        <m:ctrlPr>
+                          <a:rPr lang="en-US" b="0" i="1" smtClean="0">
+                            <a:latin typeface="Cambria Math" panose="02040503050406030204" pitchFamily="18" charset="0"/>
+                            <a:ea typeface="Cambria Math" panose="02040503050406030204" pitchFamily="18" charset="0"/>
+                          </a:rPr>
+                        </m:ctrlPr>
+                      </m:sSubPr>
+                      <m:e>
+                        <m:r>
+                          <a:rPr lang="en-US" b="0" i="1" smtClean="0">
+                            <a:latin typeface="Cambria Math" panose="02040503050406030204" pitchFamily="18" charset="0"/>
+                            <a:ea typeface="Cambria Math" panose="02040503050406030204" pitchFamily="18" charset="0"/>
+                          </a:rPr>
+                          <m:t>𝜇</m:t>
+                        </m:r>
+                      </m:e>
+                      <m:sub>
+                        <m:r>
+                          <a:rPr lang="en-US" b="0" i="1" smtClean="0">
+                            <a:latin typeface="Cambria Math" panose="02040503050406030204" pitchFamily="18" charset="0"/>
+                            <a:ea typeface="Cambria Math" panose="02040503050406030204" pitchFamily="18" charset="0"/>
+                          </a:rPr>
+                          <m:t>0</m:t>
+                        </m:r>
+                      </m:sub>
+                    </m:sSub>
+                    <m:r>
+                      <a:rPr lang="en-US" b="0" i="1" smtClean="0">
+                        <a:latin typeface="Cambria Math" panose="02040503050406030204" pitchFamily="18" charset="0"/>
+                        <a:ea typeface="Cambria Math" panose="02040503050406030204" pitchFamily="18" charset="0"/>
+                      </a:rPr>
+                      <m:t>,</m:t>
+                    </m:r>
+                    <m:r>
+                      <a:rPr lang="en-US" b="0" i="1" smtClean="0">
+                        <a:latin typeface="Cambria Math" panose="02040503050406030204" pitchFamily="18" charset="0"/>
+                        <a:ea typeface="Cambria Math" panose="02040503050406030204" pitchFamily="18" charset="0"/>
+                      </a:rPr>
+                      <m:t>𝜆</m:t>
+                    </m:r>
+                    <m:sSubSup>
+                      <m:sSubSupPr>
+                        <m:ctrlPr>
+                          <a:rPr lang="en-US" b="0" i="1" smtClean="0">
+                            <a:latin typeface="Cambria Math" panose="02040503050406030204" pitchFamily="18" charset="0"/>
+                            <a:ea typeface="Cambria Math" panose="02040503050406030204" pitchFamily="18" charset="0"/>
+                          </a:rPr>
+                        </m:ctrlPr>
+                      </m:sSubSupPr>
+                      <m:e>
+                        <m:r>
+                          <a:rPr lang="en-US" b="0" i="1" smtClean="0">
+                            <a:latin typeface="Cambria Math" panose="02040503050406030204" pitchFamily="18" charset="0"/>
+                            <a:ea typeface="Cambria Math" panose="02040503050406030204" pitchFamily="18" charset="0"/>
+                          </a:rPr>
+                          <m:t>𝜎</m:t>
+                        </m:r>
+                      </m:e>
+                      <m:sub>
+                        <m:r>
+                          <a:rPr lang="en-US" b="0" i="1" smtClean="0">
+                            <a:latin typeface="Cambria Math" panose="02040503050406030204" pitchFamily="18" charset="0"/>
+                            <a:ea typeface="Cambria Math" panose="02040503050406030204" pitchFamily="18" charset="0"/>
+                          </a:rPr>
+                          <m:t>𝑘</m:t>
+                        </m:r>
+                      </m:sub>
+                      <m:sup>
+                        <m:r>
+                          <a:rPr lang="en-US" b="0" i="1" smtClean="0">
+                            <a:latin typeface="Cambria Math" panose="02040503050406030204" pitchFamily="18" charset="0"/>
+                            <a:ea typeface="Cambria Math" panose="02040503050406030204" pitchFamily="18" charset="0"/>
+                          </a:rPr>
+                          <m:t>2</m:t>
+                        </m:r>
+                      </m:sup>
+                    </m:sSubSup>
+                    <m:r>
+                      <a:rPr lang="en-US" b="0" i="1" smtClean="0">
+                        <a:latin typeface="Cambria Math" panose="02040503050406030204" pitchFamily="18" charset="0"/>
+                        <a:ea typeface="Cambria Math" panose="02040503050406030204" pitchFamily="18" charset="0"/>
+                      </a:rPr>
+                      <m:t>)</m:t>
+                    </m:r>
+                  </m:oMath>
+                </a14:m>
+                <a:r>
+                  <a:rPr lang="en-US" dirty="0"/>
+                  <a:t> </a:t>
+                </a:r>
+              </a:p>
+              <a:p>
+                <a14:m>
+                  <m:oMath xmlns:m="http://schemas.openxmlformats.org/officeDocument/2006/math">
+                    <m:sSubSup>
+                      <m:sSubSupPr>
+                        <m:ctrlPr>
+                          <a:rPr lang="en-US" i="1" smtClean="0">
+                            <a:latin typeface="Cambria Math" panose="02040503050406030204" pitchFamily="18" charset="0"/>
+                          </a:rPr>
+                        </m:ctrlPr>
+                      </m:sSubSupPr>
+                      <m:e>
+                        <m:r>
+                          <a:rPr lang="en-US" i="1" smtClean="0">
+                            <a:latin typeface="Cambria Math" panose="02040503050406030204" pitchFamily="18" charset="0"/>
+                            <a:ea typeface="Cambria Math" panose="02040503050406030204" pitchFamily="18" charset="0"/>
+                          </a:rPr>
+                          <m:t>𝜎</m:t>
+                        </m:r>
+                      </m:e>
+                      <m:sub>
+                        <m:r>
+                          <a:rPr lang="en-US" b="0" i="1" smtClean="0">
+                            <a:latin typeface="Cambria Math" panose="02040503050406030204" pitchFamily="18" charset="0"/>
+                          </a:rPr>
+                          <m:t>𝑘</m:t>
+                        </m:r>
+                        <m:r>
+                          <a:rPr lang="en-US" b="0" i="1" smtClean="0">
+                            <a:latin typeface="Cambria Math" panose="02040503050406030204" pitchFamily="18" charset="0"/>
+                          </a:rPr>
+                          <m:t>=1…</m:t>
+                        </m:r>
+                        <m:r>
+                          <a:rPr lang="en-US" b="0" i="1" smtClean="0">
+                            <a:latin typeface="Cambria Math" panose="02040503050406030204" pitchFamily="18" charset="0"/>
+                          </a:rPr>
+                          <m:t>𝐾</m:t>
+                        </m:r>
+                      </m:sub>
+                      <m:sup>
+                        <m:r>
+                          <a:rPr lang="en-US" b="0" i="1" smtClean="0">
+                            <a:latin typeface="Cambria Math" panose="02040503050406030204" pitchFamily="18" charset="0"/>
+                          </a:rPr>
+                          <m:t>2</m:t>
+                        </m:r>
+                      </m:sup>
+                    </m:sSubSup>
+                    <m:r>
+                      <a:rPr lang="en-US" b="0" i="1" smtClean="0">
+                        <a:latin typeface="Cambria Math" panose="02040503050406030204" pitchFamily="18" charset="0"/>
+                        <a:ea typeface="Cambria Math" panose="02040503050406030204" pitchFamily="18" charset="0"/>
+                      </a:rPr>
+                      <m:t>∼ </m:t>
+                    </m:r>
+                  </m:oMath>
+                </a14:m>
+                <a:r>
+                  <a:rPr lang="en-US" dirty="0"/>
+                  <a:t>Inverse-Gamma</a:t>
+                </a:r>
+                <a14:m>
+                  <m:oMath xmlns:m="http://schemas.openxmlformats.org/officeDocument/2006/math">
+                    <m:r>
+                      <a:rPr lang="en-US" b="0" i="1" dirty="0" smtClean="0">
+                        <a:latin typeface="Cambria Math" panose="02040503050406030204" pitchFamily="18" charset="0"/>
+                      </a:rPr>
+                      <m:t>(</m:t>
+                    </m:r>
+                    <m:r>
+                      <a:rPr lang="en-US" b="0" i="1" dirty="0" smtClean="0">
+                        <a:latin typeface="Cambria Math" panose="02040503050406030204" pitchFamily="18" charset="0"/>
+                        <a:ea typeface="Cambria Math" panose="02040503050406030204" pitchFamily="18" charset="0"/>
+                      </a:rPr>
+                      <m:t>𝜈</m:t>
+                    </m:r>
+                    <m:r>
+                      <a:rPr lang="en-US" b="0" i="1" dirty="0" smtClean="0">
+                        <a:latin typeface="Cambria Math" panose="02040503050406030204" pitchFamily="18" charset="0"/>
+                        <a:ea typeface="Cambria Math" panose="02040503050406030204" pitchFamily="18" charset="0"/>
+                      </a:rPr>
+                      <m:t>,</m:t>
+                    </m:r>
+                    <m:sSubSup>
+                      <m:sSubSupPr>
+                        <m:ctrlPr>
+                          <a:rPr lang="en-US" b="0" i="1" dirty="0" smtClean="0">
+                            <a:latin typeface="Cambria Math" panose="02040503050406030204" pitchFamily="18" charset="0"/>
+                            <a:ea typeface="Cambria Math" panose="02040503050406030204" pitchFamily="18" charset="0"/>
+                          </a:rPr>
+                        </m:ctrlPr>
+                      </m:sSubSupPr>
+                      <m:e>
+                        <m:r>
+                          <a:rPr lang="en-US" b="0" i="1" dirty="0" smtClean="0">
+                            <a:latin typeface="Cambria Math" panose="02040503050406030204" pitchFamily="18" charset="0"/>
+                            <a:ea typeface="Cambria Math" panose="02040503050406030204" pitchFamily="18" charset="0"/>
+                          </a:rPr>
+                          <m:t>𝜎</m:t>
+                        </m:r>
+                      </m:e>
+                      <m:sub>
+                        <m:r>
+                          <a:rPr lang="en-US" b="0" i="1" dirty="0" smtClean="0">
+                            <a:latin typeface="Cambria Math" panose="02040503050406030204" pitchFamily="18" charset="0"/>
+                            <a:ea typeface="Cambria Math" panose="02040503050406030204" pitchFamily="18" charset="0"/>
+                          </a:rPr>
+                          <m:t>0</m:t>
+                        </m:r>
+                      </m:sub>
+                      <m:sup>
+                        <m:r>
+                          <a:rPr lang="en-US" b="0" i="1" dirty="0" smtClean="0">
+                            <a:latin typeface="Cambria Math" panose="02040503050406030204" pitchFamily="18" charset="0"/>
+                            <a:ea typeface="Cambria Math" panose="02040503050406030204" pitchFamily="18" charset="0"/>
+                          </a:rPr>
+                          <m:t>2</m:t>
+                        </m:r>
+                      </m:sup>
+                    </m:sSubSup>
+                    <m:r>
+                      <a:rPr lang="en-US" b="0" i="1" dirty="0" smtClean="0">
+                        <a:latin typeface="Cambria Math" panose="02040503050406030204" pitchFamily="18" charset="0"/>
+                        <a:ea typeface="Cambria Math" panose="02040503050406030204" pitchFamily="18" charset="0"/>
+                      </a:rPr>
+                      <m:t>)</m:t>
+                    </m:r>
+                  </m:oMath>
+                </a14:m>
+                <a:endParaRPr lang="en-US" dirty="0"/>
+              </a:p>
+              <a:p>
+                <a14:m>
+                  <m:oMath xmlns:m="http://schemas.openxmlformats.org/officeDocument/2006/math">
+                    <m:r>
+                      <a:rPr lang="en-US" b="1" i="1" smtClean="0">
+                        <a:latin typeface="Cambria Math" panose="02040503050406030204" pitchFamily="18" charset="0"/>
+                        <a:ea typeface="Cambria Math" panose="02040503050406030204" pitchFamily="18" charset="0"/>
+                      </a:rPr>
+                      <m:t>𝝓</m:t>
+                    </m:r>
+                    <m:r>
+                      <a:rPr lang="en-US" b="0" i="1" smtClean="0">
+                        <a:latin typeface="Cambria Math" panose="02040503050406030204" pitchFamily="18" charset="0"/>
+                        <a:ea typeface="Cambria Math" panose="02040503050406030204" pitchFamily="18" charset="0"/>
+                      </a:rPr>
+                      <m:t>∼</m:t>
+                    </m:r>
+                  </m:oMath>
+                </a14:m>
+                <a:r>
+                  <a:rPr lang="en-US" dirty="0"/>
+                  <a:t> Symmetric-Dirichlet</a:t>
+                </a:r>
+                <a14:m>
+                  <m:oMath xmlns:m="http://schemas.openxmlformats.org/officeDocument/2006/math">
+                    <m:r>
+                      <a:rPr lang="en-US" b="0" i="1" baseline="-25000" dirty="0" smtClean="0">
+                        <a:latin typeface="Cambria Math" panose="02040503050406030204" pitchFamily="18" charset="0"/>
+                      </a:rPr>
+                      <m:t>𝐾</m:t>
+                    </m:r>
+                    <m:r>
+                      <a:rPr lang="en-US" b="0" i="1" dirty="0" smtClean="0">
+                        <a:latin typeface="Cambria Math" panose="02040503050406030204" pitchFamily="18" charset="0"/>
+                      </a:rPr>
+                      <m:t>(</m:t>
+                    </m:r>
+                    <m:r>
+                      <a:rPr lang="en-US" b="0" i="1" dirty="0" smtClean="0">
+                        <a:latin typeface="Cambria Math" panose="02040503050406030204" pitchFamily="18" charset="0"/>
+                        <a:ea typeface="Cambria Math" panose="02040503050406030204" pitchFamily="18" charset="0"/>
+                      </a:rPr>
+                      <m:t>𝛽</m:t>
+                    </m:r>
+                    <m:r>
+                      <a:rPr lang="en-US" b="0" i="1" dirty="0" smtClean="0">
+                        <a:latin typeface="Cambria Math" panose="02040503050406030204" pitchFamily="18" charset="0"/>
+                      </a:rPr>
+                      <m:t>)</m:t>
+                    </m:r>
+                  </m:oMath>
+                </a14:m>
+                <a:endParaRPr lang="en-US" dirty="0"/>
+              </a:p>
+              <a:p>
+                <a14:m>
+                  <m:oMath xmlns:m="http://schemas.openxmlformats.org/officeDocument/2006/math">
+                    <m:sSub>
+                      <m:sSubPr>
+                        <m:ctrlPr>
+                          <a:rPr lang="en-US" i="1" smtClean="0">
+                            <a:latin typeface="Cambria Math" panose="02040503050406030204" pitchFamily="18" charset="0"/>
+                          </a:rPr>
+                        </m:ctrlPr>
+                      </m:sSubPr>
+                      <m:e>
+                        <m:r>
+                          <a:rPr lang="en-US" b="0" i="1" smtClean="0">
+                            <a:latin typeface="Cambria Math" panose="02040503050406030204" pitchFamily="18" charset="0"/>
+                          </a:rPr>
+                          <m:t>𝑧</m:t>
+                        </m:r>
+                      </m:e>
+                      <m:sub>
+                        <m:r>
+                          <a:rPr lang="en-US" b="0" i="1" smtClean="0">
+                            <a:latin typeface="Cambria Math" panose="02040503050406030204" pitchFamily="18" charset="0"/>
+                          </a:rPr>
+                          <m:t>𝑖</m:t>
+                        </m:r>
+                        <m:r>
+                          <a:rPr lang="en-US" b="0" i="1" smtClean="0">
+                            <a:latin typeface="Cambria Math" panose="02040503050406030204" pitchFamily="18" charset="0"/>
+                          </a:rPr>
+                          <m:t>=1…</m:t>
+                        </m:r>
+                        <m:r>
+                          <a:rPr lang="en-US" b="0" i="1" smtClean="0">
+                            <a:latin typeface="Cambria Math" panose="02040503050406030204" pitchFamily="18" charset="0"/>
+                          </a:rPr>
+                          <m:t>𝐺</m:t>
+                        </m:r>
+                      </m:sub>
+                    </m:sSub>
+                    <m:r>
+                      <a:rPr lang="en-US" b="0" i="1" smtClean="0">
+                        <a:latin typeface="Cambria Math" panose="02040503050406030204" pitchFamily="18" charset="0"/>
+                        <a:ea typeface="Cambria Math" panose="02040503050406030204" pitchFamily="18" charset="0"/>
+                      </a:rPr>
+                      <m:t>∼</m:t>
+                    </m:r>
+                  </m:oMath>
+                </a14:m>
+                <a:r>
+                  <a:rPr lang="en-US" dirty="0"/>
+                  <a:t> Categorical</a:t>
+                </a:r>
+                <a14:m>
+                  <m:oMath xmlns:m="http://schemas.openxmlformats.org/officeDocument/2006/math">
+                    <m:r>
+                      <a:rPr lang="en-US" b="0" i="0" smtClean="0">
+                        <a:latin typeface="Cambria Math" panose="02040503050406030204" pitchFamily="18" charset="0"/>
+                        <a:ea typeface="Cambria Math" panose="02040503050406030204" pitchFamily="18" charset="0"/>
+                      </a:rPr>
+                      <m:t>(</m:t>
+                    </m:r>
+                    <m:r>
+                      <a:rPr lang="en-US" b="1" i="1">
+                        <a:latin typeface="Cambria Math" panose="02040503050406030204" pitchFamily="18" charset="0"/>
+                        <a:ea typeface="Cambria Math" panose="02040503050406030204" pitchFamily="18" charset="0"/>
+                      </a:rPr>
+                      <m:t>𝝓</m:t>
+                    </m:r>
+                    <m:r>
+                      <a:rPr lang="en-US" b="0" i="1" smtClean="0">
+                        <a:latin typeface="Cambria Math" panose="02040503050406030204" pitchFamily="18" charset="0"/>
+                        <a:ea typeface="Cambria Math" panose="02040503050406030204" pitchFamily="18" charset="0"/>
+                      </a:rPr>
+                      <m:t>)</m:t>
+                    </m:r>
+                  </m:oMath>
+                </a14:m>
+                <a:endParaRPr lang="en-US" dirty="0"/>
+              </a:p>
+              <a:p>
+                <a14:m>
+                  <m:oMath xmlns:m="http://schemas.openxmlformats.org/officeDocument/2006/math">
+                    <m:sSub>
+                      <m:sSubPr>
+                        <m:ctrlPr>
+                          <a:rPr lang="en-US" i="1" smtClean="0">
+                            <a:latin typeface="Cambria Math" panose="02040503050406030204" pitchFamily="18" charset="0"/>
+                          </a:rPr>
+                        </m:ctrlPr>
+                      </m:sSubPr>
+                      <m:e>
+                        <m:r>
+                          <a:rPr lang="en-US" i="1" smtClean="0">
+                            <a:latin typeface="Cambria Math" panose="02040503050406030204" pitchFamily="18" charset="0"/>
+                            <a:ea typeface="Cambria Math" panose="02040503050406030204" pitchFamily="18" charset="0"/>
+                          </a:rPr>
+                          <m:t>𝜖</m:t>
+                        </m:r>
+                      </m:e>
+                      <m:sub>
+                        <m:r>
+                          <a:rPr lang="en-US" b="0" i="1" smtClean="0">
+                            <a:latin typeface="Cambria Math" panose="02040503050406030204" pitchFamily="18" charset="0"/>
+                          </a:rPr>
+                          <m:t>𝑖</m:t>
+                        </m:r>
+                        <m:r>
+                          <a:rPr lang="en-US" b="0" i="1" smtClean="0">
+                            <a:latin typeface="Cambria Math" panose="02040503050406030204" pitchFamily="18" charset="0"/>
+                          </a:rPr>
+                          <m:t>=1…</m:t>
+                        </m:r>
+                        <m:r>
+                          <a:rPr lang="en-US" b="0" i="1" smtClean="0">
+                            <a:latin typeface="Cambria Math" panose="02040503050406030204" pitchFamily="18" charset="0"/>
+                          </a:rPr>
+                          <m:t>𝐺</m:t>
+                        </m:r>
+                      </m:sub>
+                    </m:sSub>
+                    <m:r>
+                      <a:rPr lang="en-US" b="0" i="1" smtClean="0">
+                        <a:latin typeface="Cambria Math" panose="02040503050406030204" pitchFamily="18" charset="0"/>
+                        <a:ea typeface="Cambria Math" panose="02040503050406030204" pitchFamily="18" charset="0"/>
+                      </a:rPr>
+                      <m:t>∼</m:t>
+                    </m:r>
+                  </m:oMath>
+                </a14:m>
+                <a:r>
+                  <a:rPr lang="en-US" dirty="0"/>
+                  <a:t> Lognormal</a:t>
+                </a:r>
+                <a14:m>
+                  <m:oMath xmlns:m="http://schemas.openxmlformats.org/officeDocument/2006/math">
+                    <m:r>
+                      <a:rPr lang="en-US" b="0" i="1" dirty="0" smtClean="0">
+                        <a:latin typeface="Cambria Math" panose="02040503050406030204" pitchFamily="18" charset="0"/>
+                      </a:rPr>
+                      <m:t>(</m:t>
+                    </m:r>
+                    <m:sSub>
+                      <m:sSubPr>
+                        <m:ctrlPr>
+                          <a:rPr lang="en-US" b="0" i="1" dirty="0" smtClean="0">
+                            <a:latin typeface="Cambria Math" panose="02040503050406030204" pitchFamily="18" charset="0"/>
+                          </a:rPr>
+                        </m:ctrlPr>
+                      </m:sSubPr>
+                      <m:e>
+                        <m:r>
+                          <a:rPr lang="en-US" b="0" i="1" dirty="0" smtClean="0">
+                            <a:latin typeface="Cambria Math" panose="02040503050406030204" pitchFamily="18" charset="0"/>
+                            <a:ea typeface="Cambria Math" panose="02040503050406030204" pitchFamily="18" charset="0"/>
+                          </a:rPr>
+                          <m:t>𝜇</m:t>
+                        </m:r>
+                      </m:e>
+                      <m:sub>
+                        <m:sSub>
+                          <m:sSubPr>
+                            <m:ctrlPr>
+                              <a:rPr lang="en-US" b="0" i="1" dirty="0" smtClean="0">
+                                <a:latin typeface="Cambria Math" panose="02040503050406030204" pitchFamily="18" charset="0"/>
+                              </a:rPr>
+                            </m:ctrlPr>
+                          </m:sSubPr>
+                          <m:e>
+                            <m:r>
+                              <a:rPr lang="en-US" b="0" i="1" dirty="0" smtClean="0">
+                                <a:latin typeface="Cambria Math" panose="02040503050406030204" pitchFamily="18" charset="0"/>
+                              </a:rPr>
+                              <m:t>𝑧</m:t>
+                            </m:r>
+                          </m:e>
+                          <m:sub>
+                            <m:r>
+                              <a:rPr lang="en-US" b="0" i="1" dirty="0" smtClean="0">
+                                <a:latin typeface="Cambria Math" panose="02040503050406030204" pitchFamily="18" charset="0"/>
+                              </a:rPr>
+                              <m:t>𝑖</m:t>
+                            </m:r>
+                          </m:sub>
+                        </m:sSub>
+                        <m:r>
+                          <a:rPr lang="en-US" b="0" i="1" dirty="0" smtClean="0">
+                            <a:latin typeface="Cambria Math" panose="02040503050406030204" pitchFamily="18" charset="0"/>
+                          </a:rPr>
+                          <m:t> </m:t>
+                        </m:r>
+                      </m:sub>
+                    </m:sSub>
+                    <m:r>
+                      <a:rPr lang="en-US" b="0" i="1" dirty="0" smtClean="0">
+                        <a:latin typeface="Cambria Math" panose="02040503050406030204" pitchFamily="18" charset="0"/>
+                      </a:rPr>
+                      <m:t>,</m:t>
+                    </m:r>
+                    <m:sSubSup>
+                      <m:sSubSupPr>
+                        <m:ctrlPr>
+                          <a:rPr lang="en-US" b="0" i="1" dirty="0" smtClean="0">
+                            <a:latin typeface="Cambria Math" panose="02040503050406030204" pitchFamily="18" charset="0"/>
+                          </a:rPr>
+                        </m:ctrlPr>
+                      </m:sSubSupPr>
+                      <m:e>
+                        <m:r>
+                          <a:rPr lang="en-US" b="0" i="1" dirty="0" smtClean="0">
+                            <a:latin typeface="Cambria Math" panose="02040503050406030204" pitchFamily="18" charset="0"/>
+                            <a:ea typeface="Cambria Math" panose="02040503050406030204" pitchFamily="18" charset="0"/>
+                          </a:rPr>
+                          <m:t>𝜎</m:t>
+                        </m:r>
+                      </m:e>
+                      <m:sub>
+                        <m:sSub>
+                          <m:sSubPr>
+                            <m:ctrlPr>
+                              <a:rPr lang="en-US" b="0" i="1" dirty="0" smtClean="0">
+                                <a:latin typeface="Cambria Math" panose="02040503050406030204" pitchFamily="18" charset="0"/>
+                              </a:rPr>
+                            </m:ctrlPr>
+                          </m:sSubPr>
+                          <m:e>
+                            <m:r>
+                              <a:rPr lang="en-US" b="0" i="1" dirty="0" smtClean="0">
+                                <a:latin typeface="Cambria Math" panose="02040503050406030204" pitchFamily="18" charset="0"/>
+                              </a:rPr>
+                              <m:t>𝑧</m:t>
+                            </m:r>
+                          </m:e>
+                          <m:sub>
+                            <m:r>
+                              <a:rPr lang="en-US" b="0" i="1" dirty="0" smtClean="0">
+                                <a:latin typeface="Cambria Math" panose="02040503050406030204" pitchFamily="18" charset="0"/>
+                              </a:rPr>
+                              <m:t>𝑖</m:t>
+                            </m:r>
+                          </m:sub>
+                        </m:sSub>
+                      </m:sub>
+                      <m:sup>
+                        <m:r>
+                          <a:rPr lang="en-US" b="0" i="1" dirty="0" smtClean="0">
+                            <a:latin typeface="Cambria Math" panose="02040503050406030204" pitchFamily="18" charset="0"/>
+                          </a:rPr>
+                          <m:t>2</m:t>
+                        </m:r>
+                      </m:sup>
+                    </m:sSubSup>
+                    <m:r>
+                      <a:rPr lang="en-US" b="0" i="1" dirty="0" smtClean="0">
+                        <a:latin typeface="Cambria Math" panose="02040503050406030204" pitchFamily="18" charset="0"/>
+                      </a:rPr>
+                      <m:t>)</m:t>
+                    </m:r>
+                  </m:oMath>
+                </a14:m>
+                <a:endParaRPr lang="en-US" dirty="0"/>
+              </a:p>
+              <a:p>
+                <a14:m>
+                  <m:oMath xmlns:m="http://schemas.openxmlformats.org/officeDocument/2006/math">
+                    <m:sSub>
+                      <m:sSubPr>
+                        <m:ctrlPr>
+                          <a:rPr lang="en-US" i="1" smtClean="0">
+                            <a:latin typeface="Cambria Math" panose="02040503050406030204" pitchFamily="18" charset="0"/>
+                          </a:rPr>
+                        </m:ctrlPr>
+                      </m:sSubPr>
+                      <m:e>
+                        <m:r>
+                          <a:rPr lang="en-US" b="0" i="1" smtClean="0">
+                            <a:latin typeface="Cambria Math" panose="02040503050406030204" pitchFamily="18" charset="0"/>
+                          </a:rPr>
+                          <m:t>𝑂</m:t>
+                        </m:r>
+                      </m:e>
+                      <m:sub>
+                        <m:r>
+                          <a:rPr lang="en-US" b="0" i="1" smtClean="0">
+                            <a:latin typeface="Cambria Math" panose="02040503050406030204" pitchFamily="18" charset="0"/>
+                          </a:rPr>
+                          <m:t>𝑖</m:t>
+                        </m:r>
+                        <m:r>
+                          <a:rPr lang="en-US" b="0" i="1" smtClean="0">
+                            <a:latin typeface="Cambria Math" panose="02040503050406030204" pitchFamily="18" charset="0"/>
+                          </a:rPr>
+                          <m:t>=1…</m:t>
+                        </m:r>
+                        <m:r>
+                          <a:rPr lang="en-US" b="0" i="1" smtClean="0">
+                            <a:latin typeface="Cambria Math" panose="02040503050406030204" pitchFamily="18" charset="0"/>
+                          </a:rPr>
+                          <m:t>𝐺</m:t>
+                        </m:r>
+                        <m:r>
+                          <a:rPr lang="en-US" b="0" i="1" smtClean="0">
+                            <a:latin typeface="Cambria Math" panose="02040503050406030204" pitchFamily="18" charset="0"/>
+                          </a:rPr>
+                          <m:t>,</m:t>
+                        </m:r>
+                        <m:r>
+                          <a:rPr lang="en-US" b="0" i="1" smtClean="0">
+                            <a:latin typeface="Cambria Math" panose="02040503050406030204" pitchFamily="18" charset="0"/>
+                          </a:rPr>
+                          <m:t>𝑗</m:t>
+                        </m:r>
+                        <m:r>
+                          <a:rPr lang="en-US" b="0" i="1" smtClean="0">
+                            <a:latin typeface="Cambria Math" panose="02040503050406030204" pitchFamily="18" charset="0"/>
+                          </a:rPr>
+                          <m:t>=1…</m:t>
+                        </m:r>
+                        <m:sSub>
+                          <m:sSubPr>
+                            <m:ctrlPr>
+                              <a:rPr lang="en-US" b="0" i="1" smtClean="0">
+                                <a:latin typeface="Cambria Math" panose="02040503050406030204" pitchFamily="18" charset="0"/>
+                              </a:rPr>
+                            </m:ctrlPr>
+                          </m:sSubPr>
+                          <m:e>
+                            <m:r>
+                              <a:rPr lang="en-US" b="0" i="1" smtClean="0">
+                                <a:latin typeface="Cambria Math" panose="02040503050406030204" pitchFamily="18" charset="0"/>
+                              </a:rPr>
+                              <m:t>𝑁</m:t>
+                            </m:r>
+                          </m:e>
+                          <m:sub>
+                            <m:r>
+                              <a:rPr lang="en-US" b="0" i="1" smtClean="0">
+                                <a:latin typeface="Cambria Math" panose="02040503050406030204" pitchFamily="18" charset="0"/>
+                              </a:rPr>
+                              <m:t>𝑖</m:t>
+                            </m:r>
+                          </m:sub>
+                        </m:sSub>
+                      </m:sub>
+                    </m:sSub>
+                    <m:r>
+                      <a:rPr lang="en-US" b="0" i="1" smtClean="0">
+                        <a:latin typeface="Cambria Math" panose="02040503050406030204" pitchFamily="18" charset="0"/>
+                        <a:ea typeface="Cambria Math" panose="02040503050406030204" pitchFamily="18" charset="0"/>
+                      </a:rPr>
+                      <m:t>∼</m:t>
+                    </m:r>
+                    <m:r>
+                      <a:rPr lang="en-US" b="0" i="1" smtClean="0">
+                        <a:latin typeface="Cambria Math" panose="02040503050406030204" pitchFamily="18" charset="0"/>
+                        <a:ea typeface="Cambria Math" panose="02040503050406030204" pitchFamily="18" charset="0"/>
+                      </a:rPr>
+                      <m:t>𝑃</m:t>
+                    </m:r>
+                    <m:r>
+                      <a:rPr lang="en-US" b="0" i="1" smtClean="0">
+                        <a:latin typeface="Cambria Math" panose="02040503050406030204" pitchFamily="18" charset="0"/>
+                        <a:ea typeface="Cambria Math" panose="02040503050406030204" pitchFamily="18" charset="0"/>
+                      </a:rPr>
+                      <m:t>(</m:t>
+                    </m:r>
+                    <m:sSub>
+                      <m:sSubPr>
+                        <m:ctrlPr>
+                          <a:rPr lang="en-US" i="1">
+                            <a:latin typeface="Cambria Math" panose="02040503050406030204" pitchFamily="18" charset="0"/>
+                          </a:rPr>
+                        </m:ctrlPr>
+                      </m:sSubPr>
+                      <m:e>
+                        <m:r>
+                          <a:rPr lang="en-US" i="1">
+                            <a:latin typeface="Cambria Math" panose="02040503050406030204" pitchFamily="18" charset="0"/>
+                          </a:rPr>
+                          <m:t>𝑂</m:t>
+                        </m:r>
+                      </m:e>
+                      <m:sub>
+                        <m:r>
+                          <a:rPr lang="en-US" i="1">
+                            <a:latin typeface="Cambria Math" panose="02040503050406030204" pitchFamily="18" charset="0"/>
+                          </a:rPr>
+                          <m:t>𝑖</m:t>
+                        </m:r>
+                        <m:r>
+                          <a:rPr lang="en-US" b="0" i="1" smtClean="0">
+                            <a:latin typeface="Cambria Math" panose="02040503050406030204" pitchFamily="18" charset="0"/>
+                          </a:rPr>
+                          <m:t>𝑗</m:t>
+                        </m:r>
+                      </m:sub>
+                    </m:sSub>
+                    <m:r>
+                      <a:rPr lang="en-US" b="0" i="1" smtClean="0">
+                        <a:latin typeface="Cambria Math" panose="02040503050406030204" pitchFamily="18" charset="0"/>
+                      </a:rPr>
+                      <m:t>|</m:t>
+                    </m:r>
+                    <m:sSub>
+                      <m:sSubPr>
+                        <m:ctrlPr>
+                          <a:rPr lang="en-US" b="0" i="1" smtClean="0">
+                            <a:latin typeface="Cambria Math" panose="02040503050406030204" pitchFamily="18" charset="0"/>
+                          </a:rPr>
+                        </m:ctrlPr>
+                      </m:sSubPr>
+                      <m:e>
+                        <m:r>
+                          <a:rPr lang="en-US" b="0" i="1" smtClean="0">
+                            <a:latin typeface="Cambria Math" panose="02040503050406030204" pitchFamily="18" charset="0"/>
+                            <a:ea typeface="Cambria Math" panose="02040503050406030204" pitchFamily="18" charset="0"/>
+                          </a:rPr>
+                          <m:t>𝜖</m:t>
+                        </m:r>
+                      </m:e>
+                      <m:sub>
+                        <m:r>
+                          <a:rPr lang="en-US" b="0" i="1" smtClean="0">
+                            <a:latin typeface="Cambria Math" panose="02040503050406030204" pitchFamily="18" charset="0"/>
+                          </a:rPr>
+                          <m:t>𝑖</m:t>
+                        </m:r>
+                      </m:sub>
+                    </m:sSub>
+                    <m:r>
+                      <a:rPr lang="en-US" b="0" i="1" smtClean="0">
+                        <a:latin typeface="Cambria Math" panose="02040503050406030204" pitchFamily="18" charset="0"/>
+                      </a:rPr>
+                      <m:t>)</m:t>
+                    </m:r>
+                  </m:oMath>
+                </a14:m>
+                <a:r>
+                  <a:rPr lang="en-US" dirty="0"/>
+                  <a:t> (as defined in previous slides) </a:t>
+                </a:r>
+              </a:p>
+              <a:p>
+                <a:r>
+                  <a:rPr lang="en-US" dirty="0"/>
+                  <a:t>*Mean and variance of transformed normal distribution</a:t>
+                </a:r>
+              </a:p>
+            </p:txBody>
+          </p:sp>
+        </mc:Choice>
+        <mc:Fallback>
+          <p:sp>
+            <p:nvSpPr>
+              <p:cNvPr id="23" name="TextBox 22">
+                <a:extLst>
+                  <a:ext uri="{FF2B5EF4-FFF2-40B4-BE49-F238E27FC236}">
+                    <a16:creationId xmlns:a16="http://schemas.microsoft.com/office/drawing/2014/main" id="{F999F758-8132-80DE-7D5B-9F8677FE8A5E}"/>
+                  </a:ext>
+                </a:extLst>
+              </p:cNvPr>
+              <p:cNvSpPr txBox="1">
+                <a:spLocks noRot="1" noChangeAspect="1" noMove="1" noResize="1" noEditPoints="1" noAdjustHandles="1" noChangeArrowheads="1" noChangeShapeType="1" noTextEdit="1"/>
+              </p:cNvSpPr>
+              <p:nvPr/>
+            </p:nvSpPr>
+            <p:spPr>
+              <a:xfrm>
+                <a:off x="170604" y="1147435"/>
+                <a:ext cx="5688160" cy="5768695"/>
+              </a:xfrm>
+              <a:prstGeom prst="rect">
+                <a:avLst/>
+              </a:prstGeom>
+              <a:blipFill>
+                <a:blip r:embed="rId17"/>
+                <a:stretch>
+                  <a:fillRect l="-891" t="-440" b="-879"/>
+                </a:stretch>
+              </a:blipFill>
+            </p:spPr>
+            <p:txBody>
+              <a:bodyPr/>
+              <a:lstStyle/>
+              <a:p>
+                <a:r>
+                  <a:rPr lang="en-US">
+                    <a:noFill/>
+                  </a:rPr>
+                  <a:t> </a:t>
+                </a:r>
+              </a:p>
+            </p:txBody>
+          </p:sp>
+        </mc:Fallback>
+      </mc:AlternateContent>
+      <p:sp>
+        <p:nvSpPr>
+          <p:cNvPr id="2" name="Title 1">
+            <a:extLst>
+              <a:ext uri="{FF2B5EF4-FFF2-40B4-BE49-F238E27FC236}">
+                <a16:creationId xmlns:a16="http://schemas.microsoft.com/office/drawing/2014/main" id="{F858871B-2CAF-D588-4D89-B02C8174F82D}"/>
+              </a:ext>
+            </a:extLst>
+          </p:cNvPr>
+          <p:cNvSpPr>
+            <a:spLocks noGrp="1"/>
+          </p:cNvSpPr>
+          <p:nvPr>
+            <p:ph type="title"/>
+          </p:nvPr>
+        </p:nvSpPr>
+        <p:spPr>
+          <a:xfrm>
+            <a:off x="170604" y="-7343"/>
+            <a:ext cx="7181992" cy="1325563"/>
+          </a:xfrm>
+        </p:spPr>
+        <p:txBody>
+          <a:bodyPr/>
+          <a:lstStyle/>
+          <a:p>
+            <a:r>
+              <a:rPr lang="en-US" dirty="0"/>
+              <a:t>Generating agent observations</a:t>
+            </a:r>
+          </a:p>
+        </p:txBody>
+      </p:sp>
+    </p:spTree>
+    <p:extLst>
+      <p:ext uri="{BB962C8B-B14F-4D97-AF65-F5344CB8AC3E}">
+        <p14:creationId xmlns:p14="http://schemas.microsoft.com/office/powerpoint/2010/main" val="1783625882"/>
+      </p:ext>
+    </p:extLst>
+  </p:cSld>
+  <p:clrMapOvr>
+    <a:masterClrMapping/>
+  </p:clrMapOvr>
+</p:sld>
+</file>
+
+<file path=ppt/slides/slide33.xml><?xml version="1.0" encoding="utf-8"?>
+<p:sld xmlns:a="http://schemas.openxmlformats.org/drawingml/2006/main" xmlns:r="http://schemas.openxmlformats.org/officeDocument/2006/relationships" xmlns:p="http://schemas.openxmlformats.org/presentationml/2006/main">
+  <p:cSld>
+    <p:spTree>
+      <p:nvGrpSpPr>
+        <p:cNvPr id="1" name=""/>
+        <p:cNvGrpSpPr/>
+        <p:nvPr/>
+      </p:nvGrpSpPr>
+      <p:grpSpPr>
+        <a:xfrm>
+          <a:off x="0" y="0"/>
+          <a:ext cx="0" cy="0"/>
+          <a:chOff x="0" y="0"/>
+          <a:chExt cx="0" cy="0"/>
+        </a:xfrm>
+      </p:grpSpPr>
+      <mc:AlternateContent xmlns:mc="http://schemas.openxmlformats.org/markup-compatibility/2006">
+        <mc:Choice xmlns:a14="http://schemas.microsoft.com/office/drawing/2010/main" Requires="a14">
+          <p:sp>
+            <p:nvSpPr>
+              <p:cNvPr id="2" name="Title 1">
+                <a:extLst>
+                  <a:ext uri="{FF2B5EF4-FFF2-40B4-BE49-F238E27FC236}">
+                    <a16:creationId xmlns:a16="http://schemas.microsoft.com/office/drawing/2014/main" id="{308E5FB8-14B6-97B3-C3BD-5821765397E7}"/>
+                  </a:ext>
+                </a:extLst>
+              </p:cNvPr>
+              <p:cNvSpPr>
+                <a:spLocks noGrp="1"/>
+              </p:cNvSpPr>
+              <p:nvPr>
+                <p:ph type="title"/>
+              </p:nvPr>
+            </p:nvSpPr>
+            <p:spPr/>
+            <p:txBody>
+              <a:bodyPr/>
+              <a:lstStyle/>
+              <a:p>
                 <a14:m>
                   <m:oMathPara xmlns:m="http://schemas.openxmlformats.org/officeDocument/2006/math">
                     <m:oMathParaPr>
@@ -16143,442 +19821,15 @@
                         <a:rPr lang="en-US" b="0" i="1" smtClean="0">
                           <a:latin typeface="Cambria Math" panose="02040503050406030204" pitchFamily="18" charset="0"/>
                         </a:rPr>
-                        <m:t>𝑃</m:t>
-                      </m:r>
-                      <m:d>
-                        <m:dPr>
-                          <m:ctrlPr>
-                            <a:rPr lang="en-US" b="0" i="1" smtClean="0">
-                              <a:latin typeface="Cambria Math" panose="02040503050406030204" pitchFamily="18" charset="0"/>
-                            </a:rPr>
-                          </m:ctrlPr>
-                        </m:dPr>
-                        <m:e>
-                          <m:sSub>
-                            <m:sSubPr>
-                              <m:ctrlPr>
-                                <a:rPr lang="en-US" b="0" i="1" smtClean="0">
-                                  <a:latin typeface="Cambria Math" panose="02040503050406030204" pitchFamily="18" charset="0"/>
-                                </a:rPr>
-                              </m:ctrlPr>
-                            </m:sSubPr>
-                            <m:e>
-                              <m:r>
-                                <a:rPr lang="en-US" b="0" i="1" smtClean="0">
-                                  <a:latin typeface="Cambria Math" panose="02040503050406030204" pitchFamily="18" charset="0"/>
-                                  <a:ea typeface="Cambria Math" panose="02040503050406030204" pitchFamily="18" charset="0"/>
-                                </a:rPr>
-                                <m:t>𝜖</m:t>
-                              </m:r>
-                            </m:e>
-                            <m:sub>
-                              <m:r>
-                                <a:rPr lang="en-US" b="0" i="1" smtClean="0">
-                                  <a:latin typeface="Cambria Math" panose="02040503050406030204" pitchFamily="18" charset="0"/>
-                                </a:rPr>
-                                <m:t>𝑎𝑔𝑒𝑛𝑡</m:t>
-                              </m:r>
-                            </m:sub>
-                          </m:sSub>
-                        </m:e>
-                        <m:e>
-                          <m:r>
-                            <a:rPr lang="en-US" b="0" i="1" smtClean="0">
-                              <a:latin typeface="Cambria Math" panose="02040503050406030204" pitchFamily="18" charset="0"/>
-                              <a:ea typeface="Cambria Math" panose="02040503050406030204" pitchFamily="18" charset="0"/>
-                            </a:rPr>
-                            <m:t>𝑂</m:t>
-                          </m:r>
-                          <m:r>
-                            <a:rPr lang="en-US" b="0" i="1" smtClean="0">
-                              <a:latin typeface="Cambria Math" panose="02040503050406030204" pitchFamily="18" charset="0"/>
-                              <a:ea typeface="Cambria Math" panose="02040503050406030204" pitchFamily="18" charset="0"/>
-                            </a:rPr>
-                            <m:t>,</m:t>
-                          </m:r>
-                          <m:r>
-                            <m:rPr>
-                              <m:sty m:val="p"/>
-                            </m:rPr>
-                            <a:rPr lang="el-GR" b="0" i="1" smtClean="0">
-                              <a:latin typeface="Cambria Math" panose="02040503050406030204" pitchFamily="18" charset="0"/>
-                              <a:ea typeface="Cambria Math" panose="02040503050406030204" pitchFamily="18" charset="0"/>
-                            </a:rPr>
-                            <m:t>Σ</m:t>
-                          </m:r>
-                        </m:e>
-                      </m:d>
-                      <m:r>
-                        <a:rPr lang="en-US" b="0" i="1" smtClean="0">
-                          <a:latin typeface="Cambria Math" panose="02040503050406030204" pitchFamily="18" charset="0"/>
-                          <a:ea typeface="Cambria Math" panose="02040503050406030204" pitchFamily="18" charset="0"/>
-                        </a:rPr>
-                        <m:t>∝</m:t>
+                        <m:t>𝐾</m:t>
                       </m:r>
                       <m:r>
                         <a:rPr lang="en-US" b="0" i="1" smtClean="0">
                           <a:latin typeface="Cambria Math" panose="02040503050406030204" pitchFamily="18" charset="0"/>
                           <a:ea typeface="Cambria Math" panose="02040503050406030204" pitchFamily="18" charset="0"/>
                         </a:rPr>
-                        <m:t>𝑃</m:t>
+                        <m:t>→∞</m:t>
                       </m:r>
-                      <m:d>
-                        <m:dPr>
-                          <m:ctrlPr>
-                            <a:rPr lang="en-US" b="0" i="1" smtClean="0">
-                              <a:latin typeface="Cambria Math" panose="02040503050406030204" pitchFamily="18" charset="0"/>
-                              <a:ea typeface="Cambria Math" panose="02040503050406030204" pitchFamily="18" charset="0"/>
-                            </a:rPr>
-                          </m:ctrlPr>
-                        </m:dPr>
-                        <m:e>
-                          <m:r>
-                            <a:rPr lang="en-US" b="0" i="1" smtClean="0">
-                              <a:latin typeface="Cambria Math" panose="02040503050406030204" pitchFamily="18" charset="0"/>
-                              <a:ea typeface="Cambria Math" panose="02040503050406030204" pitchFamily="18" charset="0"/>
-                            </a:rPr>
-                            <m:t>𝑂</m:t>
-                          </m:r>
-                        </m:e>
-                        <m:e>
-                          <m:sSub>
-                            <m:sSubPr>
-                              <m:ctrlPr>
-                                <a:rPr lang="en-US" b="0" i="1" smtClean="0">
-                                  <a:latin typeface="Cambria Math" panose="02040503050406030204" pitchFamily="18" charset="0"/>
-                                  <a:ea typeface="Cambria Math" panose="02040503050406030204" pitchFamily="18" charset="0"/>
-                                </a:rPr>
-                              </m:ctrlPr>
-                            </m:sSubPr>
-                            <m:e>
-                              <m:r>
-                                <a:rPr lang="en-US" b="0" i="1" smtClean="0">
-                                  <a:latin typeface="Cambria Math" panose="02040503050406030204" pitchFamily="18" charset="0"/>
-                                  <a:ea typeface="Cambria Math" panose="02040503050406030204" pitchFamily="18" charset="0"/>
-                                </a:rPr>
-                                <m:t>𝜖</m:t>
-                              </m:r>
-                            </m:e>
-                            <m:sub>
-                              <m:r>
-                                <a:rPr lang="en-US" b="0" i="1" smtClean="0">
-                                  <a:latin typeface="Cambria Math" panose="02040503050406030204" pitchFamily="18" charset="0"/>
-                                  <a:ea typeface="Cambria Math" panose="02040503050406030204" pitchFamily="18" charset="0"/>
-                                </a:rPr>
-                                <m:t>𝑎𝑔𝑒𝑛𝑡</m:t>
-                              </m:r>
-                            </m:sub>
-                          </m:sSub>
-                        </m:e>
-                      </m:d>
-                      <m:r>
-                        <a:rPr lang="en-US" b="0" i="1" smtClean="0">
-                          <a:latin typeface="Cambria Math" panose="02040503050406030204" pitchFamily="18" charset="0"/>
-                          <a:ea typeface="Cambria Math" panose="02040503050406030204" pitchFamily="18" charset="0"/>
-                        </a:rPr>
-                        <m:t>𝑃</m:t>
-                      </m:r>
-                      <m:d>
-                        <m:dPr>
-                          <m:ctrlPr>
-                            <a:rPr lang="en-US" b="0" i="1" smtClean="0">
-                              <a:latin typeface="Cambria Math" panose="02040503050406030204" pitchFamily="18" charset="0"/>
-                              <a:ea typeface="Cambria Math" panose="02040503050406030204" pitchFamily="18" charset="0"/>
-                            </a:rPr>
-                          </m:ctrlPr>
-                        </m:dPr>
-                        <m:e>
-                          <m:sSub>
-                            <m:sSubPr>
-                              <m:ctrlPr>
-                                <a:rPr lang="en-US" b="0" i="1" smtClean="0">
-                                  <a:latin typeface="Cambria Math" panose="02040503050406030204" pitchFamily="18" charset="0"/>
-                                  <a:ea typeface="Cambria Math" panose="02040503050406030204" pitchFamily="18" charset="0"/>
-                                </a:rPr>
-                              </m:ctrlPr>
-                            </m:sSubPr>
-                            <m:e>
-                              <m:r>
-                                <a:rPr lang="en-US" b="0" i="1" smtClean="0">
-                                  <a:latin typeface="Cambria Math" panose="02040503050406030204" pitchFamily="18" charset="0"/>
-                                  <a:ea typeface="Cambria Math" panose="02040503050406030204" pitchFamily="18" charset="0"/>
-                                </a:rPr>
-                                <m:t>𝜖</m:t>
-                              </m:r>
-                            </m:e>
-                            <m:sub>
-                              <m:r>
-                                <a:rPr lang="en-US" b="0" i="1" smtClean="0">
-                                  <a:latin typeface="Cambria Math" panose="02040503050406030204" pitchFamily="18" charset="0"/>
-                                  <a:ea typeface="Cambria Math" panose="02040503050406030204" pitchFamily="18" charset="0"/>
-                                </a:rPr>
-                                <m:t>𝑎𝑔𝑒𝑛𝑡</m:t>
-                              </m:r>
-                            </m:sub>
-                          </m:sSub>
-                          <m:r>
-                            <a:rPr lang="en-US" b="0" i="1" smtClean="0">
-                              <a:latin typeface="Cambria Math" panose="02040503050406030204" pitchFamily="18" charset="0"/>
-                              <a:ea typeface="Cambria Math" panose="02040503050406030204" pitchFamily="18" charset="0"/>
-                            </a:rPr>
-                            <m:t>|</m:t>
-                          </m:r>
-                          <m:r>
-                            <m:rPr>
-                              <m:sty m:val="p"/>
-                            </m:rPr>
-                            <a:rPr lang="el-GR" i="1">
-                              <a:latin typeface="Cambria Math" panose="02040503050406030204" pitchFamily="18" charset="0"/>
-                              <a:ea typeface="Cambria Math" panose="02040503050406030204" pitchFamily="18" charset="0"/>
-                            </a:rPr>
-                            <m:t>Σ</m:t>
-                          </m:r>
-                        </m:e>
-                      </m:d>
-                    </m:oMath>
-                  </m:oMathPara>
-                </a14:m>
-                <a:endParaRPr lang="en-US" dirty="0"/>
-              </a:p>
-              <a:p>
-                <a:pPr marL="0" indent="0">
-                  <a:buNone/>
-                </a:pPr>
-                <a:endParaRPr lang="en-US" dirty="0"/>
-              </a:p>
-              <a:p>
-                <a:pPr marL="0" indent="0">
-                  <a:buNone/>
-                </a:pPr>
-                <a14:m>
-                  <m:oMathPara xmlns:m="http://schemas.openxmlformats.org/officeDocument/2006/math">
-                    <m:oMathParaPr>
-                      <m:jc m:val="centerGroup"/>
-                    </m:oMathParaPr>
-                    <m:oMath xmlns:m="http://schemas.openxmlformats.org/officeDocument/2006/math">
-                      <m:r>
-                        <a:rPr lang="en-US" b="0" i="1" smtClean="0">
-                          <a:latin typeface="Cambria Math" panose="02040503050406030204" pitchFamily="18" charset="0"/>
-                          <a:ea typeface="Cambria Math" panose="02040503050406030204" pitchFamily="18" charset="0"/>
-                        </a:rPr>
-                        <m:t>𝑃</m:t>
-                      </m:r>
-                      <m:d>
-                        <m:dPr>
-                          <m:ctrlPr>
-                            <a:rPr lang="en-US" b="0" i="1" smtClean="0">
-                              <a:latin typeface="Cambria Math" panose="02040503050406030204" pitchFamily="18" charset="0"/>
-                              <a:ea typeface="Cambria Math" panose="02040503050406030204" pitchFamily="18" charset="0"/>
-                            </a:rPr>
-                          </m:ctrlPr>
-                        </m:dPr>
-                        <m:e>
-                          <m:r>
-                            <a:rPr lang="en-US" b="0" i="1" smtClean="0">
-                              <a:latin typeface="Cambria Math" panose="02040503050406030204" pitchFamily="18" charset="0"/>
-                              <a:ea typeface="Cambria Math" panose="02040503050406030204" pitchFamily="18" charset="0"/>
-                            </a:rPr>
-                            <m:t>𝑂</m:t>
-                          </m:r>
-                        </m:e>
-                        <m:e>
-                          <m:sSub>
-                            <m:sSubPr>
-                              <m:ctrlPr>
-                                <a:rPr lang="en-US" b="0" i="1" smtClean="0">
-                                  <a:latin typeface="Cambria Math" panose="02040503050406030204" pitchFamily="18" charset="0"/>
-                                  <a:ea typeface="Cambria Math" panose="02040503050406030204" pitchFamily="18" charset="0"/>
-                                </a:rPr>
-                              </m:ctrlPr>
-                            </m:sSubPr>
-                            <m:e>
-                              <m:r>
-                                <a:rPr lang="en-US" b="0" i="1" smtClean="0">
-                                  <a:latin typeface="Cambria Math" panose="02040503050406030204" pitchFamily="18" charset="0"/>
-                                  <a:ea typeface="Cambria Math" panose="02040503050406030204" pitchFamily="18" charset="0"/>
-                                </a:rPr>
-                                <m:t>𝜖</m:t>
-                              </m:r>
-                            </m:e>
-                            <m:sub>
-                              <m:r>
-                                <a:rPr lang="en-US" b="0" i="1" smtClean="0">
-                                  <a:latin typeface="Cambria Math" panose="02040503050406030204" pitchFamily="18" charset="0"/>
-                                  <a:ea typeface="Cambria Math" panose="02040503050406030204" pitchFamily="18" charset="0"/>
-                                </a:rPr>
-                                <m:t>𝑎𝑔𝑒𝑛𝑡</m:t>
-                              </m:r>
-                            </m:sub>
-                          </m:sSub>
-                        </m:e>
-                      </m:d>
-                      <m:r>
-                        <a:rPr lang="en-US" b="0" i="1" smtClean="0">
-                          <a:latin typeface="Cambria Math" panose="02040503050406030204" pitchFamily="18" charset="0"/>
-                          <a:ea typeface="Cambria Math" panose="02040503050406030204" pitchFamily="18" charset="0"/>
-                        </a:rPr>
-                        <m:t>=</m:t>
-                      </m:r>
-                      <m:r>
-                        <a:rPr lang="en-US" b="0" i="1" smtClean="0">
-                          <a:latin typeface="Cambria Math" panose="02040503050406030204" pitchFamily="18" charset="0"/>
-                          <a:ea typeface="Cambria Math" panose="02040503050406030204" pitchFamily="18" charset="0"/>
-                        </a:rPr>
-                        <m:t>𝛽</m:t>
-                      </m:r>
-                      <m:f>
-                        <m:fPr>
-                          <m:ctrlPr>
-                            <a:rPr lang="en-US" b="0" i="1" smtClean="0">
-                              <a:latin typeface="Cambria Math" panose="02040503050406030204" pitchFamily="18" charset="0"/>
-                              <a:ea typeface="Cambria Math" panose="02040503050406030204" pitchFamily="18" charset="0"/>
-                            </a:rPr>
-                          </m:ctrlPr>
-                        </m:fPr>
-                        <m:num>
-                          <m:r>
-                            <a:rPr lang="en-US" b="0" i="1" smtClean="0">
-                              <a:latin typeface="Cambria Math" panose="02040503050406030204" pitchFamily="18" charset="0"/>
-                              <a:ea typeface="Cambria Math" panose="02040503050406030204" pitchFamily="18" charset="0"/>
-                            </a:rPr>
-                            <m:t>𝑤</m:t>
-                          </m:r>
-                          <m:r>
-                            <a:rPr lang="en-US" b="0" i="1" smtClean="0">
-                              <a:latin typeface="Cambria Math" panose="02040503050406030204" pitchFamily="18" charset="0"/>
-                              <a:ea typeface="Cambria Math" panose="02040503050406030204" pitchFamily="18" charset="0"/>
-                            </a:rPr>
-                            <m:t>(</m:t>
-                          </m:r>
-                          <m:acc>
-                            <m:accPr>
-                              <m:chr m:val="̂"/>
-                              <m:ctrlPr>
-                                <a:rPr lang="en-US" b="0" i="1" smtClean="0">
-                                  <a:latin typeface="Cambria Math" panose="02040503050406030204" pitchFamily="18" charset="0"/>
-                                  <a:ea typeface="Cambria Math" panose="02040503050406030204" pitchFamily="18" charset="0"/>
-                                </a:rPr>
-                              </m:ctrlPr>
-                            </m:accPr>
-                            <m:e>
-                              <m:r>
-                                <a:rPr lang="en-US" b="0" i="1" smtClean="0">
-                                  <a:latin typeface="Cambria Math" panose="02040503050406030204" pitchFamily="18" charset="0"/>
-                                  <a:ea typeface="Cambria Math" panose="02040503050406030204" pitchFamily="18" charset="0"/>
-                                </a:rPr>
-                                <m:t>𝜋</m:t>
-                              </m:r>
-                            </m:e>
-                          </m:acc>
-                          <m:r>
-                            <a:rPr lang="en-US" b="0" i="1" smtClean="0">
-                              <a:latin typeface="Cambria Math" panose="02040503050406030204" pitchFamily="18" charset="0"/>
-                              <a:ea typeface="Cambria Math" panose="02040503050406030204" pitchFamily="18" charset="0"/>
-                            </a:rPr>
-                            <m:t>,</m:t>
-                          </m:r>
-                          <m:sSub>
-                            <m:sSubPr>
-                              <m:ctrlPr>
-                                <a:rPr lang="en-US" i="1">
-                                  <a:latin typeface="Cambria Math" panose="02040503050406030204" pitchFamily="18" charset="0"/>
-                                  <a:ea typeface="Cambria Math" panose="02040503050406030204" pitchFamily="18" charset="0"/>
-                                </a:rPr>
-                              </m:ctrlPr>
-                            </m:sSubPr>
-                            <m:e>
-                              <m:r>
-                                <a:rPr lang="en-US" i="1">
-                                  <a:latin typeface="Cambria Math" panose="02040503050406030204" pitchFamily="18" charset="0"/>
-                                  <a:ea typeface="Cambria Math" panose="02040503050406030204" pitchFamily="18" charset="0"/>
-                                </a:rPr>
-                                <m:t>𝜖</m:t>
-                              </m:r>
-                            </m:e>
-                            <m:sub>
-                              <m:r>
-                                <a:rPr lang="en-US" i="1">
-                                  <a:latin typeface="Cambria Math" panose="02040503050406030204" pitchFamily="18" charset="0"/>
-                                  <a:ea typeface="Cambria Math" panose="02040503050406030204" pitchFamily="18" charset="0"/>
-                                </a:rPr>
-                                <m:t>𝑎𝑔𝑒𝑛𝑡</m:t>
-                              </m:r>
-                            </m:sub>
-                          </m:sSub>
-                          <m:r>
-                            <a:rPr lang="en-US" b="0" i="1" smtClean="0">
-                              <a:latin typeface="Cambria Math" panose="02040503050406030204" pitchFamily="18" charset="0"/>
-                              <a:ea typeface="Cambria Math" panose="02040503050406030204" pitchFamily="18" charset="0"/>
-                            </a:rPr>
-                            <m:t>)</m:t>
-                          </m:r>
-                        </m:num>
-                        <m:den>
-                          <m:r>
-                            <a:rPr lang="en-US" b="0" i="1" smtClean="0">
-                              <a:latin typeface="Cambria Math" panose="02040503050406030204" pitchFamily="18" charset="0"/>
-                              <a:ea typeface="Cambria Math" panose="02040503050406030204" pitchFamily="18" charset="0"/>
-                            </a:rPr>
-                            <m:t>𝑤</m:t>
-                          </m:r>
-                          <m:r>
-                            <a:rPr lang="en-US" b="0" i="1" smtClean="0">
-                              <a:latin typeface="Cambria Math" panose="02040503050406030204" pitchFamily="18" charset="0"/>
-                              <a:ea typeface="Cambria Math" panose="02040503050406030204" pitchFamily="18" charset="0"/>
-                            </a:rPr>
-                            <m:t>(</m:t>
-                          </m:r>
-                          <m:r>
-                            <a:rPr lang="en-US" b="0" i="1" smtClean="0">
-                              <a:latin typeface="Cambria Math" panose="02040503050406030204" pitchFamily="18" charset="0"/>
-                              <a:ea typeface="Cambria Math" panose="02040503050406030204" pitchFamily="18" charset="0"/>
-                            </a:rPr>
-                            <m:t>𝑂</m:t>
-                          </m:r>
-                          <m:r>
-                            <a:rPr lang="en-US" b="0" i="1" smtClean="0">
-                              <a:latin typeface="Cambria Math" panose="02040503050406030204" pitchFamily="18" charset="0"/>
-                              <a:ea typeface="Cambria Math" panose="02040503050406030204" pitchFamily="18" charset="0"/>
-                            </a:rPr>
-                            <m:t>,</m:t>
-                          </m:r>
-                          <m:sSub>
-                            <m:sSubPr>
-                              <m:ctrlPr>
-                                <a:rPr lang="en-US" i="1">
-                                  <a:latin typeface="Cambria Math" panose="02040503050406030204" pitchFamily="18" charset="0"/>
-                                  <a:ea typeface="Cambria Math" panose="02040503050406030204" pitchFamily="18" charset="0"/>
-                                </a:rPr>
-                              </m:ctrlPr>
-                            </m:sSubPr>
-                            <m:e>
-                              <m:r>
-                                <a:rPr lang="en-US" i="1">
-                                  <a:latin typeface="Cambria Math" panose="02040503050406030204" pitchFamily="18" charset="0"/>
-                                  <a:ea typeface="Cambria Math" panose="02040503050406030204" pitchFamily="18" charset="0"/>
-                                </a:rPr>
-                                <m:t>𝜖</m:t>
-                              </m:r>
-                            </m:e>
-                            <m:sub>
-                              <m:r>
-                                <a:rPr lang="en-US" i="1">
-                                  <a:latin typeface="Cambria Math" panose="02040503050406030204" pitchFamily="18" charset="0"/>
-                                  <a:ea typeface="Cambria Math" panose="02040503050406030204" pitchFamily="18" charset="0"/>
-                                </a:rPr>
-                                <m:t>𝑎𝑔𝑒𝑛𝑡</m:t>
-                              </m:r>
-                            </m:sub>
-                          </m:sSub>
-                          <m:r>
-                            <a:rPr lang="en-US" b="0" i="1" smtClean="0">
-                              <a:latin typeface="Cambria Math" panose="02040503050406030204" pitchFamily="18" charset="0"/>
-                              <a:ea typeface="Cambria Math" panose="02040503050406030204" pitchFamily="18" charset="0"/>
-                            </a:rPr>
-                            <m:t>)</m:t>
-                          </m:r>
-                        </m:den>
-                      </m:f>
                     </m:oMath>
                   </m:oMathPara>
                 </a14:m>
@@ -16590,10 +19841,10 @@
         <mc:Fallback>
           <p:sp>
             <p:nvSpPr>
-              <p:cNvPr id="3" name="Content Placeholder 2">
+              <p:cNvPr id="2" name="Title 1">
                 <a:extLst>
                   <a:ext uri="{FF2B5EF4-FFF2-40B4-BE49-F238E27FC236}">
-                    <a16:creationId xmlns:a16="http://schemas.microsoft.com/office/drawing/2014/main" id="{28B9DB33-1458-D5A7-97AA-2C068C20C778}"/>
+                    <a16:creationId xmlns:a16="http://schemas.microsoft.com/office/drawing/2014/main" id="{308E5FB8-14B6-97B3-C3BD-5821765397E7}"/>
                   </a:ext>
                 </a:extLst>
               </p:cNvPr>
@@ -16601,7 +19852,7 @@
                 <a:spLocks noGrp="1" noRot="1" noChangeAspect="1" noMove="1" noResize="1" noEditPoints="1" noAdjustHandles="1" noChangeArrowheads="1" noChangeShapeType="1" noTextEdit="1"/>
               </p:cNvSpPr>
               <p:nvPr>
-                <p:ph idx="1"/>
+                <p:ph type="title"/>
               </p:nvPr>
             </p:nvSpPr>
             <p:spPr>
@@ -16627,10 +19878,108 @@
           </p:sp>
         </mc:Fallback>
       </mc:AlternateContent>
+      <mc:AlternateContent xmlns:mc="http://schemas.openxmlformats.org/markup-compatibility/2006">
+        <mc:Choice xmlns:a14="http://schemas.microsoft.com/office/drawing/2010/main" Requires="a14">
+          <p:sp>
+            <p:nvSpPr>
+              <p:cNvPr id="3" name="Content Placeholder 2">
+                <a:extLst>
+                  <a:ext uri="{FF2B5EF4-FFF2-40B4-BE49-F238E27FC236}">
+                    <a16:creationId xmlns:a16="http://schemas.microsoft.com/office/drawing/2014/main" id="{CDEF4F4C-A6C7-49FF-3A94-A901B9C08226}"/>
+                  </a:ext>
+                </a:extLst>
+              </p:cNvPr>
+              <p:cNvSpPr>
+                <a:spLocks noGrp="1"/>
+              </p:cNvSpPr>
+              <p:nvPr>
+                <p:ph idx="1"/>
+              </p:nvPr>
+            </p:nvSpPr>
+            <p:spPr/>
+            <p:txBody>
+              <a:bodyPr/>
+              <a:lstStyle/>
+              <a:p>
+                <a:r>
+                  <a:rPr lang="en-US" dirty="0"/>
+                  <a:t>The current graph depicts a finite mixture model, but ideally it should be modified into an infinite mixture model to represent the human’s uncertainty on how many agents there. </a:t>
+                </a:r>
+              </a:p>
+              <a:p>
+                <a:r>
+                  <a:rPr lang="en-US" dirty="0"/>
+                  <a:t>This involves replacing the Dirichlet prior with a Dirichlet process prior and letting </a:t>
+                </a:r>
+                <a14:m>
+                  <m:oMath xmlns:m="http://schemas.openxmlformats.org/officeDocument/2006/math">
+                    <m:r>
+                      <a:rPr lang="en-US" b="0" i="1" smtClean="0">
+                        <a:latin typeface="Cambria Math" panose="02040503050406030204" pitchFamily="18" charset="0"/>
+                      </a:rPr>
+                      <m:t>𝐾</m:t>
+                    </m:r>
+                    <m:r>
+                      <a:rPr lang="en-US" b="0" i="1" smtClean="0">
+                        <a:latin typeface="Cambria Math" panose="02040503050406030204" pitchFamily="18" charset="0"/>
+                        <a:ea typeface="Cambria Math" panose="02040503050406030204" pitchFamily="18" charset="0"/>
+                      </a:rPr>
+                      <m:t>→∞</m:t>
+                    </m:r>
+                  </m:oMath>
+                </a14:m>
+                <a:r>
+                  <a:rPr lang="en-US" dirty="0"/>
+                  <a:t>.  </a:t>
+                </a:r>
+              </a:p>
+            </p:txBody>
+          </p:sp>
+        </mc:Choice>
+        <mc:Fallback>
+          <p:sp>
+            <p:nvSpPr>
+              <p:cNvPr id="3" name="Content Placeholder 2">
+                <a:extLst>
+                  <a:ext uri="{FF2B5EF4-FFF2-40B4-BE49-F238E27FC236}">
+                    <a16:creationId xmlns:a16="http://schemas.microsoft.com/office/drawing/2014/main" id="{CDEF4F4C-A6C7-49FF-3A94-A901B9C08226}"/>
+                  </a:ext>
+                </a:extLst>
+              </p:cNvPr>
+              <p:cNvSpPr>
+                <a:spLocks noGrp="1" noRot="1" noChangeAspect="1" noMove="1" noResize="1" noEditPoints="1" noAdjustHandles="1" noChangeArrowheads="1" noChangeShapeType="1" noTextEdit="1"/>
+              </p:cNvSpPr>
+              <p:nvPr>
+                <p:ph idx="1"/>
+              </p:nvPr>
+            </p:nvSpPr>
+            <p:spPr>
+              <a:blipFill>
+                <a:blip r:embed="rId3"/>
+                <a:stretch>
+                  <a:fillRect l="-1086" t="-2326" r="-965"/>
+                </a:stretch>
+              </a:blipFill>
+            </p:spPr>
+            <p:txBody>
+              <a:bodyPr/>
+              <a:lstStyle/>
+              <a:p>
+                <a:r>
+                  <a:rPr lang="en-US">
+                    <a:noFill/>
+                  </a:rPr>
+                  <a:t> </a:t>
+                </a:r>
+              </a:p>
+            </p:txBody>
+          </p:sp>
+        </mc:Fallback>
+      </mc:AlternateContent>
     </p:spTree>
     <p:extLst>
       <p:ext uri="{BB962C8B-B14F-4D97-AF65-F5344CB8AC3E}">
-        <p14:creationId xmlns:p14="http://schemas.microsoft.com/office/powerpoint/2010/main" val="441320677"/>
+        <p14:creationId xmlns:p14="http://schemas.microsoft.com/office/powerpoint/2010/main" val="313378391"/>
       </p:ext>
     </p:extLst>
   </p:cSld>
@@ -16640,7 +19989,146 @@
 </p:sld>
 </file>
 
-<file path=ppt/slides/slide32.xml><?xml version="1.0" encoding="utf-8"?>
+<file path=ppt/slides/slide34.xml><?xml version="1.0" encoding="utf-8"?>
+<p:sld xmlns:a="http://schemas.openxmlformats.org/drawingml/2006/main" xmlns:r="http://schemas.openxmlformats.org/officeDocument/2006/relationships" xmlns:p="http://schemas.openxmlformats.org/presentationml/2006/main">
+  <p:cSld>
+    <p:spTree>
+      <p:nvGrpSpPr>
+        <p:cNvPr id="1" name=""/>
+        <p:cNvGrpSpPr/>
+        <p:nvPr/>
+      </p:nvGrpSpPr>
+      <p:grpSpPr>
+        <a:xfrm>
+          <a:off x="0" y="0"/>
+          <a:ext cx="0" cy="0"/>
+          <a:chOff x="0" y="0"/>
+          <a:chExt cx="0" cy="0"/>
+        </a:xfrm>
+      </p:grpSpPr>
+      <p:sp>
+        <p:nvSpPr>
+          <p:cNvPr id="2" name="Title 1">
+            <a:extLst>
+              <a:ext uri="{FF2B5EF4-FFF2-40B4-BE49-F238E27FC236}">
+                <a16:creationId xmlns:a16="http://schemas.microsoft.com/office/drawing/2014/main" id="{FDF8DD7D-7EBD-EA7E-5D0A-F25ED08C47D7}"/>
+              </a:ext>
+            </a:extLst>
+          </p:cNvPr>
+          <p:cNvSpPr>
+            <a:spLocks noGrp="1"/>
+          </p:cNvSpPr>
+          <p:nvPr>
+            <p:ph type="title"/>
+          </p:nvPr>
+        </p:nvSpPr>
+        <p:spPr/>
+        <p:txBody>
+          <a:bodyPr/>
+          <a:lstStyle/>
+          <a:p>
+            <a:r>
+              <a:rPr lang="en-US" dirty="0"/>
+              <a:t>Resources</a:t>
+            </a:r>
+          </a:p>
+        </p:txBody>
+      </p:sp>
+      <p:sp>
+        <p:nvSpPr>
+          <p:cNvPr id="3" name="Content Placeholder 2">
+            <a:extLst>
+              <a:ext uri="{FF2B5EF4-FFF2-40B4-BE49-F238E27FC236}">
+                <a16:creationId xmlns:a16="http://schemas.microsoft.com/office/drawing/2014/main" id="{4BA79829-F606-656A-382D-2951EA5F4BEE}"/>
+              </a:ext>
+            </a:extLst>
+          </p:cNvPr>
+          <p:cNvSpPr>
+            <a:spLocks noGrp="1"/>
+          </p:cNvSpPr>
+          <p:nvPr>
+            <p:ph idx="1"/>
+          </p:nvPr>
+        </p:nvSpPr>
+        <p:spPr/>
+        <p:txBody>
+          <a:bodyPr>
+            <a:normAutofit/>
+          </a:bodyPr>
+          <a:lstStyle/>
+          <a:p>
+            <a:r>
+              <a:rPr lang="en-US" dirty="0"/>
+              <a:t>My graphical model is a modification of the Bayesian Gaussian mixture model seen in </a:t>
+            </a:r>
+            <a:r>
+              <a:rPr lang="en-US" dirty="0">
+                <a:hlinkClick r:id="rId2"/>
+              </a:rPr>
+              <a:t>https://en.wikipedia.org/wiki/Mixture_model</a:t>
+            </a:r>
+            <a:endParaRPr lang="en-US" dirty="0"/>
+          </a:p>
+          <a:p>
+            <a:r>
+              <a:rPr lang="en-US" dirty="0"/>
+              <a:t>This has a good explanation on how to formulate an infinite mixture model and how to do inference. </a:t>
+            </a:r>
+            <a:r>
+              <a:rPr lang="en-US" dirty="0">
+                <a:hlinkClick r:id="rId3"/>
+              </a:rPr>
+              <a:t>https://www.ncbi.nlm.nih.gov/pmc/articles/PMC6583910/pdf/nihms-1528335.pdf</a:t>
+            </a:r>
+            <a:endParaRPr lang="en-US" dirty="0"/>
+          </a:p>
+          <a:p>
+            <a:r>
+              <a:rPr lang="en-US" dirty="0"/>
+              <a:t>This is just a good resource on conjugate priors (in particular </a:t>
+            </a:r>
+            <a:r>
+              <a:rPr lang="en-US" dirty="0" err="1"/>
+              <a:t>pg</a:t>
+            </a:r>
+            <a:r>
+              <a:rPr lang="en-US" dirty="0"/>
+              <a:t> 34-35, which shows the formulas for Lognormal conjugate priors). </a:t>
+            </a:r>
+            <a:r>
+              <a:rPr lang="en-US" dirty="0">
+                <a:hlinkClick r:id="rId4"/>
+              </a:rPr>
+              <a:t>https://courses.physics.ucsd.edu/2018/Fall/physics210b/REFERENCES/conjugate_priors</a:t>
+            </a:r>
+            <a:r>
+              <a:rPr lang="en-US">
+                <a:hlinkClick r:id="rId4"/>
+              </a:rPr>
+              <a:t>.pdf</a:t>
+            </a:r>
+            <a:r>
+              <a:rPr lang="en-US"/>
+              <a:t> </a:t>
+            </a:r>
+            <a:endParaRPr lang="en-US" dirty="0"/>
+          </a:p>
+        </p:txBody>
+      </p:sp>
+    </p:spTree>
+    <p:extLst>
+      <p:ext uri="{BB962C8B-B14F-4D97-AF65-F5344CB8AC3E}">
+        <p14:creationId xmlns:p14="http://schemas.microsoft.com/office/powerpoint/2010/main" val="4060447325"/>
+      </p:ext>
+    </p:extLst>
+  </p:cSld>
+  <p:clrMapOvr>
+    <a:masterClrMapping/>
+  </p:clrMapOvr>
+</p:sld>
+</file>
+
+<file path=ppt/slides/slide35.xml><?xml version="1.0" encoding="utf-8"?>
 <p:sld xmlns:a="http://schemas.openxmlformats.org/drawingml/2006/main" xmlns:r="http://schemas.openxmlformats.org/officeDocument/2006/relationships" xmlns:p="http://schemas.openxmlformats.org/presentationml/2006/main">
   <p:cSld>
     <p:spTree>
@@ -17045,7 +20533,7 @@
 </p:sld>
 </file>
 
-<file path=ppt/slides/slide33.xml><?xml version="1.0" encoding="utf-8"?>
+<file path=ppt/slides/slide36.xml><?xml version="1.0" encoding="utf-8"?>
 <p:sld xmlns:a="http://schemas.openxmlformats.org/drawingml/2006/main" xmlns:r="http://schemas.openxmlformats.org/officeDocument/2006/relationships" xmlns:p="http://schemas.openxmlformats.org/presentationml/2006/main">
   <p:cSld>
     <p:spTree>
@@ -17308,7 +20796,7 @@
 </p:sld>
 </file>
 
-<file path=ppt/slides/slide34.xml><?xml version="1.0" encoding="utf-8"?>
+<file path=ppt/slides/slide37.xml><?xml version="1.0" encoding="utf-8"?>
 <p:sld xmlns:a="http://schemas.openxmlformats.org/drawingml/2006/main" xmlns:r="http://schemas.openxmlformats.org/officeDocument/2006/relationships" xmlns:p="http://schemas.openxmlformats.org/presentationml/2006/main">
   <p:cSld>
     <p:spTree>
@@ -17478,7 +20966,7 @@
 </p:sld>
 </file>
 
-<file path=ppt/slides/slide35.xml><?xml version="1.0" encoding="utf-8"?>
+<file path=ppt/slides/slide38.xml><?xml version="1.0" encoding="utf-8"?>
 <p:sld xmlns:a="http://schemas.openxmlformats.org/drawingml/2006/main" xmlns:r="http://schemas.openxmlformats.org/officeDocument/2006/relationships" xmlns:p="http://schemas.openxmlformats.org/presentationml/2006/main">
   <p:cSld>
     <p:spTree>
@@ -17767,7 +21255,7 @@
 </p:sld>
 </file>
 
-<file path=ppt/slides/slide36.xml><?xml version="1.0" encoding="utf-8"?>
+<file path=ppt/slides/slide39.xml><?xml version="1.0" encoding="utf-8"?>
 <p:sld xmlns:a="http://schemas.openxmlformats.org/drawingml/2006/main" xmlns:r="http://schemas.openxmlformats.org/officeDocument/2006/relationships" xmlns:p="http://schemas.openxmlformats.org/presentationml/2006/main">
   <p:cSld>
     <p:spTree>
@@ -18177,1131 +21665,6 @@
     <p:extLst>
       <p:ext uri="{BB962C8B-B14F-4D97-AF65-F5344CB8AC3E}">
         <p14:creationId xmlns:p14="http://schemas.microsoft.com/office/powerpoint/2010/main" val="1247199705"/>
-      </p:ext>
-    </p:extLst>
-  </p:cSld>
-  <p:clrMapOvr>
-    <a:masterClrMapping/>
-  </p:clrMapOvr>
-</p:sld>
-</file>
-
-<file path=ppt/slides/slide37.xml><?xml version="1.0" encoding="utf-8"?>
-<p:sld xmlns:a="http://schemas.openxmlformats.org/drawingml/2006/main" xmlns:r="http://schemas.openxmlformats.org/officeDocument/2006/relationships" xmlns:p="http://schemas.openxmlformats.org/presentationml/2006/main">
-  <p:cSld>
-    <p:spTree>
-      <p:nvGrpSpPr>
-        <p:cNvPr id="1" name=""/>
-        <p:cNvGrpSpPr/>
-        <p:nvPr/>
-      </p:nvGrpSpPr>
-      <p:grpSpPr>
-        <a:xfrm>
-          <a:off x="0" y="0"/>
-          <a:ext cx="0" cy="0"/>
-          <a:chOff x="0" y="0"/>
-          <a:chExt cx="0" cy="0"/>
-        </a:xfrm>
-      </p:grpSpPr>
-      <p:sp>
-        <p:nvSpPr>
-          <p:cNvPr id="2" name="Title 1">
-            <a:extLst>
-              <a:ext uri="{FF2B5EF4-FFF2-40B4-BE49-F238E27FC236}">
-                <a16:creationId xmlns:a16="http://schemas.microsoft.com/office/drawing/2014/main" id="{7D5410CF-76E2-85E7-B597-27CAA331869B}"/>
-              </a:ext>
-            </a:extLst>
-          </p:cNvPr>
-          <p:cNvSpPr>
-            <a:spLocks noGrp="1"/>
-          </p:cNvSpPr>
-          <p:nvPr>
-            <p:ph type="title"/>
-          </p:nvPr>
-        </p:nvSpPr>
-        <p:spPr/>
-        <p:txBody>
-          <a:bodyPr/>
-          <a:lstStyle/>
-          <a:p>
-            <a:r>
-              <a:rPr lang="en-US" dirty="0"/>
-              <a:t>Human perception of collision probabilities</a:t>
-            </a:r>
-          </a:p>
-        </p:txBody>
-      </p:sp>
-      <mc:AlternateContent xmlns:mc="http://schemas.openxmlformats.org/markup-compatibility/2006" xmlns:a14="http://schemas.microsoft.com/office/drawing/2010/main">
-        <mc:Choice Requires="a14">
-          <p:sp>
-            <p:nvSpPr>
-              <p:cNvPr id="3" name="Content Placeholder 2">
-                <a:extLst>
-                  <a:ext uri="{FF2B5EF4-FFF2-40B4-BE49-F238E27FC236}">
-                    <a16:creationId xmlns:a16="http://schemas.microsoft.com/office/drawing/2014/main" id="{9DDB2A00-5283-47FC-AD2D-58F21AA82A80}"/>
-                  </a:ext>
-                </a:extLst>
-              </p:cNvPr>
-              <p:cNvSpPr>
-                <a:spLocks noGrp="1"/>
-              </p:cNvSpPr>
-              <p:nvPr>
-                <p:ph idx="1"/>
-              </p:nvPr>
-            </p:nvSpPr>
-            <p:spPr/>
-            <p:txBody>
-              <a:bodyPr/>
-              <a:lstStyle/>
-              <a:p>
-                <a:r>
-                  <a:rPr lang="en-US" dirty="0"/>
-                  <a:t>Let </a:t>
-                </a:r>
-                <a14:m>
-                  <m:oMath xmlns:m="http://schemas.openxmlformats.org/officeDocument/2006/math">
-                    <m:r>
-                      <a:rPr lang="en-US" i="1">
-                        <a:latin typeface="Cambria Math" panose="02040503050406030204" pitchFamily="18" charset="0"/>
-                      </a:rPr>
-                      <m:t>𝑋</m:t>
-                    </m:r>
-                  </m:oMath>
-                </a14:m>
-                <a:r>
-                  <a:rPr lang="en-US" i="1" dirty="0"/>
-                  <a:t> </a:t>
-                </a:r>
-                <a:r>
-                  <a:rPr lang="en-US" dirty="0"/>
-                  <a:t>be the distance that an obstacle moves along its direction of travel for some time step </a:t>
-                </a:r>
-                <a14:m>
-                  <m:oMath xmlns:m="http://schemas.openxmlformats.org/officeDocument/2006/math">
-                    <m:r>
-                      <a:rPr lang="en-US" i="1">
-                        <a:latin typeface="Cambria Math" panose="02040503050406030204" pitchFamily="18" charset="0"/>
-                      </a:rPr>
-                      <m:t>𝑡</m:t>
-                    </m:r>
-                  </m:oMath>
-                </a14:m>
-                <a:r>
-                  <a:rPr lang="en-US" dirty="0"/>
-                  <a:t>. </a:t>
-                </a:r>
-                <a:endParaRPr lang="en-US" i="1" dirty="0">
-                  <a:latin typeface="Cambria Math" panose="02040503050406030204" pitchFamily="18" charset="0"/>
-                </a:endParaRPr>
-              </a:p>
-              <a:p>
-                <a14:m>
-                  <m:oMath xmlns:m="http://schemas.openxmlformats.org/officeDocument/2006/math">
-                    <m:r>
-                      <a:rPr lang="en-US" b="0" i="1" smtClean="0">
-                        <a:latin typeface="Cambria Math" panose="02040503050406030204" pitchFamily="18" charset="0"/>
-                      </a:rPr>
-                      <m:t>𝑋</m:t>
-                    </m:r>
-                    <m:r>
-                      <a:rPr lang="en-US" b="0" i="1" smtClean="0">
-                        <a:latin typeface="Cambria Math" panose="02040503050406030204" pitchFamily="18" charset="0"/>
-                        <a:ea typeface="Cambria Math" panose="02040503050406030204" pitchFamily="18" charset="0"/>
-                      </a:rPr>
-                      <m:t>~</m:t>
-                    </m:r>
-                    <m:r>
-                      <a:rPr lang="en-US" b="0" i="1" smtClean="0">
-                        <a:latin typeface="Cambria Math" panose="02040503050406030204" pitchFamily="18" charset="0"/>
-                        <a:ea typeface="Cambria Math" panose="02040503050406030204" pitchFamily="18" charset="0"/>
-                      </a:rPr>
-                      <m:t>𝑁</m:t>
-                    </m:r>
-                    <m:d>
-                      <m:dPr>
-                        <m:ctrlPr>
-                          <a:rPr lang="en-US" b="0" i="1" smtClean="0">
-                            <a:latin typeface="Cambria Math" panose="02040503050406030204" pitchFamily="18" charset="0"/>
-                            <a:ea typeface="Cambria Math" panose="02040503050406030204" pitchFamily="18" charset="0"/>
-                          </a:rPr>
-                        </m:ctrlPr>
-                      </m:dPr>
-                      <m:e>
-                        <m:r>
-                          <a:rPr lang="en-US" b="0" i="1" smtClean="0">
-                            <a:latin typeface="Cambria Math" panose="02040503050406030204" pitchFamily="18" charset="0"/>
-                            <a:ea typeface="Cambria Math" panose="02040503050406030204" pitchFamily="18" charset="0"/>
-                          </a:rPr>
-                          <m:t>𝜇</m:t>
-                        </m:r>
-                        <m:r>
-                          <a:rPr lang="en-US" b="0" i="1" smtClean="0">
-                            <a:latin typeface="Cambria Math" panose="02040503050406030204" pitchFamily="18" charset="0"/>
-                            <a:ea typeface="Cambria Math" panose="02040503050406030204" pitchFamily="18" charset="0"/>
-                          </a:rPr>
-                          <m:t>,</m:t>
-                        </m:r>
-                        <m:sSup>
-                          <m:sSupPr>
-                            <m:ctrlPr>
-                              <a:rPr lang="en-US" b="0" i="1" smtClean="0">
-                                <a:latin typeface="Cambria Math" panose="02040503050406030204" pitchFamily="18" charset="0"/>
-                                <a:ea typeface="Cambria Math" panose="02040503050406030204" pitchFamily="18" charset="0"/>
-                              </a:rPr>
-                            </m:ctrlPr>
-                          </m:sSupPr>
-                          <m:e>
-                            <m:r>
-                              <a:rPr lang="en-US" b="0" i="1" smtClean="0">
-                                <a:latin typeface="Cambria Math" panose="02040503050406030204" pitchFamily="18" charset="0"/>
-                                <a:ea typeface="Cambria Math" panose="02040503050406030204" pitchFamily="18" charset="0"/>
-                              </a:rPr>
-                              <m:t>𝜎</m:t>
-                            </m:r>
-                          </m:e>
-                          <m:sup>
-                            <m:r>
-                              <a:rPr lang="en-US" b="0" i="1" smtClean="0">
-                                <a:latin typeface="Cambria Math" panose="02040503050406030204" pitchFamily="18" charset="0"/>
-                                <a:ea typeface="Cambria Math" panose="02040503050406030204" pitchFamily="18" charset="0"/>
-                              </a:rPr>
-                              <m:t>2</m:t>
-                            </m:r>
-                          </m:sup>
-                        </m:sSup>
-                      </m:e>
-                    </m:d>
-                  </m:oMath>
-                </a14:m>
-                <a:r>
-                  <a:rPr lang="en-US" dirty="0"/>
-                  <a:t> is the true distribution*. </a:t>
-                </a:r>
-              </a:p>
-              <a:p>
-                <a:r>
-                  <a:rPr lang="en-US" dirty="0"/>
-                  <a:t>Humans perceive the distance as </a:t>
-                </a:r>
-                <a14:m>
-                  <m:oMath xmlns:m="http://schemas.openxmlformats.org/officeDocument/2006/math">
-                    <m:acc>
-                      <m:accPr>
-                        <m:chr m:val="̅"/>
-                        <m:ctrlPr>
-                          <a:rPr lang="en-US" i="1" smtClean="0">
-                            <a:latin typeface="Cambria Math" panose="02040503050406030204" pitchFamily="18" charset="0"/>
-                          </a:rPr>
-                        </m:ctrlPr>
-                      </m:accPr>
-                      <m:e>
-                        <m:r>
-                          <a:rPr lang="en-US" b="0" i="1" smtClean="0">
-                            <a:latin typeface="Cambria Math" panose="02040503050406030204" pitchFamily="18" charset="0"/>
-                          </a:rPr>
-                          <m:t>𝑋</m:t>
-                        </m:r>
-                      </m:e>
-                    </m:acc>
-                    <m:r>
-                      <a:rPr lang="en-US" b="0" i="1" smtClean="0">
-                        <a:latin typeface="Cambria Math" panose="02040503050406030204" pitchFamily="18" charset="0"/>
-                      </a:rPr>
-                      <m:t>=</m:t>
-                    </m:r>
-                    <m:d>
-                      <m:dPr>
-                        <m:ctrlPr>
-                          <a:rPr lang="en-US" b="0" i="1" smtClean="0">
-                            <a:latin typeface="Cambria Math" panose="02040503050406030204" pitchFamily="18" charset="0"/>
-                          </a:rPr>
-                        </m:ctrlPr>
-                      </m:dPr>
-                      <m:e>
-                        <m:r>
-                          <a:rPr lang="en-US" b="0" i="1" smtClean="0">
-                            <a:latin typeface="Cambria Math" panose="02040503050406030204" pitchFamily="18" charset="0"/>
-                          </a:rPr>
-                          <m:t>1+</m:t>
-                        </m:r>
-                        <m:r>
-                          <a:rPr lang="en-US" b="0" i="1" smtClean="0">
-                            <a:latin typeface="Cambria Math" panose="02040503050406030204" pitchFamily="18" charset="0"/>
-                            <a:ea typeface="Cambria Math" panose="02040503050406030204" pitchFamily="18" charset="0"/>
-                          </a:rPr>
-                          <m:t>𝛼</m:t>
-                        </m:r>
-                      </m:e>
-                    </m:d>
-                    <m:d>
-                      <m:dPr>
-                        <m:ctrlPr>
-                          <a:rPr lang="en-US" b="0" i="1" smtClean="0">
-                            <a:latin typeface="Cambria Math" panose="02040503050406030204" pitchFamily="18" charset="0"/>
-                            <a:ea typeface="Cambria Math" panose="02040503050406030204" pitchFamily="18" charset="0"/>
-                          </a:rPr>
-                        </m:ctrlPr>
-                      </m:dPr>
-                      <m:e>
-                        <m:r>
-                          <a:rPr lang="en-US" b="0" i="1" smtClean="0">
-                            <a:latin typeface="Cambria Math" panose="02040503050406030204" pitchFamily="18" charset="0"/>
-                            <a:ea typeface="Cambria Math" panose="02040503050406030204" pitchFamily="18" charset="0"/>
-                          </a:rPr>
-                          <m:t>𝑋</m:t>
-                        </m:r>
-                        <m:r>
-                          <a:rPr lang="en-US" b="0" i="1" smtClean="0">
-                            <a:latin typeface="Cambria Math" panose="02040503050406030204" pitchFamily="18" charset="0"/>
-                            <a:ea typeface="Cambria Math" panose="02040503050406030204" pitchFamily="18" charset="0"/>
-                          </a:rPr>
-                          <m:t> − </m:t>
-                        </m:r>
-                        <m:r>
-                          <a:rPr lang="en-US" b="0" i="1" smtClean="0">
-                            <a:latin typeface="Cambria Math" panose="02040503050406030204" pitchFamily="18" charset="0"/>
-                            <a:ea typeface="Cambria Math" panose="02040503050406030204" pitchFamily="18" charset="0"/>
-                          </a:rPr>
-                          <m:t>𝜇</m:t>
-                        </m:r>
-                      </m:e>
-                    </m:d>
-                    <m:r>
-                      <a:rPr lang="en-US" b="0" i="1" smtClean="0">
-                        <a:latin typeface="Cambria Math" panose="02040503050406030204" pitchFamily="18" charset="0"/>
-                        <a:ea typeface="Cambria Math" panose="02040503050406030204" pitchFamily="18" charset="0"/>
-                      </a:rPr>
-                      <m:t>+</m:t>
-                    </m:r>
-                    <m:r>
-                      <a:rPr lang="en-US" b="0" i="1" smtClean="0">
-                        <a:latin typeface="Cambria Math" panose="02040503050406030204" pitchFamily="18" charset="0"/>
-                        <a:ea typeface="Cambria Math" panose="02040503050406030204" pitchFamily="18" charset="0"/>
-                      </a:rPr>
-                      <m:t>𝜇</m:t>
-                    </m:r>
-                    <m:r>
-                      <a:rPr lang="en-US" b="0" i="1" smtClean="0">
-                        <a:latin typeface="Cambria Math" panose="02040503050406030204" pitchFamily="18" charset="0"/>
-                        <a:ea typeface="Cambria Math" panose="02040503050406030204" pitchFamily="18" charset="0"/>
-                      </a:rPr>
-                      <m:t>, 0≤</m:t>
-                    </m:r>
-                    <m:r>
-                      <a:rPr lang="en-US" b="0" i="1" smtClean="0">
-                        <a:latin typeface="Cambria Math" panose="02040503050406030204" pitchFamily="18" charset="0"/>
-                        <a:ea typeface="Cambria Math" panose="02040503050406030204" pitchFamily="18" charset="0"/>
-                      </a:rPr>
-                      <m:t>𝛼</m:t>
-                    </m:r>
-                    <m:r>
-                      <a:rPr lang="en-US" b="0" i="1" smtClean="0">
-                        <a:latin typeface="Cambria Math" panose="02040503050406030204" pitchFamily="18" charset="0"/>
-                        <a:ea typeface="Cambria Math" panose="02040503050406030204" pitchFamily="18" charset="0"/>
-                      </a:rPr>
-                      <m:t>≤1</m:t>
-                    </m:r>
-                  </m:oMath>
-                </a14:m>
-                <a:r>
-                  <a:rPr lang="en-US" dirty="0"/>
-                  <a:t>.</a:t>
-                </a:r>
-              </a:p>
-              <a:p>
-                <a14:m>
-                  <m:oMath xmlns:m="http://schemas.openxmlformats.org/officeDocument/2006/math">
-                    <m:acc>
-                      <m:accPr>
-                        <m:chr m:val="̅"/>
-                        <m:ctrlPr>
-                          <a:rPr lang="en-US" i="1" smtClean="0">
-                            <a:latin typeface="Cambria Math" panose="02040503050406030204" pitchFamily="18" charset="0"/>
-                          </a:rPr>
-                        </m:ctrlPr>
-                      </m:accPr>
-                      <m:e>
-                        <m:r>
-                          <a:rPr lang="en-US" b="0" i="1" smtClean="0">
-                            <a:latin typeface="Cambria Math" panose="02040503050406030204" pitchFamily="18" charset="0"/>
-                          </a:rPr>
-                          <m:t>𝑋</m:t>
-                        </m:r>
-                      </m:e>
-                    </m:acc>
-                    <m:r>
-                      <a:rPr lang="en-US" i="1" smtClean="0">
-                        <a:latin typeface="Cambria Math" panose="02040503050406030204" pitchFamily="18" charset="0"/>
-                        <a:ea typeface="Cambria Math" panose="02040503050406030204" pitchFamily="18" charset="0"/>
-                      </a:rPr>
-                      <m:t>~</m:t>
-                    </m:r>
-                    <m:r>
-                      <a:rPr lang="en-US" b="0" i="1" smtClean="0">
-                        <a:latin typeface="Cambria Math" panose="02040503050406030204" pitchFamily="18" charset="0"/>
-                        <a:ea typeface="Cambria Math" panose="02040503050406030204" pitchFamily="18" charset="0"/>
-                      </a:rPr>
-                      <m:t>𝑁</m:t>
-                    </m:r>
-                    <m:r>
-                      <a:rPr lang="en-US" b="0" i="1" smtClean="0">
-                        <a:latin typeface="Cambria Math" panose="02040503050406030204" pitchFamily="18" charset="0"/>
-                        <a:ea typeface="Cambria Math" panose="02040503050406030204" pitchFamily="18" charset="0"/>
-                      </a:rPr>
-                      <m:t>(</m:t>
-                    </m:r>
-                    <m:r>
-                      <a:rPr lang="en-US" b="0" i="1" smtClean="0">
-                        <a:latin typeface="Cambria Math" panose="02040503050406030204" pitchFamily="18" charset="0"/>
-                        <a:ea typeface="Cambria Math" panose="02040503050406030204" pitchFamily="18" charset="0"/>
-                      </a:rPr>
-                      <m:t>𝜇</m:t>
-                    </m:r>
-                    <m:r>
-                      <a:rPr lang="en-US" b="0" i="1" smtClean="0">
-                        <a:latin typeface="Cambria Math" panose="02040503050406030204" pitchFamily="18" charset="0"/>
-                        <a:ea typeface="Cambria Math" panose="02040503050406030204" pitchFamily="18" charset="0"/>
-                      </a:rPr>
-                      <m:t>,</m:t>
-                    </m:r>
-                    <m:sSup>
-                      <m:sSupPr>
-                        <m:ctrlPr>
-                          <a:rPr lang="en-US" b="0" i="1" smtClean="0">
-                            <a:latin typeface="Cambria Math" panose="02040503050406030204" pitchFamily="18" charset="0"/>
-                            <a:ea typeface="Cambria Math" panose="02040503050406030204" pitchFamily="18" charset="0"/>
-                          </a:rPr>
-                        </m:ctrlPr>
-                      </m:sSupPr>
-                      <m:e>
-                        <m:r>
-                          <a:rPr lang="en-US" b="0" i="1" smtClean="0">
-                            <a:latin typeface="Cambria Math" panose="02040503050406030204" pitchFamily="18" charset="0"/>
-                            <a:ea typeface="Cambria Math" panose="02040503050406030204" pitchFamily="18" charset="0"/>
-                          </a:rPr>
-                          <m:t>[</m:t>
-                        </m:r>
-                        <m:d>
-                          <m:dPr>
-                            <m:ctrlPr>
-                              <a:rPr lang="en-US" b="0" i="1" smtClean="0">
-                                <a:latin typeface="Cambria Math" panose="02040503050406030204" pitchFamily="18" charset="0"/>
-                                <a:ea typeface="Cambria Math" panose="02040503050406030204" pitchFamily="18" charset="0"/>
-                              </a:rPr>
-                            </m:ctrlPr>
-                          </m:dPr>
-                          <m:e>
-                            <m:r>
-                              <a:rPr lang="en-US" b="0" i="1" smtClean="0">
-                                <a:latin typeface="Cambria Math" panose="02040503050406030204" pitchFamily="18" charset="0"/>
-                                <a:ea typeface="Cambria Math" panose="02040503050406030204" pitchFamily="18" charset="0"/>
-                              </a:rPr>
-                              <m:t>1+</m:t>
-                            </m:r>
-                            <m:r>
-                              <a:rPr lang="en-US" b="0" i="1" smtClean="0">
-                                <a:latin typeface="Cambria Math" panose="02040503050406030204" pitchFamily="18" charset="0"/>
-                                <a:ea typeface="Cambria Math" panose="02040503050406030204" pitchFamily="18" charset="0"/>
-                              </a:rPr>
-                              <m:t>𝛼</m:t>
-                            </m:r>
-                          </m:e>
-                        </m:d>
-                        <m:r>
-                          <a:rPr lang="en-US" b="0" i="1" smtClean="0">
-                            <a:latin typeface="Cambria Math" panose="02040503050406030204" pitchFamily="18" charset="0"/>
-                            <a:ea typeface="Cambria Math" panose="02040503050406030204" pitchFamily="18" charset="0"/>
-                          </a:rPr>
-                          <m:t>𝜎</m:t>
-                        </m:r>
-                        <m:r>
-                          <a:rPr lang="en-US" b="0" i="1" smtClean="0">
-                            <a:latin typeface="Cambria Math" panose="02040503050406030204" pitchFamily="18" charset="0"/>
-                            <a:ea typeface="Cambria Math" panose="02040503050406030204" pitchFamily="18" charset="0"/>
-                          </a:rPr>
-                          <m:t>]</m:t>
-                        </m:r>
-                      </m:e>
-                      <m:sup>
-                        <m:r>
-                          <a:rPr lang="en-US" b="0" i="1" smtClean="0">
-                            <a:latin typeface="Cambria Math" panose="02040503050406030204" pitchFamily="18" charset="0"/>
-                            <a:ea typeface="Cambria Math" panose="02040503050406030204" pitchFamily="18" charset="0"/>
-                          </a:rPr>
-                          <m:t>2</m:t>
-                        </m:r>
-                      </m:sup>
-                    </m:sSup>
-                    <m:r>
-                      <a:rPr lang="en-US" b="0" i="1" smtClean="0">
-                        <a:latin typeface="Cambria Math" panose="02040503050406030204" pitchFamily="18" charset="0"/>
-                        <a:ea typeface="Cambria Math" panose="02040503050406030204" pitchFamily="18" charset="0"/>
-                      </a:rPr>
-                      <m:t>)</m:t>
-                    </m:r>
-                  </m:oMath>
-                </a14:m>
-                <a:endParaRPr lang="en-US" dirty="0"/>
-              </a:p>
-              <a:p>
-                <a:pPr marL="0" indent="0">
-                  <a:buNone/>
-                </a:pPr>
-                <a:endParaRPr lang="en-US" dirty="0"/>
-              </a:p>
-            </p:txBody>
-          </p:sp>
-        </mc:Choice>
-        <mc:Fallback xmlns="">
-          <p:sp>
-            <p:nvSpPr>
-              <p:cNvPr id="3" name="Content Placeholder 2">
-                <a:extLst>
-                  <a:ext uri="{FF2B5EF4-FFF2-40B4-BE49-F238E27FC236}">
-                    <a16:creationId xmlns:a16="http://schemas.microsoft.com/office/drawing/2014/main" id="{9DDB2A00-5283-47FC-AD2D-58F21AA82A80}"/>
-                  </a:ext>
-                </a:extLst>
-              </p:cNvPr>
-              <p:cNvSpPr>
-                <a:spLocks noGrp="1" noRot="1" noChangeAspect="1" noMove="1" noResize="1" noEditPoints="1" noAdjustHandles="1" noChangeArrowheads="1" noChangeShapeType="1" noTextEdit="1"/>
-              </p:cNvSpPr>
-              <p:nvPr>
-                <p:ph idx="1"/>
-              </p:nvPr>
-            </p:nvSpPr>
-            <p:spPr>
-              <a:blipFill>
-                <a:blip r:embed="rId2"/>
-                <a:stretch>
-                  <a:fillRect l="-1086" t="-2326"/>
-                </a:stretch>
-              </a:blipFill>
-            </p:spPr>
-            <p:txBody>
-              <a:bodyPr/>
-              <a:lstStyle/>
-              <a:p>
-                <a:r>
-                  <a:rPr lang="en-US">
-                    <a:noFill/>
-                  </a:rPr>
-                  <a:t> </a:t>
-                </a:r>
-              </a:p>
-            </p:txBody>
-          </p:sp>
-        </mc:Fallback>
-      </mc:AlternateContent>
-      <p:sp>
-        <p:nvSpPr>
-          <p:cNvPr id="4" name="TextBox 3">
-            <a:extLst>
-              <a:ext uri="{FF2B5EF4-FFF2-40B4-BE49-F238E27FC236}">
-                <a16:creationId xmlns:a16="http://schemas.microsoft.com/office/drawing/2014/main" id="{A72C3F48-DDC6-6E36-1AC1-B4277E275417}"/>
-              </a:ext>
-            </a:extLst>
-          </p:cNvPr>
-          <p:cNvSpPr txBox="1"/>
-          <p:nvPr/>
-        </p:nvSpPr>
-        <p:spPr>
-          <a:xfrm>
-            <a:off x="3744686" y="5317218"/>
-            <a:ext cx="5225143" cy="646331"/>
-          </a:xfrm>
-          <a:prstGeom prst="rect">
-            <a:avLst/>
-          </a:prstGeom>
-          <a:noFill/>
-        </p:spPr>
-        <p:txBody>
-          <a:bodyPr wrap="square" rtlCol="0">
-            <a:spAutoFit/>
-          </a:bodyPr>
-          <a:lstStyle/>
-          <a:p>
-            <a:r>
-              <a:rPr lang="en-US" dirty="0"/>
-              <a:t>*It’s technically a truncated normal bound between the min and max distances the obstacle can travel</a:t>
-            </a:r>
-          </a:p>
-        </p:txBody>
-      </p:sp>
-    </p:spTree>
-    <p:extLst>
-      <p:ext uri="{BB962C8B-B14F-4D97-AF65-F5344CB8AC3E}">
-        <p14:creationId xmlns:p14="http://schemas.microsoft.com/office/powerpoint/2010/main" val="1122211758"/>
-      </p:ext>
-    </p:extLst>
-  </p:cSld>
-  <p:clrMapOvr>
-    <a:masterClrMapping/>
-  </p:clrMapOvr>
-</p:sld>
-</file>
-
-<file path=ppt/slides/slide38.xml><?xml version="1.0" encoding="utf-8"?>
-<p:sld xmlns:a="http://schemas.openxmlformats.org/drawingml/2006/main" xmlns:r="http://schemas.openxmlformats.org/officeDocument/2006/relationships" xmlns:p="http://schemas.openxmlformats.org/presentationml/2006/main">
-  <p:cSld>
-    <p:spTree>
-      <p:nvGrpSpPr>
-        <p:cNvPr id="1" name=""/>
-        <p:cNvGrpSpPr/>
-        <p:nvPr/>
-      </p:nvGrpSpPr>
-      <p:grpSpPr>
-        <a:xfrm>
-          <a:off x="0" y="0"/>
-          <a:ext cx="0" cy="0"/>
-          <a:chOff x="0" y="0"/>
-          <a:chExt cx="0" cy="0"/>
-        </a:xfrm>
-      </p:grpSpPr>
-      <p:sp>
-        <p:nvSpPr>
-          <p:cNvPr id="2" name="Title 1">
-            <a:extLst>
-              <a:ext uri="{FF2B5EF4-FFF2-40B4-BE49-F238E27FC236}">
-                <a16:creationId xmlns:a16="http://schemas.microsoft.com/office/drawing/2014/main" id="{7D5410CF-76E2-85E7-B597-27CAA331869B}"/>
-              </a:ext>
-            </a:extLst>
-          </p:cNvPr>
-          <p:cNvSpPr>
-            <a:spLocks noGrp="1"/>
-          </p:cNvSpPr>
-          <p:nvPr>
-            <p:ph type="title"/>
-          </p:nvPr>
-        </p:nvSpPr>
-        <p:spPr/>
-        <p:txBody>
-          <a:bodyPr/>
-          <a:lstStyle/>
-          <a:p>
-            <a:r>
-              <a:rPr lang="en-US" dirty="0"/>
-              <a:t>Human perception of collision probabilities</a:t>
-            </a:r>
-          </a:p>
-        </p:txBody>
-      </p:sp>
-      <mc:AlternateContent xmlns:mc="http://schemas.openxmlformats.org/markup-compatibility/2006" xmlns:a14="http://schemas.microsoft.com/office/drawing/2010/main">
-        <mc:Choice Requires="a14">
-          <p:sp>
-            <p:nvSpPr>
-              <p:cNvPr id="3" name="Content Placeholder 2">
-                <a:extLst>
-                  <a:ext uri="{FF2B5EF4-FFF2-40B4-BE49-F238E27FC236}">
-                    <a16:creationId xmlns:a16="http://schemas.microsoft.com/office/drawing/2014/main" id="{9DDB2A00-5283-47FC-AD2D-58F21AA82A80}"/>
-                  </a:ext>
-                </a:extLst>
-              </p:cNvPr>
-              <p:cNvSpPr>
-                <a:spLocks noGrp="1"/>
-              </p:cNvSpPr>
-              <p:nvPr>
-                <p:ph idx="1"/>
-              </p:nvPr>
-            </p:nvSpPr>
-            <p:spPr/>
-            <p:txBody>
-              <a:bodyPr/>
-              <a:lstStyle/>
-              <a:p>
-                <a:r>
-                  <a:rPr lang="en-US" dirty="0"/>
-                  <a:t>Let </a:t>
-                </a:r>
-                <a14:m>
-                  <m:oMath xmlns:m="http://schemas.openxmlformats.org/officeDocument/2006/math">
-                    <m:r>
-                      <a:rPr lang="en-US" i="1">
-                        <a:latin typeface="Cambria Math" panose="02040503050406030204" pitchFamily="18" charset="0"/>
-                      </a:rPr>
-                      <m:t>𝑋</m:t>
-                    </m:r>
-                  </m:oMath>
-                </a14:m>
-                <a:r>
-                  <a:rPr lang="en-US" i="1" dirty="0"/>
-                  <a:t> </a:t>
-                </a:r>
-                <a:r>
-                  <a:rPr lang="en-US" dirty="0"/>
-                  <a:t>be the distance that an obstacle moved along its direction of travel for some time step </a:t>
-                </a:r>
-                <a14:m>
-                  <m:oMath xmlns:m="http://schemas.openxmlformats.org/officeDocument/2006/math">
-                    <m:r>
-                      <a:rPr lang="en-US" i="1">
-                        <a:latin typeface="Cambria Math" panose="02040503050406030204" pitchFamily="18" charset="0"/>
-                      </a:rPr>
-                      <m:t>𝑡</m:t>
-                    </m:r>
-                  </m:oMath>
-                </a14:m>
-                <a:r>
-                  <a:rPr lang="en-US" dirty="0"/>
-                  <a:t>. </a:t>
-                </a:r>
-                <a:endParaRPr lang="en-US" i="1" dirty="0">
-                  <a:latin typeface="Cambria Math" panose="02040503050406030204" pitchFamily="18" charset="0"/>
-                </a:endParaRPr>
-              </a:p>
-              <a:p>
-                <a14:m>
-                  <m:oMath xmlns:m="http://schemas.openxmlformats.org/officeDocument/2006/math">
-                    <m:r>
-                      <a:rPr lang="en-US" b="0" i="1" smtClean="0">
-                        <a:latin typeface="Cambria Math" panose="02040503050406030204" pitchFamily="18" charset="0"/>
-                      </a:rPr>
-                      <m:t>𝑋</m:t>
-                    </m:r>
-                    <m:r>
-                      <a:rPr lang="en-US" b="0" i="1" smtClean="0">
-                        <a:latin typeface="Cambria Math" panose="02040503050406030204" pitchFamily="18" charset="0"/>
-                        <a:ea typeface="Cambria Math" panose="02040503050406030204" pitchFamily="18" charset="0"/>
-                      </a:rPr>
-                      <m:t>~</m:t>
-                    </m:r>
-                    <m:r>
-                      <a:rPr lang="en-US" b="0" i="1" smtClean="0">
-                        <a:latin typeface="Cambria Math" panose="02040503050406030204" pitchFamily="18" charset="0"/>
-                        <a:ea typeface="Cambria Math" panose="02040503050406030204" pitchFamily="18" charset="0"/>
-                      </a:rPr>
-                      <m:t>𝑁</m:t>
-                    </m:r>
-                    <m:d>
-                      <m:dPr>
-                        <m:ctrlPr>
-                          <a:rPr lang="en-US" b="0" i="1" smtClean="0">
-                            <a:latin typeface="Cambria Math" panose="02040503050406030204" pitchFamily="18" charset="0"/>
-                            <a:ea typeface="Cambria Math" panose="02040503050406030204" pitchFamily="18" charset="0"/>
-                          </a:rPr>
-                        </m:ctrlPr>
-                      </m:dPr>
-                      <m:e>
-                        <m:r>
-                          <a:rPr lang="en-US" b="0" i="1" smtClean="0">
-                            <a:latin typeface="Cambria Math" panose="02040503050406030204" pitchFamily="18" charset="0"/>
-                            <a:ea typeface="Cambria Math" panose="02040503050406030204" pitchFamily="18" charset="0"/>
-                          </a:rPr>
-                          <m:t>𝜇</m:t>
-                        </m:r>
-                        <m:r>
-                          <a:rPr lang="en-US" b="0" i="1" smtClean="0">
-                            <a:latin typeface="Cambria Math" panose="02040503050406030204" pitchFamily="18" charset="0"/>
-                            <a:ea typeface="Cambria Math" panose="02040503050406030204" pitchFamily="18" charset="0"/>
-                          </a:rPr>
-                          <m:t>,</m:t>
-                        </m:r>
-                        <m:sSup>
-                          <m:sSupPr>
-                            <m:ctrlPr>
-                              <a:rPr lang="en-US" b="0" i="1" smtClean="0">
-                                <a:latin typeface="Cambria Math" panose="02040503050406030204" pitchFamily="18" charset="0"/>
-                                <a:ea typeface="Cambria Math" panose="02040503050406030204" pitchFamily="18" charset="0"/>
-                              </a:rPr>
-                            </m:ctrlPr>
-                          </m:sSupPr>
-                          <m:e>
-                            <m:r>
-                              <a:rPr lang="en-US" b="0" i="1" smtClean="0">
-                                <a:latin typeface="Cambria Math" panose="02040503050406030204" pitchFamily="18" charset="0"/>
-                                <a:ea typeface="Cambria Math" panose="02040503050406030204" pitchFamily="18" charset="0"/>
-                              </a:rPr>
-                              <m:t>𝜎</m:t>
-                            </m:r>
-                          </m:e>
-                          <m:sup>
-                            <m:r>
-                              <a:rPr lang="en-US" b="0" i="1" smtClean="0">
-                                <a:latin typeface="Cambria Math" panose="02040503050406030204" pitchFamily="18" charset="0"/>
-                                <a:ea typeface="Cambria Math" panose="02040503050406030204" pitchFamily="18" charset="0"/>
-                              </a:rPr>
-                              <m:t>2</m:t>
-                            </m:r>
-                          </m:sup>
-                        </m:sSup>
-                      </m:e>
-                    </m:d>
-                  </m:oMath>
-                </a14:m>
-                <a:r>
-                  <a:rPr lang="en-US" dirty="0"/>
-                  <a:t> is the true distribution*. </a:t>
-                </a:r>
-              </a:p>
-              <a:p>
-                <a:r>
-                  <a:rPr lang="en-US" dirty="0"/>
-                  <a:t>Humans perceive the distance as </a:t>
-                </a:r>
-                <a14:m>
-                  <m:oMath xmlns:m="http://schemas.openxmlformats.org/officeDocument/2006/math">
-                    <m:acc>
-                      <m:accPr>
-                        <m:chr m:val="̅"/>
-                        <m:ctrlPr>
-                          <a:rPr lang="en-US" i="1" smtClean="0">
-                            <a:latin typeface="Cambria Math" panose="02040503050406030204" pitchFamily="18" charset="0"/>
-                          </a:rPr>
-                        </m:ctrlPr>
-                      </m:accPr>
-                      <m:e>
-                        <m:r>
-                          <a:rPr lang="en-US" b="0" i="1" smtClean="0">
-                            <a:latin typeface="Cambria Math" panose="02040503050406030204" pitchFamily="18" charset="0"/>
-                          </a:rPr>
-                          <m:t>𝑋</m:t>
-                        </m:r>
-                      </m:e>
-                    </m:acc>
-                    <m:r>
-                      <a:rPr lang="en-US" b="0" i="1" smtClean="0">
-                        <a:latin typeface="Cambria Math" panose="02040503050406030204" pitchFamily="18" charset="0"/>
-                      </a:rPr>
-                      <m:t>=</m:t>
-                    </m:r>
-                    <m:d>
-                      <m:dPr>
-                        <m:ctrlPr>
-                          <a:rPr lang="en-US" b="0" i="1" smtClean="0">
-                            <a:latin typeface="Cambria Math" panose="02040503050406030204" pitchFamily="18" charset="0"/>
-                          </a:rPr>
-                        </m:ctrlPr>
-                      </m:dPr>
-                      <m:e>
-                        <m:r>
-                          <a:rPr lang="en-US" b="0" i="1" smtClean="0">
-                            <a:latin typeface="Cambria Math" panose="02040503050406030204" pitchFamily="18" charset="0"/>
-                          </a:rPr>
-                          <m:t>1+</m:t>
-                        </m:r>
-                        <m:r>
-                          <a:rPr lang="en-US" b="0" i="1" smtClean="0">
-                            <a:latin typeface="Cambria Math" panose="02040503050406030204" pitchFamily="18" charset="0"/>
-                            <a:ea typeface="Cambria Math" panose="02040503050406030204" pitchFamily="18" charset="0"/>
-                          </a:rPr>
-                          <m:t>𝛼</m:t>
-                        </m:r>
-                      </m:e>
-                    </m:d>
-                    <m:d>
-                      <m:dPr>
-                        <m:ctrlPr>
-                          <a:rPr lang="en-US" b="0" i="1" smtClean="0">
-                            <a:latin typeface="Cambria Math" panose="02040503050406030204" pitchFamily="18" charset="0"/>
-                            <a:ea typeface="Cambria Math" panose="02040503050406030204" pitchFamily="18" charset="0"/>
-                          </a:rPr>
-                        </m:ctrlPr>
-                      </m:dPr>
-                      <m:e>
-                        <m:r>
-                          <a:rPr lang="en-US" b="0" i="1" smtClean="0">
-                            <a:latin typeface="Cambria Math" panose="02040503050406030204" pitchFamily="18" charset="0"/>
-                            <a:ea typeface="Cambria Math" panose="02040503050406030204" pitchFamily="18" charset="0"/>
-                          </a:rPr>
-                          <m:t>𝑋</m:t>
-                        </m:r>
-                        <m:r>
-                          <a:rPr lang="en-US" b="0" i="1" smtClean="0">
-                            <a:latin typeface="Cambria Math" panose="02040503050406030204" pitchFamily="18" charset="0"/>
-                            <a:ea typeface="Cambria Math" panose="02040503050406030204" pitchFamily="18" charset="0"/>
-                          </a:rPr>
-                          <m:t> − </m:t>
-                        </m:r>
-                        <m:r>
-                          <a:rPr lang="en-US" b="0" i="1" smtClean="0">
-                            <a:latin typeface="Cambria Math" panose="02040503050406030204" pitchFamily="18" charset="0"/>
-                            <a:ea typeface="Cambria Math" panose="02040503050406030204" pitchFamily="18" charset="0"/>
-                          </a:rPr>
-                          <m:t>𝜇</m:t>
-                        </m:r>
-                      </m:e>
-                    </m:d>
-                    <m:r>
-                      <a:rPr lang="en-US" b="0" i="1" smtClean="0">
-                        <a:latin typeface="Cambria Math" panose="02040503050406030204" pitchFamily="18" charset="0"/>
-                        <a:ea typeface="Cambria Math" panose="02040503050406030204" pitchFamily="18" charset="0"/>
-                      </a:rPr>
-                      <m:t>+</m:t>
-                    </m:r>
-                    <m:r>
-                      <a:rPr lang="en-US" b="0" i="1" smtClean="0">
-                        <a:latin typeface="Cambria Math" panose="02040503050406030204" pitchFamily="18" charset="0"/>
-                        <a:ea typeface="Cambria Math" panose="02040503050406030204" pitchFamily="18" charset="0"/>
-                      </a:rPr>
-                      <m:t>𝜇</m:t>
-                    </m:r>
-                    <m:r>
-                      <a:rPr lang="en-US" b="0" i="1" smtClean="0">
-                        <a:latin typeface="Cambria Math" panose="02040503050406030204" pitchFamily="18" charset="0"/>
-                        <a:ea typeface="Cambria Math" panose="02040503050406030204" pitchFamily="18" charset="0"/>
-                      </a:rPr>
-                      <m:t>, 0≤</m:t>
-                    </m:r>
-                    <m:r>
-                      <a:rPr lang="en-US" b="0" i="1" smtClean="0">
-                        <a:latin typeface="Cambria Math" panose="02040503050406030204" pitchFamily="18" charset="0"/>
-                        <a:ea typeface="Cambria Math" panose="02040503050406030204" pitchFamily="18" charset="0"/>
-                      </a:rPr>
-                      <m:t>𝛼</m:t>
-                    </m:r>
-                    <m:r>
-                      <a:rPr lang="en-US" b="0" i="1" smtClean="0">
-                        <a:latin typeface="Cambria Math" panose="02040503050406030204" pitchFamily="18" charset="0"/>
-                        <a:ea typeface="Cambria Math" panose="02040503050406030204" pitchFamily="18" charset="0"/>
-                      </a:rPr>
-                      <m:t>≤1</m:t>
-                    </m:r>
-                  </m:oMath>
-                </a14:m>
-                <a:r>
-                  <a:rPr lang="en-US" dirty="0"/>
-                  <a:t>.</a:t>
-                </a:r>
-              </a:p>
-              <a:p>
-                <a14:m>
-                  <m:oMath xmlns:m="http://schemas.openxmlformats.org/officeDocument/2006/math">
-                    <m:acc>
-                      <m:accPr>
-                        <m:chr m:val="̅"/>
-                        <m:ctrlPr>
-                          <a:rPr lang="en-US" i="1" smtClean="0">
-                            <a:latin typeface="Cambria Math" panose="02040503050406030204" pitchFamily="18" charset="0"/>
-                          </a:rPr>
-                        </m:ctrlPr>
-                      </m:accPr>
-                      <m:e>
-                        <m:r>
-                          <a:rPr lang="en-US" b="0" i="1" smtClean="0">
-                            <a:latin typeface="Cambria Math" panose="02040503050406030204" pitchFamily="18" charset="0"/>
-                          </a:rPr>
-                          <m:t>𝑋</m:t>
-                        </m:r>
-                      </m:e>
-                    </m:acc>
-                    <m:r>
-                      <a:rPr lang="en-US" i="1" smtClean="0">
-                        <a:latin typeface="Cambria Math" panose="02040503050406030204" pitchFamily="18" charset="0"/>
-                        <a:ea typeface="Cambria Math" panose="02040503050406030204" pitchFamily="18" charset="0"/>
-                      </a:rPr>
-                      <m:t>~</m:t>
-                    </m:r>
-                    <m:r>
-                      <a:rPr lang="en-US" b="0" i="1" smtClean="0">
-                        <a:latin typeface="Cambria Math" panose="02040503050406030204" pitchFamily="18" charset="0"/>
-                        <a:ea typeface="Cambria Math" panose="02040503050406030204" pitchFamily="18" charset="0"/>
-                      </a:rPr>
-                      <m:t>𝑁</m:t>
-                    </m:r>
-                    <m:r>
-                      <a:rPr lang="en-US" b="0" i="1" smtClean="0">
-                        <a:latin typeface="Cambria Math" panose="02040503050406030204" pitchFamily="18" charset="0"/>
-                        <a:ea typeface="Cambria Math" panose="02040503050406030204" pitchFamily="18" charset="0"/>
-                      </a:rPr>
-                      <m:t>(</m:t>
-                    </m:r>
-                    <m:r>
-                      <a:rPr lang="en-US" b="0" i="1" smtClean="0">
-                        <a:latin typeface="Cambria Math" panose="02040503050406030204" pitchFamily="18" charset="0"/>
-                        <a:ea typeface="Cambria Math" panose="02040503050406030204" pitchFamily="18" charset="0"/>
-                      </a:rPr>
-                      <m:t>𝜇</m:t>
-                    </m:r>
-                    <m:r>
-                      <a:rPr lang="en-US" b="0" i="1" smtClean="0">
-                        <a:latin typeface="Cambria Math" panose="02040503050406030204" pitchFamily="18" charset="0"/>
-                        <a:ea typeface="Cambria Math" panose="02040503050406030204" pitchFamily="18" charset="0"/>
-                      </a:rPr>
-                      <m:t>,</m:t>
-                    </m:r>
-                    <m:sSup>
-                      <m:sSupPr>
-                        <m:ctrlPr>
-                          <a:rPr lang="en-US" b="0" i="1" smtClean="0">
-                            <a:latin typeface="Cambria Math" panose="02040503050406030204" pitchFamily="18" charset="0"/>
-                            <a:ea typeface="Cambria Math" panose="02040503050406030204" pitchFamily="18" charset="0"/>
-                          </a:rPr>
-                        </m:ctrlPr>
-                      </m:sSupPr>
-                      <m:e>
-                        <m:r>
-                          <a:rPr lang="en-US" b="0" i="1" smtClean="0">
-                            <a:latin typeface="Cambria Math" panose="02040503050406030204" pitchFamily="18" charset="0"/>
-                            <a:ea typeface="Cambria Math" panose="02040503050406030204" pitchFamily="18" charset="0"/>
-                          </a:rPr>
-                          <m:t>[</m:t>
-                        </m:r>
-                        <m:d>
-                          <m:dPr>
-                            <m:ctrlPr>
-                              <a:rPr lang="en-US" b="0" i="1" smtClean="0">
-                                <a:latin typeface="Cambria Math" panose="02040503050406030204" pitchFamily="18" charset="0"/>
-                                <a:ea typeface="Cambria Math" panose="02040503050406030204" pitchFamily="18" charset="0"/>
-                              </a:rPr>
-                            </m:ctrlPr>
-                          </m:dPr>
-                          <m:e>
-                            <m:r>
-                              <a:rPr lang="en-US" b="0" i="1" smtClean="0">
-                                <a:latin typeface="Cambria Math" panose="02040503050406030204" pitchFamily="18" charset="0"/>
-                                <a:ea typeface="Cambria Math" panose="02040503050406030204" pitchFamily="18" charset="0"/>
-                              </a:rPr>
-                              <m:t>1+</m:t>
-                            </m:r>
-                            <m:r>
-                              <a:rPr lang="en-US" b="0" i="1" smtClean="0">
-                                <a:latin typeface="Cambria Math" panose="02040503050406030204" pitchFamily="18" charset="0"/>
-                                <a:ea typeface="Cambria Math" panose="02040503050406030204" pitchFamily="18" charset="0"/>
-                              </a:rPr>
-                              <m:t>𝛼</m:t>
-                            </m:r>
-                          </m:e>
-                        </m:d>
-                        <m:r>
-                          <a:rPr lang="en-US" b="0" i="1" smtClean="0">
-                            <a:latin typeface="Cambria Math" panose="02040503050406030204" pitchFamily="18" charset="0"/>
-                            <a:ea typeface="Cambria Math" panose="02040503050406030204" pitchFamily="18" charset="0"/>
-                          </a:rPr>
-                          <m:t>𝜎</m:t>
-                        </m:r>
-                        <m:r>
-                          <a:rPr lang="en-US" b="0" i="1" smtClean="0">
-                            <a:latin typeface="Cambria Math" panose="02040503050406030204" pitchFamily="18" charset="0"/>
-                            <a:ea typeface="Cambria Math" panose="02040503050406030204" pitchFamily="18" charset="0"/>
-                          </a:rPr>
-                          <m:t>]</m:t>
-                        </m:r>
-                      </m:e>
-                      <m:sup>
-                        <m:r>
-                          <a:rPr lang="en-US" b="0" i="1" smtClean="0">
-                            <a:latin typeface="Cambria Math" panose="02040503050406030204" pitchFamily="18" charset="0"/>
-                            <a:ea typeface="Cambria Math" panose="02040503050406030204" pitchFamily="18" charset="0"/>
-                          </a:rPr>
-                          <m:t>2</m:t>
-                        </m:r>
-                      </m:sup>
-                    </m:sSup>
-                    <m:r>
-                      <a:rPr lang="en-US" b="0" i="1" smtClean="0">
-                        <a:latin typeface="Cambria Math" panose="02040503050406030204" pitchFamily="18" charset="0"/>
-                        <a:ea typeface="Cambria Math" panose="02040503050406030204" pitchFamily="18" charset="0"/>
-                      </a:rPr>
-                      <m:t>)</m:t>
-                    </m:r>
-                  </m:oMath>
-                </a14:m>
-                <a:endParaRPr lang="en-US" dirty="0"/>
-              </a:p>
-              <a:p>
-                <a14:m>
-                  <m:oMath xmlns:m="http://schemas.openxmlformats.org/officeDocument/2006/math">
-                    <m:r>
-                      <a:rPr lang="en-US" i="1" smtClean="0">
-                        <a:latin typeface="Cambria Math" panose="02040503050406030204" pitchFamily="18" charset="0"/>
-                        <a:ea typeface="Cambria Math" panose="02040503050406030204" pitchFamily="18" charset="0"/>
-                      </a:rPr>
-                      <m:t>𝛼</m:t>
-                    </m:r>
-                  </m:oMath>
-                </a14:m>
-                <a:r>
-                  <a:rPr lang="en-US" dirty="0"/>
-                  <a:t> represents some % increase of uncertainty. </a:t>
-                </a:r>
-              </a:p>
-              <a:p>
-                <a:pPr marL="0" indent="0">
-                  <a:buNone/>
-                </a:pPr>
-                <a:endParaRPr lang="en-US" dirty="0"/>
-              </a:p>
-            </p:txBody>
-          </p:sp>
-        </mc:Choice>
-        <mc:Fallback xmlns="">
-          <p:sp>
-            <p:nvSpPr>
-              <p:cNvPr id="3" name="Content Placeholder 2">
-                <a:extLst>
-                  <a:ext uri="{FF2B5EF4-FFF2-40B4-BE49-F238E27FC236}">
-                    <a16:creationId xmlns:a16="http://schemas.microsoft.com/office/drawing/2014/main" id="{9DDB2A00-5283-47FC-AD2D-58F21AA82A80}"/>
-                  </a:ext>
-                </a:extLst>
-              </p:cNvPr>
-              <p:cNvSpPr>
-                <a:spLocks noGrp="1" noRot="1" noChangeAspect="1" noMove="1" noResize="1" noEditPoints="1" noAdjustHandles="1" noChangeArrowheads="1" noChangeShapeType="1" noTextEdit="1"/>
-              </p:cNvSpPr>
-              <p:nvPr>
-                <p:ph idx="1"/>
-              </p:nvPr>
-            </p:nvSpPr>
-            <p:spPr>
-              <a:blipFill>
-                <a:blip r:embed="rId2"/>
-                <a:stretch>
-                  <a:fillRect l="-1086" t="-2326"/>
-                </a:stretch>
-              </a:blipFill>
-            </p:spPr>
-            <p:txBody>
-              <a:bodyPr/>
-              <a:lstStyle/>
-              <a:p>
-                <a:r>
-                  <a:rPr lang="en-US">
-                    <a:noFill/>
-                  </a:rPr>
-                  <a:t> </a:t>
-                </a:r>
-              </a:p>
-            </p:txBody>
-          </p:sp>
-        </mc:Fallback>
-      </mc:AlternateContent>
-      <p:sp>
-        <p:nvSpPr>
-          <p:cNvPr id="4" name="TextBox 3">
-            <a:extLst>
-              <a:ext uri="{FF2B5EF4-FFF2-40B4-BE49-F238E27FC236}">
-                <a16:creationId xmlns:a16="http://schemas.microsoft.com/office/drawing/2014/main" id="{A72C3F48-DDC6-6E36-1AC1-B4277E275417}"/>
-              </a:ext>
-            </a:extLst>
-          </p:cNvPr>
-          <p:cNvSpPr txBox="1"/>
-          <p:nvPr/>
-        </p:nvSpPr>
-        <p:spPr>
-          <a:xfrm>
-            <a:off x="3744686" y="5317218"/>
-            <a:ext cx="5225143" cy="646331"/>
-          </a:xfrm>
-          <a:prstGeom prst="rect">
-            <a:avLst/>
-          </a:prstGeom>
-          <a:noFill/>
-        </p:spPr>
-        <p:txBody>
-          <a:bodyPr wrap="square" rtlCol="0">
-            <a:spAutoFit/>
-          </a:bodyPr>
-          <a:lstStyle/>
-          <a:p>
-            <a:r>
-              <a:rPr lang="en-US" dirty="0"/>
-              <a:t>*It’s technically a truncated normal bound between the min and max distances the obstacle can travel</a:t>
-            </a:r>
-          </a:p>
-        </p:txBody>
-      </p:sp>
-    </p:spTree>
-    <p:extLst>
-      <p:ext uri="{BB962C8B-B14F-4D97-AF65-F5344CB8AC3E}">
-        <p14:creationId xmlns:p14="http://schemas.microsoft.com/office/powerpoint/2010/main" val="875259372"/>
       </p:ext>
     </p:extLst>
   </p:cSld>
@@ -19791,6 +22154,1131 @@
     <p:extLst>
       <p:ext uri="{BB962C8B-B14F-4D97-AF65-F5344CB8AC3E}">
         <p14:creationId xmlns:p14="http://schemas.microsoft.com/office/powerpoint/2010/main" val="830768476"/>
+      </p:ext>
+    </p:extLst>
+  </p:cSld>
+  <p:clrMapOvr>
+    <a:masterClrMapping/>
+  </p:clrMapOvr>
+</p:sld>
+</file>
+
+<file path=ppt/slides/slide40.xml><?xml version="1.0" encoding="utf-8"?>
+<p:sld xmlns:a="http://schemas.openxmlformats.org/drawingml/2006/main" xmlns:r="http://schemas.openxmlformats.org/officeDocument/2006/relationships" xmlns:p="http://schemas.openxmlformats.org/presentationml/2006/main">
+  <p:cSld>
+    <p:spTree>
+      <p:nvGrpSpPr>
+        <p:cNvPr id="1" name=""/>
+        <p:cNvGrpSpPr/>
+        <p:nvPr/>
+      </p:nvGrpSpPr>
+      <p:grpSpPr>
+        <a:xfrm>
+          <a:off x="0" y="0"/>
+          <a:ext cx="0" cy="0"/>
+          <a:chOff x="0" y="0"/>
+          <a:chExt cx="0" cy="0"/>
+        </a:xfrm>
+      </p:grpSpPr>
+      <p:sp>
+        <p:nvSpPr>
+          <p:cNvPr id="2" name="Title 1">
+            <a:extLst>
+              <a:ext uri="{FF2B5EF4-FFF2-40B4-BE49-F238E27FC236}">
+                <a16:creationId xmlns:a16="http://schemas.microsoft.com/office/drawing/2014/main" id="{7D5410CF-76E2-85E7-B597-27CAA331869B}"/>
+              </a:ext>
+            </a:extLst>
+          </p:cNvPr>
+          <p:cNvSpPr>
+            <a:spLocks noGrp="1"/>
+          </p:cNvSpPr>
+          <p:nvPr>
+            <p:ph type="title"/>
+          </p:nvPr>
+        </p:nvSpPr>
+        <p:spPr/>
+        <p:txBody>
+          <a:bodyPr/>
+          <a:lstStyle/>
+          <a:p>
+            <a:r>
+              <a:rPr lang="en-US" dirty="0"/>
+              <a:t>Human perception of collision probabilities</a:t>
+            </a:r>
+          </a:p>
+        </p:txBody>
+      </p:sp>
+      <mc:AlternateContent xmlns:mc="http://schemas.openxmlformats.org/markup-compatibility/2006" xmlns:a14="http://schemas.microsoft.com/office/drawing/2010/main">
+        <mc:Choice Requires="a14">
+          <p:sp>
+            <p:nvSpPr>
+              <p:cNvPr id="3" name="Content Placeholder 2">
+                <a:extLst>
+                  <a:ext uri="{FF2B5EF4-FFF2-40B4-BE49-F238E27FC236}">
+                    <a16:creationId xmlns:a16="http://schemas.microsoft.com/office/drawing/2014/main" id="{9DDB2A00-5283-47FC-AD2D-58F21AA82A80}"/>
+                  </a:ext>
+                </a:extLst>
+              </p:cNvPr>
+              <p:cNvSpPr>
+                <a:spLocks noGrp="1"/>
+              </p:cNvSpPr>
+              <p:nvPr>
+                <p:ph idx="1"/>
+              </p:nvPr>
+            </p:nvSpPr>
+            <p:spPr/>
+            <p:txBody>
+              <a:bodyPr/>
+              <a:lstStyle/>
+              <a:p>
+                <a:r>
+                  <a:rPr lang="en-US" dirty="0"/>
+                  <a:t>Let </a:t>
+                </a:r>
+                <a14:m>
+                  <m:oMath xmlns:m="http://schemas.openxmlformats.org/officeDocument/2006/math">
+                    <m:r>
+                      <a:rPr lang="en-US" i="1">
+                        <a:latin typeface="Cambria Math" panose="02040503050406030204" pitchFamily="18" charset="0"/>
+                      </a:rPr>
+                      <m:t>𝑋</m:t>
+                    </m:r>
+                  </m:oMath>
+                </a14:m>
+                <a:r>
+                  <a:rPr lang="en-US" i="1" dirty="0"/>
+                  <a:t> </a:t>
+                </a:r>
+                <a:r>
+                  <a:rPr lang="en-US" dirty="0"/>
+                  <a:t>be the distance that an obstacle moves along its direction of travel for some time step </a:t>
+                </a:r>
+                <a14:m>
+                  <m:oMath xmlns:m="http://schemas.openxmlformats.org/officeDocument/2006/math">
+                    <m:r>
+                      <a:rPr lang="en-US" i="1">
+                        <a:latin typeface="Cambria Math" panose="02040503050406030204" pitchFamily="18" charset="0"/>
+                      </a:rPr>
+                      <m:t>𝑡</m:t>
+                    </m:r>
+                  </m:oMath>
+                </a14:m>
+                <a:r>
+                  <a:rPr lang="en-US" dirty="0"/>
+                  <a:t>. </a:t>
+                </a:r>
+                <a:endParaRPr lang="en-US" i="1" dirty="0">
+                  <a:latin typeface="Cambria Math" panose="02040503050406030204" pitchFamily="18" charset="0"/>
+                </a:endParaRPr>
+              </a:p>
+              <a:p>
+                <a14:m>
+                  <m:oMath xmlns:m="http://schemas.openxmlformats.org/officeDocument/2006/math">
+                    <m:r>
+                      <a:rPr lang="en-US" b="0" i="1" smtClean="0">
+                        <a:latin typeface="Cambria Math" panose="02040503050406030204" pitchFamily="18" charset="0"/>
+                      </a:rPr>
+                      <m:t>𝑋</m:t>
+                    </m:r>
+                    <m:r>
+                      <a:rPr lang="en-US" b="0" i="1" smtClean="0">
+                        <a:latin typeface="Cambria Math" panose="02040503050406030204" pitchFamily="18" charset="0"/>
+                        <a:ea typeface="Cambria Math" panose="02040503050406030204" pitchFamily="18" charset="0"/>
+                      </a:rPr>
+                      <m:t>~</m:t>
+                    </m:r>
+                    <m:r>
+                      <a:rPr lang="en-US" b="0" i="1" smtClean="0">
+                        <a:latin typeface="Cambria Math" panose="02040503050406030204" pitchFamily="18" charset="0"/>
+                        <a:ea typeface="Cambria Math" panose="02040503050406030204" pitchFamily="18" charset="0"/>
+                      </a:rPr>
+                      <m:t>𝑁</m:t>
+                    </m:r>
+                    <m:d>
+                      <m:dPr>
+                        <m:ctrlPr>
+                          <a:rPr lang="en-US" b="0" i="1" smtClean="0">
+                            <a:latin typeface="Cambria Math" panose="02040503050406030204" pitchFamily="18" charset="0"/>
+                            <a:ea typeface="Cambria Math" panose="02040503050406030204" pitchFamily="18" charset="0"/>
+                          </a:rPr>
+                        </m:ctrlPr>
+                      </m:dPr>
+                      <m:e>
+                        <m:r>
+                          <a:rPr lang="en-US" b="0" i="1" smtClean="0">
+                            <a:latin typeface="Cambria Math" panose="02040503050406030204" pitchFamily="18" charset="0"/>
+                            <a:ea typeface="Cambria Math" panose="02040503050406030204" pitchFamily="18" charset="0"/>
+                          </a:rPr>
+                          <m:t>𝜇</m:t>
+                        </m:r>
+                        <m:r>
+                          <a:rPr lang="en-US" b="0" i="1" smtClean="0">
+                            <a:latin typeface="Cambria Math" panose="02040503050406030204" pitchFamily="18" charset="0"/>
+                            <a:ea typeface="Cambria Math" panose="02040503050406030204" pitchFamily="18" charset="0"/>
+                          </a:rPr>
+                          <m:t>,</m:t>
+                        </m:r>
+                        <m:sSup>
+                          <m:sSupPr>
+                            <m:ctrlPr>
+                              <a:rPr lang="en-US" b="0" i="1" smtClean="0">
+                                <a:latin typeface="Cambria Math" panose="02040503050406030204" pitchFamily="18" charset="0"/>
+                                <a:ea typeface="Cambria Math" panose="02040503050406030204" pitchFamily="18" charset="0"/>
+                              </a:rPr>
+                            </m:ctrlPr>
+                          </m:sSupPr>
+                          <m:e>
+                            <m:r>
+                              <a:rPr lang="en-US" b="0" i="1" smtClean="0">
+                                <a:latin typeface="Cambria Math" panose="02040503050406030204" pitchFamily="18" charset="0"/>
+                                <a:ea typeface="Cambria Math" panose="02040503050406030204" pitchFamily="18" charset="0"/>
+                              </a:rPr>
+                              <m:t>𝜎</m:t>
+                            </m:r>
+                          </m:e>
+                          <m:sup>
+                            <m:r>
+                              <a:rPr lang="en-US" b="0" i="1" smtClean="0">
+                                <a:latin typeface="Cambria Math" panose="02040503050406030204" pitchFamily="18" charset="0"/>
+                                <a:ea typeface="Cambria Math" panose="02040503050406030204" pitchFamily="18" charset="0"/>
+                              </a:rPr>
+                              <m:t>2</m:t>
+                            </m:r>
+                          </m:sup>
+                        </m:sSup>
+                      </m:e>
+                    </m:d>
+                  </m:oMath>
+                </a14:m>
+                <a:r>
+                  <a:rPr lang="en-US" dirty="0"/>
+                  <a:t> is the true distribution*. </a:t>
+                </a:r>
+              </a:p>
+              <a:p>
+                <a:r>
+                  <a:rPr lang="en-US" dirty="0"/>
+                  <a:t>Humans perceive the distance as </a:t>
+                </a:r>
+                <a14:m>
+                  <m:oMath xmlns:m="http://schemas.openxmlformats.org/officeDocument/2006/math">
+                    <m:acc>
+                      <m:accPr>
+                        <m:chr m:val="̅"/>
+                        <m:ctrlPr>
+                          <a:rPr lang="en-US" i="1" smtClean="0">
+                            <a:latin typeface="Cambria Math" panose="02040503050406030204" pitchFamily="18" charset="0"/>
+                          </a:rPr>
+                        </m:ctrlPr>
+                      </m:accPr>
+                      <m:e>
+                        <m:r>
+                          <a:rPr lang="en-US" b="0" i="1" smtClean="0">
+                            <a:latin typeface="Cambria Math" panose="02040503050406030204" pitchFamily="18" charset="0"/>
+                          </a:rPr>
+                          <m:t>𝑋</m:t>
+                        </m:r>
+                      </m:e>
+                    </m:acc>
+                    <m:r>
+                      <a:rPr lang="en-US" b="0" i="1" smtClean="0">
+                        <a:latin typeface="Cambria Math" panose="02040503050406030204" pitchFamily="18" charset="0"/>
+                      </a:rPr>
+                      <m:t>=</m:t>
+                    </m:r>
+                    <m:d>
+                      <m:dPr>
+                        <m:ctrlPr>
+                          <a:rPr lang="en-US" b="0" i="1" smtClean="0">
+                            <a:latin typeface="Cambria Math" panose="02040503050406030204" pitchFamily="18" charset="0"/>
+                          </a:rPr>
+                        </m:ctrlPr>
+                      </m:dPr>
+                      <m:e>
+                        <m:r>
+                          <a:rPr lang="en-US" b="0" i="1" smtClean="0">
+                            <a:latin typeface="Cambria Math" panose="02040503050406030204" pitchFamily="18" charset="0"/>
+                          </a:rPr>
+                          <m:t>1+</m:t>
+                        </m:r>
+                        <m:r>
+                          <a:rPr lang="en-US" b="0" i="1" smtClean="0">
+                            <a:latin typeface="Cambria Math" panose="02040503050406030204" pitchFamily="18" charset="0"/>
+                            <a:ea typeface="Cambria Math" panose="02040503050406030204" pitchFamily="18" charset="0"/>
+                          </a:rPr>
+                          <m:t>𝛼</m:t>
+                        </m:r>
+                      </m:e>
+                    </m:d>
+                    <m:d>
+                      <m:dPr>
+                        <m:ctrlPr>
+                          <a:rPr lang="en-US" b="0" i="1" smtClean="0">
+                            <a:latin typeface="Cambria Math" panose="02040503050406030204" pitchFamily="18" charset="0"/>
+                            <a:ea typeface="Cambria Math" panose="02040503050406030204" pitchFamily="18" charset="0"/>
+                          </a:rPr>
+                        </m:ctrlPr>
+                      </m:dPr>
+                      <m:e>
+                        <m:r>
+                          <a:rPr lang="en-US" b="0" i="1" smtClean="0">
+                            <a:latin typeface="Cambria Math" panose="02040503050406030204" pitchFamily="18" charset="0"/>
+                            <a:ea typeface="Cambria Math" panose="02040503050406030204" pitchFamily="18" charset="0"/>
+                          </a:rPr>
+                          <m:t>𝑋</m:t>
+                        </m:r>
+                        <m:r>
+                          <a:rPr lang="en-US" b="0" i="1" smtClean="0">
+                            <a:latin typeface="Cambria Math" panose="02040503050406030204" pitchFamily="18" charset="0"/>
+                            <a:ea typeface="Cambria Math" panose="02040503050406030204" pitchFamily="18" charset="0"/>
+                          </a:rPr>
+                          <m:t> − </m:t>
+                        </m:r>
+                        <m:r>
+                          <a:rPr lang="en-US" b="0" i="1" smtClean="0">
+                            <a:latin typeface="Cambria Math" panose="02040503050406030204" pitchFamily="18" charset="0"/>
+                            <a:ea typeface="Cambria Math" panose="02040503050406030204" pitchFamily="18" charset="0"/>
+                          </a:rPr>
+                          <m:t>𝜇</m:t>
+                        </m:r>
+                      </m:e>
+                    </m:d>
+                    <m:r>
+                      <a:rPr lang="en-US" b="0" i="1" smtClean="0">
+                        <a:latin typeface="Cambria Math" panose="02040503050406030204" pitchFamily="18" charset="0"/>
+                        <a:ea typeface="Cambria Math" panose="02040503050406030204" pitchFamily="18" charset="0"/>
+                      </a:rPr>
+                      <m:t>+</m:t>
+                    </m:r>
+                    <m:r>
+                      <a:rPr lang="en-US" b="0" i="1" smtClean="0">
+                        <a:latin typeface="Cambria Math" panose="02040503050406030204" pitchFamily="18" charset="0"/>
+                        <a:ea typeface="Cambria Math" panose="02040503050406030204" pitchFamily="18" charset="0"/>
+                      </a:rPr>
+                      <m:t>𝜇</m:t>
+                    </m:r>
+                    <m:r>
+                      <a:rPr lang="en-US" b="0" i="1" smtClean="0">
+                        <a:latin typeface="Cambria Math" panose="02040503050406030204" pitchFamily="18" charset="0"/>
+                        <a:ea typeface="Cambria Math" panose="02040503050406030204" pitchFamily="18" charset="0"/>
+                      </a:rPr>
+                      <m:t>, 0≤</m:t>
+                    </m:r>
+                    <m:r>
+                      <a:rPr lang="en-US" b="0" i="1" smtClean="0">
+                        <a:latin typeface="Cambria Math" panose="02040503050406030204" pitchFamily="18" charset="0"/>
+                        <a:ea typeface="Cambria Math" panose="02040503050406030204" pitchFamily="18" charset="0"/>
+                      </a:rPr>
+                      <m:t>𝛼</m:t>
+                    </m:r>
+                    <m:r>
+                      <a:rPr lang="en-US" b="0" i="1" smtClean="0">
+                        <a:latin typeface="Cambria Math" panose="02040503050406030204" pitchFamily="18" charset="0"/>
+                        <a:ea typeface="Cambria Math" panose="02040503050406030204" pitchFamily="18" charset="0"/>
+                      </a:rPr>
+                      <m:t>≤1</m:t>
+                    </m:r>
+                  </m:oMath>
+                </a14:m>
+                <a:r>
+                  <a:rPr lang="en-US" dirty="0"/>
+                  <a:t>.</a:t>
+                </a:r>
+              </a:p>
+              <a:p>
+                <a14:m>
+                  <m:oMath xmlns:m="http://schemas.openxmlformats.org/officeDocument/2006/math">
+                    <m:acc>
+                      <m:accPr>
+                        <m:chr m:val="̅"/>
+                        <m:ctrlPr>
+                          <a:rPr lang="en-US" i="1" smtClean="0">
+                            <a:latin typeface="Cambria Math" panose="02040503050406030204" pitchFamily="18" charset="0"/>
+                          </a:rPr>
+                        </m:ctrlPr>
+                      </m:accPr>
+                      <m:e>
+                        <m:r>
+                          <a:rPr lang="en-US" b="0" i="1" smtClean="0">
+                            <a:latin typeface="Cambria Math" panose="02040503050406030204" pitchFamily="18" charset="0"/>
+                          </a:rPr>
+                          <m:t>𝑋</m:t>
+                        </m:r>
+                      </m:e>
+                    </m:acc>
+                    <m:r>
+                      <a:rPr lang="en-US" i="1" smtClean="0">
+                        <a:latin typeface="Cambria Math" panose="02040503050406030204" pitchFamily="18" charset="0"/>
+                        <a:ea typeface="Cambria Math" panose="02040503050406030204" pitchFamily="18" charset="0"/>
+                      </a:rPr>
+                      <m:t>~</m:t>
+                    </m:r>
+                    <m:r>
+                      <a:rPr lang="en-US" b="0" i="1" smtClean="0">
+                        <a:latin typeface="Cambria Math" panose="02040503050406030204" pitchFamily="18" charset="0"/>
+                        <a:ea typeface="Cambria Math" panose="02040503050406030204" pitchFamily="18" charset="0"/>
+                      </a:rPr>
+                      <m:t>𝑁</m:t>
+                    </m:r>
+                    <m:r>
+                      <a:rPr lang="en-US" b="0" i="1" smtClean="0">
+                        <a:latin typeface="Cambria Math" panose="02040503050406030204" pitchFamily="18" charset="0"/>
+                        <a:ea typeface="Cambria Math" panose="02040503050406030204" pitchFamily="18" charset="0"/>
+                      </a:rPr>
+                      <m:t>(</m:t>
+                    </m:r>
+                    <m:r>
+                      <a:rPr lang="en-US" b="0" i="1" smtClean="0">
+                        <a:latin typeface="Cambria Math" panose="02040503050406030204" pitchFamily="18" charset="0"/>
+                        <a:ea typeface="Cambria Math" panose="02040503050406030204" pitchFamily="18" charset="0"/>
+                      </a:rPr>
+                      <m:t>𝜇</m:t>
+                    </m:r>
+                    <m:r>
+                      <a:rPr lang="en-US" b="0" i="1" smtClean="0">
+                        <a:latin typeface="Cambria Math" panose="02040503050406030204" pitchFamily="18" charset="0"/>
+                        <a:ea typeface="Cambria Math" panose="02040503050406030204" pitchFamily="18" charset="0"/>
+                      </a:rPr>
+                      <m:t>,</m:t>
+                    </m:r>
+                    <m:sSup>
+                      <m:sSupPr>
+                        <m:ctrlPr>
+                          <a:rPr lang="en-US" b="0" i="1" smtClean="0">
+                            <a:latin typeface="Cambria Math" panose="02040503050406030204" pitchFamily="18" charset="0"/>
+                            <a:ea typeface="Cambria Math" panose="02040503050406030204" pitchFamily="18" charset="0"/>
+                          </a:rPr>
+                        </m:ctrlPr>
+                      </m:sSupPr>
+                      <m:e>
+                        <m:r>
+                          <a:rPr lang="en-US" b="0" i="1" smtClean="0">
+                            <a:latin typeface="Cambria Math" panose="02040503050406030204" pitchFamily="18" charset="0"/>
+                            <a:ea typeface="Cambria Math" panose="02040503050406030204" pitchFamily="18" charset="0"/>
+                          </a:rPr>
+                          <m:t>[</m:t>
+                        </m:r>
+                        <m:d>
+                          <m:dPr>
+                            <m:ctrlPr>
+                              <a:rPr lang="en-US" b="0" i="1" smtClean="0">
+                                <a:latin typeface="Cambria Math" panose="02040503050406030204" pitchFamily="18" charset="0"/>
+                                <a:ea typeface="Cambria Math" panose="02040503050406030204" pitchFamily="18" charset="0"/>
+                              </a:rPr>
+                            </m:ctrlPr>
+                          </m:dPr>
+                          <m:e>
+                            <m:r>
+                              <a:rPr lang="en-US" b="0" i="1" smtClean="0">
+                                <a:latin typeface="Cambria Math" panose="02040503050406030204" pitchFamily="18" charset="0"/>
+                                <a:ea typeface="Cambria Math" panose="02040503050406030204" pitchFamily="18" charset="0"/>
+                              </a:rPr>
+                              <m:t>1+</m:t>
+                            </m:r>
+                            <m:r>
+                              <a:rPr lang="en-US" b="0" i="1" smtClean="0">
+                                <a:latin typeface="Cambria Math" panose="02040503050406030204" pitchFamily="18" charset="0"/>
+                                <a:ea typeface="Cambria Math" panose="02040503050406030204" pitchFamily="18" charset="0"/>
+                              </a:rPr>
+                              <m:t>𝛼</m:t>
+                            </m:r>
+                          </m:e>
+                        </m:d>
+                        <m:r>
+                          <a:rPr lang="en-US" b="0" i="1" smtClean="0">
+                            <a:latin typeface="Cambria Math" panose="02040503050406030204" pitchFamily="18" charset="0"/>
+                            <a:ea typeface="Cambria Math" panose="02040503050406030204" pitchFamily="18" charset="0"/>
+                          </a:rPr>
+                          <m:t>𝜎</m:t>
+                        </m:r>
+                        <m:r>
+                          <a:rPr lang="en-US" b="0" i="1" smtClean="0">
+                            <a:latin typeface="Cambria Math" panose="02040503050406030204" pitchFamily="18" charset="0"/>
+                            <a:ea typeface="Cambria Math" panose="02040503050406030204" pitchFamily="18" charset="0"/>
+                          </a:rPr>
+                          <m:t>]</m:t>
+                        </m:r>
+                      </m:e>
+                      <m:sup>
+                        <m:r>
+                          <a:rPr lang="en-US" b="0" i="1" smtClean="0">
+                            <a:latin typeface="Cambria Math" panose="02040503050406030204" pitchFamily="18" charset="0"/>
+                            <a:ea typeface="Cambria Math" panose="02040503050406030204" pitchFamily="18" charset="0"/>
+                          </a:rPr>
+                          <m:t>2</m:t>
+                        </m:r>
+                      </m:sup>
+                    </m:sSup>
+                    <m:r>
+                      <a:rPr lang="en-US" b="0" i="1" smtClean="0">
+                        <a:latin typeface="Cambria Math" panose="02040503050406030204" pitchFamily="18" charset="0"/>
+                        <a:ea typeface="Cambria Math" panose="02040503050406030204" pitchFamily="18" charset="0"/>
+                      </a:rPr>
+                      <m:t>)</m:t>
+                    </m:r>
+                  </m:oMath>
+                </a14:m>
+                <a:endParaRPr lang="en-US" dirty="0"/>
+              </a:p>
+              <a:p>
+                <a:pPr marL="0" indent="0">
+                  <a:buNone/>
+                </a:pPr>
+                <a:endParaRPr lang="en-US" dirty="0"/>
+              </a:p>
+            </p:txBody>
+          </p:sp>
+        </mc:Choice>
+        <mc:Fallback xmlns="">
+          <p:sp>
+            <p:nvSpPr>
+              <p:cNvPr id="3" name="Content Placeholder 2">
+                <a:extLst>
+                  <a:ext uri="{FF2B5EF4-FFF2-40B4-BE49-F238E27FC236}">
+                    <a16:creationId xmlns:a16="http://schemas.microsoft.com/office/drawing/2014/main" id="{9DDB2A00-5283-47FC-AD2D-58F21AA82A80}"/>
+                  </a:ext>
+                </a:extLst>
+              </p:cNvPr>
+              <p:cNvSpPr>
+                <a:spLocks noGrp="1" noRot="1" noChangeAspect="1" noMove="1" noResize="1" noEditPoints="1" noAdjustHandles="1" noChangeArrowheads="1" noChangeShapeType="1" noTextEdit="1"/>
+              </p:cNvSpPr>
+              <p:nvPr>
+                <p:ph idx="1"/>
+              </p:nvPr>
+            </p:nvSpPr>
+            <p:spPr>
+              <a:blipFill>
+                <a:blip r:embed="rId2"/>
+                <a:stretch>
+                  <a:fillRect l="-1086" t="-2326"/>
+                </a:stretch>
+              </a:blipFill>
+            </p:spPr>
+            <p:txBody>
+              <a:bodyPr/>
+              <a:lstStyle/>
+              <a:p>
+                <a:r>
+                  <a:rPr lang="en-US">
+                    <a:noFill/>
+                  </a:rPr>
+                  <a:t> </a:t>
+                </a:r>
+              </a:p>
+            </p:txBody>
+          </p:sp>
+        </mc:Fallback>
+      </mc:AlternateContent>
+      <p:sp>
+        <p:nvSpPr>
+          <p:cNvPr id="4" name="TextBox 3">
+            <a:extLst>
+              <a:ext uri="{FF2B5EF4-FFF2-40B4-BE49-F238E27FC236}">
+                <a16:creationId xmlns:a16="http://schemas.microsoft.com/office/drawing/2014/main" id="{A72C3F48-DDC6-6E36-1AC1-B4277E275417}"/>
+              </a:ext>
+            </a:extLst>
+          </p:cNvPr>
+          <p:cNvSpPr txBox="1"/>
+          <p:nvPr/>
+        </p:nvSpPr>
+        <p:spPr>
+          <a:xfrm>
+            <a:off x="3744686" y="5317218"/>
+            <a:ext cx="5225143" cy="646331"/>
+          </a:xfrm>
+          <a:prstGeom prst="rect">
+            <a:avLst/>
+          </a:prstGeom>
+          <a:noFill/>
+        </p:spPr>
+        <p:txBody>
+          <a:bodyPr wrap="square" rtlCol="0">
+            <a:spAutoFit/>
+          </a:bodyPr>
+          <a:lstStyle/>
+          <a:p>
+            <a:r>
+              <a:rPr lang="en-US" dirty="0"/>
+              <a:t>*It’s technically a truncated normal bound between the min and max distances the obstacle can travel</a:t>
+            </a:r>
+          </a:p>
+        </p:txBody>
+      </p:sp>
+    </p:spTree>
+    <p:extLst>
+      <p:ext uri="{BB962C8B-B14F-4D97-AF65-F5344CB8AC3E}">
+        <p14:creationId xmlns:p14="http://schemas.microsoft.com/office/powerpoint/2010/main" val="1122211758"/>
+      </p:ext>
+    </p:extLst>
+  </p:cSld>
+  <p:clrMapOvr>
+    <a:masterClrMapping/>
+  </p:clrMapOvr>
+</p:sld>
+</file>
+
+<file path=ppt/slides/slide41.xml><?xml version="1.0" encoding="utf-8"?>
+<p:sld xmlns:a="http://schemas.openxmlformats.org/drawingml/2006/main" xmlns:r="http://schemas.openxmlformats.org/officeDocument/2006/relationships" xmlns:p="http://schemas.openxmlformats.org/presentationml/2006/main">
+  <p:cSld>
+    <p:spTree>
+      <p:nvGrpSpPr>
+        <p:cNvPr id="1" name=""/>
+        <p:cNvGrpSpPr/>
+        <p:nvPr/>
+      </p:nvGrpSpPr>
+      <p:grpSpPr>
+        <a:xfrm>
+          <a:off x="0" y="0"/>
+          <a:ext cx="0" cy="0"/>
+          <a:chOff x="0" y="0"/>
+          <a:chExt cx="0" cy="0"/>
+        </a:xfrm>
+      </p:grpSpPr>
+      <p:sp>
+        <p:nvSpPr>
+          <p:cNvPr id="2" name="Title 1">
+            <a:extLst>
+              <a:ext uri="{FF2B5EF4-FFF2-40B4-BE49-F238E27FC236}">
+                <a16:creationId xmlns:a16="http://schemas.microsoft.com/office/drawing/2014/main" id="{7D5410CF-76E2-85E7-B597-27CAA331869B}"/>
+              </a:ext>
+            </a:extLst>
+          </p:cNvPr>
+          <p:cNvSpPr>
+            <a:spLocks noGrp="1"/>
+          </p:cNvSpPr>
+          <p:nvPr>
+            <p:ph type="title"/>
+          </p:nvPr>
+        </p:nvSpPr>
+        <p:spPr/>
+        <p:txBody>
+          <a:bodyPr/>
+          <a:lstStyle/>
+          <a:p>
+            <a:r>
+              <a:rPr lang="en-US" dirty="0"/>
+              <a:t>Human perception of collision probabilities</a:t>
+            </a:r>
+          </a:p>
+        </p:txBody>
+      </p:sp>
+      <mc:AlternateContent xmlns:mc="http://schemas.openxmlformats.org/markup-compatibility/2006" xmlns:a14="http://schemas.microsoft.com/office/drawing/2010/main">
+        <mc:Choice Requires="a14">
+          <p:sp>
+            <p:nvSpPr>
+              <p:cNvPr id="3" name="Content Placeholder 2">
+                <a:extLst>
+                  <a:ext uri="{FF2B5EF4-FFF2-40B4-BE49-F238E27FC236}">
+                    <a16:creationId xmlns:a16="http://schemas.microsoft.com/office/drawing/2014/main" id="{9DDB2A00-5283-47FC-AD2D-58F21AA82A80}"/>
+                  </a:ext>
+                </a:extLst>
+              </p:cNvPr>
+              <p:cNvSpPr>
+                <a:spLocks noGrp="1"/>
+              </p:cNvSpPr>
+              <p:nvPr>
+                <p:ph idx="1"/>
+              </p:nvPr>
+            </p:nvSpPr>
+            <p:spPr/>
+            <p:txBody>
+              <a:bodyPr/>
+              <a:lstStyle/>
+              <a:p>
+                <a:r>
+                  <a:rPr lang="en-US" dirty="0"/>
+                  <a:t>Let </a:t>
+                </a:r>
+                <a14:m>
+                  <m:oMath xmlns:m="http://schemas.openxmlformats.org/officeDocument/2006/math">
+                    <m:r>
+                      <a:rPr lang="en-US" i="1">
+                        <a:latin typeface="Cambria Math" panose="02040503050406030204" pitchFamily="18" charset="0"/>
+                      </a:rPr>
+                      <m:t>𝑋</m:t>
+                    </m:r>
+                  </m:oMath>
+                </a14:m>
+                <a:r>
+                  <a:rPr lang="en-US" i="1" dirty="0"/>
+                  <a:t> </a:t>
+                </a:r>
+                <a:r>
+                  <a:rPr lang="en-US" dirty="0"/>
+                  <a:t>be the distance that an obstacle moved along its direction of travel for some time step </a:t>
+                </a:r>
+                <a14:m>
+                  <m:oMath xmlns:m="http://schemas.openxmlformats.org/officeDocument/2006/math">
+                    <m:r>
+                      <a:rPr lang="en-US" i="1">
+                        <a:latin typeface="Cambria Math" panose="02040503050406030204" pitchFamily="18" charset="0"/>
+                      </a:rPr>
+                      <m:t>𝑡</m:t>
+                    </m:r>
+                  </m:oMath>
+                </a14:m>
+                <a:r>
+                  <a:rPr lang="en-US" dirty="0"/>
+                  <a:t>. </a:t>
+                </a:r>
+                <a:endParaRPr lang="en-US" i="1" dirty="0">
+                  <a:latin typeface="Cambria Math" panose="02040503050406030204" pitchFamily="18" charset="0"/>
+                </a:endParaRPr>
+              </a:p>
+              <a:p>
+                <a14:m>
+                  <m:oMath xmlns:m="http://schemas.openxmlformats.org/officeDocument/2006/math">
+                    <m:r>
+                      <a:rPr lang="en-US" b="0" i="1" smtClean="0">
+                        <a:latin typeface="Cambria Math" panose="02040503050406030204" pitchFamily="18" charset="0"/>
+                      </a:rPr>
+                      <m:t>𝑋</m:t>
+                    </m:r>
+                    <m:r>
+                      <a:rPr lang="en-US" b="0" i="1" smtClean="0">
+                        <a:latin typeface="Cambria Math" panose="02040503050406030204" pitchFamily="18" charset="0"/>
+                        <a:ea typeface="Cambria Math" panose="02040503050406030204" pitchFamily="18" charset="0"/>
+                      </a:rPr>
+                      <m:t>~</m:t>
+                    </m:r>
+                    <m:r>
+                      <a:rPr lang="en-US" b="0" i="1" smtClean="0">
+                        <a:latin typeface="Cambria Math" panose="02040503050406030204" pitchFamily="18" charset="0"/>
+                        <a:ea typeface="Cambria Math" panose="02040503050406030204" pitchFamily="18" charset="0"/>
+                      </a:rPr>
+                      <m:t>𝑁</m:t>
+                    </m:r>
+                    <m:d>
+                      <m:dPr>
+                        <m:ctrlPr>
+                          <a:rPr lang="en-US" b="0" i="1" smtClean="0">
+                            <a:latin typeface="Cambria Math" panose="02040503050406030204" pitchFamily="18" charset="0"/>
+                            <a:ea typeface="Cambria Math" panose="02040503050406030204" pitchFamily="18" charset="0"/>
+                          </a:rPr>
+                        </m:ctrlPr>
+                      </m:dPr>
+                      <m:e>
+                        <m:r>
+                          <a:rPr lang="en-US" b="0" i="1" smtClean="0">
+                            <a:latin typeface="Cambria Math" panose="02040503050406030204" pitchFamily="18" charset="0"/>
+                            <a:ea typeface="Cambria Math" panose="02040503050406030204" pitchFamily="18" charset="0"/>
+                          </a:rPr>
+                          <m:t>𝜇</m:t>
+                        </m:r>
+                        <m:r>
+                          <a:rPr lang="en-US" b="0" i="1" smtClean="0">
+                            <a:latin typeface="Cambria Math" panose="02040503050406030204" pitchFamily="18" charset="0"/>
+                            <a:ea typeface="Cambria Math" panose="02040503050406030204" pitchFamily="18" charset="0"/>
+                          </a:rPr>
+                          <m:t>,</m:t>
+                        </m:r>
+                        <m:sSup>
+                          <m:sSupPr>
+                            <m:ctrlPr>
+                              <a:rPr lang="en-US" b="0" i="1" smtClean="0">
+                                <a:latin typeface="Cambria Math" panose="02040503050406030204" pitchFamily="18" charset="0"/>
+                                <a:ea typeface="Cambria Math" panose="02040503050406030204" pitchFamily="18" charset="0"/>
+                              </a:rPr>
+                            </m:ctrlPr>
+                          </m:sSupPr>
+                          <m:e>
+                            <m:r>
+                              <a:rPr lang="en-US" b="0" i="1" smtClean="0">
+                                <a:latin typeface="Cambria Math" panose="02040503050406030204" pitchFamily="18" charset="0"/>
+                                <a:ea typeface="Cambria Math" panose="02040503050406030204" pitchFamily="18" charset="0"/>
+                              </a:rPr>
+                              <m:t>𝜎</m:t>
+                            </m:r>
+                          </m:e>
+                          <m:sup>
+                            <m:r>
+                              <a:rPr lang="en-US" b="0" i="1" smtClean="0">
+                                <a:latin typeface="Cambria Math" panose="02040503050406030204" pitchFamily="18" charset="0"/>
+                                <a:ea typeface="Cambria Math" panose="02040503050406030204" pitchFamily="18" charset="0"/>
+                              </a:rPr>
+                              <m:t>2</m:t>
+                            </m:r>
+                          </m:sup>
+                        </m:sSup>
+                      </m:e>
+                    </m:d>
+                  </m:oMath>
+                </a14:m>
+                <a:r>
+                  <a:rPr lang="en-US" dirty="0"/>
+                  <a:t> is the true distribution*. </a:t>
+                </a:r>
+              </a:p>
+              <a:p>
+                <a:r>
+                  <a:rPr lang="en-US" dirty="0"/>
+                  <a:t>Humans perceive the distance as </a:t>
+                </a:r>
+                <a14:m>
+                  <m:oMath xmlns:m="http://schemas.openxmlformats.org/officeDocument/2006/math">
+                    <m:acc>
+                      <m:accPr>
+                        <m:chr m:val="̅"/>
+                        <m:ctrlPr>
+                          <a:rPr lang="en-US" i="1" smtClean="0">
+                            <a:latin typeface="Cambria Math" panose="02040503050406030204" pitchFamily="18" charset="0"/>
+                          </a:rPr>
+                        </m:ctrlPr>
+                      </m:accPr>
+                      <m:e>
+                        <m:r>
+                          <a:rPr lang="en-US" b="0" i="1" smtClean="0">
+                            <a:latin typeface="Cambria Math" panose="02040503050406030204" pitchFamily="18" charset="0"/>
+                          </a:rPr>
+                          <m:t>𝑋</m:t>
+                        </m:r>
+                      </m:e>
+                    </m:acc>
+                    <m:r>
+                      <a:rPr lang="en-US" b="0" i="1" smtClean="0">
+                        <a:latin typeface="Cambria Math" panose="02040503050406030204" pitchFamily="18" charset="0"/>
+                      </a:rPr>
+                      <m:t>=</m:t>
+                    </m:r>
+                    <m:d>
+                      <m:dPr>
+                        <m:ctrlPr>
+                          <a:rPr lang="en-US" b="0" i="1" smtClean="0">
+                            <a:latin typeface="Cambria Math" panose="02040503050406030204" pitchFamily="18" charset="0"/>
+                          </a:rPr>
+                        </m:ctrlPr>
+                      </m:dPr>
+                      <m:e>
+                        <m:r>
+                          <a:rPr lang="en-US" b="0" i="1" smtClean="0">
+                            <a:latin typeface="Cambria Math" panose="02040503050406030204" pitchFamily="18" charset="0"/>
+                          </a:rPr>
+                          <m:t>1+</m:t>
+                        </m:r>
+                        <m:r>
+                          <a:rPr lang="en-US" b="0" i="1" smtClean="0">
+                            <a:latin typeface="Cambria Math" panose="02040503050406030204" pitchFamily="18" charset="0"/>
+                            <a:ea typeface="Cambria Math" panose="02040503050406030204" pitchFamily="18" charset="0"/>
+                          </a:rPr>
+                          <m:t>𝛼</m:t>
+                        </m:r>
+                      </m:e>
+                    </m:d>
+                    <m:d>
+                      <m:dPr>
+                        <m:ctrlPr>
+                          <a:rPr lang="en-US" b="0" i="1" smtClean="0">
+                            <a:latin typeface="Cambria Math" panose="02040503050406030204" pitchFamily="18" charset="0"/>
+                            <a:ea typeface="Cambria Math" panose="02040503050406030204" pitchFamily="18" charset="0"/>
+                          </a:rPr>
+                        </m:ctrlPr>
+                      </m:dPr>
+                      <m:e>
+                        <m:r>
+                          <a:rPr lang="en-US" b="0" i="1" smtClean="0">
+                            <a:latin typeface="Cambria Math" panose="02040503050406030204" pitchFamily="18" charset="0"/>
+                            <a:ea typeface="Cambria Math" panose="02040503050406030204" pitchFamily="18" charset="0"/>
+                          </a:rPr>
+                          <m:t>𝑋</m:t>
+                        </m:r>
+                        <m:r>
+                          <a:rPr lang="en-US" b="0" i="1" smtClean="0">
+                            <a:latin typeface="Cambria Math" panose="02040503050406030204" pitchFamily="18" charset="0"/>
+                            <a:ea typeface="Cambria Math" panose="02040503050406030204" pitchFamily="18" charset="0"/>
+                          </a:rPr>
+                          <m:t> − </m:t>
+                        </m:r>
+                        <m:r>
+                          <a:rPr lang="en-US" b="0" i="1" smtClean="0">
+                            <a:latin typeface="Cambria Math" panose="02040503050406030204" pitchFamily="18" charset="0"/>
+                            <a:ea typeface="Cambria Math" panose="02040503050406030204" pitchFamily="18" charset="0"/>
+                          </a:rPr>
+                          <m:t>𝜇</m:t>
+                        </m:r>
+                      </m:e>
+                    </m:d>
+                    <m:r>
+                      <a:rPr lang="en-US" b="0" i="1" smtClean="0">
+                        <a:latin typeface="Cambria Math" panose="02040503050406030204" pitchFamily="18" charset="0"/>
+                        <a:ea typeface="Cambria Math" panose="02040503050406030204" pitchFamily="18" charset="0"/>
+                      </a:rPr>
+                      <m:t>+</m:t>
+                    </m:r>
+                    <m:r>
+                      <a:rPr lang="en-US" b="0" i="1" smtClean="0">
+                        <a:latin typeface="Cambria Math" panose="02040503050406030204" pitchFamily="18" charset="0"/>
+                        <a:ea typeface="Cambria Math" panose="02040503050406030204" pitchFamily="18" charset="0"/>
+                      </a:rPr>
+                      <m:t>𝜇</m:t>
+                    </m:r>
+                    <m:r>
+                      <a:rPr lang="en-US" b="0" i="1" smtClean="0">
+                        <a:latin typeface="Cambria Math" panose="02040503050406030204" pitchFamily="18" charset="0"/>
+                        <a:ea typeface="Cambria Math" panose="02040503050406030204" pitchFamily="18" charset="0"/>
+                      </a:rPr>
+                      <m:t>, 0≤</m:t>
+                    </m:r>
+                    <m:r>
+                      <a:rPr lang="en-US" b="0" i="1" smtClean="0">
+                        <a:latin typeface="Cambria Math" panose="02040503050406030204" pitchFamily="18" charset="0"/>
+                        <a:ea typeface="Cambria Math" panose="02040503050406030204" pitchFamily="18" charset="0"/>
+                      </a:rPr>
+                      <m:t>𝛼</m:t>
+                    </m:r>
+                    <m:r>
+                      <a:rPr lang="en-US" b="0" i="1" smtClean="0">
+                        <a:latin typeface="Cambria Math" panose="02040503050406030204" pitchFamily="18" charset="0"/>
+                        <a:ea typeface="Cambria Math" panose="02040503050406030204" pitchFamily="18" charset="0"/>
+                      </a:rPr>
+                      <m:t>≤1</m:t>
+                    </m:r>
+                  </m:oMath>
+                </a14:m>
+                <a:r>
+                  <a:rPr lang="en-US" dirty="0"/>
+                  <a:t>.</a:t>
+                </a:r>
+              </a:p>
+              <a:p>
+                <a14:m>
+                  <m:oMath xmlns:m="http://schemas.openxmlformats.org/officeDocument/2006/math">
+                    <m:acc>
+                      <m:accPr>
+                        <m:chr m:val="̅"/>
+                        <m:ctrlPr>
+                          <a:rPr lang="en-US" i="1" smtClean="0">
+                            <a:latin typeface="Cambria Math" panose="02040503050406030204" pitchFamily="18" charset="0"/>
+                          </a:rPr>
+                        </m:ctrlPr>
+                      </m:accPr>
+                      <m:e>
+                        <m:r>
+                          <a:rPr lang="en-US" b="0" i="1" smtClean="0">
+                            <a:latin typeface="Cambria Math" panose="02040503050406030204" pitchFamily="18" charset="0"/>
+                          </a:rPr>
+                          <m:t>𝑋</m:t>
+                        </m:r>
+                      </m:e>
+                    </m:acc>
+                    <m:r>
+                      <a:rPr lang="en-US" i="1" smtClean="0">
+                        <a:latin typeface="Cambria Math" panose="02040503050406030204" pitchFamily="18" charset="0"/>
+                        <a:ea typeface="Cambria Math" panose="02040503050406030204" pitchFamily="18" charset="0"/>
+                      </a:rPr>
+                      <m:t>~</m:t>
+                    </m:r>
+                    <m:r>
+                      <a:rPr lang="en-US" b="0" i="1" smtClean="0">
+                        <a:latin typeface="Cambria Math" panose="02040503050406030204" pitchFamily="18" charset="0"/>
+                        <a:ea typeface="Cambria Math" panose="02040503050406030204" pitchFamily="18" charset="0"/>
+                      </a:rPr>
+                      <m:t>𝑁</m:t>
+                    </m:r>
+                    <m:r>
+                      <a:rPr lang="en-US" b="0" i="1" smtClean="0">
+                        <a:latin typeface="Cambria Math" panose="02040503050406030204" pitchFamily="18" charset="0"/>
+                        <a:ea typeface="Cambria Math" panose="02040503050406030204" pitchFamily="18" charset="0"/>
+                      </a:rPr>
+                      <m:t>(</m:t>
+                    </m:r>
+                    <m:r>
+                      <a:rPr lang="en-US" b="0" i="1" smtClean="0">
+                        <a:latin typeface="Cambria Math" panose="02040503050406030204" pitchFamily="18" charset="0"/>
+                        <a:ea typeface="Cambria Math" panose="02040503050406030204" pitchFamily="18" charset="0"/>
+                      </a:rPr>
+                      <m:t>𝜇</m:t>
+                    </m:r>
+                    <m:r>
+                      <a:rPr lang="en-US" b="0" i="1" smtClean="0">
+                        <a:latin typeface="Cambria Math" panose="02040503050406030204" pitchFamily="18" charset="0"/>
+                        <a:ea typeface="Cambria Math" panose="02040503050406030204" pitchFamily="18" charset="0"/>
+                      </a:rPr>
+                      <m:t>,</m:t>
+                    </m:r>
+                    <m:sSup>
+                      <m:sSupPr>
+                        <m:ctrlPr>
+                          <a:rPr lang="en-US" b="0" i="1" smtClean="0">
+                            <a:latin typeface="Cambria Math" panose="02040503050406030204" pitchFamily="18" charset="0"/>
+                            <a:ea typeface="Cambria Math" panose="02040503050406030204" pitchFamily="18" charset="0"/>
+                          </a:rPr>
+                        </m:ctrlPr>
+                      </m:sSupPr>
+                      <m:e>
+                        <m:r>
+                          <a:rPr lang="en-US" b="0" i="1" smtClean="0">
+                            <a:latin typeface="Cambria Math" panose="02040503050406030204" pitchFamily="18" charset="0"/>
+                            <a:ea typeface="Cambria Math" panose="02040503050406030204" pitchFamily="18" charset="0"/>
+                          </a:rPr>
+                          <m:t>[</m:t>
+                        </m:r>
+                        <m:d>
+                          <m:dPr>
+                            <m:ctrlPr>
+                              <a:rPr lang="en-US" b="0" i="1" smtClean="0">
+                                <a:latin typeface="Cambria Math" panose="02040503050406030204" pitchFamily="18" charset="0"/>
+                                <a:ea typeface="Cambria Math" panose="02040503050406030204" pitchFamily="18" charset="0"/>
+                              </a:rPr>
+                            </m:ctrlPr>
+                          </m:dPr>
+                          <m:e>
+                            <m:r>
+                              <a:rPr lang="en-US" b="0" i="1" smtClean="0">
+                                <a:latin typeface="Cambria Math" panose="02040503050406030204" pitchFamily="18" charset="0"/>
+                                <a:ea typeface="Cambria Math" panose="02040503050406030204" pitchFamily="18" charset="0"/>
+                              </a:rPr>
+                              <m:t>1+</m:t>
+                            </m:r>
+                            <m:r>
+                              <a:rPr lang="en-US" b="0" i="1" smtClean="0">
+                                <a:latin typeface="Cambria Math" panose="02040503050406030204" pitchFamily="18" charset="0"/>
+                                <a:ea typeface="Cambria Math" panose="02040503050406030204" pitchFamily="18" charset="0"/>
+                              </a:rPr>
+                              <m:t>𝛼</m:t>
+                            </m:r>
+                          </m:e>
+                        </m:d>
+                        <m:r>
+                          <a:rPr lang="en-US" b="0" i="1" smtClean="0">
+                            <a:latin typeface="Cambria Math" panose="02040503050406030204" pitchFamily="18" charset="0"/>
+                            <a:ea typeface="Cambria Math" panose="02040503050406030204" pitchFamily="18" charset="0"/>
+                          </a:rPr>
+                          <m:t>𝜎</m:t>
+                        </m:r>
+                        <m:r>
+                          <a:rPr lang="en-US" b="0" i="1" smtClean="0">
+                            <a:latin typeface="Cambria Math" panose="02040503050406030204" pitchFamily="18" charset="0"/>
+                            <a:ea typeface="Cambria Math" panose="02040503050406030204" pitchFamily="18" charset="0"/>
+                          </a:rPr>
+                          <m:t>]</m:t>
+                        </m:r>
+                      </m:e>
+                      <m:sup>
+                        <m:r>
+                          <a:rPr lang="en-US" b="0" i="1" smtClean="0">
+                            <a:latin typeface="Cambria Math" panose="02040503050406030204" pitchFamily="18" charset="0"/>
+                            <a:ea typeface="Cambria Math" panose="02040503050406030204" pitchFamily="18" charset="0"/>
+                          </a:rPr>
+                          <m:t>2</m:t>
+                        </m:r>
+                      </m:sup>
+                    </m:sSup>
+                    <m:r>
+                      <a:rPr lang="en-US" b="0" i="1" smtClean="0">
+                        <a:latin typeface="Cambria Math" panose="02040503050406030204" pitchFamily="18" charset="0"/>
+                        <a:ea typeface="Cambria Math" panose="02040503050406030204" pitchFamily="18" charset="0"/>
+                      </a:rPr>
+                      <m:t>)</m:t>
+                    </m:r>
+                  </m:oMath>
+                </a14:m>
+                <a:endParaRPr lang="en-US" dirty="0"/>
+              </a:p>
+              <a:p>
+                <a14:m>
+                  <m:oMath xmlns:m="http://schemas.openxmlformats.org/officeDocument/2006/math">
+                    <m:r>
+                      <a:rPr lang="en-US" i="1" smtClean="0">
+                        <a:latin typeface="Cambria Math" panose="02040503050406030204" pitchFamily="18" charset="0"/>
+                        <a:ea typeface="Cambria Math" panose="02040503050406030204" pitchFamily="18" charset="0"/>
+                      </a:rPr>
+                      <m:t>𝛼</m:t>
+                    </m:r>
+                  </m:oMath>
+                </a14:m>
+                <a:r>
+                  <a:rPr lang="en-US" dirty="0"/>
+                  <a:t> represents some % increase of uncertainty. </a:t>
+                </a:r>
+              </a:p>
+              <a:p>
+                <a:pPr marL="0" indent="0">
+                  <a:buNone/>
+                </a:pPr>
+                <a:endParaRPr lang="en-US" dirty="0"/>
+              </a:p>
+            </p:txBody>
+          </p:sp>
+        </mc:Choice>
+        <mc:Fallback xmlns="">
+          <p:sp>
+            <p:nvSpPr>
+              <p:cNvPr id="3" name="Content Placeholder 2">
+                <a:extLst>
+                  <a:ext uri="{FF2B5EF4-FFF2-40B4-BE49-F238E27FC236}">
+                    <a16:creationId xmlns:a16="http://schemas.microsoft.com/office/drawing/2014/main" id="{9DDB2A00-5283-47FC-AD2D-58F21AA82A80}"/>
+                  </a:ext>
+                </a:extLst>
+              </p:cNvPr>
+              <p:cNvSpPr>
+                <a:spLocks noGrp="1" noRot="1" noChangeAspect="1" noMove="1" noResize="1" noEditPoints="1" noAdjustHandles="1" noChangeArrowheads="1" noChangeShapeType="1" noTextEdit="1"/>
+              </p:cNvSpPr>
+              <p:nvPr>
+                <p:ph idx="1"/>
+              </p:nvPr>
+            </p:nvSpPr>
+            <p:spPr>
+              <a:blipFill>
+                <a:blip r:embed="rId2"/>
+                <a:stretch>
+                  <a:fillRect l="-1086" t="-2326"/>
+                </a:stretch>
+              </a:blipFill>
+            </p:spPr>
+            <p:txBody>
+              <a:bodyPr/>
+              <a:lstStyle/>
+              <a:p>
+                <a:r>
+                  <a:rPr lang="en-US">
+                    <a:noFill/>
+                  </a:rPr>
+                  <a:t> </a:t>
+                </a:r>
+              </a:p>
+            </p:txBody>
+          </p:sp>
+        </mc:Fallback>
+      </mc:AlternateContent>
+      <p:sp>
+        <p:nvSpPr>
+          <p:cNvPr id="4" name="TextBox 3">
+            <a:extLst>
+              <a:ext uri="{FF2B5EF4-FFF2-40B4-BE49-F238E27FC236}">
+                <a16:creationId xmlns:a16="http://schemas.microsoft.com/office/drawing/2014/main" id="{A72C3F48-DDC6-6E36-1AC1-B4277E275417}"/>
+              </a:ext>
+            </a:extLst>
+          </p:cNvPr>
+          <p:cNvSpPr txBox="1"/>
+          <p:nvPr/>
+        </p:nvSpPr>
+        <p:spPr>
+          <a:xfrm>
+            <a:off x="3744686" y="5317218"/>
+            <a:ext cx="5225143" cy="646331"/>
+          </a:xfrm>
+          <a:prstGeom prst="rect">
+            <a:avLst/>
+          </a:prstGeom>
+          <a:noFill/>
+        </p:spPr>
+        <p:txBody>
+          <a:bodyPr wrap="square" rtlCol="0">
+            <a:spAutoFit/>
+          </a:bodyPr>
+          <a:lstStyle/>
+          <a:p>
+            <a:r>
+              <a:rPr lang="en-US" dirty="0"/>
+              <a:t>*It’s technically a truncated normal bound between the min and max distances the obstacle can travel</a:t>
+            </a:r>
+          </a:p>
+        </p:txBody>
+      </p:sp>
+    </p:spTree>
+    <p:extLst>
+      <p:ext uri="{BB962C8B-B14F-4D97-AF65-F5344CB8AC3E}">
+        <p14:creationId xmlns:p14="http://schemas.microsoft.com/office/powerpoint/2010/main" val="875259372"/>
       </p:ext>
     </p:extLst>
   </p:cSld>

--- a/research/loren/busy_bee_ideas.pptx
+++ b/research/loren/busy_bee_ideas.pptx
@@ -237,7 +237,7 @@
           <a:p>
             <a:fld id="{076AB3D5-AD05-5F40-BE2C-8C0372DC20CC}" type="datetimeFigureOut">
               <a:rPr lang="en-US" smtClean="0"/>
-              <a:t>8/31/23</a:t>
+              <a:t>9/2/23</a:t>
             </a:fld>
             <a:endParaRPr lang="en-US"/>
           </a:p>
@@ -738,7 +738,7 @@
           <a:p>
             <a:fld id="{B1DC179A-E86A-EF48-8C3E-7AEB49C8E1A9}" type="datetimeFigureOut">
               <a:rPr lang="en-US" smtClean="0"/>
-              <a:t>8/31/23</a:t>
+              <a:t>9/2/23</a:t>
             </a:fld>
             <a:endParaRPr lang="en-US"/>
           </a:p>
@@ -936,7 +936,7 @@
           <a:p>
             <a:fld id="{B1DC179A-E86A-EF48-8C3E-7AEB49C8E1A9}" type="datetimeFigureOut">
               <a:rPr lang="en-US" smtClean="0"/>
-              <a:t>8/31/23</a:t>
+              <a:t>9/2/23</a:t>
             </a:fld>
             <a:endParaRPr lang="en-US"/>
           </a:p>
@@ -1144,7 +1144,7 @@
           <a:p>
             <a:fld id="{B1DC179A-E86A-EF48-8C3E-7AEB49C8E1A9}" type="datetimeFigureOut">
               <a:rPr lang="en-US" smtClean="0"/>
-              <a:t>8/31/23</a:t>
+              <a:t>9/2/23</a:t>
             </a:fld>
             <a:endParaRPr lang="en-US"/>
           </a:p>
@@ -1342,7 +1342,7 @@
           <a:p>
             <a:fld id="{B1DC179A-E86A-EF48-8C3E-7AEB49C8E1A9}" type="datetimeFigureOut">
               <a:rPr lang="en-US" smtClean="0"/>
-              <a:t>8/31/23</a:t>
+              <a:t>9/2/23</a:t>
             </a:fld>
             <a:endParaRPr lang="en-US"/>
           </a:p>
@@ -1617,7 +1617,7 @@
           <a:p>
             <a:fld id="{B1DC179A-E86A-EF48-8C3E-7AEB49C8E1A9}" type="datetimeFigureOut">
               <a:rPr lang="en-US" smtClean="0"/>
-              <a:t>8/31/23</a:t>
+              <a:t>9/2/23</a:t>
             </a:fld>
             <a:endParaRPr lang="en-US"/>
           </a:p>
@@ -1882,7 +1882,7 @@
           <a:p>
             <a:fld id="{B1DC179A-E86A-EF48-8C3E-7AEB49C8E1A9}" type="datetimeFigureOut">
               <a:rPr lang="en-US" smtClean="0"/>
-              <a:t>8/31/23</a:t>
+              <a:t>9/2/23</a:t>
             </a:fld>
             <a:endParaRPr lang="en-US"/>
           </a:p>
@@ -2294,7 +2294,7 @@
           <a:p>
             <a:fld id="{B1DC179A-E86A-EF48-8C3E-7AEB49C8E1A9}" type="datetimeFigureOut">
               <a:rPr lang="en-US" smtClean="0"/>
-              <a:t>8/31/23</a:t>
+              <a:t>9/2/23</a:t>
             </a:fld>
             <a:endParaRPr lang="en-US"/>
           </a:p>
@@ -2435,7 +2435,7 @@
           <a:p>
             <a:fld id="{B1DC179A-E86A-EF48-8C3E-7AEB49C8E1A9}" type="datetimeFigureOut">
               <a:rPr lang="en-US" smtClean="0"/>
-              <a:t>8/31/23</a:t>
+              <a:t>9/2/23</a:t>
             </a:fld>
             <a:endParaRPr lang="en-US"/>
           </a:p>
@@ -2548,7 +2548,7 @@
           <a:p>
             <a:fld id="{B1DC179A-E86A-EF48-8C3E-7AEB49C8E1A9}" type="datetimeFigureOut">
               <a:rPr lang="en-US" smtClean="0"/>
-              <a:t>8/31/23</a:t>
+              <a:t>9/2/23</a:t>
             </a:fld>
             <a:endParaRPr lang="en-US"/>
           </a:p>
@@ -2859,7 +2859,7 @@
           <a:p>
             <a:fld id="{B1DC179A-E86A-EF48-8C3E-7AEB49C8E1A9}" type="datetimeFigureOut">
               <a:rPr lang="en-US" smtClean="0"/>
-              <a:t>8/31/23</a:t>
+              <a:t>9/2/23</a:t>
             </a:fld>
             <a:endParaRPr lang="en-US"/>
           </a:p>
@@ -3147,7 +3147,7 @@
           <a:p>
             <a:fld id="{B1DC179A-E86A-EF48-8C3E-7AEB49C8E1A9}" type="datetimeFigureOut">
               <a:rPr lang="en-US" smtClean="0"/>
-              <a:t>8/31/23</a:t>
+              <a:t>9/2/23</a:t>
             </a:fld>
             <a:endParaRPr lang="en-US"/>
           </a:p>
@@ -3388,7 +3388,7 @@
           <a:p>
             <a:fld id="{B1DC179A-E86A-EF48-8C3E-7AEB49C8E1A9}" type="datetimeFigureOut">
               <a:rPr lang="en-US" smtClean="0"/>
-              <a:t>8/31/23</a:t>
+              <a:t>9/2/23</a:t>
             </a:fld>
             <a:endParaRPr lang="en-US"/>
           </a:p>
@@ -16110,8 +16110,8 @@
           </a:p>
         </p:txBody>
       </p:sp>
-      <mc:AlternateContent xmlns:mc="http://schemas.openxmlformats.org/markup-compatibility/2006">
-        <mc:Choice xmlns:a14="http://schemas.microsoft.com/office/drawing/2010/main" Requires="a14">
+      <mc:AlternateContent xmlns:mc="http://schemas.openxmlformats.org/markup-compatibility/2006" xmlns:a14="http://schemas.microsoft.com/office/drawing/2010/main">
+        <mc:Choice Requires="a14">
           <p:sp>
             <p:nvSpPr>
               <p:cNvPr id="3" name="Content Placeholder 2">
@@ -16255,7 +16255,7 @@
             </p:txBody>
           </p:sp>
         </mc:Choice>
-        <mc:Fallback>
+        <mc:Fallback xmlns="">
           <p:sp>
             <p:nvSpPr>
               <p:cNvPr id="3" name="Content Placeholder 2">
@@ -16410,8 +16410,8 @@
             </a:prstGeom>
           </p:spPr>
         </p:pic>
-        <mc:AlternateContent xmlns:mc="http://schemas.openxmlformats.org/markup-compatibility/2006">
-          <mc:Choice xmlns:a14="http://schemas.microsoft.com/office/drawing/2010/main" Requires="a14">
+        <mc:AlternateContent xmlns:mc="http://schemas.openxmlformats.org/markup-compatibility/2006" xmlns:a14="http://schemas.microsoft.com/office/drawing/2010/main">
+          <mc:Choice Requires="a14">
             <p:sp>
               <p:nvSpPr>
                 <p:cNvPr id="6" name="TextBox 5">
@@ -16440,6 +16440,7 @@
                 </a:bodyPr>
                 <a:lstStyle/>
                 <a:p>
+                  <a:pPr/>
                   <a14:m>
                     <m:oMathPara xmlns:m="http://schemas.openxmlformats.org/officeDocument/2006/math">
                       <m:oMathParaPr>
@@ -16480,7 +16481,7 @@
               </p:txBody>
             </p:sp>
           </mc:Choice>
-          <mc:Fallback>
+          <mc:Fallback xmlns="">
             <p:sp>
               <p:nvSpPr>
                 <p:cNvPr id="6" name="TextBox 5">
@@ -16525,8 +16526,8 @@
             </p:sp>
           </mc:Fallback>
         </mc:AlternateContent>
-        <mc:AlternateContent xmlns:mc="http://schemas.openxmlformats.org/markup-compatibility/2006">
-          <mc:Choice xmlns:a14="http://schemas.microsoft.com/office/drawing/2010/main" Requires="a14">
+        <mc:AlternateContent xmlns:mc="http://schemas.openxmlformats.org/markup-compatibility/2006" xmlns:a14="http://schemas.microsoft.com/office/drawing/2010/main">
+          <mc:Choice Requires="a14">
             <p:sp>
               <p:nvSpPr>
                 <p:cNvPr id="9" name="TextBox 8">
@@ -16555,6 +16556,7 @@
                 </a:bodyPr>
                 <a:lstStyle/>
                 <a:p>
+                  <a:pPr/>
                   <a14:m>
                     <m:oMathPara xmlns:m="http://schemas.openxmlformats.org/officeDocument/2006/math">
                       <m:oMathParaPr>
@@ -16576,7 +16578,7 @@
               </p:txBody>
             </p:sp>
           </mc:Choice>
-          <mc:Fallback>
+          <mc:Fallback xmlns="">
             <p:sp>
               <p:nvSpPr>
                 <p:cNvPr id="9" name="TextBox 8">
@@ -16621,8 +16623,8 @@
             </p:sp>
           </mc:Fallback>
         </mc:AlternateContent>
-        <mc:AlternateContent xmlns:mc="http://schemas.openxmlformats.org/markup-compatibility/2006">
-          <mc:Choice xmlns:a14="http://schemas.microsoft.com/office/drawing/2010/main" Requires="a14">
+        <mc:AlternateContent xmlns:mc="http://schemas.openxmlformats.org/markup-compatibility/2006" xmlns:a14="http://schemas.microsoft.com/office/drawing/2010/main">
+          <mc:Choice Requires="a14">
             <p:sp>
               <p:nvSpPr>
                 <p:cNvPr id="10" name="TextBox 9">
@@ -16651,6 +16653,7 @@
                 </a:bodyPr>
                 <a:lstStyle/>
                 <a:p>
+                  <a:pPr/>
                   <a14:m>
                     <m:oMathPara xmlns:m="http://schemas.openxmlformats.org/officeDocument/2006/math">
                       <m:oMathParaPr>
@@ -16672,7 +16675,7 @@
               </p:txBody>
             </p:sp>
           </mc:Choice>
-          <mc:Fallback>
+          <mc:Fallback xmlns="">
             <p:sp>
               <p:nvSpPr>
                 <p:cNvPr id="10" name="TextBox 9">
@@ -16717,8 +16720,8 @@
             </p:sp>
           </mc:Fallback>
         </mc:AlternateContent>
-        <mc:AlternateContent xmlns:mc="http://schemas.openxmlformats.org/markup-compatibility/2006">
-          <mc:Choice xmlns:a14="http://schemas.microsoft.com/office/drawing/2010/main" Requires="a14">
+        <mc:AlternateContent xmlns:mc="http://schemas.openxmlformats.org/markup-compatibility/2006" xmlns:a14="http://schemas.microsoft.com/office/drawing/2010/main">
+          <mc:Choice Requires="a14">
             <p:sp>
               <p:nvSpPr>
                 <p:cNvPr id="11" name="TextBox 10">
@@ -16747,6 +16750,7 @@
                 </a:bodyPr>
                 <a:lstStyle/>
                 <a:p>
+                  <a:pPr/>
                   <a14:m>
                     <m:oMathPara xmlns:m="http://schemas.openxmlformats.org/officeDocument/2006/math">
                       <m:oMathParaPr>
@@ -16795,7 +16799,7 @@
               </p:txBody>
             </p:sp>
           </mc:Choice>
-          <mc:Fallback>
+          <mc:Fallback xmlns="">
             <p:sp>
               <p:nvSpPr>
                 <p:cNvPr id="11" name="TextBox 10">
@@ -16840,8 +16844,8 @@
             </p:sp>
           </mc:Fallback>
         </mc:AlternateContent>
-        <mc:AlternateContent xmlns:mc="http://schemas.openxmlformats.org/markup-compatibility/2006">
-          <mc:Choice xmlns:a14="http://schemas.microsoft.com/office/drawing/2010/main" Requires="a14">
+        <mc:AlternateContent xmlns:mc="http://schemas.openxmlformats.org/markup-compatibility/2006" xmlns:a14="http://schemas.microsoft.com/office/drawing/2010/main">
+          <mc:Choice Requires="a14">
             <p:sp>
               <p:nvSpPr>
                 <p:cNvPr id="12" name="TextBox 11">
@@ -16870,6 +16874,7 @@
                 </a:bodyPr>
                 <a:lstStyle/>
                 <a:p>
+                  <a:pPr/>
                   <a14:m>
                     <m:oMathPara xmlns:m="http://schemas.openxmlformats.org/officeDocument/2006/math">
                       <m:oMathParaPr>
@@ -16911,7 +16916,7 @@
               </p:txBody>
             </p:sp>
           </mc:Choice>
-          <mc:Fallback>
+          <mc:Fallback xmlns="">
             <p:sp>
               <p:nvSpPr>
                 <p:cNvPr id="12" name="TextBox 11">
@@ -16956,8 +16961,8 @@
             </p:sp>
           </mc:Fallback>
         </mc:AlternateContent>
-        <mc:AlternateContent xmlns:mc="http://schemas.openxmlformats.org/markup-compatibility/2006">
-          <mc:Choice xmlns:a14="http://schemas.microsoft.com/office/drawing/2010/main" Requires="a14">
+        <mc:AlternateContent xmlns:mc="http://schemas.openxmlformats.org/markup-compatibility/2006" xmlns:a14="http://schemas.microsoft.com/office/drawing/2010/main">
+          <mc:Choice Requires="a14">
             <p:sp>
               <p:nvSpPr>
                 <p:cNvPr id="13" name="TextBox 12">
@@ -16986,6 +16991,7 @@
                 </a:bodyPr>
                 <a:lstStyle/>
                 <a:p>
+                  <a:pPr/>
                   <a14:m>
                     <m:oMathPara xmlns:m="http://schemas.openxmlformats.org/officeDocument/2006/math">
                       <m:oMathParaPr>
@@ -17034,7 +17040,7 @@
               </p:txBody>
             </p:sp>
           </mc:Choice>
-          <mc:Fallback>
+          <mc:Fallback xmlns="">
             <p:sp>
               <p:nvSpPr>
                 <p:cNvPr id="13" name="TextBox 12">
@@ -17079,8 +17085,8 @@
             </p:sp>
           </mc:Fallback>
         </mc:AlternateContent>
-        <mc:AlternateContent xmlns:mc="http://schemas.openxmlformats.org/markup-compatibility/2006">
-          <mc:Choice xmlns:a14="http://schemas.microsoft.com/office/drawing/2010/main" Requires="a14">
+        <mc:AlternateContent xmlns:mc="http://schemas.openxmlformats.org/markup-compatibility/2006" xmlns:a14="http://schemas.microsoft.com/office/drawing/2010/main">
+          <mc:Choice Requires="a14">
             <p:sp>
               <p:nvSpPr>
                 <p:cNvPr id="14" name="TextBox 13">
@@ -17109,6 +17115,7 @@
                 </a:bodyPr>
                 <a:lstStyle/>
                 <a:p>
+                  <a:pPr/>
                   <a14:m>
                     <m:oMathPara xmlns:m="http://schemas.openxmlformats.org/officeDocument/2006/math">
                       <m:oMathParaPr>
@@ -17129,7 +17136,7 @@
               </p:txBody>
             </p:sp>
           </mc:Choice>
-          <mc:Fallback>
+          <mc:Fallback xmlns="">
             <p:sp>
               <p:nvSpPr>
                 <p:cNvPr id="14" name="TextBox 13">
@@ -17174,8 +17181,8 @@
             </p:sp>
           </mc:Fallback>
         </mc:AlternateContent>
-        <mc:AlternateContent xmlns:mc="http://schemas.openxmlformats.org/markup-compatibility/2006">
-          <mc:Choice xmlns:a14="http://schemas.microsoft.com/office/drawing/2010/main" Requires="a14">
+        <mc:AlternateContent xmlns:mc="http://schemas.openxmlformats.org/markup-compatibility/2006" xmlns:a14="http://schemas.microsoft.com/office/drawing/2010/main">
+          <mc:Choice Requires="a14">
             <p:sp>
               <p:nvSpPr>
                 <p:cNvPr id="16" name="TextBox 15">
@@ -17204,6 +17211,7 @@
                 </a:bodyPr>
                 <a:lstStyle/>
                 <a:p>
+                  <a:pPr/>
                   <a14:m>
                     <m:oMathPara xmlns:m="http://schemas.openxmlformats.org/officeDocument/2006/math">
                       <m:oMathParaPr>
@@ -17244,7 +17252,7 @@
               </p:txBody>
             </p:sp>
           </mc:Choice>
-          <mc:Fallback>
+          <mc:Fallback xmlns="">
             <p:sp>
               <p:nvSpPr>
                 <p:cNvPr id="16" name="TextBox 15">
@@ -17289,8 +17297,8 @@
             </p:sp>
           </mc:Fallback>
         </mc:AlternateContent>
-        <mc:AlternateContent xmlns:mc="http://schemas.openxmlformats.org/markup-compatibility/2006">
-          <mc:Choice xmlns:a14="http://schemas.microsoft.com/office/drawing/2010/main" Requires="a14">
+        <mc:AlternateContent xmlns:mc="http://schemas.openxmlformats.org/markup-compatibility/2006" xmlns:a14="http://schemas.microsoft.com/office/drawing/2010/main">
+          <mc:Choice Requires="a14">
             <p:sp>
               <p:nvSpPr>
                 <p:cNvPr id="17" name="TextBox 16">
@@ -17319,6 +17327,7 @@
                 </a:bodyPr>
                 <a:lstStyle/>
                 <a:p>
+                  <a:pPr/>
                   <a14:m>
                     <m:oMathPara xmlns:m="http://schemas.openxmlformats.org/officeDocument/2006/math">
                       <m:oMathParaPr>
@@ -17358,7 +17367,7 @@
               </p:txBody>
             </p:sp>
           </mc:Choice>
-          <mc:Fallback>
+          <mc:Fallback xmlns="">
             <p:sp>
               <p:nvSpPr>
                 <p:cNvPr id="17" name="TextBox 16">
@@ -17403,8 +17412,8 @@
             </p:sp>
           </mc:Fallback>
         </mc:AlternateContent>
-        <mc:AlternateContent xmlns:mc="http://schemas.openxmlformats.org/markup-compatibility/2006">
-          <mc:Choice xmlns:a14="http://schemas.microsoft.com/office/drawing/2010/main" Requires="a14">
+        <mc:AlternateContent xmlns:mc="http://schemas.openxmlformats.org/markup-compatibility/2006" xmlns:a14="http://schemas.microsoft.com/office/drawing/2010/main">
+          <mc:Choice Requires="a14">
             <p:sp>
               <p:nvSpPr>
                 <p:cNvPr id="18" name="TextBox 17">
@@ -17433,6 +17442,7 @@
                 </a:bodyPr>
                 <a:lstStyle/>
                 <a:p>
+                  <a:pPr/>
                   <a14:m>
                     <m:oMathPara xmlns:m="http://schemas.openxmlformats.org/officeDocument/2006/math">
                       <m:oMathParaPr>
@@ -17453,7 +17463,7 @@
               </p:txBody>
             </p:sp>
           </mc:Choice>
-          <mc:Fallback>
+          <mc:Fallback xmlns="">
             <p:sp>
               <p:nvSpPr>
                 <p:cNvPr id="18" name="TextBox 17">
@@ -17498,8 +17508,8 @@
             </p:sp>
           </mc:Fallback>
         </mc:AlternateContent>
-        <mc:AlternateContent xmlns:mc="http://schemas.openxmlformats.org/markup-compatibility/2006">
-          <mc:Choice xmlns:a14="http://schemas.microsoft.com/office/drawing/2010/main" Requires="a14">
+        <mc:AlternateContent xmlns:mc="http://schemas.openxmlformats.org/markup-compatibility/2006" xmlns:a14="http://schemas.microsoft.com/office/drawing/2010/main">
+          <mc:Choice Requires="a14">
             <p:sp>
               <p:nvSpPr>
                 <p:cNvPr id="19" name="TextBox 18">
@@ -17528,6 +17538,7 @@
                 </a:bodyPr>
                 <a:lstStyle/>
                 <a:p>
+                  <a:pPr/>
                   <a14:m>
                     <m:oMathPara xmlns:m="http://schemas.openxmlformats.org/officeDocument/2006/math">
                       <m:oMathParaPr>
@@ -17567,7 +17578,7 @@
               </p:txBody>
             </p:sp>
           </mc:Choice>
-          <mc:Fallback>
+          <mc:Fallback xmlns="">
             <p:sp>
               <p:nvSpPr>
                 <p:cNvPr id="19" name="TextBox 18">
@@ -17612,8 +17623,8 @@
             </p:sp>
           </mc:Fallback>
         </mc:AlternateContent>
-        <mc:AlternateContent xmlns:mc="http://schemas.openxmlformats.org/markup-compatibility/2006">
-          <mc:Choice xmlns:a14="http://schemas.microsoft.com/office/drawing/2010/main" Requires="a14">
+        <mc:AlternateContent xmlns:mc="http://schemas.openxmlformats.org/markup-compatibility/2006" xmlns:a14="http://schemas.microsoft.com/office/drawing/2010/main">
+          <mc:Choice Requires="a14">
             <p:sp>
               <p:nvSpPr>
                 <p:cNvPr id="20" name="TextBox 19">
@@ -17642,6 +17653,7 @@
                 </a:bodyPr>
                 <a:lstStyle/>
                 <a:p>
+                  <a:pPr/>
                   <a14:m>
                     <m:oMathPara xmlns:m="http://schemas.openxmlformats.org/officeDocument/2006/math">
                       <m:oMathParaPr>
@@ -17681,7 +17693,7 @@
               </p:txBody>
             </p:sp>
           </mc:Choice>
-          <mc:Fallback>
+          <mc:Fallback xmlns="">
             <p:sp>
               <p:nvSpPr>
                 <p:cNvPr id="20" name="TextBox 19">
@@ -17726,8 +17738,8 @@
             </p:sp>
           </mc:Fallback>
         </mc:AlternateContent>
-        <mc:AlternateContent xmlns:mc="http://schemas.openxmlformats.org/markup-compatibility/2006">
-          <mc:Choice xmlns:a14="http://schemas.microsoft.com/office/drawing/2010/main" Requires="a14">
+        <mc:AlternateContent xmlns:mc="http://schemas.openxmlformats.org/markup-compatibility/2006" xmlns:a14="http://schemas.microsoft.com/office/drawing/2010/main">
+          <mc:Choice Requires="a14">
             <p:sp>
               <p:nvSpPr>
                 <p:cNvPr id="21" name="TextBox 20">
@@ -17756,6 +17768,7 @@
                 </a:bodyPr>
                 <a:lstStyle/>
                 <a:p>
+                  <a:pPr/>
                   <a14:m>
                     <m:oMathPara xmlns:m="http://schemas.openxmlformats.org/officeDocument/2006/math">
                       <m:oMathParaPr>
@@ -17777,7 +17790,7 @@
               </p:txBody>
             </p:sp>
           </mc:Choice>
-          <mc:Fallback>
+          <mc:Fallback xmlns="">
             <p:sp>
               <p:nvSpPr>
                 <p:cNvPr id="21" name="TextBox 20">
@@ -17822,8 +17835,8 @@
             </p:sp>
           </mc:Fallback>
         </mc:AlternateContent>
-        <mc:AlternateContent xmlns:mc="http://schemas.openxmlformats.org/markup-compatibility/2006">
-          <mc:Choice xmlns:a14="http://schemas.microsoft.com/office/drawing/2010/main" Requires="a14">
+        <mc:AlternateContent xmlns:mc="http://schemas.openxmlformats.org/markup-compatibility/2006" xmlns:a14="http://schemas.microsoft.com/office/drawing/2010/main">
+          <mc:Choice Requires="a14">
             <p:sp>
               <p:nvSpPr>
                 <p:cNvPr id="22" name="TextBox 21">
@@ -17852,6 +17865,7 @@
                 </a:bodyPr>
                 <a:lstStyle/>
                 <a:p>
+                  <a:pPr/>
                   <a14:m>
                     <m:oMathPara xmlns:m="http://schemas.openxmlformats.org/officeDocument/2006/math">
                       <m:oMathParaPr>
@@ -17873,7 +17887,7 @@
               </p:txBody>
             </p:sp>
           </mc:Choice>
-          <mc:Fallback>
+          <mc:Fallback xmlns="">
             <p:sp>
               <p:nvSpPr>
                 <p:cNvPr id="22" name="TextBox 21">
@@ -17919,8 +17933,8 @@
           </mc:Fallback>
         </mc:AlternateContent>
       </p:grpSp>
-      <mc:AlternateContent xmlns:mc="http://schemas.openxmlformats.org/markup-compatibility/2006">
-        <mc:Choice xmlns:a14="http://schemas.microsoft.com/office/drawing/2010/main" Requires="a14">
+      <mc:AlternateContent xmlns:mc="http://schemas.openxmlformats.org/markup-compatibility/2006" xmlns:a14="http://schemas.microsoft.com/office/drawing/2010/main">
+        <mc:Choice Requires="a14">
           <p:sp>
             <p:nvSpPr>
               <p:cNvPr id="23" name="TextBox 22">
@@ -19680,7 +19694,7 @@
             </p:txBody>
           </p:sp>
         </mc:Choice>
-        <mc:Fallback>
+        <mc:Fallback xmlns="">
           <p:sp>
             <p:nvSpPr>
               <p:cNvPr id="23" name="TextBox 22">
@@ -19788,8 +19802,8 @@
           <a:chExt cx="0" cy="0"/>
         </a:xfrm>
       </p:grpSpPr>
-      <mc:AlternateContent xmlns:mc="http://schemas.openxmlformats.org/markup-compatibility/2006">
-        <mc:Choice xmlns:a14="http://schemas.microsoft.com/office/drawing/2010/main" Requires="a14">
+      <mc:AlternateContent xmlns:mc="http://schemas.openxmlformats.org/markup-compatibility/2006" xmlns:a14="http://schemas.microsoft.com/office/drawing/2010/main">
+        <mc:Choice Requires="a14">
           <p:sp>
             <p:nvSpPr>
               <p:cNvPr id="2" name="Title 1">
@@ -19811,6 +19825,7 @@
               <a:bodyPr/>
               <a:lstStyle/>
               <a:p>
+                <a:pPr/>
                 <a14:m>
                   <m:oMathPara xmlns:m="http://schemas.openxmlformats.org/officeDocument/2006/math">
                     <m:oMathParaPr>
@@ -19838,7 +19853,7 @@
             </p:txBody>
           </p:sp>
         </mc:Choice>
-        <mc:Fallback>
+        <mc:Fallback xmlns="">
           <p:sp>
             <p:nvSpPr>
               <p:cNvPr id="2" name="Title 1">
@@ -19878,8 +19893,8 @@
           </p:sp>
         </mc:Fallback>
       </mc:AlternateContent>
-      <mc:AlternateContent xmlns:mc="http://schemas.openxmlformats.org/markup-compatibility/2006">
-        <mc:Choice xmlns:a14="http://schemas.microsoft.com/office/drawing/2010/main" Requires="a14">
+      <mc:AlternateContent xmlns:mc="http://schemas.openxmlformats.org/markup-compatibility/2006" xmlns:a14="http://schemas.microsoft.com/office/drawing/2010/main">
+        <mc:Choice Requires="a14">
           <p:sp>
             <p:nvSpPr>
               <p:cNvPr id="3" name="Content Placeholder 2">
@@ -19936,7 +19951,7 @@
             </p:txBody>
           </p:sp>
         </mc:Choice>
-        <mc:Fallback>
+        <mc:Fallback xmlns="">
           <p:sp>
             <p:nvSpPr>
               <p:cNvPr id="3" name="Content Placeholder 2">

--- a/research/loren/busy_bee_ideas.pptx
+++ b/research/loren/busy_bee_ideas.pptx
@@ -5,7 +5,7 @@
     <p:sldMasterId id="2147483648" r:id="rId1"/>
   </p:sldMasterIdLst>
   <p:notesMasterIdLst>
-    <p:notesMasterId r:id="rId43"/>
+    <p:notesMasterId r:id="rId44"/>
   </p:notesMasterIdLst>
   <p:sldIdLst>
     <p:sldId id="256" r:id="rId2"/>
@@ -41,14 +41,15 @@
     <p:sldId id="325" r:id="rId32"/>
     <p:sldId id="324" r:id="rId33"/>
     <p:sldId id="326" r:id="rId34"/>
-    <p:sldId id="327" r:id="rId35"/>
-    <p:sldId id="270" r:id="rId36"/>
-    <p:sldId id="271" r:id="rId37"/>
-    <p:sldId id="273" r:id="rId38"/>
-    <p:sldId id="275" r:id="rId39"/>
-    <p:sldId id="276" r:id="rId40"/>
-    <p:sldId id="274" r:id="rId41"/>
-    <p:sldId id="277" r:id="rId42"/>
+    <p:sldId id="328" r:id="rId35"/>
+    <p:sldId id="327" r:id="rId36"/>
+    <p:sldId id="270" r:id="rId37"/>
+    <p:sldId id="271" r:id="rId38"/>
+    <p:sldId id="273" r:id="rId39"/>
+    <p:sldId id="275" r:id="rId40"/>
+    <p:sldId id="276" r:id="rId41"/>
+    <p:sldId id="274" r:id="rId42"/>
+    <p:sldId id="277" r:id="rId43"/>
   </p:sldIdLst>
   <p:sldSz cx="12192000" cy="6858000"/>
   <p:notesSz cx="6858000" cy="9144000"/>
@@ -20026,6 +20027,183 @@
           <p:cNvPr id="2" name="Title 1">
             <a:extLst>
               <a:ext uri="{FF2B5EF4-FFF2-40B4-BE49-F238E27FC236}">
+                <a16:creationId xmlns:a16="http://schemas.microsoft.com/office/drawing/2014/main" id="{6885E4B2-4187-CEB4-40B8-5A9C596F7A0D}"/>
+              </a:ext>
+            </a:extLst>
+          </p:cNvPr>
+          <p:cNvSpPr>
+            <a:spLocks noGrp="1"/>
+          </p:cNvSpPr>
+          <p:nvPr>
+            <p:ph type="title"/>
+          </p:nvPr>
+        </p:nvSpPr>
+        <p:spPr/>
+        <p:txBody>
+          <a:bodyPr/>
+          <a:lstStyle/>
+          <a:p>
+            <a:r>
+              <a:rPr lang="en-US" dirty="0"/>
+              <a:t>TODOS</a:t>
+            </a:r>
+          </a:p>
+        </p:txBody>
+      </p:sp>
+      <mc:AlternateContent xmlns:mc="http://schemas.openxmlformats.org/markup-compatibility/2006">
+        <mc:Choice xmlns:a14="http://schemas.microsoft.com/office/drawing/2010/main" Requires="a14">
+          <p:sp>
+            <p:nvSpPr>
+              <p:cNvPr id="3" name="Content Placeholder 2">
+                <a:extLst>
+                  <a:ext uri="{FF2B5EF4-FFF2-40B4-BE49-F238E27FC236}">
+                    <a16:creationId xmlns:a16="http://schemas.microsoft.com/office/drawing/2014/main" id="{F61B6782-6C0E-11C4-0DE8-8D1910373C4A}"/>
+                  </a:ext>
+                </a:extLst>
+              </p:cNvPr>
+              <p:cNvSpPr>
+                <a:spLocks noGrp="1"/>
+              </p:cNvSpPr>
+              <p:nvPr>
+                <p:ph idx="1"/>
+              </p:nvPr>
+            </p:nvSpPr>
+            <p:spPr/>
+            <p:txBody>
+              <a:bodyPr/>
+              <a:lstStyle/>
+              <a:p>
+                <a:r>
+                  <a:rPr lang="en-US" dirty="0"/>
+                  <a:t>Modified current </a:t>
+                </a:r>
+                <a14:m>
+                  <m:oMath xmlns:m="http://schemas.openxmlformats.org/officeDocument/2006/math">
+                    <m:sSub>
+                      <m:sSubPr>
+                        <m:ctrlPr>
+                          <a:rPr lang="en-US" i="1" smtClean="0">
+                            <a:latin typeface="Cambria Math" panose="02040503050406030204" pitchFamily="18" charset="0"/>
+                          </a:rPr>
+                        </m:ctrlPr>
+                      </m:sSubPr>
+                      <m:e>
+                        <m:r>
+                          <a:rPr lang="en-US" i="1" smtClean="0">
+                            <a:latin typeface="Cambria Math" panose="02040503050406030204" pitchFamily="18" charset="0"/>
+                            <a:ea typeface="Cambria Math" panose="02040503050406030204" pitchFamily="18" charset="0"/>
+                          </a:rPr>
+                          <m:t>𝜖</m:t>
+                        </m:r>
+                      </m:e>
+                      <m:sub>
+                        <m:r>
+                          <a:rPr lang="en-US" b="0" i="1" smtClean="0">
+                            <a:latin typeface="Cambria Math" panose="02040503050406030204" pitchFamily="18" charset="0"/>
+                          </a:rPr>
+                          <m:t>𝑎𝑔𝑒𝑛𝑡</m:t>
+                        </m:r>
+                      </m:sub>
+                    </m:sSub>
+                  </m:oMath>
+                </a14:m>
+                <a:r>
+                  <a:rPr lang="en-US" dirty="0"/>
+                  <a:t> model into infinite mixture model.</a:t>
+                </a:r>
+              </a:p>
+              <a:p>
+                <a:r>
+                  <a:rPr lang="en-US" dirty="0"/>
+                  <a:t>Construct inference algorithm (e.g., </a:t>
+                </a:r>
+                <a:r>
+                  <a:rPr lang="en-US" dirty="0" err="1"/>
+                  <a:t>gibbs</a:t>
+                </a:r>
+                <a:r>
+                  <a:rPr lang="en-US" dirty="0"/>
+                  <a:t> sampling, EM, etc.)</a:t>
+                </a:r>
+              </a:p>
+            </p:txBody>
+          </p:sp>
+        </mc:Choice>
+        <mc:Fallback>
+          <p:sp>
+            <p:nvSpPr>
+              <p:cNvPr id="3" name="Content Placeholder 2">
+                <a:extLst>
+                  <a:ext uri="{FF2B5EF4-FFF2-40B4-BE49-F238E27FC236}">
+                    <a16:creationId xmlns:a16="http://schemas.microsoft.com/office/drawing/2014/main" id="{F61B6782-6C0E-11C4-0DE8-8D1910373C4A}"/>
+                  </a:ext>
+                </a:extLst>
+              </p:cNvPr>
+              <p:cNvSpPr>
+                <a:spLocks noGrp="1" noRot="1" noChangeAspect="1" noMove="1" noResize="1" noEditPoints="1" noAdjustHandles="1" noChangeArrowheads="1" noChangeShapeType="1" noTextEdit="1"/>
+              </p:cNvSpPr>
+              <p:nvPr>
+                <p:ph idx="1"/>
+              </p:nvPr>
+            </p:nvSpPr>
+            <p:spPr>
+              <a:blipFill>
+                <a:blip r:embed="rId2"/>
+                <a:stretch>
+                  <a:fillRect l="-1086" t="-2035"/>
+                </a:stretch>
+              </a:blipFill>
+            </p:spPr>
+            <p:txBody>
+              <a:bodyPr/>
+              <a:lstStyle/>
+              <a:p>
+                <a:r>
+                  <a:rPr lang="en-US">
+                    <a:noFill/>
+                  </a:rPr>
+                  <a:t> </a:t>
+                </a:r>
+              </a:p>
+            </p:txBody>
+          </p:sp>
+        </mc:Fallback>
+      </mc:AlternateContent>
+    </p:spTree>
+    <p:extLst>
+      <p:ext uri="{BB962C8B-B14F-4D97-AF65-F5344CB8AC3E}">
+        <p14:creationId xmlns:p14="http://schemas.microsoft.com/office/powerpoint/2010/main" val="2282505799"/>
+      </p:ext>
+    </p:extLst>
+  </p:cSld>
+  <p:clrMapOvr>
+    <a:masterClrMapping/>
+  </p:clrMapOvr>
+</p:sld>
+</file>
+
+<file path=ppt/slides/slide35.xml><?xml version="1.0" encoding="utf-8"?>
+<p:sld xmlns:a="http://schemas.openxmlformats.org/drawingml/2006/main" xmlns:r="http://schemas.openxmlformats.org/officeDocument/2006/relationships" xmlns:p="http://schemas.openxmlformats.org/presentationml/2006/main">
+  <p:cSld>
+    <p:spTree>
+      <p:nvGrpSpPr>
+        <p:cNvPr id="1" name=""/>
+        <p:cNvGrpSpPr/>
+        <p:nvPr/>
+      </p:nvGrpSpPr>
+      <p:grpSpPr>
+        <a:xfrm>
+          <a:off x="0" y="0"/>
+          <a:ext cx="0" cy="0"/>
+          <a:chOff x="0" y="0"/>
+          <a:chExt cx="0" cy="0"/>
+        </a:xfrm>
+      </p:grpSpPr>
+      <p:sp>
+        <p:nvSpPr>
+          <p:cNvPr id="2" name="Title 1">
+            <a:extLst>
+              <a:ext uri="{FF2B5EF4-FFF2-40B4-BE49-F238E27FC236}">
                 <a16:creationId xmlns:a16="http://schemas.microsoft.com/office/drawing/2014/main" id="{FDF8DD7D-7EBD-EA7E-5D0A-F25ED08C47D7}"/>
               </a:ext>
             </a:extLst>
@@ -20143,7 +20321,7 @@
 </p:sld>
 </file>
 
-<file path=ppt/slides/slide35.xml><?xml version="1.0" encoding="utf-8"?>
+<file path=ppt/slides/slide36.xml><?xml version="1.0" encoding="utf-8"?>
 <p:sld xmlns:a="http://schemas.openxmlformats.org/drawingml/2006/main" xmlns:r="http://schemas.openxmlformats.org/officeDocument/2006/relationships" xmlns:p="http://schemas.openxmlformats.org/presentationml/2006/main">
   <p:cSld>
     <p:spTree>
@@ -20548,7 +20726,7 @@
 </p:sld>
 </file>
 
-<file path=ppt/slides/slide36.xml><?xml version="1.0" encoding="utf-8"?>
+<file path=ppt/slides/slide37.xml><?xml version="1.0" encoding="utf-8"?>
 <p:sld xmlns:a="http://schemas.openxmlformats.org/drawingml/2006/main" xmlns:r="http://schemas.openxmlformats.org/officeDocument/2006/relationships" xmlns:p="http://schemas.openxmlformats.org/presentationml/2006/main">
   <p:cSld>
     <p:spTree>
@@ -20811,7 +20989,7 @@
 </p:sld>
 </file>
 
-<file path=ppt/slides/slide37.xml><?xml version="1.0" encoding="utf-8"?>
+<file path=ppt/slides/slide38.xml><?xml version="1.0" encoding="utf-8"?>
 <p:sld xmlns:a="http://schemas.openxmlformats.org/drawingml/2006/main" xmlns:r="http://schemas.openxmlformats.org/officeDocument/2006/relationships" xmlns:p="http://schemas.openxmlformats.org/presentationml/2006/main">
   <p:cSld>
     <p:spTree>
@@ -20981,295 +21159,6 @@
 </p:sld>
 </file>
 
-<file path=ppt/slides/slide38.xml><?xml version="1.0" encoding="utf-8"?>
-<p:sld xmlns:a="http://schemas.openxmlformats.org/drawingml/2006/main" xmlns:r="http://schemas.openxmlformats.org/officeDocument/2006/relationships" xmlns:p="http://schemas.openxmlformats.org/presentationml/2006/main">
-  <p:cSld>
-    <p:spTree>
-      <p:nvGrpSpPr>
-        <p:cNvPr id="1" name=""/>
-        <p:cNvGrpSpPr/>
-        <p:nvPr/>
-      </p:nvGrpSpPr>
-      <p:grpSpPr>
-        <a:xfrm>
-          <a:off x="0" y="0"/>
-          <a:ext cx="0" cy="0"/>
-          <a:chOff x="0" y="0"/>
-          <a:chExt cx="0" cy="0"/>
-        </a:xfrm>
-      </p:grpSpPr>
-      <p:sp>
-        <p:nvSpPr>
-          <p:cNvPr id="2" name="Title 1">
-            <a:extLst>
-              <a:ext uri="{FF2B5EF4-FFF2-40B4-BE49-F238E27FC236}">
-                <a16:creationId xmlns:a16="http://schemas.microsoft.com/office/drawing/2014/main" id="{7D5410CF-76E2-85E7-B597-27CAA331869B}"/>
-              </a:ext>
-            </a:extLst>
-          </p:cNvPr>
-          <p:cNvSpPr>
-            <a:spLocks noGrp="1"/>
-          </p:cNvSpPr>
-          <p:nvPr>
-            <p:ph type="title"/>
-          </p:nvPr>
-        </p:nvSpPr>
-        <p:spPr/>
-        <p:txBody>
-          <a:bodyPr/>
-          <a:lstStyle/>
-          <a:p>
-            <a:r>
-              <a:rPr lang="en-US" dirty="0"/>
-              <a:t>Human perception of collision probabilities</a:t>
-            </a:r>
-          </a:p>
-        </p:txBody>
-      </p:sp>
-      <mc:AlternateContent xmlns:mc="http://schemas.openxmlformats.org/markup-compatibility/2006" xmlns:a14="http://schemas.microsoft.com/office/drawing/2010/main">
-        <mc:Choice Requires="a14">
-          <p:sp>
-            <p:nvSpPr>
-              <p:cNvPr id="3" name="Content Placeholder 2">
-                <a:extLst>
-                  <a:ext uri="{FF2B5EF4-FFF2-40B4-BE49-F238E27FC236}">
-                    <a16:creationId xmlns:a16="http://schemas.microsoft.com/office/drawing/2014/main" id="{9DDB2A00-5283-47FC-AD2D-58F21AA82A80}"/>
-                  </a:ext>
-                </a:extLst>
-              </p:cNvPr>
-              <p:cNvSpPr>
-                <a:spLocks noGrp="1"/>
-              </p:cNvSpPr>
-              <p:nvPr>
-                <p:ph idx="1"/>
-              </p:nvPr>
-            </p:nvSpPr>
-            <p:spPr/>
-            <p:txBody>
-              <a:bodyPr/>
-              <a:lstStyle/>
-              <a:p>
-                <a:r>
-                  <a:rPr lang="en-US" dirty="0"/>
-                  <a:t>Let </a:t>
-                </a:r>
-                <a14:m>
-                  <m:oMath xmlns:m="http://schemas.openxmlformats.org/officeDocument/2006/math">
-                    <m:r>
-                      <a:rPr lang="en-US" i="1">
-                        <a:latin typeface="Cambria Math" panose="02040503050406030204" pitchFamily="18" charset="0"/>
-                      </a:rPr>
-                      <m:t>𝑋</m:t>
-                    </m:r>
-                  </m:oMath>
-                </a14:m>
-                <a:r>
-                  <a:rPr lang="en-US" i="1" dirty="0"/>
-                  <a:t> </a:t>
-                </a:r>
-                <a:r>
-                  <a:rPr lang="en-US" dirty="0"/>
-                  <a:t>be the distance that an obstacle moves along its direction of travel for some time step </a:t>
-                </a:r>
-                <a14:m>
-                  <m:oMath xmlns:m="http://schemas.openxmlformats.org/officeDocument/2006/math">
-                    <m:r>
-                      <a:rPr lang="en-US" i="1">
-                        <a:latin typeface="Cambria Math" panose="02040503050406030204" pitchFamily="18" charset="0"/>
-                      </a:rPr>
-                      <m:t>𝑡</m:t>
-                    </m:r>
-                  </m:oMath>
-                </a14:m>
-                <a:r>
-                  <a:rPr lang="en-US" dirty="0"/>
-                  <a:t>. </a:t>
-                </a:r>
-                <a:endParaRPr lang="en-US" i="1" dirty="0">
-                  <a:latin typeface="Cambria Math" panose="02040503050406030204" pitchFamily="18" charset="0"/>
-                </a:endParaRPr>
-              </a:p>
-              <a:p>
-                <a14:m>
-                  <m:oMath xmlns:m="http://schemas.openxmlformats.org/officeDocument/2006/math">
-                    <m:r>
-                      <a:rPr lang="en-US" b="0" i="1" smtClean="0">
-                        <a:latin typeface="Cambria Math" panose="02040503050406030204" pitchFamily="18" charset="0"/>
-                      </a:rPr>
-                      <m:t>𝑋</m:t>
-                    </m:r>
-                    <m:r>
-                      <a:rPr lang="en-US" b="0" i="1" smtClean="0">
-                        <a:latin typeface="Cambria Math" panose="02040503050406030204" pitchFamily="18" charset="0"/>
-                        <a:ea typeface="Cambria Math" panose="02040503050406030204" pitchFamily="18" charset="0"/>
-                      </a:rPr>
-                      <m:t>~</m:t>
-                    </m:r>
-                    <m:r>
-                      <a:rPr lang="en-US" b="0" i="1" smtClean="0">
-                        <a:latin typeface="Cambria Math" panose="02040503050406030204" pitchFamily="18" charset="0"/>
-                        <a:ea typeface="Cambria Math" panose="02040503050406030204" pitchFamily="18" charset="0"/>
-                      </a:rPr>
-                      <m:t>𝑁</m:t>
-                    </m:r>
-                    <m:d>
-                      <m:dPr>
-                        <m:ctrlPr>
-                          <a:rPr lang="en-US" b="0" i="1" smtClean="0">
-                            <a:latin typeface="Cambria Math" panose="02040503050406030204" pitchFamily="18" charset="0"/>
-                            <a:ea typeface="Cambria Math" panose="02040503050406030204" pitchFamily="18" charset="0"/>
-                          </a:rPr>
-                        </m:ctrlPr>
-                      </m:dPr>
-                      <m:e>
-                        <m:r>
-                          <a:rPr lang="en-US" b="0" i="1" smtClean="0">
-                            <a:latin typeface="Cambria Math" panose="02040503050406030204" pitchFamily="18" charset="0"/>
-                            <a:ea typeface="Cambria Math" panose="02040503050406030204" pitchFamily="18" charset="0"/>
-                          </a:rPr>
-                          <m:t>𝜇</m:t>
-                        </m:r>
-                        <m:r>
-                          <a:rPr lang="en-US" b="0" i="1" smtClean="0">
-                            <a:latin typeface="Cambria Math" panose="02040503050406030204" pitchFamily="18" charset="0"/>
-                            <a:ea typeface="Cambria Math" panose="02040503050406030204" pitchFamily="18" charset="0"/>
-                          </a:rPr>
-                          <m:t>,</m:t>
-                        </m:r>
-                        <m:sSup>
-                          <m:sSupPr>
-                            <m:ctrlPr>
-                              <a:rPr lang="en-US" b="0" i="1" smtClean="0">
-                                <a:latin typeface="Cambria Math" panose="02040503050406030204" pitchFamily="18" charset="0"/>
-                                <a:ea typeface="Cambria Math" panose="02040503050406030204" pitchFamily="18" charset="0"/>
-                              </a:rPr>
-                            </m:ctrlPr>
-                          </m:sSupPr>
-                          <m:e>
-                            <m:r>
-                              <a:rPr lang="en-US" b="0" i="1" smtClean="0">
-                                <a:latin typeface="Cambria Math" panose="02040503050406030204" pitchFamily="18" charset="0"/>
-                                <a:ea typeface="Cambria Math" panose="02040503050406030204" pitchFamily="18" charset="0"/>
-                              </a:rPr>
-                              <m:t>𝜎</m:t>
-                            </m:r>
-                          </m:e>
-                          <m:sup>
-                            <m:r>
-                              <a:rPr lang="en-US" b="0" i="1" smtClean="0">
-                                <a:latin typeface="Cambria Math" panose="02040503050406030204" pitchFamily="18" charset="0"/>
-                                <a:ea typeface="Cambria Math" panose="02040503050406030204" pitchFamily="18" charset="0"/>
-                              </a:rPr>
-                              <m:t>2</m:t>
-                            </m:r>
-                          </m:sup>
-                        </m:sSup>
-                      </m:e>
-                    </m:d>
-                  </m:oMath>
-                </a14:m>
-                <a:r>
-                  <a:rPr lang="en-US" dirty="0"/>
-                  <a:t> is the true distribution*. </a:t>
-                </a:r>
-              </a:p>
-              <a:p>
-                <a:pPr marL="0" indent="0">
-                  <a:buNone/>
-                </a:pPr>
-                <a:endParaRPr lang="en-US" dirty="0"/>
-              </a:p>
-            </p:txBody>
-          </p:sp>
-        </mc:Choice>
-        <mc:Fallback xmlns="">
-          <p:sp>
-            <p:nvSpPr>
-              <p:cNvPr id="3" name="Content Placeholder 2">
-                <a:extLst>
-                  <a:ext uri="{FF2B5EF4-FFF2-40B4-BE49-F238E27FC236}">
-                    <a16:creationId xmlns:a16="http://schemas.microsoft.com/office/drawing/2014/main" id="{9DDB2A00-5283-47FC-AD2D-58F21AA82A80}"/>
-                  </a:ext>
-                </a:extLst>
-              </p:cNvPr>
-              <p:cNvSpPr>
-                <a:spLocks noGrp="1" noRot="1" noChangeAspect="1" noMove="1" noResize="1" noEditPoints="1" noAdjustHandles="1" noChangeArrowheads="1" noChangeShapeType="1" noTextEdit="1"/>
-              </p:cNvSpPr>
-              <p:nvPr>
-                <p:ph idx="1"/>
-              </p:nvPr>
-            </p:nvSpPr>
-            <p:spPr>
-              <a:blipFill>
-                <a:blip r:embed="rId2"/>
-                <a:stretch>
-                  <a:fillRect l="-1086" t="-2326"/>
-                </a:stretch>
-              </a:blipFill>
-            </p:spPr>
-            <p:txBody>
-              <a:bodyPr/>
-              <a:lstStyle/>
-              <a:p>
-                <a:r>
-                  <a:rPr lang="en-US">
-                    <a:noFill/>
-                  </a:rPr>
-                  <a:t> </a:t>
-                </a:r>
-              </a:p>
-            </p:txBody>
-          </p:sp>
-        </mc:Fallback>
-      </mc:AlternateContent>
-      <p:sp>
-        <p:nvSpPr>
-          <p:cNvPr id="4" name="TextBox 3">
-            <a:extLst>
-              <a:ext uri="{FF2B5EF4-FFF2-40B4-BE49-F238E27FC236}">
-                <a16:creationId xmlns:a16="http://schemas.microsoft.com/office/drawing/2014/main" id="{A72C3F48-DDC6-6E36-1AC1-B4277E275417}"/>
-              </a:ext>
-            </a:extLst>
-          </p:cNvPr>
-          <p:cNvSpPr txBox="1"/>
-          <p:nvPr/>
-        </p:nvSpPr>
-        <p:spPr>
-          <a:xfrm>
-            <a:off x="3744686" y="5317218"/>
-            <a:ext cx="5225143" cy="646331"/>
-          </a:xfrm>
-          <a:prstGeom prst="rect">
-            <a:avLst/>
-          </a:prstGeom>
-          <a:noFill/>
-        </p:spPr>
-        <p:txBody>
-          <a:bodyPr wrap="square" rtlCol="0">
-            <a:spAutoFit/>
-          </a:bodyPr>
-          <a:lstStyle/>
-          <a:p>
-            <a:r>
-              <a:rPr lang="en-US" dirty="0"/>
-              <a:t>*It’s technically a truncated normal bound between the min and max distances the obstacle can travel</a:t>
-            </a:r>
-          </a:p>
-        </p:txBody>
-      </p:sp>
-    </p:spTree>
-    <p:extLst>
-      <p:ext uri="{BB962C8B-B14F-4D97-AF65-F5344CB8AC3E}">
-        <p14:creationId xmlns:p14="http://schemas.microsoft.com/office/powerpoint/2010/main" val="663243876"/>
-      </p:ext>
-    </p:extLst>
-  </p:cSld>
-  <p:clrMapOvr>
-    <a:masterClrMapping/>
-  </p:clrMapOvr>
-</p:sld>
-</file>
-
 <file path=ppt/slides/slide39.xml><?xml version="1.0" encoding="utf-8"?>
 <p:sld xmlns:a="http://schemas.openxmlformats.org/drawingml/2006/main" xmlns:r="http://schemas.openxmlformats.org/officeDocument/2006/relationships" xmlns:p="http://schemas.openxmlformats.org/presentationml/2006/main">
   <p:cSld>
@@ -21463,136 +21352,6 @@
                 </a:r>
               </a:p>
               <a:p>
-                <a:r>
-                  <a:rPr lang="en-US" dirty="0"/>
-                  <a:t>Humans perceive the distance as </a:t>
-                </a:r>
-                <a14:m>
-                  <m:oMath xmlns:m="http://schemas.openxmlformats.org/officeDocument/2006/math">
-                    <m:acc>
-                      <m:accPr>
-                        <m:chr m:val="̅"/>
-                        <m:ctrlPr>
-                          <a:rPr lang="en-US" i="1" smtClean="0">
-                            <a:latin typeface="Cambria Math" panose="02040503050406030204" pitchFamily="18" charset="0"/>
-                          </a:rPr>
-                        </m:ctrlPr>
-                      </m:accPr>
-                      <m:e>
-                        <m:r>
-                          <a:rPr lang="en-US" b="0" i="1" smtClean="0">
-                            <a:latin typeface="Cambria Math" panose="02040503050406030204" pitchFamily="18" charset="0"/>
-                          </a:rPr>
-                          <m:t>𝑋</m:t>
-                        </m:r>
-                      </m:e>
-                    </m:acc>
-                    <m:r>
-                      <a:rPr lang="en-US" b="0" i="1" smtClean="0">
-                        <a:latin typeface="Cambria Math" panose="02040503050406030204" pitchFamily="18" charset="0"/>
-                      </a:rPr>
-                      <m:t>=</m:t>
-                    </m:r>
-                    <m:d>
-                      <m:dPr>
-                        <m:ctrlPr>
-                          <a:rPr lang="en-US" b="0" i="1" smtClean="0">
-                            <a:latin typeface="Cambria Math" panose="02040503050406030204" pitchFamily="18" charset="0"/>
-                          </a:rPr>
-                        </m:ctrlPr>
-                      </m:dPr>
-                      <m:e>
-                        <m:r>
-                          <a:rPr lang="en-US" b="0" i="1" smtClean="0">
-                            <a:latin typeface="Cambria Math" panose="02040503050406030204" pitchFamily="18" charset="0"/>
-                          </a:rPr>
-                          <m:t>1+</m:t>
-                        </m:r>
-                        <m:r>
-                          <a:rPr lang="en-US" b="0" i="1" smtClean="0">
-                            <a:latin typeface="Cambria Math" panose="02040503050406030204" pitchFamily="18" charset="0"/>
-                            <a:ea typeface="Cambria Math" panose="02040503050406030204" pitchFamily="18" charset="0"/>
-                          </a:rPr>
-                          <m:t>𝛼</m:t>
-                        </m:r>
-                      </m:e>
-                    </m:d>
-                    <m:d>
-                      <m:dPr>
-                        <m:ctrlPr>
-                          <a:rPr lang="en-US" b="0" i="1" smtClean="0">
-                            <a:latin typeface="Cambria Math" panose="02040503050406030204" pitchFamily="18" charset="0"/>
-                            <a:ea typeface="Cambria Math" panose="02040503050406030204" pitchFamily="18" charset="0"/>
-                          </a:rPr>
-                        </m:ctrlPr>
-                      </m:dPr>
-                      <m:e>
-                        <m:r>
-                          <a:rPr lang="en-US" b="0" i="1" smtClean="0">
-                            <a:latin typeface="Cambria Math" panose="02040503050406030204" pitchFamily="18" charset="0"/>
-                            <a:ea typeface="Cambria Math" panose="02040503050406030204" pitchFamily="18" charset="0"/>
-                          </a:rPr>
-                          <m:t>𝑋</m:t>
-                        </m:r>
-                        <m:r>
-                          <a:rPr lang="en-US" b="0" i="1" smtClean="0">
-                            <a:latin typeface="Cambria Math" panose="02040503050406030204" pitchFamily="18" charset="0"/>
-                            <a:ea typeface="Cambria Math" panose="02040503050406030204" pitchFamily="18" charset="0"/>
-                          </a:rPr>
-                          <m:t> − </m:t>
-                        </m:r>
-                        <m:r>
-                          <a:rPr lang="en-US" b="0" i="1" smtClean="0">
-                            <a:latin typeface="Cambria Math" panose="02040503050406030204" pitchFamily="18" charset="0"/>
-                            <a:ea typeface="Cambria Math" panose="02040503050406030204" pitchFamily="18" charset="0"/>
-                          </a:rPr>
-                          <m:t>𝜇</m:t>
-                        </m:r>
-                      </m:e>
-                    </m:d>
-                    <m:r>
-                      <a:rPr lang="en-US" b="0" i="1" smtClean="0">
-                        <a:latin typeface="Cambria Math" panose="02040503050406030204" pitchFamily="18" charset="0"/>
-                        <a:ea typeface="Cambria Math" panose="02040503050406030204" pitchFamily="18" charset="0"/>
-                      </a:rPr>
-                      <m:t>+</m:t>
-                    </m:r>
-                    <m:r>
-                      <a:rPr lang="en-US" b="0" i="1" smtClean="0">
-                        <a:latin typeface="Cambria Math" panose="02040503050406030204" pitchFamily="18" charset="0"/>
-                        <a:ea typeface="Cambria Math" panose="02040503050406030204" pitchFamily="18" charset="0"/>
-                      </a:rPr>
-                      <m:t>𝜇</m:t>
-                    </m:r>
-                    <m:r>
-                      <a:rPr lang="en-US" b="0" i="1" smtClean="0">
-                        <a:latin typeface="Cambria Math" panose="02040503050406030204" pitchFamily="18" charset="0"/>
-                        <a:ea typeface="Cambria Math" panose="02040503050406030204" pitchFamily="18" charset="0"/>
-                      </a:rPr>
-                      <m:t>, 0≤</m:t>
-                    </m:r>
-                    <m:r>
-                      <a:rPr lang="en-US" b="0" i="1" smtClean="0">
-                        <a:latin typeface="Cambria Math" panose="02040503050406030204" pitchFamily="18" charset="0"/>
-                        <a:ea typeface="Cambria Math" panose="02040503050406030204" pitchFamily="18" charset="0"/>
-                      </a:rPr>
-                      <m:t>𝛼</m:t>
-                    </m:r>
-                    <m:r>
-                      <a:rPr lang="en-US" b="0" i="1" smtClean="0">
-                        <a:latin typeface="Cambria Math" panose="02040503050406030204" pitchFamily="18" charset="0"/>
-                        <a:ea typeface="Cambria Math" panose="02040503050406030204" pitchFamily="18" charset="0"/>
-                      </a:rPr>
-                      <m:t>≤1</m:t>
-                    </m:r>
-                  </m:oMath>
-                </a14:m>
-                <a:r>
-                  <a:rPr lang="en-US" dirty="0"/>
-                  <a:t>.</a:t>
-                </a:r>
-              </a:p>
-              <a:p>
                 <a:pPr marL="0" indent="0">
                   <a:buNone/>
                 </a:pPr>
@@ -21679,7 +21438,7 @@
     </p:spTree>
     <p:extLst>
       <p:ext uri="{BB962C8B-B14F-4D97-AF65-F5344CB8AC3E}">
-        <p14:creationId xmlns:p14="http://schemas.microsoft.com/office/powerpoint/2010/main" val="1247199705"/>
+        <p14:creationId xmlns:p14="http://schemas.microsoft.com/office/powerpoint/2010/main" val="663243876"/>
       </p:ext>
     </p:extLst>
   </p:cSld>
@@ -22501,6 +22260,425 @@
                 </a:r>
               </a:p>
               <a:p>
+                <a:pPr marL="0" indent="0">
+                  <a:buNone/>
+                </a:pPr>
+                <a:endParaRPr lang="en-US" dirty="0"/>
+              </a:p>
+            </p:txBody>
+          </p:sp>
+        </mc:Choice>
+        <mc:Fallback xmlns="">
+          <p:sp>
+            <p:nvSpPr>
+              <p:cNvPr id="3" name="Content Placeholder 2">
+                <a:extLst>
+                  <a:ext uri="{FF2B5EF4-FFF2-40B4-BE49-F238E27FC236}">
+                    <a16:creationId xmlns:a16="http://schemas.microsoft.com/office/drawing/2014/main" id="{9DDB2A00-5283-47FC-AD2D-58F21AA82A80}"/>
+                  </a:ext>
+                </a:extLst>
+              </p:cNvPr>
+              <p:cNvSpPr>
+                <a:spLocks noGrp="1" noRot="1" noChangeAspect="1" noMove="1" noResize="1" noEditPoints="1" noAdjustHandles="1" noChangeArrowheads="1" noChangeShapeType="1" noTextEdit="1"/>
+              </p:cNvSpPr>
+              <p:nvPr>
+                <p:ph idx="1"/>
+              </p:nvPr>
+            </p:nvSpPr>
+            <p:spPr>
+              <a:blipFill>
+                <a:blip r:embed="rId2"/>
+                <a:stretch>
+                  <a:fillRect l="-1086" t="-2326"/>
+                </a:stretch>
+              </a:blipFill>
+            </p:spPr>
+            <p:txBody>
+              <a:bodyPr/>
+              <a:lstStyle/>
+              <a:p>
+                <a:r>
+                  <a:rPr lang="en-US">
+                    <a:noFill/>
+                  </a:rPr>
+                  <a:t> </a:t>
+                </a:r>
+              </a:p>
+            </p:txBody>
+          </p:sp>
+        </mc:Fallback>
+      </mc:AlternateContent>
+      <p:sp>
+        <p:nvSpPr>
+          <p:cNvPr id="4" name="TextBox 3">
+            <a:extLst>
+              <a:ext uri="{FF2B5EF4-FFF2-40B4-BE49-F238E27FC236}">
+                <a16:creationId xmlns:a16="http://schemas.microsoft.com/office/drawing/2014/main" id="{A72C3F48-DDC6-6E36-1AC1-B4277E275417}"/>
+              </a:ext>
+            </a:extLst>
+          </p:cNvPr>
+          <p:cNvSpPr txBox="1"/>
+          <p:nvPr/>
+        </p:nvSpPr>
+        <p:spPr>
+          <a:xfrm>
+            <a:off x="3744686" y="5317218"/>
+            <a:ext cx="5225143" cy="646331"/>
+          </a:xfrm>
+          <a:prstGeom prst="rect">
+            <a:avLst/>
+          </a:prstGeom>
+          <a:noFill/>
+        </p:spPr>
+        <p:txBody>
+          <a:bodyPr wrap="square" rtlCol="0">
+            <a:spAutoFit/>
+          </a:bodyPr>
+          <a:lstStyle/>
+          <a:p>
+            <a:r>
+              <a:rPr lang="en-US" dirty="0"/>
+              <a:t>*It’s technically a truncated normal bound between the min and max distances the obstacle can travel</a:t>
+            </a:r>
+          </a:p>
+        </p:txBody>
+      </p:sp>
+    </p:spTree>
+    <p:extLst>
+      <p:ext uri="{BB962C8B-B14F-4D97-AF65-F5344CB8AC3E}">
+        <p14:creationId xmlns:p14="http://schemas.microsoft.com/office/powerpoint/2010/main" val="1247199705"/>
+      </p:ext>
+    </p:extLst>
+  </p:cSld>
+  <p:clrMapOvr>
+    <a:masterClrMapping/>
+  </p:clrMapOvr>
+</p:sld>
+</file>
+
+<file path=ppt/slides/slide41.xml><?xml version="1.0" encoding="utf-8"?>
+<p:sld xmlns:a="http://schemas.openxmlformats.org/drawingml/2006/main" xmlns:r="http://schemas.openxmlformats.org/officeDocument/2006/relationships" xmlns:p="http://schemas.openxmlformats.org/presentationml/2006/main">
+  <p:cSld>
+    <p:spTree>
+      <p:nvGrpSpPr>
+        <p:cNvPr id="1" name=""/>
+        <p:cNvGrpSpPr/>
+        <p:nvPr/>
+      </p:nvGrpSpPr>
+      <p:grpSpPr>
+        <a:xfrm>
+          <a:off x="0" y="0"/>
+          <a:ext cx="0" cy="0"/>
+          <a:chOff x="0" y="0"/>
+          <a:chExt cx="0" cy="0"/>
+        </a:xfrm>
+      </p:grpSpPr>
+      <p:sp>
+        <p:nvSpPr>
+          <p:cNvPr id="2" name="Title 1">
+            <a:extLst>
+              <a:ext uri="{FF2B5EF4-FFF2-40B4-BE49-F238E27FC236}">
+                <a16:creationId xmlns:a16="http://schemas.microsoft.com/office/drawing/2014/main" id="{7D5410CF-76E2-85E7-B597-27CAA331869B}"/>
+              </a:ext>
+            </a:extLst>
+          </p:cNvPr>
+          <p:cNvSpPr>
+            <a:spLocks noGrp="1"/>
+          </p:cNvSpPr>
+          <p:nvPr>
+            <p:ph type="title"/>
+          </p:nvPr>
+        </p:nvSpPr>
+        <p:spPr/>
+        <p:txBody>
+          <a:bodyPr/>
+          <a:lstStyle/>
+          <a:p>
+            <a:r>
+              <a:rPr lang="en-US" dirty="0"/>
+              <a:t>Human perception of collision probabilities</a:t>
+            </a:r>
+          </a:p>
+        </p:txBody>
+      </p:sp>
+      <mc:AlternateContent xmlns:mc="http://schemas.openxmlformats.org/markup-compatibility/2006" xmlns:a14="http://schemas.microsoft.com/office/drawing/2010/main">
+        <mc:Choice Requires="a14">
+          <p:sp>
+            <p:nvSpPr>
+              <p:cNvPr id="3" name="Content Placeholder 2">
+                <a:extLst>
+                  <a:ext uri="{FF2B5EF4-FFF2-40B4-BE49-F238E27FC236}">
+                    <a16:creationId xmlns:a16="http://schemas.microsoft.com/office/drawing/2014/main" id="{9DDB2A00-5283-47FC-AD2D-58F21AA82A80}"/>
+                  </a:ext>
+                </a:extLst>
+              </p:cNvPr>
+              <p:cNvSpPr>
+                <a:spLocks noGrp="1"/>
+              </p:cNvSpPr>
+              <p:nvPr>
+                <p:ph idx="1"/>
+              </p:nvPr>
+            </p:nvSpPr>
+            <p:spPr/>
+            <p:txBody>
+              <a:bodyPr/>
+              <a:lstStyle/>
+              <a:p>
+                <a:r>
+                  <a:rPr lang="en-US" dirty="0"/>
+                  <a:t>Let </a:t>
+                </a:r>
+                <a14:m>
+                  <m:oMath xmlns:m="http://schemas.openxmlformats.org/officeDocument/2006/math">
+                    <m:r>
+                      <a:rPr lang="en-US" i="1">
+                        <a:latin typeface="Cambria Math" panose="02040503050406030204" pitchFamily="18" charset="0"/>
+                      </a:rPr>
+                      <m:t>𝑋</m:t>
+                    </m:r>
+                  </m:oMath>
+                </a14:m>
+                <a:r>
+                  <a:rPr lang="en-US" i="1" dirty="0"/>
+                  <a:t> </a:t>
+                </a:r>
+                <a:r>
+                  <a:rPr lang="en-US" dirty="0"/>
+                  <a:t>be the distance that an obstacle moves along its direction of travel for some time step </a:t>
+                </a:r>
+                <a14:m>
+                  <m:oMath xmlns:m="http://schemas.openxmlformats.org/officeDocument/2006/math">
+                    <m:r>
+                      <a:rPr lang="en-US" i="1">
+                        <a:latin typeface="Cambria Math" panose="02040503050406030204" pitchFamily="18" charset="0"/>
+                      </a:rPr>
+                      <m:t>𝑡</m:t>
+                    </m:r>
+                  </m:oMath>
+                </a14:m>
+                <a:r>
+                  <a:rPr lang="en-US" dirty="0"/>
+                  <a:t>. </a:t>
+                </a:r>
+                <a:endParaRPr lang="en-US" i="1" dirty="0">
+                  <a:latin typeface="Cambria Math" panose="02040503050406030204" pitchFamily="18" charset="0"/>
+                </a:endParaRPr>
+              </a:p>
+              <a:p>
+                <a14:m>
+                  <m:oMath xmlns:m="http://schemas.openxmlformats.org/officeDocument/2006/math">
+                    <m:r>
+                      <a:rPr lang="en-US" b="0" i="1" smtClean="0">
+                        <a:latin typeface="Cambria Math" panose="02040503050406030204" pitchFamily="18" charset="0"/>
+                      </a:rPr>
+                      <m:t>𝑋</m:t>
+                    </m:r>
+                    <m:r>
+                      <a:rPr lang="en-US" b="0" i="1" smtClean="0">
+                        <a:latin typeface="Cambria Math" panose="02040503050406030204" pitchFamily="18" charset="0"/>
+                        <a:ea typeface="Cambria Math" panose="02040503050406030204" pitchFamily="18" charset="0"/>
+                      </a:rPr>
+                      <m:t>~</m:t>
+                    </m:r>
+                    <m:r>
+                      <a:rPr lang="en-US" b="0" i="1" smtClean="0">
+                        <a:latin typeface="Cambria Math" panose="02040503050406030204" pitchFamily="18" charset="0"/>
+                        <a:ea typeface="Cambria Math" panose="02040503050406030204" pitchFamily="18" charset="0"/>
+                      </a:rPr>
+                      <m:t>𝑁</m:t>
+                    </m:r>
+                    <m:d>
+                      <m:dPr>
+                        <m:ctrlPr>
+                          <a:rPr lang="en-US" b="0" i="1" smtClean="0">
+                            <a:latin typeface="Cambria Math" panose="02040503050406030204" pitchFamily="18" charset="0"/>
+                            <a:ea typeface="Cambria Math" panose="02040503050406030204" pitchFamily="18" charset="0"/>
+                          </a:rPr>
+                        </m:ctrlPr>
+                      </m:dPr>
+                      <m:e>
+                        <m:r>
+                          <a:rPr lang="en-US" b="0" i="1" smtClean="0">
+                            <a:latin typeface="Cambria Math" panose="02040503050406030204" pitchFamily="18" charset="0"/>
+                            <a:ea typeface="Cambria Math" panose="02040503050406030204" pitchFamily="18" charset="0"/>
+                          </a:rPr>
+                          <m:t>𝜇</m:t>
+                        </m:r>
+                        <m:r>
+                          <a:rPr lang="en-US" b="0" i="1" smtClean="0">
+                            <a:latin typeface="Cambria Math" panose="02040503050406030204" pitchFamily="18" charset="0"/>
+                            <a:ea typeface="Cambria Math" panose="02040503050406030204" pitchFamily="18" charset="0"/>
+                          </a:rPr>
+                          <m:t>,</m:t>
+                        </m:r>
+                        <m:sSup>
+                          <m:sSupPr>
+                            <m:ctrlPr>
+                              <a:rPr lang="en-US" b="0" i="1" smtClean="0">
+                                <a:latin typeface="Cambria Math" panose="02040503050406030204" pitchFamily="18" charset="0"/>
+                                <a:ea typeface="Cambria Math" panose="02040503050406030204" pitchFamily="18" charset="0"/>
+                              </a:rPr>
+                            </m:ctrlPr>
+                          </m:sSupPr>
+                          <m:e>
+                            <m:r>
+                              <a:rPr lang="en-US" b="0" i="1" smtClean="0">
+                                <a:latin typeface="Cambria Math" panose="02040503050406030204" pitchFamily="18" charset="0"/>
+                                <a:ea typeface="Cambria Math" panose="02040503050406030204" pitchFamily="18" charset="0"/>
+                              </a:rPr>
+                              <m:t>𝜎</m:t>
+                            </m:r>
+                          </m:e>
+                          <m:sup>
+                            <m:r>
+                              <a:rPr lang="en-US" b="0" i="1" smtClean="0">
+                                <a:latin typeface="Cambria Math" panose="02040503050406030204" pitchFamily="18" charset="0"/>
+                                <a:ea typeface="Cambria Math" panose="02040503050406030204" pitchFamily="18" charset="0"/>
+                              </a:rPr>
+                              <m:t>2</m:t>
+                            </m:r>
+                          </m:sup>
+                        </m:sSup>
+                      </m:e>
+                    </m:d>
+                  </m:oMath>
+                </a14:m>
+                <a:r>
+                  <a:rPr lang="en-US" dirty="0"/>
+                  <a:t> is the true distribution*. </a:t>
+                </a:r>
+              </a:p>
+              <a:p>
+                <a:r>
+                  <a:rPr lang="en-US" dirty="0"/>
+                  <a:t>Humans perceive the distance as </a:t>
+                </a:r>
+                <a14:m>
+                  <m:oMath xmlns:m="http://schemas.openxmlformats.org/officeDocument/2006/math">
+                    <m:acc>
+                      <m:accPr>
+                        <m:chr m:val="̅"/>
+                        <m:ctrlPr>
+                          <a:rPr lang="en-US" i="1" smtClean="0">
+                            <a:latin typeface="Cambria Math" panose="02040503050406030204" pitchFamily="18" charset="0"/>
+                          </a:rPr>
+                        </m:ctrlPr>
+                      </m:accPr>
+                      <m:e>
+                        <m:r>
+                          <a:rPr lang="en-US" b="0" i="1" smtClean="0">
+                            <a:latin typeface="Cambria Math" panose="02040503050406030204" pitchFamily="18" charset="0"/>
+                          </a:rPr>
+                          <m:t>𝑋</m:t>
+                        </m:r>
+                      </m:e>
+                    </m:acc>
+                    <m:r>
+                      <a:rPr lang="en-US" b="0" i="1" smtClean="0">
+                        <a:latin typeface="Cambria Math" panose="02040503050406030204" pitchFamily="18" charset="0"/>
+                      </a:rPr>
+                      <m:t>=</m:t>
+                    </m:r>
+                    <m:d>
+                      <m:dPr>
+                        <m:ctrlPr>
+                          <a:rPr lang="en-US" b="0" i="1" smtClean="0">
+                            <a:latin typeface="Cambria Math" panose="02040503050406030204" pitchFamily="18" charset="0"/>
+                          </a:rPr>
+                        </m:ctrlPr>
+                      </m:dPr>
+                      <m:e>
+                        <m:r>
+                          <a:rPr lang="en-US" b="0" i="1" smtClean="0">
+                            <a:latin typeface="Cambria Math" panose="02040503050406030204" pitchFamily="18" charset="0"/>
+                          </a:rPr>
+                          <m:t>1+</m:t>
+                        </m:r>
+                        <m:r>
+                          <a:rPr lang="en-US" b="0" i="1" smtClean="0">
+                            <a:latin typeface="Cambria Math" panose="02040503050406030204" pitchFamily="18" charset="0"/>
+                            <a:ea typeface="Cambria Math" panose="02040503050406030204" pitchFamily="18" charset="0"/>
+                          </a:rPr>
+                          <m:t>𝛼</m:t>
+                        </m:r>
+                      </m:e>
+                    </m:d>
+                    <m:d>
+                      <m:dPr>
+                        <m:ctrlPr>
+                          <a:rPr lang="en-US" b="0" i="1" smtClean="0">
+                            <a:latin typeface="Cambria Math" panose="02040503050406030204" pitchFamily="18" charset="0"/>
+                            <a:ea typeface="Cambria Math" panose="02040503050406030204" pitchFamily="18" charset="0"/>
+                          </a:rPr>
+                        </m:ctrlPr>
+                      </m:dPr>
+                      <m:e>
+                        <m:r>
+                          <a:rPr lang="en-US" b="0" i="1" smtClean="0">
+                            <a:latin typeface="Cambria Math" panose="02040503050406030204" pitchFamily="18" charset="0"/>
+                            <a:ea typeface="Cambria Math" panose="02040503050406030204" pitchFamily="18" charset="0"/>
+                          </a:rPr>
+                          <m:t>𝑋</m:t>
+                        </m:r>
+                        <m:r>
+                          <a:rPr lang="en-US" b="0" i="1" smtClean="0">
+                            <a:latin typeface="Cambria Math" panose="02040503050406030204" pitchFamily="18" charset="0"/>
+                            <a:ea typeface="Cambria Math" panose="02040503050406030204" pitchFamily="18" charset="0"/>
+                          </a:rPr>
+                          <m:t> − </m:t>
+                        </m:r>
+                        <m:r>
+                          <a:rPr lang="en-US" b="0" i="1" smtClean="0">
+                            <a:latin typeface="Cambria Math" panose="02040503050406030204" pitchFamily="18" charset="0"/>
+                            <a:ea typeface="Cambria Math" panose="02040503050406030204" pitchFamily="18" charset="0"/>
+                          </a:rPr>
+                          <m:t>𝜇</m:t>
+                        </m:r>
+                      </m:e>
+                    </m:d>
+                    <m:r>
+                      <a:rPr lang="en-US" b="0" i="1" smtClean="0">
+                        <a:latin typeface="Cambria Math" panose="02040503050406030204" pitchFamily="18" charset="0"/>
+                        <a:ea typeface="Cambria Math" panose="02040503050406030204" pitchFamily="18" charset="0"/>
+                      </a:rPr>
+                      <m:t>+</m:t>
+                    </m:r>
+                    <m:r>
+                      <a:rPr lang="en-US" b="0" i="1" smtClean="0">
+                        <a:latin typeface="Cambria Math" panose="02040503050406030204" pitchFamily="18" charset="0"/>
+                        <a:ea typeface="Cambria Math" panose="02040503050406030204" pitchFamily="18" charset="0"/>
+                      </a:rPr>
+                      <m:t>𝜇</m:t>
+                    </m:r>
+                    <m:r>
+                      <a:rPr lang="en-US" b="0" i="1" smtClean="0">
+                        <a:latin typeface="Cambria Math" panose="02040503050406030204" pitchFamily="18" charset="0"/>
+                        <a:ea typeface="Cambria Math" panose="02040503050406030204" pitchFamily="18" charset="0"/>
+                      </a:rPr>
+                      <m:t>, 0≤</m:t>
+                    </m:r>
+                    <m:r>
+                      <a:rPr lang="en-US" b="0" i="1" smtClean="0">
+                        <a:latin typeface="Cambria Math" panose="02040503050406030204" pitchFamily="18" charset="0"/>
+                        <a:ea typeface="Cambria Math" panose="02040503050406030204" pitchFamily="18" charset="0"/>
+                      </a:rPr>
+                      <m:t>𝛼</m:t>
+                    </m:r>
+                    <m:r>
+                      <a:rPr lang="en-US" b="0" i="1" smtClean="0">
+                        <a:latin typeface="Cambria Math" panose="02040503050406030204" pitchFamily="18" charset="0"/>
+                        <a:ea typeface="Cambria Math" panose="02040503050406030204" pitchFamily="18" charset="0"/>
+                      </a:rPr>
+                      <m:t>≤1</m:t>
+                    </m:r>
+                  </m:oMath>
+                </a14:m>
+                <a:r>
+                  <a:rPr lang="en-US" dirty="0"/>
+                  <a:t>.</a:t>
+                </a:r>
+              </a:p>
+              <a:p>
                 <a14:m>
                   <m:oMath xmlns:m="http://schemas.openxmlformats.org/officeDocument/2006/math">
                     <m:acc>
@@ -22732,7 +22910,7 @@
 </p:sld>
 </file>
 
-<file path=ppt/slides/slide41.xml><?xml version="1.0" encoding="utf-8"?>
+<file path=ppt/slides/slide42.xml><?xml version="1.0" encoding="utf-8"?>
 <p:sld xmlns:a="http://schemas.openxmlformats.org/drawingml/2006/main" xmlns:r="http://schemas.openxmlformats.org/officeDocument/2006/relationships" xmlns:p="http://schemas.openxmlformats.org/presentationml/2006/main">
   <p:cSld>
     <p:spTree>

--- a/research/loren/busy_bee_ideas.pptx
+++ b/research/loren/busy_bee_ideas.pptx
@@ -5,7 +5,7 @@
     <p:sldMasterId id="2147483648" r:id="rId1"/>
   </p:sldMasterIdLst>
   <p:notesMasterIdLst>
-    <p:notesMasterId r:id="rId44"/>
+    <p:notesMasterId r:id="rId54"/>
   </p:notesMasterIdLst>
   <p:sldIdLst>
     <p:sldId id="256" r:id="rId2"/>
@@ -50,6 +50,16 @@
     <p:sldId id="276" r:id="rId41"/>
     <p:sldId id="274" r:id="rId42"/>
     <p:sldId id="277" r:id="rId43"/>
+    <p:sldId id="329" r:id="rId44"/>
+    <p:sldId id="331" r:id="rId45"/>
+    <p:sldId id="330" r:id="rId46"/>
+    <p:sldId id="332" r:id="rId47"/>
+    <p:sldId id="333" r:id="rId48"/>
+    <p:sldId id="334" r:id="rId49"/>
+    <p:sldId id="335" r:id="rId50"/>
+    <p:sldId id="337" r:id="rId51"/>
+    <p:sldId id="338" r:id="rId52"/>
+    <p:sldId id="336" r:id="rId53"/>
   </p:sldIdLst>
   <p:sldSz cx="12192000" cy="6858000"/>
   <p:notesSz cx="6858000" cy="9144000"/>
@@ -238,7 +248,7 @@
           <a:p>
             <a:fld id="{076AB3D5-AD05-5F40-BE2C-8C0372DC20CC}" type="datetimeFigureOut">
               <a:rPr lang="en-US" smtClean="0"/>
-              <a:t>9/2/23</a:t>
+              <a:t>11/14/23</a:t>
             </a:fld>
             <a:endParaRPr lang="en-US"/>
           </a:p>
@@ -739,7 +749,7 @@
           <a:p>
             <a:fld id="{B1DC179A-E86A-EF48-8C3E-7AEB49C8E1A9}" type="datetimeFigureOut">
               <a:rPr lang="en-US" smtClean="0"/>
-              <a:t>9/2/23</a:t>
+              <a:t>11/14/23</a:t>
             </a:fld>
             <a:endParaRPr lang="en-US"/>
           </a:p>
@@ -937,7 +947,7 @@
           <a:p>
             <a:fld id="{B1DC179A-E86A-EF48-8C3E-7AEB49C8E1A9}" type="datetimeFigureOut">
               <a:rPr lang="en-US" smtClean="0"/>
-              <a:t>9/2/23</a:t>
+              <a:t>11/14/23</a:t>
             </a:fld>
             <a:endParaRPr lang="en-US"/>
           </a:p>
@@ -1145,7 +1155,7 @@
           <a:p>
             <a:fld id="{B1DC179A-E86A-EF48-8C3E-7AEB49C8E1A9}" type="datetimeFigureOut">
               <a:rPr lang="en-US" smtClean="0"/>
-              <a:t>9/2/23</a:t>
+              <a:t>11/14/23</a:t>
             </a:fld>
             <a:endParaRPr lang="en-US"/>
           </a:p>
@@ -1343,7 +1353,7 @@
           <a:p>
             <a:fld id="{B1DC179A-E86A-EF48-8C3E-7AEB49C8E1A9}" type="datetimeFigureOut">
               <a:rPr lang="en-US" smtClean="0"/>
-              <a:t>9/2/23</a:t>
+              <a:t>11/14/23</a:t>
             </a:fld>
             <a:endParaRPr lang="en-US"/>
           </a:p>
@@ -1618,7 +1628,7 @@
           <a:p>
             <a:fld id="{B1DC179A-E86A-EF48-8C3E-7AEB49C8E1A9}" type="datetimeFigureOut">
               <a:rPr lang="en-US" smtClean="0"/>
-              <a:t>9/2/23</a:t>
+              <a:t>11/14/23</a:t>
             </a:fld>
             <a:endParaRPr lang="en-US"/>
           </a:p>
@@ -1883,7 +1893,7 @@
           <a:p>
             <a:fld id="{B1DC179A-E86A-EF48-8C3E-7AEB49C8E1A9}" type="datetimeFigureOut">
               <a:rPr lang="en-US" smtClean="0"/>
-              <a:t>9/2/23</a:t>
+              <a:t>11/14/23</a:t>
             </a:fld>
             <a:endParaRPr lang="en-US"/>
           </a:p>
@@ -2295,7 +2305,7 @@
           <a:p>
             <a:fld id="{B1DC179A-E86A-EF48-8C3E-7AEB49C8E1A9}" type="datetimeFigureOut">
               <a:rPr lang="en-US" smtClean="0"/>
-              <a:t>9/2/23</a:t>
+              <a:t>11/14/23</a:t>
             </a:fld>
             <a:endParaRPr lang="en-US"/>
           </a:p>
@@ -2436,7 +2446,7 @@
           <a:p>
             <a:fld id="{B1DC179A-E86A-EF48-8C3E-7AEB49C8E1A9}" type="datetimeFigureOut">
               <a:rPr lang="en-US" smtClean="0"/>
-              <a:t>9/2/23</a:t>
+              <a:t>11/14/23</a:t>
             </a:fld>
             <a:endParaRPr lang="en-US"/>
           </a:p>
@@ -2549,7 +2559,7 @@
           <a:p>
             <a:fld id="{B1DC179A-E86A-EF48-8C3E-7AEB49C8E1A9}" type="datetimeFigureOut">
               <a:rPr lang="en-US" smtClean="0"/>
-              <a:t>9/2/23</a:t>
+              <a:t>11/14/23</a:t>
             </a:fld>
             <a:endParaRPr lang="en-US"/>
           </a:p>
@@ -2860,7 +2870,7 @@
           <a:p>
             <a:fld id="{B1DC179A-E86A-EF48-8C3E-7AEB49C8E1A9}" type="datetimeFigureOut">
               <a:rPr lang="en-US" smtClean="0"/>
-              <a:t>9/2/23</a:t>
+              <a:t>11/14/23</a:t>
             </a:fld>
             <a:endParaRPr lang="en-US"/>
           </a:p>
@@ -3148,7 +3158,7 @@
           <a:p>
             <a:fld id="{B1DC179A-E86A-EF48-8C3E-7AEB49C8E1A9}" type="datetimeFigureOut">
               <a:rPr lang="en-US" smtClean="0"/>
-              <a:t>9/2/23</a:t>
+              <a:t>11/14/23</a:t>
             </a:fld>
             <a:endParaRPr lang="en-US"/>
           </a:p>
@@ -3389,7 +3399,7 @@
           <a:p>
             <a:fld id="{B1DC179A-E86A-EF48-8C3E-7AEB49C8E1A9}" type="datetimeFigureOut">
               <a:rPr lang="en-US" smtClean="0"/>
-              <a:t>9/2/23</a:t>
+              <a:t>11/14/23</a:t>
             </a:fld>
             <a:endParaRPr lang="en-US"/>
           </a:p>
@@ -20050,8 +20060,8 @@
           </a:p>
         </p:txBody>
       </p:sp>
-      <mc:AlternateContent xmlns:mc="http://schemas.openxmlformats.org/markup-compatibility/2006">
-        <mc:Choice xmlns:a14="http://schemas.microsoft.com/office/drawing/2010/main" Requires="a14">
+      <mc:AlternateContent xmlns:mc="http://schemas.openxmlformats.org/markup-compatibility/2006" xmlns:a14="http://schemas.microsoft.com/office/drawing/2010/main">
+        <mc:Choice Requires="a14">
           <p:sp>
             <p:nvSpPr>
               <p:cNvPr id="3" name="Content Placeholder 2">
@@ -20129,7 +20139,7 @@
             </p:txBody>
           </p:sp>
         </mc:Choice>
-        <mc:Fallback>
+        <mc:Fallback xmlns="">
           <p:sp>
             <p:nvSpPr>
               <p:cNvPr id="3" name="Content Placeholder 2">
@@ -23481,6 +23491,1094 @@
 </p:sld>
 </file>
 
+<file path=ppt/slides/slide43.xml><?xml version="1.0" encoding="utf-8"?>
+<p:sld xmlns:a="http://schemas.openxmlformats.org/drawingml/2006/main" xmlns:r="http://schemas.openxmlformats.org/officeDocument/2006/relationships" xmlns:p="http://schemas.openxmlformats.org/presentationml/2006/main">
+  <p:cSld>
+    <p:spTree>
+      <p:nvGrpSpPr>
+        <p:cNvPr id="1" name=""/>
+        <p:cNvGrpSpPr/>
+        <p:nvPr/>
+      </p:nvGrpSpPr>
+      <p:grpSpPr>
+        <a:xfrm>
+          <a:off x="0" y="0"/>
+          <a:ext cx="0" cy="0"/>
+          <a:chOff x="0" y="0"/>
+          <a:chExt cx="0" cy="0"/>
+        </a:xfrm>
+      </p:grpSpPr>
+      <p:sp>
+        <p:nvSpPr>
+          <p:cNvPr id="2" name="Title 1">
+            <a:extLst>
+              <a:ext uri="{FF2B5EF4-FFF2-40B4-BE49-F238E27FC236}">
+                <a16:creationId xmlns:a16="http://schemas.microsoft.com/office/drawing/2014/main" id="{9A3DEEF2-BB7F-DC1E-0649-4F385F27DA1E}"/>
+              </a:ext>
+            </a:extLst>
+          </p:cNvPr>
+          <p:cNvSpPr>
+            <a:spLocks noGrp="1"/>
+          </p:cNvSpPr>
+          <p:nvPr>
+            <p:ph type="title"/>
+          </p:nvPr>
+        </p:nvSpPr>
+        <p:spPr/>
+        <p:txBody>
+          <a:bodyPr/>
+          <a:lstStyle/>
+          <a:p>
+            <a:r>
+              <a:rPr lang="en-US" dirty="0"/>
+              <a:t>Two-level decision making</a:t>
+            </a:r>
+          </a:p>
+        </p:txBody>
+      </p:sp>
+      <p:sp>
+        <p:nvSpPr>
+          <p:cNvPr id="3" name="Content Placeholder 2">
+            <a:extLst>
+              <a:ext uri="{FF2B5EF4-FFF2-40B4-BE49-F238E27FC236}">
+                <a16:creationId xmlns:a16="http://schemas.microsoft.com/office/drawing/2014/main" id="{5BE099CF-A2EE-4B99-F85B-EF780CAFB8C3}"/>
+              </a:ext>
+            </a:extLst>
+          </p:cNvPr>
+          <p:cNvSpPr>
+            <a:spLocks noGrp="1"/>
+          </p:cNvSpPr>
+          <p:nvPr>
+            <p:ph idx="1"/>
+          </p:nvPr>
+        </p:nvSpPr>
+        <p:spPr/>
+        <p:txBody>
+          <a:bodyPr/>
+          <a:lstStyle/>
+          <a:p>
+            <a:r>
+              <a:rPr lang="en-US" dirty="0"/>
+              <a:t>Global policy and short-term planning</a:t>
+            </a:r>
+          </a:p>
+          <a:p>
+            <a:r>
+              <a:rPr lang="en-US" dirty="0"/>
+              <a:t>Global policy:</a:t>
+            </a:r>
+          </a:p>
+          <a:p>
+            <a:pPr lvl="1"/>
+            <a:r>
+              <a:rPr lang="en-US" dirty="0"/>
+              <a:t>Anticipatory policies (Strategies)</a:t>
+            </a:r>
+          </a:p>
+          <a:p>
+            <a:pPr lvl="2"/>
+            <a:r>
+              <a:rPr lang="en-US" dirty="0"/>
+              <a:t>More developed and utilized by experienced players</a:t>
+            </a:r>
+          </a:p>
+          <a:p>
+            <a:pPr lvl="1"/>
+            <a:r>
+              <a:rPr lang="en-US" dirty="0"/>
+              <a:t>Emergency policies (Improvising)</a:t>
+            </a:r>
+          </a:p>
+          <a:p>
+            <a:pPr lvl="2"/>
+            <a:r>
+              <a:rPr lang="en-US" dirty="0"/>
+              <a:t>More seen with less experienced players</a:t>
+            </a:r>
+          </a:p>
+          <a:p>
+            <a:r>
+              <a:rPr lang="en-US" dirty="0"/>
+              <a:t>Policy supersedes planning (i.e., I’ll terminate planning if I reach a state that dictates a different policy).</a:t>
+            </a:r>
+          </a:p>
+        </p:txBody>
+      </p:sp>
+    </p:spTree>
+    <p:extLst>
+      <p:ext uri="{BB962C8B-B14F-4D97-AF65-F5344CB8AC3E}">
+        <p14:creationId xmlns:p14="http://schemas.microsoft.com/office/powerpoint/2010/main" val="3068416396"/>
+      </p:ext>
+    </p:extLst>
+  </p:cSld>
+  <p:clrMapOvr>
+    <a:masterClrMapping/>
+  </p:clrMapOvr>
+</p:sld>
+</file>
+
+<file path=ppt/slides/slide44.xml><?xml version="1.0" encoding="utf-8"?>
+<p:sld xmlns:a="http://schemas.openxmlformats.org/drawingml/2006/main" xmlns:r="http://schemas.openxmlformats.org/officeDocument/2006/relationships" xmlns:p="http://schemas.openxmlformats.org/presentationml/2006/main">
+  <p:cSld>
+    <p:spTree>
+      <p:nvGrpSpPr>
+        <p:cNvPr id="1" name=""/>
+        <p:cNvGrpSpPr/>
+        <p:nvPr/>
+      </p:nvGrpSpPr>
+      <p:grpSpPr>
+        <a:xfrm>
+          <a:off x="0" y="0"/>
+          <a:ext cx="0" cy="0"/>
+          <a:chOff x="0" y="0"/>
+          <a:chExt cx="0" cy="0"/>
+        </a:xfrm>
+      </p:grpSpPr>
+      <p:sp>
+        <p:nvSpPr>
+          <p:cNvPr id="2" name="Title 1">
+            <a:extLst>
+              <a:ext uri="{FF2B5EF4-FFF2-40B4-BE49-F238E27FC236}">
+                <a16:creationId xmlns:a16="http://schemas.microsoft.com/office/drawing/2014/main" id="{BA0CEB9A-5DF8-81E3-D2C9-D7505F5438FD}"/>
+              </a:ext>
+            </a:extLst>
+          </p:cNvPr>
+          <p:cNvSpPr>
+            <a:spLocks noGrp="1"/>
+          </p:cNvSpPr>
+          <p:nvPr>
+            <p:ph type="title"/>
+          </p:nvPr>
+        </p:nvSpPr>
+        <p:spPr/>
+        <p:txBody>
+          <a:bodyPr/>
+          <a:lstStyle/>
+          <a:p>
+            <a:r>
+              <a:rPr lang="en-US" dirty="0"/>
+              <a:t>Strategies</a:t>
+            </a:r>
+          </a:p>
+        </p:txBody>
+      </p:sp>
+      <p:sp>
+        <p:nvSpPr>
+          <p:cNvPr id="3" name="Content Placeholder 2">
+            <a:extLst>
+              <a:ext uri="{FF2B5EF4-FFF2-40B4-BE49-F238E27FC236}">
+                <a16:creationId xmlns:a16="http://schemas.microsoft.com/office/drawing/2014/main" id="{07625779-7736-AD3A-6B43-549364C4B260}"/>
+              </a:ext>
+            </a:extLst>
+          </p:cNvPr>
+          <p:cNvSpPr>
+            <a:spLocks noGrp="1"/>
+          </p:cNvSpPr>
+          <p:nvPr>
+            <p:ph idx="1"/>
+          </p:nvPr>
+        </p:nvSpPr>
+        <p:spPr/>
+        <p:txBody>
+          <a:bodyPr/>
+          <a:lstStyle/>
+          <a:p>
+            <a:r>
+              <a:rPr lang="en-US" dirty="0"/>
+              <a:t>Player might employ different strategies for different AI.</a:t>
+            </a:r>
+          </a:p>
+          <a:p>
+            <a:r>
+              <a:rPr lang="en-US" dirty="0"/>
+              <a:t>This means there is likely a discovery period for the player to either learn a new AI’s behavior or recognize an old AI.</a:t>
+            </a:r>
+          </a:p>
+        </p:txBody>
+      </p:sp>
+    </p:spTree>
+    <p:extLst>
+      <p:ext uri="{BB962C8B-B14F-4D97-AF65-F5344CB8AC3E}">
+        <p14:creationId xmlns:p14="http://schemas.microsoft.com/office/powerpoint/2010/main" val="2370725878"/>
+      </p:ext>
+    </p:extLst>
+  </p:cSld>
+  <p:clrMapOvr>
+    <a:masterClrMapping/>
+  </p:clrMapOvr>
+</p:sld>
+</file>
+
+<file path=ppt/slides/slide45.xml><?xml version="1.0" encoding="utf-8"?>
+<p:sld xmlns:a="http://schemas.openxmlformats.org/drawingml/2006/main" xmlns:r="http://schemas.openxmlformats.org/officeDocument/2006/relationships" xmlns:p="http://schemas.openxmlformats.org/presentationml/2006/main">
+  <p:cSld>
+    <p:spTree>
+      <p:nvGrpSpPr>
+        <p:cNvPr id="1" name=""/>
+        <p:cNvGrpSpPr/>
+        <p:nvPr/>
+      </p:nvGrpSpPr>
+      <p:grpSpPr>
+        <a:xfrm>
+          <a:off x="0" y="0"/>
+          <a:ext cx="0" cy="0"/>
+          <a:chOff x="0" y="0"/>
+          <a:chExt cx="0" cy="0"/>
+        </a:xfrm>
+      </p:grpSpPr>
+      <p:sp>
+        <p:nvSpPr>
+          <p:cNvPr id="2" name="Title 1">
+            <a:extLst>
+              <a:ext uri="{FF2B5EF4-FFF2-40B4-BE49-F238E27FC236}">
+                <a16:creationId xmlns:a16="http://schemas.microsoft.com/office/drawing/2014/main" id="{12B36D97-6151-0730-90C9-7CC47E44DE55}"/>
+              </a:ext>
+            </a:extLst>
+          </p:cNvPr>
+          <p:cNvSpPr>
+            <a:spLocks noGrp="1"/>
+          </p:cNvSpPr>
+          <p:nvPr>
+            <p:ph type="title"/>
+          </p:nvPr>
+        </p:nvSpPr>
+        <p:spPr/>
+        <p:txBody>
+          <a:bodyPr/>
+          <a:lstStyle/>
+          <a:p>
+            <a:r>
+              <a:rPr lang="en-US" dirty="0"/>
+              <a:t>Example of strategy.</a:t>
+            </a:r>
+          </a:p>
+        </p:txBody>
+      </p:sp>
+      <p:sp>
+        <p:nvSpPr>
+          <p:cNvPr id="3" name="Content Placeholder 2">
+            <a:extLst>
+              <a:ext uri="{FF2B5EF4-FFF2-40B4-BE49-F238E27FC236}">
+                <a16:creationId xmlns:a16="http://schemas.microsoft.com/office/drawing/2014/main" id="{F1A59E53-CB27-4401-A2D7-121B899728A3}"/>
+              </a:ext>
+            </a:extLst>
+          </p:cNvPr>
+          <p:cNvSpPr>
+            <a:spLocks noGrp="1"/>
+          </p:cNvSpPr>
+          <p:nvPr>
+            <p:ph idx="1"/>
+          </p:nvPr>
+        </p:nvSpPr>
+        <p:spPr/>
+        <p:txBody>
+          <a:bodyPr>
+            <a:normAutofit/>
+          </a:bodyPr>
+          <a:lstStyle/>
+          <a:p>
+            <a:r>
+              <a:rPr lang="en-US" dirty="0"/>
+              <a:t>One strategy is to let AI handle moving to the goal but take over when wasps are nearby. </a:t>
+            </a:r>
+          </a:p>
+          <a:p>
+            <a:pPr lvl="1"/>
+            <a:r>
+              <a:rPr lang="en-US" dirty="0"/>
+              <a:t>A: Player takes over to more safely avoid wasps.</a:t>
+            </a:r>
+          </a:p>
+          <a:p>
+            <a:pPr lvl="1"/>
+            <a:r>
+              <a:rPr lang="en-US" dirty="0"/>
+              <a:t>B: Player takes over to more efficiently reach goal. </a:t>
+            </a:r>
+          </a:p>
+          <a:p>
+            <a:endParaRPr lang="en-US" dirty="0"/>
+          </a:p>
+        </p:txBody>
+      </p:sp>
+    </p:spTree>
+    <p:extLst>
+      <p:ext uri="{BB962C8B-B14F-4D97-AF65-F5344CB8AC3E}">
+        <p14:creationId xmlns:p14="http://schemas.microsoft.com/office/powerpoint/2010/main" val="3416372746"/>
+      </p:ext>
+    </p:extLst>
+  </p:cSld>
+  <p:clrMapOvr>
+    <a:masterClrMapping/>
+  </p:clrMapOvr>
+</p:sld>
+</file>
+
+<file path=ppt/slides/slide46.xml><?xml version="1.0" encoding="utf-8"?>
+<p:sld xmlns:a="http://schemas.openxmlformats.org/drawingml/2006/main" xmlns:r="http://schemas.openxmlformats.org/officeDocument/2006/relationships" xmlns:p="http://schemas.openxmlformats.org/presentationml/2006/main">
+  <p:cSld>
+    <p:spTree>
+      <p:nvGrpSpPr>
+        <p:cNvPr id="1" name=""/>
+        <p:cNvGrpSpPr/>
+        <p:nvPr/>
+      </p:nvGrpSpPr>
+      <p:grpSpPr>
+        <a:xfrm>
+          <a:off x="0" y="0"/>
+          <a:ext cx="0" cy="0"/>
+          <a:chOff x="0" y="0"/>
+          <a:chExt cx="0" cy="0"/>
+        </a:xfrm>
+      </p:grpSpPr>
+      <p:sp>
+        <p:nvSpPr>
+          <p:cNvPr id="2" name="Title 1">
+            <a:extLst>
+              <a:ext uri="{FF2B5EF4-FFF2-40B4-BE49-F238E27FC236}">
+                <a16:creationId xmlns:a16="http://schemas.microsoft.com/office/drawing/2014/main" id="{11072DC4-1E43-33EB-FF62-B4886541180D}"/>
+              </a:ext>
+            </a:extLst>
+          </p:cNvPr>
+          <p:cNvSpPr>
+            <a:spLocks noGrp="1"/>
+          </p:cNvSpPr>
+          <p:nvPr>
+            <p:ph type="title"/>
+          </p:nvPr>
+        </p:nvSpPr>
+        <p:spPr/>
+        <p:txBody>
+          <a:bodyPr/>
+          <a:lstStyle/>
+          <a:p>
+            <a:r>
+              <a:rPr lang="en-US" dirty="0"/>
+              <a:t>Policies for example strategy</a:t>
+            </a:r>
+          </a:p>
+        </p:txBody>
+      </p:sp>
+      <p:sp>
+        <p:nvSpPr>
+          <p:cNvPr id="3" name="Content Placeholder 2">
+            <a:extLst>
+              <a:ext uri="{FF2B5EF4-FFF2-40B4-BE49-F238E27FC236}">
+                <a16:creationId xmlns:a16="http://schemas.microsoft.com/office/drawing/2014/main" id="{1A345D97-ADF2-B013-9EFC-512C8F4C18FC}"/>
+              </a:ext>
+            </a:extLst>
+          </p:cNvPr>
+          <p:cNvSpPr>
+            <a:spLocks noGrp="1"/>
+          </p:cNvSpPr>
+          <p:nvPr>
+            <p:ph idx="1"/>
+          </p:nvPr>
+        </p:nvSpPr>
+        <p:spPr/>
+        <p:txBody>
+          <a:bodyPr/>
+          <a:lstStyle/>
+          <a:p>
+            <a:r>
+              <a:rPr lang="en-US" dirty="0"/>
+              <a:t>If not in control and not threatened (no wasps within radius X), allow AI to proceed toward the goal.</a:t>
+            </a:r>
+          </a:p>
+          <a:p>
+            <a:r>
+              <a:rPr lang="en-US" dirty="0"/>
+              <a:t>If not in control and threatened, take over, create and execute short-term plan for (a) avoiding threats or (b) weaving through threats.</a:t>
+            </a:r>
+          </a:p>
+          <a:p>
+            <a:r>
+              <a:rPr lang="en-US" dirty="0"/>
+              <a:t>If in control and threatened, create and execute short-term plan for (a) avoiding threats or (b) weaving through threats.</a:t>
+            </a:r>
+          </a:p>
+          <a:p>
+            <a:r>
+              <a:rPr lang="en-US" dirty="0"/>
+              <a:t>If in control and not threatened, release control to AI.</a:t>
+            </a:r>
+          </a:p>
+          <a:p>
+            <a:endParaRPr lang="en-US" dirty="0"/>
+          </a:p>
+        </p:txBody>
+      </p:sp>
+    </p:spTree>
+    <p:extLst>
+      <p:ext uri="{BB962C8B-B14F-4D97-AF65-F5344CB8AC3E}">
+        <p14:creationId xmlns:p14="http://schemas.microsoft.com/office/powerpoint/2010/main" val="591656877"/>
+      </p:ext>
+    </p:extLst>
+  </p:cSld>
+  <p:clrMapOvr>
+    <a:masterClrMapping/>
+  </p:clrMapOvr>
+</p:sld>
+</file>
+
+<file path=ppt/slides/slide47.xml><?xml version="1.0" encoding="utf-8"?>
+<p:sld xmlns:a="http://schemas.openxmlformats.org/drawingml/2006/main" xmlns:r="http://schemas.openxmlformats.org/officeDocument/2006/relationships" xmlns:p="http://schemas.openxmlformats.org/presentationml/2006/main">
+  <p:cSld>
+    <p:spTree>
+      <p:nvGrpSpPr>
+        <p:cNvPr id="1" name=""/>
+        <p:cNvGrpSpPr/>
+        <p:nvPr/>
+      </p:nvGrpSpPr>
+      <p:grpSpPr>
+        <a:xfrm>
+          <a:off x="0" y="0"/>
+          <a:ext cx="0" cy="0"/>
+          <a:chOff x="0" y="0"/>
+          <a:chExt cx="0" cy="0"/>
+        </a:xfrm>
+      </p:grpSpPr>
+      <p:sp>
+        <p:nvSpPr>
+          <p:cNvPr id="2" name="Title 1">
+            <a:extLst>
+              <a:ext uri="{FF2B5EF4-FFF2-40B4-BE49-F238E27FC236}">
+                <a16:creationId xmlns:a16="http://schemas.microsoft.com/office/drawing/2014/main" id="{E7EFE3DF-FD45-487B-9514-CAE2920A9C2E}"/>
+              </a:ext>
+            </a:extLst>
+          </p:cNvPr>
+          <p:cNvSpPr>
+            <a:spLocks noGrp="1"/>
+          </p:cNvSpPr>
+          <p:nvPr>
+            <p:ph type="title"/>
+          </p:nvPr>
+        </p:nvSpPr>
+        <p:spPr/>
+        <p:txBody>
+          <a:bodyPr/>
+          <a:lstStyle/>
+          <a:p>
+            <a:r>
+              <a:rPr lang="en-US" dirty="0"/>
+              <a:t>What does our output look like?</a:t>
+            </a:r>
+          </a:p>
+        </p:txBody>
+      </p:sp>
+      <mc:AlternateContent xmlns:mc="http://schemas.openxmlformats.org/markup-compatibility/2006" xmlns:a14="http://schemas.microsoft.com/office/drawing/2010/main">
+        <mc:Choice Requires="a14">
+          <p:sp>
+            <p:nvSpPr>
+              <p:cNvPr id="3" name="Content Placeholder 2">
+                <a:extLst>
+                  <a:ext uri="{FF2B5EF4-FFF2-40B4-BE49-F238E27FC236}">
+                    <a16:creationId xmlns:a16="http://schemas.microsoft.com/office/drawing/2014/main" id="{810EFC12-2C4D-91F8-2EC1-BB9522823BA7}"/>
+                  </a:ext>
+                </a:extLst>
+              </p:cNvPr>
+              <p:cNvSpPr>
+                <a:spLocks noGrp="1"/>
+              </p:cNvSpPr>
+              <p:nvPr>
+                <p:ph idx="1"/>
+              </p:nvPr>
+            </p:nvSpPr>
+            <p:spPr/>
+            <p:txBody>
+              <a:bodyPr>
+                <a:normAutofit/>
+              </a:bodyPr>
+              <a:lstStyle/>
+              <a:p>
+                <a:r>
+                  <a:rPr lang="en-US" dirty="0"/>
+                  <a:t>Is it a reward function?</a:t>
+                </a:r>
+              </a:p>
+              <a:p>
+                <a:pPr lvl="1"/>
+                <a:r>
+                  <a:rPr lang="en-US" dirty="0"/>
+                  <a:t>E.g., </a:t>
+                </a:r>
+                <a14:m>
+                  <m:oMath xmlns:m="http://schemas.openxmlformats.org/officeDocument/2006/math">
+                    <m:r>
+                      <a:rPr lang="en-US" b="0" i="1" smtClean="0">
+                        <a:latin typeface="Cambria Math" panose="02040503050406030204" pitchFamily="18" charset="0"/>
+                      </a:rPr>
+                      <m:t>𝑅</m:t>
+                    </m:r>
+                    <m:d>
+                      <m:dPr>
+                        <m:ctrlPr>
+                          <a:rPr lang="en-US" b="0" i="1" smtClean="0">
+                            <a:latin typeface="Cambria Math" panose="02040503050406030204" pitchFamily="18" charset="0"/>
+                          </a:rPr>
+                        </m:ctrlPr>
+                      </m:dPr>
+                      <m:e>
+                        <m:r>
+                          <a:rPr lang="en-US" b="0" i="1" smtClean="0">
+                            <a:latin typeface="Cambria Math" panose="02040503050406030204" pitchFamily="18" charset="0"/>
+                          </a:rPr>
+                          <m:t>𝑠</m:t>
+                        </m:r>
+                      </m:e>
+                    </m:d>
+                    <m:r>
+                      <a:rPr lang="en-US" b="0" i="1" smtClean="0">
+                        <a:latin typeface="Cambria Math" panose="02040503050406030204" pitchFamily="18" charset="0"/>
+                      </a:rPr>
+                      <m:t>=</m:t>
+                    </m:r>
+                    <m:sSub>
+                      <m:sSubPr>
+                        <m:ctrlPr>
+                          <a:rPr lang="en-US" b="0" i="1" smtClean="0">
+                            <a:latin typeface="Cambria Math" panose="02040503050406030204" pitchFamily="18" charset="0"/>
+                          </a:rPr>
+                        </m:ctrlPr>
+                      </m:sSubPr>
+                      <m:e>
+                        <m:r>
+                          <a:rPr lang="en-US" b="0" i="1" smtClean="0">
+                            <a:latin typeface="Cambria Math" panose="02040503050406030204" pitchFamily="18" charset="0"/>
+                            <a:ea typeface="Cambria Math" panose="02040503050406030204" pitchFamily="18" charset="0"/>
+                          </a:rPr>
+                          <m:t>𝛼</m:t>
+                        </m:r>
+                      </m:e>
+                      <m:sub>
+                        <m:r>
+                          <a:rPr lang="en-US" b="0" i="1" smtClean="0">
+                            <a:latin typeface="Cambria Math" panose="02040503050406030204" pitchFamily="18" charset="0"/>
+                          </a:rPr>
+                          <m:t>1</m:t>
+                        </m:r>
+                      </m:sub>
+                    </m:sSub>
+                    <m:sSub>
+                      <m:sSubPr>
+                        <m:ctrlPr>
+                          <a:rPr lang="en-US" b="0" i="1" smtClean="0">
+                            <a:latin typeface="Cambria Math" panose="02040503050406030204" pitchFamily="18" charset="0"/>
+                          </a:rPr>
+                        </m:ctrlPr>
+                      </m:sSubPr>
+                      <m:e>
+                        <m:r>
+                          <a:rPr lang="en-US" b="0" i="1" smtClean="0">
+                            <a:latin typeface="Cambria Math" panose="02040503050406030204" pitchFamily="18" charset="0"/>
+                            <a:ea typeface="Cambria Math" panose="02040503050406030204" pitchFamily="18" charset="0"/>
+                          </a:rPr>
+                          <m:t>𝜙</m:t>
+                        </m:r>
+                      </m:e>
+                      <m:sub>
+                        <m:r>
+                          <a:rPr lang="en-US" b="0" i="1" smtClean="0">
+                            <a:latin typeface="Cambria Math" panose="02040503050406030204" pitchFamily="18" charset="0"/>
+                          </a:rPr>
+                          <m:t>1</m:t>
+                        </m:r>
+                      </m:sub>
+                    </m:sSub>
+                    <m:d>
+                      <m:dPr>
+                        <m:ctrlPr>
+                          <a:rPr lang="en-US" b="0" i="1" smtClean="0">
+                            <a:latin typeface="Cambria Math" panose="02040503050406030204" pitchFamily="18" charset="0"/>
+                          </a:rPr>
+                        </m:ctrlPr>
+                      </m:dPr>
+                      <m:e>
+                        <m:r>
+                          <a:rPr lang="en-US" b="0" i="1" smtClean="0">
+                            <a:latin typeface="Cambria Math" panose="02040503050406030204" pitchFamily="18" charset="0"/>
+                          </a:rPr>
+                          <m:t>𝑠</m:t>
+                        </m:r>
+                      </m:e>
+                    </m:d>
+                    <m:r>
+                      <a:rPr lang="en-US" b="0" i="1" smtClean="0">
+                        <a:latin typeface="Cambria Math" panose="02040503050406030204" pitchFamily="18" charset="0"/>
+                      </a:rPr>
+                      <m:t>+</m:t>
+                    </m:r>
+                    <m:sSub>
+                      <m:sSubPr>
+                        <m:ctrlPr>
+                          <a:rPr lang="en-US" b="0" i="1" smtClean="0">
+                            <a:latin typeface="Cambria Math" panose="02040503050406030204" pitchFamily="18" charset="0"/>
+                          </a:rPr>
+                        </m:ctrlPr>
+                      </m:sSubPr>
+                      <m:e>
+                        <m:r>
+                          <a:rPr lang="en-US" b="0" i="1" smtClean="0">
+                            <a:latin typeface="Cambria Math" panose="02040503050406030204" pitchFamily="18" charset="0"/>
+                            <a:ea typeface="Cambria Math" panose="02040503050406030204" pitchFamily="18" charset="0"/>
+                          </a:rPr>
+                          <m:t>𝛼</m:t>
+                        </m:r>
+                      </m:e>
+                      <m:sub>
+                        <m:r>
+                          <a:rPr lang="en-US" b="0" i="1" smtClean="0">
+                            <a:latin typeface="Cambria Math" panose="02040503050406030204" pitchFamily="18" charset="0"/>
+                          </a:rPr>
+                          <m:t>2</m:t>
+                        </m:r>
+                      </m:sub>
+                    </m:sSub>
+                    <m:sSub>
+                      <m:sSubPr>
+                        <m:ctrlPr>
+                          <a:rPr lang="en-US" b="0" i="1" smtClean="0">
+                            <a:latin typeface="Cambria Math" panose="02040503050406030204" pitchFamily="18" charset="0"/>
+                          </a:rPr>
+                        </m:ctrlPr>
+                      </m:sSubPr>
+                      <m:e>
+                        <m:r>
+                          <a:rPr lang="en-US" b="0" i="1" smtClean="0">
+                            <a:latin typeface="Cambria Math" panose="02040503050406030204" pitchFamily="18" charset="0"/>
+                            <a:ea typeface="Cambria Math" panose="02040503050406030204" pitchFamily="18" charset="0"/>
+                          </a:rPr>
+                          <m:t>𝜙</m:t>
+                        </m:r>
+                      </m:e>
+                      <m:sub>
+                        <m:r>
+                          <a:rPr lang="en-US" b="0" i="1" smtClean="0">
+                            <a:latin typeface="Cambria Math" panose="02040503050406030204" pitchFamily="18" charset="0"/>
+                          </a:rPr>
+                          <m:t>2</m:t>
+                        </m:r>
+                      </m:sub>
+                    </m:sSub>
+                    <m:r>
+                      <a:rPr lang="en-US" b="0" i="1" smtClean="0">
+                        <a:latin typeface="Cambria Math" panose="02040503050406030204" pitchFamily="18" charset="0"/>
+                      </a:rPr>
+                      <m:t>+…+</m:t>
+                    </m:r>
+                    <m:sSub>
+                      <m:sSubPr>
+                        <m:ctrlPr>
+                          <a:rPr lang="en-US" b="0" i="1" smtClean="0">
+                            <a:latin typeface="Cambria Math" panose="02040503050406030204" pitchFamily="18" charset="0"/>
+                          </a:rPr>
+                        </m:ctrlPr>
+                      </m:sSubPr>
+                      <m:e>
+                        <m:r>
+                          <a:rPr lang="en-US" b="0" i="1" smtClean="0">
+                            <a:latin typeface="Cambria Math" panose="02040503050406030204" pitchFamily="18" charset="0"/>
+                            <a:ea typeface="Cambria Math" panose="02040503050406030204" pitchFamily="18" charset="0"/>
+                          </a:rPr>
+                          <m:t>𝛼</m:t>
+                        </m:r>
+                      </m:e>
+                      <m:sub>
+                        <m:r>
+                          <a:rPr lang="en-US" b="0" i="1" smtClean="0">
+                            <a:latin typeface="Cambria Math" panose="02040503050406030204" pitchFamily="18" charset="0"/>
+                          </a:rPr>
+                          <m:t>𝑑</m:t>
+                        </m:r>
+                      </m:sub>
+                    </m:sSub>
+                    <m:sSub>
+                      <m:sSubPr>
+                        <m:ctrlPr>
+                          <a:rPr lang="en-US" b="0" i="1" smtClean="0">
+                            <a:latin typeface="Cambria Math" panose="02040503050406030204" pitchFamily="18" charset="0"/>
+                          </a:rPr>
+                        </m:ctrlPr>
+                      </m:sSubPr>
+                      <m:e>
+                        <m:r>
+                          <a:rPr lang="en-US" b="0" i="1" smtClean="0">
+                            <a:latin typeface="Cambria Math" panose="02040503050406030204" pitchFamily="18" charset="0"/>
+                            <a:ea typeface="Cambria Math" panose="02040503050406030204" pitchFamily="18" charset="0"/>
+                          </a:rPr>
+                          <m:t>𝜙</m:t>
+                        </m:r>
+                      </m:e>
+                      <m:sub>
+                        <m:r>
+                          <a:rPr lang="en-US" b="0" i="1" smtClean="0">
+                            <a:latin typeface="Cambria Math" panose="02040503050406030204" pitchFamily="18" charset="0"/>
+                          </a:rPr>
+                          <m:t>𝑑</m:t>
+                        </m:r>
+                      </m:sub>
+                    </m:sSub>
+                  </m:oMath>
+                </a14:m>
+                <a:endParaRPr lang="en-US" dirty="0"/>
+              </a:p>
+              <a:p>
+                <a:pPr lvl="1"/>
+                <a:r>
+                  <a:rPr lang="en-US" dirty="0"/>
+                  <a:t>Each </a:t>
+                </a:r>
+                <a14:m>
+                  <m:oMath xmlns:m="http://schemas.openxmlformats.org/officeDocument/2006/math">
+                    <m:r>
+                      <a:rPr lang="en-US" i="1" smtClean="0">
+                        <a:latin typeface="Cambria Math" panose="02040503050406030204" pitchFamily="18" charset="0"/>
+                        <a:ea typeface="Cambria Math" panose="02040503050406030204" pitchFamily="18" charset="0"/>
+                      </a:rPr>
+                      <m:t>𝜙</m:t>
+                    </m:r>
+                  </m:oMath>
+                </a14:m>
+                <a:r>
+                  <a:rPr lang="en-US" dirty="0"/>
+                  <a:t> is a feature (either raw or derived) and </a:t>
+                </a:r>
+                <a14:m>
+                  <m:oMath xmlns:m="http://schemas.openxmlformats.org/officeDocument/2006/math">
+                    <m:r>
+                      <a:rPr lang="en-US" i="1" smtClean="0">
+                        <a:latin typeface="Cambria Math" panose="02040503050406030204" pitchFamily="18" charset="0"/>
+                        <a:ea typeface="Cambria Math" panose="02040503050406030204" pitchFamily="18" charset="0"/>
+                      </a:rPr>
+                      <m:t>𝛼</m:t>
+                    </m:r>
+                  </m:oMath>
+                </a14:m>
+                <a:r>
+                  <a:rPr lang="en-US" dirty="0"/>
+                  <a:t> is a weight representing how much the player cares about that feature. </a:t>
+                </a:r>
+              </a:p>
+              <a:p>
+                <a:pPr lvl="1"/>
+                <a:r>
+                  <a:rPr lang="en-US" dirty="0"/>
+                  <a:t>We can then try to see if there is a correlation between weights and contextual history, physiological data, etc. </a:t>
+                </a:r>
+              </a:p>
+              <a:p>
+                <a:pPr lvl="1"/>
+                <a:r>
+                  <a:rPr lang="en-US" dirty="0"/>
+                  <a:t>We might even be able to define classifications for players based off of their weights and find correlation between the classifications and contextual history, physiological data, etc. </a:t>
+                </a:r>
+              </a:p>
+            </p:txBody>
+          </p:sp>
+        </mc:Choice>
+        <mc:Fallback xmlns="">
+          <p:sp>
+            <p:nvSpPr>
+              <p:cNvPr id="3" name="Content Placeholder 2">
+                <a:extLst>
+                  <a:ext uri="{FF2B5EF4-FFF2-40B4-BE49-F238E27FC236}">
+                    <a16:creationId xmlns:a16="http://schemas.microsoft.com/office/drawing/2014/main" id="{810EFC12-2C4D-91F8-2EC1-BB9522823BA7}"/>
+                  </a:ext>
+                </a:extLst>
+              </p:cNvPr>
+              <p:cNvSpPr>
+                <a:spLocks noGrp="1" noRot="1" noChangeAspect="1" noMove="1" noResize="1" noEditPoints="1" noAdjustHandles="1" noChangeArrowheads="1" noChangeShapeType="1" noTextEdit="1"/>
+              </p:cNvSpPr>
+              <p:nvPr>
+                <p:ph idx="1"/>
+              </p:nvPr>
+            </p:nvSpPr>
+            <p:spPr>
+              <a:blipFill>
+                <a:blip r:embed="rId2"/>
+                <a:stretch>
+                  <a:fillRect l="-1086" t="-2326" r="-844"/>
+                </a:stretch>
+              </a:blipFill>
+            </p:spPr>
+            <p:txBody>
+              <a:bodyPr/>
+              <a:lstStyle/>
+              <a:p>
+                <a:r>
+                  <a:rPr lang="en-US">
+                    <a:noFill/>
+                  </a:rPr>
+                  <a:t> </a:t>
+                </a:r>
+              </a:p>
+            </p:txBody>
+          </p:sp>
+        </mc:Fallback>
+      </mc:AlternateContent>
+    </p:spTree>
+    <p:extLst>
+      <p:ext uri="{BB962C8B-B14F-4D97-AF65-F5344CB8AC3E}">
+        <p14:creationId xmlns:p14="http://schemas.microsoft.com/office/powerpoint/2010/main" val="1508580083"/>
+      </p:ext>
+    </p:extLst>
+  </p:cSld>
+  <p:clrMapOvr>
+    <a:masterClrMapping/>
+  </p:clrMapOvr>
+</p:sld>
+</file>
+
+<file path=ppt/slides/slide48.xml><?xml version="1.0" encoding="utf-8"?>
+<p:sld xmlns:a="http://schemas.openxmlformats.org/drawingml/2006/main" xmlns:r="http://schemas.openxmlformats.org/officeDocument/2006/relationships" xmlns:p="http://schemas.openxmlformats.org/presentationml/2006/main">
+  <p:cSld>
+    <p:spTree>
+      <p:nvGrpSpPr>
+        <p:cNvPr id="1" name=""/>
+        <p:cNvGrpSpPr/>
+        <p:nvPr/>
+      </p:nvGrpSpPr>
+      <p:grpSpPr>
+        <a:xfrm>
+          <a:off x="0" y="0"/>
+          <a:ext cx="0" cy="0"/>
+          <a:chOff x="0" y="0"/>
+          <a:chExt cx="0" cy="0"/>
+        </a:xfrm>
+      </p:grpSpPr>
+      <p:sp>
+        <p:nvSpPr>
+          <p:cNvPr id="2" name="Title 1">
+            <a:extLst>
+              <a:ext uri="{FF2B5EF4-FFF2-40B4-BE49-F238E27FC236}">
+                <a16:creationId xmlns:a16="http://schemas.microsoft.com/office/drawing/2014/main" id="{E7EFE3DF-FD45-487B-9514-CAE2920A9C2E}"/>
+              </a:ext>
+            </a:extLst>
+          </p:cNvPr>
+          <p:cNvSpPr>
+            <a:spLocks noGrp="1"/>
+          </p:cNvSpPr>
+          <p:nvPr>
+            <p:ph type="title"/>
+          </p:nvPr>
+        </p:nvSpPr>
+        <p:spPr/>
+        <p:txBody>
+          <a:bodyPr/>
+          <a:lstStyle/>
+          <a:p>
+            <a:r>
+              <a:rPr lang="en-US" dirty="0"/>
+              <a:t>What does our output look like?</a:t>
+            </a:r>
+          </a:p>
+        </p:txBody>
+      </p:sp>
+      <p:sp>
+        <p:nvSpPr>
+          <p:cNvPr id="3" name="Content Placeholder 2">
+            <a:extLst>
+              <a:ext uri="{FF2B5EF4-FFF2-40B4-BE49-F238E27FC236}">
+                <a16:creationId xmlns:a16="http://schemas.microsoft.com/office/drawing/2014/main" id="{810EFC12-2C4D-91F8-2EC1-BB9522823BA7}"/>
+              </a:ext>
+            </a:extLst>
+          </p:cNvPr>
+          <p:cNvSpPr>
+            <a:spLocks noGrp="1"/>
+          </p:cNvSpPr>
+          <p:nvPr>
+            <p:ph idx="1"/>
+          </p:nvPr>
+        </p:nvSpPr>
+        <p:spPr/>
+        <p:txBody>
+          <a:bodyPr>
+            <a:normAutofit lnSpcReduction="10000"/>
+          </a:bodyPr>
+          <a:lstStyle/>
+          <a:p>
+            <a:r>
+              <a:rPr lang="en-US" dirty="0"/>
+              <a:t>Is it a policy/symbolic description?</a:t>
+            </a:r>
+          </a:p>
+          <a:p>
+            <a:pPr lvl="1"/>
+            <a:r>
+              <a:rPr lang="en-US" dirty="0"/>
+              <a:t>Some description of what we expect the player to do when faced with particular states. </a:t>
+            </a:r>
+          </a:p>
+          <a:p>
+            <a:pPr lvl="1"/>
+            <a:r>
+              <a:rPr lang="en-US" dirty="0"/>
+              <a:t>E.g., when wasps are X radius away, the player will do Y…etc. </a:t>
+            </a:r>
+          </a:p>
+          <a:p>
+            <a:pPr lvl="1"/>
+            <a:r>
+              <a:rPr lang="en-US" dirty="0"/>
+              <a:t>Decision trees or graphs are suitable for modeling these. </a:t>
+            </a:r>
+          </a:p>
+          <a:p>
+            <a:pPr lvl="1"/>
+            <a:r>
+              <a:rPr lang="en-US" dirty="0"/>
+              <a:t>This is along the lines of identifying strategies. </a:t>
+            </a:r>
+          </a:p>
+          <a:p>
+            <a:pPr lvl="1"/>
+            <a:r>
+              <a:rPr lang="en-US" dirty="0"/>
+              <a:t>The strategies themselves can be used as classifications of players or may help us define classifications.</a:t>
+            </a:r>
+          </a:p>
+          <a:p>
+            <a:pPr lvl="1"/>
+            <a:r>
+              <a:rPr lang="en-US" dirty="0"/>
+              <a:t>Again, we can try correlating output with contextual history, physiological data, etc.</a:t>
+            </a:r>
+          </a:p>
+          <a:p>
+            <a:pPr lvl="1"/>
+            <a:r>
+              <a:rPr lang="en-US" dirty="0"/>
+              <a:t>Note: In IRL or related fields, we estimate a reward function and then an “optimal” policy based on that reward function. </a:t>
+            </a:r>
+          </a:p>
+        </p:txBody>
+      </p:sp>
+    </p:spTree>
+    <p:extLst>
+      <p:ext uri="{BB962C8B-B14F-4D97-AF65-F5344CB8AC3E}">
+        <p14:creationId xmlns:p14="http://schemas.microsoft.com/office/powerpoint/2010/main" val="664911453"/>
+      </p:ext>
+    </p:extLst>
+  </p:cSld>
+  <p:clrMapOvr>
+    <a:masterClrMapping/>
+  </p:clrMapOvr>
+</p:sld>
+</file>
+
+<file path=ppt/slides/slide49.xml><?xml version="1.0" encoding="utf-8"?>
+<p:sld xmlns:a="http://schemas.openxmlformats.org/drawingml/2006/main" xmlns:r="http://schemas.openxmlformats.org/officeDocument/2006/relationships" xmlns:p="http://schemas.openxmlformats.org/presentationml/2006/main">
+  <p:cSld>
+    <p:spTree>
+      <p:nvGrpSpPr>
+        <p:cNvPr id="1" name=""/>
+        <p:cNvGrpSpPr/>
+        <p:nvPr/>
+      </p:nvGrpSpPr>
+      <p:grpSpPr>
+        <a:xfrm>
+          <a:off x="0" y="0"/>
+          <a:ext cx="0" cy="0"/>
+          <a:chOff x="0" y="0"/>
+          <a:chExt cx="0" cy="0"/>
+        </a:xfrm>
+      </p:grpSpPr>
+      <p:sp>
+        <p:nvSpPr>
+          <p:cNvPr id="2" name="Title 1">
+            <a:extLst>
+              <a:ext uri="{FF2B5EF4-FFF2-40B4-BE49-F238E27FC236}">
+                <a16:creationId xmlns:a16="http://schemas.microsoft.com/office/drawing/2014/main" id="{E7EFE3DF-FD45-487B-9514-CAE2920A9C2E}"/>
+              </a:ext>
+            </a:extLst>
+          </p:cNvPr>
+          <p:cNvSpPr>
+            <a:spLocks noGrp="1"/>
+          </p:cNvSpPr>
+          <p:nvPr>
+            <p:ph type="title"/>
+          </p:nvPr>
+        </p:nvSpPr>
+        <p:spPr/>
+        <p:txBody>
+          <a:bodyPr/>
+          <a:lstStyle/>
+          <a:p>
+            <a:r>
+              <a:rPr lang="en-US" dirty="0"/>
+              <a:t>What does our output look like?</a:t>
+            </a:r>
+          </a:p>
+        </p:txBody>
+      </p:sp>
+      <p:sp>
+        <p:nvSpPr>
+          <p:cNvPr id="3" name="Content Placeholder 2">
+            <a:extLst>
+              <a:ext uri="{FF2B5EF4-FFF2-40B4-BE49-F238E27FC236}">
+                <a16:creationId xmlns:a16="http://schemas.microsoft.com/office/drawing/2014/main" id="{810EFC12-2C4D-91F8-2EC1-BB9522823BA7}"/>
+              </a:ext>
+            </a:extLst>
+          </p:cNvPr>
+          <p:cNvSpPr>
+            <a:spLocks noGrp="1"/>
+          </p:cNvSpPr>
+          <p:nvPr>
+            <p:ph idx="1"/>
+          </p:nvPr>
+        </p:nvSpPr>
+        <p:spPr/>
+        <p:txBody>
+          <a:bodyPr>
+            <a:normAutofit/>
+          </a:bodyPr>
+          <a:lstStyle/>
+          <a:p>
+            <a:r>
+              <a:rPr lang="en-US" dirty="0"/>
+              <a:t>Is it a set of estimated parameters/posterior distributions of parameters?</a:t>
+            </a:r>
+          </a:p>
+          <a:p>
+            <a:pPr lvl="1"/>
+            <a:r>
+              <a:rPr lang="en-US" dirty="0"/>
+              <a:t>Some parameters could help describe the player's values (like a reward function), while others might imply some of the player’s policies. </a:t>
+            </a:r>
+          </a:p>
+          <a:p>
+            <a:pPr lvl="1"/>
+            <a:r>
+              <a:rPr lang="en-US" dirty="0"/>
+              <a:t>E.g., a risk threshold parameter that describes at what proximity wasps threaten them. </a:t>
+            </a:r>
+          </a:p>
+          <a:p>
+            <a:pPr lvl="1"/>
+            <a:r>
+              <a:rPr lang="en-US" dirty="0"/>
+              <a:t>Same as other outputs (correlations and classifications).  </a:t>
+            </a:r>
+          </a:p>
+          <a:p>
+            <a:pPr lvl="1"/>
+            <a:endParaRPr lang="en-US" dirty="0"/>
+          </a:p>
+        </p:txBody>
+      </p:sp>
+    </p:spTree>
+    <p:extLst>
+      <p:ext uri="{BB962C8B-B14F-4D97-AF65-F5344CB8AC3E}">
+        <p14:creationId xmlns:p14="http://schemas.microsoft.com/office/powerpoint/2010/main" val="1038801723"/>
+      </p:ext>
+    </p:extLst>
+  </p:cSld>
+  <p:clrMapOvr>
+    <a:masterClrMapping/>
+  </p:clrMapOvr>
+</p:sld>
+</file>
+
 <file path=ppt/slides/slide5.xml><?xml version="1.0" encoding="utf-8"?>
 <p:sld xmlns:a="http://schemas.openxmlformats.org/drawingml/2006/main" xmlns:r="http://schemas.openxmlformats.org/officeDocument/2006/relationships" xmlns:p="http://schemas.openxmlformats.org/presentationml/2006/main">
   <p:cSld>
@@ -23791,6 +24889,288 @@
     <p:extLst>
       <p:ext uri="{BB962C8B-B14F-4D97-AF65-F5344CB8AC3E}">
         <p14:creationId xmlns:p14="http://schemas.microsoft.com/office/powerpoint/2010/main" val="4385958"/>
+      </p:ext>
+    </p:extLst>
+  </p:cSld>
+  <p:clrMapOvr>
+    <a:masterClrMapping/>
+  </p:clrMapOvr>
+</p:sld>
+</file>
+
+<file path=ppt/slides/slide50.xml><?xml version="1.0" encoding="utf-8"?>
+<p:sld xmlns:a="http://schemas.openxmlformats.org/drawingml/2006/main" xmlns:r="http://schemas.openxmlformats.org/officeDocument/2006/relationships" xmlns:p="http://schemas.openxmlformats.org/presentationml/2006/main">
+  <p:cSld>
+    <p:spTree>
+      <p:nvGrpSpPr>
+        <p:cNvPr id="1" name=""/>
+        <p:cNvGrpSpPr/>
+        <p:nvPr/>
+      </p:nvGrpSpPr>
+      <p:grpSpPr>
+        <a:xfrm>
+          <a:off x="0" y="0"/>
+          <a:ext cx="0" cy="0"/>
+          <a:chOff x="0" y="0"/>
+          <a:chExt cx="0" cy="0"/>
+        </a:xfrm>
+      </p:grpSpPr>
+      <p:sp>
+        <p:nvSpPr>
+          <p:cNvPr id="2" name="Title 1">
+            <a:extLst>
+              <a:ext uri="{FF2B5EF4-FFF2-40B4-BE49-F238E27FC236}">
+                <a16:creationId xmlns:a16="http://schemas.microsoft.com/office/drawing/2014/main" id="{7F5FCFBE-BAD8-75F2-BB6C-74509894292F}"/>
+              </a:ext>
+            </a:extLst>
+          </p:cNvPr>
+          <p:cNvSpPr>
+            <a:spLocks noGrp="1"/>
+          </p:cNvSpPr>
+          <p:nvPr>
+            <p:ph type="title"/>
+          </p:nvPr>
+        </p:nvSpPr>
+        <p:spPr/>
+        <p:txBody>
+          <a:bodyPr/>
+          <a:lstStyle/>
+          <a:p>
+            <a:r>
+              <a:rPr lang="en-US" dirty="0"/>
+              <a:t>Linearly-Solvable MDP</a:t>
+            </a:r>
+          </a:p>
+        </p:txBody>
+      </p:sp>
+      <p:sp>
+        <p:nvSpPr>
+          <p:cNvPr id="3" name="Content Placeholder 2">
+            <a:extLst>
+              <a:ext uri="{FF2B5EF4-FFF2-40B4-BE49-F238E27FC236}">
+                <a16:creationId xmlns:a16="http://schemas.microsoft.com/office/drawing/2014/main" id="{775B1426-C04C-630D-7F24-322804C9594F}"/>
+              </a:ext>
+            </a:extLst>
+          </p:cNvPr>
+          <p:cNvSpPr>
+            <a:spLocks noGrp="1"/>
+          </p:cNvSpPr>
+          <p:nvPr>
+            <p:ph idx="1"/>
+          </p:nvPr>
+        </p:nvSpPr>
+        <p:spPr/>
+        <p:txBody>
+          <a:bodyPr/>
+          <a:lstStyle/>
+          <a:p>
+            <a:r>
+              <a:rPr lang="en-US" dirty="0"/>
+              <a:t>There are uncontrolled state transitions (passive dynamics or default policy) and controlled state transitions under some control (their version of an “action”).</a:t>
+            </a:r>
+          </a:p>
+          <a:p>
+            <a:r>
+              <a:rPr lang="en-US" dirty="0"/>
+              <a:t>A control is a real-valued vector that modifies the probability of state transitions. </a:t>
+            </a:r>
+          </a:p>
+          <a:p>
+            <a:pPr lvl="1"/>
+            <a:r>
+              <a:rPr lang="en-US" dirty="0"/>
+              <a:t>E.g., without any control, P(A -&gt; B) = 0.5. With a control X, P(A -&gt; B) = 1. X represents an action that causes the system to transition from A to B with certainty. </a:t>
+            </a:r>
+          </a:p>
+          <a:p>
+            <a:r>
+              <a:rPr lang="en-US" dirty="0"/>
+              <a:t>The goal is a policy that selects the controls for each state that optimizes the return (i.e., an optimal policy). </a:t>
+            </a:r>
+          </a:p>
+          <a:p>
+            <a:endParaRPr lang="en-US" dirty="0"/>
+          </a:p>
+        </p:txBody>
+      </p:sp>
+    </p:spTree>
+    <p:extLst>
+      <p:ext uri="{BB962C8B-B14F-4D97-AF65-F5344CB8AC3E}">
+        <p14:creationId xmlns:p14="http://schemas.microsoft.com/office/powerpoint/2010/main" val="3920032623"/>
+      </p:ext>
+    </p:extLst>
+  </p:cSld>
+  <p:clrMapOvr>
+    <a:masterClrMapping/>
+  </p:clrMapOvr>
+</p:sld>
+</file>
+
+<file path=ppt/slides/slide51.xml><?xml version="1.0" encoding="utf-8"?>
+<p:sld xmlns:a="http://schemas.openxmlformats.org/drawingml/2006/main" xmlns:r="http://schemas.openxmlformats.org/officeDocument/2006/relationships" xmlns:p="http://schemas.openxmlformats.org/presentationml/2006/main">
+  <p:cSld>
+    <p:spTree>
+      <p:nvGrpSpPr>
+        <p:cNvPr id="1" name=""/>
+        <p:cNvGrpSpPr/>
+        <p:nvPr/>
+      </p:nvGrpSpPr>
+      <p:grpSpPr>
+        <a:xfrm>
+          <a:off x="0" y="0"/>
+          <a:ext cx="0" cy="0"/>
+          <a:chOff x="0" y="0"/>
+          <a:chExt cx="0" cy="0"/>
+        </a:xfrm>
+      </p:grpSpPr>
+      <p:sp>
+        <p:nvSpPr>
+          <p:cNvPr id="2" name="Title 1">
+            <a:extLst>
+              <a:ext uri="{FF2B5EF4-FFF2-40B4-BE49-F238E27FC236}">
+                <a16:creationId xmlns:a16="http://schemas.microsoft.com/office/drawing/2014/main" id="{7F5FCFBE-BAD8-75F2-BB6C-74509894292F}"/>
+              </a:ext>
+            </a:extLst>
+          </p:cNvPr>
+          <p:cNvSpPr>
+            <a:spLocks noGrp="1"/>
+          </p:cNvSpPr>
+          <p:nvPr>
+            <p:ph type="title"/>
+          </p:nvPr>
+        </p:nvSpPr>
+        <p:spPr/>
+        <p:txBody>
+          <a:bodyPr/>
+          <a:lstStyle/>
+          <a:p>
+            <a:r>
+              <a:rPr lang="en-US" dirty="0"/>
+              <a:t>Linearly-Solvable MDP</a:t>
+            </a:r>
+          </a:p>
+        </p:txBody>
+      </p:sp>
+      <p:sp>
+        <p:nvSpPr>
+          <p:cNvPr id="3" name="Content Placeholder 2">
+            <a:extLst>
+              <a:ext uri="{FF2B5EF4-FFF2-40B4-BE49-F238E27FC236}">
+                <a16:creationId xmlns:a16="http://schemas.microsoft.com/office/drawing/2014/main" id="{775B1426-C04C-630D-7F24-322804C9594F}"/>
+              </a:ext>
+            </a:extLst>
+          </p:cNvPr>
+          <p:cNvSpPr>
+            <a:spLocks noGrp="1"/>
+          </p:cNvSpPr>
+          <p:nvPr>
+            <p:ph idx="1"/>
+          </p:nvPr>
+        </p:nvSpPr>
+        <p:spPr/>
+        <p:txBody>
+          <a:bodyPr/>
+          <a:lstStyle/>
+          <a:p>
+            <a:r>
+              <a:rPr lang="en-US" dirty="0"/>
+              <a:t>Some problems likely don’t have passive dynamics, so “default policy” is probably a good moniker for uncontrolled </a:t>
+            </a:r>
+            <a:r>
+              <a:rPr lang="en-US"/>
+              <a:t>state transitions. </a:t>
+            </a:r>
+            <a:endParaRPr lang="en-US" dirty="0"/>
+          </a:p>
+        </p:txBody>
+      </p:sp>
+    </p:spTree>
+    <p:extLst>
+      <p:ext uri="{BB962C8B-B14F-4D97-AF65-F5344CB8AC3E}">
+        <p14:creationId xmlns:p14="http://schemas.microsoft.com/office/powerpoint/2010/main" val="120712463"/>
+      </p:ext>
+    </p:extLst>
+  </p:cSld>
+  <p:clrMapOvr>
+    <a:masterClrMapping/>
+  </p:clrMapOvr>
+</p:sld>
+</file>
+
+<file path=ppt/slides/slide52.xml><?xml version="1.0" encoding="utf-8"?>
+<p:sld xmlns:a="http://schemas.openxmlformats.org/drawingml/2006/main" xmlns:r="http://schemas.openxmlformats.org/officeDocument/2006/relationships" xmlns:p="http://schemas.openxmlformats.org/presentationml/2006/main">
+  <p:cSld>
+    <p:spTree>
+      <p:nvGrpSpPr>
+        <p:cNvPr id="1" name=""/>
+        <p:cNvGrpSpPr/>
+        <p:nvPr/>
+      </p:nvGrpSpPr>
+      <p:grpSpPr>
+        <a:xfrm>
+          <a:off x="0" y="0"/>
+          <a:ext cx="0" cy="0"/>
+          <a:chOff x="0" y="0"/>
+          <a:chExt cx="0" cy="0"/>
+        </a:xfrm>
+      </p:grpSpPr>
+      <p:sp>
+        <p:nvSpPr>
+          <p:cNvPr id="2" name="Title 1">
+            <a:extLst>
+              <a:ext uri="{FF2B5EF4-FFF2-40B4-BE49-F238E27FC236}">
+                <a16:creationId xmlns:a16="http://schemas.microsoft.com/office/drawing/2014/main" id="{468D3E60-D24B-90C7-6305-8EA2F0E781EE}"/>
+              </a:ext>
+            </a:extLst>
+          </p:cNvPr>
+          <p:cNvSpPr>
+            <a:spLocks noGrp="1"/>
+          </p:cNvSpPr>
+          <p:nvPr>
+            <p:ph type="title"/>
+          </p:nvPr>
+        </p:nvSpPr>
+        <p:spPr/>
+        <p:txBody>
+          <a:bodyPr/>
+          <a:lstStyle/>
+          <a:p>
+            <a:r>
+              <a:rPr lang="en-US" dirty="0"/>
+              <a:t>Inverse Optimal Control (IRL for linearly-solvable MDP)</a:t>
+            </a:r>
+          </a:p>
+        </p:txBody>
+      </p:sp>
+      <p:sp>
+        <p:nvSpPr>
+          <p:cNvPr id="3" name="Content Placeholder 2">
+            <a:extLst>
+              <a:ext uri="{FF2B5EF4-FFF2-40B4-BE49-F238E27FC236}">
+                <a16:creationId xmlns:a16="http://schemas.microsoft.com/office/drawing/2014/main" id="{C088742D-4B00-F7A0-3C74-5D0C90A6B31F}"/>
+              </a:ext>
+            </a:extLst>
+          </p:cNvPr>
+          <p:cNvSpPr>
+            <a:spLocks noGrp="1"/>
+          </p:cNvSpPr>
+          <p:nvPr>
+            <p:ph idx="1"/>
+          </p:nvPr>
+        </p:nvSpPr>
+        <p:spPr/>
+        <p:txBody>
+          <a:bodyPr/>
+          <a:lstStyle/>
+          <a:p>
+            <a:endParaRPr lang="en-US" dirty="0"/>
+          </a:p>
+        </p:txBody>
+      </p:sp>
+    </p:spTree>
+    <p:extLst>
+      <p:ext uri="{BB962C8B-B14F-4D97-AF65-F5344CB8AC3E}">
+        <p14:creationId xmlns:p14="http://schemas.microsoft.com/office/powerpoint/2010/main" val="1636389720"/>
       </p:ext>
     </p:extLst>
   </p:cSld>

--- a/research/loren/busy_bee_ideas.pptx
+++ b/research/loren/busy_bee_ideas.pptx
@@ -5,7 +5,7 @@
     <p:sldMasterId id="2147483648" r:id="rId1"/>
   </p:sldMasterIdLst>
   <p:notesMasterIdLst>
-    <p:notesMasterId r:id="rId54"/>
+    <p:notesMasterId r:id="rId55"/>
   </p:notesMasterIdLst>
   <p:sldIdLst>
     <p:sldId id="256" r:id="rId2"/>
@@ -60,6 +60,7 @@
     <p:sldId id="337" r:id="rId51"/>
     <p:sldId id="338" r:id="rId52"/>
     <p:sldId id="336" r:id="rId53"/>
+    <p:sldId id="339" r:id="rId54"/>
   </p:sldIdLst>
   <p:sldSz cx="12192000" cy="6858000"/>
   <p:notesSz cx="6858000" cy="9144000"/>
@@ -25074,12 +25075,17 @@
           <a:p>
             <a:r>
               <a:rPr lang="en-US" dirty="0"/>
-              <a:t>Some problems likely don’t have passive dynamics, so “default policy” is probably a good moniker for uncontrolled </a:t>
+              <a:t>Some problems likely don’t have passive dynamics, so “default policy” is probably a suitable moniker for uncontrolled state transitions.</a:t>
             </a:r>
+          </a:p>
+          <a:p>
+            <a:pPr lvl="1"/>
             <a:r>
-              <a:rPr lang="en-US"/>
-              <a:t>state transitions. </a:t>
+              <a:rPr lang="en-US" dirty="0"/>
+              <a:t>What should the default policy be in these cases? </a:t>
             </a:r>
+          </a:p>
+          <a:p>
             <a:endParaRPr lang="en-US" dirty="0"/>
           </a:p>
         </p:txBody>
@@ -25171,6 +25177,1198 @@
     <p:extLst>
       <p:ext uri="{BB962C8B-B14F-4D97-AF65-F5344CB8AC3E}">
         <p14:creationId xmlns:p14="http://schemas.microsoft.com/office/powerpoint/2010/main" val="1636389720"/>
+      </p:ext>
+    </p:extLst>
+  </p:cSld>
+  <p:clrMapOvr>
+    <a:masterClrMapping/>
+  </p:clrMapOvr>
+</p:sld>
+</file>
+
+<file path=ppt/slides/slide53.xml><?xml version="1.0" encoding="utf-8"?>
+<p:sld xmlns:a="http://schemas.openxmlformats.org/drawingml/2006/main" xmlns:r="http://schemas.openxmlformats.org/officeDocument/2006/relationships" xmlns:p="http://schemas.openxmlformats.org/presentationml/2006/main">
+  <p:cSld>
+    <p:spTree>
+      <p:nvGrpSpPr>
+        <p:cNvPr id="1" name=""/>
+        <p:cNvGrpSpPr/>
+        <p:nvPr/>
+      </p:nvGrpSpPr>
+      <p:grpSpPr>
+        <a:xfrm>
+          <a:off x="0" y="0"/>
+          <a:ext cx="0" cy="0"/>
+          <a:chOff x="0" y="0"/>
+          <a:chExt cx="0" cy="0"/>
+        </a:xfrm>
+      </p:grpSpPr>
+      <p:sp>
+        <p:nvSpPr>
+          <p:cNvPr id="2" name="Title 1">
+            <a:extLst>
+              <a:ext uri="{FF2B5EF4-FFF2-40B4-BE49-F238E27FC236}">
+                <a16:creationId xmlns:a16="http://schemas.microsoft.com/office/drawing/2014/main" id="{7D45706A-0FBE-CA74-E0BE-A28A259173C7}"/>
+              </a:ext>
+            </a:extLst>
+          </p:cNvPr>
+          <p:cNvSpPr>
+            <a:spLocks noGrp="1"/>
+          </p:cNvSpPr>
+          <p:nvPr>
+            <p:ph type="title"/>
+          </p:nvPr>
+        </p:nvSpPr>
+        <p:spPr/>
+        <p:txBody>
+          <a:bodyPr/>
+          <a:lstStyle/>
+          <a:p>
+            <a:endParaRPr lang="en-US"/>
+          </a:p>
+        </p:txBody>
+      </p:sp>
+      <mc:AlternateContent xmlns:mc="http://schemas.openxmlformats.org/markup-compatibility/2006">
+        <mc:Choice xmlns:a14="http://schemas.microsoft.com/office/drawing/2010/main" Requires="a14">
+          <p:sp>
+            <p:nvSpPr>
+              <p:cNvPr id="3" name="Content Placeholder 2">
+                <a:extLst>
+                  <a:ext uri="{FF2B5EF4-FFF2-40B4-BE49-F238E27FC236}">
+                    <a16:creationId xmlns:a16="http://schemas.microsoft.com/office/drawing/2014/main" id="{3623838E-D7D3-4D5D-B826-B6FE8633DEA0}"/>
+                  </a:ext>
+                </a:extLst>
+              </p:cNvPr>
+              <p:cNvSpPr>
+                <a:spLocks noGrp="1"/>
+              </p:cNvSpPr>
+              <p:nvPr>
+                <p:ph idx="1"/>
+              </p:nvPr>
+            </p:nvSpPr>
+            <p:spPr>
+              <a:xfrm>
+                <a:off x="0" y="1792968"/>
+                <a:ext cx="11963400" cy="4351338"/>
+              </a:xfrm>
+            </p:spPr>
+            <p:txBody>
+              <a:bodyPr/>
+              <a:lstStyle/>
+              <a:p>
+                <a:pPr marL="0" indent="0">
+                  <a:buNone/>
+                </a:pPr>
+                <a14:m>
+                  <m:oMathPara xmlns:m="http://schemas.openxmlformats.org/officeDocument/2006/math">
+                    <m:oMathParaPr>
+                      <m:jc m:val="centerGroup"/>
+                    </m:oMathParaPr>
+                    <m:oMath xmlns:m="http://schemas.openxmlformats.org/officeDocument/2006/math">
+                      <m:r>
+                        <a:rPr lang="en-US" b="0" i="1" smtClean="0">
+                          <a:latin typeface="Cambria Math" panose="02040503050406030204" pitchFamily="18" charset="0"/>
+                        </a:rPr>
+                        <m:t>𝑎𝑑𝑗</m:t>
+                      </m:r>
+                      <m:d>
+                        <m:dPr>
+                          <m:ctrlPr>
+                            <a:rPr lang="en-US" b="0" i="1" smtClean="0">
+                              <a:latin typeface="Cambria Math" panose="02040503050406030204" pitchFamily="18" charset="0"/>
+                            </a:rPr>
+                          </m:ctrlPr>
+                        </m:dPr>
+                        <m:e>
+                          <m:d>
+                            <m:dPr>
+                              <m:ctrlPr>
+                                <a:rPr lang="en-US" i="1">
+                                  <a:latin typeface="Cambria Math" panose="02040503050406030204" pitchFamily="18" charset="0"/>
+                                </a:rPr>
+                              </m:ctrlPr>
+                            </m:dPr>
+                            <m:e>
+                              <m:r>
+                                <a:rPr lang="en-US" i="1">
+                                  <a:latin typeface="Cambria Math" panose="02040503050406030204" pitchFamily="18" charset="0"/>
+                                </a:rPr>
+                                <m:t>𝑥</m:t>
+                              </m:r>
+                              <m:r>
+                                <a:rPr lang="en-US" i="1">
+                                  <a:latin typeface="Cambria Math" panose="02040503050406030204" pitchFamily="18" charset="0"/>
+                                </a:rPr>
+                                <m:t>,</m:t>
+                              </m:r>
+                              <m:r>
+                                <a:rPr lang="en-US" i="1">
+                                  <a:latin typeface="Cambria Math" panose="02040503050406030204" pitchFamily="18" charset="0"/>
+                                </a:rPr>
+                                <m:t>𝑦</m:t>
+                              </m:r>
+                            </m:e>
+                          </m:d>
+                          <m:r>
+                            <a:rPr lang="en-US" i="1">
+                              <a:latin typeface="Cambria Math" panose="02040503050406030204" pitchFamily="18" charset="0"/>
+                            </a:rPr>
+                            <m:t>,</m:t>
+                          </m:r>
+                          <m:d>
+                            <m:dPr>
+                              <m:ctrlPr>
+                                <a:rPr lang="en-US" i="1">
+                                  <a:latin typeface="Cambria Math" panose="02040503050406030204" pitchFamily="18" charset="0"/>
+                                </a:rPr>
+                              </m:ctrlPr>
+                            </m:dPr>
+                            <m:e>
+                              <m:r>
+                                <a:rPr lang="en-US" i="1">
+                                  <a:latin typeface="Cambria Math" panose="02040503050406030204" pitchFamily="18" charset="0"/>
+                                </a:rPr>
+                                <m:t>𝑤</m:t>
+                              </m:r>
+                              <m:r>
+                                <a:rPr lang="en-US" i="1">
+                                  <a:latin typeface="Cambria Math" panose="02040503050406030204" pitchFamily="18" charset="0"/>
+                                </a:rPr>
+                                <m:t>,</m:t>
+                              </m:r>
+                              <m:r>
+                                <a:rPr lang="en-US" i="1">
+                                  <a:latin typeface="Cambria Math" panose="02040503050406030204" pitchFamily="18" charset="0"/>
+                                </a:rPr>
+                                <m:t>𝑣</m:t>
+                              </m:r>
+                            </m:e>
+                          </m:d>
+                        </m:e>
+                      </m:d>
+                      <m:r>
+                        <a:rPr lang="en-US" b="0" i="1" smtClean="0">
+                          <a:latin typeface="Cambria Math" panose="02040503050406030204" pitchFamily="18" charset="0"/>
+                        </a:rPr>
+                        <m:t>= </m:t>
+                      </m:r>
+                      <m:d>
+                        <m:dPr>
+                          <m:begChr m:val="{"/>
+                          <m:endChr m:val=""/>
+                          <m:ctrlPr>
+                            <a:rPr lang="en-US" b="0" i="1" smtClean="0">
+                              <a:latin typeface="Cambria Math" panose="02040503050406030204" pitchFamily="18" charset="0"/>
+                            </a:rPr>
+                          </m:ctrlPr>
+                        </m:dPr>
+                        <m:e>
+                          <m:eqArr>
+                            <m:eqArrPr>
+                              <m:ctrlPr>
+                                <a:rPr lang="en-US" b="0" i="1" smtClean="0">
+                                  <a:latin typeface="Cambria Math" panose="02040503050406030204" pitchFamily="18" charset="0"/>
+                                </a:rPr>
+                              </m:ctrlPr>
+                            </m:eqArrPr>
+                            <m:e>
+                              <m:r>
+                                <a:rPr lang="en-US" b="0" i="1" smtClean="0">
+                                  <a:latin typeface="Cambria Math" panose="02040503050406030204" pitchFamily="18" charset="0"/>
+                                </a:rPr>
+                                <m:t>1, </m:t>
+                              </m:r>
+                              <m:r>
+                                <m:rPr>
+                                  <m:nor/>
+                                </m:rPr>
+                                <a:rPr lang="en-US" b="0" i="0" smtClean="0">
+                                  <a:latin typeface="Cambria Math" panose="02040503050406030204" pitchFamily="18" charset="0"/>
+                                </a:rPr>
+                                <m:t>if</m:t>
+                              </m:r>
+                              <m:r>
+                                <a:rPr lang="en-US" b="0" i="1" smtClean="0">
+                                  <a:latin typeface="Cambria Math" panose="02040503050406030204" pitchFamily="18" charset="0"/>
+                                </a:rPr>
+                                <m:t> (</m:t>
+                              </m:r>
+                              <m:r>
+                                <a:rPr lang="en-US" b="0" i="1" smtClean="0">
+                                  <a:latin typeface="Cambria Math" panose="02040503050406030204" pitchFamily="18" charset="0"/>
+                                </a:rPr>
+                                <m:t>𝑥</m:t>
+                              </m:r>
+                              <m:r>
+                                <a:rPr lang="en-US" b="0" i="1" smtClean="0">
+                                  <a:latin typeface="Cambria Math" panose="02040503050406030204" pitchFamily="18" charset="0"/>
+                                </a:rPr>
+                                <m:t>,</m:t>
+                              </m:r>
+                              <m:r>
+                                <a:rPr lang="en-US" b="0" i="1" smtClean="0">
+                                  <a:latin typeface="Cambria Math" panose="02040503050406030204" pitchFamily="18" charset="0"/>
+                                </a:rPr>
+                                <m:t>𝑦</m:t>
+                              </m:r>
+                              <m:r>
+                                <a:rPr lang="en-US" b="0" i="1" smtClean="0">
+                                  <a:latin typeface="Cambria Math" panose="02040503050406030204" pitchFamily="18" charset="0"/>
+                                </a:rPr>
+                                <m:t>) </m:t>
+                              </m:r>
+                              <m:r>
+                                <m:rPr>
+                                  <m:nor/>
+                                </m:rPr>
+                                <a:rPr lang="en-US" b="0" i="0" smtClean="0">
+                                  <a:latin typeface="Cambria Math" panose="02040503050406030204" pitchFamily="18" charset="0"/>
+                                </a:rPr>
+                                <m:t>adjacent</m:t>
+                              </m:r>
+                              <m:r>
+                                <m:rPr>
+                                  <m:nor/>
+                                </m:rPr>
+                                <a:rPr lang="en-US" b="0" i="0" smtClean="0">
+                                  <a:latin typeface="Cambria Math" panose="02040503050406030204" pitchFamily="18" charset="0"/>
+                                </a:rPr>
+                                <m:t> </m:t>
+                              </m:r>
+                              <m:r>
+                                <m:rPr>
+                                  <m:nor/>
+                                </m:rPr>
+                                <a:rPr lang="en-US" b="0" i="0" smtClean="0">
+                                  <a:latin typeface="Cambria Math" panose="02040503050406030204" pitchFamily="18" charset="0"/>
+                                </a:rPr>
+                                <m:t>to</m:t>
+                              </m:r>
+                              <m:r>
+                                <m:rPr>
+                                  <m:nor/>
+                                </m:rPr>
+                                <a:rPr lang="en-US" b="0" i="0" smtClean="0">
+                                  <a:latin typeface="Cambria Math" panose="02040503050406030204" pitchFamily="18" charset="0"/>
+                                </a:rPr>
+                                <m:t> </m:t>
+                              </m:r>
+                              <m:r>
+                                <a:rPr lang="en-US" b="0" i="1" smtClean="0">
+                                  <a:latin typeface="Cambria Math" panose="02040503050406030204" pitchFamily="18" charset="0"/>
+                                </a:rPr>
+                                <m:t>(</m:t>
+                              </m:r>
+                              <m:r>
+                                <a:rPr lang="en-US" b="0" i="1" smtClean="0">
+                                  <a:latin typeface="Cambria Math" panose="02040503050406030204" pitchFamily="18" charset="0"/>
+                                </a:rPr>
+                                <m:t>𝑤</m:t>
+                              </m:r>
+                              <m:r>
+                                <a:rPr lang="en-US" b="0" i="1" smtClean="0">
+                                  <a:latin typeface="Cambria Math" panose="02040503050406030204" pitchFamily="18" charset="0"/>
+                                </a:rPr>
+                                <m:t>,</m:t>
+                              </m:r>
+                              <m:r>
+                                <a:rPr lang="en-US" b="0" i="1" smtClean="0">
+                                  <a:latin typeface="Cambria Math" panose="02040503050406030204" pitchFamily="18" charset="0"/>
+                                </a:rPr>
+                                <m:t>𝑣</m:t>
+                              </m:r>
+                              <m:r>
+                                <a:rPr lang="en-US" b="0" i="1" smtClean="0">
+                                  <a:latin typeface="Cambria Math" panose="02040503050406030204" pitchFamily="18" charset="0"/>
+                                </a:rPr>
+                                <m:t>)</m:t>
+                              </m:r>
+                            </m:e>
+                            <m:e>
+                              <m:r>
+                                <a:rPr lang="en-US" b="0" i="1" smtClean="0">
+                                  <a:latin typeface="Cambria Math" panose="02040503050406030204" pitchFamily="18" charset="0"/>
+                                </a:rPr>
+                                <m:t>0, </m:t>
+                              </m:r>
+                              <m:r>
+                                <m:rPr>
+                                  <m:nor/>
+                                </m:rPr>
+                                <a:rPr lang="en-US" b="0" i="0" smtClean="0">
+                                  <a:latin typeface="Cambria Math" panose="02040503050406030204" pitchFamily="18" charset="0"/>
+                                </a:rPr>
+                                <m:t>otherwise</m:t>
+                              </m:r>
+                            </m:e>
+                          </m:eqArr>
+                        </m:e>
+                      </m:d>
+                    </m:oMath>
+                  </m:oMathPara>
+                </a14:m>
+                <a:endParaRPr lang="en-US" dirty="0"/>
+              </a:p>
+              <a:p>
+                <a:pPr marL="0" indent="0">
+                  <a:buNone/>
+                </a:pPr>
+                <a:endParaRPr lang="en-US" dirty="0"/>
+              </a:p>
+              <a:p>
+                <a:pPr marL="0" indent="0">
+                  <a:buNone/>
+                </a:pPr>
+                <a14:m>
+                  <m:oMathPara xmlns:m="http://schemas.openxmlformats.org/officeDocument/2006/math">
+                    <m:oMathParaPr>
+                      <m:jc m:val="centerGroup"/>
+                    </m:oMathParaPr>
+                    <m:oMath xmlns:m="http://schemas.openxmlformats.org/officeDocument/2006/math">
+                      <m:r>
+                        <a:rPr lang="en-US" b="0" i="1" smtClean="0">
+                          <a:latin typeface="Cambria Math" panose="02040503050406030204" pitchFamily="18" charset="0"/>
+                        </a:rPr>
+                        <m:t>𝑝</m:t>
+                      </m:r>
+                      <m:d>
+                        <m:dPr>
+                          <m:ctrlPr>
+                            <a:rPr lang="en-US" b="0" i="1" smtClean="0">
+                              <a:latin typeface="Cambria Math" panose="02040503050406030204" pitchFamily="18" charset="0"/>
+                            </a:rPr>
+                          </m:ctrlPr>
+                        </m:dPr>
+                        <m:e>
+                          <m:r>
+                            <a:rPr lang="en-US" b="0" i="1" smtClean="0">
+                              <a:latin typeface="Cambria Math" panose="02040503050406030204" pitchFamily="18" charset="0"/>
+                            </a:rPr>
+                            <m:t>(</m:t>
+                          </m:r>
+                          <m:sSup>
+                            <m:sSupPr>
+                              <m:ctrlPr>
+                                <a:rPr lang="en-US" b="0" i="1" smtClean="0">
+                                  <a:latin typeface="Cambria Math" panose="02040503050406030204" pitchFamily="18" charset="0"/>
+                                </a:rPr>
+                              </m:ctrlPr>
+                            </m:sSupPr>
+                            <m:e>
+                              <m:r>
+                                <a:rPr lang="en-US" b="0" i="1" smtClean="0">
+                                  <a:latin typeface="Cambria Math" panose="02040503050406030204" pitchFamily="18" charset="0"/>
+                                </a:rPr>
+                                <m:t>𝑥</m:t>
+                              </m:r>
+                            </m:e>
+                            <m:sup>
+                              <m:r>
+                                <a:rPr lang="en-US" b="0" i="1" smtClean="0">
+                                  <a:latin typeface="Cambria Math" panose="02040503050406030204" pitchFamily="18" charset="0"/>
+                                </a:rPr>
+                                <m:t>′</m:t>
+                              </m:r>
+                            </m:sup>
+                          </m:sSup>
+                          <m:r>
+                            <a:rPr lang="en-US" b="0" i="1" smtClean="0">
+                              <a:latin typeface="Cambria Math" panose="02040503050406030204" pitchFamily="18" charset="0"/>
+                            </a:rPr>
+                            <m:t>,</m:t>
+                          </m:r>
+                          <m:sSup>
+                            <m:sSupPr>
+                              <m:ctrlPr>
+                                <a:rPr lang="en-US" b="0" i="1" smtClean="0">
+                                  <a:latin typeface="Cambria Math" panose="02040503050406030204" pitchFamily="18" charset="0"/>
+                                </a:rPr>
+                              </m:ctrlPr>
+                            </m:sSupPr>
+                            <m:e>
+                              <m:r>
+                                <a:rPr lang="en-US" b="0" i="1" smtClean="0">
+                                  <a:latin typeface="Cambria Math" panose="02040503050406030204" pitchFamily="18" charset="0"/>
+                                </a:rPr>
+                                <m:t>𝑦</m:t>
+                              </m:r>
+                            </m:e>
+                            <m:sup>
+                              <m:r>
+                                <a:rPr lang="en-US" b="0" i="1" smtClean="0">
+                                  <a:latin typeface="Cambria Math" panose="02040503050406030204" pitchFamily="18" charset="0"/>
+                                </a:rPr>
+                                <m:t>′</m:t>
+                              </m:r>
+                            </m:sup>
+                          </m:sSup>
+                          <m:r>
+                            <a:rPr lang="en-US" b="0" i="1" smtClean="0">
+                              <a:latin typeface="Cambria Math" panose="02040503050406030204" pitchFamily="18" charset="0"/>
+                            </a:rPr>
+                            <m:t>)</m:t>
+                          </m:r>
+                        </m:e>
+                        <m:e>
+                          <m:d>
+                            <m:dPr>
+                              <m:ctrlPr>
+                                <a:rPr lang="en-US" b="0" i="1" smtClean="0">
+                                  <a:latin typeface="Cambria Math" panose="02040503050406030204" pitchFamily="18" charset="0"/>
+                                </a:rPr>
+                              </m:ctrlPr>
+                            </m:dPr>
+                            <m:e>
+                              <m:r>
+                                <a:rPr lang="en-US" b="0" i="1" smtClean="0">
+                                  <a:latin typeface="Cambria Math" panose="02040503050406030204" pitchFamily="18" charset="0"/>
+                                </a:rPr>
+                                <m:t>𝑥</m:t>
+                              </m:r>
+                              <m:r>
+                                <a:rPr lang="en-US" b="0" i="1" smtClean="0">
+                                  <a:latin typeface="Cambria Math" panose="02040503050406030204" pitchFamily="18" charset="0"/>
+                                </a:rPr>
+                                <m:t>,</m:t>
+                              </m:r>
+                              <m:r>
+                                <a:rPr lang="en-US" b="0" i="1" smtClean="0">
+                                  <a:latin typeface="Cambria Math" panose="02040503050406030204" pitchFamily="18" charset="0"/>
+                                </a:rPr>
+                                <m:t>𝑦</m:t>
+                              </m:r>
+                            </m:e>
+                          </m:d>
+                        </m:e>
+                      </m:d>
+                      <m:r>
+                        <a:rPr lang="en-US" b="0" i="1" smtClean="0">
+                          <a:latin typeface="Cambria Math" panose="02040503050406030204" pitchFamily="18" charset="0"/>
+                        </a:rPr>
+                        <m:t>= </m:t>
+                      </m:r>
+                      <m:d>
+                        <m:dPr>
+                          <m:begChr m:val="{"/>
+                          <m:endChr m:val=""/>
+                          <m:ctrlPr>
+                            <a:rPr lang="en-US" b="0" i="1" smtClean="0">
+                              <a:latin typeface="Cambria Math" panose="02040503050406030204" pitchFamily="18" charset="0"/>
+                            </a:rPr>
+                          </m:ctrlPr>
+                        </m:dPr>
+                        <m:e>
+                          <m:eqArr>
+                            <m:eqArrPr>
+                              <m:ctrlPr>
+                                <a:rPr lang="en-US" b="0" i="1" smtClean="0">
+                                  <a:latin typeface="Cambria Math" panose="02040503050406030204" pitchFamily="18" charset="0"/>
+                                </a:rPr>
+                              </m:ctrlPr>
+                            </m:eqArrPr>
+                            <m:e>
+                              <m:f>
+                                <m:fPr>
+                                  <m:ctrlPr>
+                                    <a:rPr lang="en-US" b="0" i="1" smtClean="0">
+                                      <a:latin typeface="Cambria Math" panose="02040503050406030204" pitchFamily="18" charset="0"/>
+                                    </a:rPr>
+                                  </m:ctrlPr>
+                                </m:fPr>
+                                <m:num>
+                                  <m:r>
+                                    <a:rPr lang="en-US" b="0" i="1" smtClean="0">
+                                      <a:latin typeface="Cambria Math" panose="02040503050406030204" pitchFamily="18" charset="0"/>
+                                    </a:rPr>
+                                    <m:t>1</m:t>
+                                  </m:r>
+                                </m:num>
+                                <m:den>
+                                  <m:nary>
+                                    <m:naryPr>
+                                      <m:chr m:val="∑"/>
+                                      <m:supHide m:val="on"/>
+                                      <m:ctrlPr>
+                                        <a:rPr lang="en-US" b="0" i="1" smtClean="0">
+                                          <a:latin typeface="Cambria Math" panose="02040503050406030204" pitchFamily="18" charset="0"/>
+                                        </a:rPr>
+                                      </m:ctrlPr>
+                                    </m:naryPr>
+                                    <m:sub>
+                                      <m:r>
+                                        <m:rPr>
+                                          <m:brk m:alnAt="7"/>
+                                        </m:rPr>
+                                        <a:rPr lang="en-US" b="0" i="1" smtClean="0">
+                                          <a:latin typeface="Cambria Math" panose="02040503050406030204" pitchFamily="18" charset="0"/>
+                                        </a:rPr>
+                                        <m:t>(</m:t>
+                                      </m:r>
+                                      <m:r>
+                                        <a:rPr lang="en-US" b="0" i="1" smtClean="0">
+                                          <a:latin typeface="Cambria Math" panose="02040503050406030204" pitchFamily="18" charset="0"/>
+                                        </a:rPr>
+                                        <m:t>𝑤</m:t>
+                                      </m:r>
+                                      <m:r>
+                                        <a:rPr lang="en-US" b="0" i="1" smtClean="0">
+                                          <a:latin typeface="Cambria Math" panose="02040503050406030204" pitchFamily="18" charset="0"/>
+                                        </a:rPr>
+                                        <m:t>,</m:t>
+                                      </m:r>
+                                      <m:r>
+                                        <a:rPr lang="en-US" b="0" i="1" smtClean="0">
+                                          <a:latin typeface="Cambria Math" panose="02040503050406030204" pitchFamily="18" charset="0"/>
+                                        </a:rPr>
+                                        <m:t>𝑣</m:t>
+                                      </m:r>
+                                      <m:r>
+                                        <a:rPr lang="en-US" b="0" i="1" smtClean="0">
+                                          <a:latin typeface="Cambria Math" panose="02040503050406030204" pitchFamily="18" charset="0"/>
+                                        </a:rPr>
+                                        <m:t>)∈</m:t>
+                                      </m:r>
+                                      <m:r>
+                                        <a:rPr lang="en-US" b="0" i="1" smtClean="0">
+                                          <a:latin typeface="Cambria Math" panose="02040503050406030204" pitchFamily="18" charset="0"/>
+                                          <a:ea typeface="Cambria Math" panose="02040503050406030204" pitchFamily="18" charset="0"/>
+                                        </a:rPr>
+                                        <m:t>𝐺</m:t>
+                                      </m:r>
+                                    </m:sub>
+                                    <m:sup/>
+                                    <m:e>
+                                      <m:r>
+                                        <a:rPr lang="en-US" b="0" i="1" smtClean="0">
+                                          <a:latin typeface="Cambria Math" panose="02040503050406030204" pitchFamily="18" charset="0"/>
+                                        </a:rPr>
+                                        <m:t>𝑎𝑑𝑗</m:t>
+                                      </m:r>
+                                      <m:r>
+                                        <a:rPr lang="en-US" b="0" i="1" smtClean="0">
+                                          <a:latin typeface="Cambria Math" panose="02040503050406030204" pitchFamily="18" charset="0"/>
+                                        </a:rPr>
+                                        <m:t>(</m:t>
+                                      </m:r>
+                                      <m:d>
+                                        <m:dPr>
+                                          <m:ctrlPr>
+                                            <a:rPr lang="en-US" b="0" i="1" smtClean="0">
+                                              <a:latin typeface="Cambria Math" panose="02040503050406030204" pitchFamily="18" charset="0"/>
+                                            </a:rPr>
+                                          </m:ctrlPr>
+                                        </m:dPr>
+                                        <m:e>
+                                          <m:r>
+                                            <a:rPr lang="en-US" b="0" i="1" smtClean="0">
+                                              <a:latin typeface="Cambria Math" panose="02040503050406030204" pitchFamily="18" charset="0"/>
+                                            </a:rPr>
+                                            <m:t>𝑥</m:t>
+                                          </m:r>
+                                          <m:r>
+                                            <a:rPr lang="en-US" b="0" i="1" smtClean="0">
+                                              <a:latin typeface="Cambria Math" panose="02040503050406030204" pitchFamily="18" charset="0"/>
+                                            </a:rPr>
+                                            <m:t>,</m:t>
+                                          </m:r>
+                                          <m:r>
+                                            <a:rPr lang="en-US" b="0" i="1" smtClean="0">
+                                              <a:latin typeface="Cambria Math" panose="02040503050406030204" pitchFamily="18" charset="0"/>
+                                            </a:rPr>
+                                            <m:t>𝑦</m:t>
+                                          </m:r>
+                                        </m:e>
+                                      </m:d>
+                                      <m:r>
+                                        <a:rPr lang="en-US" b="0" i="1" smtClean="0">
+                                          <a:latin typeface="Cambria Math" panose="02040503050406030204" pitchFamily="18" charset="0"/>
+                                        </a:rPr>
+                                        <m:t>,</m:t>
+                                      </m:r>
+                                      <m:d>
+                                        <m:dPr>
+                                          <m:ctrlPr>
+                                            <a:rPr lang="en-US" b="0" i="1" smtClean="0">
+                                              <a:latin typeface="Cambria Math" panose="02040503050406030204" pitchFamily="18" charset="0"/>
+                                            </a:rPr>
+                                          </m:ctrlPr>
+                                        </m:dPr>
+                                        <m:e>
+                                          <m:r>
+                                            <a:rPr lang="en-US" b="0" i="1" smtClean="0">
+                                              <a:latin typeface="Cambria Math" panose="02040503050406030204" pitchFamily="18" charset="0"/>
+                                            </a:rPr>
+                                            <m:t>𝑤</m:t>
+                                          </m:r>
+                                          <m:r>
+                                            <a:rPr lang="en-US" b="0" i="1" smtClean="0">
+                                              <a:latin typeface="Cambria Math" panose="02040503050406030204" pitchFamily="18" charset="0"/>
+                                            </a:rPr>
+                                            <m:t>,</m:t>
+                                          </m:r>
+                                          <m:r>
+                                            <a:rPr lang="en-US" b="0" i="1" smtClean="0">
+                                              <a:latin typeface="Cambria Math" panose="02040503050406030204" pitchFamily="18" charset="0"/>
+                                            </a:rPr>
+                                            <m:t>𝑣</m:t>
+                                          </m:r>
+                                        </m:e>
+                                      </m:d>
+                                      <m:r>
+                                        <a:rPr lang="en-US" b="0" i="1" smtClean="0">
+                                          <a:latin typeface="Cambria Math" panose="02040503050406030204" pitchFamily="18" charset="0"/>
+                                        </a:rPr>
+                                        <m:t>)</m:t>
+                                      </m:r>
+                                    </m:e>
+                                  </m:nary>
+                                </m:den>
+                              </m:f>
+                              <m:r>
+                                <a:rPr lang="en-US" b="0" i="1" smtClean="0">
+                                  <a:latin typeface="Cambria Math" panose="02040503050406030204" pitchFamily="18" charset="0"/>
+                                </a:rPr>
+                                <m:t>, </m:t>
+                              </m:r>
+                              <m:r>
+                                <m:rPr>
+                                  <m:nor/>
+                                </m:rPr>
+                                <a:rPr lang="en-US" b="0" i="0" smtClean="0">
+                                  <a:latin typeface="Cambria Math" panose="02040503050406030204" pitchFamily="18" charset="0"/>
+                                </a:rPr>
+                                <m:t>if</m:t>
+                              </m:r>
+                              <m:r>
+                                <m:rPr>
+                                  <m:nor/>
+                                </m:rPr>
+                                <a:rPr lang="en-US" b="0" i="0" smtClean="0">
+                                  <a:latin typeface="Cambria Math" panose="02040503050406030204" pitchFamily="18" charset="0"/>
+                                </a:rPr>
+                                <m:t> </m:t>
+                              </m:r>
+                              <m:r>
+                                <a:rPr lang="en-US" b="0" i="1" smtClean="0">
+                                  <a:latin typeface="Cambria Math" panose="02040503050406030204" pitchFamily="18" charset="0"/>
+                                </a:rPr>
+                                <m:t>𝑎𝑑𝑗</m:t>
+                              </m:r>
+                              <m:r>
+                                <a:rPr lang="en-US" b="0" i="1" smtClean="0">
+                                  <a:latin typeface="Cambria Math" panose="02040503050406030204" pitchFamily="18" charset="0"/>
+                                </a:rPr>
+                                <m:t>((</m:t>
+                              </m:r>
+                              <m:r>
+                                <a:rPr lang="en-US" b="0" i="1" smtClean="0">
+                                  <a:latin typeface="Cambria Math" panose="02040503050406030204" pitchFamily="18" charset="0"/>
+                                </a:rPr>
+                                <m:t>𝑥</m:t>
+                              </m:r>
+                              <m:r>
+                                <a:rPr lang="en-US" b="0" i="1" smtClean="0">
+                                  <a:latin typeface="Cambria Math" panose="02040503050406030204" pitchFamily="18" charset="0"/>
+                                </a:rPr>
+                                <m:t>′,</m:t>
+                              </m:r>
+                              <m:r>
+                                <a:rPr lang="en-US" b="0" i="1" smtClean="0">
+                                  <a:latin typeface="Cambria Math" panose="02040503050406030204" pitchFamily="18" charset="0"/>
+                                </a:rPr>
+                                <m:t>𝑦</m:t>
+                              </m:r>
+                              <m:r>
+                                <a:rPr lang="en-US" b="0" i="1" smtClean="0">
+                                  <a:latin typeface="Cambria Math" panose="02040503050406030204" pitchFamily="18" charset="0"/>
+                                </a:rPr>
+                                <m:t>′),(</m:t>
+                              </m:r>
+                              <m:r>
+                                <a:rPr lang="en-US" b="0" i="1" smtClean="0">
+                                  <a:latin typeface="Cambria Math" panose="02040503050406030204" pitchFamily="18" charset="0"/>
+                                </a:rPr>
+                                <m:t>𝑥</m:t>
+                              </m:r>
+                              <m:r>
+                                <a:rPr lang="en-US" b="0" i="1" smtClean="0">
+                                  <a:latin typeface="Cambria Math" panose="02040503050406030204" pitchFamily="18" charset="0"/>
+                                </a:rPr>
+                                <m:t>,</m:t>
+                              </m:r>
+                              <m:r>
+                                <a:rPr lang="en-US" b="0" i="1" smtClean="0">
+                                  <a:latin typeface="Cambria Math" panose="02040503050406030204" pitchFamily="18" charset="0"/>
+                                </a:rPr>
+                                <m:t>𝑦</m:t>
+                              </m:r>
+                              <m:r>
+                                <a:rPr lang="en-US" b="0" i="1" smtClean="0">
+                                  <a:latin typeface="Cambria Math" panose="02040503050406030204" pitchFamily="18" charset="0"/>
+                                </a:rPr>
+                                <m:t>))=1</m:t>
+                              </m:r>
+                            </m:e>
+                            <m:e>
+                              <m:r>
+                                <a:rPr lang="en-US" b="0" i="1" smtClean="0">
+                                  <a:latin typeface="Cambria Math" panose="02040503050406030204" pitchFamily="18" charset="0"/>
+                                </a:rPr>
+                                <m:t>0, </m:t>
+                              </m:r>
+                              <m:r>
+                                <m:rPr>
+                                  <m:nor/>
+                                </m:rPr>
+                                <a:rPr lang="en-US" b="0" i="0" smtClean="0">
+                                  <a:latin typeface="Cambria Math" panose="02040503050406030204" pitchFamily="18" charset="0"/>
+                                </a:rPr>
+                                <m:t>otherwise</m:t>
+                              </m:r>
+                            </m:e>
+                          </m:eqArr>
+                        </m:e>
+                      </m:d>
+                    </m:oMath>
+                  </m:oMathPara>
+                </a14:m>
+                <a:endParaRPr lang="en-US" b="0" dirty="0"/>
+              </a:p>
+              <a:p>
+                <a:pPr marL="0" indent="0">
+                  <a:buNone/>
+                </a:pPr>
+                <a14:m>
+                  <m:oMathPara xmlns:m="http://schemas.openxmlformats.org/officeDocument/2006/math">
+                    <m:oMathParaPr>
+                      <m:jc m:val="centerGroup"/>
+                    </m:oMathParaPr>
+                    <m:oMath xmlns:m="http://schemas.openxmlformats.org/officeDocument/2006/math">
+                      <m:r>
+                        <a:rPr lang="en-US" b="0" i="1" smtClean="0">
+                          <a:latin typeface="Cambria Math" panose="02040503050406030204" pitchFamily="18" charset="0"/>
+                        </a:rPr>
+                        <m:t>𝑝</m:t>
+                      </m:r>
+                      <m:d>
+                        <m:dPr>
+                          <m:ctrlPr>
+                            <a:rPr lang="en-US" b="0" i="1" smtClean="0">
+                              <a:latin typeface="Cambria Math" panose="02040503050406030204" pitchFamily="18" charset="0"/>
+                            </a:rPr>
+                          </m:ctrlPr>
+                        </m:dPr>
+                        <m:e>
+                          <m:r>
+                            <a:rPr lang="en-US" b="0" i="1" smtClean="0">
+                              <a:latin typeface="Cambria Math" panose="02040503050406030204" pitchFamily="18" charset="0"/>
+                            </a:rPr>
+                            <m:t>(</m:t>
+                          </m:r>
+                          <m:sSup>
+                            <m:sSupPr>
+                              <m:ctrlPr>
+                                <a:rPr lang="en-US" b="0" i="1" smtClean="0">
+                                  <a:latin typeface="Cambria Math" panose="02040503050406030204" pitchFamily="18" charset="0"/>
+                                </a:rPr>
+                              </m:ctrlPr>
+                            </m:sSupPr>
+                            <m:e>
+                              <m:r>
+                                <a:rPr lang="en-US" b="0" i="1" smtClean="0">
+                                  <a:latin typeface="Cambria Math" panose="02040503050406030204" pitchFamily="18" charset="0"/>
+                                </a:rPr>
+                                <m:t>𝑥</m:t>
+                              </m:r>
+                            </m:e>
+                            <m:sup>
+                              <m:r>
+                                <a:rPr lang="en-US" b="0" i="1" smtClean="0">
+                                  <a:latin typeface="Cambria Math" panose="02040503050406030204" pitchFamily="18" charset="0"/>
+                                </a:rPr>
+                                <m:t>′</m:t>
+                              </m:r>
+                            </m:sup>
+                          </m:sSup>
+                          <m:r>
+                            <a:rPr lang="en-US" b="0" i="1" smtClean="0">
+                              <a:latin typeface="Cambria Math" panose="02040503050406030204" pitchFamily="18" charset="0"/>
+                            </a:rPr>
+                            <m:t>,</m:t>
+                          </m:r>
+                          <m:sSup>
+                            <m:sSupPr>
+                              <m:ctrlPr>
+                                <a:rPr lang="en-US" b="0" i="1" smtClean="0">
+                                  <a:latin typeface="Cambria Math" panose="02040503050406030204" pitchFamily="18" charset="0"/>
+                                </a:rPr>
+                              </m:ctrlPr>
+                            </m:sSupPr>
+                            <m:e>
+                              <m:r>
+                                <a:rPr lang="en-US" b="0" i="1" smtClean="0">
+                                  <a:latin typeface="Cambria Math" panose="02040503050406030204" pitchFamily="18" charset="0"/>
+                                </a:rPr>
+                                <m:t>𝑦</m:t>
+                              </m:r>
+                            </m:e>
+                            <m:sup>
+                              <m:r>
+                                <a:rPr lang="en-US" b="0" i="1" smtClean="0">
+                                  <a:latin typeface="Cambria Math" panose="02040503050406030204" pitchFamily="18" charset="0"/>
+                                </a:rPr>
+                                <m:t>′</m:t>
+                              </m:r>
+                            </m:sup>
+                          </m:sSup>
+                          <m:r>
+                            <a:rPr lang="en-US" b="0" i="1" smtClean="0">
+                              <a:latin typeface="Cambria Math" panose="02040503050406030204" pitchFamily="18" charset="0"/>
+                            </a:rPr>
+                            <m:t>,</m:t>
+                          </m:r>
+                          <m:sSup>
+                            <m:sSupPr>
+                              <m:ctrlPr>
+                                <a:rPr lang="en-US" b="0" i="1" smtClean="0">
+                                  <a:latin typeface="Cambria Math" panose="02040503050406030204" pitchFamily="18" charset="0"/>
+                                </a:rPr>
+                              </m:ctrlPr>
+                            </m:sSupPr>
+                            <m:e>
+                              <m:r>
+                                <a:rPr lang="en-US" b="0" i="1" smtClean="0">
+                                  <a:latin typeface="Cambria Math" panose="02040503050406030204" pitchFamily="18" charset="0"/>
+                                </a:rPr>
+                                <m:t>𝑡</m:t>
+                              </m:r>
+                            </m:e>
+                            <m:sup>
+                              <m:r>
+                                <a:rPr lang="en-US" b="0" i="1" smtClean="0">
+                                  <a:latin typeface="Cambria Math" panose="02040503050406030204" pitchFamily="18" charset="0"/>
+                                </a:rPr>
+                                <m:t>′</m:t>
+                              </m:r>
+                            </m:sup>
+                          </m:sSup>
+                          <m:r>
+                            <a:rPr lang="en-US" b="0" i="1" smtClean="0">
+                              <a:latin typeface="Cambria Math" panose="02040503050406030204" pitchFamily="18" charset="0"/>
+                            </a:rPr>
+                            <m:t>)</m:t>
+                          </m:r>
+                        </m:e>
+                        <m:e>
+                          <m:d>
+                            <m:dPr>
+                              <m:ctrlPr>
+                                <a:rPr lang="en-US" b="0" i="1" smtClean="0">
+                                  <a:latin typeface="Cambria Math" panose="02040503050406030204" pitchFamily="18" charset="0"/>
+                                </a:rPr>
+                              </m:ctrlPr>
+                            </m:dPr>
+                            <m:e>
+                              <m:r>
+                                <a:rPr lang="en-US" b="0" i="1" smtClean="0">
+                                  <a:latin typeface="Cambria Math" panose="02040503050406030204" pitchFamily="18" charset="0"/>
+                                </a:rPr>
+                                <m:t>𝑥</m:t>
+                              </m:r>
+                              <m:r>
+                                <a:rPr lang="en-US" b="0" i="1" smtClean="0">
+                                  <a:latin typeface="Cambria Math" panose="02040503050406030204" pitchFamily="18" charset="0"/>
+                                </a:rPr>
+                                <m:t>,</m:t>
+                              </m:r>
+                              <m:r>
+                                <a:rPr lang="en-US" b="0" i="1" smtClean="0">
+                                  <a:latin typeface="Cambria Math" panose="02040503050406030204" pitchFamily="18" charset="0"/>
+                                </a:rPr>
+                                <m:t>𝑦</m:t>
+                              </m:r>
+                              <m:r>
+                                <a:rPr lang="en-US" b="0" i="1" smtClean="0">
+                                  <a:latin typeface="Cambria Math" panose="02040503050406030204" pitchFamily="18" charset="0"/>
+                                </a:rPr>
+                                <m:t>,</m:t>
+                              </m:r>
+                              <m:r>
+                                <a:rPr lang="en-US" b="0" i="1" smtClean="0">
+                                  <a:latin typeface="Cambria Math" panose="02040503050406030204" pitchFamily="18" charset="0"/>
+                                </a:rPr>
+                                <m:t>𝑡</m:t>
+                              </m:r>
+                            </m:e>
+                          </m:d>
+                        </m:e>
+                      </m:d>
+                      <m:r>
+                        <a:rPr lang="en-US" b="0" i="1" smtClean="0">
+                          <a:latin typeface="Cambria Math" panose="02040503050406030204" pitchFamily="18" charset="0"/>
+                        </a:rPr>
+                        <m:t>=</m:t>
+                      </m:r>
+                      <m:d>
+                        <m:dPr>
+                          <m:begChr m:val="{"/>
+                          <m:endChr m:val=""/>
+                          <m:ctrlPr>
+                            <a:rPr lang="en-US" b="0" i="1" smtClean="0">
+                              <a:latin typeface="Cambria Math" panose="02040503050406030204" pitchFamily="18" charset="0"/>
+                            </a:rPr>
+                          </m:ctrlPr>
+                        </m:dPr>
+                        <m:e>
+                          <m:eqArr>
+                            <m:eqArrPr>
+                              <m:ctrlPr>
+                                <a:rPr lang="en-US" b="0" i="1" smtClean="0">
+                                  <a:latin typeface="Cambria Math" panose="02040503050406030204" pitchFamily="18" charset="0"/>
+                                </a:rPr>
+                              </m:ctrlPr>
+                            </m:eqArrPr>
+                            <m:e>
+                              <m:r>
+                                <a:rPr lang="en-US" b="0" i="1" smtClean="0">
+                                  <a:latin typeface="Cambria Math" panose="02040503050406030204" pitchFamily="18" charset="0"/>
+                                </a:rPr>
+                                <m:t>𝑝</m:t>
+                              </m:r>
+                              <m:d>
+                                <m:dPr>
+                                  <m:ctrlPr>
+                                    <a:rPr lang="en-US" b="0" i="1" smtClean="0">
+                                      <a:latin typeface="Cambria Math" panose="02040503050406030204" pitchFamily="18" charset="0"/>
+                                    </a:rPr>
+                                  </m:ctrlPr>
+                                </m:dPr>
+                                <m:e>
+                                  <m:d>
+                                    <m:dPr>
+                                      <m:ctrlPr>
+                                        <a:rPr lang="en-US" b="0" i="1" smtClean="0">
+                                          <a:latin typeface="Cambria Math" panose="02040503050406030204" pitchFamily="18" charset="0"/>
+                                        </a:rPr>
+                                      </m:ctrlPr>
+                                    </m:dPr>
+                                    <m:e>
+                                      <m:sSup>
+                                        <m:sSupPr>
+                                          <m:ctrlPr>
+                                            <a:rPr lang="en-US" b="0" i="1" smtClean="0">
+                                              <a:latin typeface="Cambria Math" panose="02040503050406030204" pitchFamily="18" charset="0"/>
+                                            </a:rPr>
+                                          </m:ctrlPr>
+                                        </m:sSupPr>
+                                        <m:e>
+                                          <m:r>
+                                            <a:rPr lang="en-US" b="0" i="1" smtClean="0">
+                                              <a:latin typeface="Cambria Math" panose="02040503050406030204" pitchFamily="18" charset="0"/>
+                                            </a:rPr>
+                                            <m:t>𝑥</m:t>
+                                          </m:r>
+                                        </m:e>
+                                        <m:sup>
+                                          <m:r>
+                                            <a:rPr lang="en-US" b="0" i="1" smtClean="0">
+                                              <a:latin typeface="Cambria Math" panose="02040503050406030204" pitchFamily="18" charset="0"/>
+                                            </a:rPr>
+                                            <m:t>′</m:t>
+                                          </m:r>
+                                        </m:sup>
+                                      </m:sSup>
+                                      <m:r>
+                                        <a:rPr lang="en-US" b="0" i="1" smtClean="0">
+                                          <a:latin typeface="Cambria Math" panose="02040503050406030204" pitchFamily="18" charset="0"/>
+                                        </a:rPr>
+                                        <m:t>,</m:t>
+                                      </m:r>
+                                      <m:sSup>
+                                        <m:sSupPr>
+                                          <m:ctrlPr>
+                                            <a:rPr lang="en-US" b="0" i="1" smtClean="0">
+                                              <a:latin typeface="Cambria Math" panose="02040503050406030204" pitchFamily="18" charset="0"/>
+                                            </a:rPr>
+                                          </m:ctrlPr>
+                                        </m:sSupPr>
+                                        <m:e>
+                                          <m:r>
+                                            <a:rPr lang="en-US" b="0" i="1" smtClean="0">
+                                              <a:latin typeface="Cambria Math" panose="02040503050406030204" pitchFamily="18" charset="0"/>
+                                            </a:rPr>
+                                            <m:t>𝑦</m:t>
+                                          </m:r>
+                                        </m:e>
+                                        <m:sup>
+                                          <m:r>
+                                            <a:rPr lang="en-US" b="0" i="1" smtClean="0">
+                                              <a:latin typeface="Cambria Math" panose="02040503050406030204" pitchFamily="18" charset="0"/>
+                                            </a:rPr>
+                                            <m:t>′</m:t>
+                                          </m:r>
+                                        </m:sup>
+                                      </m:sSup>
+                                    </m:e>
+                                  </m:d>
+                                </m:e>
+                                <m:e>
+                                  <m:d>
+                                    <m:dPr>
+                                      <m:ctrlPr>
+                                        <a:rPr lang="en-US" b="0" i="1" smtClean="0">
+                                          <a:latin typeface="Cambria Math" panose="02040503050406030204" pitchFamily="18" charset="0"/>
+                                        </a:rPr>
+                                      </m:ctrlPr>
+                                    </m:dPr>
+                                    <m:e>
+                                      <m:r>
+                                        <a:rPr lang="en-US" b="0" i="1" smtClean="0">
+                                          <a:latin typeface="Cambria Math" panose="02040503050406030204" pitchFamily="18" charset="0"/>
+                                        </a:rPr>
+                                        <m:t>𝑥</m:t>
+                                      </m:r>
+                                      <m:r>
+                                        <a:rPr lang="en-US" b="0" i="1" smtClean="0">
+                                          <a:latin typeface="Cambria Math" panose="02040503050406030204" pitchFamily="18" charset="0"/>
+                                        </a:rPr>
+                                        <m:t>,</m:t>
+                                      </m:r>
+                                      <m:r>
+                                        <a:rPr lang="en-US" b="0" i="1" smtClean="0">
+                                          <a:latin typeface="Cambria Math" panose="02040503050406030204" pitchFamily="18" charset="0"/>
+                                        </a:rPr>
+                                        <m:t>𝑦</m:t>
+                                      </m:r>
+                                    </m:e>
+                                  </m:d>
+                                </m:e>
+                              </m:d>
+                              <m:r>
+                                <a:rPr lang="en-US" b="0" i="1" smtClean="0">
+                                  <a:latin typeface="Cambria Math" panose="02040503050406030204" pitchFamily="18" charset="0"/>
+                                </a:rPr>
+                                <m:t>, </m:t>
+                              </m:r>
+                              <m:r>
+                                <m:rPr>
+                                  <m:nor/>
+                                </m:rPr>
+                                <a:rPr lang="en-US" b="0" i="0" smtClean="0">
+                                  <a:latin typeface="Cambria Math" panose="02040503050406030204" pitchFamily="18" charset="0"/>
+                                </a:rPr>
+                                <m:t>if</m:t>
+                              </m:r>
+                              <m:r>
+                                <m:rPr>
+                                  <m:nor/>
+                                </m:rPr>
+                                <a:rPr lang="en-US" b="0" i="0" smtClean="0">
+                                  <a:latin typeface="Cambria Math" panose="02040503050406030204" pitchFamily="18" charset="0"/>
+                                </a:rPr>
+                                <m:t> </m:t>
+                              </m:r>
+                              <m:r>
+                                <a:rPr lang="en-US" b="0" i="1" smtClean="0">
+                                  <a:latin typeface="Cambria Math" panose="02040503050406030204" pitchFamily="18" charset="0"/>
+                                </a:rPr>
+                                <m:t>𝑡</m:t>
+                              </m:r>
+                              <m:r>
+                                <a:rPr lang="en-US" b="0" i="1" smtClean="0">
+                                  <a:latin typeface="Cambria Math" panose="02040503050406030204" pitchFamily="18" charset="0"/>
+                                </a:rPr>
+                                <m:t>′=</m:t>
+                              </m:r>
+                              <m:r>
+                                <a:rPr lang="en-US" b="0" i="1" smtClean="0">
+                                  <a:latin typeface="Cambria Math" panose="02040503050406030204" pitchFamily="18" charset="0"/>
+                                </a:rPr>
+                                <m:t>𝑡</m:t>
+                              </m:r>
+                              <m:r>
+                                <a:rPr lang="en-US" b="0" i="1" smtClean="0">
+                                  <a:latin typeface="Cambria Math" panose="02040503050406030204" pitchFamily="18" charset="0"/>
+                                </a:rPr>
+                                <m:t>+1</m:t>
+                              </m:r>
+                            </m:e>
+                            <m:e>
+                              <m:r>
+                                <a:rPr lang="en-US" b="0" i="1" smtClean="0">
+                                  <a:latin typeface="Cambria Math" panose="02040503050406030204" pitchFamily="18" charset="0"/>
+                                </a:rPr>
+                                <m:t>0, </m:t>
+                              </m:r>
+                              <m:r>
+                                <m:rPr>
+                                  <m:nor/>
+                                </m:rPr>
+                                <a:rPr lang="en-US" b="0" i="0" smtClean="0">
+                                  <a:latin typeface="Cambria Math" panose="02040503050406030204" pitchFamily="18" charset="0"/>
+                                </a:rPr>
+                                <m:t>otherwise</m:t>
+                              </m:r>
+                            </m:e>
+                          </m:eqArr>
+                        </m:e>
+                      </m:d>
+                    </m:oMath>
+                  </m:oMathPara>
+                </a14:m>
+                <a:endParaRPr lang="en-US" dirty="0"/>
+              </a:p>
+            </p:txBody>
+          </p:sp>
+        </mc:Choice>
+        <mc:Fallback>
+          <p:sp>
+            <p:nvSpPr>
+              <p:cNvPr id="3" name="Content Placeholder 2">
+                <a:extLst>
+                  <a:ext uri="{FF2B5EF4-FFF2-40B4-BE49-F238E27FC236}">
+                    <a16:creationId xmlns:a16="http://schemas.microsoft.com/office/drawing/2014/main" id="{3623838E-D7D3-4D5D-B826-B6FE8633DEA0}"/>
+                  </a:ext>
+                </a:extLst>
+              </p:cNvPr>
+              <p:cNvSpPr>
+                <a:spLocks noGrp="1" noRot="1" noChangeAspect="1" noMove="1" noResize="1" noEditPoints="1" noAdjustHandles="1" noChangeArrowheads="1" noChangeShapeType="1" noTextEdit="1"/>
+              </p:cNvSpPr>
+              <p:nvPr>
+                <p:ph idx="1"/>
+              </p:nvPr>
+            </p:nvSpPr>
+            <p:spPr>
+              <a:xfrm>
+                <a:off x="0" y="1792968"/>
+                <a:ext cx="11963400" cy="4351338"/>
+              </a:xfrm>
+              <a:blipFill>
+                <a:blip r:embed="rId2"/>
+                <a:stretch>
+                  <a:fillRect t="-56560" b="-88921"/>
+                </a:stretch>
+              </a:blipFill>
+            </p:spPr>
+            <p:txBody>
+              <a:bodyPr/>
+              <a:lstStyle/>
+              <a:p>
+                <a:r>
+                  <a:rPr lang="en-US">
+                    <a:noFill/>
+                  </a:rPr>
+                  <a:t> </a:t>
+                </a:r>
+              </a:p>
+            </p:txBody>
+          </p:sp>
+        </mc:Fallback>
+      </mc:AlternateContent>
+    </p:spTree>
+    <p:extLst>
+      <p:ext uri="{BB962C8B-B14F-4D97-AF65-F5344CB8AC3E}">
+        <p14:creationId xmlns:p14="http://schemas.microsoft.com/office/powerpoint/2010/main" val="4174369385"/>
       </p:ext>
     </p:extLst>
   </p:cSld>

--- a/research/loren/busy_bee_ideas.pptx
+++ b/research/loren/busy_bee_ideas.pptx
@@ -5,7 +5,7 @@
     <p:sldMasterId id="2147483648" r:id="rId1"/>
   </p:sldMasterIdLst>
   <p:notesMasterIdLst>
-    <p:notesMasterId r:id="rId55"/>
+    <p:notesMasterId r:id="rId61"/>
   </p:notesMasterIdLst>
   <p:sldIdLst>
     <p:sldId id="256" r:id="rId2"/>
@@ -61,6 +61,12 @@
     <p:sldId id="338" r:id="rId52"/>
     <p:sldId id="336" r:id="rId53"/>
     <p:sldId id="339" r:id="rId54"/>
+    <p:sldId id="340" r:id="rId55"/>
+    <p:sldId id="341" r:id="rId56"/>
+    <p:sldId id="342" r:id="rId57"/>
+    <p:sldId id="343" r:id="rId58"/>
+    <p:sldId id="344" r:id="rId59"/>
+    <p:sldId id="345" r:id="rId60"/>
   </p:sldIdLst>
   <p:sldSz cx="12192000" cy="6858000"/>
   <p:notesSz cx="6858000" cy="9144000"/>
@@ -249,7 +255,7 @@
           <a:p>
             <a:fld id="{076AB3D5-AD05-5F40-BE2C-8C0372DC20CC}" type="datetimeFigureOut">
               <a:rPr lang="en-US" smtClean="0"/>
-              <a:t>11/14/23</a:t>
+              <a:t>1/10/24</a:t>
             </a:fld>
             <a:endParaRPr lang="en-US"/>
           </a:p>
@@ -750,7 +756,7 @@
           <a:p>
             <a:fld id="{B1DC179A-E86A-EF48-8C3E-7AEB49C8E1A9}" type="datetimeFigureOut">
               <a:rPr lang="en-US" smtClean="0"/>
-              <a:t>11/14/23</a:t>
+              <a:t>1/10/24</a:t>
             </a:fld>
             <a:endParaRPr lang="en-US"/>
           </a:p>
@@ -948,7 +954,7 @@
           <a:p>
             <a:fld id="{B1DC179A-E86A-EF48-8C3E-7AEB49C8E1A9}" type="datetimeFigureOut">
               <a:rPr lang="en-US" smtClean="0"/>
-              <a:t>11/14/23</a:t>
+              <a:t>1/10/24</a:t>
             </a:fld>
             <a:endParaRPr lang="en-US"/>
           </a:p>
@@ -1156,7 +1162,7 @@
           <a:p>
             <a:fld id="{B1DC179A-E86A-EF48-8C3E-7AEB49C8E1A9}" type="datetimeFigureOut">
               <a:rPr lang="en-US" smtClean="0"/>
-              <a:t>11/14/23</a:t>
+              <a:t>1/10/24</a:t>
             </a:fld>
             <a:endParaRPr lang="en-US"/>
           </a:p>
@@ -1354,7 +1360,7 @@
           <a:p>
             <a:fld id="{B1DC179A-E86A-EF48-8C3E-7AEB49C8E1A9}" type="datetimeFigureOut">
               <a:rPr lang="en-US" smtClean="0"/>
-              <a:t>11/14/23</a:t>
+              <a:t>1/10/24</a:t>
             </a:fld>
             <a:endParaRPr lang="en-US"/>
           </a:p>
@@ -1629,7 +1635,7 @@
           <a:p>
             <a:fld id="{B1DC179A-E86A-EF48-8C3E-7AEB49C8E1A9}" type="datetimeFigureOut">
               <a:rPr lang="en-US" smtClean="0"/>
-              <a:t>11/14/23</a:t>
+              <a:t>1/10/24</a:t>
             </a:fld>
             <a:endParaRPr lang="en-US"/>
           </a:p>
@@ -1894,7 +1900,7 @@
           <a:p>
             <a:fld id="{B1DC179A-E86A-EF48-8C3E-7AEB49C8E1A9}" type="datetimeFigureOut">
               <a:rPr lang="en-US" smtClean="0"/>
-              <a:t>11/14/23</a:t>
+              <a:t>1/10/24</a:t>
             </a:fld>
             <a:endParaRPr lang="en-US"/>
           </a:p>
@@ -2306,7 +2312,7 @@
           <a:p>
             <a:fld id="{B1DC179A-E86A-EF48-8C3E-7AEB49C8E1A9}" type="datetimeFigureOut">
               <a:rPr lang="en-US" smtClean="0"/>
-              <a:t>11/14/23</a:t>
+              <a:t>1/10/24</a:t>
             </a:fld>
             <a:endParaRPr lang="en-US"/>
           </a:p>
@@ -2447,7 +2453,7 @@
           <a:p>
             <a:fld id="{B1DC179A-E86A-EF48-8C3E-7AEB49C8E1A9}" type="datetimeFigureOut">
               <a:rPr lang="en-US" smtClean="0"/>
-              <a:t>11/14/23</a:t>
+              <a:t>1/10/24</a:t>
             </a:fld>
             <a:endParaRPr lang="en-US"/>
           </a:p>
@@ -2560,7 +2566,7 @@
           <a:p>
             <a:fld id="{B1DC179A-E86A-EF48-8C3E-7AEB49C8E1A9}" type="datetimeFigureOut">
               <a:rPr lang="en-US" smtClean="0"/>
-              <a:t>11/14/23</a:t>
+              <a:t>1/10/24</a:t>
             </a:fld>
             <a:endParaRPr lang="en-US"/>
           </a:p>
@@ -2871,7 +2877,7 @@
           <a:p>
             <a:fld id="{B1DC179A-E86A-EF48-8C3E-7AEB49C8E1A9}" type="datetimeFigureOut">
               <a:rPr lang="en-US" smtClean="0"/>
-              <a:t>11/14/23</a:t>
+              <a:t>1/10/24</a:t>
             </a:fld>
             <a:endParaRPr lang="en-US"/>
           </a:p>
@@ -3159,7 +3165,7 @@
           <a:p>
             <a:fld id="{B1DC179A-E86A-EF48-8C3E-7AEB49C8E1A9}" type="datetimeFigureOut">
               <a:rPr lang="en-US" smtClean="0"/>
-              <a:t>11/14/23</a:t>
+              <a:t>1/10/24</a:t>
             </a:fld>
             <a:endParaRPr lang="en-US"/>
           </a:p>
@@ -3400,7 +3406,7 @@
           <a:p>
             <a:fld id="{B1DC179A-E86A-EF48-8C3E-7AEB49C8E1A9}" type="datetimeFigureOut">
               <a:rPr lang="en-US" smtClean="0"/>
-              <a:t>11/14/23</a:t>
+              <a:t>1/10/24</a:t>
             </a:fld>
             <a:endParaRPr lang="en-US"/>
           </a:p>
@@ -25228,8 +25234,8 @@
           </a:p>
         </p:txBody>
       </p:sp>
-      <mc:AlternateContent xmlns:mc="http://schemas.openxmlformats.org/markup-compatibility/2006">
-        <mc:Choice xmlns:a14="http://schemas.microsoft.com/office/drawing/2010/main" Requires="a14">
+      <mc:AlternateContent xmlns:mc="http://schemas.openxmlformats.org/markup-compatibility/2006" xmlns:a14="http://schemas.microsoft.com/office/drawing/2010/main">
+        <mc:Choice Requires="a14">
           <p:sp>
             <p:nvSpPr>
               <p:cNvPr id="3" name="Content Placeholder 2">
@@ -26321,7 +26327,7 @@
             </p:txBody>
           </p:sp>
         </mc:Choice>
-        <mc:Fallback>
+        <mc:Fallback xmlns="">
           <p:sp>
             <p:nvSpPr>
               <p:cNvPr id="3" name="Content Placeholder 2">
@@ -26369,6 +26375,8774 @@
     <p:extLst>
       <p:ext uri="{BB962C8B-B14F-4D97-AF65-F5344CB8AC3E}">
         <p14:creationId xmlns:p14="http://schemas.microsoft.com/office/powerpoint/2010/main" val="4174369385"/>
+      </p:ext>
+    </p:extLst>
+  </p:cSld>
+  <p:clrMapOvr>
+    <a:masterClrMapping/>
+  </p:clrMapOvr>
+</p:sld>
+</file>
+
+<file path=ppt/slides/slide54.xml><?xml version="1.0" encoding="utf-8"?>
+<p:sld xmlns:a="http://schemas.openxmlformats.org/drawingml/2006/main" xmlns:r="http://schemas.openxmlformats.org/officeDocument/2006/relationships" xmlns:p="http://schemas.openxmlformats.org/presentationml/2006/main">
+  <p:cSld>
+    <p:spTree>
+      <p:nvGrpSpPr>
+        <p:cNvPr id="1" name=""/>
+        <p:cNvGrpSpPr/>
+        <p:nvPr/>
+      </p:nvGrpSpPr>
+      <p:grpSpPr>
+        <a:xfrm>
+          <a:off x="0" y="0"/>
+          <a:ext cx="0" cy="0"/>
+          <a:chOff x="0" y="0"/>
+          <a:chExt cx="0" cy="0"/>
+        </a:xfrm>
+      </p:grpSpPr>
+      <p:sp>
+        <p:nvSpPr>
+          <p:cNvPr id="2" name="Title 1">
+            <a:extLst>
+              <a:ext uri="{FF2B5EF4-FFF2-40B4-BE49-F238E27FC236}">
+                <a16:creationId xmlns:a16="http://schemas.microsoft.com/office/drawing/2014/main" id="{538D4931-42A8-1DC4-F862-7FDBF7A8FCE8}"/>
+              </a:ext>
+            </a:extLst>
+          </p:cNvPr>
+          <p:cNvSpPr>
+            <a:spLocks noGrp="1"/>
+          </p:cNvSpPr>
+          <p:nvPr>
+            <p:ph type="title"/>
+          </p:nvPr>
+        </p:nvSpPr>
+        <p:spPr/>
+        <p:txBody>
+          <a:bodyPr/>
+          <a:lstStyle/>
+          <a:p>
+            <a:r>
+              <a:rPr lang="en-US" dirty="0"/>
+              <a:t>MLE Equation for </a:t>
+            </a:r>
+            <a:r>
+              <a:rPr lang="en-US" dirty="0" err="1"/>
+              <a:t>OptV</a:t>
+            </a:r>
+            <a:endParaRPr lang="en-US" dirty="0"/>
+          </a:p>
+        </p:txBody>
+      </p:sp>
+      <mc:AlternateContent xmlns:mc="http://schemas.openxmlformats.org/markup-compatibility/2006">
+        <mc:Choice xmlns:a14="http://schemas.microsoft.com/office/drawing/2010/main" Requires="a14">
+          <p:sp>
+            <p:nvSpPr>
+              <p:cNvPr id="3" name="Content Placeholder 2">
+                <a:extLst>
+                  <a:ext uri="{FF2B5EF4-FFF2-40B4-BE49-F238E27FC236}">
+                    <a16:creationId xmlns:a16="http://schemas.microsoft.com/office/drawing/2014/main" id="{CBBAC521-9E8E-0CE0-84DA-DBEB70A5A320}"/>
+                  </a:ext>
+                </a:extLst>
+              </p:cNvPr>
+              <p:cNvSpPr>
+                <a:spLocks noGrp="1"/>
+              </p:cNvSpPr>
+              <p:nvPr>
+                <p:ph idx="1"/>
+              </p:nvPr>
+            </p:nvSpPr>
+            <p:spPr/>
+            <p:txBody>
+              <a:bodyPr/>
+              <a:lstStyle/>
+              <a:p>
+                <a:pPr marL="0" indent="0">
+                  <a:buNone/>
+                </a:pPr>
+                <a14:m>
+                  <m:oMathPara xmlns:m="http://schemas.openxmlformats.org/officeDocument/2006/math">
+                    <m:oMathParaPr>
+                      <m:jc m:val="centerGroup"/>
+                    </m:oMathParaPr>
+                    <m:oMath xmlns:m="http://schemas.openxmlformats.org/officeDocument/2006/math">
+                      <m:r>
+                        <a:rPr lang="en-US" b="0" i="1" smtClean="0">
+                          <a:latin typeface="Cambria Math" panose="02040503050406030204" pitchFamily="18" charset="0"/>
+                        </a:rPr>
+                        <m:t>𝐿</m:t>
+                      </m:r>
+                      <m:d>
+                        <m:dPr>
+                          <m:begChr m:val="["/>
+                          <m:endChr m:val="]"/>
+                          <m:ctrlPr>
+                            <a:rPr lang="en-US" b="0" i="1" smtClean="0">
+                              <a:latin typeface="Cambria Math" panose="02040503050406030204" pitchFamily="18" charset="0"/>
+                            </a:rPr>
+                          </m:ctrlPr>
+                        </m:dPr>
+                        <m:e>
+                          <m:r>
+                            <a:rPr lang="en-US" b="0" i="1" smtClean="0">
+                              <a:latin typeface="Cambria Math" panose="02040503050406030204" pitchFamily="18" charset="0"/>
+                            </a:rPr>
+                            <m:t>𝑣</m:t>
+                          </m:r>
+                          <m:d>
+                            <m:dPr>
+                              <m:ctrlPr>
+                                <a:rPr lang="en-US" b="0" i="1" smtClean="0">
+                                  <a:latin typeface="Cambria Math" panose="02040503050406030204" pitchFamily="18" charset="0"/>
+                                </a:rPr>
+                              </m:ctrlPr>
+                            </m:dPr>
+                            <m:e>
+                              <m:r>
+                                <a:rPr lang="en-US" b="0" i="1" smtClean="0">
+                                  <a:latin typeface="Cambria Math" panose="02040503050406030204" pitchFamily="18" charset="0"/>
+                                  <a:ea typeface="Cambria Math" panose="02040503050406030204" pitchFamily="18" charset="0"/>
+                                </a:rPr>
+                                <m:t>∙</m:t>
+                              </m:r>
+                            </m:e>
+                          </m:d>
+                        </m:e>
+                      </m:d>
+                      <m:r>
+                        <a:rPr lang="en-US" b="0" i="1" smtClean="0">
+                          <a:latin typeface="Cambria Math" panose="02040503050406030204" pitchFamily="18" charset="0"/>
+                          <a:ea typeface="Cambria Math" panose="02040503050406030204" pitchFamily="18" charset="0"/>
+                        </a:rPr>
+                        <m:t>=</m:t>
+                      </m:r>
+                      <m:nary>
+                        <m:naryPr>
+                          <m:chr m:val="∑"/>
+                          <m:supHide m:val="on"/>
+                          <m:ctrlPr>
+                            <a:rPr lang="en-US" b="0" i="1" smtClean="0">
+                              <a:latin typeface="Cambria Math" panose="02040503050406030204" pitchFamily="18" charset="0"/>
+                              <a:ea typeface="Cambria Math" panose="02040503050406030204" pitchFamily="18" charset="0"/>
+                            </a:rPr>
+                          </m:ctrlPr>
+                        </m:naryPr>
+                        <m:sub>
+                          <m:r>
+                            <m:rPr>
+                              <m:brk m:alnAt="7"/>
+                            </m:rPr>
+                            <a:rPr lang="en-US" b="0" i="1" smtClean="0">
+                              <a:latin typeface="Cambria Math" panose="02040503050406030204" pitchFamily="18" charset="0"/>
+                              <a:ea typeface="Cambria Math" panose="02040503050406030204" pitchFamily="18" charset="0"/>
+                            </a:rPr>
+                            <m:t>𝑘</m:t>
+                          </m:r>
+                        </m:sub>
+                        <m:sup/>
+                        <m:e>
+                          <m:nary>
+                            <m:naryPr>
+                              <m:chr m:val="∑"/>
+                              <m:supHide m:val="on"/>
+                              <m:ctrlPr>
+                                <a:rPr lang="en-US" b="0" i="1" smtClean="0">
+                                  <a:latin typeface="Cambria Math" panose="02040503050406030204" pitchFamily="18" charset="0"/>
+                                  <a:ea typeface="Cambria Math" panose="02040503050406030204" pitchFamily="18" charset="0"/>
+                                </a:rPr>
+                              </m:ctrlPr>
+                            </m:naryPr>
+                            <m:sub>
+                              <m:sSubSup>
+                                <m:sSubSupPr>
+                                  <m:ctrlPr>
+                                    <a:rPr lang="en-US" b="0" i="1" smtClean="0">
+                                      <a:latin typeface="Cambria Math" panose="02040503050406030204" pitchFamily="18" charset="0"/>
+                                      <a:ea typeface="Cambria Math" panose="02040503050406030204" pitchFamily="18" charset="0"/>
+                                    </a:rPr>
+                                  </m:ctrlPr>
+                                </m:sSubSupPr>
+                                <m:e>
+                                  <m:r>
+                                    <a:rPr lang="en-US" b="0" i="1" smtClean="0">
+                                      <a:latin typeface="Cambria Math" panose="02040503050406030204" pitchFamily="18" charset="0"/>
+                                      <a:ea typeface="Cambria Math" panose="02040503050406030204" pitchFamily="18" charset="0"/>
+                                    </a:rPr>
+                                    <m:t>𝑥</m:t>
+                                  </m:r>
+                                </m:e>
+                                <m:sub>
+                                  <m:r>
+                                    <a:rPr lang="en-US" b="0" i="1" smtClean="0">
+                                      <a:latin typeface="Cambria Math" panose="02040503050406030204" pitchFamily="18" charset="0"/>
+                                      <a:ea typeface="Cambria Math" panose="02040503050406030204" pitchFamily="18" charset="0"/>
+                                    </a:rPr>
+                                    <m:t>𝑘</m:t>
+                                  </m:r>
+                                </m:sub>
+                                <m:sup>
+                                  <m:r>
+                                    <a:rPr lang="en-US" b="0" i="1" smtClean="0">
+                                      <a:latin typeface="Cambria Math" panose="02040503050406030204" pitchFamily="18" charset="0"/>
+                                      <a:ea typeface="Cambria Math" panose="02040503050406030204" pitchFamily="18" charset="0"/>
+                                    </a:rPr>
+                                    <m:t>′</m:t>
+                                  </m:r>
+                                </m:sup>
+                              </m:sSubSup>
+                            </m:sub>
+                            <m:sup/>
+                            <m:e>
+                              <m:r>
+                                <a:rPr lang="en-US" b="0" i="1" smtClean="0">
+                                  <a:latin typeface="Cambria Math" panose="02040503050406030204" pitchFamily="18" charset="0"/>
+                                  <a:ea typeface="Cambria Math" panose="02040503050406030204" pitchFamily="18" charset="0"/>
+                                </a:rPr>
+                                <m:t>𝑎</m:t>
+                              </m:r>
+                              <m:d>
+                                <m:dPr>
+                                  <m:ctrlPr>
+                                    <a:rPr lang="en-US" b="0" i="1" smtClean="0">
+                                      <a:latin typeface="Cambria Math" panose="02040503050406030204" pitchFamily="18" charset="0"/>
+                                      <a:ea typeface="Cambria Math" panose="02040503050406030204" pitchFamily="18" charset="0"/>
+                                    </a:rPr>
+                                  </m:ctrlPr>
+                                </m:dPr>
+                                <m:e>
+                                  <m:sSubSup>
+                                    <m:sSubSupPr>
+                                      <m:ctrlPr>
+                                        <a:rPr lang="en-US" b="0" i="1" smtClean="0">
+                                          <a:latin typeface="Cambria Math" panose="02040503050406030204" pitchFamily="18" charset="0"/>
+                                          <a:ea typeface="Cambria Math" panose="02040503050406030204" pitchFamily="18" charset="0"/>
+                                        </a:rPr>
+                                      </m:ctrlPr>
+                                    </m:sSubSupPr>
+                                    <m:e>
+                                      <m:r>
+                                        <a:rPr lang="en-US" b="0" i="1" smtClean="0">
+                                          <a:latin typeface="Cambria Math" panose="02040503050406030204" pitchFamily="18" charset="0"/>
+                                          <a:ea typeface="Cambria Math" panose="02040503050406030204" pitchFamily="18" charset="0"/>
+                                        </a:rPr>
+                                        <m:t>𝑥</m:t>
+                                      </m:r>
+                                    </m:e>
+                                    <m:sub>
+                                      <m:r>
+                                        <a:rPr lang="en-US" b="0" i="1" smtClean="0">
+                                          <a:latin typeface="Cambria Math" panose="02040503050406030204" pitchFamily="18" charset="0"/>
+                                          <a:ea typeface="Cambria Math" panose="02040503050406030204" pitchFamily="18" charset="0"/>
+                                        </a:rPr>
+                                        <m:t>𝑘</m:t>
+                                      </m:r>
+                                    </m:sub>
+                                    <m:sup>
+                                      <m:r>
+                                        <a:rPr lang="en-US" b="0" i="1" smtClean="0">
+                                          <a:latin typeface="Cambria Math" panose="02040503050406030204" pitchFamily="18" charset="0"/>
+                                          <a:ea typeface="Cambria Math" panose="02040503050406030204" pitchFamily="18" charset="0"/>
+                                        </a:rPr>
+                                        <m:t>′</m:t>
+                                      </m:r>
+                                    </m:sup>
+                                  </m:sSubSup>
+                                </m:e>
+                              </m:d>
+                              <m:r>
+                                <a:rPr lang="en-US" b="0" i="1" smtClean="0">
+                                  <a:latin typeface="Cambria Math" panose="02040503050406030204" pitchFamily="18" charset="0"/>
+                                  <a:ea typeface="Cambria Math" panose="02040503050406030204" pitchFamily="18" charset="0"/>
+                                </a:rPr>
+                                <m:t>𝑣</m:t>
+                              </m:r>
+                              <m:r>
+                                <a:rPr lang="en-US" b="0" i="1" smtClean="0">
+                                  <a:latin typeface="Cambria Math" panose="02040503050406030204" pitchFamily="18" charset="0"/>
+                                  <a:ea typeface="Cambria Math" panose="02040503050406030204" pitchFamily="18" charset="0"/>
+                                </a:rPr>
+                                <m:t>(</m:t>
+                              </m:r>
+                              <m:sSubSup>
+                                <m:sSubSupPr>
+                                  <m:ctrlPr>
+                                    <a:rPr lang="en-US" b="0" i="1" smtClean="0">
+                                      <a:latin typeface="Cambria Math" panose="02040503050406030204" pitchFamily="18" charset="0"/>
+                                      <a:ea typeface="Cambria Math" panose="02040503050406030204" pitchFamily="18" charset="0"/>
+                                    </a:rPr>
+                                  </m:ctrlPr>
+                                </m:sSubSupPr>
+                                <m:e>
+                                  <m:r>
+                                    <a:rPr lang="en-US" b="0" i="1" smtClean="0">
+                                      <a:latin typeface="Cambria Math" panose="02040503050406030204" pitchFamily="18" charset="0"/>
+                                      <a:ea typeface="Cambria Math" panose="02040503050406030204" pitchFamily="18" charset="0"/>
+                                    </a:rPr>
+                                    <m:t>𝑥</m:t>
+                                  </m:r>
+                                </m:e>
+                                <m:sub>
+                                  <m:r>
+                                    <a:rPr lang="en-US" b="0" i="1" smtClean="0">
+                                      <a:latin typeface="Cambria Math" panose="02040503050406030204" pitchFamily="18" charset="0"/>
+                                      <a:ea typeface="Cambria Math" panose="02040503050406030204" pitchFamily="18" charset="0"/>
+                                    </a:rPr>
+                                    <m:t>𝑘</m:t>
+                                  </m:r>
+                                </m:sub>
+                                <m:sup>
+                                  <m:r>
+                                    <a:rPr lang="en-US" b="0" i="1" smtClean="0">
+                                      <a:latin typeface="Cambria Math" panose="02040503050406030204" pitchFamily="18" charset="0"/>
+                                      <a:ea typeface="Cambria Math" panose="02040503050406030204" pitchFamily="18" charset="0"/>
+                                    </a:rPr>
+                                    <m:t>′</m:t>
+                                  </m:r>
+                                </m:sup>
+                              </m:sSubSup>
+                              <m:r>
+                                <a:rPr lang="en-US" b="1" i="1" smtClean="0">
+                                  <a:latin typeface="Cambria Math" panose="02040503050406030204" pitchFamily="18" charset="0"/>
+                                  <a:ea typeface="Cambria Math" panose="02040503050406030204" pitchFamily="18" charset="0"/>
+                                </a:rPr>
+                                <m:t>;</m:t>
+                              </m:r>
+                              <m:r>
+                                <a:rPr lang="en-US" b="1" i="1" smtClean="0">
+                                  <a:latin typeface="Cambria Math" panose="02040503050406030204" pitchFamily="18" charset="0"/>
+                                  <a:ea typeface="Cambria Math" panose="02040503050406030204" pitchFamily="18" charset="0"/>
+                                </a:rPr>
+                                <m:t>𝜽</m:t>
+                              </m:r>
+                              <m:r>
+                                <a:rPr lang="en-US" b="0" i="1" smtClean="0">
+                                  <a:latin typeface="Cambria Math" panose="02040503050406030204" pitchFamily="18" charset="0"/>
+                                  <a:ea typeface="Cambria Math" panose="02040503050406030204" pitchFamily="18" charset="0"/>
+                                </a:rPr>
+                                <m:t>)</m:t>
+                              </m:r>
+                            </m:e>
+                          </m:nary>
+                          <m:r>
+                            <a:rPr lang="en-US" b="0" i="1" smtClean="0">
+                              <a:latin typeface="Cambria Math" panose="02040503050406030204" pitchFamily="18" charset="0"/>
+                              <a:ea typeface="Cambria Math" panose="02040503050406030204" pitchFamily="18" charset="0"/>
+                            </a:rPr>
+                            <m:t>+</m:t>
+                          </m:r>
+                          <m:nary>
+                            <m:naryPr>
+                              <m:chr m:val="∑"/>
+                              <m:supHide m:val="on"/>
+                              <m:ctrlPr>
+                                <a:rPr lang="en-US" b="0" i="1" smtClean="0">
+                                  <a:latin typeface="Cambria Math" panose="02040503050406030204" pitchFamily="18" charset="0"/>
+                                  <a:ea typeface="Cambria Math" panose="02040503050406030204" pitchFamily="18" charset="0"/>
+                                </a:rPr>
+                              </m:ctrlPr>
+                            </m:naryPr>
+                            <m:sub>
+                              <m:sSub>
+                                <m:sSubPr>
+                                  <m:ctrlPr>
+                                    <a:rPr lang="en-US" b="0" i="1" smtClean="0">
+                                      <a:latin typeface="Cambria Math" panose="02040503050406030204" pitchFamily="18" charset="0"/>
+                                      <a:ea typeface="Cambria Math" panose="02040503050406030204" pitchFamily="18" charset="0"/>
+                                    </a:rPr>
+                                  </m:ctrlPr>
+                                </m:sSubPr>
+                                <m:e>
+                                  <m:r>
+                                    <a:rPr lang="en-US" b="0" i="1" smtClean="0">
+                                      <a:latin typeface="Cambria Math" panose="02040503050406030204" pitchFamily="18" charset="0"/>
+                                      <a:ea typeface="Cambria Math" panose="02040503050406030204" pitchFamily="18" charset="0"/>
+                                    </a:rPr>
+                                    <m:t>𝑥</m:t>
+                                  </m:r>
+                                </m:e>
+                                <m:sub>
+                                  <m:r>
+                                    <a:rPr lang="en-US" b="0" i="1" smtClean="0">
+                                      <a:latin typeface="Cambria Math" panose="02040503050406030204" pitchFamily="18" charset="0"/>
+                                      <a:ea typeface="Cambria Math" panose="02040503050406030204" pitchFamily="18" charset="0"/>
+                                    </a:rPr>
+                                    <m:t>𝑘</m:t>
+                                  </m:r>
+                                </m:sub>
+                              </m:sSub>
+                            </m:sub>
+                            <m:sup/>
+                            <m:e>
+                              <m:r>
+                                <a:rPr lang="en-US" b="0" i="1" smtClean="0">
+                                  <a:latin typeface="Cambria Math" panose="02040503050406030204" pitchFamily="18" charset="0"/>
+                                  <a:ea typeface="Cambria Math" panose="02040503050406030204" pitchFamily="18" charset="0"/>
+                                </a:rPr>
+                                <m:t>𝑏</m:t>
+                              </m:r>
+                              <m:d>
+                                <m:dPr>
+                                  <m:ctrlPr>
+                                    <a:rPr lang="en-US" b="0" i="1" smtClean="0">
+                                      <a:latin typeface="Cambria Math" panose="02040503050406030204" pitchFamily="18" charset="0"/>
+                                      <a:ea typeface="Cambria Math" panose="02040503050406030204" pitchFamily="18" charset="0"/>
+                                    </a:rPr>
+                                  </m:ctrlPr>
+                                </m:dPr>
+                                <m:e>
+                                  <m:sSub>
+                                    <m:sSubPr>
+                                      <m:ctrlPr>
+                                        <a:rPr lang="en-US" b="0" i="1" smtClean="0">
+                                          <a:latin typeface="Cambria Math" panose="02040503050406030204" pitchFamily="18" charset="0"/>
+                                          <a:ea typeface="Cambria Math" panose="02040503050406030204" pitchFamily="18" charset="0"/>
+                                        </a:rPr>
+                                      </m:ctrlPr>
+                                    </m:sSubPr>
+                                    <m:e>
+                                      <m:r>
+                                        <a:rPr lang="en-US" b="0" i="1" smtClean="0">
+                                          <a:latin typeface="Cambria Math" panose="02040503050406030204" pitchFamily="18" charset="0"/>
+                                          <a:ea typeface="Cambria Math" panose="02040503050406030204" pitchFamily="18" charset="0"/>
+                                        </a:rPr>
+                                        <m:t>𝑥</m:t>
+                                      </m:r>
+                                    </m:e>
+                                    <m:sub>
+                                      <m:r>
+                                        <a:rPr lang="en-US" b="0" i="1" smtClean="0">
+                                          <a:latin typeface="Cambria Math" panose="02040503050406030204" pitchFamily="18" charset="0"/>
+                                          <a:ea typeface="Cambria Math" panose="02040503050406030204" pitchFamily="18" charset="0"/>
+                                        </a:rPr>
+                                        <m:t>𝑘</m:t>
+                                      </m:r>
+                                    </m:sub>
+                                  </m:sSub>
+                                </m:e>
+                              </m:d>
+                              <m:func>
+                                <m:funcPr>
+                                  <m:ctrlPr>
+                                    <a:rPr lang="en-US" b="0" i="1" smtClean="0">
+                                      <a:latin typeface="Cambria Math" panose="02040503050406030204" pitchFamily="18" charset="0"/>
+                                      <a:ea typeface="Cambria Math" panose="02040503050406030204" pitchFamily="18" charset="0"/>
+                                    </a:rPr>
+                                  </m:ctrlPr>
+                                </m:funcPr>
+                                <m:fName>
+                                  <m:r>
+                                    <m:rPr>
+                                      <m:sty m:val="p"/>
+                                    </m:rPr>
+                                    <a:rPr lang="en-US" b="0" i="0" smtClean="0">
+                                      <a:latin typeface="Cambria Math" panose="02040503050406030204" pitchFamily="18" charset="0"/>
+                                      <a:ea typeface="Cambria Math" panose="02040503050406030204" pitchFamily="18" charset="0"/>
+                                    </a:rPr>
+                                    <m:t>log</m:t>
+                                  </m:r>
+                                </m:fName>
+                                <m:e>
+                                  <m:r>
+                                    <a:rPr lang="en-US" b="0" i="1" smtClean="0">
+                                      <a:latin typeface="Cambria Math" panose="02040503050406030204" pitchFamily="18" charset="0"/>
+                                      <a:ea typeface="Cambria Math" panose="02040503050406030204" pitchFamily="18" charset="0"/>
+                                    </a:rPr>
+                                    <m:t>(</m:t>
+                                  </m:r>
+                                  <m:sSub>
+                                    <m:sSubPr>
+                                      <m:ctrlPr>
+                                        <a:rPr lang="en-US" b="0" i="1" smtClean="0">
+                                          <a:latin typeface="Cambria Math" panose="02040503050406030204" pitchFamily="18" charset="0"/>
+                                          <a:ea typeface="Cambria Math" panose="02040503050406030204" pitchFamily="18" charset="0"/>
+                                        </a:rPr>
+                                      </m:ctrlPr>
+                                    </m:sSubPr>
+                                    <m:e>
+                                      <m:r>
+                                        <a:rPr lang="en-US" b="0" i="1" smtClean="0">
+                                          <a:latin typeface="Cambria Math" panose="02040503050406030204" pitchFamily="18" charset="0"/>
+                                          <a:ea typeface="Cambria Math" panose="02040503050406030204" pitchFamily="18" charset="0"/>
+                                        </a:rPr>
+                                        <m:t>𝐸</m:t>
+                                      </m:r>
+                                    </m:e>
+                                    <m:sub>
+                                      <m:sSup>
+                                        <m:sSupPr>
+                                          <m:ctrlPr>
+                                            <a:rPr lang="en-US" b="0" i="1" smtClean="0">
+                                              <a:latin typeface="Cambria Math" panose="02040503050406030204" pitchFamily="18" charset="0"/>
+                                              <a:ea typeface="Cambria Math" panose="02040503050406030204" pitchFamily="18" charset="0"/>
+                                            </a:rPr>
+                                          </m:ctrlPr>
+                                        </m:sSupPr>
+                                        <m:e>
+                                          <m:r>
+                                            <m:rPr>
+                                              <m:sty m:val="p"/>
+                                            </m:rPr>
+                                            <a:rPr lang="el-GR" b="0" i="1" smtClean="0">
+                                              <a:latin typeface="Cambria Math" panose="02040503050406030204" pitchFamily="18" charset="0"/>
+                                              <a:ea typeface="Cambria Math" panose="02040503050406030204" pitchFamily="18" charset="0"/>
+                                            </a:rPr>
+                                            <m:t>Π</m:t>
+                                          </m:r>
+                                        </m:e>
+                                        <m:sup>
+                                          <m:r>
+                                            <a:rPr lang="en-US" b="0" i="1" smtClean="0">
+                                              <a:latin typeface="Cambria Math" panose="02040503050406030204" pitchFamily="18" charset="0"/>
+                                              <a:ea typeface="Cambria Math" panose="02040503050406030204" pitchFamily="18" charset="0"/>
+                                            </a:rPr>
+                                            <m:t>0</m:t>
+                                          </m:r>
+                                        </m:sup>
+                                      </m:sSup>
+                                      <m:d>
+                                        <m:dPr>
+                                          <m:ctrlPr>
+                                            <a:rPr lang="en-US" b="0" i="1" smtClean="0">
+                                              <a:latin typeface="Cambria Math" panose="02040503050406030204" pitchFamily="18" charset="0"/>
+                                              <a:ea typeface="Cambria Math" panose="02040503050406030204" pitchFamily="18" charset="0"/>
+                                            </a:rPr>
+                                          </m:ctrlPr>
+                                        </m:dPr>
+                                        <m:e>
+                                          <m:sSub>
+                                            <m:sSubPr>
+                                              <m:ctrlPr>
+                                                <a:rPr lang="en-US" b="0" i="1" smtClean="0">
+                                                  <a:latin typeface="Cambria Math" panose="02040503050406030204" pitchFamily="18" charset="0"/>
+                                                  <a:ea typeface="Cambria Math" panose="02040503050406030204" pitchFamily="18" charset="0"/>
+                                                </a:rPr>
+                                              </m:ctrlPr>
+                                            </m:sSubPr>
+                                            <m:e>
+                                              <m:r>
+                                                <a:rPr lang="en-US" b="0" i="1" smtClean="0">
+                                                  <a:latin typeface="Cambria Math" panose="02040503050406030204" pitchFamily="18" charset="0"/>
+                                                  <a:ea typeface="Cambria Math" panose="02040503050406030204" pitchFamily="18" charset="0"/>
+                                                </a:rPr>
+                                                <m:t>𝑥</m:t>
+                                              </m:r>
+                                            </m:e>
+                                            <m:sub>
+                                              <m:r>
+                                                <a:rPr lang="en-US" b="0" i="1" smtClean="0">
+                                                  <a:latin typeface="Cambria Math" panose="02040503050406030204" pitchFamily="18" charset="0"/>
+                                                  <a:ea typeface="Cambria Math" panose="02040503050406030204" pitchFamily="18" charset="0"/>
+                                                </a:rPr>
+                                                <m:t>𝑘</m:t>
+                                              </m:r>
+                                            </m:sub>
+                                          </m:sSub>
+                                        </m:e>
+                                      </m:d>
+                                    </m:sub>
+                                  </m:sSub>
+                                  <m:d>
+                                    <m:dPr>
+                                      <m:begChr m:val="["/>
+                                      <m:endChr m:val="]"/>
+                                      <m:ctrlPr>
+                                        <a:rPr lang="en-US" b="0" i="1" smtClean="0">
+                                          <a:latin typeface="Cambria Math" panose="02040503050406030204" pitchFamily="18" charset="0"/>
+                                          <a:ea typeface="Cambria Math" panose="02040503050406030204" pitchFamily="18" charset="0"/>
+                                        </a:rPr>
+                                      </m:ctrlPr>
+                                    </m:dPr>
+                                    <m:e>
+                                      <m:func>
+                                        <m:funcPr>
+                                          <m:ctrlPr>
+                                            <a:rPr lang="en-US" b="0" i="1" smtClean="0">
+                                              <a:latin typeface="Cambria Math" panose="02040503050406030204" pitchFamily="18" charset="0"/>
+                                              <a:ea typeface="Cambria Math" panose="02040503050406030204" pitchFamily="18" charset="0"/>
+                                            </a:rPr>
+                                          </m:ctrlPr>
+                                        </m:funcPr>
+                                        <m:fName>
+                                          <m:r>
+                                            <m:rPr>
+                                              <m:sty m:val="p"/>
+                                            </m:rPr>
+                                            <a:rPr lang="en-US" b="0" i="0" smtClean="0">
+                                              <a:latin typeface="Cambria Math" panose="02040503050406030204" pitchFamily="18" charset="0"/>
+                                              <a:ea typeface="Cambria Math" panose="02040503050406030204" pitchFamily="18" charset="0"/>
+                                            </a:rPr>
+                                            <m:t>exp</m:t>
+                                          </m:r>
+                                        </m:fName>
+                                        <m:e>
+                                          <m:d>
+                                            <m:dPr>
+                                              <m:ctrlPr>
+                                                <a:rPr lang="en-US" b="0" i="1" smtClean="0">
+                                                  <a:latin typeface="Cambria Math" panose="02040503050406030204" pitchFamily="18" charset="0"/>
+                                                  <a:ea typeface="Cambria Math" panose="02040503050406030204" pitchFamily="18" charset="0"/>
+                                                </a:rPr>
+                                              </m:ctrlPr>
+                                            </m:dPr>
+                                            <m:e>
+                                              <m:r>
+                                                <a:rPr lang="en-US" b="0" i="1" smtClean="0">
+                                                  <a:latin typeface="Cambria Math" panose="02040503050406030204" pitchFamily="18" charset="0"/>
+                                                  <a:ea typeface="Cambria Math" panose="02040503050406030204" pitchFamily="18" charset="0"/>
+                                                </a:rPr>
+                                                <m:t>−</m:t>
+                                              </m:r>
+                                              <m:r>
+                                                <a:rPr lang="en-US" b="0" i="1" smtClean="0">
+                                                  <a:latin typeface="Cambria Math" panose="02040503050406030204" pitchFamily="18" charset="0"/>
+                                                  <a:ea typeface="Cambria Math" panose="02040503050406030204" pitchFamily="18" charset="0"/>
+                                                </a:rPr>
+                                                <m:t>𝑣</m:t>
+                                              </m:r>
+                                              <m:d>
+                                                <m:dPr>
+                                                  <m:ctrlPr>
+                                                    <a:rPr lang="en-US" b="0" i="1" smtClean="0">
+                                                      <a:latin typeface="Cambria Math" panose="02040503050406030204" pitchFamily="18" charset="0"/>
+                                                      <a:ea typeface="Cambria Math" panose="02040503050406030204" pitchFamily="18" charset="0"/>
+                                                    </a:rPr>
+                                                  </m:ctrlPr>
+                                                </m:dPr>
+                                                <m:e>
+                                                  <m:r>
+                                                    <a:rPr lang="en-US" b="0" i="1" smtClean="0">
+                                                      <a:latin typeface="Cambria Math" panose="02040503050406030204" pitchFamily="18" charset="0"/>
+                                                      <a:ea typeface="Cambria Math" panose="02040503050406030204" pitchFamily="18" charset="0"/>
+                                                    </a:rPr>
+                                                    <m:t>∙;</m:t>
+                                                  </m:r>
+                                                  <m:r>
+                                                    <a:rPr lang="en-US" b="1" i="1" smtClean="0">
+                                                      <a:latin typeface="Cambria Math" panose="02040503050406030204" pitchFamily="18" charset="0"/>
+                                                      <a:ea typeface="Cambria Math" panose="02040503050406030204" pitchFamily="18" charset="0"/>
+                                                    </a:rPr>
+                                                    <m:t>𝜽</m:t>
+                                                  </m:r>
+                                                </m:e>
+                                              </m:d>
+                                            </m:e>
+                                          </m:d>
+                                        </m:e>
+                                      </m:func>
+                                    </m:e>
+                                  </m:d>
+                                  <m:r>
+                                    <a:rPr lang="en-US" b="0" i="1" smtClean="0">
+                                      <a:latin typeface="Cambria Math" panose="02040503050406030204" pitchFamily="18" charset="0"/>
+                                      <a:ea typeface="Cambria Math" panose="02040503050406030204" pitchFamily="18" charset="0"/>
+                                    </a:rPr>
+                                    <m:t>)</m:t>
+                                  </m:r>
+                                </m:e>
+                              </m:func>
+                            </m:e>
+                          </m:nary>
+                        </m:e>
+                      </m:nary>
+                    </m:oMath>
+                  </m:oMathPara>
+                </a14:m>
+                <a:endParaRPr lang="en-US" dirty="0"/>
+              </a:p>
+              <a:p>
+                <a:pPr marL="0" indent="0">
+                  <a:buNone/>
+                </a:pPr>
+                <a:endParaRPr lang="en-US" dirty="0"/>
+              </a:p>
+            </p:txBody>
+          </p:sp>
+        </mc:Choice>
+        <mc:Fallback>
+          <p:sp>
+            <p:nvSpPr>
+              <p:cNvPr id="3" name="Content Placeholder 2">
+                <a:extLst>
+                  <a:ext uri="{FF2B5EF4-FFF2-40B4-BE49-F238E27FC236}">
+                    <a16:creationId xmlns:a16="http://schemas.microsoft.com/office/drawing/2014/main" id="{CBBAC521-9E8E-0CE0-84DA-DBEB70A5A320}"/>
+                  </a:ext>
+                </a:extLst>
+              </p:cNvPr>
+              <p:cNvSpPr>
+                <a:spLocks noGrp="1" noRot="1" noChangeAspect="1" noMove="1" noResize="1" noEditPoints="1" noAdjustHandles="1" noChangeArrowheads="1" noChangeShapeType="1" noTextEdit="1"/>
+              </p:cNvSpPr>
+              <p:nvPr>
+                <p:ph idx="1"/>
+              </p:nvPr>
+            </p:nvSpPr>
+            <p:spPr>
+              <a:blipFill>
+                <a:blip r:embed="rId2"/>
+                <a:stretch>
+                  <a:fillRect l="-5066" t="-27616"/>
+                </a:stretch>
+              </a:blipFill>
+            </p:spPr>
+            <p:txBody>
+              <a:bodyPr/>
+              <a:lstStyle/>
+              <a:p>
+                <a:r>
+                  <a:rPr lang="en-US">
+                    <a:noFill/>
+                  </a:rPr>
+                  <a:t> </a:t>
+                </a:r>
+              </a:p>
+            </p:txBody>
+          </p:sp>
+        </mc:Fallback>
+      </mc:AlternateContent>
+    </p:spTree>
+    <p:extLst>
+      <p:ext uri="{BB962C8B-B14F-4D97-AF65-F5344CB8AC3E}">
+        <p14:creationId xmlns:p14="http://schemas.microsoft.com/office/powerpoint/2010/main" val="2063844814"/>
+      </p:ext>
+    </p:extLst>
+  </p:cSld>
+  <p:clrMapOvr>
+    <a:masterClrMapping/>
+  </p:clrMapOvr>
+</p:sld>
+</file>
+
+<file path=ppt/slides/slide55.xml><?xml version="1.0" encoding="utf-8"?>
+<p:sld xmlns:a="http://schemas.openxmlformats.org/drawingml/2006/main" xmlns:r="http://schemas.openxmlformats.org/officeDocument/2006/relationships" xmlns:p="http://schemas.openxmlformats.org/presentationml/2006/main">
+  <p:cSld>
+    <p:spTree>
+      <p:nvGrpSpPr>
+        <p:cNvPr id="1" name=""/>
+        <p:cNvGrpSpPr/>
+        <p:nvPr/>
+      </p:nvGrpSpPr>
+      <p:grpSpPr>
+        <a:xfrm>
+          <a:off x="0" y="0"/>
+          <a:ext cx="0" cy="0"/>
+          <a:chOff x="0" y="0"/>
+          <a:chExt cx="0" cy="0"/>
+        </a:xfrm>
+      </p:grpSpPr>
+      <p:sp>
+        <p:nvSpPr>
+          <p:cNvPr id="2" name="Title 1">
+            <a:extLst>
+              <a:ext uri="{FF2B5EF4-FFF2-40B4-BE49-F238E27FC236}">
+                <a16:creationId xmlns:a16="http://schemas.microsoft.com/office/drawing/2014/main" id="{538D4931-42A8-1DC4-F862-7FDBF7A8FCE8}"/>
+              </a:ext>
+            </a:extLst>
+          </p:cNvPr>
+          <p:cNvSpPr>
+            <a:spLocks noGrp="1"/>
+          </p:cNvSpPr>
+          <p:nvPr>
+            <p:ph type="title"/>
+          </p:nvPr>
+        </p:nvSpPr>
+        <p:spPr/>
+        <p:txBody>
+          <a:bodyPr/>
+          <a:lstStyle/>
+          <a:p>
+            <a:r>
+              <a:rPr lang="en-US" dirty="0"/>
+              <a:t>Gradient for </a:t>
+            </a:r>
+            <a:r>
+              <a:rPr lang="en-US" dirty="0" err="1"/>
+              <a:t>OptV</a:t>
+            </a:r>
+            <a:endParaRPr lang="en-US" dirty="0"/>
+          </a:p>
+        </p:txBody>
+      </p:sp>
+      <mc:AlternateContent xmlns:mc="http://schemas.openxmlformats.org/markup-compatibility/2006">
+        <mc:Choice xmlns:a14="http://schemas.microsoft.com/office/drawing/2010/main" Requires="a14">
+          <p:sp>
+            <p:nvSpPr>
+              <p:cNvPr id="3" name="Content Placeholder 2">
+                <a:extLst>
+                  <a:ext uri="{FF2B5EF4-FFF2-40B4-BE49-F238E27FC236}">
+                    <a16:creationId xmlns:a16="http://schemas.microsoft.com/office/drawing/2014/main" id="{CBBAC521-9E8E-0CE0-84DA-DBEB70A5A320}"/>
+                  </a:ext>
+                </a:extLst>
+              </p:cNvPr>
+              <p:cNvSpPr>
+                <a:spLocks noGrp="1"/>
+              </p:cNvSpPr>
+              <p:nvPr>
+                <p:ph idx="1"/>
+              </p:nvPr>
+            </p:nvSpPr>
+            <p:spPr/>
+            <p:txBody>
+              <a:bodyPr>
+                <a:normAutofit fontScale="92500"/>
+              </a:bodyPr>
+              <a:lstStyle/>
+              <a:p>
+                <a:pPr marL="0" indent="0">
+                  <a:buNone/>
+                </a:pPr>
+                <a14:m>
+                  <m:oMathPara xmlns:m="http://schemas.openxmlformats.org/officeDocument/2006/math">
+                    <m:oMathParaPr>
+                      <m:jc m:val="centerGroup"/>
+                    </m:oMathParaPr>
+                    <m:oMath xmlns:m="http://schemas.openxmlformats.org/officeDocument/2006/math">
+                      <m:f>
+                        <m:fPr>
+                          <m:ctrlPr>
+                            <a:rPr lang="en-US" i="1" smtClean="0">
+                              <a:latin typeface="Cambria Math" panose="02040503050406030204" pitchFamily="18" charset="0"/>
+                            </a:rPr>
+                          </m:ctrlPr>
+                        </m:fPr>
+                        <m:num>
+                          <m:r>
+                            <a:rPr lang="en-US" i="1" smtClean="0">
+                              <a:latin typeface="Cambria Math" panose="02040503050406030204" pitchFamily="18" charset="0"/>
+                            </a:rPr>
+                            <m:t>𝜕</m:t>
+                          </m:r>
+                          <m:r>
+                            <a:rPr lang="en-US" b="0" i="1" smtClean="0">
+                              <a:latin typeface="Cambria Math" panose="02040503050406030204" pitchFamily="18" charset="0"/>
+                            </a:rPr>
+                            <m:t>𝐿</m:t>
+                          </m:r>
+                          <m:r>
+                            <a:rPr lang="en-US" b="0" i="1" smtClean="0">
+                              <a:latin typeface="Cambria Math" panose="02040503050406030204" pitchFamily="18" charset="0"/>
+                            </a:rPr>
+                            <m:t>[</m:t>
+                          </m:r>
+                          <m:r>
+                            <a:rPr lang="en-US" b="0" i="1" smtClean="0">
+                              <a:latin typeface="Cambria Math" panose="02040503050406030204" pitchFamily="18" charset="0"/>
+                            </a:rPr>
+                            <m:t>𝑣</m:t>
+                          </m:r>
+                          <m:d>
+                            <m:dPr>
+                              <m:ctrlPr>
+                                <a:rPr lang="en-US" b="0" i="1" smtClean="0">
+                                  <a:latin typeface="Cambria Math" panose="02040503050406030204" pitchFamily="18" charset="0"/>
+                                </a:rPr>
+                              </m:ctrlPr>
+                            </m:dPr>
+                            <m:e>
+                              <m:r>
+                                <a:rPr lang="en-US" b="0" i="1" smtClean="0">
+                                  <a:latin typeface="Cambria Math" panose="02040503050406030204" pitchFamily="18" charset="0"/>
+                                  <a:ea typeface="Cambria Math" panose="02040503050406030204" pitchFamily="18" charset="0"/>
+                                </a:rPr>
+                                <m:t>∙</m:t>
+                              </m:r>
+                            </m:e>
+                          </m:d>
+                          <m:r>
+                            <a:rPr lang="en-US" b="0" i="1" smtClean="0">
+                              <a:latin typeface="Cambria Math" panose="02040503050406030204" pitchFamily="18" charset="0"/>
+                              <a:ea typeface="Cambria Math" panose="02040503050406030204" pitchFamily="18" charset="0"/>
+                            </a:rPr>
+                            <m:t>]</m:t>
+                          </m:r>
+                        </m:num>
+                        <m:den>
+                          <m:r>
+                            <a:rPr lang="en-US" i="1" smtClean="0">
+                              <a:latin typeface="Cambria Math" panose="02040503050406030204" pitchFamily="18" charset="0"/>
+                            </a:rPr>
+                            <m:t>𝜕</m:t>
+                          </m:r>
+                          <m:sSub>
+                            <m:sSubPr>
+                              <m:ctrlPr>
+                                <a:rPr lang="en-US" i="1" smtClean="0">
+                                  <a:latin typeface="Cambria Math" panose="02040503050406030204" pitchFamily="18" charset="0"/>
+                                </a:rPr>
+                              </m:ctrlPr>
+                            </m:sSubPr>
+                            <m:e>
+                              <m:r>
+                                <a:rPr lang="en-US" i="1" smtClean="0">
+                                  <a:latin typeface="Cambria Math" panose="02040503050406030204" pitchFamily="18" charset="0"/>
+                                  <a:ea typeface="Cambria Math" panose="02040503050406030204" pitchFamily="18" charset="0"/>
+                                </a:rPr>
+                                <m:t>𝜃</m:t>
+                              </m:r>
+                            </m:e>
+                            <m:sub>
+                              <m:r>
+                                <a:rPr lang="en-US" b="0" i="1" smtClean="0">
+                                  <a:latin typeface="Cambria Math" panose="02040503050406030204" pitchFamily="18" charset="0"/>
+                                </a:rPr>
+                                <m:t>𝑖</m:t>
+                              </m:r>
+                            </m:sub>
+                          </m:sSub>
+                        </m:den>
+                      </m:f>
+                      <m:r>
+                        <a:rPr lang="en-US" b="0" i="1" smtClean="0">
+                          <a:latin typeface="Cambria Math" panose="02040503050406030204" pitchFamily="18" charset="0"/>
+                        </a:rPr>
+                        <m:t>=</m:t>
+                      </m:r>
+                      <m:nary>
+                        <m:naryPr>
+                          <m:chr m:val="∑"/>
+                          <m:supHide m:val="on"/>
+                          <m:ctrlPr>
+                            <a:rPr lang="en-US" i="1">
+                              <a:latin typeface="Cambria Math" panose="02040503050406030204" pitchFamily="18" charset="0"/>
+                              <a:ea typeface="Cambria Math" panose="02040503050406030204" pitchFamily="18" charset="0"/>
+                            </a:rPr>
+                          </m:ctrlPr>
+                        </m:naryPr>
+                        <m:sub>
+                          <m:r>
+                            <m:rPr>
+                              <m:brk m:alnAt="7"/>
+                            </m:rPr>
+                            <a:rPr lang="en-US" i="1">
+                              <a:latin typeface="Cambria Math" panose="02040503050406030204" pitchFamily="18" charset="0"/>
+                              <a:ea typeface="Cambria Math" panose="02040503050406030204" pitchFamily="18" charset="0"/>
+                            </a:rPr>
+                            <m:t>𝑘</m:t>
+                          </m:r>
+                        </m:sub>
+                        <m:sup/>
+                        <m:e>
+                          <m:nary>
+                            <m:naryPr>
+                              <m:chr m:val="∑"/>
+                              <m:supHide m:val="on"/>
+                              <m:ctrlPr>
+                                <a:rPr lang="en-US" i="1">
+                                  <a:latin typeface="Cambria Math" panose="02040503050406030204" pitchFamily="18" charset="0"/>
+                                  <a:ea typeface="Cambria Math" panose="02040503050406030204" pitchFamily="18" charset="0"/>
+                                </a:rPr>
+                              </m:ctrlPr>
+                            </m:naryPr>
+                            <m:sub>
+                              <m:sSubSup>
+                                <m:sSubSupPr>
+                                  <m:ctrlPr>
+                                    <a:rPr lang="en-US" i="1">
+                                      <a:latin typeface="Cambria Math" panose="02040503050406030204" pitchFamily="18" charset="0"/>
+                                      <a:ea typeface="Cambria Math" panose="02040503050406030204" pitchFamily="18" charset="0"/>
+                                    </a:rPr>
+                                  </m:ctrlPr>
+                                </m:sSubSupPr>
+                                <m:e>
+                                  <m:r>
+                                    <a:rPr lang="en-US" i="1">
+                                      <a:latin typeface="Cambria Math" panose="02040503050406030204" pitchFamily="18" charset="0"/>
+                                      <a:ea typeface="Cambria Math" panose="02040503050406030204" pitchFamily="18" charset="0"/>
+                                    </a:rPr>
+                                    <m:t>𝑥</m:t>
+                                  </m:r>
+                                </m:e>
+                                <m:sub>
+                                  <m:r>
+                                    <a:rPr lang="en-US" i="1">
+                                      <a:latin typeface="Cambria Math" panose="02040503050406030204" pitchFamily="18" charset="0"/>
+                                      <a:ea typeface="Cambria Math" panose="02040503050406030204" pitchFamily="18" charset="0"/>
+                                    </a:rPr>
+                                    <m:t>𝑘</m:t>
+                                  </m:r>
+                                </m:sub>
+                                <m:sup>
+                                  <m:r>
+                                    <a:rPr lang="en-US" i="1">
+                                      <a:latin typeface="Cambria Math" panose="02040503050406030204" pitchFamily="18" charset="0"/>
+                                      <a:ea typeface="Cambria Math" panose="02040503050406030204" pitchFamily="18" charset="0"/>
+                                    </a:rPr>
+                                    <m:t>′</m:t>
+                                  </m:r>
+                                </m:sup>
+                              </m:sSubSup>
+                            </m:sub>
+                            <m:sup/>
+                            <m:e>
+                              <m:r>
+                                <a:rPr lang="en-US" i="1">
+                                  <a:latin typeface="Cambria Math" panose="02040503050406030204" pitchFamily="18" charset="0"/>
+                                  <a:ea typeface="Cambria Math" panose="02040503050406030204" pitchFamily="18" charset="0"/>
+                                </a:rPr>
+                                <m:t>𝑎</m:t>
+                              </m:r>
+                              <m:d>
+                                <m:dPr>
+                                  <m:ctrlPr>
+                                    <a:rPr lang="en-US" i="1">
+                                      <a:latin typeface="Cambria Math" panose="02040503050406030204" pitchFamily="18" charset="0"/>
+                                      <a:ea typeface="Cambria Math" panose="02040503050406030204" pitchFamily="18" charset="0"/>
+                                    </a:rPr>
+                                  </m:ctrlPr>
+                                </m:dPr>
+                                <m:e>
+                                  <m:sSubSup>
+                                    <m:sSubSupPr>
+                                      <m:ctrlPr>
+                                        <a:rPr lang="en-US" i="1">
+                                          <a:latin typeface="Cambria Math" panose="02040503050406030204" pitchFamily="18" charset="0"/>
+                                          <a:ea typeface="Cambria Math" panose="02040503050406030204" pitchFamily="18" charset="0"/>
+                                        </a:rPr>
+                                      </m:ctrlPr>
+                                    </m:sSubSupPr>
+                                    <m:e>
+                                      <m:r>
+                                        <a:rPr lang="en-US" i="1">
+                                          <a:latin typeface="Cambria Math" panose="02040503050406030204" pitchFamily="18" charset="0"/>
+                                          <a:ea typeface="Cambria Math" panose="02040503050406030204" pitchFamily="18" charset="0"/>
+                                        </a:rPr>
+                                        <m:t>𝑥</m:t>
+                                      </m:r>
+                                    </m:e>
+                                    <m:sub>
+                                      <m:r>
+                                        <a:rPr lang="en-US" i="1">
+                                          <a:latin typeface="Cambria Math" panose="02040503050406030204" pitchFamily="18" charset="0"/>
+                                          <a:ea typeface="Cambria Math" panose="02040503050406030204" pitchFamily="18" charset="0"/>
+                                        </a:rPr>
+                                        <m:t>𝑘</m:t>
+                                      </m:r>
+                                    </m:sub>
+                                    <m:sup>
+                                      <m:r>
+                                        <a:rPr lang="en-US" i="1">
+                                          <a:latin typeface="Cambria Math" panose="02040503050406030204" pitchFamily="18" charset="0"/>
+                                          <a:ea typeface="Cambria Math" panose="02040503050406030204" pitchFamily="18" charset="0"/>
+                                        </a:rPr>
+                                        <m:t>′</m:t>
+                                      </m:r>
+                                    </m:sup>
+                                  </m:sSubSup>
+                                </m:e>
+                              </m:d>
+                              <m:f>
+                                <m:fPr>
+                                  <m:ctrlPr>
+                                    <a:rPr lang="en-US" i="1" smtClean="0">
+                                      <a:latin typeface="Cambria Math" panose="02040503050406030204" pitchFamily="18" charset="0"/>
+                                      <a:ea typeface="Cambria Math" panose="02040503050406030204" pitchFamily="18" charset="0"/>
+                                    </a:rPr>
+                                  </m:ctrlPr>
+                                </m:fPr>
+                                <m:num>
+                                  <m:r>
+                                    <a:rPr lang="en-US" i="1" smtClean="0">
+                                      <a:latin typeface="Cambria Math" panose="02040503050406030204" pitchFamily="18" charset="0"/>
+                                      <a:ea typeface="Cambria Math" panose="02040503050406030204" pitchFamily="18" charset="0"/>
+                                    </a:rPr>
+                                    <m:t>𝜕</m:t>
+                                  </m:r>
+                                  <m:r>
+                                    <a:rPr lang="en-US" b="0" i="1" smtClean="0">
+                                      <a:latin typeface="Cambria Math" panose="02040503050406030204" pitchFamily="18" charset="0"/>
+                                      <a:ea typeface="Cambria Math" panose="02040503050406030204" pitchFamily="18" charset="0"/>
+                                    </a:rPr>
+                                    <m:t>𝑣</m:t>
+                                  </m:r>
+                                  <m:r>
+                                    <a:rPr lang="en-US" b="0" i="1" smtClean="0">
+                                      <a:latin typeface="Cambria Math" panose="02040503050406030204" pitchFamily="18" charset="0"/>
+                                      <a:ea typeface="Cambria Math" panose="02040503050406030204" pitchFamily="18" charset="0"/>
+                                    </a:rPr>
+                                    <m:t>(</m:t>
+                                  </m:r>
+                                  <m:sSubSup>
+                                    <m:sSubSupPr>
+                                      <m:ctrlPr>
+                                        <a:rPr lang="en-US" b="0" i="1" smtClean="0">
+                                          <a:latin typeface="Cambria Math" panose="02040503050406030204" pitchFamily="18" charset="0"/>
+                                          <a:ea typeface="Cambria Math" panose="02040503050406030204" pitchFamily="18" charset="0"/>
+                                        </a:rPr>
+                                      </m:ctrlPr>
+                                    </m:sSubSupPr>
+                                    <m:e>
+                                      <m:r>
+                                        <a:rPr lang="en-US" b="0" i="1" smtClean="0">
+                                          <a:latin typeface="Cambria Math" panose="02040503050406030204" pitchFamily="18" charset="0"/>
+                                          <a:ea typeface="Cambria Math" panose="02040503050406030204" pitchFamily="18" charset="0"/>
+                                        </a:rPr>
+                                        <m:t>𝑥</m:t>
+                                      </m:r>
+                                    </m:e>
+                                    <m:sub>
+                                      <m:r>
+                                        <a:rPr lang="en-US" b="0" i="1" smtClean="0">
+                                          <a:latin typeface="Cambria Math" panose="02040503050406030204" pitchFamily="18" charset="0"/>
+                                          <a:ea typeface="Cambria Math" panose="02040503050406030204" pitchFamily="18" charset="0"/>
+                                        </a:rPr>
+                                        <m:t>𝑘</m:t>
+                                      </m:r>
+                                    </m:sub>
+                                    <m:sup>
+                                      <m:r>
+                                        <a:rPr lang="en-US" b="0" i="1" smtClean="0">
+                                          <a:latin typeface="Cambria Math" panose="02040503050406030204" pitchFamily="18" charset="0"/>
+                                          <a:ea typeface="Cambria Math" panose="02040503050406030204" pitchFamily="18" charset="0"/>
+                                        </a:rPr>
+                                        <m:t>′</m:t>
+                                      </m:r>
+                                    </m:sup>
+                                  </m:sSubSup>
+                                  <m:r>
+                                    <a:rPr lang="en-US" b="1" i="1" smtClean="0">
+                                      <a:latin typeface="Cambria Math" panose="02040503050406030204" pitchFamily="18" charset="0"/>
+                                      <a:ea typeface="Cambria Math" panose="02040503050406030204" pitchFamily="18" charset="0"/>
+                                    </a:rPr>
+                                    <m:t>;</m:t>
+                                  </m:r>
+                                  <m:r>
+                                    <a:rPr lang="en-US" b="1" i="1" smtClean="0">
+                                      <a:latin typeface="Cambria Math" panose="02040503050406030204" pitchFamily="18" charset="0"/>
+                                      <a:ea typeface="Cambria Math" panose="02040503050406030204" pitchFamily="18" charset="0"/>
+                                    </a:rPr>
+                                    <m:t>𝜽</m:t>
+                                  </m:r>
+                                  <m:r>
+                                    <a:rPr lang="en-US" b="1" i="1" smtClean="0">
+                                      <a:latin typeface="Cambria Math" panose="02040503050406030204" pitchFamily="18" charset="0"/>
+                                      <a:ea typeface="Cambria Math" panose="02040503050406030204" pitchFamily="18" charset="0"/>
+                                    </a:rPr>
+                                    <m:t>)</m:t>
+                                  </m:r>
+                                </m:num>
+                                <m:den>
+                                  <m:r>
+                                    <a:rPr lang="en-US" i="1" smtClean="0">
+                                      <a:latin typeface="Cambria Math" panose="02040503050406030204" pitchFamily="18" charset="0"/>
+                                      <a:ea typeface="Cambria Math" panose="02040503050406030204" pitchFamily="18" charset="0"/>
+                                    </a:rPr>
+                                    <m:t>𝜕</m:t>
+                                  </m:r>
+                                  <m:sSub>
+                                    <m:sSubPr>
+                                      <m:ctrlPr>
+                                        <a:rPr lang="en-US" i="1" smtClean="0">
+                                          <a:latin typeface="Cambria Math" panose="02040503050406030204" pitchFamily="18" charset="0"/>
+                                          <a:ea typeface="Cambria Math" panose="02040503050406030204" pitchFamily="18" charset="0"/>
+                                        </a:rPr>
+                                      </m:ctrlPr>
+                                    </m:sSubPr>
+                                    <m:e>
+                                      <m:r>
+                                        <a:rPr lang="en-US" i="1" smtClean="0">
+                                          <a:latin typeface="Cambria Math" panose="02040503050406030204" pitchFamily="18" charset="0"/>
+                                          <a:ea typeface="Cambria Math" panose="02040503050406030204" pitchFamily="18" charset="0"/>
+                                        </a:rPr>
+                                        <m:t>𝜃</m:t>
+                                      </m:r>
+                                    </m:e>
+                                    <m:sub>
+                                      <m:r>
+                                        <a:rPr lang="en-US" b="0" i="1" smtClean="0">
+                                          <a:latin typeface="Cambria Math" panose="02040503050406030204" pitchFamily="18" charset="0"/>
+                                          <a:ea typeface="Cambria Math" panose="02040503050406030204" pitchFamily="18" charset="0"/>
+                                        </a:rPr>
+                                        <m:t>𝑖</m:t>
+                                      </m:r>
+                                    </m:sub>
+                                  </m:sSub>
+                                </m:den>
+                              </m:f>
+                            </m:e>
+                          </m:nary>
+                          <m:r>
+                            <a:rPr lang="en-US" i="1">
+                              <a:latin typeface="Cambria Math" panose="02040503050406030204" pitchFamily="18" charset="0"/>
+                              <a:ea typeface="Cambria Math" panose="02040503050406030204" pitchFamily="18" charset="0"/>
+                            </a:rPr>
+                            <m:t>+</m:t>
+                          </m:r>
+                          <m:nary>
+                            <m:naryPr>
+                              <m:chr m:val="∑"/>
+                              <m:supHide m:val="on"/>
+                              <m:ctrlPr>
+                                <a:rPr lang="en-US" i="1">
+                                  <a:latin typeface="Cambria Math" panose="02040503050406030204" pitchFamily="18" charset="0"/>
+                                  <a:ea typeface="Cambria Math" panose="02040503050406030204" pitchFamily="18" charset="0"/>
+                                </a:rPr>
+                              </m:ctrlPr>
+                            </m:naryPr>
+                            <m:sub>
+                              <m:sSub>
+                                <m:sSubPr>
+                                  <m:ctrlPr>
+                                    <a:rPr lang="en-US" i="1">
+                                      <a:latin typeface="Cambria Math" panose="02040503050406030204" pitchFamily="18" charset="0"/>
+                                      <a:ea typeface="Cambria Math" panose="02040503050406030204" pitchFamily="18" charset="0"/>
+                                    </a:rPr>
+                                  </m:ctrlPr>
+                                </m:sSubPr>
+                                <m:e>
+                                  <m:r>
+                                    <a:rPr lang="en-US" i="1">
+                                      <a:latin typeface="Cambria Math" panose="02040503050406030204" pitchFamily="18" charset="0"/>
+                                      <a:ea typeface="Cambria Math" panose="02040503050406030204" pitchFamily="18" charset="0"/>
+                                    </a:rPr>
+                                    <m:t>𝑥</m:t>
+                                  </m:r>
+                                </m:e>
+                                <m:sub>
+                                  <m:r>
+                                    <a:rPr lang="en-US" i="1">
+                                      <a:latin typeface="Cambria Math" panose="02040503050406030204" pitchFamily="18" charset="0"/>
+                                      <a:ea typeface="Cambria Math" panose="02040503050406030204" pitchFamily="18" charset="0"/>
+                                    </a:rPr>
+                                    <m:t>𝑘</m:t>
+                                  </m:r>
+                                </m:sub>
+                              </m:sSub>
+                            </m:sub>
+                            <m:sup/>
+                            <m:e>
+                              <m:r>
+                                <a:rPr lang="en-US" i="1">
+                                  <a:latin typeface="Cambria Math" panose="02040503050406030204" pitchFamily="18" charset="0"/>
+                                  <a:ea typeface="Cambria Math" panose="02040503050406030204" pitchFamily="18" charset="0"/>
+                                </a:rPr>
+                                <m:t>𝑏</m:t>
+                              </m:r>
+                              <m:d>
+                                <m:dPr>
+                                  <m:ctrlPr>
+                                    <a:rPr lang="en-US" i="1">
+                                      <a:latin typeface="Cambria Math" panose="02040503050406030204" pitchFamily="18" charset="0"/>
+                                      <a:ea typeface="Cambria Math" panose="02040503050406030204" pitchFamily="18" charset="0"/>
+                                    </a:rPr>
+                                  </m:ctrlPr>
+                                </m:dPr>
+                                <m:e>
+                                  <m:sSub>
+                                    <m:sSubPr>
+                                      <m:ctrlPr>
+                                        <a:rPr lang="en-US" i="1">
+                                          <a:latin typeface="Cambria Math" panose="02040503050406030204" pitchFamily="18" charset="0"/>
+                                          <a:ea typeface="Cambria Math" panose="02040503050406030204" pitchFamily="18" charset="0"/>
+                                        </a:rPr>
+                                      </m:ctrlPr>
+                                    </m:sSubPr>
+                                    <m:e>
+                                      <m:r>
+                                        <a:rPr lang="en-US" i="1">
+                                          <a:latin typeface="Cambria Math" panose="02040503050406030204" pitchFamily="18" charset="0"/>
+                                          <a:ea typeface="Cambria Math" panose="02040503050406030204" pitchFamily="18" charset="0"/>
+                                        </a:rPr>
+                                        <m:t>𝑥</m:t>
+                                      </m:r>
+                                    </m:e>
+                                    <m:sub>
+                                      <m:r>
+                                        <a:rPr lang="en-US" i="1">
+                                          <a:latin typeface="Cambria Math" panose="02040503050406030204" pitchFamily="18" charset="0"/>
+                                          <a:ea typeface="Cambria Math" panose="02040503050406030204" pitchFamily="18" charset="0"/>
+                                        </a:rPr>
+                                        <m:t>𝑘</m:t>
+                                      </m:r>
+                                    </m:sub>
+                                  </m:sSub>
+                                </m:e>
+                              </m:d>
+                              <m:f>
+                                <m:fPr>
+                                  <m:ctrlPr>
+                                    <a:rPr lang="en-US" i="1" smtClean="0">
+                                      <a:latin typeface="Cambria Math" panose="02040503050406030204" pitchFamily="18" charset="0"/>
+                                      <a:ea typeface="Cambria Math" panose="02040503050406030204" pitchFamily="18" charset="0"/>
+                                    </a:rPr>
+                                  </m:ctrlPr>
+                                </m:fPr>
+                                <m:num>
+                                  <m:sSub>
+                                    <m:sSubPr>
+                                      <m:ctrlPr>
+                                        <a:rPr lang="en-US" i="1">
+                                          <a:latin typeface="Cambria Math" panose="02040503050406030204" pitchFamily="18" charset="0"/>
+                                          <a:ea typeface="Cambria Math" panose="02040503050406030204" pitchFamily="18" charset="0"/>
+                                        </a:rPr>
+                                      </m:ctrlPr>
+                                    </m:sSubPr>
+                                    <m:e>
+                                      <m:r>
+                                        <a:rPr lang="en-US" i="1">
+                                          <a:latin typeface="Cambria Math" panose="02040503050406030204" pitchFamily="18" charset="0"/>
+                                          <a:ea typeface="Cambria Math" panose="02040503050406030204" pitchFamily="18" charset="0"/>
+                                        </a:rPr>
+                                        <m:t>𝐸</m:t>
+                                      </m:r>
+                                    </m:e>
+                                    <m:sub>
+                                      <m:sSup>
+                                        <m:sSupPr>
+                                          <m:ctrlPr>
+                                            <a:rPr lang="en-US" i="1">
+                                              <a:latin typeface="Cambria Math" panose="02040503050406030204" pitchFamily="18" charset="0"/>
+                                              <a:ea typeface="Cambria Math" panose="02040503050406030204" pitchFamily="18" charset="0"/>
+                                            </a:rPr>
+                                          </m:ctrlPr>
+                                        </m:sSupPr>
+                                        <m:e>
+                                          <m:r>
+                                            <m:rPr>
+                                              <m:sty m:val="p"/>
+                                            </m:rPr>
+                                            <a:rPr lang="el-GR" i="1">
+                                              <a:latin typeface="Cambria Math" panose="02040503050406030204" pitchFamily="18" charset="0"/>
+                                              <a:ea typeface="Cambria Math" panose="02040503050406030204" pitchFamily="18" charset="0"/>
+                                            </a:rPr>
+                                            <m:t>Π</m:t>
+                                          </m:r>
+                                        </m:e>
+                                        <m:sup>
+                                          <m:r>
+                                            <a:rPr lang="en-US" i="1">
+                                              <a:latin typeface="Cambria Math" panose="02040503050406030204" pitchFamily="18" charset="0"/>
+                                              <a:ea typeface="Cambria Math" panose="02040503050406030204" pitchFamily="18" charset="0"/>
+                                            </a:rPr>
+                                            <m:t>0</m:t>
+                                          </m:r>
+                                        </m:sup>
+                                      </m:sSup>
+                                      <m:d>
+                                        <m:dPr>
+                                          <m:ctrlPr>
+                                            <a:rPr lang="en-US" i="1">
+                                              <a:latin typeface="Cambria Math" panose="02040503050406030204" pitchFamily="18" charset="0"/>
+                                              <a:ea typeface="Cambria Math" panose="02040503050406030204" pitchFamily="18" charset="0"/>
+                                            </a:rPr>
+                                          </m:ctrlPr>
+                                        </m:dPr>
+                                        <m:e>
+                                          <m:sSub>
+                                            <m:sSubPr>
+                                              <m:ctrlPr>
+                                                <a:rPr lang="en-US" i="1">
+                                                  <a:latin typeface="Cambria Math" panose="02040503050406030204" pitchFamily="18" charset="0"/>
+                                                  <a:ea typeface="Cambria Math" panose="02040503050406030204" pitchFamily="18" charset="0"/>
+                                                </a:rPr>
+                                              </m:ctrlPr>
+                                            </m:sSubPr>
+                                            <m:e>
+                                              <m:r>
+                                                <a:rPr lang="en-US" i="1">
+                                                  <a:latin typeface="Cambria Math" panose="02040503050406030204" pitchFamily="18" charset="0"/>
+                                                  <a:ea typeface="Cambria Math" panose="02040503050406030204" pitchFamily="18" charset="0"/>
+                                                </a:rPr>
+                                                <m:t>𝑥</m:t>
+                                              </m:r>
+                                            </m:e>
+                                            <m:sub>
+                                              <m:r>
+                                                <a:rPr lang="en-US" i="1">
+                                                  <a:latin typeface="Cambria Math" panose="02040503050406030204" pitchFamily="18" charset="0"/>
+                                                  <a:ea typeface="Cambria Math" panose="02040503050406030204" pitchFamily="18" charset="0"/>
+                                                </a:rPr>
+                                                <m:t>𝑘</m:t>
+                                              </m:r>
+                                            </m:sub>
+                                          </m:sSub>
+                                        </m:e>
+                                      </m:d>
+                                    </m:sub>
+                                  </m:sSub>
+                                  <m:r>
+                                    <a:rPr lang="en-US" b="0" i="1" smtClean="0">
+                                      <a:latin typeface="Cambria Math" panose="02040503050406030204" pitchFamily="18" charset="0"/>
+                                      <a:ea typeface="Cambria Math" panose="02040503050406030204" pitchFamily="18" charset="0"/>
+                                    </a:rPr>
+                                    <m:t>[−</m:t>
+                                  </m:r>
+                                  <m:f>
+                                    <m:fPr>
+                                      <m:ctrlPr>
+                                        <a:rPr lang="en-US" i="1">
+                                          <a:latin typeface="Cambria Math" panose="02040503050406030204" pitchFamily="18" charset="0"/>
+                                          <a:ea typeface="Cambria Math" panose="02040503050406030204" pitchFamily="18" charset="0"/>
+                                        </a:rPr>
+                                      </m:ctrlPr>
+                                    </m:fPr>
+                                    <m:num>
+                                      <m:r>
+                                        <a:rPr lang="en-US" i="1">
+                                          <a:latin typeface="Cambria Math" panose="02040503050406030204" pitchFamily="18" charset="0"/>
+                                          <a:ea typeface="Cambria Math" panose="02040503050406030204" pitchFamily="18" charset="0"/>
+                                        </a:rPr>
+                                        <m:t>𝜕</m:t>
+                                      </m:r>
+                                      <m:r>
+                                        <a:rPr lang="en-US" i="1">
+                                          <a:latin typeface="Cambria Math" panose="02040503050406030204" pitchFamily="18" charset="0"/>
+                                          <a:ea typeface="Cambria Math" panose="02040503050406030204" pitchFamily="18" charset="0"/>
+                                        </a:rPr>
+                                        <m:t>𝑣</m:t>
+                                      </m:r>
+                                      <m:d>
+                                        <m:dPr>
+                                          <m:ctrlPr>
+                                            <a:rPr lang="en-US" i="1">
+                                              <a:latin typeface="Cambria Math" panose="02040503050406030204" pitchFamily="18" charset="0"/>
+                                              <a:ea typeface="Cambria Math" panose="02040503050406030204" pitchFamily="18" charset="0"/>
+                                            </a:rPr>
+                                          </m:ctrlPr>
+                                        </m:dPr>
+                                        <m:e>
+                                          <m:r>
+                                            <a:rPr lang="en-US" i="1" smtClean="0">
+                                              <a:latin typeface="Cambria Math" panose="02040503050406030204" pitchFamily="18" charset="0"/>
+                                              <a:ea typeface="Cambria Math" panose="02040503050406030204" pitchFamily="18" charset="0"/>
+                                            </a:rPr>
+                                            <m:t>∙</m:t>
+                                          </m:r>
+                                          <m:r>
+                                            <a:rPr lang="en-US" i="1">
+                                              <a:latin typeface="Cambria Math" panose="02040503050406030204" pitchFamily="18" charset="0"/>
+                                              <a:ea typeface="Cambria Math" panose="02040503050406030204" pitchFamily="18" charset="0"/>
+                                            </a:rPr>
+                                            <m:t>;</m:t>
+                                          </m:r>
+                                          <m:r>
+                                            <a:rPr lang="en-US" i="1" smtClean="0">
+                                              <a:latin typeface="Cambria Math" panose="02040503050406030204" pitchFamily="18" charset="0"/>
+                                              <a:ea typeface="Cambria Math" panose="02040503050406030204" pitchFamily="18" charset="0"/>
+                                            </a:rPr>
+                                            <m:t>𝜽</m:t>
+                                          </m:r>
+                                        </m:e>
+                                      </m:d>
+                                    </m:num>
+                                    <m:den>
+                                      <m:r>
+                                        <a:rPr lang="en-US" i="1">
+                                          <a:latin typeface="Cambria Math" panose="02040503050406030204" pitchFamily="18" charset="0"/>
+                                          <a:ea typeface="Cambria Math" panose="02040503050406030204" pitchFamily="18" charset="0"/>
+                                        </a:rPr>
+                                        <m:t>𝜕</m:t>
+                                      </m:r>
+                                      <m:sSub>
+                                        <m:sSubPr>
+                                          <m:ctrlPr>
+                                            <a:rPr lang="en-US" i="1">
+                                              <a:latin typeface="Cambria Math" panose="02040503050406030204" pitchFamily="18" charset="0"/>
+                                              <a:ea typeface="Cambria Math" panose="02040503050406030204" pitchFamily="18" charset="0"/>
+                                            </a:rPr>
+                                          </m:ctrlPr>
+                                        </m:sSubPr>
+                                        <m:e>
+                                          <m:r>
+                                            <a:rPr lang="en-US" i="1" smtClean="0">
+                                              <a:latin typeface="Cambria Math" panose="02040503050406030204" pitchFamily="18" charset="0"/>
+                                              <a:ea typeface="Cambria Math" panose="02040503050406030204" pitchFamily="18" charset="0"/>
+                                            </a:rPr>
+                                            <m:t>𝜃</m:t>
+                                          </m:r>
+                                        </m:e>
+                                        <m:sub>
+                                          <m:r>
+                                            <a:rPr lang="en-US" i="1">
+                                              <a:latin typeface="Cambria Math" panose="02040503050406030204" pitchFamily="18" charset="0"/>
+                                              <a:ea typeface="Cambria Math" panose="02040503050406030204" pitchFamily="18" charset="0"/>
+                                            </a:rPr>
+                                            <m:t>𝑖</m:t>
+                                          </m:r>
+                                        </m:sub>
+                                      </m:sSub>
+                                    </m:den>
+                                  </m:f>
+                                  <m:func>
+                                    <m:funcPr>
+                                      <m:ctrlPr>
+                                        <a:rPr lang="en-US" i="1">
+                                          <a:latin typeface="Cambria Math" panose="02040503050406030204" pitchFamily="18" charset="0"/>
+                                          <a:ea typeface="Cambria Math" panose="02040503050406030204" pitchFamily="18" charset="0"/>
+                                        </a:rPr>
+                                      </m:ctrlPr>
+                                    </m:funcPr>
+                                    <m:fName>
+                                      <m:r>
+                                        <m:rPr>
+                                          <m:sty m:val="p"/>
+                                        </m:rPr>
+                                        <a:rPr lang="en-US">
+                                          <a:latin typeface="Cambria Math" panose="02040503050406030204" pitchFamily="18" charset="0"/>
+                                          <a:ea typeface="Cambria Math" panose="02040503050406030204" pitchFamily="18" charset="0"/>
+                                        </a:rPr>
+                                        <m:t>exp</m:t>
+                                      </m:r>
+                                    </m:fName>
+                                    <m:e>
+                                      <m:d>
+                                        <m:dPr>
+                                          <m:ctrlPr>
+                                            <a:rPr lang="en-US" i="1">
+                                              <a:latin typeface="Cambria Math" panose="02040503050406030204" pitchFamily="18" charset="0"/>
+                                              <a:ea typeface="Cambria Math" panose="02040503050406030204" pitchFamily="18" charset="0"/>
+                                            </a:rPr>
+                                          </m:ctrlPr>
+                                        </m:dPr>
+                                        <m:e>
+                                          <m:r>
+                                            <a:rPr lang="en-US" i="1">
+                                              <a:latin typeface="Cambria Math" panose="02040503050406030204" pitchFamily="18" charset="0"/>
+                                              <a:ea typeface="Cambria Math" panose="02040503050406030204" pitchFamily="18" charset="0"/>
+                                            </a:rPr>
+                                            <m:t>−</m:t>
+                                          </m:r>
+                                          <m:r>
+                                            <a:rPr lang="en-US" i="1">
+                                              <a:latin typeface="Cambria Math" panose="02040503050406030204" pitchFamily="18" charset="0"/>
+                                              <a:ea typeface="Cambria Math" panose="02040503050406030204" pitchFamily="18" charset="0"/>
+                                            </a:rPr>
+                                            <m:t>𝑣</m:t>
+                                          </m:r>
+                                          <m:d>
+                                            <m:dPr>
+                                              <m:ctrlPr>
+                                                <a:rPr lang="en-US" i="1">
+                                                  <a:latin typeface="Cambria Math" panose="02040503050406030204" pitchFamily="18" charset="0"/>
+                                                  <a:ea typeface="Cambria Math" panose="02040503050406030204" pitchFamily="18" charset="0"/>
+                                                </a:rPr>
+                                              </m:ctrlPr>
+                                            </m:dPr>
+                                            <m:e>
+                                              <m:r>
+                                                <a:rPr lang="en-US" i="1">
+                                                  <a:latin typeface="Cambria Math" panose="02040503050406030204" pitchFamily="18" charset="0"/>
+                                                  <a:ea typeface="Cambria Math" panose="02040503050406030204" pitchFamily="18" charset="0"/>
+                                                </a:rPr>
+                                                <m:t>∙;</m:t>
+                                              </m:r>
+                                              <m:r>
+                                                <a:rPr lang="en-US" b="1" i="1" smtClean="0">
+                                                  <a:latin typeface="Cambria Math" panose="02040503050406030204" pitchFamily="18" charset="0"/>
+                                                  <a:ea typeface="Cambria Math" panose="02040503050406030204" pitchFamily="18" charset="0"/>
+                                                </a:rPr>
+                                                <m:t>𝜽</m:t>
+                                              </m:r>
+                                            </m:e>
+                                          </m:d>
+                                        </m:e>
+                                      </m:d>
+                                    </m:e>
+                                  </m:func>
+                                  <m:r>
+                                    <a:rPr lang="en-US" b="0" i="1" smtClean="0">
+                                      <a:latin typeface="Cambria Math" panose="02040503050406030204" pitchFamily="18" charset="0"/>
+                                      <a:ea typeface="Cambria Math" panose="02040503050406030204" pitchFamily="18" charset="0"/>
+                                    </a:rPr>
+                                    <m:t>]</m:t>
+                                  </m:r>
+                                </m:num>
+                                <m:den>
+                                  <m:sSub>
+                                    <m:sSubPr>
+                                      <m:ctrlPr>
+                                        <a:rPr lang="en-US" i="1">
+                                          <a:latin typeface="Cambria Math" panose="02040503050406030204" pitchFamily="18" charset="0"/>
+                                          <a:ea typeface="Cambria Math" panose="02040503050406030204" pitchFamily="18" charset="0"/>
+                                        </a:rPr>
+                                      </m:ctrlPr>
+                                    </m:sSubPr>
+                                    <m:e>
+                                      <m:r>
+                                        <a:rPr lang="en-US" i="1">
+                                          <a:latin typeface="Cambria Math" panose="02040503050406030204" pitchFamily="18" charset="0"/>
+                                          <a:ea typeface="Cambria Math" panose="02040503050406030204" pitchFamily="18" charset="0"/>
+                                        </a:rPr>
+                                        <m:t>𝐸</m:t>
+                                      </m:r>
+                                    </m:e>
+                                    <m:sub>
+                                      <m:sSup>
+                                        <m:sSupPr>
+                                          <m:ctrlPr>
+                                            <a:rPr lang="en-US" i="1">
+                                              <a:latin typeface="Cambria Math" panose="02040503050406030204" pitchFamily="18" charset="0"/>
+                                              <a:ea typeface="Cambria Math" panose="02040503050406030204" pitchFamily="18" charset="0"/>
+                                            </a:rPr>
+                                          </m:ctrlPr>
+                                        </m:sSupPr>
+                                        <m:e>
+                                          <m:r>
+                                            <m:rPr>
+                                              <m:sty m:val="p"/>
+                                            </m:rPr>
+                                            <a:rPr lang="el-GR" i="1">
+                                              <a:latin typeface="Cambria Math" panose="02040503050406030204" pitchFamily="18" charset="0"/>
+                                              <a:ea typeface="Cambria Math" panose="02040503050406030204" pitchFamily="18" charset="0"/>
+                                            </a:rPr>
+                                            <m:t>Π</m:t>
+                                          </m:r>
+                                        </m:e>
+                                        <m:sup>
+                                          <m:r>
+                                            <a:rPr lang="en-US" i="1">
+                                              <a:latin typeface="Cambria Math" panose="02040503050406030204" pitchFamily="18" charset="0"/>
+                                              <a:ea typeface="Cambria Math" panose="02040503050406030204" pitchFamily="18" charset="0"/>
+                                            </a:rPr>
+                                            <m:t>0</m:t>
+                                          </m:r>
+                                        </m:sup>
+                                      </m:sSup>
+                                      <m:d>
+                                        <m:dPr>
+                                          <m:ctrlPr>
+                                            <a:rPr lang="en-US" i="1">
+                                              <a:latin typeface="Cambria Math" panose="02040503050406030204" pitchFamily="18" charset="0"/>
+                                              <a:ea typeface="Cambria Math" panose="02040503050406030204" pitchFamily="18" charset="0"/>
+                                            </a:rPr>
+                                          </m:ctrlPr>
+                                        </m:dPr>
+                                        <m:e>
+                                          <m:sSub>
+                                            <m:sSubPr>
+                                              <m:ctrlPr>
+                                                <a:rPr lang="en-US" i="1">
+                                                  <a:latin typeface="Cambria Math" panose="02040503050406030204" pitchFamily="18" charset="0"/>
+                                                  <a:ea typeface="Cambria Math" panose="02040503050406030204" pitchFamily="18" charset="0"/>
+                                                </a:rPr>
+                                              </m:ctrlPr>
+                                            </m:sSubPr>
+                                            <m:e>
+                                              <m:r>
+                                                <a:rPr lang="en-US" i="1">
+                                                  <a:latin typeface="Cambria Math" panose="02040503050406030204" pitchFamily="18" charset="0"/>
+                                                  <a:ea typeface="Cambria Math" panose="02040503050406030204" pitchFamily="18" charset="0"/>
+                                                </a:rPr>
+                                                <m:t>𝑥</m:t>
+                                              </m:r>
+                                            </m:e>
+                                            <m:sub>
+                                              <m:r>
+                                                <a:rPr lang="en-US" i="1">
+                                                  <a:latin typeface="Cambria Math" panose="02040503050406030204" pitchFamily="18" charset="0"/>
+                                                  <a:ea typeface="Cambria Math" panose="02040503050406030204" pitchFamily="18" charset="0"/>
+                                                </a:rPr>
+                                                <m:t>𝑘</m:t>
+                                              </m:r>
+                                            </m:sub>
+                                          </m:sSub>
+                                        </m:e>
+                                      </m:d>
+                                    </m:sub>
+                                  </m:sSub>
+                                  <m:r>
+                                    <a:rPr lang="en-US" b="0" i="1" smtClean="0">
+                                      <a:latin typeface="Cambria Math" panose="02040503050406030204" pitchFamily="18" charset="0"/>
+                                      <a:ea typeface="Cambria Math" panose="02040503050406030204" pitchFamily="18" charset="0"/>
+                                    </a:rPr>
+                                    <m:t>[</m:t>
+                                  </m:r>
+                                  <m:func>
+                                    <m:funcPr>
+                                      <m:ctrlPr>
+                                        <a:rPr lang="en-US" i="1">
+                                          <a:latin typeface="Cambria Math" panose="02040503050406030204" pitchFamily="18" charset="0"/>
+                                          <a:ea typeface="Cambria Math" panose="02040503050406030204" pitchFamily="18" charset="0"/>
+                                        </a:rPr>
+                                      </m:ctrlPr>
+                                    </m:funcPr>
+                                    <m:fName>
+                                      <m:r>
+                                        <m:rPr>
+                                          <m:sty m:val="p"/>
+                                        </m:rPr>
+                                        <a:rPr lang="en-US">
+                                          <a:latin typeface="Cambria Math" panose="02040503050406030204" pitchFamily="18" charset="0"/>
+                                          <a:ea typeface="Cambria Math" panose="02040503050406030204" pitchFamily="18" charset="0"/>
+                                        </a:rPr>
+                                        <m:t>exp</m:t>
+                                      </m:r>
+                                    </m:fName>
+                                    <m:e>
+                                      <m:d>
+                                        <m:dPr>
+                                          <m:ctrlPr>
+                                            <a:rPr lang="en-US" i="1">
+                                              <a:latin typeface="Cambria Math" panose="02040503050406030204" pitchFamily="18" charset="0"/>
+                                              <a:ea typeface="Cambria Math" panose="02040503050406030204" pitchFamily="18" charset="0"/>
+                                            </a:rPr>
+                                          </m:ctrlPr>
+                                        </m:dPr>
+                                        <m:e>
+                                          <m:r>
+                                            <a:rPr lang="en-US" i="1">
+                                              <a:latin typeface="Cambria Math" panose="02040503050406030204" pitchFamily="18" charset="0"/>
+                                              <a:ea typeface="Cambria Math" panose="02040503050406030204" pitchFamily="18" charset="0"/>
+                                            </a:rPr>
+                                            <m:t>−</m:t>
+                                          </m:r>
+                                          <m:r>
+                                            <a:rPr lang="en-US" i="1">
+                                              <a:latin typeface="Cambria Math" panose="02040503050406030204" pitchFamily="18" charset="0"/>
+                                              <a:ea typeface="Cambria Math" panose="02040503050406030204" pitchFamily="18" charset="0"/>
+                                            </a:rPr>
+                                            <m:t>𝑣</m:t>
+                                          </m:r>
+                                          <m:d>
+                                            <m:dPr>
+                                              <m:ctrlPr>
+                                                <a:rPr lang="en-US" i="1">
+                                                  <a:latin typeface="Cambria Math" panose="02040503050406030204" pitchFamily="18" charset="0"/>
+                                                  <a:ea typeface="Cambria Math" panose="02040503050406030204" pitchFamily="18" charset="0"/>
+                                                </a:rPr>
+                                              </m:ctrlPr>
+                                            </m:dPr>
+                                            <m:e>
+                                              <m:r>
+                                                <a:rPr lang="en-US" i="1">
+                                                  <a:latin typeface="Cambria Math" panose="02040503050406030204" pitchFamily="18" charset="0"/>
+                                                  <a:ea typeface="Cambria Math" panose="02040503050406030204" pitchFamily="18" charset="0"/>
+                                                </a:rPr>
+                                                <m:t>∙;</m:t>
+                                              </m:r>
+                                              <m:r>
+                                                <a:rPr lang="en-US" i="1" smtClean="0">
+                                                  <a:latin typeface="Cambria Math" panose="02040503050406030204" pitchFamily="18" charset="0"/>
+                                                  <a:ea typeface="Cambria Math" panose="02040503050406030204" pitchFamily="18" charset="0"/>
+                                                </a:rPr>
+                                                <m:t>𝜽</m:t>
+                                              </m:r>
+                                            </m:e>
+                                          </m:d>
+                                        </m:e>
+                                      </m:d>
+                                    </m:e>
+                                  </m:func>
+                                  <m:r>
+                                    <a:rPr lang="en-US" b="0" i="1" smtClean="0">
+                                      <a:latin typeface="Cambria Math" panose="02040503050406030204" pitchFamily="18" charset="0"/>
+                                      <a:ea typeface="Cambria Math" panose="02040503050406030204" pitchFamily="18" charset="0"/>
+                                    </a:rPr>
+                                    <m:t>]</m:t>
+                                  </m:r>
+                                </m:den>
+                              </m:f>
+                            </m:e>
+                          </m:nary>
+                        </m:e>
+                      </m:nary>
+                    </m:oMath>
+                  </m:oMathPara>
+                </a14:m>
+                <a:endParaRPr lang="en-US" dirty="0"/>
+              </a:p>
+              <a:p>
+                <a:pPr marL="0" indent="0">
+                  <a:buNone/>
+                </a:pPr>
+                <a:endParaRPr lang="en-US" dirty="0"/>
+              </a:p>
+            </p:txBody>
+          </p:sp>
+        </mc:Choice>
+        <mc:Fallback>
+          <p:sp>
+            <p:nvSpPr>
+              <p:cNvPr id="3" name="Content Placeholder 2">
+                <a:extLst>
+                  <a:ext uri="{FF2B5EF4-FFF2-40B4-BE49-F238E27FC236}">
+                    <a16:creationId xmlns:a16="http://schemas.microsoft.com/office/drawing/2014/main" id="{CBBAC521-9E8E-0CE0-84DA-DBEB70A5A320}"/>
+                  </a:ext>
+                </a:extLst>
+              </p:cNvPr>
+              <p:cNvSpPr>
+                <a:spLocks noGrp="1" noRot="1" noChangeAspect="1" noMove="1" noResize="1" noEditPoints="1" noAdjustHandles="1" noChangeArrowheads="1" noChangeShapeType="1" noTextEdit="1"/>
+              </p:cNvSpPr>
+              <p:nvPr>
+                <p:ph idx="1"/>
+              </p:nvPr>
+            </p:nvSpPr>
+            <p:spPr>
+              <a:blipFill>
+                <a:blip r:embed="rId2"/>
+                <a:stretch>
+                  <a:fillRect l="-6031" t="-9884"/>
+                </a:stretch>
+              </a:blipFill>
+            </p:spPr>
+            <p:txBody>
+              <a:bodyPr/>
+              <a:lstStyle/>
+              <a:p>
+                <a:r>
+                  <a:rPr lang="en-US">
+                    <a:noFill/>
+                  </a:rPr>
+                  <a:t> </a:t>
+                </a:r>
+              </a:p>
+            </p:txBody>
+          </p:sp>
+        </mc:Fallback>
+      </mc:AlternateContent>
+    </p:spTree>
+    <p:extLst>
+      <p:ext uri="{BB962C8B-B14F-4D97-AF65-F5344CB8AC3E}">
+        <p14:creationId xmlns:p14="http://schemas.microsoft.com/office/powerpoint/2010/main" val="2717400112"/>
+      </p:ext>
+    </p:extLst>
+  </p:cSld>
+  <p:clrMapOvr>
+    <a:masterClrMapping/>
+  </p:clrMapOvr>
+</p:sld>
+</file>
+
+<file path=ppt/slides/slide56.xml><?xml version="1.0" encoding="utf-8"?>
+<p:sld xmlns:a="http://schemas.openxmlformats.org/drawingml/2006/main" xmlns:r="http://schemas.openxmlformats.org/officeDocument/2006/relationships" xmlns:p="http://schemas.openxmlformats.org/presentationml/2006/main">
+  <p:cSld>
+    <p:spTree>
+      <p:nvGrpSpPr>
+        <p:cNvPr id="1" name=""/>
+        <p:cNvGrpSpPr/>
+        <p:nvPr/>
+      </p:nvGrpSpPr>
+      <p:grpSpPr>
+        <a:xfrm>
+          <a:off x="0" y="0"/>
+          <a:ext cx="0" cy="0"/>
+          <a:chOff x="0" y="0"/>
+          <a:chExt cx="0" cy="0"/>
+        </a:xfrm>
+      </p:grpSpPr>
+      <p:sp>
+        <p:nvSpPr>
+          <p:cNvPr id="2" name="Title 1">
+            <a:extLst>
+              <a:ext uri="{FF2B5EF4-FFF2-40B4-BE49-F238E27FC236}">
+                <a16:creationId xmlns:a16="http://schemas.microsoft.com/office/drawing/2014/main" id="{538D4931-42A8-1DC4-F862-7FDBF7A8FCE8}"/>
+              </a:ext>
+            </a:extLst>
+          </p:cNvPr>
+          <p:cNvSpPr>
+            <a:spLocks noGrp="1"/>
+          </p:cNvSpPr>
+          <p:nvPr>
+            <p:ph type="title"/>
+          </p:nvPr>
+        </p:nvSpPr>
+        <p:spPr/>
+        <p:txBody>
+          <a:bodyPr/>
+          <a:lstStyle/>
+          <a:p>
+            <a:r>
+              <a:rPr lang="en-US" dirty="0"/>
+              <a:t>Hessian for </a:t>
+            </a:r>
+            <a:r>
+              <a:rPr lang="en-US" dirty="0" err="1"/>
+              <a:t>OptV</a:t>
+            </a:r>
+            <a:r>
+              <a:rPr lang="en-US" dirty="0"/>
+              <a:t> (diagonal)</a:t>
+            </a:r>
+          </a:p>
+        </p:txBody>
+      </p:sp>
+      <mc:AlternateContent xmlns:mc="http://schemas.openxmlformats.org/markup-compatibility/2006">
+        <mc:Choice xmlns:a14="http://schemas.microsoft.com/office/drawing/2010/main" Requires="a14">
+          <p:sp>
+            <p:nvSpPr>
+              <p:cNvPr id="3" name="Content Placeholder 2">
+                <a:extLst>
+                  <a:ext uri="{FF2B5EF4-FFF2-40B4-BE49-F238E27FC236}">
+                    <a16:creationId xmlns:a16="http://schemas.microsoft.com/office/drawing/2014/main" id="{CBBAC521-9E8E-0CE0-84DA-DBEB70A5A320}"/>
+                  </a:ext>
+                </a:extLst>
+              </p:cNvPr>
+              <p:cNvSpPr>
+                <a:spLocks noGrp="1"/>
+              </p:cNvSpPr>
+              <p:nvPr>
+                <p:ph idx="1"/>
+              </p:nvPr>
+            </p:nvSpPr>
+            <p:spPr/>
+            <p:txBody>
+              <a:bodyPr>
+                <a:normAutofit fontScale="47500" lnSpcReduction="20000"/>
+              </a:bodyPr>
+              <a:lstStyle/>
+              <a:p>
+                <a:pPr marL="0" indent="0">
+                  <a:buNone/>
+                </a:pPr>
+                <a14:m>
+                  <m:oMathPara xmlns:m="http://schemas.openxmlformats.org/officeDocument/2006/math">
+                    <m:oMathParaPr>
+                      <m:jc m:val="centerGroup"/>
+                    </m:oMathParaPr>
+                    <m:oMath xmlns:m="http://schemas.openxmlformats.org/officeDocument/2006/math">
+                      <m:f>
+                        <m:fPr>
+                          <m:ctrlPr>
+                            <a:rPr lang="en-US" i="1" smtClean="0">
+                              <a:latin typeface="Cambria Math" panose="02040503050406030204" pitchFamily="18" charset="0"/>
+                            </a:rPr>
+                          </m:ctrlPr>
+                        </m:fPr>
+                        <m:num>
+                          <m:r>
+                            <a:rPr lang="en-US" i="1" smtClean="0">
+                              <a:latin typeface="Cambria Math" panose="02040503050406030204" pitchFamily="18" charset="0"/>
+                            </a:rPr>
+                            <m:t>𝜕</m:t>
+                          </m:r>
+                          <m:r>
+                            <a:rPr lang="en-US" b="0" i="1" smtClean="0">
+                              <a:latin typeface="Cambria Math" panose="02040503050406030204" pitchFamily="18" charset="0"/>
+                            </a:rPr>
+                            <m:t>𝐿</m:t>
+                          </m:r>
+                          <m:r>
+                            <a:rPr lang="en-US" b="0" i="1" smtClean="0">
+                              <a:latin typeface="Cambria Math" panose="02040503050406030204" pitchFamily="18" charset="0"/>
+                            </a:rPr>
+                            <m:t>[</m:t>
+                          </m:r>
+                          <m:r>
+                            <a:rPr lang="en-US" b="0" i="1" smtClean="0">
+                              <a:latin typeface="Cambria Math" panose="02040503050406030204" pitchFamily="18" charset="0"/>
+                            </a:rPr>
+                            <m:t>𝑣</m:t>
+                          </m:r>
+                          <m:d>
+                            <m:dPr>
+                              <m:ctrlPr>
+                                <a:rPr lang="en-US" b="0" i="1" smtClean="0">
+                                  <a:latin typeface="Cambria Math" panose="02040503050406030204" pitchFamily="18" charset="0"/>
+                                </a:rPr>
+                              </m:ctrlPr>
+                            </m:dPr>
+                            <m:e>
+                              <m:r>
+                                <a:rPr lang="en-US" b="0" i="1" smtClean="0">
+                                  <a:latin typeface="Cambria Math" panose="02040503050406030204" pitchFamily="18" charset="0"/>
+                                  <a:ea typeface="Cambria Math" panose="02040503050406030204" pitchFamily="18" charset="0"/>
+                                </a:rPr>
+                                <m:t>∙</m:t>
+                              </m:r>
+                            </m:e>
+                          </m:d>
+                          <m:r>
+                            <a:rPr lang="en-US" b="0" i="1" smtClean="0">
+                              <a:latin typeface="Cambria Math" panose="02040503050406030204" pitchFamily="18" charset="0"/>
+                              <a:ea typeface="Cambria Math" panose="02040503050406030204" pitchFamily="18" charset="0"/>
+                            </a:rPr>
+                            <m:t>]</m:t>
+                          </m:r>
+                        </m:num>
+                        <m:den>
+                          <m:r>
+                            <a:rPr lang="en-US" i="1" smtClean="0">
+                              <a:latin typeface="Cambria Math" panose="02040503050406030204" pitchFamily="18" charset="0"/>
+                            </a:rPr>
+                            <m:t>𝜕</m:t>
+                          </m:r>
+                          <m:sSubSup>
+                            <m:sSubSupPr>
+                              <m:ctrlPr>
+                                <a:rPr lang="en-US" i="1" smtClean="0">
+                                  <a:latin typeface="Cambria Math" panose="02040503050406030204" pitchFamily="18" charset="0"/>
+                                </a:rPr>
+                              </m:ctrlPr>
+                            </m:sSubSupPr>
+                            <m:e>
+                              <m:r>
+                                <a:rPr lang="en-US" i="1" smtClean="0">
+                                  <a:latin typeface="Cambria Math" panose="02040503050406030204" pitchFamily="18" charset="0"/>
+                                  <a:ea typeface="Cambria Math" panose="02040503050406030204" pitchFamily="18" charset="0"/>
+                                </a:rPr>
+                                <m:t>𝜃</m:t>
+                              </m:r>
+                            </m:e>
+                            <m:sub>
+                              <m:r>
+                                <a:rPr lang="en-US" b="0" i="1" smtClean="0">
+                                  <a:latin typeface="Cambria Math" panose="02040503050406030204" pitchFamily="18" charset="0"/>
+                                </a:rPr>
+                                <m:t>𝑖</m:t>
+                              </m:r>
+                            </m:sub>
+                            <m:sup>
+                              <m:r>
+                                <a:rPr lang="en-US" b="0" i="1" smtClean="0">
+                                  <a:latin typeface="Cambria Math" panose="02040503050406030204" pitchFamily="18" charset="0"/>
+                                </a:rPr>
+                                <m:t>2</m:t>
+                              </m:r>
+                            </m:sup>
+                          </m:sSubSup>
+                        </m:den>
+                      </m:f>
+                      <m:r>
+                        <a:rPr lang="en-US" b="0" i="1" smtClean="0">
+                          <a:latin typeface="Cambria Math" panose="02040503050406030204" pitchFamily="18" charset="0"/>
+                        </a:rPr>
+                        <m:t>=</m:t>
+                      </m:r>
+                      <m:nary>
+                        <m:naryPr>
+                          <m:chr m:val="∑"/>
+                          <m:supHide m:val="on"/>
+                          <m:ctrlPr>
+                            <a:rPr lang="en-US" i="1">
+                              <a:latin typeface="Cambria Math" panose="02040503050406030204" pitchFamily="18" charset="0"/>
+                              <a:ea typeface="Cambria Math" panose="02040503050406030204" pitchFamily="18" charset="0"/>
+                            </a:rPr>
+                          </m:ctrlPr>
+                        </m:naryPr>
+                        <m:sub>
+                          <m:r>
+                            <m:rPr>
+                              <m:brk m:alnAt="7"/>
+                            </m:rPr>
+                            <a:rPr lang="en-US" i="1">
+                              <a:latin typeface="Cambria Math" panose="02040503050406030204" pitchFamily="18" charset="0"/>
+                              <a:ea typeface="Cambria Math" panose="02040503050406030204" pitchFamily="18" charset="0"/>
+                            </a:rPr>
+                            <m:t>𝑘</m:t>
+                          </m:r>
+                        </m:sub>
+                        <m:sup/>
+                        <m:e>
+                          <m:nary>
+                            <m:naryPr>
+                              <m:chr m:val="∑"/>
+                              <m:supHide m:val="on"/>
+                              <m:ctrlPr>
+                                <a:rPr lang="en-US" i="1">
+                                  <a:latin typeface="Cambria Math" panose="02040503050406030204" pitchFamily="18" charset="0"/>
+                                  <a:ea typeface="Cambria Math" panose="02040503050406030204" pitchFamily="18" charset="0"/>
+                                </a:rPr>
+                              </m:ctrlPr>
+                            </m:naryPr>
+                            <m:sub>
+                              <m:sSubSup>
+                                <m:sSubSupPr>
+                                  <m:ctrlPr>
+                                    <a:rPr lang="en-US" i="1">
+                                      <a:latin typeface="Cambria Math" panose="02040503050406030204" pitchFamily="18" charset="0"/>
+                                      <a:ea typeface="Cambria Math" panose="02040503050406030204" pitchFamily="18" charset="0"/>
+                                    </a:rPr>
+                                  </m:ctrlPr>
+                                </m:sSubSupPr>
+                                <m:e>
+                                  <m:r>
+                                    <a:rPr lang="en-US" i="1">
+                                      <a:latin typeface="Cambria Math" panose="02040503050406030204" pitchFamily="18" charset="0"/>
+                                      <a:ea typeface="Cambria Math" panose="02040503050406030204" pitchFamily="18" charset="0"/>
+                                    </a:rPr>
+                                    <m:t>𝑥</m:t>
+                                  </m:r>
+                                </m:e>
+                                <m:sub>
+                                  <m:r>
+                                    <a:rPr lang="en-US" i="1">
+                                      <a:latin typeface="Cambria Math" panose="02040503050406030204" pitchFamily="18" charset="0"/>
+                                      <a:ea typeface="Cambria Math" panose="02040503050406030204" pitchFamily="18" charset="0"/>
+                                    </a:rPr>
+                                    <m:t>𝑘</m:t>
+                                  </m:r>
+                                </m:sub>
+                                <m:sup>
+                                  <m:r>
+                                    <a:rPr lang="en-US" i="1">
+                                      <a:latin typeface="Cambria Math" panose="02040503050406030204" pitchFamily="18" charset="0"/>
+                                      <a:ea typeface="Cambria Math" panose="02040503050406030204" pitchFamily="18" charset="0"/>
+                                    </a:rPr>
+                                    <m:t>′</m:t>
+                                  </m:r>
+                                </m:sup>
+                              </m:sSubSup>
+                            </m:sub>
+                            <m:sup/>
+                            <m:e>
+                              <m:r>
+                                <a:rPr lang="en-US" i="1">
+                                  <a:latin typeface="Cambria Math" panose="02040503050406030204" pitchFamily="18" charset="0"/>
+                                  <a:ea typeface="Cambria Math" panose="02040503050406030204" pitchFamily="18" charset="0"/>
+                                </a:rPr>
+                                <m:t>𝑎</m:t>
+                              </m:r>
+                              <m:d>
+                                <m:dPr>
+                                  <m:ctrlPr>
+                                    <a:rPr lang="en-US" i="1">
+                                      <a:latin typeface="Cambria Math" panose="02040503050406030204" pitchFamily="18" charset="0"/>
+                                      <a:ea typeface="Cambria Math" panose="02040503050406030204" pitchFamily="18" charset="0"/>
+                                    </a:rPr>
+                                  </m:ctrlPr>
+                                </m:dPr>
+                                <m:e>
+                                  <m:sSubSup>
+                                    <m:sSubSupPr>
+                                      <m:ctrlPr>
+                                        <a:rPr lang="en-US" i="1">
+                                          <a:latin typeface="Cambria Math" panose="02040503050406030204" pitchFamily="18" charset="0"/>
+                                          <a:ea typeface="Cambria Math" panose="02040503050406030204" pitchFamily="18" charset="0"/>
+                                        </a:rPr>
+                                      </m:ctrlPr>
+                                    </m:sSubSupPr>
+                                    <m:e>
+                                      <m:r>
+                                        <a:rPr lang="en-US" i="1">
+                                          <a:latin typeface="Cambria Math" panose="02040503050406030204" pitchFamily="18" charset="0"/>
+                                          <a:ea typeface="Cambria Math" panose="02040503050406030204" pitchFamily="18" charset="0"/>
+                                        </a:rPr>
+                                        <m:t>𝑥</m:t>
+                                      </m:r>
+                                    </m:e>
+                                    <m:sub>
+                                      <m:r>
+                                        <a:rPr lang="en-US" i="1">
+                                          <a:latin typeface="Cambria Math" panose="02040503050406030204" pitchFamily="18" charset="0"/>
+                                          <a:ea typeface="Cambria Math" panose="02040503050406030204" pitchFamily="18" charset="0"/>
+                                        </a:rPr>
+                                        <m:t>𝑘</m:t>
+                                      </m:r>
+                                    </m:sub>
+                                    <m:sup>
+                                      <m:r>
+                                        <a:rPr lang="en-US" i="1">
+                                          <a:latin typeface="Cambria Math" panose="02040503050406030204" pitchFamily="18" charset="0"/>
+                                          <a:ea typeface="Cambria Math" panose="02040503050406030204" pitchFamily="18" charset="0"/>
+                                        </a:rPr>
+                                        <m:t>′</m:t>
+                                      </m:r>
+                                    </m:sup>
+                                  </m:sSubSup>
+                                </m:e>
+                              </m:d>
+                              <m:f>
+                                <m:fPr>
+                                  <m:ctrlPr>
+                                    <a:rPr lang="en-US" i="1" smtClean="0">
+                                      <a:latin typeface="Cambria Math" panose="02040503050406030204" pitchFamily="18" charset="0"/>
+                                      <a:ea typeface="Cambria Math" panose="02040503050406030204" pitchFamily="18" charset="0"/>
+                                    </a:rPr>
+                                  </m:ctrlPr>
+                                </m:fPr>
+                                <m:num>
+                                  <m:r>
+                                    <a:rPr lang="en-US" i="1" smtClean="0">
+                                      <a:latin typeface="Cambria Math" panose="02040503050406030204" pitchFamily="18" charset="0"/>
+                                      <a:ea typeface="Cambria Math" panose="02040503050406030204" pitchFamily="18" charset="0"/>
+                                    </a:rPr>
+                                    <m:t>𝜕</m:t>
+                                  </m:r>
+                                  <m:r>
+                                    <a:rPr lang="en-US" b="0" i="1" smtClean="0">
+                                      <a:latin typeface="Cambria Math" panose="02040503050406030204" pitchFamily="18" charset="0"/>
+                                      <a:ea typeface="Cambria Math" panose="02040503050406030204" pitchFamily="18" charset="0"/>
+                                    </a:rPr>
+                                    <m:t>𝑣</m:t>
+                                  </m:r>
+                                  <m:r>
+                                    <a:rPr lang="en-US" b="0" i="1" smtClean="0">
+                                      <a:latin typeface="Cambria Math" panose="02040503050406030204" pitchFamily="18" charset="0"/>
+                                      <a:ea typeface="Cambria Math" panose="02040503050406030204" pitchFamily="18" charset="0"/>
+                                    </a:rPr>
+                                    <m:t>(</m:t>
+                                  </m:r>
+                                  <m:sSubSup>
+                                    <m:sSubSupPr>
+                                      <m:ctrlPr>
+                                        <a:rPr lang="en-US" b="0" i="1" smtClean="0">
+                                          <a:latin typeface="Cambria Math" panose="02040503050406030204" pitchFamily="18" charset="0"/>
+                                          <a:ea typeface="Cambria Math" panose="02040503050406030204" pitchFamily="18" charset="0"/>
+                                        </a:rPr>
+                                      </m:ctrlPr>
+                                    </m:sSubSupPr>
+                                    <m:e>
+                                      <m:r>
+                                        <a:rPr lang="en-US" b="0" i="1" smtClean="0">
+                                          <a:latin typeface="Cambria Math" panose="02040503050406030204" pitchFamily="18" charset="0"/>
+                                          <a:ea typeface="Cambria Math" panose="02040503050406030204" pitchFamily="18" charset="0"/>
+                                        </a:rPr>
+                                        <m:t>𝑥</m:t>
+                                      </m:r>
+                                    </m:e>
+                                    <m:sub>
+                                      <m:r>
+                                        <a:rPr lang="en-US" b="0" i="1" smtClean="0">
+                                          <a:latin typeface="Cambria Math" panose="02040503050406030204" pitchFamily="18" charset="0"/>
+                                          <a:ea typeface="Cambria Math" panose="02040503050406030204" pitchFamily="18" charset="0"/>
+                                        </a:rPr>
+                                        <m:t>𝑘</m:t>
+                                      </m:r>
+                                    </m:sub>
+                                    <m:sup>
+                                      <m:r>
+                                        <a:rPr lang="en-US" b="0" i="1" smtClean="0">
+                                          <a:latin typeface="Cambria Math" panose="02040503050406030204" pitchFamily="18" charset="0"/>
+                                          <a:ea typeface="Cambria Math" panose="02040503050406030204" pitchFamily="18" charset="0"/>
+                                        </a:rPr>
+                                        <m:t>′</m:t>
+                                      </m:r>
+                                    </m:sup>
+                                  </m:sSubSup>
+                                  <m:r>
+                                    <a:rPr lang="en-US" b="0" i="1" smtClean="0">
+                                      <a:latin typeface="Cambria Math" panose="02040503050406030204" pitchFamily="18" charset="0"/>
+                                      <a:ea typeface="Cambria Math" panose="02040503050406030204" pitchFamily="18" charset="0"/>
+                                    </a:rPr>
+                                    <m:t>;</m:t>
+                                  </m:r>
+                                  <m:r>
+                                    <a:rPr lang="en-US" b="1" i="1" smtClean="0">
+                                      <a:latin typeface="Cambria Math" panose="02040503050406030204" pitchFamily="18" charset="0"/>
+                                      <a:ea typeface="Cambria Math" panose="02040503050406030204" pitchFamily="18" charset="0"/>
+                                    </a:rPr>
+                                    <m:t>𝜽</m:t>
+                                  </m:r>
+                                  <m:r>
+                                    <a:rPr lang="en-US" b="1" i="1" smtClean="0">
+                                      <a:latin typeface="Cambria Math" panose="02040503050406030204" pitchFamily="18" charset="0"/>
+                                      <a:ea typeface="Cambria Math" panose="02040503050406030204" pitchFamily="18" charset="0"/>
+                                    </a:rPr>
+                                    <m:t>)</m:t>
+                                  </m:r>
+                                </m:num>
+                                <m:den>
+                                  <m:r>
+                                    <a:rPr lang="en-US" i="1" smtClean="0">
+                                      <a:latin typeface="Cambria Math" panose="02040503050406030204" pitchFamily="18" charset="0"/>
+                                      <a:ea typeface="Cambria Math" panose="02040503050406030204" pitchFamily="18" charset="0"/>
+                                    </a:rPr>
+                                    <m:t>𝜕</m:t>
+                                  </m:r>
+                                  <m:sSubSup>
+                                    <m:sSubSupPr>
+                                      <m:ctrlPr>
+                                        <a:rPr lang="en-US" i="1" smtClean="0">
+                                          <a:latin typeface="Cambria Math" panose="02040503050406030204" pitchFamily="18" charset="0"/>
+                                          <a:ea typeface="Cambria Math" panose="02040503050406030204" pitchFamily="18" charset="0"/>
+                                        </a:rPr>
+                                      </m:ctrlPr>
+                                    </m:sSubSupPr>
+                                    <m:e>
+                                      <m:r>
+                                        <a:rPr lang="en-US" i="1" smtClean="0">
+                                          <a:latin typeface="Cambria Math" panose="02040503050406030204" pitchFamily="18" charset="0"/>
+                                          <a:ea typeface="Cambria Math" panose="02040503050406030204" pitchFamily="18" charset="0"/>
+                                        </a:rPr>
+                                        <m:t>𝜃</m:t>
+                                      </m:r>
+                                    </m:e>
+                                    <m:sub>
+                                      <m:r>
+                                        <a:rPr lang="en-US" b="0" i="1" smtClean="0">
+                                          <a:latin typeface="Cambria Math" panose="02040503050406030204" pitchFamily="18" charset="0"/>
+                                          <a:ea typeface="Cambria Math" panose="02040503050406030204" pitchFamily="18" charset="0"/>
+                                        </a:rPr>
+                                        <m:t>𝑖</m:t>
+                                      </m:r>
+                                    </m:sub>
+                                    <m:sup>
+                                      <m:r>
+                                        <a:rPr lang="en-US" b="0" i="1" smtClean="0">
+                                          <a:latin typeface="Cambria Math" panose="02040503050406030204" pitchFamily="18" charset="0"/>
+                                          <a:ea typeface="Cambria Math" panose="02040503050406030204" pitchFamily="18" charset="0"/>
+                                        </a:rPr>
+                                        <m:t>2</m:t>
+                                      </m:r>
+                                    </m:sup>
+                                  </m:sSubSup>
+                                </m:den>
+                              </m:f>
+                            </m:e>
+                          </m:nary>
+                          <m:r>
+                            <a:rPr lang="en-US" i="1">
+                              <a:latin typeface="Cambria Math" panose="02040503050406030204" pitchFamily="18" charset="0"/>
+                              <a:ea typeface="Cambria Math" panose="02040503050406030204" pitchFamily="18" charset="0"/>
+                            </a:rPr>
+                            <m:t>+</m:t>
+                          </m:r>
+                          <m:nary>
+                            <m:naryPr>
+                              <m:chr m:val="∑"/>
+                              <m:supHide m:val="on"/>
+                              <m:ctrlPr>
+                                <a:rPr lang="en-US" i="1">
+                                  <a:latin typeface="Cambria Math" panose="02040503050406030204" pitchFamily="18" charset="0"/>
+                                  <a:ea typeface="Cambria Math" panose="02040503050406030204" pitchFamily="18" charset="0"/>
+                                </a:rPr>
+                              </m:ctrlPr>
+                            </m:naryPr>
+                            <m:sub>
+                              <m:sSub>
+                                <m:sSubPr>
+                                  <m:ctrlPr>
+                                    <a:rPr lang="en-US" i="1">
+                                      <a:latin typeface="Cambria Math" panose="02040503050406030204" pitchFamily="18" charset="0"/>
+                                      <a:ea typeface="Cambria Math" panose="02040503050406030204" pitchFamily="18" charset="0"/>
+                                    </a:rPr>
+                                  </m:ctrlPr>
+                                </m:sSubPr>
+                                <m:e>
+                                  <m:r>
+                                    <a:rPr lang="en-US" i="1">
+                                      <a:latin typeface="Cambria Math" panose="02040503050406030204" pitchFamily="18" charset="0"/>
+                                      <a:ea typeface="Cambria Math" panose="02040503050406030204" pitchFamily="18" charset="0"/>
+                                    </a:rPr>
+                                    <m:t>𝑥</m:t>
+                                  </m:r>
+                                </m:e>
+                                <m:sub>
+                                  <m:r>
+                                    <a:rPr lang="en-US" i="1">
+                                      <a:latin typeface="Cambria Math" panose="02040503050406030204" pitchFamily="18" charset="0"/>
+                                      <a:ea typeface="Cambria Math" panose="02040503050406030204" pitchFamily="18" charset="0"/>
+                                    </a:rPr>
+                                    <m:t>𝑘</m:t>
+                                  </m:r>
+                                </m:sub>
+                              </m:sSub>
+                            </m:sub>
+                            <m:sup/>
+                            <m:e>
+                              <m:r>
+                                <a:rPr lang="en-US" i="1">
+                                  <a:latin typeface="Cambria Math" panose="02040503050406030204" pitchFamily="18" charset="0"/>
+                                  <a:ea typeface="Cambria Math" panose="02040503050406030204" pitchFamily="18" charset="0"/>
+                                </a:rPr>
+                                <m:t>𝑏</m:t>
+                              </m:r>
+                              <m:d>
+                                <m:dPr>
+                                  <m:ctrlPr>
+                                    <a:rPr lang="en-US" i="1">
+                                      <a:latin typeface="Cambria Math" panose="02040503050406030204" pitchFamily="18" charset="0"/>
+                                      <a:ea typeface="Cambria Math" panose="02040503050406030204" pitchFamily="18" charset="0"/>
+                                    </a:rPr>
+                                  </m:ctrlPr>
+                                </m:dPr>
+                                <m:e>
+                                  <m:sSub>
+                                    <m:sSubPr>
+                                      <m:ctrlPr>
+                                        <a:rPr lang="en-US" i="1">
+                                          <a:latin typeface="Cambria Math" panose="02040503050406030204" pitchFamily="18" charset="0"/>
+                                          <a:ea typeface="Cambria Math" panose="02040503050406030204" pitchFamily="18" charset="0"/>
+                                        </a:rPr>
+                                      </m:ctrlPr>
+                                    </m:sSubPr>
+                                    <m:e>
+                                      <m:r>
+                                        <a:rPr lang="en-US" i="1">
+                                          <a:latin typeface="Cambria Math" panose="02040503050406030204" pitchFamily="18" charset="0"/>
+                                          <a:ea typeface="Cambria Math" panose="02040503050406030204" pitchFamily="18" charset="0"/>
+                                        </a:rPr>
+                                        <m:t>𝑥</m:t>
+                                      </m:r>
+                                    </m:e>
+                                    <m:sub>
+                                      <m:r>
+                                        <a:rPr lang="en-US" i="1">
+                                          <a:latin typeface="Cambria Math" panose="02040503050406030204" pitchFamily="18" charset="0"/>
+                                          <a:ea typeface="Cambria Math" panose="02040503050406030204" pitchFamily="18" charset="0"/>
+                                        </a:rPr>
+                                        <m:t>𝑘</m:t>
+                                      </m:r>
+                                    </m:sub>
+                                  </m:sSub>
+                                </m:e>
+                              </m:d>
+                            </m:e>
+                          </m:nary>
+                        </m:e>
+                      </m:nary>
+                      <m:f>
+                        <m:fPr>
+                          <m:ctrlPr>
+                            <a:rPr lang="en-US" b="0" i="1" smtClean="0">
+                              <a:latin typeface="Cambria Math" panose="02040503050406030204" pitchFamily="18" charset="0"/>
+                              <a:ea typeface="Cambria Math" panose="02040503050406030204" pitchFamily="18" charset="0"/>
+                            </a:rPr>
+                          </m:ctrlPr>
+                        </m:fPr>
+                        <m:num>
+                          <m:sSub>
+                            <m:sSubPr>
+                              <m:ctrlPr>
+                                <a:rPr lang="en-US" i="1">
+                                  <a:latin typeface="Cambria Math" panose="02040503050406030204" pitchFamily="18" charset="0"/>
+                                  <a:ea typeface="Cambria Math" panose="02040503050406030204" pitchFamily="18" charset="0"/>
+                                </a:rPr>
+                              </m:ctrlPr>
+                            </m:sSubPr>
+                            <m:e>
+                              <m:r>
+                                <a:rPr lang="en-US" i="1">
+                                  <a:latin typeface="Cambria Math" panose="02040503050406030204" pitchFamily="18" charset="0"/>
+                                  <a:ea typeface="Cambria Math" panose="02040503050406030204" pitchFamily="18" charset="0"/>
+                                </a:rPr>
+                                <m:t>𝐸</m:t>
+                              </m:r>
+                            </m:e>
+                            <m:sub>
+                              <m:sSup>
+                                <m:sSupPr>
+                                  <m:ctrlPr>
+                                    <a:rPr lang="en-US" i="1">
+                                      <a:latin typeface="Cambria Math" panose="02040503050406030204" pitchFamily="18" charset="0"/>
+                                      <a:ea typeface="Cambria Math" panose="02040503050406030204" pitchFamily="18" charset="0"/>
+                                    </a:rPr>
+                                  </m:ctrlPr>
+                                </m:sSupPr>
+                                <m:e>
+                                  <m:r>
+                                    <m:rPr>
+                                      <m:sty m:val="p"/>
+                                    </m:rPr>
+                                    <a:rPr lang="el-GR" i="1">
+                                      <a:latin typeface="Cambria Math" panose="02040503050406030204" pitchFamily="18" charset="0"/>
+                                      <a:ea typeface="Cambria Math" panose="02040503050406030204" pitchFamily="18" charset="0"/>
+                                    </a:rPr>
+                                    <m:t>Π</m:t>
+                                  </m:r>
+                                </m:e>
+                                <m:sup>
+                                  <m:r>
+                                    <a:rPr lang="en-US" i="1">
+                                      <a:latin typeface="Cambria Math" panose="02040503050406030204" pitchFamily="18" charset="0"/>
+                                      <a:ea typeface="Cambria Math" panose="02040503050406030204" pitchFamily="18" charset="0"/>
+                                    </a:rPr>
+                                    <m:t>0</m:t>
+                                  </m:r>
+                                </m:sup>
+                              </m:sSup>
+                              <m:d>
+                                <m:dPr>
+                                  <m:ctrlPr>
+                                    <a:rPr lang="en-US" i="1">
+                                      <a:latin typeface="Cambria Math" panose="02040503050406030204" pitchFamily="18" charset="0"/>
+                                      <a:ea typeface="Cambria Math" panose="02040503050406030204" pitchFamily="18" charset="0"/>
+                                    </a:rPr>
+                                  </m:ctrlPr>
+                                </m:dPr>
+                                <m:e>
+                                  <m:sSub>
+                                    <m:sSubPr>
+                                      <m:ctrlPr>
+                                        <a:rPr lang="en-US" i="1">
+                                          <a:latin typeface="Cambria Math" panose="02040503050406030204" pitchFamily="18" charset="0"/>
+                                          <a:ea typeface="Cambria Math" panose="02040503050406030204" pitchFamily="18" charset="0"/>
+                                        </a:rPr>
+                                      </m:ctrlPr>
+                                    </m:sSubPr>
+                                    <m:e>
+                                      <m:r>
+                                        <a:rPr lang="en-US" i="1">
+                                          <a:latin typeface="Cambria Math" panose="02040503050406030204" pitchFamily="18" charset="0"/>
+                                          <a:ea typeface="Cambria Math" panose="02040503050406030204" pitchFamily="18" charset="0"/>
+                                        </a:rPr>
+                                        <m:t>𝑥</m:t>
+                                      </m:r>
+                                    </m:e>
+                                    <m:sub>
+                                      <m:r>
+                                        <a:rPr lang="en-US" i="1">
+                                          <a:latin typeface="Cambria Math" panose="02040503050406030204" pitchFamily="18" charset="0"/>
+                                          <a:ea typeface="Cambria Math" panose="02040503050406030204" pitchFamily="18" charset="0"/>
+                                        </a:rPr>
+                                        <m:t>𝑘</m:t>
+                                      </m:r>
+                                    </m:sub>
+                                  </m:sSub>
+                                </m:e>
+                              </m:d>
+                            </m:sub>
+                          </m:sSub>
+                          <m:d>
+                            <m:dPr>
+                              <m:begChr m:val="["/>
+                              <m:endChr m:val="]"/>
+                              <m:ctrlPr>
+                                <a:rPr lang="en-US" b="0" i="1" smtClean="0">
+                                  <a:latin typeface="Cambria Math" panose="02040503050406030204" pitchFamily="18" charset="0"/>
+                                  <a:ea typeface="Cambria Math" panose="02040503050406030204" pitchFamily="18" charset="0"/>
+                                </a:rPr>
+                              </m:ctrlPr>
+                            </m:dPr>
+                            <m:e>
+                              <m:d>
+                                <m:dPr>
+                                  <m:ctrlPr>
+                                    <a:rPr lang="en-US" b="0" i="1" smtClean="0">
+                                      <a:latin typeface="Cambria Math" panose="02040503050406030204" pitchFamily="18" charset="0"/>
+                                      <a:ea typeface="Cambria Math" panose="02040503050406030204" pitchFamily="18" charset="0"/>
+                                    </a:rPr>
+                                  </m:ctrlPr>
+                                </m:dPr>
+                                <m:e>
+                                  <m:sSup>
+                                    <m:sSupPr>
+                                      <m:ctrlPr>
+                                        <a:rPr lang="en-US" b="0" i="1" smtClean="0">
+                                          <a:latin typeface="Cambria Math" panose="02040503050406030204" pitchFamily="18" charset="0"/>
+                                          <a:ea typeface="Cambria Math" panose="02040503050406030204" pitchFamily="18" charset="0"/>
+                                        </a:rPr>
+                                      </m:ctrlPr>
+                                    </m:sSupPr>
+                                    <m:e>
+                                      <m:f>
+                                        <m:fPr>
+                                          <m:ctrlPr>
+                                            <a:rPr lang="en-US" i="1">
+                                              <a:latin typeface="Cambria Math" panose="02040503050406030204" pitchFamily="18" charset="0"/>
+                                              <a:ea typeface="Cambria Math" panose="02040503050406030204" pitchFamily="18" charset="0"/>
+                                            </a:rPr>
+                                          </m:ctrlPr>
+                                        </m:fPr>
+                                        <m:num>
+                                          <m:r>
+                                            <a:rPr lang="en-US" i="1">
+                                              <a:latin typeface="Cambria Math" panose="02040503050406030204" pitchFamily="18" charset="0"/>
+                                              <a:ea typeface="Cambria Math" panose="02040503050406030204" pitchFamily="18" charset="0"/>
+                                            </a:rPr>
+                                            <m:t>𝜕</m:t>
+                                          </m:r>
+                                          <m:r>
+                                            <a:rPr lang="en-US" i="1">
+                                              <a:latin typeface="Cambria Math" panose="02040503050406030204" pitchFamily="18" charset="0"/>
+                                              <a:ea typeface="Cambria Math" panose="02040503050406030204" pitchFamily="18" charset="0"/>
+                                            </a:rPr>
+                                            <m:t>𝑣</m:t>
+                                          </m:r>
+                                          <m:d>
+                                            <m:dPr>
+                                              <m:ctrlPr>
+                                                <a:rPr lang="en-US" i="1">
+                                                  <a:latin typeface="Cambria Math" panose="02040503050406030204" pitchFamily="18" charset="0"/>
+                                                  <a:ea typeface="Cambria Math" panose="02040503050406030204" pitchFamily="18" charset="0"/>
+                                                </a:rPr>
+                                              </m:ctrlPr>
+                                            </m:dPr>
+                                            <m:e>
+                                              <m:r>
+                                                <a:rPr lang="en-US" i="1">
+                                                  <a:latin typeface="Cambria Math" panose="02040503050406030204" pitchFamily="18" charset="0"/>
+                                                  <a:ea typeface="Cambria Math" panose="02040503050406030204" pitchFamily="18" charset="0"/>
+                                                </a:rPr>
+                                                <m:t>∙</m:t>
+                                              </m:r>
+                                              <m:r>
+                                                <a:rPr lang="en-US" i="1">
+                                                  <a:latin typeface="Cambria Math" panose="02040503050406030204" pitchFamily="18" charset="0"/>
+                                                  <a:ea typeface="Cambria Math" panose="02040503050406030204" pitchFamily="18" charset="0"/>
+                                                </a:rPr>
+                                                <m:t>;</m:t>
+                                              </m:r>
+                                              <m:r>
+                                                <a:rPr lang="en-US" i="1">
+                                                  <a:latin typeface="Cambria Math" panose="02040503050406030204" pitchFamily="18" charset="0"/>
+                                                  <a:ea typeface="Cambria Math" panose="02040503050406030204" pitchFamily="18" charset="0"/>
+                                                </a:rPr>
+                                                <m:t>𝜽</m:t>
+                                              </m:r>
+                                            </m:e>
+                                          </m:d>
+                                        </m:num>
+                                        <m:den>
+                                          <m:r>
+                                            <a:rPr lang="en-US" i="1">
+                                              <a:latin typeface="Cambria Math" panose="02040503050406030204" pitchFamily="18" charset="0"/>
+                                              <a:ea typeface="Cambria Math" panose="02040503050406030204" pitchFamily="18" charset="0"/>
+                                            </a:rPr>
+                                            <m:t>𝜕</m:t>
+                                          </m:r>
+                                          <m:sSub>
+                                            <m:sSubPr>
+                                              <m:ctrlPr>
+                                                <a:rPr lang="en-US" i="1">
+                                                  <a:latin typeface="Cambria Math" panose="02040503050406030204" pitchFamily="18" charset="0"/>
+                                                  <a:ea typeface="Cambria Math" panose="02040503050406030204" pitchFamily="18" charset="0"/>
+                                                </a:rPr>
+                                              </m:ctrlPr>
+                                            </m:sSubPr>
+                                            <m:e>
+                                              <m:r>
+                                                <a:rPr lang="en-US" i="1">
+                                                  <a:latin typeface="Cambria Math" panose="02040503050406030204" pitchFamily="18" charset="0"/>
+                                                  <a:ea typeface="Cambria Math" panose="02040503050406030204" pitchFamily="18" charset="0"/>
+                                                </a:rPr>
+                                                <m:t>𝜃</m:t>
+                                              </m:r>
+                                            </m:e>
+                                            <m:sub>
+                                              <m:r>
+                                                <a:rPr lang="en-US" i="1">
+                                                  <a:latin typeface="Cambria Math" panose="02040503050406030204" pitchFamily="18" charset="0"/>
+                                                  <a:ea typeface="Cambria Math" panose="02040503050406030204" pitchFamily="18" charset="0"/>
+                                                </a:rPr>
+                                                <m:t>𝑖</m:t>
+                                              </m:r>
+                                            </m:sub>
+                                          </m:sSub>
+                                        </m:den>
+                                      </m:f>
+                                    </m:e>
+                                    <m:sup>
+                                      <m:r>
+                                        <a:rPr lang="en-US" b="0" i="1" smtClean="0">
+                                          <a:latin typeface="Cambria Math" panose="02040503050406030204" pitchFamily="18" charset="0"/>
+                                          <a:ea typeface="Cambria Math" panose="02040503050406030204" pitchFamily="18" charset="0"/>
+                                        </a:rPr>
+                                        <m:t>2</m:t>
+                                      </m:r>
+                                    </m:sup>
+                                  </m:sSup>
+                                  <m:r>
+                                    <a:rPr lang="en-US" b="0" i="1" smtClean="0">
+                                      <a:latin typeface="Cambria Math" panose="02040503050406030204" pitchFamily="18" charset="0"/>
+                                      <a:ea typeface="Cambria Math" panose="02040503050406030204" pitchFamily="18" charset="0"/>
+                                    </a:rPr>
+                                    <m:t>−</m:t>
+                                  </m:r>
+                                  <m:f>
+                                    <m:fPr>
+                                      <m:ctrlPr>
+                                        <a:rPr lang="en-US" i="1">
+                                          <a:latin typeface="Cambria Math" panose="02040503050406030204" pitchFamily="18" charset="0"/>
+                                          <a:ea typeface="Cambria Math" panose="02040503050406030204" pitchFamily="18" charset="0"/>
+                                        </a:rPr>
+                                      </m:ctrlPr>
+                                    </m:fPr>
+                                    <m:num>
+                                      <m:r>
+                                        <a:rPr lang="en-US" i="1">
+                                          <a:latin typeface="Cambria Math" panose="02040503050406030204" pitchFamily="18" charset="0"/>
+                                          <a:ea typeface="Cambria Math" panose="02040503050406030204" pitchFamily="18" charset="0"/>
+                                        </a:rPr>
+                                        <m:t>𝜕</m:t>
+                                      </m:r>
+                                      <m:r>
+                                        <a:rPr lang="en-US" i="1">
+                                          <a:latin typeface="Cambria Math" panose="02040503050406030204" pitchFamily="18" charset="0"/>
+                                          <a:ea typeface="Cambria Math" panose="02040503050406030204" pitchFamily="18" charset="0"/>
+                                        </a:rPr>
+                                        <m:t>𝑣</m:t>
+                                      </m:r>
+                                      <m:d>
+                                        <m:dPr>
+                                          <m:ctrlPr>
+                                            <a:rPr lang="en-US" i="1">
+                                              <a:latin typeface="Cambria Math" panose="02040503050406030204" pitchFamily="18" charset="0"/>
+                                              <a:ea typeface="Cambria Math" panose="02040503050406030204" pitchFamily="18" charset="0"/>
+                                            </a:rPr>
+                                          </m:ctrlPr>
+                                        </m:dPr>
+                                        <m:e>
+                                          <m:r>
+                                            <a:rPr lang="en-US" i="1">
+                                              <a:latin typeface="Cambria Math" panose="02040503050406030204" pitchFamily="18" charset="0"/>
+                                              <a:ea typeface="Cambria Math" panose="02040503050406030204" pitchFamily="18" charset="0"/>
+                                            </a:rPr>
+                                            <m:t>∙</m:t>
+                                          </m:r>
+                                          <m:r>
+                                            <a:rPr lang="en-US" i="1">
+                                              <a:latin typeface="Cambria Math" panose="02040503050406030204" pitchFamily="18" charset="0"/>
+                                              <a:ea typeface="Cambria Math" panose="02040503050406030204" pitchFamily="18" charset="0"/>
+                                            </a:rPr>
+                                            <m:t>;</m:t>
+                                          </m:r>
+                                          <m:r>
+                                            <a:rPr lang="en-US" i="1">
+                                              <a:latin typeface="Cambria Math" panose="02040503050406030204" pitchFamily="18" charset="0"/>
+                                              <a:ea typeface="Cambria Math" panose="02040503050406030204" pitchFamily="18" charset="0"/>
+                                            </a:rPr>
+                                            <m:t>𝜽</m:t>
+                                          </m:r>
+                                        </m:e>
+                                      </m:d>
+                                    </m:num>
+                                    <m:den>
+                                      <m:r>
+                                        <a:rPr lang="en-US" i="1">
+                                          <a:latin typeface="Cambria Math" panose="02040503050406030204" pitchFamily="18" charset="0"/>
+                                          <a:ea typeface="Cambria Math" panose="02040503050406030204" pitchFamily="18" charset="0"/>
+                                        </a:rPr>
+                                        <m:t>𝜕</m:t>
+                                      </m:r>
+                                      <m:sSubSup>
+                                        <m:sSubSupPr>
+                                          <m:ctrlPr>
+                                            <a:rPr lang="en-US" i="1" smtClean="0">
+                                              <a:latin typeface="Cambria Math" panose="02040503050406030204" pitchFamily="18" charset="0"/>
+                                              <a:ea typeface="Cambria Math" panose="02040503050406030204" pitchFamily="18" charset="0"/>
+                                            </a:rPr>
+                                          </m:ctrlPr>
+                                        </m:sSubSupPr>
+                                        <m:e>
+                                          <m:r>
+                                            <a:rPr lang="en-US" i="1" smtClean="0">
+                                              <a:latin typeface="Cambria Math" panose="02040503050406030204" pitchFamily="18" charset="0"/>
+                                              <a:ea typeface="Cambria Math" panose="02040503050406030204" pitchFamily="18" charset="0"/>
+                                            </a:rPr>
+                                            <m:t>𝜃</m:t>
+                                          </m:r>
+                                        </m:e>
+                                        <m:sub>
+                                          <m:r>
+                                            <a:rPr lang="en-US" b="0" i="1" smtClean="0">
+                                              <a:latin typeface="Cambria Math" panose="02040503050406030204" pitchFamily="18" charset="0"/>
+                                              <a:ea typeface="Cambria Math" panose="02040503050406030204" pitchFamily="18" charset="0"/>
+                                            </a:rPr>
+                                            <m:t>𝑖</m:t>
+                                          </m:r>
+                                        </m:sub>
+                                        <m:sup>
+                                          <m:r>
+                                            <a:rPr lang="en-US" b="0" i="1" smtClean="0">
+                                              <a:latin typeface="Cambria Math" panose="02040503050406030204" pitchFamily="18" charset="0"/>
+                                              <a:ea typeface="Cambria Math" panose="02040503050406030204" pitchFamily="18" charset="0"/>
+                                            </a:rPr>
+                                            <m:t>2</m:t>
+                                          </m:r>
+                                        </m:sup>
+                                      </m:sSubSup>
+                                    </m:den>
+                                  </m:f>
+                                </m:e>
+                              </m:d>
+                              <m:func>
+                                <m:funcPr>
+                                  <m:ctrlPr>
+                                    <a:rPr lang="en-US" i="1">
+                                      <a:latin typeface="Cambria Math" panose="02040503050406030204" pitchFamily="18" charset="0"/>
+                                      <a:ea typeface="Cambria Math" panose="02040503050406030204" pitchFamily="18" charset="0"/>
+                                    </a:rPr>
+                                  </m:ctrlPr>
+                                </m:funcPr>
+                                <m:fName>
+                                  <m:r>
+                                    <m:rPr>
+                                      <m:sty m:val="p"/>
+                                    </m:rPr>
+                                    <a:rPr lang="en-US">
+                                      <a:latin typeface="Cambria Math" panose="02040503050406030204" pitchFamily="18" charset="0"/>
+                                      <a:ea typeface="Cambria Math" panose="02040503050406030204" pitchFamily="18" charset="0"/>
+                                    </a:rPr>
+                                    <m:t>exp</m:t>
+                                  </m:r>
+                                </m:fName>
+                                <m:e>
+                                  <m:d>
+                                    <m:dPr>
+                                      <m:ctrlPr>
+                                        <a:rPr lang="en-US" i="1">
+                                          <a:latin typeface="Cambria Math" panose="02040503050406030204" pitchFamily="18" charset="0"/>
+                                          <a:ea typeface="Cambria Math" panose="02040503050406030204" pitchFamily="18" charset="0"/>
+                                        </a:rPr>
+                                      </m:ctrlPr>
+                                    </m:dPr>
+                                    <m:e>
+                                      <m:r>
+                                        <a:rPr lang="en-US" i="1">
+                                          <a:latin typeface="Cambria Math" panose="02040503050406030204" pitchFamily="18" charset="0"/>
+                                          <a:ea typeface="Cambria Math" panose="02040503050406030204" pitchFamily="18" charset="0"/>
+                                        </a:rPr>
+                                        <m:t>−</m:t>
+                                      </m:r>
+                                      <m:r>
+                                        <a:rPr lang="en-US" i="1">
+                                          <a:latin typeface="Cambria Math" panose="02040503050406030204" pitchFamily="18" charset="0"/>
+                                          <a:ea typeface="Cambria Math" panose="02040503050406030204" pitchFamily="18" charset="0"/>
+                                        </a:rPr>
+                                        <m:t>𝑣</m:t>
+                                      </m:r>
+                                      <m:d>
+                                        <m:dPr>
+                                          <m:ctrlPr>
+                                            <a:rPr lang="en-US" i="1">
+                                              <a:latin typeface="Cambria Math" panose="02040503050406030204" pitchFamily="18" charset="0"/>
+                                              <a:ea typeface="Cambria Math" panose="02040503050406030204" pitchFamily="18" charset="0"/>
+                                            </a:rPr>
+                                          </m:ctrlPr>
+                                        </m:dPr>
+                                        <m:e>
+                                          <m:r>
+                                            <a:rPr lang="en-US" i="1">
+                                              <a:latin typeface="Cambria Math" panose="02040503050406030204" pitchFamily="18" charset="0"/>
+                                              <a:ea typeface="Cambria Math" panose="02040503050406030204" pitchFamily="18" charset="0"/>
+                                            </a:rPr>
+                                            <m:t>∙;</m:t>
+                                          </m:r>
+                                          <m:r>
+                                            <a:rPr lang="en-US" b="1" i="1">
+                                              <a:latin typeface="Cambria Math" panose="02040503050406030204" pitchFamily="18" charset="0"/>
+                                              <a:ea typeface="Cambria Math" panose="02040503050406030204" pitchFamily="18" charset="0"/>
+                                            </a:rPr>
+                                            <m:t>𝜽</m:t>
+                                          </m:r>
+                                        </m:e>
+                                      </m:d>
+                                    </m:e>
+                                  </m:d>
+                                </m:e>
+                              </m:func>
+                            </m:e>
+                          </m:d>
+                          <m:sSub>
+                            <m:sSubPr>
+                              <m:ctrlPr>
+                                <a:rPr lang="en-US" i="1">
+                                  <a:latin typeface="Cambria Math" panose="02040503050406030204" pitchFamily="18" charset="0"/>
+                                  <a:ea typeface="Cambria Math" panose="02040503050406030204" pitchFamily="18" charset="0"/>
+                                </a:rPr>
+                              </m:ctrlPr>
+                            </m:sSubPr>
+                            <m:e>
+                              <m:r>
+                                <a:rPr lang="en-US" i="1">
+                                  <a:latin typeface="Cambria Math" panose="02040503050406030204" pitchFamily="18" charset="0"/>
+                                  <a:ea typeface="Cambria Math" panose="02040503050406030204" pitchFamily="18" charset="0"/>
+                                </a:rPr>
+                                <m:t>𝐸</m:t>
+                              </m:r>
+                            </m:e>
+                            <m:sub>
+                              <m:sSup>
+                                <m:sSupPr>
+                                  <m:ctrlPr>
+                                    <a:rPr lang="en-US" i="1">
+                                      <a:latin typeface="Cambria Math" panose="02040503050406030204" pitchFamily="18" charset="0"/>
+                                      <a:ea typeface="Cambria Math" panose="02040503050406030204" pitchFamily="18" charset="0"/>
+                                    </a:rPr>
+                                  </m:ctrlPr>
+                                </m:sSupPr>
+                                <m:e>
+                                  <m:r>
+                                    <m:rPr>
+                                      <m:sty m:val="p"/>
+                                    </m:rPr>
+                                    <a:rPr lang="el-GR" i="1">
+                                      <a:latin typeface="Cambria Math" panose="02040503050406030204" pitchFamily="18" charset="0"/>
+                                      <a:ea typeface="Cambria Math" panose="02040503050406030204" pitchFamily="18" charset="0"/>
+                                    </a:rPr>
+                                    <m:t>Π</m:t>
+                                  </m:r>
+                                </m:e>
+                                <m:sup>
+                                  <m:r>
+                                    <a:rPr lang="en-US" i="1">
+                                      <a:latin typeface="Cambria Math" panose="02040503050406030204" pitchFamily="18" charset="0"/>
+                                      <a:ea typeface="Cambria Math" panose="02040503050406030204" pitchFamily="18" charset="0"/>
+                                    </a:rPr>
+                                    <m:t>0</m:t>
+                                  </m:r>
+                                </m:sup>
+                              </m:sSup>
+                              <m:d>
+                                <m:dPr>
+                                  <m:ctrlPr>
+                                    <a:rPr lang="en-US" i="1">
+                                      <a:latin typeface="Cambria Math" panose="02040503050406030204" pitchFamily="18" charset="0"/>
+                                      <a:ea typeface="Cambria Math" panose="02040503050406030204" pitchFamily="18" charset="0"/>
+                                    </a:rPr>
+                                  </m:ctrlPr>
+                                </m:dPr>
+                                <m:e>
+                                  <m:sSub>
+                                    <m:sSubPr>
+                                      <m:ctrlPr>
+                                        <a:rPr lang="en-US" i="1">
+                                          <a:latin typeface="Cambria Math" panose="02040503050406030204" pitchFamily="18" charset="0"/>
+                                          <a:ea typeface="Cambria Math" panose="02040503050406030204" pitchFamily="18" charset="0"/>
+                                        </a:rPr>
+                                      </m:ctrlPr>
+                                    </m:sSubPr>
+                                    <m:e>
+                                      <m:r>
+                                        <a:rPr lang="en-US" i="1">
+                                          <a:latin typeface="Cambria Math" panose="02040503050406030204" pitchFamily="18" charset="0"/>
+                                          <a:ea typeface="Cambria Math" panose="02040503050406030204" pitchFamily="18" charset="0"/>
+                                        </a:rPr>
+                                        <m:t>𝑥</m:t>
+                                      </m:r>
+                                    </m:e>
+                                    <m:sub>
+                                      <m:r>
+                                        <a:rPr lang="en-US" i="1">
+                                          <a:latin typeface="Cambria Math" panose="02040503050406030204" pitchFamily="18" charset="0"/>
+                                          <a:ea typeface="Cambria Math" panose="02040503050406030204" pitchFamily="18" charset="0"/>
+                                        </a:rPr>
+                                        <m:t>𝑘</m:t>
+                                      </m:r>
+                                    </m:sub>
+                                  </m:sSub>
+                                </m:e>
+                              </m:d>
+                            </m:sub>
+                          </m:sSub>
+                          <m:d>
+                            <m:dPr>
+                              <m:begChr m:val="["/>
+                              <m:endChr m:val="]"/>
+                              <m:ctrlPr>
+                                <a:rPr lang="en-US" i="1">
+                                  <a:latin typeface="Cambria Math" panose="02040503050406030204" pitchFamily="18" charset="0"/>
+                                  <a:ea typeface="Cambria Math" panose="02040503050406030204" pitchFamily="18" charset="0"/>
+                                </a:rPr>
+                              </m:ctrlPr>
+                            </m:dPr>
+                            <m:e>
+                              <m:func>
+                                <m:funcPr>
+                                  <m:ctrlPr>
+                                    <a:rPr lang="en-US" i="1">
+                                      <a:latin typeface="Cambria Math" panose="02040503050406030204" pitchFamily="18" charset="0"/>
+                                      <a:ea typeface="Cambria Math" panose="02040503050406030204" pitchFamily="18" charset="0"/>
+                                    </a:rPr>
+                                  </m:ctrlPr>
+                                </m:funcPr>
+                                <m:fName>
+                                  <m:r>
+                                    <m:rPr>
+                                      <m:sty m:val="p"/>
+                                    </m:rPr>
+                                    <a:rPr lang="en-US">
+                                      <a:latin typeface="Cambria Math" panose="02040503050406030204" pitchFamily="18" charset="0"/>
+                                      <a:ea typeface="Cambria Math" panose="02040503050406030204" pitchFamily="18" charset="0"/>
+                                    </a:rPr>
+                                    <m:t>exp</m:t>
+                                  </m:r>
+                                </m:fName>
+                                <m:e>
+                                  <m:d>
+                                    <m:dPr>
+                                      <m:ctrlPr>
+                                        <a:rPr lang="en-US" i="1">
+                                          <a:latin typeface="Cambria Math" panose="02040503050406030204" pitchFamily="18" charset="0"/>
+                                          <a:ea typeface="Cambria Math" panose="02040503050406030204" pitchFamily="18" charset="0"/>
+                                        </a:rPr>
+                                      </m:ctrlPr>
+                                    </m:dPr>
+                                    <m:e>
+                                      <m:r>
+                                        <a:rPr lang="en-US" i="1">
+                                          <a:latin typeface="Cambria Math" panose="02040503050406030204" pitchFamily="18" charset="0"/>
+                                          <a:ea typeface="Cambria Math" panose="02040503050406030204" pitchFamily="18" charset="0"/>
+                                        </a:rPr>
+                                        <m:t>−</m:t>
+                                      </m:r>
+                                      <m:r>
+                                        <a:rPr lang="en-US" i="1">
+                                          <a:latin typeface="Cambria Math" panose="02040503050406030204" pitchFamily="18" charset="0"/>
+                                          <a:ea typeface="Cambria Math" panose="02040503050406030204" pitchFamily="18" charset="0"/>
+                                        </a:rPr>
+                                        <m:t>𝑣</m:t>
+                                      </m:r>
+                                      <m:d>
+                                        <m:dPr>
+                                          <m:ctrlPr>
+                                            <a:rPr lang="en-US" i="1">
+                                              <a:latin typeface="Cambria Math" panose="02040503050406030204" pitchFamily="18" charset="0"/>
+                                              <a:ea typeface="Cambria Math" panose="02040503050406030204" pitchFamily="18" charset="0"/>
+                                            </a:rPr>
+                                          </m:ctrlPr>
+                                        </m:dPr>
+                                        <m:e>
+                                          <m:r>
+                                            <a:rPr lang="en-US" i="1">
+                                              <a:latin typeface="Cambria Math" panose="02040503050406030204" pitchFamily="18" charset="0"/>
+                                              <a:ea typeface="Cambria Math" panose="02040503050406030204" pitchFamily="18" charset="0"/>
+                                            </a:rPr>
+                                            <m:t>∙;</m:t>
+                                          </m:r>
+                                          <m:r>
+                                            <a:rPr lang="en-US" i="1">
+                                              <a:latin typeface="Cambria Math" panose="02040503050406030204" pitchFamily="18" charset="0"/>
+                                              <a:ea typeface="Cambria Math" panose="02040503050406030204" pitchFamily="18" charset="0"/>
+                                            </a:rPr>
+                                            <m:t>𝜽</m:t>
+                                          </m:r>
+                                        </m:e>
+                                      </m:d>
+                                    </m:e>
+                                  </m:d>
+                                </m:e>
+                              </m:func>
+                            </m:e>
+                          </m:d>
+                          <m:r>
+                            <a:rPr lang="en-US" b="0" i="1" smtClean="0">
+                              <a:latin typeface="Cambria Math" panose="02040503050406030204" pitchFamily="18" charset="0"/>
+                              <a:ea typeface="Cambria Math" panose="02040503050406030204" pitchFamily="18" charset="0"/>
+                            </a:rPr>
+                            <m:t>−</m:t>
+                          </m:r>
+                          <m:sSup>
+                            <m:sSupPr>
+                              <m:ctrlPr>
+                                <a:rPr lang="en-US" b="0" i="1" smtClean="0">
+                                  <a:latin typeface="Cambria Math" panose="02040503050406030204" pitchFamily="18" charset="0"/>
+                                  <a:ea typeface="Cambria Math" panose="02040503050406030204" pitchFamily="18" charset="0"/>
+                                </a:rPr>
+                              </m:ctrlPr>
+                            </m:sSupPr>
+                            <m:e>
+                              <m:sSub>
+                                <m:sSubPr>
+                                  <m:ctrlPr>
+                                    <a:rPr lang="en-US" i="1">
+                                      <a:latin typeface="Cambria Math" panose="02040503050406030204" pitchFamily="18" charset="0"/>
+                                      <a:ea typeface="Cambria Math" panose="02040503050406030204" pitchFamily="18" charset="0"/>
+                                    </a:rPr>
+                                  </m:ctrlPr>
+                                </m:sSubPr>
+                                <m:e>
+                                  <m:r>
+                                    <a:rPr lang="en-US" i="1">
+                                      <a:latin typeface="Cambria Math" panose="02040503050406030204" pitchFamily="18" charset="0"/>
+                                      <a:ea typeface="Cambria Math" panose="02040503050406030204" pitchFamily="18" charset="0"/>
+                                    </a:rPr>
+                                    <m:t>𝐸</m:t>
+                                  </m:r>
+                                </m:e>
+                                <m:sub>
+                                  <m:sSup>
+                                    <m:sSupPr>
+                                      <m:ctrlPr>
+                                        <a:rPr lang="en-US" i="1">
+                                          <a:latin typeface="Cambria Math" panose="02040503050406030204" pitchFamily="18" charset="0"/>
+                                          <a:ea typeface="Cambria Math" panose="02040503050406030204" pitchFamily="18" charset="0"/>
+                                        </a:rPr>
+                                      </m:ctrlPr>
+                                    </m:sSupPr>
+                                    <m:e>
+                                      <m:r>
+                                        <m:rPr>
+                                          <m:sty m:val="p"/>
+                                        </m:rPr>
+                                        <a:rPr lang="el-GR" i="1">
+                                          <a:latin typeface="Cambria Math" panose="02040503050406030204" pitchFamily="18" charset="0"/>
+                                          <a:ea typeface="Cambria Math" panose="02040503050406030204" pitchFamily="18" charset="0"/>
+                                        </a:rPr>
+                                        <m:t>Π</m:t>
+                                      </m:r>
+                                    </m:e>
+                                    <m:sup>
+                                      <m:r>
+                                        <a:rPr lang="en-US" i="1">
+                                          <a:latin typeface="Cambria Math" panose="02040503050406030204" pitchFamily="18" charset="0"/>
+                                          <a:ea typeface="Cambria Math" panose="02040503050406030204" pitchFamily="18" charset="0"/>
+                                        </a:rPr>
+                                        <m:t>0</m:t>
+                                      </m:r>
+                                    </m:sup>
+                                  </m:sSup>
+                                  <m:d>
+                                    <m:dPr>
+                                      <m:ctrlPr>
+                                        <a:rPr lang="en-US" i="1">
+                                          <a:latin typeface="Cambria Math" panose="02040503050406030204" pitchFamily="18" charset="0"/>
+                                          <a:ea typeface="Cambria Math" panose="02040503050406030204" pitchFamily="18" charset="0"/>
+                                        </a:rPr>
+                                      </m:ctrlPr>
+                                    </m:dPr>
+                                    <m:e>
+                                      <m:sSub>
+                                        <m:sSubPr>
+                                          <m:ctrlPr>
+                                            <a:rPr lang="en-US" i="1">
+                                              <a:latin typeface="Cambria Math" panose="02040503050406030204" pitchFamily="18" charset="0"/>
+                                              <a:ea typeface="Cambria Math" panose="02040503050406030204" pitchFamily="18" charset="0"/>
+                                            </a:rPr>
+                                          </m:ctrlPr>
+                                        </m:sSubPr>
+                                        <m:e>
+                                          <m:r>
+                                            <a:rPr lang="en-US" i="1">
+                                              <a:latin typeface="Cambria Math" panose="02040503050406030204" pitchFamily="18" charset="0"/>
+                                              <a:ea typeface="Cambria Math" panose="02040503050406030204" pitchFamily="18" charset="0"/>
+                                            </a:rPr>
+                                            <m:t>𝑥</m:t>
+                                          </m:r>
+                                        </m:e>
+                                        <m:sub>
+                                          <m:r>
+                                            <a:rPr lang="en-US" i="1">
+                                              <a:latin typeface="Cambria Math" panose="02040503050406030204" pitchFamily="18" charset="0"/>
+                                              <a:ea typeface="Cambria Math" panose="02040503050406030204" pitchFamily="18" charset="0"/>
+                                            </a:rPr>
+                                            <m:t>𝑘</m:t>
+                                          </m:r>
+                                        </m:sub>
+                                      </m:sSub>
+                                    </m:e>
+                                  </m:d>
+                                </m:sub>
+                              </m:sSub>
+                              <m:r>
+                                <a:rPr lang="en-US" i="1">
+                                  <a:latin typeface="Cambria Math" panose="02040503050406030204" pitchFamily="18" charset="0"/>
+                                  <a:ea typeface="Cambria Math" panose="02040503050406030204" pitchFamily="18" charset="0"/>
+                                </a:rPr>
+                                <m:t>[−</m:t>
+                              </m:r>
+                              <m:f>
+                                <m:fPr>
+                                  <m:ctrlPr>
+                                    <a:rPr lang="en-US" i="1">
+                                      <a:latin typeface="Cambria Math" panose="02040503050406030204" pitchFamily="18" charset="0"/>
+                                      <a:ea typeface="Cambria Math" panose="02040503050406030204" pitchFamily="18" charset="0"/>
+                                    </a:rPr>
+                                  </m:ctrlPr>
+                                </m:fPr>
+                                <m:num>
+                                  <m:r>
+                                    <a:rPr lang="en-US" i="1">
+                                      <a:latin typeface="Cambria Math" panose="02040503050406030204" pitchFamily="18" charset="0"/>
+                                      <a:ea typeface="Cambria Math" panose="02040503050406030204" pitchFamily="18" charset="0"/>
+                                    </a:rPr>
+                                    <m:t>𝜕</m:t>
+                                  </m:r>
+                                  <m:r>
+                                    <a:rPr lang="en-US" i="1">
+                                      <a:latin typeface="Cambria Math" panose="02040503050406030204" pitchFamily="18" charset="0"/>
+                                      <a:ea typeface="Cambria Math" panose="02040503050406030204" pitchFamily="18" charset="0"/>
+                                    </a:rPr>
+                                    <m:t>𝑣</m:t>
+                                  </m:r>
+                                  <m:d>
+                                    <m:dPr>
+                                      <m:ctrlPr>
+                                        <a:rPr lang="en-US" i="1">
+                                          <a:latin typeface="Cambria Math" panose="02040503050406030204" pitchFamily="18" charset="0"/>
+                                          <a:ea typeface="Cambria Math" panose="02040503050406030204" pitchFamily="18" charset="0"/>
+                                        </a:rPr>
+                                      </m:ctrlPr>
+                                    </m:dPr>
+                                    <m:e>
+                                      <m:r>
+                                        <a:rPr lang="en-US" i="1">
+                                          <a:latin typeface="Cambria Math" panose="02040503050406030204" pitchFamily="18" charset="0"/>
+                                          <a:ea typeface="Cambria Math" panose="02040503050406030204" pitchFamily="18" charset="0"/>
+                                        </a:rPr>
+                                        <m:t>∙;</m:t>
+                                      </m:r>
+                                      <m:r>
+                                        <a:rPr lang="en-US" i="1">
+                                          <a:latin typeface="Cambria Math" panose="02040503050406030204" pitchFamily="18" charset="0"/>
+                                          <a:ea typeface="Cambria Math" panose="02040503050406030204" pitchFamily="18" charset="0"/>
+                                        </a:rPr>
+                                        <m:t>𝜽</m:t>
+                                      </m:r>
+                                    </m:e>
+                                  </m:d>
+                                </m:num>
+                                <m:den>
+                                  <m:r>
+                                    <a:rPr lang="en-US" i="1">
+                                      <a:latin typeface="Cambria Math" panose="02040503050406030204" pitchFamily="18" charset="0"/>
+                                      <a:ea typeface="Cambria Math" panose="02040503050406030204" pitchFamily="18" charset="0"/>
+                                    </a:rPr>
+                                    <m:t>𝜕</m:t>
+                                  </m:r>
+                                  <m:sSub>
+                                    <m:sSubPr>
+                                      <m:ctrlPr>
+                                        <a:rPr lang="en-US" i="1">
+                                          <a:latin typeface="Cambria Math" panose="02040503050406030204" pitchFamily="18" charset="0"/>
+                                          <a:ea typeface="Cambria Math" panose="02040503050406030204" pitchFamily="18" charset="0"/>
+                                        </a:rPr>
+                                      </m:ctrlPr>
+                                    </m:sSubPr>
+                                    <m:e>
+                                      <m:r>
+                                        <a:rPr lang="en-US" i="1">
+                                          <a:latin typeface="Cambria Math" panose="02040503050406030204" pitchFamily="18" charset="0"/>
+                                          <a:ea typeface="Cambria Math" panose="02040503050406030204" pitchFamily="18" charset="0"/>
+                                        </a:rPr>
+                                        <m:t>𝜃</m:t>
+                                      </m:r>
+                                    </m:e>
+                                    <m:sub>
+                                      <m:r>
+                                        <a:rPr lang="en-US" i="1">
+                                          <a:latin typeface="Cambria Math" panose="02040503050406030204" pitchFamily="18" charset="0"/>
+                                          <a:ea typeface="Cambria Math" panose="02040503050406030204" pitchFamily="18" charset="0"/>
+                                        </a:rPr>
+                                        <m:t>𝑖</m:t>
+                                      </m:r>
+                                    </m:sub>
+                                  </m:sSub>
+                                </m:den>
+                              </m:f>
+                              <m:func>
+                                <m:funcPr>
+                                  <m:ctrlPr>
+                                    <a:rPr lang="en-US" i="1">
+                                      <a:latin typeface="Cambria Math" panose="02040503050406030204" pitchFamily="18" charset="0"/>
+                                      <a:ea typeface="Cambria Math" panose="02040503050406030204" pitchFamily="18" charset="0"/>
+                                    </a:rPr>
+                                  </m:ctrlPr>
+                                </m:funcPr>
+                                <m:fName>
+                                  <m:r>
+                                    <m:rPr>
+                                      <m:sty m:val="p"/>
+                                    </m:rPr>
+                                    <a:rPr lang="en-US">
+                                      <a:latin typeface="Cambria Math" panose="02040503050406030204" pitchFamily="18" charset="0"/>
+                                      <a:ea typeface="Cambria Math" panose="02040503050406030204" pitchFamily="18" charset="0"/>
+                                    </a:rPr>
+                                    <m:t>exp</m:t>
+                                  </m:r>
+                                </m:fName>
+                                <m:e>
+                                  <m:d>
+                                    <m:dPr>
+                                      <m:ctrlPr>
+                                        <a:rPr lang="en-US" i="1">
+                                          <a:latin typeface="Cambria Math" panose="02040503050406030204" pitchFamily="18" charset="0"/>
+                                          <a:ea typeface="Cambria Math" panose="02040503050406030204" pitchFamily="18" charset="0"/>
+                                        </a:rPr>
+                                      </m:ctrlPr>
+                                    </m:dPr>
+                                    <m:e>
+                                      <m:r>
+                                        <a:rPr lang="en-US" i="1">
+                                          <a:latin typeface="Cambria Math" panose="02040503050406030204" pitchFamily="18" charset="0"/>
+                                          <a:ea typeface="Cambria Math" panose="02040503050406030204" pitchFamily="18" charset="0"/>
+                                        </a:rPr>
+                                        <m:t>−</m:t>
+                                      </m:r>
+                                      <m:r>
+                                        <a:rPr lang="en-US" i="1">
+                                          <a:latin typeface="Cambria Math" panose="02040503050406030204" pitchFamily="18" charset="0"/>
+                                          <a:ea typeface="Cambria Math" panose="02040503050406030204" pitchFamily="18" charset="0"/>
+                                        </a:rPr>
+                                        <m:t>𝑣</m:t>
+                                      </m:r>
+                                      <m:d>
+                                        <m:dPr>
+                                          <m:ctrlPr>
+                                            <a:rPr lang="en-US" i="1">
+                                              <a:latin typeface="Cambria Math" panose="02040503050406030204" pitchFamily="18" charset="0"/>
+                                              <a:ea typeface="Cambria Math" panose="02040503050406030204" pitchFamily="18" charset="0"/>
+                                            </a:rPr>
+                                          </m:ctrlPr>
+                                        </m:dPr>
+                                        <m:e>
+                                          <m:r>
+                                            <a:rPr lang="en-US" i="1">
+                                              <a:latin typeface="Cambria Math" panose="02040503050406030204" pitchFamily="18" charset="0"/>
+                                              <a:ea typeface="Cambria Math" panose="02040503050406030204" pitchFamily="18" charset="0"/>
+                                            </a:rPr>
+                                            <m:t>∙;</m:t>
+                                          </m:r>
+                                          <m:r>
+                                            <a:rPr lang="en-US" b="1" i="1">
+                                              <a:latin typeface="Cambria Math" panose="02040503050406030204" pitchFamily="18" charset="0"/>
+                                              <a:ea typeface="Cambria Math" panose="02040503050406030204" pitchFamily="18" charset="0"/>
+                                            </a:rPr>
+                                            <m:t>𝜽</m:t>
+                                          </m:r>
+                                        </m:e>
+                                      </m:d>
+                                    </m:e>
+                                  </m:d>
+                                </m:e>
+                              </m:func>
+                              <m:r>
+                                <a:rPr lang="en-US" i="1">
+                                  <a:latin typeface="Cambria Math" panose="02040503050406030204" pitchFamily="18" charset="0"/>
+                                  <a:ea typeface="Cambria Math" panose="02040503050406030204" pitchFamily="18" charset="0"/>
+                                </a:rPr>
+                                <m:t>]</m:t>
+                              </m:r>
+                            </m:e>
+                            <m:sup>
+                              <m:r>
+                                <a:rPr lang="en-US" b="0" i="1" smtClean="0">
+                                  <a:latin typeface="Cambria Math" panose="02040503050406030204" pitchFamily="18" charset="0"/>
+                                  <a:ea typeface="Cambria Math" panose="02040503050406030204" pitchFamily="18" charset="0"/>
+                                </a:rPr>
+                                <m:t>2</m:t>
+                              </m:r>
+                            </m:sup>
+                          </m:sSup>
+                        </m:num>
+                        <m:den>
+                          <m:sSup>
+                            <m:sSupPr>
+                              <m:ctrlPr>
+                                <a:rPr lang="en-US" b="0" i="1" smtClean="0">
+                                  <a:latin typeface="Cambria Math" panose="02040503050406030204" pitchFamily="18" charset="0"/>
+                                  <a:ea typeface="Cambria Math" panose="02040503050406030204" pitchFamily="18" charset="0"/>
+                                </a:rPr>
+                              </m:ctrlPr>
+                            </m:sSupPr>
+                            <m:e>
+                              <m:sSub>
+                                <m:sSubPr>
+                                  <m:ctrlPr>
+                                    <a:rPr lang="en-US" i="1">
+                                      <a:latin typeface="Cambria Math" panose="02040503050406030204" pitchFamily="18" charset="0"/>
+                                      <a:ea typeface="Cambria Math" panose="02040503050406030204" pitchFamily="18" charset="0"/>
+                                    </a:rPr>
+                                  </m:ctrlPr>
+                                </m:sSubPr>
+                                <m:e>
+                                  <m:r>
+                                    <a:rPr lang="en-US" i="1">
+                                      <a:latin typeface="Cambria Math" panose="02040503050406030204" pitchFamily="18" charset="0"/>
+                                      <a:ea typeface="Cambria Math" panose="02040503050406030204" pitchFamily="18" charset="0"/>
+                                    </a:rPr>
+                                    <m:t>𝐸</m:t>
+                                  </m:r>
+                                </m:e>
+                                <m:sub>
+                                  <m:sSup>
+                                    <m:sSupPr>
+                                      <m:ctrlPr>
+                                        <a:rPr lang="en-US" i="1">
+                                          <a:latin typeface="Cambria Math" panose="02040503050406030204" pitchFamily="18" charset="0"/>
+                                          <a:ea typeface="Cambria Math" panose="02040503050406030204" pitchFamily="18" charset="0"/>
+                                        </a:rPr>
+                                      </m:ctrlPr>
+                                    </m:sSupPr>
+                                    <m:e>
+                                      <m:r>
+                                        <m:rPr>
+                                          <m:sty m:val="p"/>
+                                        </m:rPr>
+                                        <a:rPr lang="el-GR" i="1">
+                                          <a:latin typeface="Cambria Math" panose="02040503050406030204" pitchFamily="18" charset="0"/>
+                                          <a:ea typeface="Cambria Math" panose="02040503050406030204" pitchFamily="18" charset="0"/>
+                                        </a:rPr>
+                                        <m:t>Π</m:t>
+                                      </m:r>
+                                    </m:e>
+                                    <m:sup>
+                                      <m:r>
+                                        <a:rPr lang="en-US" i="1">
+                                          <a:latin typeface="Cambria Math" panose="02040503050406030204" pitchFamily="18" charset="0"/>
+                                          <a:ea typeface="Cambria Math" panose="02040503050406030204" pitchFamily="18" charset="0"/>
+                                        </a:rPr>
+                                        <m:t>0</m:t>
+                                      </m:r>
+                                    </m:sup>
+                                  </m:sSup>
+                                  <m:d>
+                                    <m:dPr>
+                                      <m:ctrlPr>
+                                        <a:rPr lang="en-US" i="1">
+                                          <a:latin typeface="Cambria Math" panose="02040503050406030204" pitchFamily="18" charset="0"/>
+                                          <a:ea typeface="Cambria Math" panose="02040503050406030204" pitchFamily="18" charset="0"/>
+                                        </a:rPr>
+                                      </m:ctrlPr>
+                                    </m:dPr>
+                                    <m:e>
+                                      <m:sSub>
+                                        <m:sSubPr>
+                                          <m:ctrlPr>
+                                            <a:rPr lang="en-US" i="1">
+                                              <a:latin typeface="Cambria Math" panose="02040503050406030204" pitchFamily="18" charset="0"/>
+                                              <a:ea typeface="Cambria Math" panose="02040503050406030204" pitchFamily="18" charset="0"/>
+                                            </a:rPr>
+                                          </m:ctrlPr>
+                                        </m:sSubPr>
+                                        <m:e>
+                                          <m:r>
+                                            <a:rPr lang="en-US" i="1">
+                                              <a:latin typeface="Cambria Math" panose="02040503050406030204" pitchFamily="18" charset="0"/>
+                                              <a:ea typeface="Cambria Math" panose="02040503050406030204" pitchFamily="18" charset="0"/>
+                                            </a:rPr>
+                                            <m:t>𝑥</m:t>
+                                          </m:r>
+                                        </m:e>
+                                        <m:sub>
+                                          <m:r>
+                                            <a:rPr lang="en-US" i="1">
+                                              <a:latin typeface="Cambria Math" panose="02040503050406030204" pitchFamily="18" charset="0"/>
+                                              <a:ea typeface="Cambria Math" panose="02040503050406030204" pitchFamily="18" charset="0"/>
+                                            </a:rPr>
+                                            <m:t>𝑘</m:t>
+                                          </m:r>
+                                        </m:sub>
+                                      </m:sSub>
+                                    </m:e>
+                                  </m:d>
+                                </m:sub>
+                              </m:sSub>
+                              <m:d>
+                                <m:dPr>
+                                  <m:begChr m:val="["/>
+                                  <m:endChr m:val="]"/>
+                                  <m:ctrlPr>
+                                    <a:rPr lang="en-US" i="1">
+                                      <a:latin typeface="Cambria Math" panose="02040503050406030204" pitchFamily="18" charset="0"/>
+                                      <a:ea typeface="Cambria Math" panose="02040503050406030204" pitchFamily="18" charset="0"/>
+                                    </a:rPr>
+                                  </m:ctrlPr>
+                                </m:dPr>
+                                <m:e>
+                                  <m:func>
+                                    <m:funcPr>
+                                      <m:ctrlPr>
+                                        <a:rPr lang="en-US" i="1">
+                                          <a:latin typeface="Cambria Math" panose="02040503050406030204" pitchFamily="18" charset="0"/>
+                                          <a:ea typeface="Cambria Math" panose="02040503050406030204" pitchFamily="18" charset="0"/>
+                                        </a:rPr>
+                                      </m:ctrlPr>
+                                    </m:funcPr>
+                                    <m:fName>
+                                      <m:r>
+                                        <m:rPr>
+                                          <m:sty m:val="p"/>
+                                        </m:rPr>
+                                        <a:rPr lang="en-US">
+                                          <a:latin typeface="Cambria Math" panose="02040503050406030204" pitchFamily="18" charset="0"/>
+                                          <a:ea typeface="Cambria Math" panose="02040503050406030204" pitchFamily="18" charset="0"/>
+                                        </a:rPr>
+                                        <m:t>exp</m:t>
+                                      </m:r>
+                                    </m:fName>
+                                    <m:e>
+                                      <m:d>
+                                        <m:dPr>
+                                          <m:ctrlPr>
+                                            <a:rPr lang="en-US" i="1">
+                                              <a:latin typeface="Cambria Math" panose="02040503050406030204" pitchFamily="18" charset="0"/>
+                                              <a:ea typeface="Cambria Math" panose="02040503050406030204" pitchFamily="18" charset="0"/>
+                                            </a:rPr>
+                                          </m:ctrlPr>
+                                        </m:dPr>
+                                        <m:e>
+                                          <m:r>
+                                            <a:rPr lang="en-US" i="1">
+                                              <a:latin typeface="Cambria Math" panose="02040503050406030204" pitchFamily="18" charset="0"/>
+                                              <a:ea typeface="Cambria Math" panose="02040503050406030204" pitchFamily="18" charset="0"/>
+                                            </a:rPr>
+                                            <m:t>−</m:t>
+                                          </m:r>
+                                          <m:r>
+                                            <a:rPr lang="en-US" i="1">
+                                              <a:latin typeface="Cambria Math" panose="02040503050406030204" pitchFamily="18" charset="0"/>
+                                              <a:ea typeface="Cambria Math" panose="02040503050406030204" pitchFamily="18" charset="0"/>
+                                            </a:rPr>
+                                            <m:t>𝑣</m:t>
+                                          </m:r>
+                                          <m:d>
+                                            <m:dPr>
+                                              <m:ctrlPr>
+                                                <a:rPr lang="en-US" i="1">
+                                                  <a:latin typeface="Cambria Math" panose="02040503050406030204" pitchFamily="18" charset="0"/>
+                                                  <a:ea typeface="Cambria Math" panose="02040503050406030204" pitchFamily="18" charset="0"/>
+                                                </a:rPr>
+                                              </m:ctrlPr>
+                                            </m:dPr>
+                                            <m:e>
+                                              <m:r>
+                                                <a:rPr lang="en-US" i="1">
+                                                  <a:latin typeface="Cambria Math" panose="02040503050406030204" pitchFamily="18" charset="0"/>
+                                                  <a:ea typeface="Cambria Math" panose="02040503050406030204" pitchFamily="18" charset="0"/>
+                                                </a:rPr>
+                                                <m:t>∙;</m:t>
+                                              </m:r>
+                                              <m:r>
+                                                <a:rPr lang="en-US" i="1">
+                                                  <a:latin typeface="Cambria Math" panose="02040503050406030204" pitchFamily="18" charset="0"/>
+                                                  <a:ea typeface="Cambria Math" panose="02040503050406030204" pitchFamily="18" charset="0"/>
+                                                </a:rPr>
+                                                <m:t>𝜽</m:t>
+                                              </m:r>
+                                            </m:e>
+                                          </m:d>
+                                        </m:e>
+                                      </m:d>
+                                    </m:e>
+                                  </m:func>
+                                </m:e>
+                              </m:d>
+                            </m:e>
+                            <m:sup>
+                              <m:r>
+                                <a:rPr lang="en-US" b="0" i="1" smtClean="0">
+                                  <a:latin typeface="Cambria Math" panose="02040503050406030204" pitchFamily="18" charset="0"/>
+                                  <a:ea typeface="Cambria Math" panose="02040503050406030204" pitchFamily="18" charset="0"/>
+                                </a:rPr>
+                                <m:t>2</m:t>
+                              </m:r>
+                            </m:sup>
+                          </m:sSup>
+                        </m:den>
+                      </m:f>
+                    </m:oMath>
+                  </m:oMathPara>
+                </a14:m>
+                <a:endParaRPr lang="en-US" dirty="0"/>
+              </a:p>
+              <a:p>
+                <a:pPr marL="0" indent="0">
+                  <a:buNone/>
+                </a:pPr>
+                <a:endParaRPr lang="en-US" dirty="0"/>
+              </a:p>
+            </p:txBody>
+          </p:sp>
+        </mc:Choice>
+        <mc:Fallback>
+          <p:sp>
+            <p:nvSpPr>
+              <p:cNvPr id="3" name="Content Placeholder 2">
+                <a:extLst>
+                  <a:ext uri="{FF2B5EF4-FFF2-40B4-BE49-F238E27FC236}">
+                    <a16:creationId xmlns:a16="http://schemas.microsoft.com/office/drawing/2014/main" id="{CBBAC521-9E8E-0CE0-84DA-DBEB70A5A320}"/>
+                  </a:ext>
+                </a:extLst>
+              </p:cNvPr>
+              <p:cNvSpPr>
+                <a:spLocks noGrp="1" noRot="1" noChangeAspect="1" noMove="1" noResize="1" noEditPoints="1" noAdjustHandles="1" noChangeArrowheads="1" noChangeShapeType="1" noTextEdit="1"/>
+              </p:cNvSpPr>
+              <p:nvPr>
+                <p:ph idx="1"/>
+              </p:nvPr>
+            </p:nvSpPr>
+            <p:spPr>
+              <a:blipFill>
+                <a:blip r:embed="rId2"/>
+                <a:stretch>
+                  <a:fillRect l="-2292" t="-2035"/>
+                </a:stretch>
+              </a:blipFill>
+            </p:spPr>
+            <p:txBody>
+              <a:bodyPr/>
+              <a:lstStyle/>
+              <a:p>
+                <a:r>
+                  <a:rPr lang="en-US">
+                    <a:noFill/>
+                  </a:rPr>
+                  <a:t> </a:t>
+                </a:r>
+              </a:p>
+            </p:txBody>
+          </p:sp>
+        </mc:Fallback>
+      </mc:AlternateContent>
+    </p:spTree>
+    <p:extLst>
+      <p:ext uri="{BB962C8B-B14F-4D97-AF65-F5344CB8AC3E}">
+        <p14:creationId xmlns:p14="http://schemas.microsoft.com/office/powerpoint/2010/main" val="297058805"/>
+      </p:ext>
+    </p:extLst>
+  </p:cSld>
+  <p:clrMapOvr>
+    <a:masterClrMapping/>
+  </p:clrMapOvr>
+</p:sld>
+</file>
+
+<file path=ppt/slides/slide57.xml><?xml version="1.0" encoding="utf-8"?>
+<p:sld xmlns:a="http://schemas.openxmlformats.org/drawingml/2006/main" xmlns:r="http://schemas.openxmlformats.org/officeDocument/2006/relationships" xmlns:p="http://schemas.openxmlformats.org/presentationml/2006/main">
+  <p:cSld>
+    <p:spTree>
+      <p:nvGrpSpPr>
+        <p:cNvPr id="1" name=""/>
+        <p:cNvGrpSpPr/>
+        <p:nvPr/>
+      </p:nvGrpSpPr>
+      <p:grpSpPr>
+        <a:xfrm>
+          <a:off x="0" y="0"/>
+          <a:ext cx="0" cy="0"/>
+          <a:chOff x="0" y="0"/>
+          <a:chExt cx="0" cy="0"/>
+        </a:xfrm>
+      </p:grpSpPr>
+      <p:sp>
+        <p:nvSpPr>
+          <p:cNvPr id="2" name="Title 1">
+            <a:extLst>
+              <a:ext uri="{FF2B5EF4-FFF2-40B4-BE49-F238E27FC236}">
+                <a16:creationId xmlns:a16="http://schemas.microsoft.com/office/drawing/2014/main" id="{538D4931-42A8-1DC4-F862-7FDBF7A8FCE8}"/>
+              </a:ext>
+            </a:extLst>
+          </p:cNvPr>
+          <p:cNvSpPr>
+            <a:spLocks noGrp="1"/>
+          </p:cNvSpPr>
+          <p:nvPr>
+            <p:ph type="title"/>
+          </p:nvPr>
+        </p:nvSpPr>
+        <p:spPr/>
+        <p:txBody>
+          <a:bodyPr/>
+          <a:lstStyle/>
+          <a:p>
+            <a:r>
+              <a:rPr lang="en-US" dirty="0"/>
+              <a:t>Hessian for </a:t>
+            </a:r>
+            <a:r>
+              <a:rPr lang="en-US" dirty="0" err="1"/>
+              <a:t>OptV</a:t>
+            </a:r>
+            <a:r>
+              <a:rPr lang="en-US" dirty="0"/>
+              <a:t> (off-diagonal)</a:t>
+            </a:r>
+          </a:p>
+        </p:txBody>
+      </p:sp>
+      <mc:AlternateContent xmlns:mc="http://schemas.openxmlformats.org/markup-compatibility/2006">
+        <mc:Choice xmlns:a14="http://schemas.microsoft.com/office/drawing/2010/main" Requires="a14">
+          <p:sp>
+            <p:nvSpPr>
+              <p:cNvPr id="3" name="Content Placeholder 2">
+                <a:extLst>
+                  <a:ext uri="{FF2B5EF4-FFF2-40B4-BE49-F238E27FC236}">
+                    <a16:creationId xmlns:a16="http://schemas.microsoft.com/office/drawing/2014/main" id="{CBBAC521-9E8E-0CE0-84DA-DBEB70A5A320}"/>
+                  </a:ext>
+                </a:extLst>
+              </p:cNvPr>
+              <p:cNvSpPr>
+                <a:spLocks noGrp="1"/>
+              </p:cNvSpPr>
+              <p:nvPr>
+                <p:ph idx="1"/>
+              </p:nvPr>
+            </p:nvSpPr>
+            <p:spPr/>
+            <p:txBody>
+              <a:bodyPr>
+                <a:normAutofit fontScale="32500" lnSpcReduction="20000"/>
+              </a:bodyPr>
+              <a:lstStyle/>
+              <a:p>
+                <a:pPr marL="0" indent="0">
+                  <a:buNone/>
+                </a:pPr>
+                <a14:m>
+                  <m:oMathPara xmlns:m="http://schemas.openxmlformats.org/officeDocument/2006/math">
+                    <m:oMathParaPr>
+                      <m:jc m:val="centerGroup"/>
+                    </m:oMathParaPr>
+                    <m:oMath xmlns:m="http://schemas.openxmlformats.org/officeDocument/2006/math">
+                      <m:f>
+                        <m:fPr>
+                          <m:ctrlPr>
+                            <a:rPr lang="en-US" i="1" smtClean="0">
+                              <a:latin typeface="Cambria Math" panose="02040503050406030204" pitchFamily="18" charset="0"/>
+                            </a:rPr>
+                          </m:ctrlPr>
+                        </m:fPr>
+                        <m:num>
+                          <m:r>
+                            <a:rPr lang="en-US" i="1" smtClean="0">
+                              <a:latin typeface="Cambria Math" panose="02040503050406030204" pitchFamily="18" charset="0"/>
+                            </a:rPr>
+                            <m:t>𝜕</m:t>
+                          </m:r>
+                          <m:r>
+                            <a:rPr lang="en-US" b="0" i="1" smtClean="0">
+                              <a:latin typeface="Cambria Math" panose="02040503050406030204" pitchFamily="18" charset="0"/>
+                            </a:rPr>
+                            <m:t>𝐿</m:t>
+                          </m:r>
+                          <m:r>
+                            <a:rPr lang="en-US" b="0" i="1" smtClean="0">
+                              <a:latin typeface="Cambria Math" panose="02040503050406030204" pitchFamily="18" charset="0"/>
+                            </a:rPr>
+                            <m:t>[</m:t>
+                          </m:r>
+                          <m:r>
+                            <a:rPr lang="en-US" b="0" i="1" smtClean="0">
+                              <a:latin typeface="Cambria Math" panose="02040503050406030204" pitchFamily="18" charset="0"/>
+                            </a:rPr>
+                            <m:t>𝑣</m:t>
+                          </m:r>
+                          <m:d>
+                            <m:dPr>
+                              <m:ctrlPr>
+                                <a:rPr lang="en-US" b="0" i="1" smtClean="0">
+                                  <a:latin typeface="Cambria Math" panose="02040503050406030204" pitchFamily="18" charset="0"/>
+                                </a:rPr>
+                              </m:ctrlPr>
+                            </m:dPr>
+                            <m:e>
+                              <m:r>
+                                <a:rPr lang="en-US" b="0" i="1" smtClean="0">
+                                  <a:latin typeface="Cambria Math" panose="02040503050406030204" pitchFamily="18" charset="0"/>
+                                  <a:ea typeface="Cambria Math" panose="02040503050406030204" pitchFamily="18" charset="0"/>
+                                </a:rPr>
+                                <m:t>∙</m:t>
+                              </m:r>
+                            </m:e>
+                          </m:d>
+                          <m:r>
+                            <a:rPr lang="en-US" b="0" i="1" smtClean="0">
+                              <a:latin typeface="Cambria Math" panose="02040503050406030204" pitchFamily="18" charset="0"/>
+                              <a:ea typeface="Cambria Math" panose="02040503050406030204" pitchFamily="18" charset="0"/>
+                            </a:rPr>
+                            <m:t>]</m:t>
+                          </m:r>
+                        </m:num>
+                        <m:den>
+                          <m:r>
+                            <a:rPr lang="en-US" i="1" smtClean="0">
+                              <a:latin typeface="Cambria Math" panose="02040503050406030204" pitchFamily="18" charset="0"/>
+                            </a:rPr>
+                            <m:t>𝜕</m:t>
+                          </m:r>
+                          <m:sSub>
+                            <m:sSubPr>
+                              <m:ctrlPr>
+                                <a:rPr lang="en-US" i="1" smtClean="0">
+                                  <a:latin typeface="Cambria Math" panose="02040503050406030204" pitchFamily="18" charset="0"/>
+                                </a:rPr>
+                              </m:ctrlPr>
+                            </m:sSubPr>
+                            <m:e>
+                              <m:r>
+                                <a:rPr lang="en-US" i="1" smtClean="0">
+                                  <a:latin typeface="Cambria Math" panose="02040503050406030204" pitchFamily="18" charset="0"/>
+                                  <a:ea typeface="Cambria Math" panose="02040503050406030204" pitchFamily="18" charset="0"/>
+                                </a:rPr>
+                                <m:t>𝜃</m:t>
+                              </m:r>
+                            </m:e>
+                            <m:sub>
+                              <m:r>
+                                <a:rPr lang="en-US" b="0" i="1" smtClean="0">
+                                  <a:latin typeface="Cambria Math" panose="02040503050406030204" pitchFamily="18" charset="0"/>
+                                </a:rPr>
+                                <m:t>𝑖</m:t>
+                              </m:r>
+                            </m:sub>
+                          </m:sSub>
+                          <m:sSub>
+                            <m:sSubPr>
+                              <m:ctrlPr>
+                                <a:rPr lang="en-US" i="1" smtClean="0">
+                                  <a:latin typeface="Cambria Math" panose="02040503050406030204" pitchFamily="18" charset="0"/>
+                                </a:rPr>
+                              </m:ctrlPr>
+                            </m:sSubPr>
+                            <m:e>
+                              <m:r>
+                                <a:rPr lang="en-US" i="1" smtClean="0">
+                                  <a:latin typeface="Cambria Math" panose="02040503050406030204" pitchFamily="18" charset="0"/>
+                                  <a:ea typeface="Cambria Math" panose="02040503050406030204" pitchFamily="18" charset="0"/>
+                                </a:rPr>
+                                <m:t>𝜃</m:t>
+                              </m:r>
+                            </m:e>
+                            <m:sub>
+                              <m:r>
+                                <a:rPr lang="en-US" b="0" i="1" smtClean="0">
+                                  <a:latin typeface="Cambria Math" panose="02040503050406030204" pitchFamily="18" charset="0"/>
+                                </a:rPr>
+                                <m:t>𝑗</m:t>
+                              </m:r>
+                            </m:sub>
+                          </m:sSub>
+                        </m:den>
+                      </m:f>
+                      <m:r>
+                        <a:rPr lang="en-US" b="0" i="1" smtClean="0">
+                          <a:latin typeface="Cambria Math" panose="02040503050406030204" pitchFamily="18" charset="0"/>
+                        </a:rPr>
+                        <m:t>=</m:t>
+                      </m:r>
+                      <m:nary>
+                        <m:naryPr>
+                          <m:chr m:val="∑"/>
+                          <m:supHide m:val="on"/>
+                          <m:ctrlPr>
+                            <a:rPr lang="en-US" i="1">
+                              <a:latin typeface="Cambria Math" panose="02040503050406030204" pitchFamily="18" charset="0"/>
+                              <a:ea typeface="Cambria Math" panose="02040503050406030204" pitchFamily="18" charset="0"/>
+                            </a:rPr>
+                          </m:ctrlPr>
+                        </m:naryPr>
+                        <m:sub>
+                          <m:r>
+                            <m:rPr>
+                              <m:brk m:alnAt="7"/>
+                            </m:rPr>
+                            <a:rPr lang="en-US" i="1">
+                              <a:latin typeface="Cambria Math" panose="02040503050406030204" pitchFamily="18" charset="0"/>
+                              <a:ea typeface="Cambria Math" panose="02040503050406030204" pitchFamily="18" charset="0"/>
+                            </a:rPr>
+                            <m:t>𝑘</m:t>
+                          </m:r>
+                        </m:sub>
+                        <m:sup/>
+                        <m:e>
+                          <m:nary>
+                            <m:naryPr>
+                              <m:chr m:val="∑"/>
+                              <m:supHide m:val="on"/>
+                              <m:ctrlPr>
+                                <a:rPr lang="en-US" i="1">
+                                  <a:latin typeface="Cambria Math" panose="02040503050406030204" pitchFamily="18" charset="0"/>
+                                  <a:ea typeface="Cambria Math" panose="02040503050406030204" pitchFamily="18" charset="0"/>
+                                </a:rPr>
+                              </m:ctrlPr>
+                            </m:naryPr>
+                            <m:sub>
+                              <m:sSubSup>
+                                <m:sSubSupPr>
+                                  <m:ctrlPr>
+                                    <a:rPr lang="en-US" i="1">
+                                      <a:latin typeface="Cambria Math" panose="02040503050406030204" pitchFamily="18" charset="0"/>
+                                      <a:ea typeface="Cambria Math" panose="02040503050406030204" pitchFamily="18" charset="0"/>
+                                    </a:rPr>
+                                  </m:ctrlPr>
+                                </m:sSubSupPr>
+                                <m:e>
+                                  <m:r>
+                                    <a:rPr lang="en-US" i="1">
+                                      <a:latin typeface="Cambria Math" panose="02040503050406030204" pitchFamily="18" charset="0"/>
+                                      <a:ea typeface="Cambria Math" panose="02040503050406030204" pitchFamily="18" charset="0"/>
+                                    </a:rPr>
+                                    <m:t>𝑥</m:t>
+                                  </m:r>
+                                </m:e>
+                                <m:sub>
+                                  <m:r>
+                                    <a:rPr lang="en-US" i="1">
+                                      <a:latin typeface="Cambria Math" panose="02040503050406030204" pitchFamily="18" charset="0"/>
+                                      <a:ea typeface="Cambria Math" panose="02040503050406030204" pitchFamily="18" charset="0"/>
+                                    </a:rPr>
+                                    <m:t>𝑘</m:t>
+                                  </m:r>
+                                </m:sub>
+                                <m:sup>
+                                  <m:r>
+                                    <a:rPr lang="en-US" i="1">
+                                      <a:latin typeface="Cambria Math" panose="02040503050406030204" pitchFamily="18" charset="0"/>
+                                      <a:ea typeface="Cambria Math" panose="02040503050406030204" pitchFamily="18" charset="0"/>
+                                    </a:rPr>
+                                    <m:t>′</m:t>
+                                  </m:r>
+                                </m:sup>
+                              </m:sSubSup>
+                            </m:sub>
+                            <m:sup/>
+                            <m:e>
+                              <m:r>
+                                <a:rPr lang="en-US" i="1">
+                                  <a:latin typeface="Cambria Math" panose="02040503050406030204" pitchFamily="18" charset="0"/>
+                                  <a:ea typeface="Cambria Math" panose="02040503050406030204" pitchFamily="18" charset="0"/>
+                                </a:rPr>
+                                <m:t>𝑎</m:t>
+                              </m:r>
+                              <m:d>
+                                <m:dPr>
+                                  <m:ctrlPr>
+                                    <a:rPr lang="en-US" i="1">
+                                      <a:latin typeface="Cambria Math" panose="02040503050406030204" pitchFamily="18" charset="0"/>
+                                      <a:ea typeface="Cambria Math" panose="02040503050406030204" pitchFamily="18" charset="0"/>
+                                    </a:rPr>
+                                  </m:ctrlPr>
+                                </m:dPr>
+                                <m:e>
+                                  <m:sSubSup>
+                                    <m:sSubSupPr>
+                                      <m:ctrlPr>
+                                        <a:rPr lang="en-US" i="1">
+                                          <a:latin typeface="Cambria Math" panose="02040503050406030204" pitchFamily="18" charset="0"/>
+                                          <a:ea typeface="Cambria Math" panose="02040503050406030204" pitchFamily="18" charset="0"/>
+                                        </a:rPr>
+                                      </m:ctrlPr>
+                                    </m:sSubSupPr>
+                                    <m:e>
+                                      <m:r>
+                                        <a:rPr lang="en-US" i="1">
+                                          <a:latin typeface="Cambria Math" panose="02040503050406030204" pitchFamily="18" charset="0"/>
+                                          <a:ea typeface="Cambria Math" panose="02040503050406030204" pitchFamily="18" charset="0"/>
+                                        </a:rPr>
+                                        <m:t>𝑥</m:t>
+                                      </m:r>
+                                    </m:e>
+                                    <m:sub>
+                                      <m:r>
+                                        <a:rPr lang="en-US" i="1">
+                                          <a:latin typeface="Cambria Math" panose="02040503050406030204" pitchFamily="18" charset="0"/>
+                                          <a:ea typeface="Cambria Math" panose="02040503050406030204" pitchFamily="18" charset="0"/>
+                                        </a:rPr>
+                                        <m:t>𝑘</m:t>
+                                      </m:r>
+                                    </m:sub>
+                                    <m:sup>
+                                      <m:r>
+                                        <a:rPr lang="en-US" i="1">
+                                          <a:latin typeface="Cambria Math" panose="02040503050406030204" pitchFamily="18" charset="0"/>
+                                          <a:ea typeface="Cambria Math" panose="02040503050406030204" pitchFamily="18" charset="0"/>
+                                        </a:rPr>
+                                        <m:t>′</m:t>
+                                      </m:r>
+                                    </m:sup>
+                                  </m:sSubSup>
+                                </m:e>
+                              </m:d>
+                              <m:f>
+                                <m:fPr>
+                                  <m:ctrlPr>
+                                    <a:rPr lang="en-US" i="1" smtClean="0">
+                                      <a:latin typeface="Cambria Math" panose="02040503050406030204" pitchFamily="18" charset="0"/>
+                                      <a:ea typeface="Cambria Math" panose="02040503050406030204" pitchFamily="18" charset="0"/>
+                                    </a:rPr>
+                                  </m:ctrlPr>
+                                </m:fPr>
+                                <m:num>
+                                  <m:r>
+                                    <a:rPr lang="en-US" i="1" smtClean="0">
+                                      <a:latin typeface="Cambria Math" panose="02040503050406030204" pitchFamily="18" charset="0"/>
+                                      <a:ea typeface="Cambria Math" panose="02040503050406030204" pitchFamily="18" charset="0"/>
+                                    </a:rPr>
+                                    <m:t>𝜕</m:t>
+                                  </m:r>
+                                  <m:r>
+                                    <a:rPr lang="en-US" b="0" i="1" smtClean="0">
+                                      <a:latin typeface="Cambria Math" panose="02040503050406030204" pitchFamily="18" charset="0"/>
+                                      <a:ea typeface="Cambria Math" panose="02040503050406030204" pitchFamily="18" charset="0"/>
+                                    </a:rPr>
+                                    <m:t>𝑣</m:t>
+                                  </m:r>
+                                  <m:r>
+                                    <a:rPr lang="en-US" b="0" i="1" smtClean="0">
+                                      <a:latin typeface="Cambria Math" panose="02040503050406030204" pitchFamily="18" charset="0"/>
+                                      <a:ea typeface="Cambria Math" panose="02040503050406030204" pitchFamily="18" charset="0"/>
+                                    </a:rPr>
+                                    <m:t>(</m:t>
+                                  </m:r>
+                                  <m:sSubSup>
+                                    <m:sSubSupPr>
+                                      <m:ctrlPr>
+                                        <a:rPr lang="en-US" b="0" i="1" smtClean="0">
+                                          <a:latin typeface="Cambria Math" panose="02040503050406030204" pitchFamily="18" charset="0"/>
+                                          <a:ea typeface="Cambria Math" panose="02040503050406030204" pitchFamily="18" charset="0"/>
+                                        </a:rPr>
+                                      </m:ctrlPr>
+                                    </m:sSubSupPr>
+                                    <m:e>
+                                      <m:r>
+                                        <a:rPr lang="en-US" b="0" i="1" smtClean="0">
+                                          <a:latin typeface="Cambria Math" panose="02040503050406030204" pitchFamily="18" charset="0"/>
+                                          <a:ea typeface="Cambria Math" panose="02040503050406030204" pitchFamily="18" charset="0"/>
+                                        </a:rPr>
+                                        <m:t>𝑥</m:t>
+                                      </m:r>
+                                    </m:e>
+                                    <m:sub>
+                                      <m:r>
+                                        <a:rPr lang="en-US" b="0" i="1" smtClean="0">
+                                          <a:latin typeface="Cambria Math" panose="02040503050406030204" pitchFamily="18" charset="0"/>
+                                          <a:ea typeface="Cambria Math" panose="02040503050406030204" pitchFamily="18" charset="0"/>
+                                        </a:rPr>
+                                        <m:t>𝑘</m:t>
+                                      </m:r>
+                                    </m:sub>
+                                    <m:sup>
+                                      <m:r>
+                                        <a:rPr lang="en-US" b="0" i="1" smtClean="0">
+                                          <a:latin typeface="Cambria Math" panose="02040503050406030204" pitchFamily="18" charset="0"/>
+                                          <a:ea typeface="Cambria Math" panose="02040503050406030204" pitchFamily="18" charset="0"/>
+                                        </a:rPr>
+                                        <m:t>′</m:t>
+                                      </m:r>
+                                    </m:sup>
+                                  </m:sSubSup>
+                                  <m:r>
+                                    <a:rPr lang="en-US" b="0" i="1" smtClean="0">
+                                      <a:latin typeface="Cambria Math" panose="02040503050406030204" pitchFamily="18" charset="0"/>
+                                      <a:ea typeface="Cambria Math" panose="02040503050406030204" pitchFamily="18" charset="0"/>
+                                    </a:rPr>
+                                    <m:t>;</m:t>
+                                  </m:r>
+                                  <m:r>
+                                    <a:rPr lang="en-US" b="1" i="1" smtClean="0">
+                                      <a:latin typeface="Cambria Math" panose="02040503050406030204" pitchFamily="18" charset="0"/>
+                                      <a:ea typeface="Cambria Math" panose="02040503050406030204" pitchFamily="18" charset="0"/>
+                                    </a:rPr>
+                                    <m:t>𝜽</m:t>
+                                  </m:r>
+                                  <m:r>
+                                    <a:rPr lang="en-US" b="1" i="1" smtClean="0">
+                                      <a:latin typeface="Cambria Math" panose="02040503050406030204" pitchFamily="18" charset="0"/>
+                                      <a:ea typeface="Cambria Math" panose="02040503050406030204" pitchFamily="18" charset="0"/>
+                                    </a:rPr>
+                                    <m:t>)</m:t>
+                                  </m:r>
+                                </m:num>
+                                <m:den>
+                                  <m:r>
+                                    <a:rPr lang="en-US" i="1" smtClean="0">
+                                      <a:latin typeface="Cambria Math" panose="02040503050406030204" pitchFamily="18" charset="0"/>
+                                      <a:ea typeface="Cambria Math" panose="02040503050406030204" pitchFamily="18" charset="0"/>
+                                    </a:rPr>
+                                    <m:t>𝜕</m:t>
+                                  </m:r>
+                                  <m:sSub>
+                                    <m:sSubPr>
+                                      <m:ctrlPr>
+                                        <a:rPr lang="en-US" i="1" smtClean="0">
+                                          <a:latin typeface="Cambria Math" panose="02040503050406030204" pitchFamily="18" charset="0"/>
+                                          <a:ea typeface="Cambria Math" panose="02040503050406030204" pitchFamily="18" charset="0"/>
+                                        </a:rPr>
+                                      </m:ctrlPr>
+                                    </m:sSubPr>
+                                    <m:e>
+                                      <m:r>
+                                        <a:rPr lang="en-US" i="1" smtClean="0">
+                                          <a:latin typeface="Cambria Math" panose="02040503050406030204" pitchFamily="18" charset="0"/>
+                                          <a:ea typeface="Cambria Math" panose="02040503050406030204" pitchFamily="18" charset="0"/>
+                                        </a:rPr>
+                                        <m:t>𝜃</m:t>
+                                      </m:r>
+                                    </m:e>
+                                    <m:sub>
+                                      <m:r>
+                                        <a:rPr lang="en-US" b="0" i="1" smtClean="0">
+                                          <a:latin typeface="Cambria Math" panose="02040503050406030204" pitchFamily="18" charset="0"/>
+                                          <a:ea typeface="Cambria Math" panose="02040503050406030204" pitchFamily="18" charset="0"/>
+                                        </a:rPr>
+                                        <m:t>𝑖</m:t>
+                                      </m:r>
+                                    </m:sub>
+                                  </m:sSub>
+                                  <m:sSub>
+                                    <m:sSubPr>
+                                      <m:ctrlPr>
+                                        <a:rPr lang="en-US" i="1" smtClean="0">
+                                          <a:latin typeface="Cambria Math" panose="02040503050406030204" pitchFamily="18" charset="0"/>
+                                          <a:ea typeface="Cambria Math" panose="02040503050406030204" pitchFamily="18" charset="0"/>
+                                        </a:rPr>
+                                      </m:ctrlPr>
+                                    </m:sSubPr>
+                                    <m:e>
+                                      <m:r>
+                                        <a:rPr lang="en-US" i="1" smtClean="0">
+                                          <a:latin typeface="Cambria Math" panose="02040503050406030204" pitchFamily="18" charset="0"/>
+                                          <a:ea typeface="Cambria Math" panose="02040503050406030204" pitchFamily="18" charset="0"/>
+                                        </a:rPr>
+                                        <m:t>𝜃</m:t>
+                                      </m:r>
+                                    </m:e>
+                                    <m:sub>
+                                      <m:r>
+                                        <a:rPr lang="en-US" b="0" i="1" smtClean="0">
+                                          <a:latin typeface="Cambria Math" panose="02040503050406030204" pitchFamily="18" charset="0"/>
+                                          <a:ea typeface="Cambria Math" panose="02040503050406030204" pitchFamily="18" charset="0"/>
+                                        </a:rPr>
+                                        <m:t>𝑗</m:t>
+                                      </m:r>
+                                    </m:sub>
+                                  </m:sSub>
+                                </m:den>
+                              </m:f>
+                            </m:e>
+                          </m:nary>
+                          <m:r>
+                            <a:rPr lang="en-US" i="1">
+                              <a:latin typeface="Cambria Math" panose="02040503050406030204" pitchFamily="18" charset="0"/>
+                              <a:ea typeface="Cambria Math" panose="02040503050406030204" pitchFamily="18" charset="0"/>
+                            </a:rPr>
+                            <m:t>+</m:t>
+                          </m:r>
+                          <m:nary>
+                            <m:naryPr>
+                              <m:chr m:val="∑"/>
+                              <m:supHide m:val="on"/>
+                              <m:ctrlPr>
+                                <a:rPr lang="en-US" i="1">
+                                  <a:latin typeface="Cambria Math" panose="02040503050406030204" pitchFamily="18" charset="0"/>
+                                  <a:ea typeface="Cambria Math" panose="02040503050406030204" pitchFamily="18" charset="0"/>
+                                </a:rPr>
+                              </m:ctrlPr>
+                            </m:naryPr>
+                            <m:sub>
+                              <m:sSub>
+                                <m:sSubPr>
+                                  <m:ctrlPr>
+                                    <a:rPr lang="en-US" i="1">
+                                      <a:latin typeface="Cambria Math" panose="02040503050406030204" pitchFamily="18" charset="0"/>
+                                      <a:ea typeface="Cambria Math" panose="02040503050406030204" pitchFamily="18" charset="0"/>
+                                    </a:rPr>
+                                  </m:ctrlPr>
+                                </m:sSubPr>
+                                <m:e>
+                                  <m:r>
+                                    <a:rPr lang="en-US" i="1">
+                                      <a:latin typeface="Cambria Math" panose="02040503050406030204" pitchFamily="18" charset="0"/>
+                                      <a:ea typeface="Cambria Math" panose="02040503050406030204" pitchFamily="18" charset="0"/>
+                                    </a:rPr>
+                                    <m:t>𝑥</m:t>
+                                  </m:r>
+                                </m:e>
+                                <m:sub>
+                                  <m:r>
+                                    <a:rPr lang="en-US" i="1">
+                                      <a:latin typeface="Cambria Math" panose="02040503050406030204" pitchFamily="18" charset="0"/>
+                                      <a:ea typeface="Cambria Math" panose="02040503050406030204" pitchFamily="18" charset="0"/>
+                                    </a:rPr>
+                                    <m:t>𝑘</m:t>
+                                  </m:r>
+                                </m:sub>
+                              </m:sSub>
+                            </m:sub>
+                            <m:sup/>
+                            <m:e>
+                              <m:r>
+                                <a:rPr lang="en-US" i="1">
+                                  <a:latin typeface="Cambria Math" panose="02040503050406030204" pitchFamily="18" charset="0"/>
+                                  <a:ea typeface="Cambria Math" panose="02040503050406030204" pitchFamily="18" charset="0"/>
+                                </a:rPr>
+                                <m:t>𝑏</m:t>
+                              </m:r>
+                              <m:d>
+                                <m:dPr>
+                                  <m:ctrlPr>
+                                    <a:rPr lang="en-US" i="1">
+                                      <a:latin typeface="Cambria Math" panose="02040503050406030204" pitchFamily="18" charset="0"/>
+                                      <a:ea typeface="Cambria Math" panose="02040503050406030204" pitchFamily="18" charset="0"/>
+                                    </a:rPr>
+                                  </m:ctrlPr>
+                                </m:dPr>
+                                <m:e>
+                                  <m:sSub>
+                                    <m:sSubPr>
+                                      <m:ctrlPr>
+                                        <a:rPr lang="en-US" i="1">
+                                          <a:latin typeface="Cambria Math" panose="02040503050406030204" pitchFamily="18" charset="0"/>
+                                          <a:ea typeface="Cambria Math" panose="02040503050406030204" pitchFamily="18" charset="0"/>
+                                        </a:rPr>
+                                      </m:ctrlPr>
+                                    </m:sSubPr>
+                                    <m:e>
+                                      <m:r>
+                                        <a:rPr lang="en-US" i="1">
+                                          <a:latin typeface="Cambria Math" panose="02040503050406030204" pitchFamily="18" charset="0"/>
+                                          <a:ea typeface="Cambria Math" panose="02040503050406030204" pitchFamily="18" charset="0"/>
+                                        </a:rPr>
+                                        <m:t>𝑥</m:t>
+                                      </m:r>
+                                    </m:e>
+                                    <m:sub>
+                                      <m:r>
+                                        <a:rPr lang="en-US" i="1">
+                                          <a:latin typeface="Cambria Math" panose="02040503050406030204" pitchFamily="18" charset="0"/>
+                                          <a:ea typeface="Cambria Math" panose="02040503050406030204" pitchFamily="18" charset="0"/>
+                                        </a:rPr>
+                                        <m:t>𝑘</m:t>
+                                      </m:r>
+                                    </m:sub>
+                                  </m:sSub>
+                                </m:e>
+                              </m:d>
+                            </m:e>
+                          </m:nary>
+                        </m:e>
+                      </m:nary>
+                      <m:f>
+                        <m:fPr>
+                          <m:ctrlPr>
+                            <a:rPr lang="en-US" b="0" i="1" smtClean="0">
+                              <a:latin typeface="Cambria Math" panose="02040503050406030204" pitchFamily="18" charset="0"/>
+                              <a:ea typeface="Cambria Math" panose="02040503050406030204" pitchFamily="18" charset="0"/>
+                            </a:rPr>
+                          </m:ctrlPr>
+                        </m:fPr>
+                        <m:num>
+                          <m:sSub>
+                            <m:sSubPr>
+                              <m:ctrlPr>
+                                <a:rPr lang="en-US" i="1">
+                                  <a:latin typeface="Cambria Math" panose="02040503050406030204" pitchFamily="18" charset="0"/>
+                                  <a:ea typeface="Cambria Math" panose="02040503050406030204" pitchFamily="18" charset="0"/>
+                                </a:rPr>
+                              </m:ctrlPr>
+                            </m:sSubPr>
+                            <m:e>
+                              <m:r>
+                                <a:rPr lang="en-US" i="1">
+                                  <a:latin typeface="Cambria Math" panose="02040503050406030204" pitchFamily="18" charset="0"/>
+                                  <a:ea typeface="Cambria Math" panose="02040503050406030204" pitchFamily="18" charset="0"/>
+                                </a:rPr>
+                                <m:t>𝐸</m:t>
+                              </m:r>
+                            </m:e>
+                            <m:sub>
+                              <m:sSup>
+                                <m:sSupPr>
+                                  <m:ctrlPr>
+                                    <a:rPr lang="en-US" i="1">
+                                      <a:latin typeface="Cambria Math" panose="02040503050406030204" pitchFamily="18" charset="0"/>
+                                      <a:ea typeface="Cambria Math" panose="02040503050406030204" pitchFamily="18" charset="0"/>
+                                    </a:rPr>
+                                  </m:ctrlPr>
+                                </m:sSupPr>
+                                <m:e>
+                                  <m:r>
+                                    <m:rPr>
+                                      <m:sty m:val="p"/>
+                                    </m:rPr>
+                                    <a:rPr lang="el-GR" i="1">
+                                      <a:latin typeface="Cambria Math" panose="02040503050406030204" pitchFamily="18" charset="0"/>
+                                      <a:ea typeface="Cambria Math" panose="02040503050406030204" pitchFamily="18" charset="0"/>
+                                    </a:rPr>
+                                    <m:t>Π</m:t>
+                                  </m:r>
+                                </m:e>
+                                <m:sup>
+                                  <m:r>
+                                    <a:rPr lang="en-US" i="1">
+                                      <a:latin typeface="Cambria Math" panose="02040503050406030204" pitchFamily="18" charset="0"/>
+                                      <a:ea typeface="Cambria Math" panose="02040503050406030204" pitchFamily="18" charset="0"/>
+                                    </a:rPr>
+                                    <m:t>0</m:t>
+                                  </m:r>
+                                </m:sup>
+                              </m:sSup>
+                              <m:d>
+                                <m:dPr>
+                                  <m:ctrlPr>
+                                    <a:rPr lang="en-US" i="1">
+                                      <a:latin typeface="Cambria Math" panose="02040503050406030204" pitchFamily="18" charset="0"/>
+                                      <a:ea typeface="Cambria Math" panose="02040503050406030204" pitchFamily="18" charset="0"/>
+                                    </a:rPr>
+                                  </m:ctrlPr>
+                                </m:dPr>
+                                <m:e>
+                                  <m:sSub>
+                                    <m:sSubPr>
+                                      <m:ctrlPr>
+                                        <a:rPr lang="en-US" i="1">
+                                          <a:latin typeface="Cambria Math" panose="02040503050406030204" pitchFamily="18" charset="0"/>
+                                          <a:ea typeface="Cambria Math" panose="02040503050406030204" pitchFamily="18" charset="0"/>
+                                        </a:rPr>
+                                      </m:ctrlPr>
+                                    </m:sSubPr>
+                                    <m:e>
+                                      <m:r>
+                                        <a:rPr lang="en-US" i="1">
+                                          <a:latin typeface="Cambria Math" panose="02040503050406030204" pitchFamily="18" charset="0"/>
+                                          <a:ea typeface="Cambria Math" panose="02040503050406030204" pitchFamily="18" charset="0"/>
+                                        </a:rPr>
+                                        <m:t>𝑥</m:t>
+                                      </m:r>
+                                    </m:e>
+                                    <m:sub>
+                                      <m:r>
+                                        <a:rPr lang="en-US" i="1">
+                                          <a:latin typeface="Cambria Math" panose="02040503050406030204" pitchFamily="18" charset="0"/>
+                                          <a:ea typeface="Cambria Math" panose="02040503050406030204" pitchFamily="18" charset="0"/>
+                                        </a:rPr>
+                                        <m:t>𝑘</m:t>
+                                      </m:r>
+                                    </m:sub>
+                                  </m:sSub>
+                                </m:e>
+                              </m:d>
+                            </m:sub>
+                          </m:sSub>
+                          <m:d>
+                            <m:dPr>
+                              <m:begChr m:val="["/>
+                              <m:endChr m:val="]"/>
+                              <m:ctrlPr>
+                                <a:rPr lang="en-US" b="0" i="1" smtClean="0">
+                                  <a:latin typeface="Cambria Math" panose="02040503050406030204" pitchFamily="18" charset="0"/>
+                                  <a:ea typeface="Cambria Math" panose="02040503050406030204" pitchFamily="18" charset="0"/>
+                                </a:rPr>
+                              </m:ctrlPr>
+                            </m:dPr>
+                            <m:e>
+                              <m:r>
+                                <a:rPr lang="en-US" b="0" i="1" smtClean="0">
+                                  <a:latin typeface="Cambria Math" panose="02040503050406030204" pitchFamily="18" charset="0"/>
+                                  <a:ea typeface="Cambria Math" panose="02040503050406030204" pitchFamily="18" charset="0"/>
+                                </a:rPr>
+                                <m:t>(</m:t>
+                              </m:r>
+                              <m:f>
+                                <m:fPr>
+                                  <m:ctrlPr>
+                                    <a:rPr lang="en-US" i="1">
+                                      <a:latin typeface="Cambria Math" panose="02040503050406030204" pitchFamily="18" charset="0"/>
+                                      <a:ea typeface="Cambria Math" panose="02040503050406030204" pitchFamily="18" charset="0"/>
+                                    </a:rPr>
+                                  </m:ctrlPr>
+                                </m:fPr>
+                                <m:num>
+                                  <m:r>
+                                    <a:rPr lang="en-US" i="1">
+                                      <a:latin typeface="Cambria Math" panose="02040503050406030204" pitchFamily="18" charset="0"/>
+                                      <a:ea typeface="Cambria Math" panose="02040503050406030204" pitchFamily="18" charset="0"/>
+                                    </a:rPr>
+                                    <m:t>𝜕</m:t>
+                                  </m:r>
+                                  <m:r>
+                                    <a:rPr lang="en-US" i="1">
+                                      <a:latin typeface="Cambria Math" panose="02040503050406030204" pitchFamily="18" charset="0"/>
+                                      <a:ea typeface="Cambria Math" panose="02040503050406030204" pitchFamily="18" charset="0"/>
+                                    </a:rPr>
+                                    <m:t>𝑣</m:t>
+                                  </m:r>
+                                  <m:d>
+                                    <m:dPr>
+                                      <m:ctrlPr>
+                                        <a:rPr lang="en-US" i="1">
+                                          <a:latin typeface="Cambria Math" panose="02040503050406030204" pitchFamily="18" charset="0"/>
+                                          <a:ea typeface="Cambria Math" panose="02040503050406030204" pitchFamily="18" charset="0"/>
+                                        </a:rPr>
+                                      </m:ctrlPr>
+                                    </m:dPr>
+                                    <m:e>
+                                      <m:r>
+                                        <a:rPr lang="en-US" i="1">
+                                          <a:latin typeface="Cambria Math" panose="02040503050406030204" pitchFamily="18" charset="0"/>
+                                          <a:ea typeface="Cambria Math" panose="02040503050406030204" pitchFamily="18" charset="0"/>
+                                        </a:rPr>
+                                        <m:t>∙;</m:t>
+                                      </m:r>
+                                      <m:r>
+                                        <a:rPr lang="en-US" i="1">
+                                          <a:latin typeface="Cambria Math" panose="02040503050406030204" pitchFamily="18" charset="0"/>
+                                          <a:ea typeface="Cambria Math" panose="02040503050406030204" pitchFamily="18" charset="0"/>
+                                        </a:rPr>
+                                        <m:t>𝜽</m:t>
+                                      </m:r>
+                                    </m:e>
+                                  </m:d>
+                                </m:num>
+                                <m:den>
+                                  <m:r>
+                                    <a:rPr lang="en-US" i="1">
+                                      <a:latin typeface="Cambria Math" panose="02040503050406030204" pitchFamily="18" charset="0"/>
+                                      <a:ea typeface="Cambria Math" panose="02040503050406030204" pitchFamily="18" charset="0"/>
+                                    </a:rPr>
+                                    <m:t>𝜕</m:t>
+                                  </m:r>
+                                  <m:sSub>
+                                    <m:sSubPr>
+                                      <m:ctrlPr>
+                                        <a:rPr lang="en-US" i="1">
+                                          <a:latin typeface="Cambria Math" panose="02040503050406030204" pitchFamily="18" charset="0"/>
+                                          <a:ea typeface="Cambria Math" panose="02040503050406030204" pitchFamily="18" charset="0"/>
+                                        </a:rPr>
+                                      </m:ctrlPr>
+                                    </m:sSubPr>
+                                    <m:e>
+                                      <m:r>
+                                        <a:rPr lang="en-US" i="1">
+                                          <a:latin typeface="Cambria Math" panose="02040503050406030204" pitchFamily="18" charset="0"/>
+                                          <a:ea typeface="Cambria Math" panose="02040503050406030204" pitchFamily="18" charset="0"/>
+                                        </a:rPr>
+                                        <m:t>𝜃</m:t>
+                                      </m:r>
+                                    </m:e>
+                                    <m:sub>
+                                      <m:r>
+                                        <a:rPr lang="en-US" i="1">
+                                          <a:latin typeface="Cambria Math" panose="02040503050406030204" pitchFamily="18" charset="0"/>
+                                          <a:ea typeface="Cambria Math" panose="02040503050406030204" pitchFamily="18" charset="0"/>
+                                        </a:rPr>
+                                        <m:t>𝑖</m:t>
+                                      </m:r>
+                                    </m:sub>
+                                  </m:sSub>
+                                </m:den>
+                              </m:f>
+                              <m:f>
+                                <m:fPr>
+                                  <m:ctrlPr>
+                                    <a:rPr lang="en-US" i="1">
+                                      <a:latin typeface="Cambria Math" panose="02040503050406030204" pitchFamily="18" charset="0"/>
+                                      <a:ea typeface="Cambria Math" panose="02040503050406030204" pitchFamily="18" charset="0"/>
+                                    </a:rPr>
+                                  </m:ctrlPr>
+                                </m:fPr>
+                                <m:num>
+                                  <m:r>
+                                    <a:rPr lang="en-US" i="1">
+                                      <a:latin typeface="Cambria Math" panose="02040503050406030204" pitchFamily="18" charset="0"/>
+                                      <a:ea typeface="Cambria Math" panose="02040503050406030204" pitchFamily="18" charset="0"/>
+                                    </a:rPr>
+                                    <m:t>𝜕</m:t>
+                                  </m:r>
+                                  <m:r>
+                                    <a:rPr lang="en-US" i="1">
+                                      <a:latin typeface="Cambria Math" panose="02040503050406030204" pitchFamily="18" charset="0"/>
+                                      <a:ea typeface="Cambria Math" panose="02040503050406030204" pitchFamily="18" charset="0"/>
+                                    </a:rPr>
+                                    <m:t>𝑣</m:t>
+                                  </m:r>
+                                  <m:d>
+                                    <m:dPr>
+                                      <m:ctrlPr>
+                                        <a:rPr lang="en-US" i="1">
+                                          <a:latin typeface="Cambria Math" panose="02040503050406030204" pitchFamily="18" charset="0"/>
+                                          <a:ea typeface="Cambria Math" panose="02040503050406030204" pitchFamily="18" charset="0"/>
+                                        </a:rPr>
+                                      </m:ctrlPr>
+                                    </m:dPr>
+                                    <m:e>
+                                      <m:r>
+                                        <a:rPr lang="en-US" i="1">
+                                          <a:latin typeface="Cambria Math" panose="02040503050406030204" pitchFamily="18" charset="0"/>
+                                          <a:ea typeface="Cambria Math" panose="02040503050406030204" pitchFamily="18" charset="0"/>
+                                        </a:rPr>
+                                        <m:t>∙;</m:t>
+                                      </m:r>
+                                      <m:r>
+                                        <a:rPr lang="en-US" i="1">
+                                          <a:latin typeface="Cambria Math" panose="02040503050406030204" pitchFamily="18" charset="0"/>
+                                          <a:ea typeface="Cambria Math" panose="02040503050406030204" pitchFamily="18" charset="0"/>
+                                        </a:rPr>
+                                        <m:t>𝜽</m:t>
+                                      </m:r>
+                                    </m:e>
+                                  </m:d>
+                                </m:num>
+                                <m:den>
+                                  <m:r>
+                                    <a:rPr lang="en-US" i="1">
+                                      <a:latin typeface="Cambria Math" panose="02040503050406030204" pitchFamily="18" charset="0"/>
+                                      <a:ea typeface="Cambria Math" panose="02040503050406030204" pitchFamily="18" charset="0"/>
+                                    </a:rPr>
+                                    <m:t>𝜕</m:t>
+                                  </m:r>
+                                  <m:sSub>
+                                    <m:sSubPr>
+                                      <m:ctrlPr>
+                                        <a:rPr lang="en-US" i="1">
+                                          <a:latin typeface="Cambria Math" panose="02040503050406030204" pitchFamily="18" charset="0"/>
+                                          <a:ea typeface="Cambria Math" panose="02040503050406030204" pitchFamily="18" charset="0"/>
+                                        </a:rPr>
+                                      </m:ctrlPr>
+                                    </m:sSubPr>
+                                    <m:e>
+                                      <m:r>
+                                        <a:rPr lang="en-US" i="1">
+                                          <a:latin typeface="Cambria Math" panose="02040503050406030204" pitchFamily="18" charset="0"/>
+                                          <a:ea typeface="Cambria Math" panose="02040503050406030204" pitchFamily="18" charset="0"/>
+                                        </a:rPr>
+                                        <m:t>𝜃</m:t>
+                                      </m:r>
+                                    </m:e>
+                                    <m:sub>
+                                      <m:r>
+                                        <a:rPr lang="en-US" i="1">
+                                          <a:latin typeface="Cambria Math" panose="02040503050406030204" pitchFamily="18" charset="0"/>
+                                          <a:ea typeface="Cambria Math" panose="02040503050406030204" pitchFamily="18" charset="0"/>
+                                        </a:rPr>
+                                        <m:t>𝑗</m:t>
+                                      </m:r>
+                                    </m:sub>
+                                  </m:sSub>
+                                </m:den>
+                              </m:f>
+                              <m:r>
+                                <a:rPr lang="en-US" b="0" i="1" smtClean="0">
+                                  <a:latin typeface="Cambria Math" panose="02040503050406030204" pitchFamily="18" charset="0"/>
+                                  <a:ea typeface="Cambria Math" panose="02040503050406030204" pitchFamily="18" charset="0"/>
+                                </a:rPr>
+                                <m:t>−</m:t>
+                              </m:r>
+                              <m:f>
+                                <m:fPr>
+                                  <m:ctrlPr>
+                                    <a:rPr lang="en-US" i="1">
+                                      <a:latin typeface="Cambria Math" panose="02040503050406030204" pitchFamily="18" charset="0"/>
+                                      <a:ea typeface="Cambria Math" panose="02040503050406030204" pitchFamily="18" charset="0"/>
+                                    </a:rPr>
+                                  </m:ctrlPr>
+                                </m:fPr>
+                                <m:num>
+                                  <m:r>
+                                    <a:rPr lang="en-US" i="1">
+                                      <a:latin typeface="Cambria Math" panose="02040503050406030204" pitchFamily="18" charset="0"/>
+                                      <a:ea typeface="Cambria Math" panose="02040503050406030204" pitchFamily="18" charset="0"/>
+                                    </a:rPr>
+                                    <m:t>𝜕</m:t>
+                                  </m:r>
+                                  <m:r>
+                                    <a:rPr lang="en-US" i="1">
+                                      <a:latin typeface="Cambria Math" panose="02040503050406030204" pitchFamily="18" charset="0"/>
+                                      <a:ea typeface="Cambria Math" panose="02040503050406030204" pitchFamily="18" charset="0"/>
+                                    </a:rPr>
+                                    <m:t>𝑣</m:t>
+                                  </m:r>
+                                  <m:d>
+                                    <m:dPr>
+                                      <m:ctrlPr>
+                                        <a:rPr lang="en-US" i="1">
+                                          <a:latin typeface="Cambria Math" panose="02040503050406030204" pitchFamily="18" charset="0"/>
+                                          <a:ea typeface="Cambria Math" panose="02040503050406030204" pitchFamily="18" charset="0"/>
+                                        </a:rPr>
+                                      </m:ctrlPr>
+                                    </m:dPr>
+                                    <m:e>
+                                      <m:r>
+                                        <a:rPr lang="en-US" i="1">
+                                          <a:latin typeface="Cambria Math" panose="02040503050406030204" pitchFamily="18" charset="0"/>
+                                          <a:ea typeface="Cambria Math" panose="02040503050406030204" pitchFamily="18" charset="0"/>
+                                        </a:rPr>
+                                        <m:t>∙;</m:t>
+                                      </m:r>
+                                      <m:r>
+                                        <a:rPr lang="en-US" i="1">
+                                          <a:latin typeface="Cambria Math" panose="02040503050406030204" pitchFamily="18" charset="0"/>
+                                          <a:ea typeface="Cambria Math" panose="02040503050406030204" pitchFamily="18" charset="0"/>
+                                        </a:rPr>
+                                        <m:t>𝜽</m:t>
+                                      </m:r>
+                                    </m:e>
+                                  </m:d>
+                                </m:num>
+                                <m:den>
+                                  <m:r>
+                                    <a:rPr lang="en-US" i="1">
+                                      <a:latin typeface="Cambria Math" panose="02040503050406030204" pitchFamily="18" charset="0"/>
+                                      <a:ea typeface="Cambria Math" panose="02040503050406030204" pitchFamily="18" charset="0"/>
+                                    </a:rPr>
+                                    <m:t>𝜕</m:t>
+                                  </m:r>
+                                  <m:sSub>
+                                    <m:sSubPr>
+                                      <m:ctrlPr>
+                                        <a:rPr lang="en-US" i="1">
+                                          <a:latin typeface="Cambria Math" panose="02040503050406030204" pitchFamily="18" charset="0"/>
+                                          <a:ea typeface="Cambria Math" panose="02040503050406030204" pitchFamily="18" charset="0"/>
+                                        </a:rPr>
+                                      </m:ctrlPr>
+                                    </m:sSubPr>
+                                    <m:e>
+                                      <m:r>
+                                        <a:rPr lang="en-US" i="1">
+                                          <a:latin typeface="Cambria Math" panose="02040503050406030204" pitchFamily="18" charset="0"/>
+                                          <a:ea typeface="Cambria Math" panose="02040503050406030204" pitchFamily="18" charset="0"/>
+                                        </a:rPr>
+                                        <m:t>𝜃</m:t>
+                                      </m:r>
+                                    </m:e>
+                                    <m:sub>
+                                      <m:r>
+                                        <a:rPr lang="en-US" b="0" i="1" smtClean="0">
+                                          <a:latin typeface="Cambria Math" panose="02040503050406030204" pitchFamily="18" charset="0"/>
+                                          <a:ea typeface="Cambria Math" panose="02040503050406030204" pitchFamily="18" charset="0"/>
+                                        </a:rPr>
+                                        <m:t>𝑖</m:t>
+                                      </m:r>
+                                    </m:sub>
+                                  </m:sSub>
+                                  <m:sSub>
+                                    <m:sSubPr>
+                                      <m:ctrlPr>
+                                        <a:rPr lang="en-US" i="1" smtClean="0">
+                                          <a:latin typeface="Cambria Math" panose="02040503050406030204" pitchFamily="18" charset="0"/>
+                                          <a:ea typeface="Cambria Math" panose="02040503050406030204" pitchFamily="18" charset="0"/>
+                                        </a:rPr>
+                                      </m:ctrlPr>
+                                    </m:sSubPr>
+                                    <m:e>
+                                      <m:r>
+                                        <a:rPr lang="en-US" i="1" smtClean="0">
+                                          <a:latin typeface="Cambria Math" panose="02040503050406030204" pitchFamily="18" charset="0"/>
+                                          <a:ea typeface="Cambria Math" panose="02040503050406030204" pitchFamily="18" charset="0"/>
+                                        </a:rPr>
+                                        <m:t>𝜃</m:t>
+                                      </m:r>
+                                    </m:e>
+                                    <m:sub>
+                                      <m:r>
+                                        <a:rPr lang="en-US" b="0" i="1" smtClean="0">
+                                          <a:latin typeface="Cambria Math" panose="02040503050406030204" pitchFamily="18" charset="0"/>
+                                          <a:ea typeface="Cambria Math" panose="02040503050406030204" pitchFamily="18" charset="0"/>
+                                        </a:rPr>
+                                        <m:t>𝑗</m:t>
+                                      </m:r>
+                                    </m:sub>
+                                  </m:sSub>
+                                </m:den>
+                              </m:f>
+                              <m:r>
+                                <a:rPr lang="en-US" b="0" i="1" smtClean="0">
+                                  <a:latin typeface="Cambria Math" panose="02040503050406030204" pitchFamily="18" charset="0"/>
+                                  <a:ea typeface="Cambria Math" panose="02040503050406030204" pitchFamily="18" charset="0"/>
+                                </a:rPr>
+                                <m:t>)</m:t>
+                              </m:r>
+                              <m:func>
+                                <m:funcPr>
+                                  <m:ctrlPr>
+                                    <a:rPr lang="en-US" i="1">
+                                      <a:latin typeface="Cambria Math" panose="02040503050406030204" pitchFamily="18" charset="0"/>
+                                      <a:ea typeface="Cambria Math" panose="02040503050406030204" pitchFamily="18" charset="0"/>
+                                    </a:rPr>
+                                  </m:ctrlPr>
+                                </m:funcPr>
+                                <m:fName>
+                                  <m:r>
+                                    <m:rPr>
+                                      <m:sty m:val="p"/>
+                                    </m:rPr>
+                                    <a:rPr lang="en-US">
+                                      <a:latin typeface="Cambria Math" panose="02040503050406030204" pitchFamily="18" charset="0"/>
+                                      <a:ea typeface="Cambria Math" panose="02040503050406030204" pitchFamily="18" charset="0"/>
+                                    </a:rPr>
+                                    <m:t>exp</m:t>
+                                  </m:r>
+                                </m:fName>
+                                <m:e>
+                                  <m:d>
+                                    <m:dPr>
+                                      <m:ctrlPr>
+                                        <a:rPr lang="en-US" i="1">
+                                          <a:latin typeface="Cambria Math" panose="02040503050406030204" pitchFamily="18" charset="0"/>
+                                          <a:ea typeface="Cambria Math" panose="02040503050406030204" pitchFamily="18" charset="0"/>
+                                        </a:rPr>
+                                      </m:ctrlPr>
+                                    </m:dPr>
+                                    <m:e>
+                                      <m:r>
+                                        <a:rPr lang="en-US" i="1">
+                                          <a:latin typeface="Cambria Math" panose="02040503050406030204" pitchFamily="18" charset="0"/>
+                                          <a:ea typeface="Cambria Math" panose="02040503050406030204" pitchFamily="18" charset="0"/>
+                                        </a:rPr>
+                                        <m:t>−</m:t>
+                                      </m:r>
+                                      <m:r>
+                                        <a:rPr lang="en-US" i="1">
+                                          <a:latin typeface="Cambria Math" panose="02040503050406030204" pitchFamily="18" charset="0"/>
+                                          <a:ea typeface="Cambria Math" panose="02040503050406030204" pitchFamily="18" charset="0"/>
+                                        </a:rPr>
+                                        <m:t>𝑣</m:t>
+                                      </m:r>
+                                      <m:d>
+                                        <m:dPr>
+                                          <m:ctrlPr>
+                                            <a:rPr lang="en-US" i="1">
+                                              <a:latin typeface="Cambria Math" panose="02040503050406030204" pitchFamily="18" charset="0"/>
+                                              <a:ea typeface="Cambria Math" panose="02040503050406030204" pitchFamily="18" charset="0"/>
+                                            </a:rPr>
+                                          </m:ctrlPr>
+                                        </m:dPr>
+                                        <m:e>
+                                          <m:r>
+                                            <a:rPr lang="en-US" i="1">
+                                              <a:latin typeface="Cambria Math" panose="02040503050406030204" pitchFamily="18" charset="0"/>
+                                              <a:ea typeface="Cambria Math" panose="02040503050406030204" pitchFamily="18" charset="0"/>
+                                            </a:rPr>
+                                            <m:t>∙;</m:t>
+                                          </m:r>
+                                          <m:r>
+                                            <a:rPr lang="en-US" i="1">
+                                              <a:latin typeface="Cambria Math" panose="02040503050406030204" pitchFamily="18" charset="0"/>
+                                              <a:ea typeface="Cambria Math" panose="02040503050406030204" pitchFamily="18" charset="0"/>
+                                            </a:rPr>
+                                            <m:t>𝜽</m:t>
+                                          </m:r>
+                                        </m:e>
+                                      </m:d>
+                                    </m:e>
+                                  </m:d>
+                                </m:e>
+                              </m:func>
+                            </m:e>
+                          </m:d>
+                          <m:sSub>
+                            <m:sSubPr>
+                              <m:ctrlPr>
+                                <a:rPr lang="en-US" i="1">
+                                  <a:latin typeface="Cambria Math" panose="02040503050406030204" pitchFamily="18" charset="0"/>
+                                  <a:ea typeface="Cambria Math" panose="02040503050406030204" pitchFamily="18" charset="0"/>
+                                </a:rPr>
+                              </m:ctrlPr>
+                            </m:sSubPr>
+                            <m:e>
+                              <m:r>
+                                <a:rPr lang="en-US" i="1">
+                                  <a:latin typeface="Cambria Math" panose="02040503050406030204" pitchFamily="18" charset="0"/>
+                                  <a:ea typeface="Cambria Math" panose="02040503050406030204" pitchFamily="18" charset="0"/>
+                                </a:rPr>
+                                <m:t>𝐸</m:t>
+                              </m:r>
+                            </m:e>
+                            <m:sub>
+                              <m:sSup>
+                                <m:sSupPr>
+                                  <m:ctrlPr>
+                                    <a:rPr lang="en-US" i="1">
+                                      <a:latin typeface="Cambria Math" panose="02040503050406030204" pitchFamily="18" charset="0"/>
+                                      <a:ea typeface="Cambria Math" panose="02040503050406030204" pitchFamily="18" charset="0"/>
+                                    </a:rPr>
+                                  </m:ctrlPr>
+                                </m:sSupPr>
+                                <m:e>
+                                  <m:r>
+                                    <m:rPr>
+                                      <m:sty m:val="p"/>
+                                    </m:rPr>
+                                    <a:rPr lang="el-GR" i="1">
+                                      <a:latin typeface="Cambria Math" panose="02040503050406030204" pitchFamily="18" charset="0"/>
+                                      <a:ea typeface="Cambria Math" panose="02040503050406030204" pitchFamily="18" charset="0"/>
+                                    </a:rPr>
+                                    <m:t>Π</m:t>
+                                  </m:r>
+                                </m:e>
+                                <m:sup>
+                                  <m:r>
+                                    <a:rPr lang="en-US" i="1">
+                                      <a:latin typeface="Cambria Math" panose="02040503050406030204" pitchFamily="18" charset="0"/>
+                                      <a:ea typeface="Cambria Math" panose="02040503050406030204" pitchFamily="18" charset="0"/>
+                                    </a:rPr>
+                                    <m:t>0</m:t>
+                                  </m:r>
+                                </m:sup>
+                              </m:sSup>
+                              <m:d>
+                                <m:dPr>
+                                  <m:ctrlPr>
+                                    <a:rPr lang="en-US" i="1">
+                                      <a:latin typeface="Cambria Math" panose="02040503050406030204" pitchFamily="18" charset="0"/>
+                                      <a:ea typeface="Cambria Math" panose="02040503050406030204" pitchFamily="18" charset="0"/>
+                                    </a:rPr>
+                                  </m:ctrlPr>
+                                </m:dPr>
+                                <m:e>
+                                  <m:sSub>
+                                    <m:sSubPr>
+                                      <m:ctrlPr>
+                                        <a:rPr lang="en-US" i="1">
+                                          <a:latin typeface="Cambria Math" panose="02040503050406030204" pitchFamily="18" charset="0"/>
+                                          <a:ea typeface="Cambria Math" panose="02040503050406030204" pitchFamily="18" charset="0"/>
+                                        </a:rPr>
+                                      </m:ctrlPr>
+                                    </m:sSubPr>
+                                    <m:e>
+                                      <m:r>
+                                        <a:rPr lang="en-US" i="1">
+                                          <a:latin typeface="Cambria Math" panose="02040503050406030204" pitchFamily="18" charset="0"/>
+                                          <a:ea typeface="Cambria Math" panose="02040503050406030204" pitchFamily="18" charset="0"/>
+                                        </a:rPr>
+                                        <m:t>𝑥</m:t>
+                                      </m:r>
+                                    </m:e>
+                                    <m:sub>
+                                      <m:r>
+                                        <a:rPr lang="en-US" i="1">
+                                          <a:latin typeface="Cambria Math" panose="02040503050406030204" pitchFamily="18" charset="0"/>
+                                          <a:ea typeface="Cambria Math" panose="02040503050406030204" pitchFamily="18" charset="0"/>
+                                        </a:rPr>
+                                        <m:t>𝑘</m:t>
+                                      </m:r>
+                                    </m:sub>
+                                  </m:sSub>
+                                </m:e>
+                              </m:d>
+                            </m:sub>
+                          </m:sSub>
+                          <m:d>
+                            <m:dPr>
+                              <m:begChr m:val="["/>
+                              <m:endChr m:val="]"/>
+                              <m:ctrlPr>
+                                <a:rPr lang="en-US" i="1">
+                                  <a:latin typeface="Cambria Math" panose="02040503050406030204" pitchFamily="18" charset="0"/>
+                                  <a:ea typeface="Cambria Math" panose="02040503050406030204" pitchFamily="18" charset="0"/>
+                                </a:rPr>
+                              </m:ctrlPr>
+                            </m:dPr>
+                            <m:e>
+                              <m:func>
+                                <m:funcPr>
+                                  <m:ctrlPr>
+                                    <a:rPr lang="en-US" i="1">
+                                      <a:latin typeface="Cambria Math" panose="02040503050406030204" pitchFamily="18" charset="0"/>
+                                      <a:ea typeface="Cambria Math" panose="02040503050406030204" pitchFamily="18" charset="0"/>
+                                    </a:rPr>
+                                  </m:ctrlPr>
+                                </m:funcPr>
+                                <m:fName>
+                                  <m:r>
+                                    <m:rPr>
+                                      <m:sty m:val="p"/>
+                                    </m:rPr>
+                                    <a:rPr lang="en-US">
+                                      <a:latin typeface="Cambria Math" panose="02040503050406030204" pitchFamily="18" charset="0"/>
+                                      <a:ea typeface="Cambria Math" panose="02040503050406030204" pitchFamily="18" charset="0"/>
+                                    </a:rPr>
+                                    <m:t>exp</m:t>
+                                  </m:r>
+                                </m:fName>
+                                <m:e>
+                                  <m:d>
+                                    <m:dPr>
+                                      <m:ctrlPr>
+                                        <a:rPr lang="en-US" i="1">
+                                          <a:latin typeface="Cambria Math" panose="02040503050406030204" pitchFamily="18" charset="0"/>
+                                          <a:ea typeface="Cambria Math" panose="02040503050406030204" pitchFamily="18" charset="0"/>
+                                        </a:rPr>
+                                      </m:ctrlPr>
+                                    </m:dPr>
+                                    <m:e>
+                                      <m:r>
+                                        <a:rPr lang="en-US" i="1">
+                                          <a:latin typeface="Cambria Math" panose="02040503050406030204" pitchFamily="18" charset="0"/>
+                                          <a:ea typeface="Cambria Math" panose="02040503050406030204" pitchFamily="18" charset="0"/>
+                                        </a:rPr>
+                                        <m:t>−</m:t>
+                                      </m:r>
+                                      <m:r>
+                                        <a:rPr lang="en-US" i="1">
+                                          <a:latin typeface="Cambria Math" panose="02040503050406030204" pitchFamily="18" charset="0"/>
+                                          <a:ea typeface="Cambria Math" panose="02040503050406030204" pitchFamily="18" charset="0"/>
+                                        </a:rPr>
+                                        <m:t>𝑣</m:t>
+                                      </m:r>
+                                      <m:d>
+                                        <m:dPr>
+                                          <m:ctrlPr>
+                                            <a:rPr lang="en-US" i="1">
+                                              <a:latin typeface="Cambria Math" panose="02040503050406030204" pitchFamily="18" charset="0"/>
+                                              <a:ea typeface="Cambria Math" panose="02040503050406030204" pitchFamily="18" charset="0"/>
+                                            </a:rPr>
+                                          </m:ctrlPr>
+                                        </m:dPr>
+                                        <m:e>
+                                          <m:r>
+                                            <a:rPr lang="en-US" i="1">
+                                              <a:latin typeface="Cambria Math" panose="02040503050406030204" pitchFamily="18" charset="0"/>
+                                              <a:ea typeface="Cambria Math" panose="02040503050406030204" pitchFamily="18" charset="0"/>
+                                            </a:rPr>
+                                            <m:t>∙;</m:t>
+                                          </m:r>
+                                          <m:r>
+                                            <a:rPr lang="en-US" i="1">
+                                              <a:latin typeface="Cambria Math" panose="02040503050406030204" pitchFamily="18" charset="0"/>
+                                              <a:ea typeface="Cambria Math" panose="02040503050406030204" pitchFamily="18" charset="0"/>
+                                            </a:rPr>
+                                            <m:t>𝜽</m:t>
+                                          </m:r>
+                                        </m:e>
+                                      </m:d>
+                                    </m:e>
+                                  </m:d>
+                                </m:e>
+                              </m:func>
+                            </m:e>
+                          </m:d>
+                          <m:r>
+                            <a:rPr lang="en-US" b="0" i="1" smtClean="0">
+                              <a:latin typeface="Cambria Math" panose="02040503050406030204" pitchFamily="18" charset="0"/>
+                              <a:ea typeface="Cambria Math" panose="02040503050406030204" pitchFamily="18" charset="0"/>
+                            </a:rPr>
+                            <m:t>−</m:t>
+                          </m:r>
+                          <m:sSub>
+                            <m:sSubPr>
+                              <m:ctrlPr>
+                                <a:rPr lang="en-US" i="1">
+                                  <a:latin typeface="Cambria Math" panose="02040503050406030204" pitchFamily="18" charset="0"/>
+                                  <a:ea typeface="Cambria Math" panose="02040503050406030204" pitchFamily="18" charset="0"/>
+                                </a:rPr>
+                              </m:ctrlPr>
+                            </m:sSubPr>
+                            <m:e>
+                              <m:r>
+                                <a:rPr lang="en-US" i="1">
+                                  <a:latin typeface="Cambria Math" panose="02040503050406030204" pitchFamily="18" charset="0"/>
+                                  <a:ea typeface="Cambria Math" panose="02040503050406030204" pitchFamily="18" charset="0"/>
+                                </a:rPr>
+                                <m:t>𝐸</m:t>
+                              </m:r>
+                            </m:e>
+                            <m:sub>
+                              <m:sSup>
+                                <m:sSupPr>
+                                  <m:ctrlPr>
+                                    <a:rPr lang="en-US" i="1">
+                                      <a:latin typeface="Cambria Math" panose="02040503050406030204" pitchFamily="18" charset="0"/>
+                                      <a:ea typeface="Cambria Math" panose="02040503050406030204" pitchFamily="18" charset="0"/>
+                                    </a:rPr>
+                                  </m:ctrlPr>
+                                </m:sSupPr>
+                                <m:e>
+                                  <m:r>
+                                    <m:rPr>
+                                      <m:sty m:val="p"/>
+                                    </m:rPr>
+                                    <a:rPr lang="el-GR" i="1">
+                                      <a:latin typeface="Cambria Math" panose="02040503050406030204" pitchFamily="18" charset="0"/>
+                                      <a:ea typeface="Cambria Math" panose="02040503050406030204" pitchFamily="18" charset="0"/>
+                                    </a:rPr>
+                                    <m:t>Π</m:t>
+                                  </m:r>
+                                </m:e>
+                                <m:sup>
+                                  <m:r>
+                                    <a:rPr lang="en-US" i="1">
+                                      <a:latin typeface="Cambria Math" panose="02040503050406030204" pitchFamily="18" charset="0"/>
+                                      <a:ea typeface="Cambria Math" panose="02040503050406030204" pitchFamily="18" charset="0"/>
+                                    </a:rPr>
+                                    <m:t>0</m:t>
+                                  </m:r>
+                                </m:sup>
+                              </m:sSup>
+                              <m:d>
+                                <m:dPr>
+                                  <m:ctrlPr>
+                                    <a:rPr lang="en-US" i="1">
+                                      <a:latin typeface="Cambria Math" panose="02040503050406030204" pitchFamily="18" charset="0"/>
+                                      <a:ea typeface="Cambria Math" panose="02040503050406030204" pitchFamily="18" charset="0"/>
+                                    </a:rPr>
+                                  </m:ctrlPr>
+                                </m:dPr>
+                                <m:e>
+                                  <m:sSub>
+                                    <m:sSubPr>
+                                      <m:ctrlPr>
+                                        <a:rPr lang="en-US" i="1">
+                                          <a:latin typeface="Cambria Math" panose="02040503050406030204" pitchFamily="18" charset="0"/>
+                                          <a:ea typeface="Cambria Math" panose="02040503050406030204" pitchFamily="18" charset="0"/>
+                                        </a:rPr>
+                                      </m:ctrlPr>
+                                    </m:sSubPr>
+                                    <m:e>
+                                      <m:r>
+                                        <a:rPr lang="en-US" i="1">
+                                          <a:latin typeface="Cambria Math" panose="02040503050406030204" pitchFamily="18" charset="0"/>
+                                          <a:ea typeface="Cambria Math" panose="02040503050406030204" pitchFamily="18" charset="0"/>
+                                        </a:rPr>
+                                        <m:t>𝑥</m:t>
+                                      </m:r>
+                                    </m:e>
+                                    <m:sub>
+                                      <m:r>
+                                        <a:rPr lang="en-US" i="1">
+                                          <a:latin typeface="Cambria Math" panose="02040503050406030204" pitchFamily="18" charset="0"/>
+                                          <a:ea typeface="Cambria Math" panose="02040503050406030204" pitchFamily="18" charset="0"/>
+                                        </a:rPr>
+                                        <m:t>𝑘</m:t>
+                                      </m:r>
+                                    </m:sub>
+                                  </m:sSub>
+                                </m:e>
+                              </m:d>
+                            </m:sub>
+                          </m:sSub>
+                          <m:r>
+                            <a:rPr lang="en-US" i="1">
+                              <a:latin typeface="Cambria Math" panose="02040503050406030204" pitchFamily="18" charset="0"/>
+                              <a:ea typeface="Cambria Math" panose="02040503050406030204" pitchFamily="18" charset="0"/>
+                            </a:rPr>
+                            <m:t>[−</m:t>
+                          </m:r>
+                          <m:f>
+                            <m:fPr>
+                              <m:ctrlPr>
+                                <a:rPr lang="en-US" i="1">
+                                  <a:latin typeface="Cambria Math" panose="02040503050406030204" pitchFamily="18" charset="0"/>
+                                  <a:ea typeface="Cambria Math" panose="02040503050406030204" pitchFamily="18" charset="0"/>
+                                </a:rPr>
+                              </m:ctrlPr>
+                            </m:fPr>
+                            <m:num>
+                              <m:r>
+                                <a:rPr lang="en-US" i="1">
+                                  <a:latin typeface="Cambria Math" panose="02040503050406030204" pitchFamily="18" charset="0"/>
+                                  <a:ea typeface="Cambria Math" panose="02040503050406030204" pitchFamily="18" charset="0"/>
+                                </a:rPr>
+                                <m:t>𝜕</m:t>
+                              </m:r>
+                              <m:r>
+                                <a:rPr lang="en-US" i="1">
+                                  <a:latin typeface="Cambria Math" panose="02040503050406030204" pitchFamily="18" charset="0"/>
+                                  <a:ea typeface="Cambria Math" panose="02040503050406030204" pitchFamily="18" charset="0"/>
+                                </a:rPr>
+                                <m:t>𝑣</m:t>
+                              </m:r>
+                              <m:d>
+                                <m:dPr>
+                                  <m:ctrlPr>
+                                    <a:rPr lang="en-US" i="1">
+                                      <a:latin typeface="Cambria Math" panose="02040503050406030204" pitchFamily="18" charset="0"/>
+                                      <a:ea typeface="Cambria Math" panose="02040503050406030204" pitchFamily="18" charset="0"/>
+                                    </a:rPr>
+                                  </m:ctrlPr>
+                                </m:dPr>
+                                <m:e>
+                                  <m:r>
+                                    <a:rPr lang="en-US" i="1">
+                                      <a:latin typeface="Cambria Math" panose="02040503050406030204" pitchFamily="18" charset="0"/>
+                                      <a:ea typeface="Cambria Math" panose="02040503050406030204" pitchFamily="18" charset="0"/>
+                                    </a:rPr>
+                                    <m:t>∙;</m:t>
+                                  </m:r>
+                                  <m:r>
+                                    <a:rPr lang="en-US" i="1">
+                                      <a:latin typeface="Cambria Math" panose="02040503050406030204" pitchFamily="18" charset="0"/>
+                                      <a:ea typeface="Cambria Math" panose="02040503050406030204" pitchFamily="18" charset="0"/>
+                                    </a:rPr>
+                                    <m:t>𝜽</m:t>
+                                  </m:r>
+                                </m:e>
+                              </m:d>
+                            </m:num>
+                            <m:den>
+                              <m:r>
+                                <a:rPr lang="en-US" i="1">
+                                  <a:latin typeface="Cambria Math" panose="02040503050406030204" pitchFamily="18" charset="0"/>
+                                  <a:ea typeface="Cambria Math" panose="02040503050406030204" pitchFamily="18" charset="0"/>
+                                </a:rPr>
+                                <m:t>𝜕</m:t>
+                              </m:r>
+                              <m:sSub>
+                                <m:sSubPr>
+                                  <m:ctrlPr>
+                                    <a:rPr lang="en-US" i="1">
+                                      <a:latin typeface="Cambria Math" panose="02040503050406030204" pitchFamily="18" charset="0"/>
+                                      <a:ea typeface="Cambria Math" panose="02040503050406030204" pitchFamily="18" charset="0"/>
+                                    </a:rPr>
+                                  </m:ctrlPr>
+                                </m:sSubPr>
+                                <m:e>
+                                  <m:r>
+                                    <a:rPr lang="en-US" i="1">
+                                      <a:latin typeface="Cambria Math" panose="02040503050406030204" pitchFamily="18" charset="0"/>
+                                      <a:ea typeface="Cambria Math" panose="02040503050406030204" pitchFamily="18" charset="0"/>
+                                    </a:rPr>
+                                    <m:t>𝜃</m:t>
+                                  </m:r>
+                                </m:e>
+                                <m:sub>
+                                  <m:r>
+                                    <a:rPr lang="en-US" i="1">
+                                      <a:latin typeface="Cambria Math" panose="02040503050406030204" pitchFamily="18" charset="0"/>
+                                      <a:ea typeface="Cambria Math" panose="02040503050406030204" pitchFamily="18" charset="0"/>
+                                    </a:rPr>
+                                    <m:t>𝑖</m:t>
+                                  </m:r>
+                                </m:sub>
+                              </m:sSub>
+                            </m:den>
+                          </m:f>
+                          <m:func>
+                            <m:funcPr>
+                              <m:ctrlPr>
+                                <a:rPr lang="en-US" i="1">
+                                  <a:latin typeface="Cambria Math" panose="02040503050406030204" pitchFamily="18" charset="0"/>
+                                  <a:ea typeface="Cambria Math" panose="02040503050406030204" pitchFamily="18" charset="0"/>
+                                </a:rPr>
+                              </m:ctrlPr>
+                            </m:funcPr>
+                            <m:fName>
+                              <m:r>
+                                <m:rPr>
+                                  <m:sty m:val="p"/>
+                                </m:rPr>
+                                <a:rPr lang="en-US">
+                                  <a:latin typeface="Cambria Math" panose="02040503050406030204" pitchFamily="18" charset="0"/>
+                                  <a:ea typeface="Cambria Math" panose="02040503050406030204" pitchFamily="18" charset="0"/>
+                                </a:rPr>
+                                <m:t>exp</m:t>
+                              </m:r>
+                            </m:fName>
+                            <m:e>
+                              <m:d>
+                                <m:dPr>
+                                  <m:ctrlPr>
+                                    <a:rPr lang="en-US" i="1">
+                                      <a:latin typeface="Cambria Math" panose="02040503050406030204" pitchFamily="18" charset="0"/>
+                                      <a:ea typeface="Cambria Math" panose="02040503050406030204" pitchFamily="18" charset="0"/>
+                                    </a:rPr>
+                                  </m:ctrlPr>
+                                </m:dPr>
+                                <m:e>
+                                  <m:r>
+                                    <a:rPr lang="en-US" i="1">
+                                      <a:latin typeface="Cambria Math" panose="02040503050406030204" pitchFamily="18" charset="0"/>
+                                      <a:ea typeface="Cambria Math" panose="02040503050406030204" pitchFamily="18" charset="0"/>
+                                    </a:rPr>
+                                    <m:t>−</m:t>
+                                  </m:r>
+                                  <m:r>
+                                    <a:rPr lang="en-US" i="1">
+                                      <a:latin typeface="Cambria Math" panose="02040503050406030204" pitchFamily="18" charset="0"/>
+                                      <a:ea typeface="Cambria Math" panose="02040503050406030204" pitchFamily="18" charset="0"/>
+                                    </a:rPr>
+                                    <m:t>𝑣</m:t>
+                                  </m:r>
+                                  <m:d>
+                                    <m:dPr>
+                                      <m:ctrlPr>
+                                        <a:rPr lang="en-US" i="1">
+                                          <a:latin typeface="Cambria Math" panose="02040503050406030204" pitchFamily="18" charset="0"/>
+                                          <a:ea typeface="Cambria Math" panose="02040503050406030204" pitchFamily="18" charset="0"/>
+                                        </a:rPr>
+                                      </m:ctrlPr>
+                                    </m:dPr>
+                                    <m:e>
+                                      <m:r>
+                                        <a:rPr lang="en-US" i="1">
+                                          <a:latin typeface="Cambria Math" panose="02040503050406030204" pitchFamily="18" charset="0"/>
+                                          <a:ea typeface="Cambria Math" panose="02040503050406030204" pitchFamily="18" charset="0"/>
+                                        </a:rPr>
+                                        <m:t>∙;</m:t>
+                                      </m:r>
+                                      <m:r>
+                                        <a:rPr lang="en-US" b="1" i="1">
+                                          <a:latin typeface="Cambria Math" panose="02040503050406030204" pitchFamily="18" charset="0"/>
+                                          <a:ea typeface="Cambria Math" panose="02040503050406030204" pitchFamily="18" charset="0"/>
+                                        </a:rPr>
+                                        <m:t>𝜽</m:t>
+                                      </m:r>
+                                    </m:e>
+                                  </m:d>
+                                </m:e>
+                              </m:d>
+                            </m:e>
+                          </m:func>
+                          <m:r>
+                            <a:rPr lang="en-US" i="1">
+                              <a:latin typeface="Cambria Math" panose="02040503050406030204" pitchFamily="18" charset="0"/>
+                              <a:ea typeface="Cambria Math" panose="02040503050406030204" pitchFamily="18" charset="0"/>
+                            </a:rPr>
+                            <m:t>]</m:t>
+                          </m:r>
+                          <m:sSub>
+                            <m:sSubPr>
+                              <m:ctrlPr>
+                                <a:rPr lang="en-US" i="1">
+                                  <a:latin typeface="Cambria Math" panose="02040503050406030204" pitchFamily="18" charset="0"/>
+                                  <a:ea typeface="Cambria Math" panose="02040503050406030204" pitchFamily="18" charset="0"/>
+                                </a:rPr>
+                              </m:ctrlPr>
+                            </m:sSubPr>
+                            <m:e>
+                              <m:r>
+                                <a:rPr lang="en-US" i="1">
+                                  <a:latin typeface="Cambria Math" panose="02040503050406030204" pitchFamily="18" charset="0"/>
+                                  <a:ea typeface="Cambria Math" panose="02040503050406030204" pitchFamily="18" charset="0"/>
+                                </a:rPr>
+                                <m:t>𝐸</m:t>
+                              </m:r>
+                            </m:e>
+                            <m:sub>
+                              <m:sSup>
+                                <m:sSupPr>
+                                  <m:ctrlPr>
+                                    <a:rPr lang="en-US" i="1">
+                                      <a:latin typeface="Cambria Math" panose="02040503050406030204" pitchFamily="18" charset="0"/>
+                                      <a:ea typeface="Cambria Math" panose="02040503050406030204" pitchFamily="18" charset="0"/>
+                                    </a:rPr>
+                                  </m:ctrlPr>
+                                </m:sSupPr>
+                                <m:e>
+                                  <m:r>
+                                    <m:rPr>
+                                      <m:sty m:val="p"/>
+                                    </m:rPr>
+                                    <a:rPr lang="el-GR" i="1">
+                                      <a:latin typeface="Cambria Math" panose="02040503050406030204" pitchFamily="18" charset="0"/>
+                                      <a:ea typeface="Cambria Math" panose="02040503050406030204" pitchFamily="18" charset="0"/>
+                                    </a:rPr>
+                                    <m:t>Π</m:t>
+                                  </m:r>
+                                </m:e>
+                                <m:sup>
+                                  <m:r>
+                                    <a:rPr lang="en-US" i="1">
+                                      <a:latin typeface="Cambria Math" panose="02040503050406030204" pitchFamily="18" charset="0"/>
+                                      <a:ea typeface="Cambria Math" panose="02040503050406030204" pitchFamily="18" charset="0"/>
+                                    </a:rPr>
+                                    <m:t>0</m:t>
+                                  </m:r>
+                                </m:sup>
+                              </m:sSup>
+                              <m:d>
+                                <m:dPr>
+                                  <m:ctrlPr>
+                                    <a:rPr lang="en-US" i="1">
+                                      <a:latin typeface="Cambria Math" panose="02040503050406030204" pitchFamily="18" charset="0"/>
+                                      <a:ea typeface="Cambria Math" panose="02040503050406030204" pitchFamily="18" charset="0"/>
+                                    </a:rPr>
+                                  </m:ctrlPr>
+                                </m:dPr>
+                                <m:e>
+                                  <m:sSub>
+                                    <m:sSubPr>
+                                      <m:ctrlPr>
+                                        <a:rPr lang="en-US" i="1">
+                                          <a:latin typeface="Cambria Math" panose="02040503050406030204" pitchFamily="18" charset="0"/>
+                                          <a:ea typeface="Cambria Math" panose="02040503050406030204" pitchFamily="18" charset="0"/>
+                                        </a:rPr>
+                                      </m:ctrlPr>
+                                    </m:sSubPr>
+                                    <m:e>
+                                      <m:r>
+                                        <a:rPr lang="en-US" i="1">
+                                          <a:latin typeface="Cambria Math" panose="02040503050406030204" pitchFamily="18" charset="0"/>
+                                          <a:ea typeface="Cambria Math" panose="02040503050406030204" pitchFamily="18" charset="0"/>
+                                        </a:rPr>
+                                        <m:t>𝑥</m:t>
+                                      </m:r>
+                                    </m:e>
+                                    <m:sub>
+                                      <m:r>
+                                        <a:rPr lang="en-US" i="1">
+                                          <a:latin typeface="Cambria Math" panose="02040503050406030204" pitchFamily="18" charset="0"/>
+                                          <a:ea typeface="Cambria Math" panose="02040503050406030204" pitchFamily="18" charset="0"/>
+                                        </a:rPr>
+                                        <m:t>𝑘</m:t>
+                                      </m:r>
+                                    </m:sub>
+                                  </m:sSub>
+                                </m:e>
+                              </m:d>
+                            </m:sub>
+                          </m:sSub>
+                          <m:r>
+                            <a:rPr lang="en-US" i="1">
+                              <a:latin typeface="Cambria Math" panose="02040503050406030204" pitchFamily="18" charset="0"/>
+                              <a:ea typeface="Cambria Math" panose="02040503050406030204" pitchFamily="18" charset="0"/>
+                            </a:rPr>
+                            <m:t>[−</m:t>
+                          </m:r>
+                          <m:f>
+                            <m:fPr>
+                              <m:ctrlPr>
+                                <a:rPr lang="en-US" i="1">
+                                  <a:latin typeface="Cambria Math" panose="02040503050406030204" pitchFamily="18" charset="0"/>
+                                  <a:ea typeface="Cambria Math" panose="02040503050406030204" pitchFamily="18" charset="0"/>
+                                </a:rPr>
+                              </m:ctrlPr>
+                            </m:fPr>
+                            <m:num>
+                              <m:r>
+                                <a:rPr lang="en-US" i="1">
+                                  <a:latin typeface="Cambria Math" panose="02040503050406030204" pitchFamily="18" charset="0"/>
+                                  <a:ea typeface="Cambria Math" panose="02040503050406030204" pitchFamily="18" charset="0"/>
+                                </a:rPr>
+                                <m:t>𝜕</m:t>
+                              </m:r>
+                              <m:r>
+                                <a:rPr lang="en-US" i="1">
+                                  <a:latin typeface="Cambria Math" panose="02040503050406030204" pitchFamily="18" charset="0"/>
+                                  <a:ea typeface="Cambria Math" panose="02040503050406030204" pitchFamily="18" charset="0"/>
+                                </a:rPr>
+                                <m:t>𝑣</m:t>
+                              </m:r>
+                              <m:d>
+                                <m:dPr>
+                                  <m:ctrlPr>
+                                    <a:rPr lang="en-US" i="1">
+                                      <a:latin typeface="Cambria Math" panose="02040503050406030204" pitchFamily="18" charset="0"/>
+                                      <a:ea typeface="Cambria Math" panose="02040503050406030204" pitchFamily="18" charset="0"/>
+                                    </a:rPr>
+                                  </m:ctrlPr>
+                                </m:dPr>
+                                <m:e>
+                                  <m:r>
+                                    <a:rPr lang="en-US" i="1">
+                                      <a:latin typeface="Cambria Math" panose="02040503050406030204" pitchFamily="18" charset="0"/>
+                                      <a:ea typeface="Cambria Math" panose="02040503050406030204" pitchFamily="18" charset="0"/>
+                                    </a:rPr>
+                                    <m:t>∙;</m:t>
+                                  </m:r>
+                                  <m:r>
+                                    <a:rPr lang="en-US" i="1">
+                                      <a:latin typeface="Cambria Math" panose="02040503050406030204" pitchFamily="18" charset="0"/>
+                                      <a:ea typeface="Cambria Math" panose="02040503050406030204" pitchFamily="18" charset="0"/>
+                                    </a:rPr>
+                                    <m:t>𝜽</m:t>
+                                  </m:r>
+                                </m:e>
+                              </m:d>
+                            </m:num>
+                            <m:den>
+                              <m:r>
+                                <a:rPr lang="en-US" i="1">
+                                  <a:latin typeface="Cambria Math" panose="02040503050406030204" pitchFamily="18" charset="0"/>
+                                  <a:ea typeface="Cambria Math" panose="02040503050406030204" pitchFamily="18" charset="0"/>
+                                </a:rPr>
+                                <m:t>𝜕</m:t>
+                              </m:r>
+                              <m:sSub>
+                                <m:sSubPr>
+                                  <m:ctrlPr>
+                                    <a:rPr lang="en-US" i="1">
+                                      <a:latin typeface="Cambria Math" panose="02040503050406030204" pitchFamily="18" charset="0"/>
+                                      <a:ea typeface="Cambria Math" panose="02040503050406030204" pitchFamily="18" charset="0"/>
+                                    </a:rPr>
+                                  </m:ctrlPr>
+                                </m:sSubPr>
+                                <m:e>
+                                  <m:r>
+                                    <a:rPr lang="en-US" i="1">
+                                      <a:latin typeface="Cambria Math" panose="02040503050406030204" pitchFamily="18" charset="0"/>
+                                      <a:ea typeface="Cambria Math" panose="02040503050406030204" pitchFamily="18" charset="0"/>
+                                    </a:rPr>
+                                    <m:t>𝜃</m:t>
+                                  </m:r>
+                                </m:e>
+                                <m:sub>
+                                  <m:r>
+                                    <a:rPr lang="en-US" b="0" i="1" smtClean="0">
+                                      <a:latin typeface="Cambria Math" panose="02040503050406030204" pitchFamily="18" charset="0"/>
+                                      <a:ea typeface="Cambria Math" panose="02040503050406030204" pitchFamily="18" charset="0"/>
+                                    </a:rPr>
+                                    <m:t>𝑗</m:t>
+                                  </m:r>
+                                </m:sub>
+                              </m:sSub>
+                            </m:den>
+                          </m:f>
+                          <m:func>
+                            <m:funcPr>
+                              <m:ctrlPr>
+                                <a:rPr lang="en-US" i="1">
+                                  <a:latin typeface="Cambria Math" panose="02040503050406030204" pitchFamily="18" charset="0"/>
+                                  <a:ea typeface="Cambria Math" panose="02040503050406030204" pitchFamily="18" charset="0"/>
+                                </a:rPr>
+                              </m:ctrlPr>
+                            </m:funcPr>
+                            <m:fName>
+                              <m:r>
+                                <m:rPr>
+                                  <m:sty m:val="p"/>
+                                </m:rPr>
+                                <a:rPr lang="en-US">
+                                  <a:latin typeface="Cambria Math" panose="02040503050406030204" pitchFamily="18" charset="0"/>
+                                  <a:ea typeface="Cambria Math" panose="02040503050406030204" pitchFamily="18" charset="0"/>
+                                </a:rPr>
+                                <m:t>exp</m:t>
+                              </m:r>
+                            </m:fName>
+                            <m:e>
+                              <m:d>
+                                <m:dPr>
+                                  <m:ctrlPr>
+                                    <a:rPr lang="en-US" i="1">
+                                      <a:latin typeface="Cambria Math" panose="02040503050406030204" pitchFamily="18" charset="0"/>
+                                      <a:ea typeface="Cambria Math" panose="02040503050406030204" pitchFamily="18" charset="0"/>
+                                    </a:rPr>
+                                  </m:ctrlPr>
+                                </m:dPr>
+                                <m:e>
+                                  <m:r>
+                                    <a:rPr lang="en-US" i="1">
+                                      <a:latin typeface="Cambria Math" panose="02040503050406030204" pitchFamily="18" charset="0"/>
+                                      <a:ea typeface="Cambria Math" panose="02040503050406030204" pitchFamily="18" charset="0"/>
+                                    </a:rPr>
+                                    <m:t>−</m:t>
+                                  </m:r>
+                                  <m:r>
+                                    <a:rPr lang="en-US" i="1">
+                                      <a:latin typeface="Cambria Math" panose="02040503050406030204" pitchFamily="18" charset="0"/>
+                                      <a:ea typeface="Cambria Math" panose="02040503050406030204" pitchFamily="18" charset="0"/>
+                                    </a:rPr>
+                                    <m:t>𝑣</m:t>
+                                  </m:r>
+                                  <m:d>
+                                    <m:dPr>
+                                      <m:ctrlPr>
+                                        <a:rPr lang="en-US" i="1">
+                                          <a:latin typeface="Cambria Math" panose="02040503050406030204" pitchFamily="18" charset="0"/>
+                                          <a:ea typeface="Cambria Math" panose="02040503050406030204" pitchFamily="18" charset="0"/>
+                                        </a:rPr>
+                                      </m:ctrlPr>
+                                    </m:dPr>
+                                    <m:e>
+                                      <m:r>
+                                        <a:rPr lang="en-US" i="1">
+                                          <a:latin typeface="Cambria Math" panose="02040503050406030204" pitchFamily="18" charset="0"/>
+                                          <a:ea typeface="Cambria Math" panose="02040503050406030204" pitchFamily="18" charset="0"/>
+                                        </a:rPr>
+                                        <m:t>∙;</m:t>
+                                      </m:r>
+                                      <m:r>
+                                        <a:rPr lang="en-US" b="1" i="1">
+                                          <a:latin typeface="Cambria Math" panose="02040503050406030204" pitchFamily="18" charset="0"/>
+                                          <a:ea typeface="Cambria Math" panose="02040503050406030204" pitchFamily="18" charset="0"/>
+                                        </a:rPr>
+                                        <m:t>𝜽</m:t>
+                                      </m:r>
+                                    </m:e>
+                                  </m:d>
+                                </m:e>
+                              </m:d>
+                            </m:e>
+                          </m:func>
+                          <m:r>
+                            <a:rPr lang="en-US" i="1">
+                              <a:latin typeface="Cambria Math" panose="02040503050406030204" pitchFamily="18" charset="0"/>
+                              <a:ea typeface="Cambria Math" panose="02040503050406030204" pitchFamily="18" charset="0"/>
+                            </a:rPr>
+                            <m:t>]</m:t>
+                          </m:r>
+                        </m:num>
+                        <m:den>
+                          <m:sSup>
+                            <m:sSupPr>
+                              <m:ctrlPr>
+                                <a:rPr lang="en-US" b="0" i="1" smtClean="0">
+                                  <a:latin typeface="Cambria Math" panose="02040503050406030204" pitchFamily="18" charset="0"/>
+                                  <a:ea typeface="Cambria Math" panose="02040503050406030204" pitchFamily="18" charset="0"/>
+                                </a:rPr>
+                              </m:ctrlPr>
+                            </m:sSupPr>
+                            <m:e>
+                              <m:sSub>
+                                <m:sSubPr>
+                                  <m:ctrlPr>
+                                    <a:rPr lang="en-US" i="1">
+                                      <a:latin typeface="Cambria Math" panose="02040503050406030204" pitchFamily="18" charset="0"/>
+                                      <a:ea typeface="Cambria Math" panose="02040503050406030204" pitchFamily="18" charset="0"/>
+                                    </a:rPr>
+                                  </m:ctrlPr>
+                                </m:sSubPr>
+                                <m:e>
+                                  <m:r>
+                                    <a:rPr lang="en-US" i="1">
+                                      <a:latin typeface="Cambria Math" panose="02040503050406030204" pitchFamily="18" charset="0"/>
+                                      <a:ea typeface="Cambria Math" panose="02040503050406030204" pitchFamily="18" charset="0"/>
+                                    </a:rPr>
+                                    <m:t>𝐸</m:t>
+                                  </m:r>
+                                </m:e>
+                                <m:sub>
+                                  <m:sSup>
+                                    <m:sSupPr>
+                                      <m:ctrlPr>
+                                        <a:rPr lang="en-US" i="1">
+                                          <a:latin typeface="Cambria Math" panose="02040503050406030204" pitchFamily="18" charset="0"/>
+                                          <a:ea typeface="Cambria Math" panose="02040503050406030204" pitchFamily="18" charset="0"/>
+                                        </a:rPr>
+                                      </m:ctrlPr>
+                                    </m:sSupPr>
+                                    <m:e>
+                                      <m:r>
+                                        <m:rPr>
+                                          <m:sty m:val="p"/>
+                                        </m:rPr>
+                                        <a:rPr lang="el-GR" i="1">
+                                          <a:latin typeface="Cambria Math" panose="02040503050406030204" pitchFamily="18" charset="0"/>
+                                          <a:ea typeface="Cambria Math" panose="02040503050406030204" pitchFamily="18" charset="0"/>
+                                        </a:rPr>
+                                        <m:t>Π</m:t>
+                                      </m:r>
+                                    </m:e>
+                                    <m:sup>
+                                      <m:r>
+                                        <a:rPr lang="en-US" i="1">
+                                          <a:latin typeface="Cambria Math" panose="02040503050406030204" pitchFamily="18" charset="0"/>
+                                          <a:ea typeface="Cambria Math" panose="02040503050406030204" pitchFamily="18" charset="0"/>
+                                        </a:rPr>
+                                        <m:t>0</m:t>
+                                      </m:r>
+                                    </m:sup>
+                                  </m:sSup>
+                                  <m:d>
+                                    <m:dPr>
+                                      <m:ctrlPr>
+                                        <a:rPr lang="en-US" i="1">
+                                          <a:latin typeface="Cambria Math" panose="02040503050406030204" pitchFamily="18" charset="0"/>
+                                          <a:ea typeface="Cambria Math" panose="02040503050406030204" pitchFamily="18" charset="0"/>
+                                        </a:rPr>
+                                      </m:ctrlPr>
+                                    </m:dPr>
+                                    <m:e>
+                                      <m:sSub>
+                                        <m:sSubPr>
+                                          <m:ctrlPr>
+                                            <a:rPr lang="en-US" i="1">
+                                              <a:latin typeface="Cambria Math" panose="02040503050406030204" pitchFamily="18" charset="0"/>
+                                              <a:ea typeface="Cambria Math" panose="02040503050406030204" pitchFamily="18" charset="0"/>
+                                            </a:rPr>
+                                          </m:ctrlPr>
+                                        </m:sSubPr>
+                                        <m:e>
+                                          <m:r>
+                                            <a:rPr lang="en-US" i="1">
+                                              <a:latin typeface="Cambria Math" panose="02040503050406030204" pitchFamily="18" charset="0"/>
+                                              <a:ea typeface="Cambria Math" panose="02040503050406030204" pitchFamily="18" charset="0"/>
+                                            </a:rPr>
+                                            <m:t>𝑥</m:t>
+                                          </m:r>
+                                        </m:e>
+                                        <m:sub>
+                                          <m:r>
+                                            <a:rPr lang="en-US" i="1">
+                                              <a:latin typeface="Cambria Math" panose="02040503050406030204" pitchFamily="18" charset="0"/>
+                                              <a:ea typeface="Cambria Math" panose="02040503050406030204" pitchFamily="18" charset="0"/>
+                                            </a:rPr>
+                                            <m:t>𝑘</m:t>
+                                          </m:r>
+                                        </m:sub>
+                                      </m:sSub>
+                                    </m:e>
+                                  </m:d>
+                                </m:sub>
+                              </m:sSub>
+                              <m:d>
+                                <m:dPr>
+                                  <m:begChr m:val="["/>
+                                  <m:endChr m:val="]"/>
+                                  <m:ctrlPr>
+                                    <a:rPr lang="en-US" i="1">
+                                      <a:latin typeface="Cambria Math" panose="02040503050406030204" pitchFamily="18" charset="0"/>
+                                      <a:ea typeface="Cambria Math" panose="02040503050406030204" pitchFamily="18" charset="0"/>
+                                    </a:rPr>
+                                  </m:ctrlPr>
+                                </m:dPr>
+                                <m:e>
+                                  <m:func>
+                                    <m:funcPr>
+                                      <m:ctrlPr>
+                                        <a:rPr lang="en-US" i="1">
+                                          <a:latin typeface="Cambria Math" panose="02040503050406030204" pitchFamily="18" charset="0"/>
+                                          <a:ea typeface="Cambria Math" panose="02040503050406030204" pitchFamily="18" charset="0"/>
+                                        </a:rPr>
+                                      </m:ctrlPr>
+                                    </m:funcPr>
+                                    <m:fName>
+                                      <m:r>
+                                        <m:rPr>
+                                          <m:sty m:val="p"/>
+                                        </m:rPr>
+                                        <a:rPr lang="en-US">
+                                          <a:latin typeface="Cambria Math" panose="02040503050406030204" pitchFamily="18" charset="0"/>
+                                          <a:ea typeface="Cambria Math" panose="02040503050406030204" pitchFamily="18" charset="0"/>
+                                        </a:rPr>
+                                        <m:t>exp</m:t>
+                                      </m:r>
+                                    </m:fName>
+                                    <m:e>
+                                      <m:d>
+                                        <m:dPr>
+                                          <m:ctrlPr>
+                                            <a:rPr lang="en-US" i="1">
+                                              <a:latin typeface="Cambria Math" panose="02040503050406030204" pitchFamily="18" charset="0"/>
+                                              <a:ea typeface="Cambria Math" panose="02040503050406030204" pitchFamily="18" charset="0"/>
+                                            </a:rPr>
+                                          </m:ctrlPr>
+                                        </m:dPr>
+                                        <m:e>
+                                          <m:r>
+                                            <a:rPr lang="en-US" i="1">
+                                              <a:latin typeface="Cambria Math" panose="02040503050406030204" pitchFamily="18" charset="0"/>
+                                              <a:ea typeface="Cambria Math" panose="02040503050406030204" pitchFamily="18" charset="0"/>
+                                            </a:rPr>
+                                            <m:t>−</m:t>
+                                          </m:r>
+                                          <m:r>
+                                            <a:rPr lang="en-US" i="1">
+                                              <a:latin typeface="Cambria Math" panose="02040503050406030204" pitchFamily="18" charset="0"/>
+                                              <a:ea typeface="Cambria Math" panose="02040503050406030204" pitchFamily="18" charset="0"/>
+                                            </a:rPr>
+                                            <m:t>𝑣</m:t>
+                                          </m:r>
+                                          <m:d>
+                                            <m:dPr>
+                                              <m:ctrlPr>
+                                                <a:rPr lang="en-US" i="1">
+                                                  <a:latin typeface="Cambria Math" panose="02040503050406030204" pitchFamily="18" charset="0"/>
+                                                  <a:ea typeface="Cambria Math" panose="02040503050406030204" pitchFamily="18" charset="0"/>
+                                                </a:rPr>
+                                              </m:ctrlPr>
+                                            </m:dPr>
+                                            <m:e>
+                                              <m:r>
+                                                <a:rPr lang="en-US" i="1">
+                                                  <a:latin typeface="Cambria Math" panose="02040503050406030204" pitchFamily="18" charset="0"/>
+                                                  <a:ea typeface="Cambria Math" panose="02040503050406030204" pitchFamily="18" charset="0"/>
+                                                </a:rPr>
+                                                <m:t>∙;</m:t>
+                                              </m:r>
+                                              <m:r>
+                                                <a:rPr lang="en-US" i="1">
+                                                  <a:latin typeface="Cambria Math" panose="02040503050406030204" pitchFamily="18" charset="0"/>
+                                                  <a:ea typeface="Cambria Math" panose="02040503050406030204" pitchFamily="18" charset="0"/>
+                                                </a:rPr>
+                                                <m:t>𝜽</m:t>
+                                              </m:r>
+                                            </m:e>
+                                          </m:d>
+                                        </m:e>
+                                      </m:d>
+                                    </m:e>
+                                  </m:func>
+                                </m:e>
+                              </m:d>
+                            </m:e>
+                            <m:sup>
+                              <m:r>
+                                <a:rPr lang="en-US" b="0" i="1" smtClean="0">
+                                  <a:latin typeface="Cambria Math" panose="02040503050406030204" pitchFamily="18" charset="0"/>
+                                  <a:ea typeface="Cambria Math" panose="02040503050406030204" pitchFamily="18" charset="0"/>
+                                </a:rPr>
+                                <m:t>2</m:t>
+                              </m:r>
+                            </m:sup>
+                          </m:sSup>
+                        </m:den>
+                      </m:f>
+                    </m:oMath>
+                  </m:oMathPara>
+                </a14:m>
+                <a:endParaRPr lang="en-US" dirty="0"/>
+              </a:p>
+              <a:p>
+                <a:pPr marL="0" indent="0">
+                  <a:buNone/>
+                </a:pPr>
+                <a:endParaRPr lang="en-US" dirty="0"/>
+              </a:p>
+            </p:txBody>
+          </p:sp>
+        </mc:Choice>
+        <mc:Fallback>
+          <p:sp>
+            <p:nvSpPr>
+              <p:cNvPr id="3" name="Content Placeholder 2">
+                <a:extLst>
+                  <a:ext uri="{FF2B5EF4-FFF2-40B4-BE49-F238E27FC236}">
+                    <a16:creationId xmlns:a16="http://schemas.microsoft.com/office/drawing/2014/main" id="{CBBAC521-9E8E-0CE0-84DA-DBEB70A5A320}"/>
+                  </a:ext>
+                </a:extLst>
+              </p:cNvPr>
+              <p:cNvSpPr>
+                <a:spLocks noGrp="1" noRot="1" noChangeAspect="1" noMove="1" noResize="1" noEditPoints="1" noAdjustHandles="1" noChangeArrowheads="1" noChangeShapeType="1" noTextEdit="1"/>
+              </p:cNvSpPr>
+              <p:nvPr>
+                <p:ph idx="1"/>
+              </p:nvPr>
+            </p:nvSpPr>
+            <p:spPr>
+              <a:blipFill>
+                <a:blip r:embed="rId2"/>
+                <a:stretch>
+                  <a:fillRect t="-7849"/>
+                </a:stretch>
+              </a:blipFill>
+            </p:spPr>
+            <p:txBody>
+              <a:bodyPr/>
+              <a:lstStyle/>
+              <a:p>
+                <a:r>
+                  <a:rPr lang="en-US">
+                    <a:noFill/>
+                  </a:rPr>
+                  <a:t> </a:t>
+                </a:r>
+              </a:p>
+            </p:txBody>
+          </p:sp>
+        </mc:Fallback>
+      </mc:AlternateContent>
+    </p:spTree>
+    <p:extLst>
+      <p:ext uri="{BB962C8B-B14F-4D97-AF65-F5344CB8AC3E}">
+        <p14:creationId xmlns:p14="http://schemas.microsoft.com/office/powerpoint/2010/main" val="3699531644"/>
+      </p:ext>
+    </p:extLst>
+  </p:cSld>
+  <p:clrMapOvr>
+    <a:masterClrMapping/>
+  </p:clrMapOvr>
+</p:sld>
+</file>
+
+<file path=ppt/slides/slide58.xml><?xml version="1.0" encoding="utf-8"?>
+<p:sld xmlns:a="http://schemas.openxmlformats.org/drawingml/2006/main" xmlns:r="http://schemas.openxmlformats.org/officeDocument/2006/relationships" xmlns:p="http://schemas.openxmlformats.org/presentationml/2006/main">
+  <p:cSld>
+    <p:spTree>
+      <p:nvGrpSpPr>
+        <p:cNvPr id="1" name=""/>
+        <p:cNvGrpSpPr/>
+        <p:nvPr/>
+      </p:nvGrpSpPr>
+      <p:grpSpPr>
+        <a:xfrm>
+          <a:off x="0" y="0"/>
+          <a:ext cx="0" cy="0"/>
+          <a:chOff x="0" y="0"/>
+          <a:chExt cx="0" cy="0"/>
+        </a:xfrm>
+      </p:grpSpPr>
+      <p:sp>
+        <p:nvSpPr>
+          <p:cNvPr id="2" name="Title 1">
+            <a:extLst>
+              <a:ext uri="{FF2B5EF4-FFF2-40B4-BE49-F238E27FC236}">
+                <a16:creationId xmlns:a16="http://schemas.microsoft.com/office/drawing/2014/main" id="{538D4931-42A8-1DC4-F862-7FDBF7A8FCE8}"/>
+              </a:ext>
+            </a:extLst>
+          </p:cNvPr>
+          <p:cNvSpPr>
+            <a:spLocks noGrp="1"/>
+          </p:cNvSpPr>
+          <p:nvPr>
+            <p:ph type="title"/>
+          </p:nvPr>
+        </p:nvSpPr>
+        <p:spPr/>
+        <p:txBody>
+          <a:bodyPr/>
+          <a:lstStyle/>
+          <a:p>
+            <a:r>
+              <a:rPr lang="en-US" dirty="0"/>
+              <a:t>Hessian for Linear </a:t>
+            </a:r>
+            <a:r>
+              <a:rPr lang="en-US" dirty="0" err="1"/>
+              <a:t>OptV</a:t>
+            </a:r>
+            <a:r>
+              <a:rPr lang="en-US" dirty="0"/>
+              <a:t> (diagonal)</a:t>
+            </a:r>
+          </a:p>
+        </p:txBody>
+      </p:sp>
+      <mc:AlternateContent xmlns:mc="http://schemas.openxmlformats.org/markup-compatibility/2006">
+        <mc:Choice xmlns:a14="http://schemas.microsoft.com/office/drawing/2010/main" Requires="a14">
+          <p:sp>
+            <p:nvSpPr>
+              <p:cNvPr id="3" name="Content Placeholder 2">
+                <a:extLst>
+                  <a:ext uri="{FF2B5EF4-FFF2-40B4-BE49-F238E27FC236}">
+                    <a16:creationId xmlns:a16="http://schemas.microsoft.com/office/drawing/2014/main" id="{CBBAC521-9E8E-0CE0-84DA-DBEB70A5A320}"/>
+                  </a:ext>
+                </a:extLst>
+              </p:cNvPr>
+              <p:cNvSpPr>
+                <a:spLocks noGrp="1"/>
+              </p:cNvSpPr>
+              <p:nvPr>
+                <p:ph idx="1"/>
+              </p:nvPr>
+            </p:nvSpPr>
+            <p:spPr/>
+            <p:txBody>
+              <a:bodyPr>
+                <a:normAutofit fontScale="55000" lnSpcReduction="20000"/>
+              </a:bodyPr>
+              <a:lstStyle/>
+              <a:p>
+                <a:pPr marL="0" indent="0">
+                  <a:buNone/>
+                </a:pPr>
+                <a14:m>
+                  <m:oMathPara xmlns:m="http://schemas.openxmlformats.org/officeDocument/2006/math">
+                    <m:oMathParaPr>
+                      <m:jc m:val="centerGroup"/>
+                    </m:oMathParaPr>
+                    <m:oMath xmlns:m="http://schemas.openxmlformats.org/officeDocument/2006/math">
+                      <m:f>
+                        <m:fPr>
+                          <m:ctrlPr>
+                            <a:rPr lang="en-US" i="1" smtClean="0">
+                              <a:latin typeface="Cambria Math" panose="02040503050406030204" pitchFamily="18" charset="0"/>
+                            </a:rPr>
+                          </m:ctrlPr>
+                        </m:fPr>
+                        <m:num>
+                          <m:r>
+                            <a:rPr lang="en-US" i="1" smtClean="0">
+                              <a:latin typeface="Cambria Math" panose="02040503050406030204" pitchFamily="18" charset="0"/>
+                            </a:rPr>
+                            <m:t>𝜕</m:t>
+                          </m:r>
+                          <m:r>
+                            <a:rPr lang="en-US" b="0" i="1" smtClean="0">
+                              <a:latin typeface="Cambria Math" panose="02040503050406030204" pitchFamily="18" charset="0"/>
+                            </a:rPr>
+                            <m:t>𝐿</m:t>
+                          </m:r>
+                          <m:r>
+                            <a:rPr lang="en-US" b="0" i="1" smtClean="0">
+                              <a:latin typeface="Cambria Math" panose="02040503050406030204" pitchFamily="18" charset="0"/>
+                            </a:rPr>
+                            <m:t>[</m:t>
+                          </m:r>
+                          <m:r>
+                            <a:rPr lang="en-US" b="0" i="1" smtClean="0">
+                              <a:latin typeface="Cambria Math" panose="02040503050406030204" pitchFamily="18" charset="0"/>
+                            </a:rPr>
+                            <m:t>𝑣</m:t>
+                          </m:r>
+                          <m:d>
+                            <m:dPr>
+                              <m:ctrlPr>
+                                <a:rPr lang="en-US" b="0" i="1" smtClean="0">
+                                  <a:latin typeface="Cambria Math" panose="02040503050406030204" pitchFamily="18" charset="0"/>
+                                </a:rPr>
+                              </m:ctrlPr>
+                            </m:dPr>
+                            <m:e>
+                              <m:r>
+                                <a:rPr lang="en-US" b="0" i="1" smtClean="0">
+                                  <a:latin typeface="Cambria Math" panose="02040503050406030204" pitchFamily="18" charset="0"/>
+                                  <a:ea typeface="Cambria Math" panose="02040503050406030204" pitchFamily="18" charset="0"/>
+                                </a:rPr>
+                                <m:t>∙</m:t>
+                              </m:r>
+                            </m:e>
+                          </m:d>
+                          <m:r>
+                            <a:rPr lang="en-US" b="0" i="1" smtClean="0">
+                              <a:latin typeface="Cambria Math" panose="02040503050406030204" pitchFamily="18" charset="0"/>
+                              <a:ea typeface="Cambria Math" panose="02040503050406030204" pitchFamily="18" charset="0"/>
+                            </a:rPr>
+                            <m:t>]</m:t>
+                          </m:r>
+                        </m:num>
+                        <m:den>
+                          <m:r>
+                            <a:rPr lang="en-US" i="1" smtClean="0">
+                              <a:latin typeface="Cambria Math" panose="02040503050406030204" pitchFamily="18" charset="0"/>
+                            </a:rPr>
+                            <m:t>𝜕</m:t>
+                          </m:r>
+                          <m:sSubSup>
+                            <m:sSubSupPr>
+                              <m:ctrlPr>
+                                <a:rPr lang="en-US" i="1" smtClean="0">
+                                  <a:latin typeface="Cambria Math" panose="02040503050406030204" pitchFamily="18" charset="0"/>
+                                </a:rPr>
+                              </m:ctrlPr>
+                            </m:sSubSupPr>
+                            <m:e>
+                              <m:r>
+                                <a:rPr lang="en-US" i="1" smtClean="0">
+                                  <a:latin typeface="Cambria Math" panose="02040503050406030204" pitchFamily="18" charset="0"/>
+                                  <a:ea typeface="Cambria Math" panose="02040503050406030204" pitchFamily="18" charset="0"/>
+                                </a:rPr>
+                                <m:t>𝜃</m:t>
+                              </m:r>
+                            </m:e>
+                            <m:sub>
+                              <m:r>
+                                <a:rPr lang="en-US" b="0" i="1" smtClean="0">
+                                  <a:latin typeface="Cambria Math" panose="02040503050406030204" pitchFamily="18" charset="0"/>
+                                </a:rPr>
+                                <m:t>𝑖</m:t>
+                              </m:r>
+                            </m:sub>
+                            <m:sup>
+                              <m:r>
+                                <a:rPr lang="en-US" b="0" i="1" smtClean="0">
+                                  <a:latin typeface="Cambria Math" panose="02040503050406030204" pitchFamily="18" charset="0"/>
+                                </a:rPr>
+                                <m:t>2</m:t>
+                              </m:r>
+                            </m:sup>
+                          </m:sSubSup>
+                        </m:den>
+                      </m:f>
+                      <m:r>
+                        <a:rPr lang="en-US" b="0" i="1" smtClean="0">
+                          <a:latin typeface="Cambria Math" panose="02040503050406030204" pitchFamily="18" charset="0"/>
+                        </a:rPr>
+                        <m:t>=</m:t>
+                      </m:r>
+                      <m:nary>
+                        <m:naryPr>
+                          <m:chr m:val="∑"/>
+                          <m:supHide m:val="on"/>
+                          <m:ctrlPr>
+                            <a:rPr lang="en-US" i="1">
+                              <a:latin typeface="Cambria Math" panose="02040503050406030204" pitchFamily="18" charset="0"/>
+                              <a:ea typeface="Cambria Math" panose="02040503050406030204" pitchFamily="18" charset="0"/>
+                            </a:rPr>
+                          </m:ctrlPr>
+                        </m:naryPr>
+                        <m:sub>
+                          <m:r>
+                            <m:rPr>
+                              <m:brk m:alnAt="7"/>
+                            </m:rPr>
+                            <a:rPr lang="en-US" i="1">
+                              <a:latin typeface="Cambria Math" panose="02040503050406030204" pitchFamily="18" charset="0"/>
+                              <a:ea typeface="Cambria Math" panose="02040503050406030204" pitchFamily="18" charset="0"/>
+                            </a:rPr>
+                            <m:t>𝑘</m:t>
+                          </m:r>
+                        </m:sub>
+                        <m:sup/>
+                        <m:e>
+                          <m:nary>
+                            <m:naryPr>
+                              <m:chr m:val="∑"/>
+                              <m:supHide m:val="on"/>
+                              <m:ctrlPr>
+                                <a:rPr lang="en-US" i="1">
+                                  <a:latin typeface="Cambria Math" panose="02040503050406030204" pitchFamily="18" charset="0"/>
+                                  <a:ea typeface="Cambria Math" panose="02040503050406030204" pitchFamily="18" charset="0"/>
+                                </a:rPr>
+                              </m:ctrlPr>
+                            </m:naryPr>
+                            <m:sub>
+                              <m:sSub>
+                                <m:sSubPr>
+                                  <m:ctrlPr>
+                                    <a:rPr lang="en-US" i="1">
+                                      <a:latin typeface="Cambria Math" panose="02040503050406030204" pitchFamily="18" charset="0"/>
+                                      <a:ea typeface="Cambria Math" panose="02040503050406030204" pitchFamily="18" charset="0"/>
+                                    </a:rPr>
+                                  </m:ctrlPr>
+                                </m:sSubPr>
+                                <m:e>
+                                  <m:r>
+                                    <a:rPr lang="en-US" i="1">
+                                      <a:latin typeface="Cambria Math" panose="02040503050406030204" pitchFamily="18" charset="0"/>
+                                      <a:ea typeface="Cambria Math" panose="02040503050406030204" pitchFamily="18" charset="0"/>
+                                    </a:rPr>
+                                    <m:t>𝑥</m:t>
+                                  </m:r>
+                                </m:e>
+                                <m:sub>
+                                  <m:r>
+                                    <a:rPr lang="en-US" i="1">
+                                      <a:latin typeface="Cambria Math" panose="02040503050406030204" pitchFamily="18" charset="0"/>
+                                      <a:ea typeface="Cambria Math" panose="02040503050406030204" pitchFamily="18" charset="0"/>
+                                    </a:rPr>
+                                    <m:t>𝑘</m:t>
+                                  </m:r>
+                                </m:sub>
+                              </m:sSub>
+                            </m:sub>
+                            <m:sup/>
+                            <m:e>
+                              <m:r>
+                                <a:rPr lang="en-US" i="1">
+                                  <a:latin typeface="Cambria Math" panose="02040503050406030204" pitchFamily="18" charset="0"/>
+                                  <a:ea typeface="Cambria Math" panose="02040503050406030204" pitchFamily="18" charset="0"/>
+                                </a:rPr>
+                                <m:t>𝑏</m:t>
+                              </m:r>
+                              <m:d>
+                                <m:dPr>
+                                  <m:ctrlPr>
+                                    <a:rPr lang="en-US" i="1">
+                                      <a:latin typeface="Cambria Math" panose="02040503050406030204" pitchFamily="18" charset="0"/>
+                                      <a:ea typeface="Cambria Math" panose="02040503050406030204" pitchFamily="18" charset="0"/>
+                                    </a:rPr>
+                                  </m:ctrlPr>
+                                </m:dPr>
+                                <m:e>
+                                  <m:sSub>
+                                    <m:sSubPr>
+                                      <m:ctrlPr>
+                                        <a:rPr lang="en-US" i="1">
+                                          <a:latin typeface="Cambria Math" panose="02040503050406030204" pitchFamily="18" charset="0"/>
+                                          <a:ea typeface="Cambria Math" panose="02040503050406030204" pitchFamily="18" charset="0"/>
+                                        </a:rPr>
+                                      </m:ctrlPr>
+                                    </m:sSubPr>
+                                    <m:e>
+                                      <m:r>
+                                        <a:rPr lang="en-US" i="1">
+                                          <a:latin typeface="Cambria Math" panose="02040503050406030204" pitchFamily="18" charset="0"/>
+                                          <a:ea typeface="Cambria Math" panose="02040503050406030204" pitchFamily="18" charset="0"/>
+                                        </a:rPr>
+                                        <m:t>𝑥</m:t>
+                                      </m:r>
+                                    </m:e>
+                                    <m:sub>
+                                      <m:r>
+                                        <a:rPr lang="en-US" i="1">
+                                          <a:latin typeface="Cambria Math" panose="02040503050406030204" pitchFamily="18" charset="0"/>
+                                          <a:ea typeface="Cambria Math" panose="02040503050406030204" pitchFamily="18" charset="0"/>
+                                        </a:rPr>
+                                        <m:t>𝑘</m:t>
+                                      </m:r>
+                                    </m:sub>
+                                  </m:sSub>
+                                </m:e>
+                              </m:d>
+                            </m:e>
+                          </m:nary>
+                        </m:e>
+                      </m:nary>
+                      <m:f>
+                        <m:fPr>
+                          <m:ctrlPr>
+                            <a:rPr lang="en-US" b="0" i="1" smtClean="0">
+                              <a:latin typeface="Cambria Math" panose="02040503050406030204" pitchFamily="18" charset="0"/>
+                              <a:ea typeface="Cambria Math" panose="02040503050406030204" pitchFamily="18" charset="0"/>
+                            </a:rPr>
+                          </m:ctrlPr>
+                        </m:fPr>
+                        <m:num>
+                          <m:sSub>
+                            <m:sSubPr>
+                              <m:ctrlPr>
+                                <a:rPr lang="en-US" i="1">
+                                  <a:latin typeface="Cambria Math" panose="02040503050406030204" pitchFamily="18" charset="0"/>
+                                  <a:ea typeface="Cambria Math" panose="02040503050406030204" pitchFamily="18" charset="0"/>
+                                </a:rPr>
+                              </m:ctrlPr>
+                            </m:sSubPr>
+                            <m:e>
+                              <m:r>
+                                <a:rPr lang="en-US" i="1">
+                                  <a:latin typeface="Cambria Math" panose="02040503050406030204" pitchFamily="18" charset="0"/>
+                                  <a:ea typeface="Cambria Math" panose="02040503050406030204" pitchFamily="18" charset="0"/>
+                                </a:rPr>
+                                <m:t>𝐸</m:t>
+                              </m:r>
+                            </m:e>
+                            <m:sub>
+                              <m:sSup>
+                                <m:sSupPr>
+                                  <m:ctrlPr>
+                                    <a:rPr lang="en-US" i="1">
+                                      <a:latin typeface="Cambria Math" panose="02040503050406030204" pitchFamily="18" charset="0"/>
+                                      <a:ea typeface="Cambria Math" panose="02040503050406030204" pitchFamily="18" charset="0"/>
+                                    </a:rPr>
+                                  </m:ctrlPr>
+                                </m:sSupPr>
+                                <m:e>
+                                  <m:r>
+                                    <m:rPr>
+                                      <m:sty m:val="p"/>
+                                    </m:rPr>
+                                    <a:rPr lang="el-GR" i="1">
+                                      <a:latin typeface="Cambria Math" panose="02040503050406030204" pitchFamily="18" charset="0"/>
+                                      <a:ea typeface="Cambria Math" panose="02040503050406030204" pitchFamily="18" charset="0"/>
+                                    </a:rPr>
+                                    <m:t>Π</m:t>
+                                  </m:r>
+                                </m:e>
+                                <m:sup>
+                                  <m:r>
+                                    <a:rPr lang="en-US" i="1">
+                                      <a:latin typeface="Cambria Math" panose="02040503050406030204" pitchFamily="18" charset="0"/>
+                                      <a:ea typeface="Cambria Math" panose="02040503050406030204" pitchFamily="18" charset="0"/>
+                                    </a:rPr>
+                                    <m:t>0</m:t>
+                                  </m:r>
+                                </m:sup>
+                              </m:sSup>
+                              <m:d>
+                                <m:dPr>
+                                  <m:ctrlPr>
+                                    <a:rPr lang="en-US" i="1">
+                                      <a:latin typeface="Cambria Math" panose="02040503050406030204" pitchFamily="18" charset="0"/>
+                                      <a:ea typeface="Cambria Math" panose="02040503050406030204" pitchFamily="18" charset="0"/>
+                                    </a:rPr>
+                                  </m:ctrlPr>
+                                </m:dPr>
+                                <m:e>
+                                  <m:sSub>
+                                    <m:sSubPr>
+                                      <m:ctrlPr>
+                                        <a:rPr lang="en-US" i="1">
+                                          <a:latin typeface="Cambria Math" panose="02040503050406030204" pitchFamily="18" charset="0"/>
+                                          <a:ea typeface="Cambria Math" panose="02040503050406030204" pitchFamily="18" charset="0"/>
+                                        </a:rPr>
+                                      </m:ctrlPr>
+                                    </m:sSubPr>
+                                    <m:e>
+                                      <m:r>
+                                        <a:rPr lang="en-US" i="1">
+                                          <a:latin typeface="Cambria Math" panose="02040503050406030204" pitchFamily="18" charset="0"/>
+                                          <a:ea typeface="Cambria Math" panose="02040503050406030204" pitchFamily="18" charset="0"/>
+                                        </a:rPr>
+                                        <m:t>𝑥</m:t>
+                                      </m:r>
+                                    </m:e>
+                                    <m:sub>
+                                      <m:r>
+                                        <a:rPr lang="en-US" i="1">
+                                          <a:latin typeface="Cambria Math" panose="02040503050406030204" pitchFamily="18" charset="0"/>
+                                          <a:ea typeface="Cambria Math" panose="02040503050406030204" pitchFamily="18" charset="0"/>
+                                        </a:rPr>
+                                        <m:t>𝑘</m:t>
+                                      </m:r>
+                                    </m:sub>
+                                  </m:sSub>
+                                </m:e>
+                              </m:d>
+                            </m:sub>
+                          </m:sSub>
+                          <m:d>
+                            <m:dPr>
+                              <m:begChr m:val="["/>
+                              <m:endChr m:val="]"/>
+                              <m:ctrlPr>
+                                <a:rPr lang="en-US" b="0" i="1" smtClean="0">
+                                  <a:latin typeface="Cambria Math" panose="02040503050406030204" pitchFamily="18" charset="0"/>
+                                  <a:ea typeface="Cambria Math" panose="02040503050406030204" pitchFamily="18" charset="0"/>
+                                </a:rPr>
+                              </m:ctrlPr>
+                            </m:dPr>
+                            <m:e>
+                              <m:sSup>
+                                <m:sSupPr>
+                                  <m:ctrlPr>
+                                    <a:rPr lang="en-US" i="1">
+                                      <a:latin typeface="Cambria Math" panose="02040503050406030204" pitchFamily="18" charset="0"/>
+                                      <a:ea typeface="Cambria Math" panose="02040503050406030204" pitchFamily="18" charset="0"/>
+                                    </a:rPr>
+                                  </m:ctrlPr>
+                                </m:sSupPr>
+                                <m:e>
+                                  <m:f>
+                                    <m:fPr>
+                                      <m:ctrlPr>
+                                        <a:rPr lang="en-US" i="1">
+                                          <a:latin typeface="Cambria Math" panose="02040503050406030204" pitchFamily="18" charset="0"/>
+                                          <a:ea typeface="Cambria Math" panose="02040503050406030204" pitchFamily="18" charset="0"/>
+                                        </a:rPr>
+                                      </m:ctrlPr>
+                                    </m:fPr>
+                                    <m:num>
+                                      <m:r>
+                                        <a:rPr lang="en-US" i="1">
+                                          <a:latin typeface="Cambria Math" panose="02040503050406030204" pitchFamily="18" charset="0"/>
+                                          <a:ea typeface="Cambria Math" panose="02040503050406030204" pitchFamily="18" charset="0"/>
+                                        </a:rPr>
+                                        <m:t>𝜕</m:t>
+                                      </m:r>
+                                      <m:r>
+                                        <a:rPr lang="en-US" i="1">
+                                          <a:latin typeface="Cambria Math" panose="02040503050406030204" pitchFamily="18" charset="0"/>
+                                          <a:ea typeface="Cambria Math" panose="02040503050406030204" pitchFamily="18" charset="0"/>
+                                        </a:rPr>
+                                        <m:t>𝑣</m:t>
+                                      </m:r>
+                                      <m:d>
+                                        <m:dPr>
+                                          <m:ctrlPr>
+                                            <a:rPr lang="en-US" i="1">
+                                              <a:latin typeface="Cambria Math" panose="02040503050406030204" pitchFamily="18" charset="0"/>
+                                              <a:ea typeface="Cambria Math" panose="02040503050406030204" pitchFamily="18" charset="0"/>
+                                            </a:rPr>
+                                          </m:ctrlPr>
+                                        </m:dPr>
+                                        <m:e>
+                                          <m:r>
+                                            <a:rPr lang="en-US" i="1">
+                                              <a:latin typeface="Cambria Math" panose="02040503050406030204" pitchFamily="18" charset="0"/>
+                                              <a:ea typeface="Cambria Math" panose="02040503050406030204" pitchFamily="18" charset="0"/>
+                                            </a:rPr>
+                                            <m:t>∙;</m:t>
+                                          </m:r>
+                                          <m:r>
+                                            <a:rPr lang="en-US" i="1">
+                                              <a:latin typeface="Cambria Math" panose="02040503050406030204" pitchFamily="18" charset="0"/>
+                                              <a:ea typeface="Cambria Math" panose="02040503050406030204" pitchFamily="18" charset="0"/>
+                                            </a:rPr>
+                                            <m:t>𝜽</m:t>
+                                          </m:r>
+                                        </m:e>
+                                      </m:d>
+                                    </m:num>
+                                    <m:den>
+                                      <m:r>
+                                        <a:rPr lang="en-US" i="1">
+                                          <a:latin typeface="Cambria Math" panose="02040503050406030204" pitchFamily="18" charset="0"/>
+                                          <a:ea typeface="Cambria Math" panose="02040503050406030204" pitchFamily="18" charset="0"/>
+                                        </a:rPr>
+                                        <m:t>𝜕</m:t>
+                                      </m:r>
+                                      <m:sSub>
+                                        <m:sSubPr>
+                                          <m:ctrlPr>
+                                            <a:rPr lang="en-US" i="1">
+                                              <a:latin typeface="Cambria Math" panose="02040503050406030204" pitchFamily="18" charset="0"/>
+                                              <a:ea typeface="Cambria Math" panose="02040503050406030204" pitchFamily="18" charset="0"/>
+                                            </a:rPr>
+                                          </m:ctrlPr>
+                                        </m:sSubPr>
+                                        <m:e>
+                                          <m:r>
+                                            <a:rPr lang="en-US" i="1">
+                                              <a:latin typeface="Cambria Math" panose="02040503050406030204" pitchFamily="18" charset="0"/>
+                                              <a:ea typeface="Cambria Math" panose="02040503050406030204" pitchFamily="18" charset="0"/>
+                                            </a:rPr>
+                                            <m:t>𝜃</m:t>
+                                          </m:r>
+                                        </m:e>
+                                        <m:sub>
+                                          <m:r>
+                                            <a:rPr lang="en-US" i="1">
+                                              <a:latin typeface="Cambria Math" panose="02040503050406030204" pitchFamily="18" charset="0"/>
+                                              <a:ea typeface="Cambria Math" panose="02040503050406030204" pitchFamily="18" charset="0"/>
+                                            </a:rPr>
+                                            <m:t>𝑖</m:t>
+                                          </m:r>
+                                        </m:sub>
+                                      </m:sSub>
+                                    </m:den>
+                                  </m:f>
+                                </m:e>
+                                <m:sup>
+                                  <m:r>
+                                    <a:rPr lang="en-US" i="1">
+                                      <a:latin typeface="Cambria Math" panose="02040503050406030204" pitchFamily="18" charset="0"/>
+                                      <a:ea typeface="Cambria Math" panose="02040503050406030204" pitchFamily="18" charset="0"/>
+                                    </a:rPr>
+                                    <m:t>2</m:t>
+                                  </m:r>
+                                </m:sup>
+                              </m:sSup>
+                              <m:func>
+                                <m:funcPr>
+                                  <m:ctrlPr>
+                                    <a:rPr lang="en-US" i="1">
+                                      <a:latin typeface="Cambria Math" panose="02040503050406030204" pitchFamily="18" charset="0"/>
+                                      <a:ea typeface="Cambria Math" panose="02040503050406030204" pitchFamily="18" charset="0"/>
+                                    </a:rPr>
+                                  </m:ctrlPr>
+                                </m:funcPr>
+                                <m:fName>
+                                  <m:r>
+                                    <m:rPr>
+                                      <m:sty m:val="p"/>
+                                    </m:rPr>
+                                    <a:rPr lang="en-US">
+                                      <a:latin typeface="Cambria Math" panose="02040503050406030204" pitchFamily="18" charset="0"/>
+                                      <a:ea typeface="Cambria Math" panose="02040503050406030204" pitchFamily="18" charset="0"/>
+                                    </a:rPr>
+                                    <m:t>exp</m:t>
+                                  </m:r>
+                                </m:fName>
+                                <m:e>
+                                  <m:d>
+                                    <m:dPr>
+                                      <m:ctrlPr>
+                                        <a:rPr lang="en-US" i="1">
+                                          <a:latin typeface="Cambria Math" panose="02040503050406030204" pitchFamily="18" charset="0"/>
+                                          <a:ea typeface="Cambria Math" panose="02040503050406030204" pitchFamily="18" charset="0"/>
+                                        </a:rPr>
+                                      </m:ctrlPr>
+                                    </m:dPr>
+                                    <m:e>
+                                      <m:r>
+                                        <a:rPr lang="en-US" i="1">
+                                          <a:latin typeface="Cambria Math" panose="02040503050406030204" pitchFamily="18" charset="0"/>
+                                          <a:ea typeface="Cambria Math" panose="02040503050406030204" pitchFamily="18" charset="0"/>
+                                        </a:rPr>
+                                        <m:t>−</m:t>
+                                      </m:r>
+                                      <m:r>
+                                        <a:rPr lang="en-US" i="1">
+                                          <a:latin typeface="Cambria Math" panose="02040503050406030204" pitchFamily="18" charset="0"/>
+                                          <a:ea typeface="Cambria Math" panose="02040503050406030204" pitchFamily="18" charset="0"/>
+                                        </a:rPr>
+                                        <m:t>𝑣</m:t>
+                                      </m:r>
+                                      <m:d>
+                                        <m:dPr>
+                                          <m:ctrlPr>
+                                            <a:rPr lang="en-US" i="1">
+                                              <a:latin typeface="Cambria Math" panose="02040503050406030204" pitchFamily="18" charset="0"/>
+                                              <a:ea typeface="Cambria Math" panose="02040503050406030204" pitchFamily="18" charset="0"/>
+                                            </a:rPr>
+                                          </m:ctrlPr>
+                                        </m:dPr>
+                                        <m:e>
+                                          <m:r>
+                                            <a:rPr lang="en-US" i="1">
+                                              <a:latin typeface="Cambria Math" panose="02040503050406030204" pitchFamily="18" charset="0"/>
+                                              <a:ea typeface="Cambria Math" panose="02040503050406030204" pitchFamily="18" charset="0"/>
+                                            </a:rPr>
+                                            <m:t>∙;</m:t>
+                                          </m:r>
+                                          <m:r>
+                                            <a:rPr lang="en-US" b="1" i="1">
+                                              <a:latin typeface="Cambria Math" panose="02040503050406030204" pitchFamily="18" charset="0"/>
+                                              <a:ea typeface="Cambria Math" panose="02040503050406030204" pitchFamily="18" charset="0"/>
+                                            </a:rPr>
+                                            <m:t>𝜽</m:t>
+                                          </m:r>
+                                        </m:e>
+                                      </m:d>
+                                    </m:e>
+                                  </m:d>
+                                </m:e>
+                              </m:func>
+                            </m:e>
+                          </m:d>
+                          <m:sSub>
+                            <m:sSubPr>
+                              <m:ctrlPr>
+                                <a:rPr lang="en-US" i="1">
+                                  <a:latin typeface="Cambria Math" panose="02040503050406030204" pitchFamily="18" charset="0"/>
+                                  <a:ea typeface="Cambria Math" panose="02040503050406030204" pitchFamily="18" charset="0"/>
+                                </a:rPr>
+                              </m:ctrlPr>
+                            </m:sSubPr>
+                            <m:e>
+                              <m:r>
+                                <a:rPr lang="en-US" i="1">
+                                  <a:latin typeface="Cambria Math" panose="02040503050406030204" pitchFamily="18" charset="0"/>
+                                  <a:ea typeface="Cambria Math" panose="02040503050406030204" pitchFamily="18" charset="0"/>
+                                </a:rPr>
+                                <m:t>𝐸</m:t>
+                              </m:r>
+                            </m:e>
+                            <m:sub>
+                              <m:sSup>
+                                <m:sSupPr>
+                                  <m:ctrlPr>
+                                    <a:rPr lang="en-US" i="1">
+                                      <a:latin typeface="Cambria Math" panose="02040503050406030204" pitchFamily="18" charset="0"/>
+                                      <a:ea typeface="Cambria Math" panose="02040503050406030204" pitchFamily="18" charset="0"/>
+                                    </a:rPr>
+                                  </m:ctrlPr>
+                                </m:sSupPr>
+                                <m:e>
+                                  <m:r>
+                                    <m:rPr>
+                                      <m:sty m:val="p"/>
+                                    </m:rPr>
+                                    <a:rPr lang="el-GR" i="1">
+                                      <a:latin typeface="Cambria Math" panose="02040503050406030204" pitchFamily="18" charset="0"/>
+                                      <a:ea typeface="Cambria Math" panose="02040503050406030204" pitchFamily="18" charset="0"/>
+                                    </a:rPr>
+                                    <m:t>Π</m:t>
+                                  </m:r>
+                                </m:e>
+                                <m:sup>
+                                  <m:r>
+                                    <a:rPr lang="en-US" i="1">
+                                      <a:latin typeface="Cambria Math" panose="02040503050406030204" pitchFamily="18" charset="0"/>
+                                      <a:ea typeface="Cambria Math" panose="02040503050406030204" pitchFamily="18" charset="0"/>
+                                    </a:rPr>
+                                    <m:t>0</m:t>
+                                  </m:r>
+                                </m:sup>
+                              </m:sSup>
+                              <m:d>
+                                <m:dPr>
+                                  <m:ctrlPr>
+                                    <a:rPr lang="en-US" i="1">
+                                      <a:latin typeface="Cambria Math" panose="02040503050406030204" pitchFamily="18" charset="0"/>
+                                      <a:ea typeface="Cambria Math" panose="02040503050406030204" pitchFamily="18" charset="0"/>
+                                    </a:rPr>
+                                  </m:ctrlPr>
+                                </m:dPr>
+                                <m:e>
+                                  <m:sSub>
+                                    <m:sSubPr>
+                                      <m:ctrlPr>
+                                        <a:rPr lang="en-US" i="1">
+                                          <a:latin typeface="Cambria Math" panose="02040503050406030204" pitchFamily="18" charset="0"/>
+                                          <a:ea typeface="Cambria Math" panose="02040503050406030204" pitchFamily="18" charset="0"/>
+                                        </a:rPr>
+                                      </m:ctrlPr>
+                                    </m:sSubPr>
+                                    <m:e>
+                                      <m:r>
+                                        <a:rPr lang="en-US" i="1">
+                                          <a:latin typeface="Cambria Math" panose="02040503050406030204" pitchFamily="18" charset="0"/>
+                                          <a:ea typeface="Cambria Math" panose="02040503050406030204" pitchFamily="18" charset="0"/>
+                                        </a:rPr>
+                                        <m:t>𝑥</m:t>
+                                      </m:r>
+                                    </m:e>
+                                    <m:sub>
+                                      <m:r>
+                                        <a:rPr lang="en-US" i="1">
+                                          <a:latin typeface="Cambria Math" panose="02040503050406030204" pitchFamily="18" charset="0"/>
+                                          <a:ea typeface="Cambria Math" panose="02040503050406030204" pitchFamily="18" charset="0"/>
+                                        </a:rPr>
+                                        <m:t>𝑘</m:t>
+                                      </m:r>
+                                    </m:sub>
+                                  </m:sSub>
+                                </m:e>
+                              </m:d>
+                            </m:sub>
+                          </m:sSub>
+                          <m:d>
+                            <m:dPr>
+                              <m:begChr m:val="["/>
+                              <m:endChr m:val="]"/>
+                              <m:ctrlPr>
+                                <a:rPr lang="en-US" i="1">
+                                  <a:latin typeface="Cambria Math" panose="02040503050406030204" pitchFamily="18" charset="0"/>
+                                  <a:ea typeface="Cambria Math" panose="02040503050406030204" pitchFamily="18" charset="0"/>
+                                </a:rPr>
+                              </m:ctrlPr>
+                            </m:dPr>
+                            <m:e>
+                              <m:func>
+                                <m:funcPr>
+                                  <m:ctrlPr>
+                                    <a:rPr lang="en-US" i="1">
+                                      <a:latin typeface="Cambria Math" panose="02040503050406030204" pitchFamily="18" charset="0"/>
+                                      <a:ea typeface="Cambria Math" panose="02040503050406030204" pitchFamily="18" charset="0"/>
+                                    </a:rPr>
+                                  </m:ctrlPr>
+                                </m:funcPr>
+                                <m:fName>
+                                  <m:r>
+                                    <m:rPr>
+                                      <m:sty m:val="p"/>
+                                    </m:rPr>
+                                    <a:rPr lang="en-US">
+                                      <a:latin typeface="Cambria Math" panose="02040503050406030204" pitchFamily="18" charset="0"/>
+                                      <a:ea typeface="Cambria Math" panose="02040503050406030204" pitchFamily="18" charset="0"/>
+                                    </a:rPr>
+                                    <m:t>exp</m:t>
+                                  </m:r>
+                                </m:fName>
+                                <m:e>
+                                  <m:d>
+                                    <m:dPr>
+                                      <m:ctrlPr>
+                                        <a:rPr lang="en-US" i="1">
+                                          <a:latin typeface="Cambria Math" panose="02040503050406030204" pitchFamily="18" charset="0"/>
+                                          <a:ea typeface="Cambria Math" panose="02040503050406030204" pitchFamily="18" charset="0"/>
+                                        </a:rPr>
+                                      </m:ctrlPr>
+                                    </m:dPr>
+                                    <m:e>
+                                      <m:r>
+                                        <a:rPr lang="en-US" i="1">
+                                          <a:latin typeface="Cambria Math" panose="02040503050406030204" pitchFamily="18" charset="0"/>
+                                          <a:ea typeface="Cambria Math" panose="02040503050406030204" pitchFamily="18" charset="0"/>
+                                        </a:rPr>
+                                        <m:t>−</m:t>
+                                      </m:r>
+                                      <m:r>
+                                        <a:rPr lang="en-US" i="1">
+                                          <a:latin typeface="Cambria Math" panose="02040503050406030204" pitchFamily="18" charset="0"/>
+                                          <a:ea typeface="Cambria Math" panose="02040503050406030204" pitchFamily="18" charset="0"/>
+                                        </a:rPr>
+                                        <m:t>𝑣</m:t>
+                                      </m:r>
+                                      <m:d>
+                                        <m:dPr>
+                                          <m:ctrlPr>
+                                            <a:rPr lang="en-US" i="1">
+                                              <a:latin typeface="Cambria Math" panose="02040503050406030204" pitchFamily="18" charset="0"/>
+                                              <a:ea typeface="Cambria Math" panose="02040503050406030204" pitchFamily="18" charset="0"/>
+                                            </a:rPr>
+                                          </m:ctrlPr>
+                                        </m:dPr>
+                                        <m:e>
+                                          <m:r>
+                                            <a:rPr lang="en-US" i="1">
+                                              <a:latin typeface="Cambria Math" panose="02040503050406030204" pitchFamily="18" charset="0"/>
+                                              <a:ea typeface="Cambria Math" panose="02040503050406030204" pitchFamily="18" charset="0"/>
+                                            </a:rPr>
+                                            <m:t>∙;</m:t>
+                                          </m:r>
+                                          <m:r>
+                                            <a:rPr lang="en-US" i="1">
+                                              <a:latin typeface="Cambria Math" panose="02040503050406030204" pitchFamily="18" charset="0"/>
+                                              <a:ea typeface="Cambria Math" panose="02040503050406030204" pitchFamily="18" charset="0"/>
+                                            </a:rPr>
+                                            <m:t>𝜽</m:t>
+                                          </m:r>
+                                        </m:e>
+                                      </m:d>
+                                    </m:e>
+                                  </m:d>
+                                </m:e>
+                              </m:func>
+                            </m:e>
+                          </m:d>
+                          <m:r>
+                            <a:rPr lang="en-US" b="0" i="1" smtClean="0">
+                              <a:latin typeface="Cambria Math" panose="02040503050406030204" pitchFamily="18" charset="0"/>
+                              <a:ea typeface="Cambria Math" panose="02040503050406030204" pitchFamily="18" charset="0"/>
+                            </a:rPr>
+                            <m:t>−</m:t>
+                          </m:r>
+                          <m:sSup>
+                            <m:sSupPr>
+                              <m:ctrlPr>
+                                <a:rPr lang="en-US" b="0" i="1" smtClean="0">
+                                  <a:latin typeface="Cambria Math" panose="02040503050406030204" pitchFamily="18" charset="0"/>
+                                  <a:ea typeface="Cambria Math" panose="02040503050406030204" pitchFamily="18" charset="0"/>
+                                </a:rPr>
+                              </m:ctrlPr>
+                            </m:sSupPr>
+                            <m:e>
+                              <m:sSub>
+                                <m:sSubPr>
+                                  <m:ctrlPr>
+                                    <a:rPr lang="en-US" i="1">
+                                      <a:latin typeface="Cambria Math" panose="02040503050406030204" pitchFamily="18" charset="0"/>
+                                      <a:ea typeface="Cambria Math" panose="02040503050406030204" pitchFamily="18" charset="0"/>
+                                    </a:rPr>
+                                  </m:ctrlPr>
+                                </m:sSubPr>
+                                <m:e>
+                                  <m:r>
+                                    <a:rPr lang="en-US" i="1">
+                                      <a:latin typeface="Cambria Math" panose="02040503050406030204" pitchFamily="18" charset="0"/>
+                                      <a:ea typeface="Cambria Math" panose="02040503050406030204" pitchFamily="18" charset="0"/>
+                                    </a:rPr>
+                                    <m:t>𝐸</m:t>
+                                  </m:r>
+                                </m:e>
+                                <m:sub>
+                                  <m:sSup>
+                                    <m:sSupPr>
+                                      <m:ctrlPr>
+                                        <a:rPr lang="en-US" i="1">
+                                          <a:latin typeface="Cambria Math" panose="02040503050406030204" pitchFamily="18" charset="0"/>
+                                          <a:ea typeface="Cambria Math" panose="02040503050406030204" pitchFamily="18" charset="0"/>
+                                        </a:rPr>
+                                      </m:ctrlPr>
+                                    </m:sSupPr>
+                                    <m:e>
+                                      <m:r>
+                                        <m:rPr>
+                                          <m:sty m:val="p"/>
+                                        </m:rPr>
+                                        <a:rPr lang="el-GR" i="1">
+                                          <a:latin typeface="Cambria Math" panose="02040503050406030204" pitchFamily="18" charset="0"/>
+                                          <a:ea typeface="Cambria Math" panose="02040503050406030204" pitchFamily="18" charset="0"/>
+                                        </a:rPr>
+                                        <m:t>Π</m:t>
+                                      </m:r>
+                                    </m:e>
+                                    <m:sup>
+                                      <m:r>
+                                        <a:rPr lang="en-US" i="1">
+                                          <a:latin typeface="Cambria Math" panose="02040503050406030204" pitchFamily="18" charset="0"/>
+                                          <a:ea typeface="Cambria Math" panose="02040503050406030204" pitchFamily="18" charset="0"/>
+                                        </a:rPr>
+                                        <m:t>0</m:t>
+                                      </m:r>
+                                    </m:sup>
+                                  </m:sSup>
+                                  <m:d>
+                                    <m:dPr>
+                                      <m:ctrlPr>
+                                        <a:rPr lang="en-US" i="1">
+                                          <a:latin typeface="Cambria Math" panose="02040503050406030204" pitchFamily="18" charset="0"/>
+                                          <a:ea typeface="Cambria Math" panose="02040503050406030204" pitchFamily="18" charset="0"/>
+                                        </a:rPr>
+                                      </m:ctrlPr>
+                                    </m:dPr>
+                                    <m:e>
+                                      <m:sSub>
+                                        <m:sSubPr>
+                                          <m:ctrlPr>
+                                            <a:rPr lang="en-US" i="1">
+                                              <a:latin typeface="Cambria Math" panose="02040503050406030204" pitchFamily="18" charset="0"/>
+                                              <a:ea typeface="Cambria Math" panose="02040503050406030204" pitchFamily="18" charset="0"/>
+                                            </a:rPr>
+                                          </m:ctrlPr>
+                                        </m:sSubPr>
+                                        <m:e>
+                                          <m:r>
+                                            <a:rPr lang="en-US" i="1">
+                                              <a:latin typeface="Cambria Math" panose="02040503050406030204" pitchFamily="18" charset="0"/>
+                                              <a:ea typeface="Cambria Math" panose="02040503050406030204" pitchFamily="18" charset="0"/>
+                                            </a:rPr>
+                                            <m:t>𝑥</m:t>
+                                          </m:r>
+                                        </m:e>
+                                        <m:sub>
+                                          <m:r>
+                                            <a:rPr lang="en-US" i="1">
+                                              <a:latin typeface="Cambria Math" panose="02040503050406030204" pitchFamily="18" charset="0"/>
+                                              <a:ea typeface="Cambria Math" panose="02040503050406030204" pitchFamily="18" charset="0"/>
+                                            </a:rPr>
+                                            <m:t>𝑘</m:t>
+                                          </m:r>
+                                        </m:sub>
+                                      </m:sSub>
+                                    </m:e>
+                                  </m:d>
+                                </m:sub>
+                              </m:sSub>
+                              <m:r>
+                                <a:rPr lang="en-US" i="1">
+                                  <a:latin typeface="Cambria Math" panose="02040503050406030204" pitchFamily="18" charset="0"/>
+                                  <a:ea typeface="Cambria Math" panose="02040503050406030204" pitchFamily="18" charset="0"/>
+                                </a:rPr>
+                                <m:t>[−</m:t>
+                              </m:r>
+                              <m:f>
+                                <m:fPr>
+                                  <m:ctrlPr>
+                                    <a:rPr lang="en-US" i="1">
+                                      <a:latin typeface="Cambria Math" panose="02040503050406030204" pitchFamily="18" charset="0"/>
+                                      <a:ea typeface="Cambria Math" panose="02040503050406030204" pitchFamily="18" charset="0"/>
+                                    </a:rPr>
+                                  </m:ctrlPr>
+                                </m:fPr>
+                                <m:num>
+                                  <m:r>
+                                    <a:rPr lang="en-US" i="1">
+                                      <a:latin typeface="Cambria Math" panose="02040503050406030204" pitchFamily="18" charset="0"/>
+                                      <a:ea typeface="Cambria Math" panose="02040503050406030204" pitchFamily="18" charset="0"/>
+                                    </a:rPr>
+                                    <m:t>𝜕</m:t>
+                                  </m:r>
+                                  <m:r>
+                                    <a:rPr lang="en-US" i="1">
+                                      <a:latin typeface="Cambria Math" panose="02040503050406030204" pitchFamily="18" charset="0"/>
+                                      <a:ea typeface="Cambria Math" panose="02040503050406030204" pitchFamily="18" charset="0"/>
+                                    </a:rPr>
+                                    <m:t>𝑣</m:t>
+                                  </m:r>
+                                  <m:d>
+                                    <m:dPr>
+                                      <m:ctrlPr>
+                                        <a:rPr lang="en-US" i="1">
+                                          <a:latin typeface="Cambria Math" panose="02040503050406030204" pitchFamily="18" charset="0"/>
+                                          <a:ea typeface="Cambria Math" panose="02040503050406030204" pitchFamily="18" charset="0"/>
+                                        </a:rPr>
+                                      </m:ctrlPr>
+                                    </m:dPr>
+                                    <m:e>
+                                      <m:r>
+                                        <a:rPr lang="en-US" i="1">
+                                          <a:latin typeface="Cambria Math" panose="02040503050406030204" pitchFamily="18" charset="0"/>
+                                          <a:ea typeface="Cambria Math" panose="02040503050406030204" pitchFamily="18" charset="0"/>
+                                        </a:rPr>
+                                        <m:t>∙;</m:t>
+                                      </m:r>
+                                      <m:r>
+                                        <a:rPr lang="en-US" i="1">
+                                          <a:latin typeface="Cambria Math" panose="02040503050406030204" pitchFamily="18" charset="0"/>
+                                          <a:ea typeface="Cambria Math" panose="02040503050406030204" pitchFamily="18" charset="0"/>
+                                        </a:rPr>
+                                        <m:t>𝜽</m:t>
+                                      </m:r>
+                                    </m:e>
+                                  </m:d>
+                                </m:num>
+                                <m:den>
+                                  <m:r>
+                                    <a:rPr lang="en-US" i="1">
+                                      <a:latin typeface="Cambria Math" panose="02040503050406030204" pitchFamily="18" charset="0"/>
+                                      <a:ea typeface="Cambria Math" panose="02040503050406030204" pitchFamily="18" charset="0"/>
+                                    </a:rPr>
+                                    <m:t>𝜕</m:t>
+                                  </m:r>
+                                  <m:sSub>
+                                    <m:sSubPr>
+                                      <m:ctrlPr>
+                                        <a:rPr lang="en-US" i="1">
+                                          <a:latin typeface="Cambria Math" panose="02040503050406030204" pitchFamily="18" charset="0"/>
+                                          <a:ea typeface="Cambria Math" panose="02040503050406030204" pitchFamily="18" charset="0"/>
+                                        </a:rPr>
+                                      </m:ctrlPr>
+                                    </m:sSubPr>
+                                    <m:e>
+                                      <m:r>
+                                        <a:rPr lang="en-US" i="1">
+                                          <a:latin typeface="Cambria Math" panose="02040503050406030204" pitchFamily="18" charset="0"/>
+                                          <a:ea typeface="Cambria Math" panose="02040503050406030204" pitchFamily="18" charset="0"/>
+                                        </a:rPr>
+                                        <m:t>𝜃</m:t>
+                                      </m:r>
+                                    </m:e>
+                                    <m:sub>
+                                      <m:r>
+                                        <a:rPr lang="en-US" i="1">
+                                          <a:latin typeface="Cambria Math" panose="02040503050406030204" pitchFamily="18" charset="0"/>
+                                          <a:ea typeface="Cambria Math" panose="02040503050406030204" pitchFamily="18" charset="0"/>
+                                        </a:rPr>
+                                        <m:t>𝑖</m:t>
+                                      </m:r>
+                                    </m:sub>
+                                  </m:sSub>
+                                </m:den>
+                              </m:f>
+                              <m:func>
+                                <m:funcPr>
+                                  <m:ctrlPr>
+                                    <a:rPr lang="en-US" i="1">
+                                      <a:latin typeface="Cambria Math" panose="02040503050406030204" pitchFamily="18" charset="0"/>
+                                      <a:ea typeface="Cambria Math" panose="02040503050406030204" pitchFamily="18" charset="0"/>
+                                    </a:rPr>
+                                  </m:ctrlPr>
+                                </m:funcPr>
+                                <m:fName>
+                                  <m:r>
+                                    <m:rPr>
+                                      <m:sty m:val="p"/>
+                                    </m:rPr>
+                                    <a:rPr lang="en-US">
+                                      <a:latin typeface="Cambria Math" panose="02040503050406030204" pitchFamily="18" charset="0"/>
+                                      <a:ea typeface="Cambria Math" panose="02040503050406030204" pitchFamily="18" charset="0"/>
+                                    </a:rPr>
+                                    <m:t>exp</m:t>
+                                  </m:r>
+                                </m:fName>
+                                <m:e>
+                                  <m:d>
+                                    <m:dPr>
+                                      <m:ctrlPr>
+                                        <a:rPr lang="en-US" i="1">
+                                          <a:latin typeface="Cambria Math" panose="02040503050406030204" pitchFamily="18" charset="0"/>
+                                          <a:ea typeface="Cambria Math" panose="02040503050406030204" pitchFamily="18" charset="0"/>
+                                        </a:rPr>
+                                      </m:ctrlPr>
+                                    </m:dPr>
+                                    <m:e>
+                                      <m:r>
+                                        <a:rPr lang="en-US" i="1">
+                                          <a:latin typeface="Cambria Math" panose="02040503050406030204" pitchFamily="18" charset="0"/>
+                                          <a:ea typeface="Cambria Math" panose="02040503050406030204" pitchFamily="18" charset="0"/>
+                                        </a:rPr>
+                                        <m:t>−</m:t>
+                                      </m:r>
+                                      <m:r>
+                                        <a:rPr lang="en-US" i="1">
+                                          <a:latin typeface="Cambria Math" panose="02040503050406030204" pitchFamily="18" charset="0"/>
+                                          <a:ea typeface="Cambria Math" panose="02040503050406030204" pitchFamily="18" charset="0"/>
+                                        </a:rPr>
+                                        <m:t>𝑣</m:t>
+                                      </m:r>
+                                      <m:d>
+                                        <m:dPr>
+                                          <m:ctrlPr>
+                                            <a:rPr lang="en-US" i="1">
+                                              <a:latin typeface="Cambria Math" panose="02040503050406030204" pitchFamily="18" charset="0"/>
+                                              <a:ea typeface="Cambria Math" panose="02040503050406030204" pitchFamily="18" charset="0"/>
+                                            </a:rPr>
+                                          </m:ctrlPr>
+                                        </m:dPr>
+                                        <m:e>
+                                          <m:r>
+                                            <a:rPr lang="en-US" i="1">
+                                              <a:latin typeface="Cambria Math" panose="02040503050406030204" pitchFamily="18" charset="0"/>
+                                              <a:ea typeface="Cambria Math" panose="02040503050406030204" pitchFamily="18" charset="0"/>
+                                            </a:rPr>
+                                            <m:t>∙;</m:t>
+                                          </m:r>
+                                          <m:r>
+                                            <a:rPr lang="en-US" b="1" i="1">
+                                              <a:latin typeface="Cambria Math" panose="02040503050406030204" pitchFamily="18" charset="0"/>
+                                              <a:ea typeface="Cambria Math" panose="02040503050406030204" pitchFamily="18" charset="0"/>
+                                            </a:rPr>
+                                            <m:t>𝜽</m:t>
+                                          </m:r>
+                                        </m:e>
+                                      </m:d>
+                                    </m:e>
+                                  </m:d>
+                                </m:e>
+                              </m:func>
+                              <m:r>
+                                <a:rPr lang="en-US" i="1">
+                                  <a:latin typeface="Cambria Math" panose="02040503050406030204" pitchFamily="18" charset="0"/>
+                                  <a:ea typeface="Cambria Math" panose="02040503050406030204" pitchFamily="18" charset="0"/>
+                                </a:rPr>
+                                <m:t>]</m:t>
+                              </m:r>
+                            </m:e>
+                            <m:sup>
+                              <m:r>
+                                <a:rPr lang="en-US" b="0" i="1" smtClean="0">
+                                  <a:latin typeface="Cambria Math" panose="02040503050406030204" pitchFamily="18" charset="0"/>
+                                  <a:ea typeface="Cambria Math" panose="02040503050406030204" pitchFamily="18" charset="0"/>
+                                </a:rPr>
+                                <m:t>2</m:t>
+                              </m:r>
+                            </m:sup>
+                          </m:sSup>
+                        </m:num>
+                        <m:den>
+                          <m:sSup>
+                            <m:sSupPr>
+                              <m:ctrlPr>
+                                <a:rPr lang="en-US" b="0" i="1" smtClean="0">
+                                  <a:latin typeface="Cambria Math" panose="02040503050406030204" pitchFamily="18" charset="0"/>
+                                  <a:ea typeface="Cambria Math" panose="02040503050406030204" pitchFamily="18" charset="0"/>
+                                </a:rPr>
+                              </m:ctrlPr>
+                            </m:sSupPr>
+                            <m:e>
+                              <m:sSub>
+                                <m:sSubPr>
+                                  <m:ctrlPr>
+                                    <a:rPr lang="en-US" i="1">
+                                      <a:latin typeface="Cambria Math" panose="02040503050406030204" pitchFamily="18" charset="0"/>
+                                      <a:ea typeface="Cambria Math" panose="02040503050406030204" pitchFamily="18" charset="0"/>
+                                    </a:rPr>
+                                  </m:ctrlPr>
+                                </m:sSubPr>
+                                <m:e>
+                                  <m:r>
+                                    <a:rPr lang="en-US" i="1">
+                                      <a:latin typeface="Cambria Math" panose="02040503050406030204" pitchFamily="18" charset="0"/>
+                                      <a:ea typeface="Cambria Math" panose="02040503050406030204" pitchFamily="18" charset="0"/>
+                                    </a:rPr>
+                                    <m:t>𝐸</m:t>
+                                  </m:r>
+                                </m:e>
+                                <m:sub>
+                                  <m:sSup>
+                                    <m:sSupPr>
+                                      <m:ctrlPr>
+                                        <a:rPr lang="en-US" i="1">
+                                          <a:latin typeface="Cambria Math" panose="02040503050406030204" pitchFamily="18" charset="0"/>
+                                          <a:ea typeface="Cambria Math" panose="02040503050406030204" pitchFamily="18" charset="0"/>
+                                        </a:rPr>
+                                      </m:ctrlPr>
+                                    </m:sSupPr>
+                                    <m:e>
+                                      <m:r>
+                                        <m:rPr>
+                                          <m:sty m:val="p"/>
+                                        </m:rPr>
+                                        <a:rPr lang="el-GR" i="1">
+                                          <a:latin typeface="Cambria Math" panose="02040503050406030204" pitchFamily="18" charset="0"/>
+                                          <a:ea typeface="Cambria Math" panose="02040503050406030204" pitchFamily="18" charset="0"/>
+                                        </a:rPr>
+                                        <m:t>Π</m:t>
+                                      </m:r>
+                                    </m:e>
+                                    <m:sup>
+                                      <m:r>
+                                        <a:rPr lang="en-US" i="1">
+                                          <a:latin typeface="Cambria Math" panose="02040503050406030204" pitchFamily="18" charset="0"/>
+                                          <a:ea typeface="Cambria Math" panose="02040503050406030204" pitchFamily="18" charset="0"/>
+                                        </a:rPr>
+                                        <m:t>0</m:t>
+                                      </m:r>
+                                    </m:sup>
+                                  </m:sSup>
+                                  <m:d>
+                                    <m:dPr>
+                                      <m:ctrlPr>
+                                        <a:rPr lang="en-US" i="1">
+                                          <a:latin typeface="Cambria Math" panose="02040503050406030204" pitchFamily="18" charset="0"/>
+                                          <a:ea typeface="Cambria Math" panose="02040503050406030204" pitchFamily="18" charset="0"/>
+                                        </a:rPr>
+                                      </m:ctrlPr>
+                                    </m:dPr>
+                                    <m:e>
+                                      <m:sSub>
+                                        <m:sSubPr>
+                                          <m:ctrlPr>
+                                            <a:rPr lang="en-US" i="1">
+                                              <a:latin typeface="Cambria Math" panose="02040503050406030204" pitchFamily="18" charset="0"/>
+                                              <a:ea typeface="Cambria Math" panose="02040503050406030204" pitchFamily="18" charset="0"/>
+                                            </a:rPr>
+                                          </m:ctrlPr>
+                                        </m:sSubPr>
+                                        <m:e>
+                                          <m:r>
+                                            <a:rPr lang="en-US" i="1">
+                                              <a:latin typeface="Cambria Math" panose="02040503050406030204" pitchFamily="18" charset="0"/>
+                                              <a:ea typeface="Cambria Math" panose="02040503050406030204" pitchFamily="18" charset="0"/>
+                                            </a:rPr>
+                                            <m:t>𝑥</m:t>
+                                          </m:r>
+                                        </m:e>
+                                        <m:sub>
+                                          <m:r>
+                                            <a:rPr lang="en-US" i="1">
+                                              <a:latin typeface="Cambria Math" panose="02040503050406030204" pitchFamily="18" charset="0"/>
+                                              <a:ea typeface="Cambria Math" panose="02040503050406030204" pitchFamily="18" charset="0"/>
+                                            </a:rPr>
+                                            <m:t>𝑘</m:t>
+                                          </m:r>
+                                        </m:sub>
+                                      </m:sSub>
+                                    </m:e>
+                                  </m:d>
+                                </m:sub>
+                              </m:sSub>
+                              <m:d>
+                                <m:dPr>
+                                  <m:begChr m:val="["/>
+                                  <m:endChr m:val="]"/>
+                                  <m:ctrlPr>
+                                    <a:rPr lang="en-US" i="1">
+                                      <a:latin typeface="Cambria Math" panose="02040503050406030204" pitchFamily="18" charset="0"/>
+                                      <a:ea typeface="Cambria Math" panose="02040503050406030204" pitchFamily="18" charset="0"/>
+                                    </a:rPr>
+                                  </m:ctrlPr>
+                                </m:dPr>
+                                <m:e>
+                                  <m:func>
+                                    <m:funcPr>
+                                      <m:ctrlPr>
+                                        <a:rPr lang="en-US" i="1">
+                                          <a:latin typeface="Cambria Math" panose="02040503050406030204" pitchFamily="18" charset="0"/>
+                                          <a:ea typeface="Cambria Math" panose="02040503050406030204" pitchFamily="18" charset="0"/>
+                                        </a:rPr>
+                                      </m:ctrlPr>
+                                    </m:funcPr>
+                                    <m:fName>
+                                      <m:r>
+                                        <m:rPr>
+                                          <m:sty m:val="p"/>
+                                        </m:rPr>
+                                        <a:rPr lang="en-US">
+                                          <a:latin typeface="Cambria Math" panose="02040503050406030204" pitchFamily="18" charset="0"/>
+                                          <a:ea typeface="Cambria Math" panose="02040503050406030204" pitchFamily="18" charset="0"/>
+                                        </a:rPr>
+                                        <m:t>exp</m:t>
+                                      </m:r>
+                                    </m:fName>
+                                    <m:e>
+                                      <m:d>
+                                        <m:dPr>
+                                          <m:ctrlPr>
+                                            <a:rPr lang="en-US" i="1">
+                                              <a:latin typeface="Cambria Math" panose="02040503050406030204" pitchFamily="18" charset="0"/>
+                                              <a:ea typeface="Cambria Math" panose="02040503050406030204" pitchFamily="18" charset="0"/>
+                                            </a:rPr>
+                                          </m:ctrlPr>
+                                        </m:dPr>
+                                        <m:e>
+                                          <m:r>
+                                            <a:rPr lang="en-US" i="1">
+                                              <a:latin typeface="Cambria Math" panose="02040503050406030204" pitchFamily="18" charset="0"/>
+                                              <a:ea typeface="Cambria Math" panose="02040503050406030204" pitchFamily="18" charset="0"/>
+                                            </a:rPr>
+                                            <m:t>−</m:t>
+                                          </m:r>
+                                          <m:r>
+                                            <a:rPr lang="en-US" i="1">
+                                              <a:latin typeface="Cambria Math" panose="02040503050406030204" pitchFamily="18" charset="0"/>
+                                              <a:ea typeface="Cambria Math" panose="02040503050406030204" pitchFamily="18" charset="0"/>
+                                            </a:rPr>
+                                            <m:t>𝑣</m:t>
+                                          </m:r>
+                                          <m:d>
+                                            <m:dPr>
+                                              <m:ctrlPr>
+                                                <a:rPr lang="en-US" i="1">
+                                                  <a:latin typeface="Cambria Math" panose="02040503050406030204" pitchFamily="18" charset="0"/>
+                                                  <a:ea typeface="Cambria Math" panose="02040503050406030204" pitchFamily="18" charset="0"/>
+                                                </a:rPr>
+                                              </m:ctrlPr>
+                                            </m:dPr>
+                                            <m:e>
+                                              <m:r>
+                                                <a:rPr lang="en-US" i="1">
+                                                  <a:latin typeface="Cambria Math" panose="02040503050406030204" pitchFamily="18" charset="0"/>
+                                                  <a:ea typeface="Cambria Math" panose="02040503050406030204" pitchFamily="18" charset="0"/>
+                                                </a:rPr>
+                                                <m:t>∙;</m:t>
+                                              </m:r>
+                                              <m:r>
+                                                <a:rPr lang="en-US" i="1">
+                                                  <a:latin typeface="Cambria Math" panose="02040503050406030204" pitchFamily="18" charset="0"/>
+                                                  <a:ea typeface="Cambria Math" panose="02040503050406030204" pitchFamily="18" charset="0"/>
+                                                </a:rPr>
+                                                <m:t>𝜽</m:t>
+                                              </m:r>
+                                            </m:e>
+                                          </m:d>
+                                        </m:e>
+                                      </m:d>
+                                    </m:e>
+                                  </m:func>
+                                </m:e>
+                              </m:d>
+                            </m:e>
+                            <m:sup>
+                              <m:r>
+                                <a:rPr lang="en-US" b="0" i="1" smtClean="0">
+                                  <a:latin typeface="Cambria Math" panose="02040503050406030204" pitchFamily="18" charset="0"/>
+                                  <a:ea typeface="Cambria Math" panose="02040503050406030204" pitchFamily="18" charset="0"/>
+                                </a:rPr>
+                                <m:t>2</m:t>
+                              </m:r>
+                            </m:sup>
+                          </m:sSup>
+                        </m:den>
+                      </m:f>
+                    </m:oMath>
+                  </m:oMathPara>
+                </a14:m>
+                <a:endParaRPr lang="en-US" dirty="0"/>
+              </a:p>
+              <a:p>
+                <a:pPr marL="0" indent="0">
+                  <a:buNone/>
+                </a:pPr>
+                <a:endParaRPr lang="en-US" dirty="0"/>
+              </a:p>
+            </p:txBody>
+          </p:sp>
+        </mc:Choice>
+        <mc:Fallback>
+          <p:sp>
+            <p:nvSpPr>
+              <p:cNvPr id="3" name="Content Placeholder 2">
+                <a:extLst>
+                  <a:ext uri="{FF2B5EF4-FFF2-40B4-BE49-F238E27FC236}">
+                    <a16:creationId xmlns:a16="http://schemas.microsoft.com/office/drawing/2014/main" id="{CBBAC521-9E8E-0CE0-84DA-DBEB70A5A320}"/>
+                  </a:ext>
+                </a:extLst>
+              </p:cNvPr>
+              <p:cNvSpPr>
+                <a:spLocks noGrp="1" noRot="1" noChangeAspect="1" noMove="1" noResize="1" noEditPoints="1" noAdjustHandles="1" noChangeArrowheads="1" noChangeShapeType="1" noTextEdit="1"/>
+              </p:cNvSpPr>
+              <p:nvPr>
+                <p:ph idx="1"/>
+              </p:nvPr>
+            </p:nvSpPr>
+            <p:spPr>
+              <a:blipFill>
+                <a:blip r:embed="rId2"/>
+                <a:stretch>
+                  <a:fillRect t="-13372"/>
+                </a:stretch>
+              </a:blipFill>
+            </p:spPr>
+            <p:txBody>
+              <a:bodyPr/>
+              <a:lstStyle/>
+              <a:p>
+                <a:r>
+                  <a:rPr lang="en-US">
+                    <a:noFill/>
+                  </a:rPr>
+                  <a:t> </a:t>
+                </a:r>
+              </a:p>
+            </p:txBody>
+          </p:sp>
+        </mc:Fallback>
+      </mc:AlternateContent>
+    </p:spTree>
+    <p:extLst>
+      <p:ext uri="{BB962C8B-B14F-4D97-AF65-F5344CB8AC3E}">
+        <p14:creationId xmlns:p14="http://schemas.microsoft.com/office/powerpoint/2010/main" val="2151206101"/>
+      </p:ext>
+    </p:extLst>
+  </p:cSld>
+  <p:clrMapOvr>
+    <a:masterClrMapping/>
+  </p:clrMapOvr>
+</p:sld>
+</file>
+
+<file path=ppt/slides/slide59.xml><?xml version="1.0" encoding="utf-8"?>
+<p:sld xmlns:a="http://schemas.openxmlformats.org/drawingml/2006/main" xmlns:r="http://schemas.openxmlformats.org/officeDocument/2006/relationships" xmlns:p="http://schemas.openxmlformats.org/presentationml/2006/main">
+  <p:cSld>
+    <p:spTree>
+      <p:nvGrpSpPr>
+        <p:cNvPr id="1" name=""/>
+        <p:cNvGrpSpPr/>
+        <p:nvPr/>
+      </p:nvGrpSpPr>
+      <p:grpSpPr>
+        <a:xfrm>
+          <a:off x="0" y="0"/>
+          <a:ext cx="0" cy="0"/>
+          <a:chOff x="0" y="0"/>
+          <a:chExt cx="0" cy="0"/>
+        </a:xfrm>
+      </p:grpSpPr>
+      <p:sp>
+        <p:nvSpPr>
+          <p:cNvPr id="2" name="Title 1">
+            <a:extLst>
+              <a:ext uri="{FF2B5EF4-FFF2-40B4-BE49-F238E27FC236}">
+                <a16:creationId xmlns:a16="http://schemas.microsoft.com/office/drawing/2014/main" id="{538D4931-42A8-1DC4-F862-7FDBF7A8FCE8}"/>
+              </a:ext>
+            </a:extLst>
+          </p:cNvPr>
+          <p:cNvSpPr>
+            <a:spLocks noGrp="1"/>
+          </p:cNvSpPr>
+          <p:nvPr>
+            <p:ph type="title"/>
+          </p:nvPr>
+        </p:nvSpPr>
+        <p:spPr/>
+        <p:txBody>
+          <a:bodyPr/>
+          <a:lstStyle/>
+          <a:p>
+            <a:r>
+              <a:rPr lang="en-US" dirty="0"/>
+              <a:t>Hessian for Linear </a:t>
+            </a:r>
+            <a:r>
+              <a:rPr lang="en-US" dirty="0" err="1"/>
+              <a:t>OptV</a:t>
+            </a:r>
+            <a:r>
+              <a:rPr lang="en-US" dirty="0"/>
+              <a:t> (off-diagonal)</a:t>
+            </a:r>
+          </a:p>
+        </p:txBody>
+      </p:sp>
+      <mc:AlternateContent xmlns:mc="http://schemas.openxmlformats.org/markup-compatibility/2006">
+        <mc:Choice xmlns:a14="http://schemas.microsoft.com/office/drawing/2010/main" Requires="a14">
+          <p:sp>
+            <p:nvSpPr>
+              <p:cNvPr id="3" name="Content Placeholder 2">
+                <a:extLst>
+                  <a:ext uri="{FF2B5EF4-FFF2-40B4-BE49-F238E27FC236}">
+                    <a16:creationId xmlns:a16="http://schemas.microsoft.com/office/drawing/2014/main" id="{CBBAC521-9E8E-0CE0-84DA-DBEB70A5A320}"/>
+                  </a:ext>
+                </a:extLst>
+              </p:cNvPr>
+              <p:cNvSpPr>
+                <a:spLocks noGrp="1"/>
+              </p:cNvSpPr>
+              <p:nvPr>
+                <p:ph idx="1"/>
+              </p:nvPr>
+            </p:nvSpPr>
+            <p:spPr/>
+            <p:txBody>
+              <a:bodyPr>
+                <a:normAutofit fontScale="47500" lnSpcReduction="20000"/>
+              </a:bodyPr>
+              <a:lstStyle/>
+              <a:p>
+                <a:pPr marL="0" indent="0">
+                  <a:buNone/>
+                </a:pPr>
+                <a14:m>
+                  <m:oMathPara xmlns:m="http://schemas.openxmlformats.org/officeDocument/2006/math">
+                    <m:oMathParaPr>
+                      <m:jc m:val="centerGroup"/>
+                    </m:oMathParaPr>
+                    <m:oMath xmlns:m="http://schemas.openxmlformats.org/officeDocument/2006/math">
+                      <m:f>
+                        <m:fPr>
+                          <m:ctrlPr>
+                            <a:rPr lang="en-US" i="1" smtClean="0">
+                              <a:latin typeface="Cambria Math" panose="02040503050406030204" pitchFamily="18" charset="0"/>
+                            </a:rPr>
+                          </m:ctrlPr>
+                        </m:fPr>
+                        <m:num>
+                          <m:r>
+                            <a:rPr lang="en-US" i="1" smtClean="0">
+                              <a:latin typeface="Cambria Math" panose="02040503050406030204" pitchFamily="18" charset="0"/>
+                            </a:rPr>
+                            <m:t>𝜕</m:t>
+                          </m:r>
+                          <m:r>
+                            <a:rPr lang="en-US" b="0" i="1" smtClean="0">
+                              <a:latin typeface="Cambria Math" panose="02040503050406030204" pitchFamily="18" charset="0"/>
+                            </a:rPr>
+                            <m:t>𝐿</m:t>
+                          </m:r>
+                          <m:r>
+                            <a:rPr lang="en-US" b="0" i="1" smtClean="0">
+                              <a:latin typeface="Cambria Math" panose="02040503050406030204" pitchFamily="18" charset="0"/>
+                            </a:rPr>
+                            <m:t>[</m:t>
+                          </m:r>
+                          <m:r>
+                            <a:rPr lang="en-US" b="0" i="1" smtClean="0">
+                              <a:latin typeface="Cambria Math" panose="02040503050406030204" pitchFamily="18" charset="0"/>
+                            </a:rPr>
+                            <m:t>𝑣</m:t>
+                          </m:r>
+                          <m:d>
+                            <m:dPr>
+                              <m:ctrlPr>
+                                <a:rPr lang="en-US" b="0" i="1" smtClean="0">
+                                  <a:latin typeface="Cambria Math" panose="02040503050406030204" pitchFamily="18" charset="0"/>
+                                </a:rPr>
+                              </m:ctrlPr>
+                            </m:dPr>
+                            <m:e>
+                              <m:r>
+                                <a:rPr lang="en-US" b="0" i="1" smtClean="0">
+                                  <a:latin typeface="Cambria Math" panose="02040503050406030204" pitchFamily="18" charset="0"/>
+                                  <a:ea typeface="Cambria Math" panose="02040503050406030204" pitchFamily="18" charset="0"/>
+                                </a:rPr>
+                                <m:t>∙</m:t>
+                              </m:r>
+                            </m:e>
+                          </m:d>
+                          <m:r>
+                            <a:rPr lang="en-US" b="0" i="1" smtClean="0">
+                              <a:latin typeface="Cambria Math" panose="02040503050406030204" pitchFamily="18" charset="0"/>
+                              <a:ea typeface="Cambria Math" panose="02040503050406030204" pitchFamily="18" charset="0"/>
+                            </a:rPr>
+                            <m:t>]</m:t>
+                          </m:r>
+                        </m:num>
+                        <m:den>
+                          <m:r>
+                            <a:rPr lang="en-US" i="1" smtClean="0">
+                              <a:latin typeface="Cambria Math" panose="02040503050406030204" pitchFamily="18" charset="0"/>
+                            </a:rPr>
+                            <m:t>𝜕</m:t>
+                          </m:r>
+                          <m:sSub>
+                            <m:sSubPr>
+                              <m:ctrlPr>
+                                <a:rPr lang="en-US" i="1" smtClean="0">
+                                  <a:latin typeface="Cambria Math" panose="02040503050406030204" pitchFamily="18" charset="0"/>
+                                </a:rPr>
+                              </m:ctrlPr>
+                            </m:sSubPr>
+                            <m:e>
+                              <m:r>
+                                <a:rPr lang="en-US" i="1" smtClean="0">
+                                  <a:latin typeface="Cambria Math" panose="02040503050406030204" pitchFamily="18" charset="0"/>
+                                  <a:ea typeface="Cambria Math" panose="02040503050406030204" pitchFamily="18" charset="0"/>
+                                </a:rPr>
+                                <m:t>𝜃</m:t>
+                              </m:r>
+                            </m:e>
+                            <m:sub>
+                              <m:r>
+                                <a:rPr lang="en-US" b="0" i="1" smtClean="0">
+                                  <a:latin typeface="Cambria Math" panose="02040503050406030204" pitchFamily="18" charset="0"/>
+                                </a:rPr>
+                                <m:t>𝑖</m:t>
+                              </m:r>
+                            </m:sub>
+                          </m:sSub>
+                          <m:sSub>
+                            <m:sSubPr>
+                              <m:ctrlPr>
+                                <a:rPr lang="en-US" i="1" smtClean="0">
+                                  <a:latin typeface="Cambria Math" panose="02040503050406030204" pitchFamily="18" charset="0"/>
+                                </a:rPr>
+                              </m:ctrlPr>
+                            </m:sSubPr>
+                            <m:e>
+                              <m:r>
+                                <a:rPr lang="en-US" i="1" smtClean="0">
+                                  <a:latin typeface="Cambria Math" panose="02040503050406030204" pitchFamily="18" charset="0"/>
+                                  <a:ea typeface="Cambria Math" panose="02040503050406030204" pitchFamily="18" charset="0"/>
+                                </a:rPr>
+                                <m:t>𝜃</m:t>
+                              </m:r>
+                            </m:e>
+                            <m:sub>
+                              <m:r>
+                                <a:rPr lang="en-US" b="0" i="1" smtClean="0">
+                                  <a:latin typeface="Cambria Math" panose="02040503050406030204" pitchFamily="18" charset="0"/>
+                                </a:rPr>
+                                <m:t>𝑗</m:t>
+                              </m:r>
+                            </m:sub>
+                          </m:sSub>
+                        </m:den>
+                      </m:f>
+                      <m:r>
+                        <a:rPr lang="en-US" b="0" i="1" smtClean="0">
+                          <a:latin typeface="Cambria Math" panose="02040503050406030204" pitchFamily="18" charset="0"/>
+                        </a:rPr>
+                        <m:t>=</m:t>
+                      </m:r>
+                      <m:nary>
+                        <m:naryPr>
+                          <m:chr m:val="∑"/>
+                          <m:supHide m:val="on"/>
+                          <m:ctrlPr>
+                            <a:rPr lang="en-US" i="1">
+                              <a:latin typeface="Cambria Math" panose="02040503050406030204" pitchFamily="18" charset="0"/>
+                              <a:ea typeface="Cambria Math" panose="02040503050406030204" pitchFamily="18" charset="0"/>
+                            </a:rPr>
+                          </m:ctrlPr>
+                        </m:naryPr>
+                        <m:sub>
+                          <m:r>
+                            <m:rPr>
+                              <m:brk m:alnAt="7"/>
+                            </m:rPr>
+                            <a:rPr lang="en-US" i="1">
+                              <a:latin typeface="Cambria Math" panose="02040503050406030204" pitchFamily="18" charset="0"/>
+                              <a:ea typeface="Cambria Math" panose="02040503050406030204" pitchFamily="18" charset="0"/>
+                            </a:rPr>
+                            <m:t>𝑘</m:t>
+                          </m:r>
+                        </m:sub>
+                        <m:sup/>
+                        <m:e>
+                          <m:nary>
+                            <m:naryPr>
+                              <m:chr m:val="∑"/>
+                              <m:supHide m:val="on"/>
+                              <m:ctrlPr>
+                                <a:rPr lang="en-US" i="1">
+                                  <a:latin typeface="Cambria Math" panose="02040503050406030204" pitchFamily="18" charset="0"/>
+                                  <a:ea typeface="Cambria Math" panose="02040503050406030204" pitchFamily="18" charset="0"/>
+                                </a:rPr>
+                              </m:ctrlPr>
+                            </m:naryPr>
+                            <m:sub>
+                              <m:sSub>
+                                <m:sSubPr>
+                                  <m:ctrlPr>
+                                    <a:rPr lang="en-US" i="1">
+                                      <a:latin typeface="Cambria Math" panose="02040503050406030204" pitchFamily="18" charset="0"/>
+                                      <a:ea typeface="Cambria Math" panose="02040503050406030204" pitchFamily="18" charset="0"/>
+                                    </a:rPr>
+                                  </m:ctrlPr>
+                                </m:sSubPr>
+                                <m:e>
+                                  <m:r>
+                                    <a:rPr lang="en-US" i="1">
+                                      <a:latin typeface="Cambria Math" panose="02040503050406030204" pitchFamily="18" charset="0"/>
+                                      <a:ea typeface="Cambria Math" panose="02040503050406030204" pitchFamily="18" charset="0"/>
+                                    </a:rPr>
+                                    <m:t>𝑥</m:t>
+                                  </m:r>
+                                </m:e>
+                                <m:sub>
+                                  <m:r>
+                                    <a:rPr lang="en-US" i="1">
+                                      <a:latin typeface="Cambria Math" panose="02040503050406030204" pitchFamily="18" charset="0"/>
+                                      <a:ea typeface="Cambria Math" panose="02040503050406030204" pitchFamily="18" charset="0"/>
+                                    </a:rPr>
+                                    <m:t>𝑘</m:t>
+                                  </m:r>
+                                </m:sub>
+                              </m:sSub>
+                            </m:sub>
+                            <m:sup/>
+                            <m:e>
+                              <m:r>
+                                <a:rPr lang="en-US" i="1">
+                                  <a:latin typeface="Cambria Math" panose="02040503050406030204" pitchFamily="18" charset="0"/>
+                                  <a:ea typeface="Cambria Math" panose="02040503050406030204" pitchFamily="18" charset="0"/>
+                                </a:rPr>
+                                <m:t>𝑏</m:t>
+                              </m:r>
+                              <m:d>
+                                <m:dPr>
+                                  <m:ctrlPr>
+                                    <a:rPr lang="en-US" i="1">
+                                      <a:latin typeface="Cambria Math" panose="02040503050406030204" pitchFamily="18" charset="0"/>
+                                      <a:ea typeface="Cambria Math" panose="02040503050406030204" pitchFamily="18" charset="0"/>
+                                    </a:rPr>
+                                  </m:ctrlPr>
+                                </m:dPr>
+                                <m:e>
+                                  <m:sSub>
+                                    <m:sSubPr>
+                                      <m:ctrlPr>
+                                        <a:rPr lang="en-US" i="1">
+                                          <a:latin typeface="Cambria Math" panose="02040503050406030204" pitchFamily="18" charset="0"/>
+                                          <a:ea typeface="Cambria Math" panose="02040503050406030204" pitchFamily="18" charset="0"/>
+                                        </a:rPr>
+                                      </m:ctrlPr>
+                                    </m:sSubPr>
+                                    <m:e>
+                                      <m:r>
+                                        <a:rPr lang="en-US" i="1">
+                                          <a:latin typeface="Cambria Math" panose="02040503050406030204" pitchFamily="18" charset="0"/>
+                                          <a:ea typeface="Cambria Math" panose="02040503050406030204" pitchFamily="18" charset="0"/>
+                                        </a:rPr>
+                                        <m:t>𝑥</m:t>
+                                      </m:r>
+                                    </m:e>
+                                    <m:sub>
+                                      <m:r>
+                                        <a:rPr lang="en-US" i="1">
+                                          <a:latin typeface="Cambria Math" panose="02040503050406030204" pitchFamily="18" charset="0"/>
+                                          <a:ea typeface="Cambria Math" panose="02040503050406030204" pitchFamily="18" charset="0"/>
+                                        </a:rPr>
+                                        <m:t>𝑘</m:t>
+                                      </m:r>
+                                    </m:sub>
+                                  </m:sSub>
+                                </m:e>
+                              </m:d>
+                            </m:e>
+                          </m:nary>
+                        </m:e>
+                      </m:nary>
+                      <m:f>
+                        <m:fPr>
+                          <m:ctrlPr>
+                            <a:rPr lang="en-US" b="0" i="1" smtClean="0">
+                              <a:latin typeface="Cambria Math" panose="02040503050406030204" pitchFamily="18" charset="0"/>
+                              <a:ea typeface="Cambria Math" panose="02040503050406030204" pitchFamily="18" charset="0"/>
+                            </a:rPr>
+                          </m:ctrlPr>
+                        </m:fPr>
+                        <m:num>
+                          <m:sSub>
+                            <m:sSubPr>
+                              <m:ctrlPr>
+                                <a:rPr lang="en-US" i="1">
+                                  <a:latin typeface="Cambria Math" panose="02040503050406030204" pitchFamily="18" charset="0"/>
+                                  <a:ea typeface="Cambria Math" panose="02040503050406030204" pitchFamily="18" charset="0"/>
+                                </a:rPr>
+                              </m:ctrlPr>
+                            </m:sSubPr>
+                            <m:e>
+                              <m:r>
+                                <a:rPr lang="en-US" i="1">
+                                  <a:latin typeface="Cambria Math" panose="02040503050406030204" pitchFamily="18" charset="0"/>
+                                  <a:ea typeface="Cambria Math" panose="02040503050406030204" pitchFamily="18" charset="0"/>
+                                </a:rPr>
+                                <m:t>𝐸</m:t>
+                              </m:r>
+                            </m:e>
+                            <m:sub>
+                              <m:sSup>
+                                <m:sSupPr>
+                                  <m:ctrlPr>
+                                    <a:rPr lang="en-US" i="1">
+                                      <a:latin typeface="Cambria Math" panose="02040503050406030204" pitchFamily="18" charset="0"/>
+                                      <a:ea typeface="Cambria Math" panose="02040503050406030204" pitchFamily="18" charset="0"/>
+                                    </a:rPr>
+                                  </m:ctrlPr>
+                                </m:sSupPr>
+                                <m:e>
+                                  <m:r>
+                                    <m:rPr>
+                                      <m:sty m:val="p"/>
+                                    </m:rPr>
+                                    <a:rPr lang="el-GR" i="1">
+                                      <a:latin typeface="Cambria Math" panose="02040503050406030204" pitchFamily="18" charset="0"/>
+                                      <a:ea typeface="Cambria Math" panose="02040503050406030204" pitchFamily="18" charset="0"/>
+                                    </a:rPr>
+                                    <m:t>Π</m:t>
+                                  </m:r>
+                                </m:e>
+                                <m:sup>
+                                  <m:r>
+                                    <a:rPr lang="en-US" i="1">
+                                      <a:latin typeface="Cambria Math" panose="02040503050406030204" pitchFamily="18" charset="0"/>
+                                      <a:ea typeface="Cambria Math" panose="02040503050406030204" pitchFamily="18" charset="0"/>
+                                    </a:rPr>
+                                    <m:t>0</m:t>
+                                  </m:r>
+                                </m:sup>
+                              </m:sSup>
+                              <m:d>
+                                <m:dPr>
+                                  <m:ctrlPr>
+                                    <a:rPr lang="en-US" i="1">
+                                      <a:latin typeface="Cambria Math" panose="02040503050406030204" pitchFamily="18" charset="0"/>
+                                      <a:ea typeface="Cambria Math" panose="02040503050406030204" pitchFamily="18" charset="0"/>
+                                    </a:rPr>
+                                  </m:ctrlPr>
+                                </m:dPr>
+                                <m:e>
+                                  <m:sSub>
+                                    <m:sSubPr>
+                                      <m:ctrlPr>
+                                        <a:rPr lang="en-US" i="1">
+                                          <a:latin typeface="Cambria Math" panose="02040503050406030204" pitchFamily="18" charset="0"/>
+                                          <a:ea typeface="Cambria Math" panose="02040503050406030204" pitchFamily="18" charset="0"/>
+                                        </a:rPr>
+                                      </m:ctrlPr>
+                                    </m:sSubPr>
+                                    <m:e>
+                                      <m:r>
+                                        <a:rPr lang="en-US" i="1">
+                                          <a:latin typeface="Cambria Math" panose="02040503050406030204" pitchFamily="18" charset="0"/>
+                                          <a:ea typeface="Cambria Math" panose="02040503050406030204" pitchFamily="18" charset="0"/>
+                                        </a:rPr>
+                                        <m:t>𝑥</m:t>
+                                      </m:r>
+                                    </m:e>
+                                    <m:sub>
+                                      <m:r>
+                                        <a:rPr lang="en-US" i="1">
+                                          <a:latin typeface="Cambria Math" panose="02040503050406030204" pitchFamily="18" charset="0"/>
+                                          <a:ea typeface="Cambria Math" panose="02040503050406030204" pitchFamily="18" charset="0"/>
+                                        </a:rPr>
+                                        <m:t>𝑘</m:t>
+                                      </m:r>
+                                    </m:sub>
+                                  </m:sSub>
+                                </m:e>
+                              </m:d>
+                            </m:sub>
+                          </m:sSub>
+                          <m:d>
+                            <m:dPr>
+                              <m:begChr m:val="["/>
+                              <m:endChr m:val="]"/>
+                              <m:ctrlPr>
+                                <a:rPr lang="en-US" b="0" i="1" smtClean="0">
+                                  <a:latin typeface="Cambria Math" panose="02040503050406030204" pitchFamily="18" charset="0"/>
+                                  <a:ea typeface="Cambria Math" panose="02040503050406030204" pitchFamily="18" charset="0"/>
+                                </a:rPr>
+                              </m:ctrlPr>
+                            </m:dPr>
+                            <m:e>
+                              <m:f>
+                                <m:fPr>
+                                  <m:ctrlPr>
+                                    <a:rPr lang="en-US" i="1">
+                                      <a:latin typeface="Cambria Math" panose="02040503050406030204" pitchFamily="18" charset="0"/>
+                                      <a:ea typeface="Cambria Math" panose="02040503050406030204" pitchFamily="18" charset="0"/>
+                                    </a:rPr>
+                                  </m:ctrlPr>
+                                </m:fPr>
+                                <m:num>
+                                  <m:r>
+                                    <a:rPr lang="en-US" i="1">
+                                      <a:latin typeface="Cambria Math" panose="02040503050406030204" pitchFamily="18" charset="0"/>
+                                      <a:ea typeface="Cambria Math" panose="02040503050406030204" pitchFamily="18" charset="0"/>
+                                    </a:rPr>
+                                    <m:t>𝜕</m:t>
+                                  </m:r>
+                                  <m:r>
+                                    <a:rPr lang="en-US" i="1">
+                                      <a:latin typeface="Cambria Math" panose="02040503050406030204" pitchFamily="18" charset="0"/>
+                                      <a:ea typeface="Cambria Math" panose="02040503050406030204" pitchFamily="18" charset="0"/>
+                                    </a:rPr>
+                                    <m:t>𝑣</m:t>
+                                  </m:r>
+                                  <m:d>
+                                    <m:dPr>
+                                      <m:ctrlPr>
+                                        <a:rPr lang="en-US" i="1">
+                                          <a:latin typeface="Cambria Math" panose="02040503050406030204" pitchFamily="18" charset="0"/>
+                                          <a:ea typeface="Cambria Math" panose="02040503050406030204" pitchFamily="18" charset="0"/>
+                                        </a:rPr>
+                                      </m:ctrlPr>
+                                    </m:dPr>
+                                    <m:e>
+                                      <m:r>
+                                        <a:rPr lang="en-US" i="1">
+                                          <a:latin typeface="Cambria Math" panose="02040503050406030204" pitchFamily="18" charset="0"/>
+                                          <a:ea typeface="Cambria Math" panose="02040503050406030204" pitchFamily="18" charset="0"/>
+                                        </a:rPr>
+                                        <m:t>∙;</m:t>
+                                      </m:r>
+                                      <m:r>
+                                        <a:rPr lang="en-US" i="1">
+                                          <a:latin typeface="Cambria Math" panose="02040503050406030204" pitchFamily="18" charset="0"/>
+                                          <a:ea typeface="Cambria Math" panose="02040503050406030204" pitchFamily="18" charset="0"/>
+                                        </a:rPr>
+                                        <m:t>𝜽</m:t>
+                                      </m:r>
+                                    </m:e>
+                                  </m:d>
+                                </m:num>
+                                <m:den>
+                                  <m:r>
+                                    <a:rPr lang="en-US" i="1">
+                                      <a:latin typeface="Cambria Math" panose="02040503050406030204" pitchFamily="18" charset="0"/>
+                                      <a:ea typeface="Cambria Math" panose="02040503050406030204" pitchFamily="18" charset="0"/>
+                                    </a:rPr>
+                                    <m:t>𝜕</m:t>
+                                  </m:r>
+                                  <m:sSub>
+                                    <m:sSubPr>
+                                      <m:ctrlPr>
+                                        <a:rPr lang="en-US" i="1">
+                                          <a:latin typeface="Cambria Math" panose="02040503050406030204" pitchFamily="18" charset="0"/>
+                                          <a:ea typeface="Cambria Math" panose="02040503050406030204" pitchFamily="18" charset="0"/>
+                                        </a:rPr>
+                                      </m:ctrlPr>
+                                    </m:sSubPr>
+                                    <m:e>
+                                      <m:r>
+                                        <a:rPr lang="en-US" i="1">
+                                          <a:latin typeface="Cambria Math" panose="02040503050406030204" pitchFamily="18" charset="0"/>
+                                          <a:ea typeface="Cambria Math" panose="02040503050406030204" pitchFamily="18" charset="0"/>
+                                        </a:rPr>
+                                        <m:t>𝜃</m:t>
+                                      </m:r>
+                                    </m:e>
+                                    <m:sub>
+                                      <m:r>
+                                        <a:rPr lang="en-US" i="1">
+                                          <a:latin typeface="Cambria Math" panose="02040503050406030204" pitchFamily="18" charset="0"/>
+                                          <a:ea typeface="Cambria Math" panose="02040503050406030204" pitchFamily="18" charset="0"/>
+                                        </a:rPr>
+                                        <m:t>𝑖</m:t>
+                                      </m:r>
+                                    </m:sub>
+                                  </m:sSub>
+                                </m:den>
+                              </m:f>
+                              <m:f>
+                                <m:fPr>
+                                  <m:ctrlPr>
+                                    <a:rPr lang="en-US" i="1">
+                                      <a:latin typeface="Cambria Math" panose="02040503050406030204" pitchFamily="18" charset="0"/>
+                                      <a:ea typeface="Cambria Math" panose="02040503050406030204" pitchFamily="18" charset="0"/>
+                                    </a:rPr>
+                                  </m:ctrlPr>
+                                </m:fPr>
+                                <m:num>
+                                  <m:r>
+                                    <a:rPr lang="en-US" i="1">
+                                      <a:latin typeface="Cambria Math" panose="02040503050406030204" pitchFamily="18" charset="0"/>
+                                      <a:ea typeface="Cambria Math" panose="02040503050406030204" pitchFamily="18" charset="0"/>
+                                    </a:rPr>
+                                    <m:t>𝜕</m:t>
+                                  </m:r>
+                                  <m:r>
+                                    <a:rPr lang="en-US" i="1">
+                                      <a:latin typeface="Cambria Math" panose="02040503050406030204" pitchFamily="18" charset="0"/>
+                                      <a:ea typeface="Cambria Math" panose="02040503050406030204" pitchFamily="18" charset="0"/>
+                                    </a:rPr>
+                                    <m:t>𝑣</m:t>
+                                  </m:r>
+                                  <m:d>
+                                    <m:dPr>
+                                      <m:ctrlPr>
+                                        <a:rPr lang="en-US" i="1">
+                                          <a:latin typeface="Cambria Math" panose="02040503050406030204" pitchFamily="18" charset="0"/>
+                                          <a:ea typeface="Cambria Math" panose="02040503050406030204" pitchFamily="18" charset="0"/>
+                                        </a:rPr>
+                                      </m:ctrlPr>
+                                    </m:dPr>
+                                    <m:e>
+                                      <m:r>
+                                        <a:rPr lang="en-US" i="1">
+                                          <a:latin typeface="Cambria Math" panose="02040503050406030204" pitchFamily="18" charset="0"/>
+                                          <a:ea typeface="Cambria Math" panose="02040503050406030204" pitchFamily="18" charset="0"/>
+                                        </a:rPr>
+                                        <m:t>∙;</m:t>
+                                      </m:r>
+                                      <m:r>
+                                        <a:rPr lang="en-US" i="1">
+                                          <a:latin typeface="Cambria Math" panose="02040503050406030204" pitchFamily="18" charset="0"/>
+                                          <a:ea typeface="Cambria Math" panose="02040503050406030204" pitchFamily="18" charset="0"/>
+                                        </a:rPr>
+                                        <m:t>𝜽</m:t>
+                                      </m:r>
+                                    </m:e>
+                                  </m:d>
+                                </m:num>
+                                <m:den>
+                                  <m:r>
+                                    <a:rPr lang="en-US" i="1">
+                                      <a:latin typeface="Cambria Math" panose="02040503050406030204" pitchFamily="18" charset="0"/>
+                                      <a:ea typeface="Cambria Math" panose="02040503050406030204" pitchFamily="18" charset="0"/>
+                                    </a:rPr>
+                                    <m:t>𝜕</m:t>
+                                  </m:r>
+                                  <m:sSub>
+                                    <m:sSubPr>
+                                      <m:ctrlPr>
+                                        <a:rPr lang="en-US" i="1">
+                                          <a:latin typeface="Cambria Math" panose="02040503050406030204" pitchFamily="18" charset="0"/>
+                                          <a:ea typeface="Cambria Math" panose="02040503050406030204" pitchFamily="18" charset="0"/>
+                                        </a:rPr>
+                                      </m:ctrlPr>
+                                    </m:sSubPr>
+                                    <m:e>
+                                      <m:r>
+                                        <a:rPr lang="en-US" i="1">
+                                          <a:latin typeface="Cambria Math" panose="02040503050406030204" pitchFamily="18" charset="0"/>
+                                          <a:ea typeface="Cambria Math" panose="02040503050406030204" pitchFamily="18" charset="0"/>
+                                        </a:rPr>
+                                        <m:t>𝜃</m:t>
+                                      </m:r>
+                                    </m:e>
+                                    <m:sub>
+                                      <m:r>
+                                        <a:rPr lang="en-US" i="1">
+                                          <a:latin typeface="Cambria Math" panose="02040503050406030204" pitchFamily="18" charset="0"/>
+                                          <a:ea typeface="Cambria Math" panose="02040503050406030204" pitchFamily="18" charset="0"/>
+                                        </a:rPr>
+                                        <m:t>𝑗</m:t>
+                                      </m:r>
+                                    </m:sub>
+                                  </m:sSub>
+                                </m:den>
+                              </m:f>
+                              <m:func>
+                                <m:funcPr>
+                                  <m:ctrlPr>
+                                    <a:rPr lang="en-US" i="1">
+                                      <a:latin typeface="Cambria Math" panose="02040503050406030204" pitchFamily="18" charset="0"/>
+                                      <a:ea typeface="Cambria Math" panose="02040503050406030204" pitchFamily="18" charset="0"/>
+                                    </a:rPr>
+                                  </m:ctrlPr>
+                                </m:funcPr>
+                                <m:fName>
+                                  <m:r>
+                                    <m:rPr>
+                                      <m:sty m:val="p"/>
+                                    </m:rPr>
+                                    <a:rPr lang="en-US">
+                                      <a:latin typeface="Cambria Math" panose="02040503050406030204" pitchFamily="18" charset="0"/>
+                                      <a:ea typeface="Cambria Math" panose="02040503050406030204" pitchFamily="18" charset="0"/>
+                                    </a:rPr>
+                                    <m:t>exp</m:t>
+                                  </m:r>
+                                </m:fName>
+                                <m:e>
+                                  <m:d>
+                                    <m:dPr>
+                                      <m:ctrlPr>
+                                        <a:rPr lang="en-US" i="1">
+                                          <a:latin typeface="Cambria Math" panose="02040503050406030204" pitchFamily="18" charset="0"/>
+                                          <a:ea typeface="Cambria Math" panose="02040503050406030204" pitchFamily="18" charset="0"/>
+                                        </a:rPr>
+                                      </m:ctrlPr>
+                                    </m:dPr>
+                                    <m:e>
+                                      <m:r>
+                                        <a:rPr lang="en-US" i="1">
+                                          <a:latin typeface="Cambria Math" panose="02040503050406030204" pitchFamily="18" charset="0"/>
+                                          <a:ea typeface="Cambria Math" panose="02040503050406030204" pitchFamily="18" charset="0"/>
+                                        </a:rPr>
+                                        <m:t>−</m:t>
+                                      </m:r>
+                                      <m:r>
+                                        <a:rPr lang="en-US" i="1">
+                                          <a:latin typeface="Cambria Math" panose="02040503050406030204" pitchFamily="18" charset="0"/>
+                                          <a:ea typeface="Cambria Math" panose="02040503050406030204" pitchFamily="18" charset="0"/>
+                                        </a:rPr>
+                                        <m:t>𝑣</m:t>
+                                      </m:r>
+                                      <m:d>
+                                        <m:dPr>
+                                          <m:ctrlPr>
+                                            <a:rPr lang="en-US" i="1">
+                                              <a:latin typeface="Cambria Math" panose="02040503050406030204" pitchFamily="18" charset="0"/>
+                                              <a:ea typeface="Cambria Math" panose="02040503050406030204" pitchFamily="18" charset="0"/>
+                                            </a:rPr>
+                                          </m:ctrlPr>
+                                        </m:dPr>
+                                        <m:e>
+                                          <m:r>
+                                            <a:rPr lang="en-US" i="1">
+                                              <a:latin typeface="Cambria Math" panose="02040503050406030204" pitchFamily="18" charset="0"/>
+                                              <a:ea typeface="Cambria Math" panose="02040503050406030204" pitchFamily="18" charset="0"/>
+                                            </a:rPr>
+                                            <m:t>∙;</m:t>
+                                          </m:r>
+                                          <m:r>
+                                            <a:rPr lang="en-US" i="1">
+                                              <a:latin typeface="Cambria Math" panose="02040503050406030204" pitchFamily="18" charset="0"/>
+                                              <a:ea typeface="Cambria Math" panose="02040503050406030204" pitchFamily="18" charset="0"/>
+                                            </a:rPr>
+                                            <m:t>𝜽</m:t>
+                                          </m:r>
+                                        </m:e>
+                                      </m:d>
+                                    </m:e>
+                                  </m:d>
+                                </m:e>
+                              </m:func>
+                            </m:e>
+                          </m:d>
+                          <m:sSub>
+                            <m:sSubPr>
+                              <m:ctrlPr>
+                                <a:rPr lang="en-US" i="1">
+                                  <a:latin typeface="Cambria Math" panose="02040503050406030204" pitchFamily="18" charset="0"/>
+                                  <a:ea typeface="Cambria Math" panose="02040503050406030204" pitchFamily="18" charset="0"/>
+                                </a:rPr>
+                              </m:ctrlPr>
+                            </m:sSubPr>
+                            <m:e>
+                              <m:r>
+                                <a:rPr lang="en-US" i="1">
+                                  <a:latin typeface="Cambria Math" panose="02040503050406030204" pitchFamily="18" charset="0"/>
+                                  <a:ea typeface="Cambria Math" panose="02040503050406030204" pitchFamily="18" charset="0"/>
+                                </a:rPr>
+                                <m:t>𝐸</m:t>
+                              </m:r>
+                            </m:e>
+                            <m:sub>
+                              <m:sSup>
+                                <m:sSupPr>
+                                  <m:ctrlPr>
+                                    <a:rPr lang="en-US" i="1">
+                                      <a:latin typeface="Cambria Math" panose="02040503050406030204" pitchFamily="18" charset="0"/>
+                                      <a:ea typeface="Cambria Math" panose="02040503050406030204" pitchFamily="18" charset="0"/>
+                                    </a:rPr>
+                                  </m:ctrlPr>
+                                </m:sSupPr>
+                                <m:e>
+                                  <m:r>
+                                    <m:rPr>
+                                      <m:sty m:val="p"/>
+                                    </m:rPr>
+                                    <a:rPr lang="el-GR" i="1">
+                                      <a:latin typeface="Cambria Math" panose="02040503050406030204" pitchFamily="18" charset="0"/>
+                                      <a:ea typeface="Cambria Math" panose="02040503050406030204" pitchFamily="18" charset="0"/>
+                                    </a:rPr>
+                                    <m:t>Π</m:t>
+                                  </m:r>
+                                </m:e>
+                                <m:sup>
+                                  <m:r>
+                                    <a:rPr lang="en-US" i="1">
+                                      <a:latin typeface="Cambria Math" panose="02040503050406030204" pitchFamily="18" charset="0"/>
+                                      <a:ea typeface="Cambria Math" panose="02040503050406030204" pitchFamily="18" charset="0"/>
+                                    </a:rPr>
+                                    <m:t>0</m:t>
+                                  </m:r>
+                                </m:sup>
+                              </m:sSup>
+                              <m:d>
+                                <m:dPr>
+                                  <m:ctrlPr>
+                                    <a:rPr lang="en-US" i="1">
+                                      <a:latin typeface="Cambria Math" panose="02040503050406030204" pitchFamily="18" charset="0"/>
+                                      <a:ea typeface="Cambria Math" panose="02040503050406030204" pitchFamily="18" charset="0"/>
+                                    </a:rPr>
+                                  </m:ctrlPr>
+                                </m:dPr>
+                                <m:e>
+                                  <m:sSub>
+                                    <m:sSubPr>
+                                      <m:ctrlPr>
+                                        <a:rPr lang="en-US" i="1">
+                                          <a:latin typeface="Cambria Math" panose="02040503050406030204" pitchFamily="18" charset="0"/>
+                                          <a:ea typeface="Cambria Math" panose="02040503050406030204" pitchFamily="18" charset="0"/>
+                                        </a:rPr>
+                                      </m:ctrlPr>
+                                    </m:sSubPr>
+                                    <m:e>
+                                      <m:r>
+                                        <a:rPr lang="en-US" i="1">
+                                          <a:latin typeface="Cambria Math" panose="02040503050406030204" pitchFamily="18" charset="0"/>
+                                          <a:ea typeface="Cambria Math" panose="02040503050406030204" pitchFamily="18" charset="0"/>
+                                        </a:rPr>
+                                        <m:t>𝑥</m:t>
+                                      </m:r>
+                                    </m:e>
+                                    <m:sub>
+                                      <m:r>
+                                        <a:rPr lang="en-US" i="1">
+                                          <a:latin typeface="Cambria Math" panose="02040503050406030204" pitchFamily="18" charset="0"/>
+                                          <a:ea typeface="Cambria Math" panose="02040503050406030204" pitchFamily="18" charset="0"/>
+                                        </a:rPr>
+                                        <m:t>𝑘</m:t>
+                                      </m:r>
+                                    </m:sub>
+                                  </m:sSub>
+                                </m:e>
+                              </m:d>
+                            </m:sub>
+                          </m:sSub>
+                          <m:d>
+                            <m:dPr>
+                              <m:begChr m:val="["/>
+                              <m:endChr m:val="]"/>
+                              <m:ctrlPr>
+                                <a:rPr lang="en-US" i="1">
+                                  <a:latin typeface="Cambria Math" panose="02040503050406030204" pitchFamily="18" charset="0"/>
+                                  <a:ea typeface="Cambria Math" panose="02040503050406030204" pitchFamily="18" charset="0"/>
+                                </a:rPr>
+                              </m:ctrlPr>
+                            </m:dPr>
+                            <m:e>
+                              <m:func>
+                                <m:funcPr>
+                                  <m:ctrlPr>
+                                    <a:rPr lang="en-US" i="1">
+                                      <a:latin typeface="Cambria Math" panose="02040503050406030204" pitchFamily="18" charset="0"/>
+                                      <a:ea typeface="Cambria Math" panose="02040503050406030204" pitchFamily="18" charset="0"/>
+                                    </a:rPr>
+                                  </m:ctrlPr>
+                                </m:funcPr>
+                                <m:fName>
+                                  <m:r>
+                                    <m:rPr>
+                                      <m:sty m:val="p"/>
+                                    </m:rPr>
+                                    <a:rPr lang="en-US">
+                                      <a:latin typeface="Cambria Math" panose="02040503050406030204" pitchFamily="18" charset="0"/>
+                                      <a:ea typeface="Cambria Math" panose="02040503050406030204" pitchFamily="18" charset="0"/>
+                                    </a:rPr>
+                                    <m:t>exp</m:t>
+                                  </m:r>
+                                </m:fName>
+                                <m:e>
+                                  <m:d>
+                                    <m:dPr>
+                                      <m:ctrlPr>
+                                        <a:rPr lang="en-US" i="1">
+                                          <a:latin typeface="Cambria Math" panose="02040503050406030204" pitchFamily="18" charset="0"/>
+                                          <a:ea typeface="Cambria Math" panose="02040503050406030204" pitchFamily="18" charset="0"/>
+                                        </a:rPr>
+                                      </m:ctrlPr>
+                                    </m:dPr>
+                                    <m:e>
+                                      <m:r>
+                                        <a:rPr lang="en-US" i="1">
+                                          <a:latin typeface="Cambria Math" panose="02040503050406030204" pitchFamily="18" charset="0"/>
+                                          <a:ea typeface="Cambria Math" panose="02040503050406030204" pitchFamily="18" charset="0"/>
+                                        </a:rPr>
+                                        <m:t>−</m:t>
+                                      </m:r>
+                                      <m:r>
+                                        <a:rPr lang="en-US" i="1">
+                                          <a:latin typeface="Cambria Math" panose="02040503050406030204" pitchFamily="18" charset="0"/>
+                                          <a:ea typeface="Cambria Math" panose="02040503050406030204" pitchFamily="18" charset="0"/>
+                                        </a:rPr>
+                                        <m:t>𝑣</m:t>
+                                      </m:r>
+                                      <m:d>
+                                        <m:dPr>
+                                          <m:ctrlPr>
+                                            <a:rPr lang="en-US" i="1">
+                                              <a:latin typeface="Cambria Math" panose="02040503050406030204" pitchFamily="18" charset="0"/>
+                                              <a:ea typeface="Cambria Math" panose="02040503050406030204" pitchFamily="18" charset="0"/>
+                                            </a:rPr>
+                                          </m:ctrlPr>
+                                        </m:dPr>
+                                        <m:e>
+                                          <m:r>
+                                            <a:rPr lang="en-US" i="1">
+                                              <a:latin typeface="Cambria Math" panose="02040503050406030204" pitchFamily="18" charset="0"/>
+                                              <a:ea typeface="Cambria Math" panose="02040503050406030204" pitchFamily="18" charset="0"/>
+                                            </a:rPr>
+                                            <m:t>∙;</m:t>
+                                          </m:r>
+                                          <m:r>
+                                            <a:rPr lang="en-US" i="1">
+                                              <a:latin typeface="Cambria Math" panose="02040503050406030204" pitchFamily="18" charset="0"/>
+                                              <a:ea typeface="Cambria Math" panose="02040503050406030204" pitchFamily="18" charset="0"/>
+                                            </a:rPr>
+                                            <m:t>𝜽</m:t>
+                                          </m:r>
+                                        </m:e>
+                                      </m:d>
+                                    </m:e>
+                                  </m:d>
+                                </m:e>
+                              </m:func>
+                            </m:e>
+                          </m:d>
+                          <m:r>
+                            <a:rPr lang="en-US" b="0" i="1" smtClean="0">
+                              <a:latin typeface="Cambria Math" panose="02040503050406030204" pitchFamily="18" charset="0"/>
+                              <a:ea typeface="Cambria Math" panose="02040503050406030204" pitchFamily="18" charset="0"/>
+                            </a:rPr>
+                            <m:t>−</m:t>
+                          </m:r>
+                          <m:sSub>
+                            <m:sSubPr>
+                              <m:ctrlPr>
+                                <a:rPr lang="en-US" i="1">
+                                  <a:latin typeface="Cambria Math" panose="02040503050406030204" pitchFamily="18" charset="0"/>
+                                  <a:ea typeface="Cambria Math" panose="02040503050406030204" pitchFamily="18" charset="0"/>
+                                </a:rPr>
+                              </m:ctrlPr>
+                            </m:sSubPr>
+                            <m:e>
+                              <m:r>
+                                <a:rPr lang="en-US" i="1">
+                                  <a:latin typeface="Cambria Math" panose="02040503050406030204" pitchFamily="18" charset="0"/>
+                                  <a:ea typeface="Cambria Math" panose="02040503050406030204" pitchFamily="18" charset="0"/>
+                                </a:rPr>
+                                <m:t>𝐸</m:t>
+                              </m:r>
+                            </m:e>
+                            <m:sub>
+                              <m:sSup>
+                                <m:sSupPr>
+                                  <m:ctrlPr>
+                                    <a:rPr lang="en-US" i="1">
+                                      <a:latin typeface="Cambria Math" panose="02040503050406030204" pitchFamily="18" charset="0"/>
+                                      <a:ea typeface="Cambria Math" panose="02040503050406030204" pitchFamily="18" charset="0"/>
+                                    </a:rPr>
+                                  </m:ctrlPr>
+                                </m:sSupPr>
+                                <m:e>
+                                  <m:r>
+                                    <m:rPr>
+                                      <m:sty m:val="p"/>
+                                    </m:rPr>
+                                    <a:rPr lang="el-GR" i="1">
+                                      <a:latin typeface="Cambria Math" panose="02040503050406030204" pitchFamily="18" charset="0"/>
+                                      <a:ea typeface="Cambria Math" panose="02040503050406030204" pitchFamily="18" charset="0"/>
+                                    </a:rPr>
+                                    <m:t>Π</m:t>
+                                  </m:r>
+                                </m:e>
+                                <m:sup>
+                                  <m:r>
+                                    <a:rPr lang="en-US" i="1">
+                                      <a:latin typeface="Cambria Math" panose="02040503050406030204" pitchFamily="18" charset="0"/>
+                                      <a:ea typeface="Cambria Math" panose="02040503050406030204" pitchFamily="18" charset="0"/>
+                                    </a:rPr>
+                                    <m:t>0</m:t>
+                                  </m:r>
+                                </m:sup>
+                              </m:sSup>
+                              <m:d>
+                                <m:dPr>
+                                  <m:ctrlPr>
+                                    <a:rPr lang="en-US" i="1">
+                                      <a:latin typeface="Cambria Math" panose="02040503050406030204" pitchFamily="18" charset="0"/>
+                                      <a:ea typeface="Cambria Math" panose="02040503050406030204" pitchFamily="18" charset="0"/>
+                                    </a:rPr>
+                                  </m:ctrlPr>
+                                </m:dPr>
+                                <m:e>
+                                  <m:sSub>
+                                    <m:sSubPr>
+                                      <m:ctrlPr>
+                                        <a:rPr lang="en-US" i="1">
+                                          <a:latin typeface="Cambria Math" panose="02040503050406030204" pitchFamily="18" charset="0"/>
+                                          <a:ea typeface="Cambria Math" panose="02040503050406030204" pitchFamily="18" charset="0"/>
+                                        </a:rPr>
+                                      </m:ctrlPr>
+                                    </m:sSubPr>
+                                    <m:e>
+                                      <m:r>
+                                        <a:rPr lang="en-US" i="1">
+                                          <a:latin typeface="Cambria Math" panose="02040503050406030204" pitchFamily="18" charset="0"/>
+                                          <a:ea typeface="Cambria Math" panose="02040503050406030204" pitchFamily="18" charset="0"/>
+                                        </a:rPr>
+                                        <m:t>𝑥</m:t>
+                                      </m:r>
+                                    </m:e>
+                                    <m:sub>
+                                      <m:r>
+                                        <a:rPr lang="en-US" i="1">
+                                          <a:latin typeface="Cambria Math" panose="02040503050406030204" pitchFamily="18" charset="0"/>
+                                          <a:ea typeface="Cambria Math" panose="02040503050406030204" pitchFamily="18" charset="0"/>
+                                        </a:rPr>
+                                        <m:t>𝑘</m:t>
+                                      </m:r>
+                                    </m:sub>
+                                  </m:sSub>
+                                </m:e>
+                              </m:d>
+                            </m:sub>
+                          </m:sSub>
+                          <m:r>
+                            <a:rPr lang="en-US" i="1">
+                              <a:latin typeface="Cambria Math" panose="02040503050406030204" pitchFamily="18" charset="0"/>
+                              <a:ea typeface="Cambria Math" panose="02040503050406030204" pitchFamily="18" charset="0"/>
+                            </a:rPr>
+                            <m:t>[−</m:t>
+                          </m:r>
+                          <m:f>
+                            <m:fPr>
+                              <m:ctrlPr>
+                                <a:rPr lang="en-US" i="1">
+                                  <a:latin typeface="Cambria Math" panose="02040503050406030204" pitchFamily="18" charset="0"/>
+                                  <a:ea typeface="Cambria Math" panose="02040503050406030204" pitchFamily="18" charset="0"/>
+                                </a:rPr>
+                              </m:ctrlPr>
+                            </m:fPr>
+                            <m:num>
+                              <m:r>
+                                <a:rPr lang="en-US" i="1">
+                                  <a:latin typeface="Cambria Math" panose="02040503050406030204" pitchFamily="18" charset="0"/>
+                                  <a:ea typeface="Cambria Math" panose="02040503050406030204" pitchFamily="18" charset="0"/>
+                                </a:rPr>
+                                <m:t>𝜕</m:t>
+                              </m:r>
+                              <m:r>
+                                <a:rPr lang="en-US" i="1">
+                                  <a:latin typeface="Cambria Math" panose="02040503050406030204" pitchFamily="18" charset="0"/>
+                                  <a:ea typeface="Cambria Math" panose="02040503050406030204" pitchFamily="18" charset="0"/>
+                                </a:rPr>
+                                <m:t>𝑣</m:t>
+                              </m:r>
+                              <m:d>
+                                <m:dPr>
+                                  <m:ctrlPr>
+                                    <a:rPr lang="en-US" i="1">
+                                      <a:latin typeface="Cambria Math" panose="02040503050406030204" pitchFamily="18" charset="0"/>
+                                      <a:ea typeface="Cambria Math" panose="02040503050406030204" pitchFamily="18" charset="0"/>
+                                    </a:rPr>
+                                  </m:ctrlPr>
+                                </m:dPr>
+                                <m:e>
+                                  <m:r>
+                                    <a:rPr lang="en-US" i="1">
+                                      <a:latin typeface="Cambria Math" panose="02040503050406030204" pitchFamily="18" charset="0"/>
+                                      <a:ea typeface="Cambria Math" panose="02040503050406030204" pitchFamily="18" charset="0"/>
+                                    </a:rPr>
+                                    <m:t>∙;</m:t>
+                                  </m:r>
+                                  <m:r>
+                                    <a:rPr lang="en-US" i="1">
+                                      <a:latin typeface="Cambria Math" panose="02040503050406030204" pitchFamily="18" charset="0"/>
+                                      <a:ea typeface="Cambria Math" panose="02040503050406030204" pitchFamily="18" charset="0"/>
+                                    </a:rPr>
+                                    <m:t>𝜽</m:t>
+                                  </m:r>
+                                </m:e>
+                              </m:d>
+                            </m:num>
+                            <m:den>
+                              <m:r>
+                                <a:rPr lang="en-US" i="1">
+                                  <a:latin typeface="Cambria Math" panose="02040503050406030204" pitchFamily="18" charset="0"/>
+                                  <a:ea typeface="Cambria Math" panose="02040503050406030204" pitchFamily="18" charset="0"/>
+                                </a:rPr>
+                                <m:t>𝜕</m:t>
+                              </m:r>
+                              <m:sSub>
+                                <m:sSubPr>
+                                  <m:ctrlPr>
+                                    <a:rPr lang="en-US" i="1">
+                                      <a:latin typeface="Cambria Math" panose="02040503050406030204" pitchFamily="18" charset="0"/>
+                                      <a:ea typeface="Cambria Math" panose="02040503050406030204" pitchFamily="18" charset="0"/>
+                                    </a:rPr>
+                                  </m:ctrlPr>
+                                </m:sSubPr>
+                                <m:e>
+                                  <m:r>
+                                    <a:rPr lang="en-US" i="1">
+                                      <a:latin typeface="Cambria Math" panose="02040503050406030204" pitchFamily="18" charset="0"/>
+                                      <a:ea typeface="Cambria Math" panose="02040503050406030204" pitchFamily="18" charset="0"/>
+                                    </a:rPr>
+                                    <m:t>𝜃</m:t>
+                                  </m:r>
+                                </m:e>
+                                <m:sub>
+                                  <m:r>
+                                    <a:rPr lang="en-US" i="1">
+                                      <a:latin typeface="Cambria Math" panose="02040503050406030204" pitchFamily="18" charset="0"/>
+                                      <a:ea typeface="Cambria Math" panose="02040503050406030204" pitchFamily="18" charset="0"/>
+                                    </a:rPr>
+                                    <m:t>𝑖</m:t>
+                                  </m:r>
+                                </m:sub>
+                              </m:sSub>
+                            </m:den>
+                          </m:f>
+                          <m:func>
+                            <m:funcPr>
+                              <m:ctrlPr>
+                                <a:rPr lang="en-US" i="1">
+                                  <a:latin typeface="Cambria Math" panose="02040503050406030204" pitchFamily="18" charset="0"/>
+                                  <a:ea typeface="Cambria Math" panose="02040503050406030204" pitchFamily="18" charset="0"/>
+                                </a:rPr>
+                              </m:ctrlPr>
+                            </m:funcPr>
+                            <m:fName>
+                              <m:r>
+                                <m:rPr>
+                                  <m:sty m:val="p"/>
+                                </m:rPr>
+                                <a:rPr lang="en-US">
+                                  <a:latin typeface="Cambria Math" panose="02040503050406030204" pitchFamily="18" charset="0"/>
+                                  <a:ea typeface="Cambria Math" panose="02040503050406030204" pitchFamily="18" charset="0"/>
+                                </a:rPr>
+                                <m:t>exp</m:t>
+                              </m:r>
+                            </m:fName>
+                            <m:e>
+                              <m:d>
+                                <m:dPr>
+                                  <m:ctrlPr>
+                                    <a:rPr lang="en-US" i="1">
+                                      <a:latin typeface="Cambria Math" panose="02040503050406030204" pitchFamily="18" charset="0"/>
+                                      <a:ea typeface="Cambria Math" panose="02040503050406030204" pitchFamily="18" charset="0"/>
+                                    </a:rPr>
+                                  </m:ctrlPr>
+                                </m:dPr>
+                                <m:e>
+                                  <m:r>
+                                    <a:rPr lang="en-US" i="1">
+                                      <a:latin typeface="Cambria Math" panose="02040503050406030204" pitchFamily="18" charset="0"/>
+                                      <a:ea typeface="Cambria Math" panose="02040503050406030204" pitchFamily="18" charset="0"/>
+                                    </a:rPr>
+                                    <m:t>−</m:t>
+                                  </m:r>
+                                  <m:r>
+                                    <a:rPr lang="en-US" i="1">
+                                      <a:latin typeface="Cambria Math" panose="02040503050406030204" pitchFamily="18" charset="0"/>
+                                      <a:ea typeface="Cambria Math" panose="02040503050406030204" pitchFamily="18" charset="0"/>
+                                    </a:rPr>
+                                    <m:t>𝑣</m:t>
+                                  </m:r>
+                                  <m:d>
+                                    <m:dPr>
+                                      <m:ctrlPr>
+                                        <a:rPr lang="en-US" i="1">
+                                          <a:latin typeface="Cambria Math" panose="02040503050406030204" pitchFamily="18" charset="0"/>
+                                          <a:ea typeface="Cambria Math" panose="02040503050406030204" pitchFamily="18" charset="0"/>
+                                        </a:rPr>
+                                      </m:ctrlPr>
+                                    </m:dPr>
+                                    <m:e>
+                                      <m:r>
+                                        <a:rPr lang="en-US" i="1">
+                                          <a:latin typeface="Cambria Math" panose="02040503050406030204" pitchFamily="18" charset="0"/>
+                                          <a:ea typeface="Cambria Math" panose="02040503050406030204" pitchFamily="18" charset="0"/>
+                                        </a:rPr>
+                                        <m:t>∙;</m:t>
+                                      </m:r>
+                                      <m:r>
+                                        <a:rPr lang="en-US" b="1" i="1">
+                                          <a:latin typeface="Cambria Math" panose="02040503050406030204" pitchFamily="18" charset="0"/>
+                                          <a:ea typeface="Cambria Math" panose="02040503050406030204" pitchFamily="18" charset="0"/>
+                                        </a:rPr>
+                                        <m:t>𝜽</m:t>
+                                      </m:r>
+                                    </m:e>
+                                  </m:d>
+                                </m:e>
+                              </m:d>
+                            </m:e>
+                          </m:func>
+                          <m:r>
+                            <a:rPr lang="en-US" i="1">
+                              <a:latin typeface="Cambria Math" panose="02040503050406030204" pitchFamily="18" charset="0"/>
+                              <a:ea typeface="Cambria Math" panose="02040503050406030204" pitchFamily="18" charset="0"/>
+                            </a:rPr>
+                            <m:t>]</m:t>
+                          </m:r>
+                          <m:sSub>
+                            <m:sSubPr>
+                              <m:ctrlPr>
+                                <a:rPr lang="en-US" i="1">
+                                  <a:latin typeface="Cambria Math" panose="02040503050406030204" pitchFamily="18" charset="0"/>
+                                  <a:ea typeface="Cambria Math" panose="02040503050406030204" pitchFamily="18" charset="0"/>
+                                </a:rPr>
+                              </m:ctrlPr>
+                            </m:sSubPr>
+                            <m:e>
+                              <m:r>
+                                <a:rPr lang="en-US" i="1">
+                                  <a:latin typeface="Cambria Math" panose="02040503050406030204" pitchFamily="18" charset="0"/>
+                                  <a:ea typeface="Cambria Math" panose="02040503050406030204" pitchFamily="18" charset="0"/>
+                                </a:rPr>
+                                <m:t>𝐸</m:t>
+                              </m:r>
+                            </m:e>
+                            <m:sub>
+                              <m:sSup>
+                                <m:sSupPr>
+                                  <m:ctrlPr>
+                                    <a:rPr lang="en-US" i="1">
+                                      <a:latin typeface="Cambria Math" panose="02040503050406030204" pitchFamily="18" charset="0"/>
+                                      <a:ea typeface="Cambria Math" panose="02040503050406030204" pitchFamily="18" charset="0"/>
+                                    </a:rPr>
+                                  </m:ctrlPr>
+                                </m:sSupPr>
+                                <m:e>
+                                  <m:r>
+                                    <m:rPr>
+                                      <m:sty m:val="p"/>
+                                    </m:rPr>
+                                    <a:rPr lang="el-GR" i="1">
+                                      <a:latin typeface="Cambria Math" panose="02040503050406030204" pitchFamily="18" charset="0"/>
+                                      <a:ea typeface="Cambria Math" panose="02040503050406030204" pitchFamily="18" charset="0"/>
+                                    </a:rPr>
+                                    <m:t>Π</m:t>
+                                  </m:r>
+                                </m:e>
+                                <m:sup>
+                                  <m:r>
+                                    <a:rPr lang="en-US" i="1">
+                                      <a:latin typeface="Cambria Math" panose="02040503050406030204" pitchFamily="18" charset="0"/>
+                                      <a:ea typeface="Cambria Math" panose="02040503050406030204" pitchFamily="18" charset="0"/>
+                                    </a:rPr>
+                                    <m:t>0</m:t>
+                                  </m:r>
+                                </m:sup>
+                              </m:sSup>
+                              <m:d>
+                                <m:dPr>
+                                  <m:ctrlPr>
+                                    <a:rPr lang="en-US" i="1">
+                                      <a:latin typeface="Cambria Math" panose="02040503050406030204" pitchFamily="18" charset="0"/>
+                                      <a:ea typeface="Cambria Math" panose="02040503050406030204" pitchFamily="18" charset="0"/>
+                                    </a:rPr>
+                                  </m:ctrlPr>
+                                </m:dPr>
+                                <m:e>
+                                  <m:sSub>
+                                    <m:sSubPr>
+                                      <m:ctrlPr>
+                                        <a:rPr lang="en-US" i="1">
+                                          <a:latin typeface="Cambria Math" panose="02040503050406030204" pitchFamily="18" charset="0"/>
+                                          <a:ea typeface="Cambria Math" panose="02040503050406030204" pitchFamily="18" charset="0"/>
+                                        </a:rPr>
+                                      </m:ctrlPr>
+                                    </m:sSubPr>
+                                    <m:e>
+                                      <m:r>
+                                        <a:rPr lang="en-US" i="1">
+                                          <a:latin typeface="Cambria Math" panose="02040503050406030204" pitchFamily="18" charset="0"/>
+                                          <a:ea typeface="Cambria Math" panose="02040503050406030204" pitchFamily="18" charset="0"/>
+                                        </a:rPr>
+                                        <m:t>𝑥</m:t>
+                                      </m:r>
+                                    </m:e>
+                                    <m:sub>
+                                      <m:r>
+                                        <a:rPr lang="en-US" i="1">
+                                          <a:latin typeface="Cambria Math" panose="02040503050406030204" pitchFamily="18" charset="0"/>
+                                          <a:ea typeface="Cambria Math" panose="02040503050406030204" pitchFamily="18" charset="0"/>
+                                        </a:rPr>
+                                        <m:t>𝑘</m:t>
+                                      </m:r>
+                                    </m:sub>
+                                  </m:sSub>
+                                </m:e>
+                              </m:d>
+                            </m:sub>
+                          </m:sSub>
+                          <m:r>
+                            <a:rPr lang="en-US" i="1">
+                              <a:latin typeface="Cambria Math" panose="02040503050406030204" pitchFamily="18" charset="0"/>
+                              <a:ea typeface="Cambria Math" panose="02040503050406030204" pitchFamily="18" charset="0"/>
+                            </a:rPr>
+                            <m:t>[−</m:t>
+                          </m:r>
+                          <m:f>
+                            <m:fPr>
+                              <m:ctrlPr>
+                                <a:rPr lang="en-US" i="1">
+                                  <a:latin typeface="Cambria Math" panose="02040503050406030204" pitchFamily="18" charset="0"/>
+                                  <a:ea typeface="Cambria Math" panose="02040503050406030204" pitchFamily="18" charset="0"/>
+                                </a:rPr>
+                              </m:ctrlPr>
+                            </m:fPr>
+                            <m:num>
+                              <m:r>
+                                <a:rPr lang="en-US" i="1">
+                                  <a:latin typeface="Cambria Math" panose="02040503050406030204" pitchFamily="18" charset="0"/>
+                                  <a:ea typeface="Cambria Math" panose="02040503050406030204" pitchFamily="18" charset="0"/>
+                                </a:rPr>
+                                <m:t>𝜕</m:t>
+                              </m:r>
+                              <m:r>
+                                <a:rPr lang="en-US" i="1">
+                                  <a:latin typeface="Cambria Math" panose="02040503050406030204" pitchFamily="18" charset="0"/>
+                                  <a:ea typeface="Cambria Math" panose="02040503050406030204" pitchFamily="18" charset="0"/>
+                                </a:rPr>
+                                <m:t>𝑣</m:t>
+                              </m:r>
+                              <m:d>
+                                <m:dPr>
+                                  <m:ctrlPr>
+                                    <a:rPr lang="en-US" i="1">
+                                      <a:latin typeface="Cambria Math" panose="02040503050406030204" pitchFamily="18" charset="0"/>
+                                      <a:ea typeface="Cambria Math" panose="02040503050406030204" pitchFamily="18" charset="0"/>
+                                    </a:rPr>
+                                  </m:ctrlPr>
+                                </m:dPr>
+                                <m:e>
+                                  <m:r>
+                                    <a:rPr lang="en-US" i="1">
+                                      <a:latin typeface="Cambria Math" panose="02040503050406030204" pitchFamily="18" charset="0"/>
+                                      <a:ea typeface="Cambria Math" panose="02040503050406030204" pitchFamily="18" charset="0"/>
+                                    </a:rPr>
+                                    <m:t>∙;</m:t>
+                                  </m:r>
+                                  <m:r>
+                                    <a:rPr lang="en-US" i="1">
+                                      <a:latin typeface="Cambria Math" panose="02040503050406030204" pitchFamily="18" charset="0"/>
+                                      <a:ea typeface="Cambria Math" panose="02040503050406030204" pitchFamily="18" charset="0"/>
+                                    </a:rPr>
+                                    <m:t>𝜽</m:t>
+                                  </m:r>
+                                </m:e>
+                              </m:d>
+                            </m:num>
+                            <m:den>
+                              <m:r>
+                                <a:rPr lang="en-US" i="1">
+                                  <a:latin typeface="Cambria Math" panose="02040503050406030204" pitchFamily="18" charset="0"/>
+                                  <a:ea typeface="Cambria Math" panose="02040503050406030204" pitchFamily="18" charset="0"/>
+                                </a:rPr>
+                                <m:t>𝜕</m:t>
+                              </m:r>
+                              <m:sSub>
+                                <m:sSubPr>
+                                  <m:ctrlPr>
+                                    <a:rPr lang="en-US" i="1">
+                                      <a:latin typeface="Cambria Math" panose="02040503050406030204" pitchFamily="18" charset="0"/>
+                                      <a:ea typeface="Cambria Math" panose="02040503050406030204" pitchFamily="18" charset="0"/>
+                                    </a:rPr>
+                                  </m:ctrlPr>
+                                </m:sSubPr>
+                                <m:e>
+                                  <m:r>
+                                    <a:rPr lang="en-US" i="1">
+                                      <a:latin typeface="Cambria Math" panose="02040503050406030204" pitchFamily="18" charset="0"/>
+                                      <a:ea typeface="Cambria Math" panose="02040503050406030204" pitchFamily="18" charset="0"/>
+                                    </a:rPr>
+                                    <m:t>𝜃</m:t>
+                                  </m:r>
+                                </m:e>
+                                <m:sub>
+                                  <m:r>
+                                    <a:rPr lang="en-US" b="0" i="1" smtClean="0">
+                                      <a:latin typeface="Cambria Math" panose="02040503050406030204" pitchFamily="18" charset="0"/>
+                                      <a:ea typeface="Cambria Math" panose="02040503050406030204" pitchFamily="18" charset="0"/>
+                                    </a:rPr>
+                                    <m:t>𝑗</m:t>
+                                  </m:r>
+                                </m:sub>
+                              </m:sSub>
+                            </m:den>
+                          </m:f>
+                          <m:func>
+                            <m:funcPr>
+                              <m:ctrlPr>
+                                <a:rPr lang="en-US" i="1">
+                                  <a:latin typeface="Cambria Math" panose="02040503050406030204" pitchFamily="18" charset="0"/>
+                                  <a:ea typeface="Cambria Math" panose="02040503050406030204" pitchFamily="18" charset="0"/>
+                                </a:rPr>
+                              </m:ctrlPr>
+                            </m:funcPr>
+                            <m:fName>
+                              <m:r>
+                                <m:rPr>
+                                  <m:sty m:val="p"/>
+                                </m:rPr>
+                                <a:rPr lang="en-US">
+                                  <a:latin typeface="Cambria Math" panose="02040503050406030204" pitchFamily="18" charset="0"/>
+                                  <a:ea typeface="Cambria Math" panose="02040503050406030204" pitchFamily="18" charset="0"/>
+                                </a:rPr>
+                                <m:t>exp</m:t>
+                              </m:r>
+                            </m:fName>
+                            <m:e>
+                              <m:d>
+                                <m:dPr>
+                                  <m:ctrlPr>
+                                    <a:rPr lang="en-US" i="1">
+                                      <a:latin typeface="Cambria Math" panose="02040503050406030204" pitchFamily="18" charset="0"/>
+                                      <a:ea typeface="Cambria Math" panose="02040503050406030204" pitchFamily="18" charset="0"/>
+                                    </a:rPr>
+                                  </m:ctrlPr>
+                                </m:dPr>
+                                <m:e>
+                                  <m:r>
+                                    <a:rPr lang="en-US" i="1">
+                                      <a:latin typeface="Cambria Math" panose="02040503050406030204" pitchFamily="18" charset="0"/>
+                                      <a:ea typeface="Cambria Math" panose="02040503050406030204" pitchFamily="18" charset="0"/>
+                                    </a:rPr>
+                                    <m:t>−</m:t>
+                                  </m:r>
+                                  <m:r>
+                                    <a:rPr lang="en-US" i="1">
+                                      <a:latin typeface="Cambria Math" panose="02040503050406030204" pitchFamily="18" charset="0"/>
+                                      <a:ea typeface="Cambria Math" panose="02040503050406030204" pitchFamily="18" charset="0"/>
+                                    </a:rPr>
+                                    <m:t>𝑣</m:t>
+                                  </m:r>
+                                  <m:d>
+                                    <m:dPr>
+                                      <m:ctrlPr>
+                                        <a:rPr lang="en-US" i="1">
+                                          <a:latin typeface="Cambria Math" panose="02040503050406030204" pitchFamily="18" charset="0"/>
+                                          <a:ea typeface="Cambria Math" panose="02040503050406030204" pitchFamily="18" charset="0"/>
+                                        </a:rPr>
+                                      </m:ctrlPr>
+                                    </m:dPr>
+                                    <m:e>
+                                      <m:r>
+                                        <a:rPr lang="en-US" i="1">
+                                          <a:latin typeface="Cambria Math" panose="02040503050406030204" pitchFamily="18" charset="0"/>
+                                          <a:ea typeface="Cambria Math" panose="02040503050406030204" pitchFamily="18" charset="0"/>
+                                        </a:rPr>
+                                        <m:t>∙;</m:t>
+                                      </m:r>
+                                      <m:r>
+                                        <a:rPr lang="en-US" b="1" i="1">
+                                          <a:latin typeface="Cambria Math" panose="02040503050406030204" pitchFamily="18" charset="0"/>
+                                          <a:ea typeface="Cambria Math" panose="02040503050406030204" pitchFamily="18" charset="0"/>
+                                        </a:rPr>
+                                        <m:t>𝜽</m:t>
+                                      </m:r>
+                                    </m:e>
+                                  </m:d>
+                                </m:e>
+                              </m:d>
+                            </m:e>
+                          </m:func>
+                          <m:r>
+                            <a:rPr lang="en-US" i="1">
+                              <a:latin typeface="Cambria Math" panose="02040503050406030204" pitchFamily="18" charset="0"/>
+                              <a:ea typeface="Cambria Math" panose="02040503050406030204" pitchFamily="18" charset="0"/>
+                            </a:rPr>
+                            <m:t>]</m:t>
+                          </m:r>
+                        </m:num>
+                        <m:den>
+                          <m:sSup>
+                            <m:sSupPr>
+                              <m:ctrlPr>
+                                <a:rPr lang="en-US" b="0" i="1" smtClean="0">
+                                  <a:latin typeface="Cambria Math" panose="02040503050406030204" pitchFamily="18" charset="0"/>
+                                  <a:ea typeface="Cambria Math" panose="02040503050406030204" pitchFamily="18" charset="0"/>
+                                </a:rPr>
+                              </m:ctrlPr>
+                            </m:sSupPr>
+                            <m:e>
+                              <m:sSub>
+                                <m:sSubPr>
+                                  <m:ctrlPr>
+                                    <a:rPr lang="en-US" i="1">
+                                      <a:latin typeface="Cambria Math" panose="02040503050406030204" pitchFamily="18" charset="0"/>
+                                      <a:ea typeface="Cambria Math" panose="02040503050406030204" pitchFamily="18" charset="0"/>
+                                    </a:rPr>
+                                  </m:ctrlPr>
+                                </m:sSubPr>
+                                <m:e>
+                                  <m:r>
+                                    <a:rPr lang="en-US" i="1">
+                                      <a:latin typeface="Cambria Math" panose="02040503050406030204" pitchFamily="18" charset="0"/>
+                                      <a:ea typeface="Cambria Math" panose="02040503050406030204" pitchFamily="18" charset="0"/>
+                                    </a:rPr>
+                                    <m:t>𝐸</m:t>
+                                  </m:r>
+                                </m:e>
+                                <m:sub>
+                                  <m:sSup>
+                                    <m:sSupPr>
+                                      <m:ctrlPr>
+                                        <a:rPr lang="en-US" i="1">
+                                          <a:latin typeface="Cambria Math" panose="02040503050406030204" pitchFamily="18" charset="0"/>
+                                          <a:ea typeface="Cambria Math" panose="02040503050406030204" pitchFamily="18" charset="0"/>
+                                        </a:rPr>
+                                      </m:ctrlPr>
+                                    </m:sSupPr>
+                                    <m:e>
+                                      <m:r>
+                                        <m:rPr>
+                                          <m:sty m:val="p"/>
+                                        </m:rPr>
+                                        <a:rPr lang="el-GR" i="1">
+                                          <a:latin typeface="Cambria Math" panose="02040503050406030204" pitchFamily="18" charset="0"/>
+                                          <a:ea typeface="Cambria Math" panose="02040503050406030204" pitchFamily="18" charset="0"/>
+                                        </a:rPr>
+                                        <m:t>Π</m:t>
+                                      </m:r>
+                                    </m:e>
+                                    <m:sup>
+                                      <m:r>
+                                        <a:rPr lang="en-US" i="1">
+                                          <a:latin typeface="Cambria Math" panose="02040503050406030204" pitchFamily="18" charset="0"/>
+                                          <a:ea typeface="Cambria Math" panose="02040503050406030204" pitchFamily="18" charset="0"/>
+                                        </a:rPr>
+                                        <m:t>0</m:t>
+                                      </m:r>
+                                    </m:sup>
+                                  </m:sSup>
+                                  <m:d>
+                                    <m:dPr>
+                                      <m:ctrlPr>
+                                        <a:rPr lang="en-US" i="1">
+                                          <a:latin typeface="Cambria Math" panose="02040503050406030204" pitchFamily="18" charset="0"/>
+                                          <a:ea typeface="Cambria Math" panose="02040503050406030204" pitchFamily="18" charset="0"/>
+                                        </a:rPr>
+                                      </m:ctrlPr>
+                                    </m:dPr>
+                                    <m:e>
+                                      <m:sSub>
+                                        <m:sSubPr>
+                                          <m:ctrlPr>
+                                            <a:rPr lang="en-US" i="1">
+                                              <a:latin typeface="Cambria Math" panose="02040503050406030204" pitchFamily="18" charset="0"/>
+                                              <a:ea typeface="Cambria Math" panose="02040503050406030204" pitchFamily="18" charset="0"/>
+                                            </a:rPr>
+                                          </m:ctrlPr>
+                                        </m:sSubPr>
+                                        <m:e>
+                                          <m:r>
+                                            <a:rPr lang="en-US" i="1">
+                                              <a:latin typeface="Cambria Math" panose="02040503050406030204" pitchFamily="18" charset="0"/>
+                                              <a:ea typeface="Cambria Math" panose="02040503050406030204" pitchFamily="18" charset="0"/>
+                                            </a:rPr>
+                                            <m:t>𝑥</m:t>
+                                          </m:r>
+                                        </m:e>
+                                        <m:sub>
+                                          <m:r>
+                                            <a:rPr lang="en-US" i="1">
+                                              <a:latin typeface="Cambria Math" panose="02040503050406030204" pitchFamily="18" charset="0"/>
+                                              <a:ea typeface="Cambria Math" panose="02040503050406030204" pitchFamily="18" charset="0"/>
+                                            </a:rPr>
+                                            <m:t>𝑘</m:t>
+                                          </m:r>
+                                        </m:sub>
+                                      </m:sSub>
+                                    </m:e>
+                                  </m:d>
+                                </m:sub>
+                              </m:sSub>
+                              <m:d>
+                                <m:dPr>
+                                  <m:begChr m:val="["/>
+                                  <m:endChr m:val="]"/>
+                                  <m:ctrlPr>
+                                    <a:rPr lang="en-US" i="1">
+                                      <a:latin typeface="Cambria Math" panose="02040503050406030204" pitchFamily="18" charset="0"/>
+                                      <a:ea typeface="Cambria Math" panose="02040503050406030204" pitchFamily="18" charset="0"/>
+                                    </a:rPr>
+                                  </m:ctrlPr>
+                                </m:dPr>
+                                <m:e>
+                                  <m:func>
+                                    <m:funcPr>
+                                      <m:ctrlPr>
+                                        <a:rPr lang="en-US" i="1">
+                                          <a:latin typeface="Cambria Math" panose="02040503050406030204" pitchFamily="18" charset="0"/>
+                                          <a:ea typeface="Cambria Math" panose="02040503050406030204" pitchFamily="18" charset="0"/>
+                                        </a:rPr>
+                                      </m:ctrlPr>
+                                    </m:funcPr>
+                                    <m:fName>
+                                      <m:r>
+                                        <m:rPr>
+                                          <m:sty m:val="p"/>
+                                        </m:rPr>
+                                        <a:rPr lang="en-US">
+                                          <a:latin typeface="Cambria Math" panose="02040503050406030204" pitchFamily="18" charset="0"/>
+                                          <a:ea typeface="Cambria Math" panose="02040503050406030204" pitchFamily="18" charset="0"/>
+                                        </a:rPr>
+                                        <m:t>exp</m:t>
+                                      </m:r>
+                                    </m:fName>
+                                    <m:e>
+                                      <m:d>
+                                        <m:dPr>
+                                          <m:ctrlPr>
+                                            <a:rPr lang="en-US" i="1">
+                                              <a:latin typeface="Cambria Math" panose="02040503050406030204" pitchFamily="18" charset="0"/>
+                                              <a:ea typeface="Cambria Math" panose="02040503050406030204" pitchFamily="18" charset="0"/>
+                                            </a:rPr>
+                                          </m:ctrlPr>
+                                        </m:dPr>
+                                        <m:e>
+                                          <m:r>
+                                            <a:rPr lang="en-US" i="1">
+                                              <a:latin typeface="Cambria Math" panose="02040503050406030204" pitchFamily="18" charset="0"/>
+                                              <a:ea typeface="Cambria Math" panose="02040503050406030204" pitchFamily="18" charset="0"/>
+                                            </a:rPr>
+                                            <m:t>−</m:t>
+                                          </m:r>
+                                          <m:r>
+                                            <a:rPr lang="en-US" i="1">
+                                              <a:latin typeface="Cambria Math" panose="02040503050406030204" pitchFamily="18" charset="0"/>
+                                              <a:ea typeface="Cambria Math" panose="02040503050406030204" pitchFamily="18" charset="0"/>
+                                            </a:rPr>
+                                            <m:t>𝑣</m:t>
+                                          </m:r>
+                                          <m:d>
+                                            <m:dPr>
+                                              <m:ctrlPr>
+                                                <a:rPr lang="en-US" i="1">
+                                                  <a:latin typeface="Cambria Math" panose="02040503050406030204" pitchFamily="18" charset="0"/>
+                                                  <a:ea typeface="Cambria Math" panose="02040503050406030204" pitchFamily="18" charset="0"/>
+                                                </a:rPr>
+                                              </m:ctrlPr>
+                                            </m:dPr>
+                                            <m:e>
+                                              <m:r>
+                                                <a:rPr lang="en-US" i="1">
+                                                  <a:latin typeface="Cambria Math" panose="02040503050406030204" pitchFamily="18" charset="0"/>
+                                                  <a:ea typeface="Cambria Math" panose="02040503050406030204" pitchFamily="18" charset="0"/>
+                                                </a:rPr>
+                                                <m:t>∙;</m:t>
+                                              </m:r>
+                                              <m:r>
+                                                <a:rPr lang="en-US" i="1">
+                                                  <a:latin typeface="Cambria Math" panose="02040503050406030204" pitchFamily="18" charset="0"/>
+                                                  <a:ea typeface="Cambria Math" panose="02040503050406030204" pitchFamily="18" charset="0"/>
+                                                </a:rPr>
+                                                <m:t>𝜽</m:t>
+                                              </m:r>
+                                            </m:e>
+                                          </m:d>
+                                        </m:e>
+                                      </m:d>
+                                    </m:e>
+                                  </m:func>
+                                </m:e>
+                              </m:d>
+                            </m:e>
+                            <m:sup>
+                              <m:r>
+                                <a:rPr lang="en-US" b="0" i="1" smtClean="0">
+                                  <a:latin typeface="Cambria Math" panose="02040503050406030204" pitchFamily="18" charset="0"/>
+                                  <a:ea typeface="Cambria Math" panose="02040503050406030204" pitchFamily="18" charset="0"/>
+                                </a:rPr>
+                                <m:t>2</m:t>
+                              </m:r>
+                            </m:sup>
+                          </m:sSup>
+                        </m:den>
+                      </m:f>
+                    </m:oMath>
+                  </m:oMathPara>
+                </a14:m>
+                <a:endParaRPr lang="en-US" dirty="0"/>
+              </a:p>
+              <a:p>
+                <a:pPr marL="0" indent="0">
+                  <a:buNone/>
+                </a:pPr>
+                <a:endParaRPr lang="en-US" dirty="0"/>
+              </a:p>
+            </p:txBody>
+          </p:sp>
+        </mc:Choice>
+        <mc:Fallback>
+          <p:sp>
+            <p:nvSpPr>
+              <p:cNvPr id="3" name="Content Placeholder 2">
+                <a:extLst>
+                  <a:ext uri="{FF2B5EF4-FFF2-40B4-BE49-F238E27FC236}">
+                    <a16:creationId xmlns:a16="http://schemas.microsoft.com/office/drawing/2014/main" id="{CBBAC521-9E8E-0CE0-84DA-DBEB70A5A320}"/>
+                  </a:ext>
+                </a:extLst>
+              </p:cNvPr>
+              <p:cNvSpPr>
+                <a:spLocks noGrp="1" noRot="1" noChangeAspect="1" noMove="1" noResize="1" noEditPoints="1" noAdjustHandles="1" noChangeArrowheads="1" noChangeShapeType="1" noTextEdit="1"/>
+              </p:cNvSpPr>
+              <p:nvPr>
+                <p:ph idx="1"/>
+              </p:nvPr>
+            </p:nvSpPr>
+            <p:spPr>
+              <a:blipFill>
+                <a:blip r:embed="rId2"/>
+                <a:stretch>
+                  <a:fillRect l="-3619" t="-3198"/>
+                </a:stretch>
+              </a:blipFill>
+            </p:spPr>
+            <p:txBody>
+              <a:bodyPr/>
+              <a:lstStyle/>
+              <a:p>
+                <a:r>
+                  <a:rPr lang="en-US">
+                    <a:noFill/>
+                  </a:rPr>
+                  <a:t> </a:t>
+                </a:r>
+              </a:p>
+            </p:txBody>
+          </p:sp>
+        </mc:Fallback>
+      </mc:AlternateContent>
+    </p:spTree>
+    <p:extLst>
+      <p:ext uri="{BB962C8B-B14F-4D97-AF65-F5344CB8AC3E}">
+        <p14:creationId xmlns:p14="http://schemas.microsoft.com/office/powerpoint/2010/main" val="2526033520"/>
       </p:ext>
     </p:extLst>
   </p:cSld>
